--- a/Presentation/OpenHackwithIBM_Solution_v3.pptx
+++ b/Presentation/OpenHackwithIBM_Solution_v3.pptx
@@ -115,10 +115,125 @@
   </p:defaultTextStyle>
   <p:extLst>
     <p:ext uri="{EFAFB233-063F-42B5-8137-9DF3F51BA10A}">
-      <p15:sldGuideLst xmlns:p15="http://schemas.microsoft.com/office/powerpoint/2012/main" xmlns=""/>
+      <p15:sldGuideLst xmlns:p15="http://schemas.microsoft.com/office/powerpoint/2012/main"/>
     </p:ext>
   </p:extLst>
 </p:presentation>
+</file>
+
+<file path=ppt/changesInfos/changesInfo1.xml><?xml version="1.0" encoding="utf-8"?>
+<pc:chgInfo xmlns:a="http://schemas.openxmlformats.org/drawingml/2006/main" xmlns:r="http://schemas.openxmlformats.org/officeDocument/2006/relationships" xmlns:ac="http://schemas.microsoft.com/office/drawing/2013/main/command" xmlns:pc="http://schemas.microsoft.com/office/powerpoint/2013/main/command">
+  <pc:docChgLst>
+    <pc:chgData name="Asha Veerabhadraiah" userId="247ce189-6f1e-4d8f-98fc-82544985ad72" providerId="ADAL" clId="{FFAA52E9-70B5-4AB6-AE8C-BD216F8F5885}"/>
+    <pc:docChg chg="undo custSel modSld">
+      <pc:chgData name="Asha Veerabhadraiah" userId="247ce189-6f1e-4d8f-98fc-82544985ad72" providerId="ADAL" clId="{FFAA52E9-70B5-4AB6-AE8C-BD216F8F5885}" dt="2020-05-05T11:17:50.396" v="114" actId="14100"/>
+      <pc:docMkLst>
+        <pc:docMk/>
+      </pc:docMkLst>
+      <pc:sldChg chg="modSp">
+        <pc:chgData name="Asha Veerabhadraiah" userId="247ce189-6f1e-4d8f-98fc-82544985ad72" providerId="ADAL" clId="{FFAA52E9-70B5-4AB6-AE8C-BD216F8F5885}" dt="2020-05-05T09:18:10.318" v="70" actId="20577"/>
+        <pc:sldMkLst>
+          <pc:docMk/>
+          <pc:sldMk cId="2207613232" sldId="259"/>
+        </pc:sldMkLst>
+        <pc:spChg chg="mod">
+          <ac:chgData name="Asha Veerabhadraiah" userId="247ce189-6f1e-4d8f-98fc-82544985ad72" providerId="ADAL" clId="{FFAA52E9-70B5-4AB6-AE8C-BD216F8F5885}" dt="2020-05-05T09:18:10.318" v="70" actId="20577"/>
+          <ac:spMkLst>
+            <pc:docMk/>
+            <pc:sldMk cId="2207613232" sldId="259"/>
+            <ac:spMk id="2" creationId="{00000000-0000-0000-0000-000000000000}"/>
+          </ac:spMkLst>
+        </pc:spChg>
+      </pc:sldChg>
+      <pc:sldChg chg="modSp">
+        <pc:chgData name="Asha Veerabhadraiah" userId="247ce189-6f1e-4d8f-98fc-82544985ad72" providerId="ADAL" clId="{FFAA52E9-70B5-4AB6-AE8C-BD216F8F5885}" dt="2020-05-05T09:18:09.989" v="69" actId="6549"/>
+        <pc:sldMkLst>
+          <pc:docMk/>
+          <pc:sldMk cId="1018848251" sldId="264"/>
+        </pc:sldMkLst>
+        <pc:graphicFrameChg chg="modGraphic">
+          <ac:chgData name="Asha Veerabhadraiah" userId="247ce189-6f1e-4d8f-98fc-82544985ad72" providerId="ADAL" clId="{FFAA52E9-70B5-4AB6-AE8C-BD216F8F5885}" dt="2020-05-05T09:18:09.989" v="69" actId="6549"/>
+          <ac:graphicFrameMkLst>
+            <pc:docMk/>
+            <pc:sldMk cId="1018848251" sldId="264"/>
+            <ac:graphicFrameMk id="2" creationId="{00000000-0000-0000-0000-000000000000}"/>
+          </ac:graphicFrameMkLst>
+        </pc:graphicFrameChg>
+      </pc:sldChg>
+      <pc:sldChg chg="addSp delSp modSp">
+        <pc:chgData name="Asha Veerabhadraiah" userId="247ce189-6f1e-4d8f-98fc-82544985ad72" providerId="ADAL" clId="{FFAA52E9-70B5-4AB6-AE8C-BD216F8F5885}" dt="2020-05-05T11:17:50.396" v="114" actId="14100"/>
+        <pc:sldMkLst>
+          <pc:docMk/>
+          <pc:sldMk cId="1728695450" sldId="268"/>
+        </pc:sldMkLst>
+        <pc:spChg chg="add del">
+          <ac:chgData name="Asha Veerabhadraiah" userId="247ce189-6f1e-4d8f-98fc-82544985ad72" providerId="ADAL" clId="{FFAA52E9-70B5-4AB6-AE8C-BD216F8F5885}" dt="2020-05-05T11:02:26.019" v="73"/>
+          <ac:spMkLst>
+            <pc:docMk/>
+            <pc:sldMk cId="1728695450" sldId="268"/>
+            <ac:spMk id="6" creationId="{684152AE-D211-476B-9AB8-5EEE56C8982D}"/>
+          </ac:spMkLst>
+        </pc:spChg>
+        <pc:spChg chg="add del">
+          <ac:chgData name="Asha Veerabhadraiah" userId="247ce189-6f1e-4d8f-98fc-82544985ad72" providerId="ADAL" clId="{FFAA52E9-70B5-4AB6-AE8C-BD216F8F5885}" dt="2020-05-05T11:06:10.676" v="77"/>
+          <ac:spMkLst>
+            <pc:docMk/>
+            <pc:sldMk cId="1728695450" sldId="268"/>
+            <ac:spMk id="7" creationId="{584A056D-1B22-4174-998C-C871231576F2}"/>
+          </ac:spMkLst>
+        </pc:spChg>
+        <pc:spChg chg="add del">
+          <ac:chgData name="Asha Veerabhadraiah" userId="247ce189-6f1e-4d8f-98fc-82544985ad72" providerId="ADAL" clId="{FFAA52E9-70B5-4AB6-AE8C-BD216F8F5885}" dt="2020-05-05T11:06:25.354" v="79"/>
+          <ac:spMkLst>
+            <pc:docMk/>
+            <pc:sldMk cId="1728695450" sldId="268"/>
+            <ac:spMk id="8" creationId="{E8A59ED5-B613-4CCB-B870-C49A2E97B65D}"/>
+          </ac:spMkLst>
+        </pc:spChg>
+        <pc:picChg chg="add del mod">
+          <ac:chgData name="Asha Veerabhadraiah" userId="247ce189-6f1e-4d8f-98fc-82544985ad72" providerId="ADAL" clId="{FFAA52E9-70B5-4AB6-AE8C-BD216F8F5885}" dt="2020-05-05T11:02:22.498" v="71" actId="478"/>
+          <ac:picMkLst>
+            <pc:docMk/>
+            <pc:sldMk cId="1728695450" sldId="268"/>
+            <ac:picMk id="3" creationId="{C9826FDD-0646-4618-8CC9-C1ACCBE313BD}"/>
+          </ac:picMkLst>
+        </pc:picChg>
+        <pc:picChg chg="add del mod">
+          <ac:chgData name="Asha Veerabhadraiah" userId="247ce189-6f1e-4d8f-98fc-82544985ad72" providerId="ADAL" clId="{FFAA52E9-70B5-4AB6-AE8C-BD216F8F5885}" dt="2020-05-05T06:16:51.296" v="61"/>
+          <ac:picMkLst>
+            <pc:docMk/>
+            <pc:sldMk cId="1728695450" sldId="268"/>
+            <ac:picMk id="4" creationId="{6CE5B4B4-3C14-4C8F-B297-5E21081F0156}"/>
+          </ac:picMkLst>
+        </pc:picChg>
+        <pc:picChg chg="add del">
+          <ac:chgData name="Asha Veerabhadraiah" userId="247ce189-6f1e-4d8f-98fc-82544985ad72" providerId="ADAL" clId="{FFAA52E9-70B5-4AB6-AE8C-BD216F8F5885}" dt="2020-05-05T09:18:04.393" v="63"/>
+          <ac:picMkLst>
+            <pc:docMk/>
+            <pc:sldMk cId="1728695450" sldId="268"/>
+            <ac:picMk id="5" creationId="{6A65AB27-4F84-46F3-B671-1D49B34175B2}"/>
+          </ac:picMkLst>
+        </pc:picChg>
+        <pc:picChg chg="add mod">
+          <ac:chgData name="Asha Veerabhadraiah" userId="247ce189-6f1e-4d8f-98fc-82544985ad72" providerId="ADAL" clId="{FFAA52E9-70B5-4AB6-AE8C-BD216F8F5885}" dt="2020-05-05T11:17:50.396" v="114" actId="14100"/>
+          <ac:picMkLst>
+            <pc:docMk/>
+            <pc:sldMk cId="1728695450" sldId="268"/>
+            <ac:picMk id="9" creationId="{8C8A28FB-F3D7-4637-BC40-57C3682E65F2}"/>
+          </ac:picMkLst>
+        </pc:picChg>
+        <pc:picChg chg="del">
+          <ac:chgData name="Asha Veerabhadraiah" userId="247ce189-6f1e-4d8f-98fc-82544985ad72" providerId="ADAL" clId="{FFAA52E9-70B5-4AB6-AE8C-BD216F8F5885}" dt="2020-05-03T06:00:50.324" v="0" actId="478"/>
+          <ac:picMkLst>
+            <pc:docMk/>
+            <pc:sldMk cId="1728695450" sldId="268"/>
+            <ac:picMk id="1026" creationId="{C037B7DA-D1EF-4AA3-ADE1-54FF18DE3F57}"/>
+          </ac:picMkLst>
+        </pc:picChg>
+      </pc:sldChg>
+    </pc:docChg>
+  </pc:docChgLst>
+</pc:chgInfo>
 </file>
 
 <file path=ppt/notesMasters/notesMaster1.xml><?xml version="1.0" encoding="utf-8"?>
@@ -203,7 +318,6 @@
           <a:p>
             <a:fld id="{DD634F6A-6287-4B36-9A95-0F17B3383A7B}" type="datetimeFigureOut">
               <a:rPr lang="en-US" smtClean="0"/>
-              <a:pPr/>
               <a:t>5/4/2020</a:t>
             </a:fld>
             <a:endParaRPr lang="en-US"/>
@@ -362,7 +476,6 @@
           <a:p>
             <a:fld id="{5E540504-B766-4F25-A31C-5848501400E7}" type="slidenum">
               <a:rPr lang="en-US" smtClean="0"/>
-              <a:pPr/>
               <a:t>‹#›</a:t>
             </a:fld>
             <a:endParaRPr lang="en-US"/>
@@ -372,7 +485,7 @@
     </p:spTree>
     <p:extLst>
       <p:ext uri="{BB962C8B-B14F-4D97-AF65-F5344CB8AC3E}">
-        <p14:creationId xmlns:p14="http://schemas.microsoft.com/office/powerpoint/2010/main" xmlns="" val="3323206892"/>
+        <p14:creationId xmlns:p14="http://schemas.microsoft.com/office/powerpoint/2010/main" val="3323206892"/>
       </p:ext>
     </p:extLst>
   </p:cSld>
@@ -548,7 +661,7 @@
     </p:spTree>
     <p:extLst>
       <p:ext uri="{BB962C8B-B14F-4D97-AF65-F5344CB8AC3E}">
-        <p14:creationId xmlns:p14="http://schemas.microsoft.com/office/powerpoint/2010/main" xmlns="" val="595591929"/>
+        <p14:creationId xmlns:p14="http://schemas.microsoft.com/office/powerpoint/2010/main" val="595591929"/>
       </p:ext>
     </p:extLst>
   </p:cSld>
@@ -628,7 +741,7 @@
     </p:spTree>
     <p:extLst>
       <p:ext uri="{BB962C8B-B14F-4D97-AF65-F5344CB8AC3E}">
-        <p14:creationId xmlns:p14="http://schemas.microsoft.com/office/powerpoint/2010/main" xmlns="" val="1229805057"/>
+        <p14:creationId xmlns:p14="http://schemas.microsoft.com/office/powerpoint/2010/main" val="1229805057"/>
       </p:ext>
     </p:extLst>
   </p:cSld>
@@ -708,7 +821,7 @@
     </p:spTree>
     <p:extLst>
       <p:ext uri="{BB962C8B-B14F-4D97-AF65-F5344CB8AC3E}">
-        <p14:creationId xmlns:p14="http://schemas.microsoft.com/office/powerpoint/2010/main" xmlns="" val="2887709669"/>
+        <p14:creationId xmlns:p14="http://schemas.microsoft.com/office/powerpoint/2010/main" val="2887709669"/>
       </p:ext>
     </p:extLst>
   </p:cSld>
@@ -847,7 +960,6 @@
           <a:p>
             <a:fld id="{4417404F-2166-4BB4-87AF-2DF1DBD94F21}" type="datetimeFigureOut">
               <a:rPr lang="en-US" smtClean="0"/>
-              <a:pPr/>
               <a:t>5/4/2020</a:t>
             </a:fld>
             <a:endParaRPr lang="en-US"/>
@@ -890,7 +1002,6 @@
           <a:p>
             <a:fld id="{BA724383-3E42-428D-8C6D-A19136BFB428}" type="slidenum">
               <a:rPr lang="en-US" smtClean="0"/>
-              <a:pPr/>
               <a:t>‹#›</a:t>
             </a:fld>
             <a:endParaRPr lang="en-US"/>
@@ -900,7 +1011,7 @@
     </p:spTree>
     <p:extLst>
       <p:ext uri="{BB962C8B-B14F-4D97-AF65-F5344CB8AC3E}">
-        <p14:creationId xmlns:p14="http://schemas.microsoft.com/office/powerpoint/2010/main" xmlns="" val="2265751529"/>
+        <p14:creationId xmlns:p14="http://schemas.microsoft.com/office/powerpoint/2010/main" val="2265751529"/>
       </p:ext>
     </p:extLst>
   </p:cSld>
@@ -1017,7 +1128,6 @@
           <a:p>
             <a:fld id="{4417404F-2166-4BB4-87AF-2DF1DBD94F21}" type="datetimeFigureOut">
               <a:rPr lang="en-US" smtClean="0"/>
-              <a:pPr/>
               <a:t>5/4/2020</a:t>
             </a:fld>
             <a:endParaRPr lang="en-US"/>
@@ -1060,7 +1170,6 @@
           <a:p>
             <a:fld id="{BA724383-3E42-428D-8C6D-A19136BFB428}" type="slidenum">
               <a:rPr lang="en-US" smtClean="0"/>
-              <a:pPr/>
               <a:t>‹#›</a:t>
             </a:fld>
             <a:endParaRPr lang="en-US"/>
@@ -1070,7 +1179,7 @@
     </p:spTree>
     <p:extLst>
       <p:ext uri="{BB962C8B-B14F-4D97-AF65-F5344CB8AC3E}">
-        <p14:creationId xmlns:p14="http://schemas.microsoft.com/office/powerpoint/2010/main" xmlns="" val="3099789300"/>
+        <p14:creationId xmlns:p14="http://schemas.microsoft.com/office/powerpoint/2010/main" val="3099789300"/>
       </p:ext>
     </p:extLst>
   </p:cSld>
@@ -1197,7 +1306,6 @@
           <a:p>
             <a:fld id="{4417404F-2166-4BB4-87AF-2DF1DBD94F21}" type="datetimeFigureOut">
               <a:rPr lang="en-US" smtClean="0"/>
-              <a:pPr/>
               <a:t>5/4/2020</a:t>
             </a:fld>
             <a:endParaRPr lang="en-US"/>
@@ -1240,7 +1348,6 @@
           <a:p>
             <a:fld id="{BA724383-3E42-428D-8C6D-A19136BFB428}" type="slidenum">
               <a:rPr lang="en-US" smtClean="0"/>
-              <a:pPr/>
               <a:t>‹#›</a:t>
             </a:fld>
             <a:endParaRPr lang="en-US"/>
@@ -1250,7 +1357,7 @@
     </p:spTree>
     <p:extLst>
       <p:ext uri="{BB962C8B-B14F-4D97-AF65-F5344CB8AC3E}">
-        <p14:creationId xmlns:p14="http://schemas.microsoft.com/office/powerpoint/2010/main" xmlns="" val="399918238"/>
+        <p14:creationId xmlns:p14="http://schemas.microsoft.com/office/powerpoint/2010/main" val="399918238"/>
       </p:ext>
     </p:extLst>
   </p:cSld>
@@ -1592,7 +1699,7 @@
     </p:spTree>
     <p:extLst>
       <p:ext uri="{BB962C8B-B14F-4D97-AF65-F5344CB8AC3E}">
-        <p14:creationId xmlns:p14="http://schemas.microsoft.com/office/powerpoint/2010/main" xmlns="" val="3889223033"/>
+        <p14:creationId xmlns:p14="http://schemas.microsoft.com/office/powerpoint/2010/main" val="3889223033"/>
       </p:ext>
     </p:extLst>
   </p:cSld>
@@ -2775,7 +2882,7 @@
     </p:spTree>
     <p:extLst>
       <p:ext uri="{BB962C8B-B14F-4D97-AF65-F5344CB8AC3E}">
-        <p14:creationId xmlns:p14="http://schemas.microsoft.com/office/powerpoint/2010/main" xmlns="" val="1924409428"/>
+        <p14:creationId xmlns:p14="http://schemas.microsoft.com/office/powerpoint/2010/main" val="1924409428"/>
       </p:ext>
     </p:extLst>
   </p:cSld>
@@ -2915,7 +3022,6 @@
           <a:p>
             <a:fld id="{379A628B-A5BE-42DB-8D82-5ACECE545EE2}" type="datetimeFigureOut">
               <a:rPr lang="en-US" smtClean="0"/>
-              <a:pPr/>
               <a:t>5/4/2020</a:t>
             </a:fld>
             <a:endParaRPr lang="en-US"/>
@@ -2958,7 +3064,6 @@
           <a:p>
             <a:fld id="{01B8752E-BB85-4C1B-8DF4-DA1E793B446E}" type="slidenum">
               <a:rPr lang="en-US" smtClean="0"/>
-              <a:pPr/>
               <a:t>‹#›</a:t>
             </a:fld>
             <a:endParaRPr lang="en-US"/>
@@ -2968,7 +3073,7 @@
     </p:spTree>
     <p:extLst>
       <p:ext uri="{BB962C8B-B14F-4D97-AF65-F5344CB8AC3E}">
-        <p14:creationId xmlns:p14="http://schemas.microsoft.com/office/powerpoint/2010/main" xmlns="" val="2111953969"/>
+        <p14:creationId xmlns:p14="http://schemas.microsoft.com/office/powerpoint/2010/main" val="2111953969"/>
       </p:ext>
     </p:extLst>
   </p:cSld>
@@ -3085,7 +3190,6 @@
           <a:p>
             <a:fld id="{379A628B-A5BE-42DB-8D82-5ACECE545EE2}" type="datetimeFigureOut">
               <a:rPr lang="en-US" smtClean="0"/>
-              <a:pPr/>
               <a:t>5/4/2020</a:t>
             </a:fld>
             <a:endParaRPr lang="en-US"/>
@@ -3128,7 +3232,6 @@
           <a:p>
             <a:fld id="{01B8752E-BB85-4C1B-8DF4-DA1E793B446E}" type="slidenum">
               <a:rPr lang="en-US" smtClean="0"/>
-              <a:pPr/>
               <a:t>‹#›</a:t>
             </a:fld>
             <a:endParaRPr lang="en-US"/>
@@ -3138,7 +3241,7 @@
     </p:spTree>
     <p:extLst>
       <p:ext uri="{BB962C8B-B14F-4D97-AF65-F5344CB8AC3E}">
-        <p14:creationId xmlns:p14="http://schemas.microsoft.com/office/powerpoint/2010/main" xmlns="" val="2987852245"/>
+        <p14:creationId xmlns:p14="http://schemas.microsoft.com/office/powerpoint/2010/main" val="2987852245"/>
       </p:ext>
     </p:extLst>
   </p:cSld>
@@ -3332,7 +3435,6 @@
           <a:p>
             <a:fld id="{379A628B-A5BE-42DB-8D82-5ACECE545EE2}" type="datetimeFigureOut">
               <a:rPr lang="en-US" smtClean="0"/>
-              <a:pPr/>
               <a:t>5/4/2020</a:t>
             </a:fld>
             <a:endParaRPr lang="en-US"/>
@@ -3375,7 +3477,6 @@
           <a:p>
             <a:fld id="{01B8752E-BB85-4C1B-8DF4-DA1E793B446E}" type="slidenum">
               <a:rPr lang="en-US" smtClean="0"/>
-              <a:pPr/>
               <a:t>‹#›</a:t>
             </a:fld>
             <a:endParaRPr lang="en-US"/>
@@ -3385,7 +3486,7 @@
     </p:spTree>
     <p:extLst>
       <p:ext uri="{BB962C8B-B14F-4D97-AF65-F5344CB8AC3E}">
-        <p14:creationId xmlns:p14="http://schemas.microsoft.com/office/powerpoint/2010/main" xmlns="" val="1062573594"/>
+        <p14:creationId xmlns:p14="http://schemas.microsoft.com/office/powerpoint/2010/main" val="1062573594"/>
       </p:ext>
     </p:extLst>
   </p:cSld>
@@ -3563,7 +3664,6 @@
           <a:p>
             <a:fld id="{379A628B-A5BE-42DB-8D82-5ACECE545EE2}" type="datetimeFigureOut">
               <a:rPr lang="en-US" smtClean="0"/>
-              <a:pPr/>
               <a:t>5/4/2020</a:t>
             </a:fld>
             <a:endParaRPr lang="en-US"/>
@@ -3606,7 +3706,6 @@
           <a:p>
             <a:fld id="{01B8752E-BB85-4C1B-8DF4-DA1E793B446E}" type="slidenum">
               <a:rPr lang="en-US" smtClean="0"/>
-              <a:pPr/>
               <a:t>‹#›</a:t>
             </a:fld>
             <a:endParaRPr lang="en-US"/>
@@ -3616,7 +3715,7 @@
     </p:spTree>
     <p:extLst>
       <p:ext uri="{BB962C8B-B14F-4D97-AF65-F5344CB8AC3E}">
-        <p14:creationId xmlns:p14="http://schemas.microsoft.com/office/powerpoint/2010/main" xmlns="" val="429388530"/>
+        <p14:creationId xmlns:p14="http://schemas.microsoft.com/office/powerpoint/2010/main" val="429388530"/>
       </p:ext>
     </p:extLst>
   </p:cSld>
@@ -3929,7 +4028,6 @@
           <a:p>
             <a:fld id="{379A628B-A5BE-42DB-8D82-5ACECE545EE2}" type="datetimeFigureOut">
               <a:rPr lang="en-US" smtClean="0"/>
-              <a:pPr/>
               <a:t>5/4/2020</a:t>
             </a:fld>
             <a:endParaRPr lang="en-US"/>
@@ -3972,7 +4070,6 @@
           <a:p>
             <a:fld id="{01B8752E-BB85-4C1B-8DF4-DA1E793B446E}" type="slidenum">
               <a:rPr lang="en-US" smtClean="0"/>
-              <a:pPr/>
               <a:t>‹#›</a:t>
             </a:fld>
             <a:endParaRPr lang="en-US"/>
@@ -3982,7 +4079,7 @@
     </p:spTree>
     <p:extLst>
       <p:ext uri="{BB962C8B-B14F-4D97-AF65-F5344CB8AC3E}">
-        <p14:creationId xmlns:p14="http://schemas.microsoft.com/office/powerpoint/2010/main" xmlns="" val="4180156377"/>
+        <p14:creationId xmlns:p14="http://schemas.microsoft.com/office/powerpoint/2010/main" val="4180156377"/>
       </p:ext>
     </p:extLst>
   </p:cSld>
@@ -4048,7 +4145,6 @@
           <a:p>
             <a:fld id="{379A628B-A5BE-42DB-8D82-5ACECE545EE2}" type="datetimeFigureOut">
               <a:rPr lang="en-US" smtClean="0"/>
-              <a:pPr/>
               <a:t>5/4/2020</a:t>
             </a:fld>
             <a:endParaRPr lang="en-US"/>
@@ -4091,7 +4187,6 @@
           <a:p>
             <a:fld id="{01B8752E-BB85-4C1B-8DF4-DA1E793B446E}" type="slidenum">
               <a:rPr lang="en-US" smtClean="0"/>
-              <a:pPr/>
               <a:t>‹#›</a:t>
             </a:fld>
             <a:endParaRPr lang="en-US"/>
@@ -4101,7 +4196,7 @@
     </p:spTree>
     <p:extLst>
       <p:ext uri="{BB962C8B-B14F-4D97-AF65-F5344CB8AC3E}">
-        <p14:creationId xmlns:p14="http://schemas.microsoft.com/office/powerpoint/2010/main" xmlns="" val="2970555770"/>
+        <p14:creationId xmlns:p14="http://schemas.microsoft.com/office/powerpoint/2010/main" val="2970555770"/>
       </p:ext>
     </p:extLst>
   </p:cSld>
@@ -4218,7 +4313,6 @@
           <a:p>
             <a:fld id="{4417404F-2166-4BB4-87AF-2DF1DBD94F21}" type="datetimeFigureOut">
               <a:rPr lang="en-US" smtClean="0"/>
-              <a:pPr/>
               <a:t>5/4/2020</a:t>
             </a:fld>
             <a:endParaRPr lang="en-US"/>
@@ -4261,7 +4355,6 @@
           <a:p>
             <a:fld id="{BA724383-3E42-428D-8C6D-A19136BFB428}" type="slidenum">
               <a:rPr lang="en-US" smtClean="0"/>
-              <a:pPr/>
               <a:t>‹#›</a:t>
             </a:fld>
             <a:endParaRPr lang="en-US"/>
@@ -4271,7 +4364,7 @@
     </p:spTree>
     <p:extLst>
       <p:ext uri="{BB962C8B-B14F-4D97-AF65-F5344CB8AC3E}">
-        <p14:creationId xmlns:p14="http://schemas.microsoft.com/office/powerpoint/2010/main" xmlns="" val="4238448710"/>
+        <p14:creationId xmlns:p14="http://schemas.microsoft.com/office/powerpoint/2010/main" val="4238448710"/>
       </p:ext>
     </p:extLst>
   </p:cSld>
@@ -4315,7 +4408,6 @@
           <a:p>
             <a:fld id="{379A628B-A5BE-42DB-8D82-5ACECE545EE2}" type="datetimeFigureOut">
               <a:rPr lang="en-US" smtClean="0"/>
-              <a:pPr/>
               <a:t>5/4/2020</a:t>
             </a:fld>
             <a:endParaRPr lang="en-US"/>
@@ -4358,7 +4450,6 @@
           <a:p>
             <a:fld id="{01B8752E-BB85-4C1B-8DF4-DA1E793B446E}" type="slidenum">
               <a:rPr lang="en-US" smtClean="0"/>
-              <a:pPr/>
               <a:t>‹#›</a:t>
             </a:fld>
             <a:endParaRPr lang="en-US"/>
@@ -4368,7 +4459,7 @@
     </p:spTree>
     <p:extLst>
       <p:ext uri="{BB962C8B-B14F-4D97-AF65-F5344CB8AC3E}">
-        <p14:creationId xmlns:p14="http://schemas.microsoft.com/office/powerpoint/2010/main" xmlns="" val="1228756839"/>
+        <p14:creationId xmlns:p14="http://schemas.microsoft.com/office/powerpoint/2010/main" val="1228756839"/>
       </p:ext>
     </p:extLst>
   </p:cSld>
@@ -4592,7 +4683,6 @@
           <a:p>
             <a:fld id="{379A628B-A5BE-42DB-8D82-5ACECE545EE2}" type="datetimeFigureOut">
               <a:rPr lang="en-US" smtClean="0"/>
-              <a:pPr/>
               <a:t>5/4/2020</a:t>
             </a:fld>
             <a:endParaRPr lang="en-US"/>
@@ -4635,7 +4725,6 @@
           <a:p>
             <a:fld id="{01B8752E-BB85-4C1B-8DF4-DA1E793B446E}" type="slidenum">
               <a:rPr lang="en-US" smtClean="0"/>
-              <a:pPr/>
               <a:t>‹#›</a:t>
             </a:fld>
             <a:endParaRPr lang="en-US"/>
@@ -4645,7 +4734,7 @@
     </p:spTree>
     <p:extLst>
       <p:ext uri="{BB962C8B-B14F-4D97-AF65-F5344CB8AC3E}">
-        <p14:creationId xmlns:p14="http://schemas.microsoft.com/office/powerpoint/2010/main" xmlns="" val="286616551"/>
+        <p14:creationId xmlns:p14="http://schemas.microsoft.com/office/powerpoint/2010/main" val="286616551"/>
       </p:ext>
     </p:extLst>
   </p:cSld>
@@ -4846,7 +4935,6 @@
           <a:p>
             <a:fld id="{379A628B-A5BE-42DB-8D82-5ACECE545EE2}" type="datetimeFigureOut">
               <a:rPr lang="en-US" smtClean="0"/>
-              <a:pPr/>
               <a:t>5/4/2020</a:t>
             </a:fld>
             <a:endParaRPr lang="en-US"/>
@@ -4889,7 +4977,6 @@
           <a:p>
             <a:fld id="{01B8752E-BB85-4C1B-8DF4-DA1E793B446E}" type="slidenum">
               <a:rPr lang="en-US" smtClean="0"/>
-              <a:pPr/>
               <a:t>‹#›</a:t>
             </a:fld>
             <a:endParaRPr lang="en-US"/>
@@ -4899,7 +4986,7 @@
     </p:spTree>
     <p:extLst>
       <p:ext uri="{BB962C8B-B14F-4D97-AF65-F5344CB8AC3E}">
-        <p14:creationId xmlns:p14="http://schemas.microsoft.com/office/powerpoint/2010/main" xmlns="" val="2712798582"/>
+        <p14:creationId xmlns:p14="http://schemas.microsoft.com/office/powerpoint/2010/main" val="2712798582"/>
       </p:ext>
     </p:extLst>
   </p:cSld>
@@ -5016,7 +5103,6 @@
           <a:p>
             <a:fld id="{379A628B-A5BE-42DB-8D82-5ACECE545EE2}" type="datetimeFigureOut">
               <a:rPr lang="en-US" smtClean="0"/>
-              <a:pPr/>
               <a:t>5/4/2020</a:t>
             </a:fld>
             <a:endParaRPr lang="en-US"/>
@@ -5059,7 +5145,6 @@
           <a:p>
             <a:fld id="{01B8752E-BB85-4C1B-8DF4-DA1E793B446E}" type="slidenum">
               <a:rPr lang="en-US" smtClean="0"/>
-              <a:pPr/>
               <a:t>‹#›</a:t>
             </a:fld>
             <a:endParaRPr lang="en-US"/>
@@ -5069,7 +5154,7 @@
     </p:spTree>
     <p:extLst>
       <p:ext uri="{BB962C8B-B14F-4D97-AF65-F5344CB8AC3E}">
-        <p14:creationId xmlns:p14="http://schemas.microsoft.com/office/powerpoint/2010/main" xmlns="" val="2744334712"/>
+        <p14:creationId xmlns:p14="http://schemas.microsoft.com/office/powerpoint/2010/main" val="2744334712"/>
       </p:ext>
     </p:extLst>
   </p:cSld>
@@ -5196,7 +5281,6 @@
           <a:p>
             <a:fld id="{379A628B-A5BE-42DB-8D82-5ACECE545EE2}" type="datetimeFigureOut">
               <a:rPr lang="en-US" smtClean="0"/>
-              <a:pPr/>
               <a:t>5/4/2020</a:t>
             </a:fld>
             <a:endParaRPr lang="en-US"/>
@@ -5239,7 +5323,6 @@
           <a:p>
             <a:fld id="{01B8752E-BB85-4C1B-8DF4-DA1E793B446E}" type="slidenum">
               <a:rPr lang="en-US" smtClean="0"/>
-              <a:pPr/>
               <a:t>‹#›</a:t>
             </a:fld>
             <a:endParaRPr lang="en-US"/>
@@ -5249,7 +5332,7 @@
     </p:spTree>
     <p:extLst>
       <p:ext uri="{BB962C8B-B14F-4D97-AF65-F5344CB8AC3E}">
-        <p14:creationId xmlns:p14="http://schemas.microsoft.com/office/powerpoint/2010/main" xmlns="" val="151967362"/>
+        <p14:creationId xmlns:p14="http://schemas.microsoft.com/office/powerpoint/2010/main" val="151967362"/>
       </p:ext>
     </p:extLst>
   </p:cSld>
@@ -5288,7 +5371,7 @@
           <a:blip r:embed="rId2">
             <a:extLst>
               <a:ext uri="{28A0092B-C50C-407E-A947-70E740481C1C}">
-                <a14:useLocalDpi xmlns:a14="http://schemas.microsoft.com/office/drawing/2010/main" xmlns="" val="0"/>
+                <a14:useLocalDpi xmlns:a14="http://schemas.microsoft.com/office/drawing/2010/main" val="0"/>
               </a:ext>
             </a:extLst>
           </a:blip>
@@ -5768,7 +5851,7 @@
             </a:ln>
             <a:extLst>
               <a:ext uri="{91240B29-F687-4F45-9708-019B960494DF}">
-                <a14:hiddenLine xmlns:a14="http://schemas.microsoft.com/office/drawing/2010/main" xmlns="" w="9525">
+                <a14:hiddenLine xmlns:a14="http://schemas.microsoft.com/office/drawing/2010/main" w="9525">
                   <a:solidFill>
                     <a:srgbClr val="000000"/>
                   </a:solidFill>
@@ -5938,7 +6021,7 @@
             </a:ln>
             <a:extLst>
               <a:ext uri="{91240B29-F687-4F45-9708-019B960494DF}">
-                <a14:hiddenLine xmlns:a14="http://schemas.microsoft.com/office/drawing/2010/main" xmlns="" w="9525">
+                <a14:hiddenLine xmlns:a14="http://schemas.microsoft.com/office/drawing/2010/main" w="9525">
                   <a:solidFill>
                     <a:srgbClr val="000000"/>
                   </a:solidFill>
@@ -6635,7 +6718,7 @@
             </a:ln>
             <a:extLst>
               <a:ext uri="{91240B29-F687-4F45-9708-019B960494DF}">
-                <a14:hiddenLine xmlns:a14="http://schemas.microsoft.com/office/drawing/2010/main" xmlns="" w="9525">
+                <a14:hiddenLine xmlns:a14="http://schemas.microsoft.com/office/drawing/2010/main" w="9525">
                   <a:solidFill>
                     <a:srgbClr val="000000"/>
                   </a:solidFill>
@@ -6941,7 +7024,7 @@
             </a:ln>
             <a:extLst>
               <a:ext uri="{91240B29-F687-4F45-9708-019B960494DF}">
-                <a14:hiddenLine xmlns:a14="http://schemas.microsoft.com/office/drawing/2010/main" xmlns="" w="9525">
+                <a14:hiddenLine xmlns:a14="http://schemas.microsoft.com/office/drawing/2010/main" w="9525">
                   <a:solidFill>
                     <a:srgbClr val="000000"/>
                   </a:solidFill>
@@ -6968,7 +7051,7 @@
     </p:spTree>
     <p:extLst>
       <p:ext uri="{BB962C8B-B14F-4D97-AF65-F5344CB8AC3E}">
-        <p14:creationId xmlns:p14="http://schemas.microsoft.com/office/powerpoint/2010/main" xmlns="" val="1297906410"/>
+        <p14:creationId xmlns:p14="http://schemas.microsoft.com/office/powerpoint/2010/main" val="1297906410"/>
       </p:ext>
     </p:extLst>
   </p:cSld>
@@ -6998,7 +7081,7 @@
     </p:spTree>
     <p:extLst>
       <p:ext uri="{BB962C8B-B14F-4D97-AF65-F5344CB8AC3E}">
-        <p14:creationId xmlns:p14="http://schemas.microsoft.com/office/powerpoint/2010/main" xmlns="" val="3587292664"/>
+        <p14:creationId xmlns:p14="http://schemas.microsoft.com/office/powerpoint/2010/main" val="3587292664"/>
       </p:ext>
     </p:extLst>
   </p:cSld>
@@ -7899,7 +7982,7 @@
             <a:blip r:embed="rId3" cstate="print">
               <a:extLst>
                 <a:ext uri="{28A0092B-C50C-407E-A947-70E740481C1C}">
-                  <a14:useLocalDpi xmlns:a14="http://schemas.microsoft.com/office/drawing/2010/main" xmlns="" val="0"/>
+                  <a14:useLocalDpi xmlns:a14="http://schemas.microsoft.com/office/drawing/2010/main" val="0"/>
                 </a:ext>
               </a:extLst>
             </a:blip>
@@ -7993,7 +8076,7 @@
               <a:blip r:embed="rId4">
                 <a:extLst>
                   <a:ext uri="{28A0092B-C50C-407E-A947-70E740481C1C}">
-                    <a14:useLocalDpi xmlns:a14="http://schemas.microsoft.com/office/drawing/2010/main" xmlns="" val="0"/>
+                    <a14:useLocalDpi xmlns:a14="http://schemas.microsoft.com/office/drawing/2010/main" val="0"/>
                   </a:ext>
                 </a:extLst>
               </a:blip>
@@ -8016,7 +8099,7 @@
     </p:spTree>
     <p:extLst>
       <p:ext uri="{BB962C8B-B14F-4D97-AF65-F5344CB8AC3E}">
-        <p14:creationId xmlns:p14="http://schemas.microsoft.com/office/powerpoint/2010/main" xmlns="" val="479349947"/>
+        <p14:creationId xmlns:p14="http://schemas.microsoft.com/office/powerpoint/2010/main" val="479349947"/>
       </p:ext>
     </p:extLst>
   </p:cSld>
@@ -8359,7 +8442,7 @@
     </p:spTree>
     <p:extLst>
       <p:ext uri="{BB962C8B-B14F-4D97-AF65-F5344CB8AC3E}">
-        <p14:creationId xmlns:p14="http://schemas.microsoft.com/office/powerpoint/2010/main" xmlns="" val="2395403852"/>
+        <p14:creationId xmlns:p14="http://schemas.microsoft.com/office/powerpoint/2010/main" val="2395403852"/>
       </p:ext>
     </p:extLst>
   </p:cSld>
@@ -9399,7 +9482,7 @@
     </p:spTree>
     <p:extLst>
       <p:ext uri="{BB962C8B-B14F-4D97-AF65-F5344CB8AC3E}">
-        <p14:creationId xmlns:p14="http://schemas.microsoft.com/office/powerpoint/2010/main" xmlns="" val="3308567309"/>
+        <p14:creationId xmlns:p14="http://schemas.microsoft.com/office/powerpoint/2010/main" val="3308567309"/>
       </p:ext>
     </p:extLst>
   </p:cSld>
@@ -9594,7 +9677,6 @@
           <a:p>
             <a:fld id="{4417404F-2166-4BB4-87AF-2DF1DBD94F21}" type="datetimeFigureOut">
               <a:rPr lang="en-US" smtClean="0"/>
-              <a:pPr/>
               <a:t>5/4/2020</a:t>
             </a:fld>
             <a:endParaRPr lang="en-US"/>
@@ -9637,7 +9719,6 @@
           <a:p>
             <a:fld id="{BA724383-3E42-428D-8C6D-A19136BFB428}" type="slidenum">
               <a:rPr lang="en-US" smtClean="0"/>
-              <a:pPr/>
               <a:t>‹#›</a:t>
             </a:fld>
             <a:endParaRPr lang="en-US"/>
@@ -9647,7 +9728,7 @@
     </p:spTree>
     <p:extLst>
       <p:ext uri="{BB962C8B-B14F-4D97-AF65-F5344CB8AC3E}">
-        <p14:creationId xmlns:p14="http://schemas.microsoft.com/office/powerpoint/2010/main" xmlns="" val="2195786219"/>
+        <p14:creationId xmlns:p14="http://schemas.microsoft.com/office/powerpoint/2010/main" val="2195786219"/>
       </p:ext>
     </p:extLst>
   </p:cSld>
@@ -10829,7 +10910,7 @@
     </p:spTree>
     <p:extLst>
       <p:ext uri="{BB962C8B-B14F-4D97-AF65-F5344CB8AC3E}">
-        <p14:creationId xmlns:p14="http://schemas.microsoft.com/office/powerpoint/2010/main" xmlns="" val="521859199"/>
+        <p14:creationId xmlns:p14="http://schemas.microsoft.com/office/powerpoint/2010/main" val="521859199"/>
       </p:ext>
     </p:extLst>
   </p:cSld>
@@ -11008,7 +11089,6 @@
           <a:p>
             <a:fld id="{4417404F-2166-4BB4-87AF-2DF1DBD94F21}" type="datetimeFigureOut">
               <a:rPr lang="en-US" smtClean="0"/>
-              <a:pPr/>
               <a:t>5/4/2020</a:t>
             </a:fld>
             <a:endParaRPr lang="en-US"/>
@@ -11051,7 +11131,6 @@
           <a:p>
             <a:fld id="{BA724383-3E42-428D-8C6D-A19136BFB428}" type="slidenum">
               <a:rPr lang="en-US" smtClean="0"/>
-              <a:pPr/>
               <a:t>‹#›</a:t>
             </a:fld>
             <a:endParaRPr lang="en-US"/>
@@ -11061,7 +11140,7 @@
     </p:spTree>
     <p:extLst>
       <p:ext uri="{BB962C8B-B14F-4D97-AF65-F5344CB8AC3E}">
-        <p14:creationId xmlns:p14="http://schemas.microsoft.com/office/powerpoint/2010/main" xmlns="" val="2132389919"/>
+        <p14:creationId xmlns:p14="http://schemas.microsoft.com/office/powerpoint/2010/main" val="2132389919"/>
       </p:ext>
     </p:extLst>
   </p:cSld>
@@ -11374,7 +11453,6 @@
           <a:p>
             <a:fld id="{4417404F-2166-4BB4-87AF-2DF1DBD94F21}" type="datetimeFigureOut">
               <a:rPr lang="en-US" smtClean="0"/>
-              <a:pPr/>
               <a:t>5/4/2020</a:t>
             </a:fld>
             <a:endParaRPr lang="en-US"/>
@@ -11417,7 +11495,6 @@
           <a:p>
             <a:fld id="{BA724383-3E42-428D-8C6D-A19136BFB428}" type="slidenum">
               <a:rPr lang="en-US" smtClean="0"/>
-              <a:pPr/>
               <a:t>‹#›</a:t>
             </a:fld>
             <a:endParaRPr lang="en-US"/>
@@ -11427,7 +11504,7 @@
     </p:spTree>
     <p:extLst>
       <p:ext uri="{BB962C8B-B14F-4D97-AF65-F5344CB8AC3E}">
-        <p14:creationId xmlns:p14="http://schemas.microsoft.com/office/powerpoint/2010/main" xmlns="" val="2646283234"/>
+        <p14:creationId xmlns:p14="http://schemas.microsoft.com/office/powerpoint/2010/main" val="2646283234"/>
       </p:ext>
     </p:extLst>
   </p:cSld>
@@ -11493,7 +11570,6 @@
           <a:p>
             <a:fld id="{4417404F-2166-4BB4-87AF-2DF1DBD94F21}" type="datetimeFigureOut">
               <a:rPr lang="en-US" smtClean="0"/>
-              <a:pPr/>
               <a:t>5/4/2020</a:t>
             </a:fld>
             <a:endParaRPr lang="en-US"/>
@@ -11536,7 +11612,6 @@
           <a:p>
             <a:fld id="{BA724383-3E42-428D-8C6D-A19136BFB428}" type="slidenum">
               <a:rPr lang="en-US" smtClean="0"/>
-              <a:pPr/>
               <a:t>‹#›</a:t>
             </a:fld>
             <a:endParaRPr lang="en-US"/>
@@ -11546,7 +11621,7 @@
     </p:spTree>
     <p:extLst>
       <p:ext uri="{BB962C8B-B14F-4D97-AF65-F5344CB8AC3E}">
-        <p14:creationId xmlns:p14="http://schemas.microsoft.com/office/powerpoint/2010/main" xmlns="" val="2699122730"/>
+        <p14:creationId xmlns:p14="http://schemas.microsoft.com/office/powerpoint/2010/main" val="2699122730"/>
       </p:ext>
     </p:extLst>
   </p:cSld>
@@ -11590,7 +11665,6 @@
           <a:p>
             <a:fld id="{4417404F-2166-4BB4-87AF-2DF1DBD94F21}" type="datetimeFigureOut">
               <a:rPr lang="en-US" smtClean="0"/>
-              <a:pPr/>
               <a:t>5/4/2020</a:t>
             </a:fld>
             <a:endParaRPr lang="en-US"/>
@@ -11633,7 +11707,6 @@
           <a:p>
             <a:fld id="{BA724383-3E42-428D-8C6D-A19136BFB428}" type="slidenum">
               <a:rPr lang="en-US" smtClean="0"/>
-              <a:pPr/>
               <a:t>‹#›</a:t>
             </a:fld>
             <a:endParaRPr lang="en-US"/>
@@ -11643,7 +11716,7 @@
     </p:spTree>
     <p:extLst>
       <p:ext uri="{BB962C8B-B14F-4D97-AF65-F5344CB8AC3E}">
-        <p14:creationId xmlns:p14="http://schemas.microsoft.com/office/powerpoint/2010/main" xmlns="" val="3255284749"/>
+        <p14:creationId xmlns:p14="http://schemas.microsoft.com/office/powerpoint/2010/main" val="3255284749"/>
       </p:ext>
     </p:extLst>
   </p:cSld>
@@ -11867,7 +11940,6 @@
           <a:p>
             <a:fld id="{4417404F-2166-4BB4-87AF-2DF1DBD94F21}" type="datetimeFigureOut">
               <a:rPr lang="en-US" smtClean="0"/>
-              <a:pPr/>
               <a:t>5/4/2020</a:t>
             </a:fld>
             <a:endParaRPr lang="en-US"/>
@@ -11910,7 +11982,6 @@
           <a:p>
             <a:fld id="{BA724383-3E42-428D-8C6D-A19136BFB428}" type="slidenum">
               <a:rPr lang="en-US" smtClean="0"/>
-              <a:pPr/>
               <a:t>‹#›</a:t>
             </a:fld>
             <a:endParaRPr lang="en-US"/>
@@ -11920,7 +11991,7 @@
     </p:spTree>
     <p:extLst>
       <p:ext uri="{BB962C8B-B14F-4D97-AF65-F5344CB8AC3E}">
-        <p14:creationId xmlns:p14="http://schemas.microsoft.com/office/powerpoint/2010/main" xmlns="" val="2010709144"/>
+        <p14:creationId xmlns:p14="http://schemas.microsoft.com/office/powerpoint/2010/main" val="2010709144"/>
       </p:ext>
     </p:extLst>
   </p:cSld>
@@ -12121,7 +12192,6 @@
           <a:p>
             <a:fld id="{4417404F-2166-4BB4-87AF-2DF1DBD94F21}" type="datetimeFigureOut">
               <a:rPr lang="en-US" smtClean="0"/>
-              <a:pPr/>
               <a:t>5/4/2020</a:t>
             </a:fld>
             <a:endParaRPr lang="en-US"/>
@@ -12164,7 +12234,6 @@
           <a:p>
             <a:fld id="{BA724383-3E42-428D-8C6D-A19136BFB428}" type="slidenum">
               <a:rPr lang="en-US" smtClean="0"/>
-              <a:pPr/>
               <a:t>‹#›</a:t>
             </a:fld>
             <a:endParaRPr lang="en-US"/>
@@ -12174,7 +12243,7 @@
     </p:spTree>
     <p:extLst>
       <p:ext uri="{BB962C8B-B14F-4D97-AF65-F5344CB8AC3E}">
-        <p14:creationId xmlns:p14="http://schemas.microsoft.com/office/powerpoint/2010/main" xmlns="" val="2275210858"/>
+        <p14:creationId xmlns:p14="http://schemas.microsoft.com/office/powerpoint/2010/main" val="2275210858"/>
       </p:ext>
     </p:extLst>
   </p:cSld>
@@ -12334,7 +12403,6 @@
           <a:p>
             <a:fld id="{4417404F-2166-4BB4-87AF-2DF1DBD94F21}" type="datetimeFigureOut">
               <a:rPr lang="en-US" smtClean="0"/>
-              <a:pPr/>
               <a:t>5/4/2020</a:t>
             </a:fld>
             <a:endParaRPr lang="en-US"/>
@@ -12413,7 +12481,6 @@
           <a:p>
             <a:fld id="{BA724383-3E42-428D-8C6D-A19136BFB428}" type="slidenum">
               <a:rPr lang="en-US" smtClean="0"/>
-              <a:pPr/>
               <a:t>‹#›</a:t>
             </a:fld>
             <a:endParaRPr lang="en-US"/>
@@ -12423,7 +12490,7 @@
     </p:spTree>
     <p:extLst>
       <p:ext uri="{BB962C8B-B14F-4D97-AF65-F5344CB8AC3E}">
-        <p14:creationId xmlns:p14="http://schemas.microsoft.com/office/powerpoint/2010/main" xmlns="" val="3101969505"/>
+        <p14:creationId xmlns:p14="http://schemas.microsoft.com/office/powerpoint/2010/main" val="3101969505"/>
       </p:ext>
     </p:extLst>
   </p:cSld>
@@ -12876,7 +12943,6 @@
           <a:p>
             <a:fld id="{379A628B-A5BE-42DB-8D82-5ACECE545EE2}" type="datetimeFigureOut">
               <a:rPr lang="en-US" smtClean="0"/>
-              <a:pPr/>
               <a:t>5/4/2020</a:t>
             </a:fld>
             <a:endParaRPr lang="en-US"/>
@@ -12955,7 +13021,6 @@
           <a:p>
             <a:fld id="{01B8752E-BB85-4C1B-8DF4-DA1E793B446E}" type="slidenum">
               <a:rPr lang="en-US" smtClean="0"/>
-              <a:pPr/>
               <a:t>‹#›</a:t>
             </a:fld>
             <a:endParaRPr lang="en-US"/>
@@ -12965,7 +13030,7 @@
     </p:spTree>
     <p:extLst>
       <p:ext uri="{BB962C8B-B14F-4D97-AF65-F5344CB8AC3E}">
-        <p14:creationId xmlns:p14="http://schemas.microsoft.com/office/powerpoint/2010/main" xmlns="" val="2695194615"/>
+        <p14:creationId xmlns:p14="http://schemas.microsoft.com/office/powerpoint/2010/main" val="2695194615"/>
       </p:ext>
     </p:extLst>
   </p:cSld>
@@ -13378,7 +13443,7 @@
     </p:spTree>
     <p:extLst>
       <p:ext uri="{BB962C8B-B14F-4D97-AF65-F5344CB8AC3E}">
-        <p14:creationId xmlns:p14="http://schemas.microsoft.com/office/powerpoint/2010/main" xmlns="" val="1520382256"/>
+        <p14:creationId xmlns:p14="http://schemas.microsoft.com/office/powerpoint/2010/main" val="1520382256"/>
       </p:ext>
     </p:extLst>
   </p:cSld>
@@ -13439,7 +13504,7 @@
           <p:nvPr>
             <p:extLst>
               <p:ext uri="{D42A27DB-BD31-4B8C-83A1-F6EECF244321}">
-                <p14:modId xmlns:p14="http://schemas.microsoft.com/office/powerpoint/2010/main" xmlns="" val="3067107661"/>
+                <p14:modId xmlns:p14="http://schemas.microsoft.com/office/powerpoint/2010/main" val="2683671724"/>
               </p:ext>
             </p:extLst>
           </p:nvPr>
@@ -13458,28 +13523,28 @@
                 <a:gridCol w="2446482">
                   <a:extLst>
                     <a:ext uri="{9D8B030D-6E8A-4147-A177-3AD203B41FA5}">
-                      <a16:colId xmlns:a16="http://schemas.microsoft.com/office/drawing/2014/main" xmlns="" val="35749580"/>
+                      <a16:colId xmlns:a16="http://schemas.microsoft.com/office/drawing/2014/main" val="35749580"/>
                     </a:ext>
                   </a:extLst>
                 </a:gridCol>
                 <a:gridCol w="3465661">
                   <a:extLst>
                     <a:ext uri="{9D8B030D-6E8A-4147-A177-3AD203B41FA5}">
-                      <a16:colId xmlns:a16="http://schemas.microsoft.com/office/drawing/2014/main" xmlns="" val="342463594"/>
+                      <a16:colId xmlns:a16="http://schemas.microsoft.com/office/drawing/2014/main" val="342463594"/>
                     </a:ext>
                   </a:extLst>
                 </a:gridCol>
                 <a:gridCol w="2916400">
                   <a:extLst>
                     <a:ext uri="{9D8B030D-6E8A-4147-A177-3AD203B41FA5}">
-                      <a16:colId xmlns:a16="http://schemas.microsoft.com/office/drawing/2014/main" xmlns="" val="524786007"/>
+                      <a16:colId xmlns:a16="http://schemas.microsoft.com/office/drawing/2014/main" val="524786007"/>
                     </a:ext>
                   </a:extLst>
                 </a:gridCol>
                 <a:gridCol w="2219849">
                   <a:extLst>
                     <a:ext uri="{9D8B030D-6E8A-4147-A177-3AD203B41FA5}">
-                      <a16:colId xmlns:a16="http://schemas.microsoft.com/office/drawing/2014/main" xmlns="" val="1895982355"/>
+                      <a16:colId xmlns:a16="http://schemas.microsoft.com/office/drawing/2014/main" val="1895982355"/>
                     </a:ext>
                   </a:extLst>
                 </a:gridCol>
@@ -13779,7 +13844,7 @@
                 </a:tc>
                 <a:extLst>
                   <a:ext uri="{0D108BD9-81ED-4DB2-BD59-A6C34878D82A}">
-                    <a16:rowId xmlns:a16="http://schemas.microsoft.com/office/drawing/2014/main" xmlns="" val="908647123"/>
+                    <a16:rowId xmlns:a16="http://schemas.microsoft.com/office/drawing/2014/main" val="908647123"/>
                   </a:ext>
                 </a:extLst>
               </a:tr>
@@ -14006,7 +14071,7 @@
                 </a:tc>
                 <a:extLst>
                   <a:ext uri="{0D108BD9-81ED-4DB2-BD59-A6C34878D82A}">
-                    <a16:rowId xmlns:a16="http://schemas.microsoft.com/office/drawing/2014/main" xmlns="" val="957316120"/>
+                    <a16:rowId xmlns:a16="http://schemas.microsoft.com/office/drawing/2014/main" val="957316120"/>
                   </a:ext>
                 </a:extLst>
               </a:tr>
@@ -14248,7 +14313,7 @@
                 </a:tc>
                 <a:extLst>
                   <a:ext uri="{0D108BD9-81ED-4DB2-BD59-A6C34878D82A}">
-                    <a16:rowId xmlns:a16="http://schemas.microsoft.com/office/drawing/2014/main" xmlns="" val="3496641921"/>
+                    <a16:rowId xmlns:a16="http://schemas.microsoft.com/office/drawing/2014/main" val="3496641921"/>
                   </a:ext>
                 </a:extLst>
               </a:tr>
@@ -14441,7 +14506,7 @@
                 </a:tc>
                 <a:extLst>
                   <a:ext uri="{0D108BD9-81ED-4DB2-BD59-A6C34878D82A}">
-                    <a16:rowId xmlns:a16="http://schemas.microsoft.com/office/drawing/2014/main" xmlns="" val="3492411329"/>
+                    <a16:rowId xmlns:a16="http://schemas.microsoft.com/office/drawing/2014/main" val="3492411329"/>
                   </a:ext>
                 </a:extLst>
               </a:tr>
@@ -14656,7 +14721,7 @@
                 </a:tc>
                 <a:extLst>
                   <a:ext uri="{0D108BD9-81ED-4DB2-BD59-A6C34878D82A}">
-                    <a16:rowId xmlns:a16="http://schemas.microsoft.com/office/drawing/2014/main" xmlns="" val="2112857186"/>
+                    <a16:rowId xmlns:a16="http://schemas.microsoft.com/office/drawing/2014/main" val="2112857186"/>
                   </a:ext>
                 </a:extLst>
               </a:tr>
@@ -14823,7 +14888,7 @@
                 </a:tc>
                 <a:extLst>
                   <a:ext uri="{0D108BD9-81ED-4DB2-BD59-A6C34878D82A}">
-                    <a16:rowId xmlns:a16="http://schemas.microsoft.com/office/drawing/2014/main" xmlns="" val="1163671531"/>
+                    <a16:rowId xmlns:a16="http://schemas.microsoft.com/office/drawing/2014/main" val="1163671531"/>
                   </a:ext>
                 </a:extLst>
               </a:tr>
@@ -14991,15 +15056,7 @@
                       </a:pPr>
                       <a:r>
                         <a:rPr lang="en-US" sz="1200" b="0" baseline="0" dirty="0"/>
-                        <a:t> Information about </a:t>
-                      </a:r>
-                      <a:r>
-                        <a:rPr lang="en-US" sz="1200" b="0" baseline="0" dirty="0" smtClean="0"/>
-                        <a:t>COVID </a:t>
-                      </a:r>
-                      <a:r>
-                        <a:rPr lang="en-US" sz="1200" b="0" baseline="0" dirty="0"/>
-                        <a:t>operating hospitals.</a:t>
+                        <a:t> Information about nearest COVID operating hospitals.</a:t>
                       </a:r>
                       <a:endParaRPr lang="en-US" sz="1200" b="0" dirty="0"/>
                     </a:p>
@@ -15148,7 +15205,7 @@
                 </a:tc>
                 <a:extLst>
                   <a:ext uri="{0D108BD9-81ED-4DB2-BD59-A6C34878D82A}">
-                    <a16:rowId xmlns:a16="http://schemas.microsoft.com/office/drawing/2014/main" xmlns="" val="2021788627"/>
+                    <a16:rowId xmlns:a16="http://schemas.microsoft.com/office/drawing/2014/main" val="2021788627"/>
                   </a:ext>
                 </a:extLst>
               </a:tr>
@@ -15159,7 +15216,7 @@
     </p:spTree>
     <p:extLst>
       <p:ext uri="{BB962C8B-B14F-4D97-AF65-F5344CB8AC3E}">
-        <p14:creationId xmlns:p14="http://schemas.microsoft.com/office/powerpoint/2010/main" xmlns="" val="1018848251"/>
+        <p14:creationId xmlns:p14="http://schemas.microsoft.com/office/powerpoint/2010/main" val="1018848251"/>
       </p:ext>
     </p:extLst>
   </p:cSld>
@@ -15503,7 +15560,7 @@
     </p:spTree>
     <p:extLst>
       <p:ext uri="{BB962C8B-B14F-4D97-AF65-F5344CB8AC3E}">
-        <p14:creationId xmlns:p14="http://schemas.microsoft.com/office/powerpoint/2010/main" xmlns="" val="590264096"/>
+        <p14:creationId xmlns:p14="http://schemas.microsoft.com/office/powerpoint/2010/main" val="590264096"/>
       </p:ext>
     </p:extLst>
   </p:cSld>
@@ -15650,25 +15707,7 @@
                 </a:solidFill>
                 <a:latin typeface="+mn-lt"/>
               </a:rPr>
-              <a:t>Slack will be used for </a:t>
-            </a:r>
-            <a:r>
-              <a:rPr lang="en-US" sz="1200" dirty="0" err="1">
-                <a:solidFill>
-                  <a:schemeClr val="tx1"/>
-                </a:solidFill>
-                <a:latin typeface="+mn-lt"/>
-              </a:rPr>
-              <a:t>chatbot</a:t>
-            </a:r>
-            <a:r>
-              <a:rPr lang="en-US" sz="1200" dirty="0">
-                <a:solidFill>
-                  <a:schemeClr val="tx1"/>
-                </a:solidFill>
-                <a:latin typeface="+mn-lt"/>
-              </a:rPr>
-              <a:t> interface with IBM Watson assistant and Watson discovery.</a:t>
+              <a:t>Slack will be used for chatbot interface with IBM Watson assistant and Watson discovery.</a:t>
             </a:r>
           </a:p>
           <a:p>
@@ -15875,7 +15914,7 @@
     </p:spTree>
     <p:extLst>
       <p:ext uri="{BB962C8B-B14F-4D97-AF65-F5344CB8AC3E}">
-        <p14:creationId xmlns:p14="http://schemas.microsoft.com/office/powerpoint/2010/main" xmlns="" val="2207613232"/>
+        <p14:creationId xmlns:p14="http://schemas.microsoft.com/office/powerpoint/2010/main" val="2207613232"/>
       </p:ext>
     </p:extLst>
   </p:cSld>
@@ -15925,216 +15964,40 @@
           </a:p>
         </p:txBody>
       </p:sp>
-      <p:sp>
-        <p:nvSpPr>
-          <p:cNvPr id="2050" name="AutoShape 2" descr="data:image/png;base64,iVBORw0KGgoAAAANSUhEUgAAAysAAALwCAYAAACX2eoEAAAgAElEQVR4XuzdD5xWc97/8feV0Uzpz9RU/iSJEiVu1p9N2SS1bFu5abet2B/bHf0jlfKnECrRVmQqcVu7N2XbxV1oEYpVslhuUkoh2rBqalRqJtNcv8f32jmzV1czzXVmrutc33PO6zweu6U553w/3+fn4Ho753udiNgQQAABSwQmTlye9VU95WbVUm4tKTcSUe5+8+v+f/1eKq1nSakpKKPW7mhUhdHDVHiYVGh+XyoVlpSq8JjdKpw4sWtJCgbhFAgggAACCPhaIOLr6ikeAQR8LTDy/mVt95dGz5MO6yiZX9Xe1xNKYfFRRT+MKPJXRbUicnjpuw9e3+3TFJ6eUyGAAAIIIOALAcKKL9pEkQgEQ2Dk/a+dXbI/2ikS0bmK6lxF1CpxZrUPzyrNyc6qlX14lrJr/+t/OWW/Hp51WDAgJP1Qsl/F+0pUtK8k9mvsfz+UqKi4pHTfDyW1KpjoBkWiq6Ra7x4W0VsP3HDBO4HBYCIIIIAAAghUIkBY4dJAAIG0Clwz9eWGtWtn9Y1KfSPSxfGDmUByZF49Hd20oY49sqGaN2uY1lr8dPKvtu7U11t36qut38n83oSZ+C0qvRiRntq3r+Sph2/u/p2f5katCCCAAAIIJCtAWElWiv0QQMCVwHUzXju/VKV9I4pcLqm5OdjcGWl5TCMd2bi+jmpSn3DiQvSbbTv19bZdMr9u+mpH7M5M2bYlqujTtVTrqQdHX/CGi1OyKwIIIIAAAtYLEFasbxEFIuAvgREzXr06osOujCra1anc3DE5sUWeWrdoonp1s/01IQur3b2nWBs3b9Onmwu05dt/31SJKLI8qv2P54/u9piFZVMSAggggAACrgUIK67JOAABBCoSuG7WX9tF95dMUDTS3/y8bp3aP5x0XNPDTUjh8a70XTMmrJjQ8smXW3/Ys3ff4bGRItEnI4dlTXrw+p+sTd/InBkBBBBAAIH0CxBW0m/MCAgEXmD49OU3RCKaICmvTvbhJeecelxWuxOPjD32xeaNgHksbO2n/9TbH31Zsrf4hyxJBdGoJs0e0/V+bypgFAQQQAABBFIvQFhJvSlnRCA0AtdPf/W80kgtE1IuMZNud8KROqt9C+XWrxMaA9smWrhrr95ds1lrP/unU9oLtaKlk2aN6fambbVSDwIIIIAAAlUJEFaqEuLnCCBQocCI6a9OVKTWeElZTRvVi4WUNsc1QcsSgQ1fbouFlq07dpuKShTRpPxRXe+0pDzKQAABBBBAICkBwkpSTOyEAALxAtfNXD4zGtUN5s9MSDm7fQse+bLwEjGPhr2zZnMstJgtqsis2aMvGGlhqZSEAAIIIIBAhQKEFS4MBBBwJTB85vLHIlFdZV7W2P3HJ+mEY/NcHc/O3gt89o8CvfzWJ867Wp7IH931Su+rYEQEEEAAAQTcCxBW3JtxBAKhFLhh5vLcH6L6n4jUq2G9HHXv2FbHNG0QSgs/Ttp8a5gJLDt3F5nyl2RFdMX9o7oW+nEu1IwAAgggEB4Bwkp4es1MEai2wJCZy4/PiuoJSZ2aNa6nHh3bqnHDutU+HwdmRqDguz16edV6fbt9tyKKvBndH7kif2yXzzNTDaMigAACCCBQtQBhpWoj9kAg1AJjfru8SXEtvSLp9OOOaqQe552kujm1Q23i58nvKdqnl95cr83fxG6qfJBdqoum39h1m5/nRO0IIIAAAsEVIKwEt7fMDIGUCIyY8drDUnTwicfm6ZLOp6hWLf6xkRLYDJ6ktDSqF1Z8rE//UWDeIPlI/ugLrslgOQyNAAIIIIBApQJ86uDiQACBSgWum/7q4Gik1sPmRY+XX3RaFo9+Bedi2f7dHj39yoexF0hGoqXXPDim2yPBmR0zQQABBBAIigBhJSidZB4IpFjguunLTi+NRF6JSE26ndtG7U88KsUjcLpMC6z59Bu9+rcNikrbakWjFz045sIPMl0T4yOAAAIIIBAvQFjhekAAgQoFRsx4bYkU/ZkJKSassAVTwIQVE1qkyF/yR1/QM5izZFYIIIAAAn4VIKz4tXPUjUAaBcreTn+Heezrsm4dWFCfRutMn9osuH/m1dUyj4UpWnpn/phuEzNdE+MjgAACCCDgCBBWuBYQQOAggREzlv+f+favnj9pJ7Owni3YAmah/ZK/rjWT/Dh/dNd2wZ4ts0MAAQQQ8JMAYcVP3aJWBDwQGD592c8ikciSIxvXU7+Lz/BgRIawQWD+X95TQeH3Zv1K/9mju/7RhpqoAQEEEEAAAcIK1wACCBwgMHzm8sciUV3V+YxWOvOUY9EJicCqDzbpnTWbTVhZPHt010tDMm2miQACCCBguQBhxfIGUR4CXgqUvQByqxnzqj5nq8EROV4Oz1gZFCjctVf/89y7sQpKS3T0nHFdzap7NgQQQAABBDIqQFjJKD+DI2CXwIgZr42SojNaNW+sXl3a21Uc1aRd4OlXPtSWb78z49ySP7rr1LQPyAAIIIAAAghUIUBY4RJBAIFygREzlq+S9ONLOp2sNi2bIhMygfVfbNVLK9eZWb+VP7prx5BNn+kigAACCFgoQFixsCmUhECmBEbMfG2LotFjrvz5WWrUoE6mymDcDAns2LlXjz//rhSJfJU/6oLmGSqDYRFAAAEEECgXIKxwMSCAQEzgmnnvHl77+137zO9H/KqzatWy7x8Pzz69QDcO//VBHRs5bqKGj56QdCeLivZq1n136hcDr1arE9secNzsGZPUsfOFOvOc88r/vHBHgWbcc5tG33K3chsF96ucS0ujyv/jiti89x1Rv/bD1571Q9Ko7IgAAggggEAaBOz7NJKGSXJKBBCoWmDYjOWta0kb6tXN1m8uPafqAzKwhwkrZut9+YAajU5YqZzvd4ve1u49xSqV2swZ3XVjjaA5GAEEEEAAgRoKEFZqCMjhCARFYMTM1y9UtPTVY5o1VN+LTrNyWlWFFXNXxGwP3Pevl7DH33Exd0fGDLtSbyxfqv8admPs59W5s2KOc85jfv/HZ/9afhcm/s5P/Njxdf129v/UOGylszlPvfKhvjKL7CO1uuWP6rIsnWNxbgQQQAABBKoSIKxUJcTPEQiJwIgZr10tRX93Sqsj1b3jSVbOOpmw8s9vvtKtd01X0d49sVAxfNQEtTvtDE25fYwu7XtFLFi89/abmnjLCD3w8JOuHwOb/9hctWh5QixwfP7pes2adpfuuGeWPtuwXrNnTtL0OY/HHhUzAcXZzwkrbh5Vy1QDXl71iT7+/J+SIr/JH33BY5mqg3ERQAABBBAwAoQVrgMEEIgJjJj+6kRFat1xboeWOrfDcVaqVLZmxbm7ER8QzASc9SeN8vLKQ4UJEjV5DMyElffeebM8lDhQiWObIPPn+Y/p+nF36NE508uDi5WwcUX9bfWX+tvqL6Ro6Z35Y7r96xYVGwIIIIAAAhkSIKxkCJ5hEbBNICh3VuIXx8eHFSc45OTUqVFYce6aJD5qZsZy/szp7flde8RCjQk4iYv2beu/Uw93VmztDHUhgAAC4RQgrISz78wagYMEgrJmpbKw4jyuVdWdlYoeNYt/3Cv+28CcdTDmUbNVK5ZVGkgq+oYxWy9B1qzY2hnqQgABBMIpQFgJZ9+ZNQIHCQTh28ASQ4Hz186albPO7Rxba3KoNSvmZ/FrTwxU/JqT+Me94h8n21FQcMBx5jyLnnoitn7GPAbmlzsrfBsY/3BAAAEEELBJgLBiUzeoBYEMCvj5PSu/+vU1FYaC+PCS7LeBmRaYoPGr3j8p70Zl3ypmdoj/dq/4NTXOI2DOY2N+CCu8ZyWDfwMyNAIIIIBAhQKEFS4MBBAoF+AN9uG+GHiDfbj7z+wRQAABGwUIKzZ2hZoQyJDAiBnLV0n68SWdTlablk0zVAXDZkpg/Rdb9dLKdWb4t/JHd+2YqToYFwEEEEAAAUeAsMK1gAAC/76zMuO1UVJ0RqvmjdWrS3tkQibw9Csfaot5IaR0S/7orlNDNn2miwACCCBgoQBhxcKmUBICmRIY89vlTYpraasZ/6o+Z6vBETmZKoVxPRYo3LVX//Pcu7FRS0t09JxxXb/xuASGQwABBBBA4CABwgoXBQIIHCAwfObyxyJRXdX5jFY685Rj0QmJwKoPNumdNZsVlRbPHt310pBMm2kigAACCFguQFixvEGUh4DXAsOnL/tZJBJZcmTjeup38RleD894GRKY/5f3VFD4vQkr/WeP7vrHDJXBsAgggAACCBwgQFjhgkAAgYMERsxY/n+STu/5k3Y68dg8hAIu8Ok/CrTkr2vNLD/OH921XcCny/QQQAABBHwkQFjxUbMoFQGvBEZMf3WiIrXuaNywri7r1kF1c2p7NTTjeCywp2ifnnl1tbZ/t0eKlt6ZP6bbRI9LYDgEEEAAAQQqFSCscHEggECFAiNmvLZEiv6s/YlHqdu5bVAKqMCrf9ugNZ+atfSRv+SPvqBnQKfJtBBAAAEEfCpAWPFp4ygbgXQLXDd92emlkcgrEamJCSsmtLAFS8CEFBNWotK2WtHoRQ+OufCDYM2Q2SCAAAII+F2AsOL3DlI/AmkUuG76q4OjkVoP18k+vOTyi07LMo+FsQVDwDz29fQrH5bsLf4hKxItvebBMd0eCcbMmAUCCCCAQJAECCtB6iZzQSANAiNmvPawFB1sFtpf0vkU1arFPzbSwOzpKUtLo3phxccyC+ulyCP5oy+4xtMCGAwBBBBAAIEkBfjUkSQUuyEQVoGyF0W+Yr4d7LijGqnHeSex4N7HF4NZUP/Sm+u1+ZtCM4sPskt10fQbu27z8ZQoHQEEEEAgwAKElQA3l6khkCqBITOXH58V1ROSOjVrXE89OrYVj4SlSte78xR8t0cvr1qvb7fvVkSRN6P7I1fkj+3yuXcVMBICCCCAAALuBAgr7rzYG4HQCtwwc3nuD1H9T0Tq1bBejrp3bKtjmjYIrYffJr7l2+/08lufaOfuIlP6kqyIrrh/VNfY7RU2BBBAAAEEbBUgrNjaGepCwFKB4TOXPxaJ6qrs2lnq/uOTdAIvjbS0U/8u67N/FMSCSvG+EvOHT+SP7nql9UVTIAIIIIAAAmZlJQoIIICAW4HrZi6fGY3qBnPcWe1b6Oz2LXR41mFuT8P+aRb4oWS/3lmzWe+u2RwbKarIrNmjLxiZ5mE5PQIIIIAAAikTIKykjJITIRAugREzl9+hqCZIymraqF4stLQ5rkm4ECye7YYvt8VCytYdu02VJYqWTubt9BY3jNIQQAABBCoUIKxwYSCAQLUFrp/+6nmlkVomsFxiTtLuhCNjoSW3fp1qn5MDayZQuGtvLKSs/eyfzoleqBUtnTRrTLc3a3ZmjkYAAQQQQMB7AcKK9+aMiEDgBIZPX35DJBK7y5JnXiB5zqnHZbU78UgeDfOw0+aRr7Wf/lNvf/Rl7EWPkgqiUU2aPabr/R6WwVAIIIAAAgikVICwklJOToZAeAWum/XXdtH9JRMUjfQ3CnXr1P7hpOOaHn5iizw1b9YwvDBpnrn5lq9PNxfoky+3/rBn777DY8NFok9GDsua9OD1P1mb5uE5PQIIIIAAAmkVIKyklZeTIxA+gREzXr06osOujCra1Zm9CSsmtLRu0UT16maHDyXFM969p1gbN2+LhRQTVpwtosjyqPY/nj+622MpHpLTIYAAAgggkBEBwkpG2BkUgeALXDfjtfNLVdo3osjlkpqbGZtvDGt5TCMd2bi+jmpSnzsuLi6Db7bt1Nfbdsn8uumrHTKPfZVtW6KKPl1LtZ56cPQFb7g4JbsigAACCCBgvQBhxfoWUSAC/ha4ZurLDWvXzuoblfpGpIvjZ5N9eJaOzKuno5s21LFHNiS8xOF8tXWnvt66U19t/U7m92XvSCnfIyq9GJGe2rev5KmHb+7+79sr/r5cqB4BBBBAAIEDBAgrXBAIIOCZwMj7Xzu7ZH+0UySicxXVuYqoVeLgtQ/PKs3Jzqplgox58aT5X07Zr0F6l4u5M2ICSNG+ktivsf/9UKKi4pLSfT+U1KqgKRsUia6Sar17WERvPXDDBe941jgGQgABBBBAIEMChJUMwTMsAghII+9f1nZ/afQ86bCOkvlV7XH5l0BU0Q8jivxVUa2IHF767oPXd/sUGwQQQAABBMImQFgJW8eZLwIWC0ycuDzrq3rKzaql3FpSbiSi3P3m1/3/+r1UWi9V5S+eN+6S/T/sO/yyEfc/m6pzujtPrd3RqAqjh6nwMKnQ/L5UKiwpVeExu1U4cWLXEnfnY28EEEAAAQSCJ0BYCV5PmRECCFQtkCNpu1nzL+nIst9XfRR7IIAAAggggICnAoQVT7kZDAEELBG4RdKtZWElX9KNltRFGQgggAACCCAQJ0BY4XJAAIGwCZi7KQWS6pdN3HwH8NGStoYNgvkigAACCCBguwBhxfYOUR8CCKRaYJyk2yUdUXbiYklzJY1K9UCcDwEEEEAAAQRqJkBYqZkfRyOAgL8EzFcCm7UqDRPKLi17ceU3/poO1SKAAAIIIBBsAcJKsPvL7BBA4ECBMZKmSDJ3U0xoOUxSE0lZkv5b0lDAEEAAAQQQQMAeAcKKPb2gEgQQSL/AGkm7JY2VdHbZWpXHywLMKZLOl7Ql/WUwAgIIIIAAAggkI0BYSUaJfRBAICgCjSTtKJuMWaPSQtLosr9uI2lDUCbKPBBAAAEEEAiCAGElCF1kDgggUB2BGyS1ZGF9deg4BgEEEEAAAW8ECCveODMKAgjYJzBSUitJJrSwIYAAAggggICFAoQVC5tCSQgg4InAdZLMo1/XezIagyCAAAIIIICAawHCimsyDkAAgYAIjJDUVpIJLWwIIIAAAgggYKEAYcXCplASAgh4IjBMUjtJJrSwIYAAAggggICFAoQVC5tCSQgg4ImAeadKB0kmtLAhgAACCCCAgIUChBULm0JJCCDgicAQSafzIkhPrBkEAQQQQACBagkQVqrFxkEIIBAAgWsk/UjStQGYC1NAAAEEEEAgkAKElUC2lUkhgEASAoPL3mJvQgsbAggggAACCFgoQFixsCmUhAACngj8l6RzJZnQwoYAAggggAACFgoQVixsCiUhgIAnAr+R1EnSIE9GYxAEEEAAAQQQcC1AWHFNxgEIIBAQgaslnS/JhBY2BBBAAAEEELBQgLBiYVMoCQEEPBH4f5K6SrrKk9EYBAEEEEAAAQRcCxBWXJNxAAIIBETg15K6STKhhQ0BBBBAAAEELBQgrFjYFEpCAAFPBK6U1F2SCS1sCCCAAAIIIGChAGHFwqZQEgIIeCIwUNIlkq7wZDQGQQABBBBAAAHXAoQV12QcgAACAREYIKmnJBNa2BBAAAEEEEDAQgHCioVNoSQEEPBE4FeSeksyoYUNAQQQQAABBCwUIKxY2BRKQgABTwT6SfpPSSa0sCGAAAIIIICAhQKEFQubQkkIIOCJwC8lXS7JhBY2BBBAAAEEELBQgLBiYVMoCQEEPBHoWxZUfuHJaAyCAAIIIIAAAq4FCCuuyTgAAQQCImDuqvSXZEILGwIIIIAAAghYKEBYsbAplIQAAp4IXFb2TWAmtLAhgAACCCCAgIUChBULm0JJCCDgicClZW+vN4vs2RBAAAEEEEDAQgHCioVNoSQEEPBEoI+kqyWZ0MKGAAIIIIAAAhYKEFYsbAolIYCAJwK9JA0ue9eKJwMyCAIIIIAAAgi4EyCsuPNibwQQCI7AzyVdK8mEFjYEEEAAAQQQsFCAsGJhUygJAQQ8EegpaagkE1rYEEAAAQQQQMBCAcKKhU2hJAQQ8ETgEknXSfqZJ6MxCAIIIIAAAgi4FiCsuCbjAAQQCIjAxZJGSjKhhQ0BBBBAAAEELBQgrFjYFEpCAAFPBH4qaZQkE1rYEEAAAQQQQMBCAcKKhU2hJAQQ8ESgu6Sxknp4MhqDIIAAAggggIBrAcKKazIOQACBgAhcJOkmSSa0sCGAAAIIIICAhQKEFQubQkkIIOCJwIWSxkvq5sloDIIAAggggAACrgUIK67JOAABBAIi0FXSbZJMaGFDAAEEEEAAAQsFCCsWNoWSEEDAE4ELJN0hyYQWNgQQQAABBBCwUICwYmFTKAkBBDwR+ImkuyV18WQ0BkEAAQQQQAAB1wKEFddkHIAAAgEROF/SZEkmtLAhgAACCCCAgIUChBULm0JJCCDgiUBnSfdIMqGFDQEEEEAAAQQsFCCsWNgUSkIAAU8EzpM0TVInT0ZjEAQQQAABBBBwLUBYcU3GAQggEBCBjpKmSzKhhQ0BBBBAAAEELBQgrFjYFEpCAAFPBM6V9ICkH3syGoMggAACCCCAgGsBwoprMg5AAIGACJwj6UFJJrSwIYAAAggggICFAoQVC5tCSQgg4InA2ZJmSzKhhQ0BBBBAAAEELBQgrFjYFEpCAAFPBH4kaZ6kszwZjUEQQAABBBBAwLUAYcU1GQcggEBABM6U9IgkE1rYEEAAAQQQQMBCAcKKhU2hJAQQ8ETgDEm/k2R+ZUMAAQQQQAABCwUIKxY2hZIQQMATgdMl/UHSf3gyGoMggAACCCCAgGsBwoprMg5AAIGACJwm6XFJJrSwIYAAAggggICFAoQVC5tCSQgg4InAqZKelNTBk9EYBAEEEEAAAQRcCxBWXJNxAAIIBESgvaSFkkxoYUMAAQQQQAABCwUIKxY2hZIQQMATgXaS/izJhBY2BBBAAAEEELBQgLBiYVMoCQEEPBE4WdL/SjrFk9EYBAEEEEAAAQRcCxBWXJNxAAIIBESgraTFkkxoYUMAAQQQQAABCwUIKxY2hZIQQMATgZMkPS/J/MqGAAIIIIAAAhYKEFYsbAolIYCAJwKtJb0gqY0nozEIAggggAACCLgWIKy4JuMABBAIiMCJkl6SZEILGwIIIIAAAghYKEBYsbAplIQAAp4ItJL0qqQTPBmNQRBAAAEEEEDAtQBhxTUZByCAQEAEjpe0XJIJLWwIIIAAAgggYKEAYcXCplASAgh4ItBS0l8lmV/ZEEAAAQQQQMBCAcKKhU2hJAQQ8ESghaSVko7zZDQGQQABBBBAAAHXAoQV12QcgAACARE4VtIqSSa0sCGAAAIIIICAhQKEFQubQkkIIOCJQHNJb0syv7IhgAACCCCAgIUChBULm0JJCCDgicDRkv4u6RhPRmMQBBBAAAEEEHAtQFhxTcYBCCAQEIGjJL0vyYQWNgQQQAABBBCwUICwYmFTKAkBBDwRaCZptaQjPRmNQRBAAAEEEEDAtQBhxTUZByCAQEAEmkpaI8mEFjYEEEAAAQQQsFCAsGJhUygJAQQ8EWgiaZ0k8ysbAggggAACCFgoQFixsCmUhAACngg0lrRBUp4nozEIAggggAACCLgWIKy4JuMABBAIiEAjSZ9KMqGFDQEEEEAAAQQsFCCsWNgUSkIAAU8EciVtkmR+ZUMAAQQQQAABCwUIKxY2hZIQQMATgQaSNktqWDZatqRiT0ZmEAQQQAABBBBISoCwkhQTOyGAQEAEbpY0XtKNkhZI2lL2GJj567skjZaUH5C5Mg0EEEAAAQR8L0BY8X0LmQACCLgQMG+r/0fZHZRdZUHle0lZkvZLMndb2BBAAAEEEEDAEgHCiiWNoAwEEPBM4AFJQyTVjhvRBJY7JU3zrAoGQgABBBBAAIEqBQgrVRKxAwIIBEzAvATyK0mHxc1rZ9lXGJcEbK5MBwEEEEAAAV8LEFZ83T6KRwCBagrMkDS87O6KuasySdLUap6LwxBAAAEEEEAgTQKElTTBcloEELBawLwI8puytSq7y95izzeBWd0yikMAAQQQCKMAYSWMXWfOCCBgBMz6lOsk3S1pMiQIIIAAAgggYJ8AYcW+nlARAgh4I2BeBjlX0iBJe7wZklEQQAABBBBAwI0AYcWNFvsiEE6B1m3atHl5w4YNx4dz+sy6pgJt2rTZtGHDhlY1PQ/HI4AAAgiET4CwEr6eM2MEXAk0adJkyciRI382YcIEV8exMwJGoE+fPjufffZZ88id+RIDNgQQQAABBFwJEFZccbEzAqETuLRly5Z/2LRpEy9LDF3raz7hRYsW6eqrr95cWFh4XM3PxhkQQAABBMIoQFgJY9eZMwJJCuTm5n752GOPtbj00kuTPILdEPi3wPHHH7/ziy+++H+SFuGCAAIIIIBAdQQIK9VR4xgEwiEwoXfv3mMXL17MXZVw9Duls5w0aZIeeOCBv2zbtq1nSk/MyRBAAAEEQiVAWAlVu5ksAkkLtJa0YcOGDWrd2vyWDYHkBTZu3Kg2bdqYA8z/bUz+SPZEAAEEEEDgQAHCClcEAggcJMCiei6KmgiwqL4mehyLAAIIIBAvQFjhekAAgUQBFtVzTVRbgEX11abjQAQQQACBCgQIK1wWCCBwgACL6rkgaiLAovqa6HEsAggggECiAGGFawIBBOIFWFTP9VBtARbVV5uOAxFAAAEEKhEgrHBpIICAI8Cieq6FaguwqL7adByIAAIIIHAIAcIKlwcCCMQEWFTPhVATARbV10SPYxFAAAEEKhMgrHBtIICAEWBRPddBtQVYVF9tOg5EAAEEEKhCgLDCJYIAAmJRPRdBTQRYVF8TPY5FAAEEEDiUAGGF6wMBBFhUzzVQbQEW1VebjgMRQAABBJIQIKwkgcQuCARYgEX1AW5uuqfGovp0C3N+BBBAAAHCCtcAAiEWYFF9iJufgqmzqD4FiJwCAQQQQOCQAoQVLhAEwivAovrw9r7GM2dRfY0JOQECCCCAQBIChJUkkNgFgSAKsKg+iF31bk4sqvfOmpEQQACBMAsQVsLcfeYeZgEW1Ye5+zWcO4vqawjI4QgggAACSQsQVpKmYkcEAiPAovrAtNL7ibCo3ntzRkQAAQTCLEBYCXP3mXsoBVhUH8q2p2zSLKpPGSUnQgABBBBIQoCwkgQSuyAQIAEW1QeomV5PhUX1XoszHgIIIIAAYZ+F47wAACAASURBVIVrAIEQCbCoPkTNTsNUWVSfBlROiQACCCBwSAHCChcIAuERCNSi+rvvvlu33377Ad1bsWKFOnXqFPuzvXv3atSoUTr//PM1cODAlHR5/vz5evzxx2V+zcvLS8k5/XISFtX7pVPUiQACCARLgLASrH4yGwQqEwjMononhJiJzpw5U3Xq1InNef369erXr5/Gjh0bCyeEldT9zcCi+tRZciYEEEAAAXcChBV3XuyNgC8FgrSo3oSS66+/XrNmzVLbtm0P6Ef8nY+6detyZyVFVyuL6lMEyWkQQAABBFwLEFZck3EAAr4TCNSi+pUrV2r48OFauHDhQWElvjMV3Vlx/mzevHnlu95111267bbbyv/anL9z586xvz799NMPGCfxMbCCgoLyR8yC+mgYi+p99/c7BSOAAAKBEiCsBKqdTAaBgwWCtqjeCQgvvfSSnnjiiUrXoySGFeevmzdvXh5OEh8dc/569uzZsbUvieEk/q+NtHnc7Pjjjz/gcbSgXYMsqg9aR5kPAggg4C8Bwoq/+kW1CLgVCNSiemfy8YHF+bOf/vSnByx8TwwrFT0+lhhgzKL9LVu2VBo+nLDy3//93zILzs0Wv27GbXNs359F9bZ3iPoQQACB4AsQVoLfY2YYXoHALKo/VAvjH9sy+zmPdR1qgb1zB+WDDz6Indocc+ONN8bWuMTfeUkc14SVadOm6cgjj1QkEgn0t4KxqD68/+Bg5ggggIBNAoQVm7pBLQikUCBIi+qTZTF3Rp5++unYOpPjjjvugAX2ietVEgOKE1YO9VXHJqxcccUV6tGjh/75z3/q8ssvP2C9S7J1+mE/FtX7oUvUiAACCARfgLAS/B4zw3AKBGpRfbItjF9zcuaZZx4QVipamB//GFiyd1ac96ysW7cuthA//t0uydZp+34sqre9Q9SHAAIIhEeAsBKeXjPTEAkEbVF9fOsOta4kfl1K4p0Vc1fkjTfeqPDdLM4dkmTXrJhzOV+NbGoL2roVFtWH6B8WTBUBBBCwXICwYnmDKA+BaggEclG94+DcPanoESwTNsxmvoo4cc2Ks7bFuRMS/1jYtddeGwscX375ZezFks63gSXejUn8drDEbxOrRq+sO4RF9da1hIIQQACBUAsQVkLdfiYfQIFQLKqv6H0pppfxj2RVtMDeWXPi9N189fFnn30mE0qc96QkLtiPP2diWDHniV8nk/iSSr9dXyyq91vHqBcBBBAIvgBhJfg9ZoYhEgjjovoQtTftU2VRfdqJGQABBBBAwKUAYcUlGLsjYLFAKBfVW9wPX5XGonpftYtiEUAAgdAIEFZC02omGnSBIC+qD3rvbJgfi+pt6AI1IIAAAggkChBWuCYQCIZAoBfVB6NF9s6CRfX29obKEEAAgbALEFbCfgUw/yAIhGJRfRAaZeMcWFRvY1eoCQEEEEDAESCscC0g4HMBFtX7vIEZLp9F9RluAMMjgAACCBxSgLDCBYKAvwVYVO/v/mW0ehbVZ5SfwRFAAAEEkhAgrCSBxC4I2CrAonpbO+OPulhU748+USUCCCAQZgHCSpi7z9z9LsCier93MIP1s6g+g/gMjQACCCCQtABhJWkqdkTAKgEW1VvVDn8Vw6J6f/WLahFAAIEwCxBWwtx95u5bARbV+7Z1VhTOonor2kARCCCAAAJJCBBWkkBiFwQsE2BRvWUN8VM5LKr3U7eoFQEEEECAsMI1gIDPBFhU77OGWVYui+otawjlIIAAAggcUoCwwgWCgL8EWFTvr35ZVS2L6q1qB8UggAACCCQhQFhJAoldELBEgEX1ljTCj2WwqN6PXaNmBBBAAAHCCtcAAj4RYFG9TxplaZksqre0MZSFAAIIIHBIAcIKFwgC/hBgUb0/+mRllSyqt7ItFIUAAgggkIQAYSUJJHZBINMCLKrPdAf8PT6L6v3dP6pHAAEEwixAWAlz95m7XwRYVO+XTllYJ4vqLWwKJSGAAAIIJC1AWEmaih0RyIgAi+ozwh6MQVlUH4w+MgsEEEAgzAKElTB3n7lbL8CieutbZHWBLKq3uj0UhwACCCCQhABhJQkkdkEgQwIsqs8QfBCGZVF9ELrIHBBAAAEECCtcAwhYKsCieksb45OyWFTvk0ZRJgIIIIDAIQUIK1wgCNgpwKJ6O/vii6pYVO+LNlEkAggggEASAoSVJJDYBQGvBdq0afP5hg0bjvd6XMYLhkCbNm02bdiwobukjcGYEbNAAAEEEAirAGElrJ1n3gggMEtSPUm/gQIBBBBAAAEE7BQgrNjZF6pCAIH0CuRI2i7pcElHlv0+vSNydgQQQAABBBBwLUBYcU3GAQggEACBWyTdWhZW8iXdGIA5MQUEEEAAAQQCJ0BYCVxLmRACCFQhYO6mFEiqX7bffklHS9qKHAIIIIAAAgjYJUBYsasfVIMAAukXGCfpdklHlA1VLGmupFHpH5oREEAAAQQQQMCNAGHFjRb7IoCA3wVqla1PaZgwkVJJzSV94/cJUj8CCCCAAAJBEiCsBKmbzAUBBKoSGCNpiiRzN8UssD9MUhNJWZL+W9LQqk7AzxFAAAEEEEDAOwHCinfWjIQAApkXWCNpt6Sxks4uW6vyeFmAOUXS+ZK2ZL5MKkAAAQQQQAABI0BY4TpAAIEwCTSStKNswmaNSgtJo8v+uo2kDWHCYK4IIIAAAgjYLkBYsb1D1IcAAukSuEFSSxbWp4uX8yKAAAIIIFBzAcJKzQ05AwII+FNgpKRWkkxoYUMAAQQQQAABCwUIKxY2hZIQQMATgeskmUe/rvdkNAZBAAEEEEAAAdcChBXXZByAAAIBERghqa0kE1rYEEAAAQQQQMBCAcKKhU2hJAQQ8ERgmKR2kkxoYUMAAQQQQAABCwUIKxY2hZIQQMATAfNOlQ6STGhhQwABBBBAAAELBQgrFjaFkhBAwBOBIZJO50WQnlgzCAIIIIAAAtUSIKxUi42DEEAgAALXSPqRpGsDMBemgAACCCCAQCAFCCuBbCuTQgCBJAQGl73F3oQWNgQQQAABBBCwUICwYmFTKAkBBDwR+C9J50oyoYUNAQQQQAABBCwUIKxY2BRKQgABTwR+I6mTpEGejMYgCCCAAAIIIOBagLDimowDEEAgIAJXSzpfkgktbAgggAACCCBgoQBhxcKmUBICCHgi8P8kdZV0lSejMQgCCCCAAAIIuBYgrLgm4wAEEAiIwK8ldZNkQgsbAggggAACCFgoQFixsCmUhAACnghcKam7JBNa2BBAAAEEEEDAQgHCioVNoSQEEPBEYKCkSyRd4cloDIIAAggggAACrgUIK67JOAABBAIiMEBST0kmtLAhgAACCCCAgIUChBULm0JJCCDgicCvJPWWZEILGwIIIIAAAghYKEBYsbAplIQAAp4I9JP0n5JMaGFDAAEEEEAAAQsFCCsWNoWSEEDAE4FfSrpckgktbAgggAACCCBgoQBhxcKmUBICCHgi0LcsqPzCk9EYBAEEEEAAAQRcCxBWXJNxAAIIBETA3FXpL8mEFjYEEEAAAQQQsFCAsGJhUygJAQQ8Ebis7JvATGhhQwABBBBAAAELBQgrFjaFkhBAwBOBS8veXm8W2bMhgAACCCCAgIUChBULm0JJCCDgiUAfSVdLMqGFDQEEEEAAAQQsFCCsWNgUSkIAAU8EekkaXPauFU8GZBAEEEAAAQQQcCdAWHHnxd4IIBAcgZ9LulaSCS1sCCCAAAIIIGChAGHFwqZQEgIIeCLQU9JQSSa0sCGAAAIIIICAhQKEFQubQkkIIOCJwCWSrpP0M09GYxAEEEAAAQQQcC1AWHFNxgEIIBAQgYsljZRkQgsbAggggAACCFgoQFixsCmUhAACngj8VNIoSSa0sCGAAAIIIICAhQKEFQubQkkIIOCJQHdJYyX18GQ0BkEAAQQQQAAB1wKEFddkHIAAAgERuEjSTZJMaGFDAAEEEEAAAQsFCCsWNoWSEEDAE4ELJY2X1M2T0RgEAQQQQAABBFwLEFZck3EAAggERKCrpNskmdDChgACCCCAAAIWChBWLGwKJSGAgCcCF0i6Q5IJLWwIIIAAAgggYKEAYcXCplASAgh4IvATSXdL6uLJaAyCAAIIIIAAAq4FCCuuyTgAAQQCInC+pMmSTGhhQwABBBBAAAELBQgrFjaFkhBAwBOBzpLukWRCCxsCCCCAAAIIWChAWLGwKZSEAAKeCJwnaZqkTp6MxiAIIIAAAggg4FqAsOKajAMQQCAgAh0lTZdkQgsbAggggAACCFgoQFixsCmUhAACngicK+kBST/2ZDQGQQABBBBAAAHXAoQV12QcgAACARE4R9KDkkxoYUMAAQQQQAABCwUIKxY2hZIQQMATgbMlzZZkQgsbAggggAACCFgoQFixsCmUhAACngj8SNI8SWd5MhqDIIAAAggggIBrAcKKazIOQACBgAicKekRSSa0sCGAAAIIIICAhQKEFQubQkkIIOCJwBmSfifJ/MqGAAIIIIAAAhYKEFYsbAolIYCAJwKnS/qDpP/wZDQGQQABBBBAAAHXAoQV12QcgAACARE4TdLjkkxoYUMAAQQQQAABCwUIKxY2hZIQQMATgVMlPSmpgyejMQgCCCCAAAIIuBYgrLgm4wAEEAiIQHtJCyWZ0MKGAAIIIIAAAhYKEFYsbAolIYCAJwLtJP1ZkgktbAgggAACCCBgoQBhxcKmUBICCHgicLKk/5V0iiejMQgCCCCAAAIIuBYgrLgm4wAEEAiIQFtJiyWZ0MKGAAIIIIAAAhYKEFYsbAolIYCAJwInSXpekvmVDQEEEEAAAQQsFCCsWNgUSkIAAU8EWkt6QVIbT0ZjEAQQQAABBBBwLUBYcU3GAQggEBCBEyW9JMmEFjYEEEAAAQQQsFCAsGJhUygJAQQ8EWgl6VVJJ3gyGoMggAACCCCAgGsBwoprMg5AAIGACBwvabkkE1rYEEAAAQQQQMBCAcKKhU2hJAQQ8ESgpaS/SjK/siGAAAIIIICAhQKEFQubQkkIIOCJQAtJKyUd58loDIIAAggggAACrgUIK67JOAABBAIicKykVZJMaGFDAAEEEEAAAQsFCCsWNoWSEEDAE4Hmkt6WZH5lQwABBBBAAAELBQgrFjaFkhBAwBOBoyX9XdIxnozGIAgggAACCCDgWoCw4pqMAxBAICACR0l6X5IJLWwIIIAAAgggYKEAYcXCplASAgh4ItBM0mpJR3oyGoMggAACCCCAgGsBwoprMg5AAIGACDSVtEaSCS1sCCCAAAIIIGChAGHFwqZQEgIIeCLQRNI6SeZXNgQQQAABBBCwUICwYmFTKAkBBDwRaCxpg6Q8T0ZjEAQQQAABBBBwLUBYcU3GAQggEBCBRpI+lWRCCxsCCCCAAAIIWChAWLGwKZSEAAKeCORK2iTJ/MqGAAIIIIAAAhYKEFYsbAolIYCAJwINJG2W1LBstGxJxZ6MzCAIIIAAAgggkJQAYSUpJnZCAIGACNwsabykGyUtkLSl7DEw89d3SRotKT8gc2UaCCCAAAII+F6AsOL7FjIBBBBwIWDeVv+Psjsou8qCyveSsiTtl2TutrAhgAACCCCAgCUChBVLGkEZCCDgmcADkoZIqh03ogksd0qa5lkVDIQAAggggAACVQoQVqokYgcEEAiYgHkJ5FeSDoub186yrzAuCdhcmQ4CCCCAAAK+FiCs+Lp9FI8AAtUUmCFpeNndFXNXZZKkqdU8F4chgAACCCCAQJoECCtpguW0CCBgtYB5EeQ3ZWtVdpe9xZ5vArO6ZRSHAAIIIBBGAcJKGLvOnBFAwAiY9SnXSbpb0mRIEEAAAQQQQMA+AcKKfT2hIgQQ8EbAvAxyrqRBkvZ4MySjIIAAAggggIAbAcKKGy32RcAygd9P/N/P9+zae7xlZVFOSATq1q+z6aqJ/9kqJNNlmggggAACGRAgrGQAnSERSJXAnDELoj1/0zVVp+M8CLgSWPK75Ro2fQD/HnGlxs4IIIAAAm4E+JeMGy32RcAyASesrPrL/2n7Nzssq45ygirQ+KhG6viz/xBhJagdZl4IIICAPQKEFXt6QSUIuBZwwor50MgdFtd8HFBNAed6I6xUE5DDEEAAAQSSFiCsJE3FjgjYJ0BYsa8nYaiIsBKGLjNHBBBAwA4BwoodfaAKBKolQFipFhsH1VCAsFJDQA5HAAEEEEhagLCSNBU7ImCfAGHFvp6EoSLCShi6zBwRQAABOwQIK3b0gSoQqJYAYaVabBxUQwHCSg0BORwBBBBAIGkBwkrSVOyIgH0ChBX7ehKGiggrYegyc0QAAQTsECCs2NEHqkCgWgKElWqxcVANBQgrNQTkcAQQQACBpAUIK0lTsSMC9gkQVuzrSRgqIqyEocsHzfHM1q1bP7Nx48aWoZw9k/a9wIknnrjp008/beX7iYRwAoSVEDadKQdHgLASnF76aSaEFT91KzW15uXlrZs0aVLbIUOGpOaEnAUBDwXat29fuHbt2lskPeThsAyVIgHCSoogOQ0CmRAgrGRCnTEJK+G6BurXrz+vZ8+eA5588sl64Zo5sw2CwLBhw4oWLlz4/Pbt238RhPmEcQ6ElTB2nTkHRoCwEphW+moihBVftaumxQ5s0aLFnE8++aRBTk5OTc/F8Qh4KjB//nyNGDFiS2FhYWtJRZ4OzmApEyCspIySEyHgvQBhxXtzRpQIK6G5ClrXrl37o6VLl2Z36dIlNJNmosEQ2Lhxo0499dR9xcXFPSS9HoxZhXMWhJVw9p1ZB0SAsBKQRvpsGoQVnzWsmuU2adLknbFjx541bty4ap6BwxDInMCPf/zjwr/97W/3SLovc1UwcioECCupUOQcCGRIgLCSIfiQD0tYCf4FkJWVNeWiiy4a9sILLzQM/myZYdAExo8fX/rwww8v27ZtW/egzS2M8yGshLHrzDkwAoSVwLTSVxMhrPiqXdUptlfjxo2f/Pjjj49o1qxZdY7nGAQyJvDcc89pwIABO3bv3n2ypG8zVggDp0yAsJIySk6EgPcChBXvzRmRNSsBvwaa1atXb/2CBQtye/XqFfCpMr2gCXz77bc6+eSTv9+xY0d/Sc8FbX5hnQ9hJaydZ96BECCsBKKNvpsEd1Z817KkC87Ly3t5yJAhF06aNKlW0gexIwKWCFx88cU7X3311fySkpLxlpREGSkQIKykAJFTIJApAcJKpuTDPS5hJbD9H9exY8db3nzzzdzAzpCJBVbgvvvu07Rp097Ztm3bOYGdZEgnRlgJaeOZdjAECCvB6KPfZkFY8VvHkqq3S05OztLVq1fXbt3avJKCDQH/CLz++uvq0aNH0b59+zpI2uifyqk0GQHCSjJK7IOApQKEFUsbE/CyCCuBa3Cd3NzcDbNnz24+YMCAwE2OCQVbYO/evWrbtu3OzZs3D5W0INizDefsCCvh7DuzDogAYSUgjfTZNAgrPmtYFeU2btz4z/369fv5nDlzXL+ifuXKlercuXP5CCtWrFCnTp1cA5nzPP7445o5c6bq1KlTfrz582XLlum2225zfc6CggLz9nJNnDjRfJh1fXx1D0hmXPMBe9SoUZo3b56qa+amPlPTnDlzdOONN+q9996r0NrN+Wzat3///ruXLFmyYNeuXdfaVBe1pE6AsJI6S86EgOcChBXPyRlQfBtYwC6CIe3atbtnzZo1rtepzJ8/X2+88UZ5wDAfiAcOHBgLFtUJLBW51iSs2Nyn9evX69FHH9Wdd955QDhLV81ej5eueSSe96GHHtKECRPWFxQUmK8pZguoAGEloI1lWuEQIKyEo8+2zZI7K7Z1pNr1nCnp7+a/tJ9xxhmuTmLuDNxxxx0aNGjQAXctTGDZtm1b7M/MB+R+/frpgw8+0E9/+lOZcGN+Fv8h3fkQffHFF+tPf/pTLPiYepy7NXfddVesrvg7K87YZm3Ntdf+6z+mO3cnzBhmvKVLl2ro0KF67bXXYndW3n33XZmvtX3ppZdi/3viiSf02Wef6fbbb4+dw7mjc/fdd8f+zGzOnzt3IjZt2qRzzjlHRUVF5fOuKATE31kx4zr1mF/NfIYNGxYLdaYOZ4zf/va35eOa2szPnbtNZlwT/k444YQq52Dqdu7YmN+b8czdFOfPzHi//OUvy6337NlTXsvpp5+uhQsX6rjjjov11mzTpk07wNfVRZLmnU1ffvSjH5lRzHX8fpqH4/QZFCCsZBCfoRGoqQBhpaaCHF8dAcJKddTsOyYvL2/dpEmT2g4ZMsR1ceZDugkB+fn5ysvLO+j4xEehnLswU6ZM0dSpU8s/7JtwcOGFF8aON4+BmVBiPlw7j26Zn1cUVsyH7+bNm8f2j6/lxRdfLL/bYz6IO4+BmdBgzu8EJhOiZs+erTPPPDP2Qf7KK68sryE+uDi1mTrMsWau5lezmUAR/3sHITGsOOOanzv1mN87oe2ZZ56JBSczl/i7U2afxHGrmoMJNs654gNl/HhO+DK9uPXWW2NzN2HIhCMznqnL/Or4VvaInuuLJsUHtG/fvnDt2rW3SHooxafmdJYJEFYsawjlIOBGgLDiRot9UyVAWEmVZObOU79+/Xk9e/Yc8OSTT9arThXmQ/X48eM1efLkCsNK4h2H+P1NoDCbuZvinGPdunWxMGH+q7/5cOzcSanoMbDEuzrxf21CSfwH//iwEv/n8bU7gcl8YI+/G2RqNHdsnCDlhBhnbjfddJPuvffeCu8uVTRuZeHB3FUxoch5dM4JQMcff/wBa0vMnyczh/h1RM7dkorCijE2c3d66NRnQtjcuXPLQ4yNj5ANGzasaOHChc9v3779F9W5fjnGXwKEFX/1i2oROECAsMIFkQkBwkom1FM65sAWLVrM+eSTTxrk5LheUx8rpLLHwJz/Cm8ewTIfrp01GfFhxXkUrHv37nrrrbdiwcQ5LpNhxcwr/k5G4l0fJ6w4c3fuRiSuO0m8s1LVnY5UhhVzZ8VZR2Tm4zyqF6SwYq6rESNGbCksLDTfsV2U0r8zOJmVAoQVK9tCUQgkJ0BYSc6JvVIrQFhJrafHZ2tdu3bt1UuXLs3p0qVLjYY+1AL7k08++YBv4orf1/kQbdZwmPUhzod+t4+BnX/++bFHsRIfA6vunRXzQd9s5pyJj2MlflOZCVcPPvigevXqFds/fnMbVg71GFj8uMncWTHfnObcpTEu119/vWbNmhUrz3nsLNnHwJzHw2y6s7Jx40adeuqp+4qLi3tIer1GFzAH+0aAsOKbVlEoAgcLEFa4KjIhQFjJhHpqxmzSpMnbY8eOPXvcuHEpOaH5AH3FFVeUnyv+a3grWmDvrG9x1kc460Di10Uks8DerDMpLCyMLQh3HnUyi/oTP9C7eQzMBCxn4bv5QgDzv2bNminxcSwz2UN9PbHbsGK+qjl+YX/iAnvnjk4yYaVJkyblX2pgFtM3aNBAffr0kTM3M5dkFtg763icR+O8/OayQ12Y5513XuGqVavukXRfSi5gTuILAcKKL9pEkQhULEBY4crIhABhJRPqNR8zKytrykUXXTTshRdeaFjzs2XuDM47Spz/8p+JSmxddJ4JC6/GHD9+fOnDDz+8bNu2bd29GpNx7BAgrNjRB6pAoFoChJVqsXFQDQUIKzUEzMzhvRo3bvzkxx9/fIS5W+DnLdNhxbmb5MXLHP3cp1TW/txzz2nAgAE7du/ebd6n8m0qz8257BcgrNjfIypEoFIBwgoXRyYECCuZUK/RmM3q1au3bsGCBY3MGgs2BPwkYN6Pc8opp3y/ffv2/pKe81Pt1JoaAcJKahw5CwIZEUhVWPns8081bMy1mnTbPTrrjLPL52JefnbXvbfrvQ/e05zp83RCqxPLf7ajcIdGjhumy3r/Qpf+/LIq52/2f/yPv9c1Vw1Vdb+BqMpBXO7w7vvv6PIremvgL6/U7TfdlfK6Fj3/jN7++1tJn9v0Ydkbr+q/fn2Ny5kcevdU2xNWUtqetJ8sLy/v5WuvvfbCyZMn10r7YAyAQIoFLrnkkp2vvPLK7JKSkltTfGpO5xMBwopPGkWZCFQkkKqwUlnwcELMx+vX6IF7Zx8QSswH/Ql333JQiKmsU7Memqlv/vl10h/cvei4qWn397v115WvHxTUvBg/fgwnGB515NG6fsiolA6fanvCSkrbk+6TjevYseMtb775Zm66B+L8CKRa4L777tO0adPe2bZt2zmpPjfn848AYcU/vaJSBA4SSFVYMSeu6AOtCSTPPPtnndruNH209sMDgoa5a2B+9sB9c9Qot1GV3Un1B+YqB6xiByeIjb/xNr3w8hKlIyS4qTGAYaW+JHOLaLobB/Y9SMC8wt38b181bLrk5OQsXb16de3Wrc0rKdgQ8I/A66+/rh49ehTt27evg6SN/qmcSlMtQFhJtSjnQ8BDgVSGFRNMZs2dcUD4MAHDbOed2/mAn1X0wdrsO/3Bf3+bpPNolTnePEo2/0+Px851Stv2sbsxxxzd/IA/Nz97+olnD3gMLf7Ojvl54uNazmNWJkzdMnHsAeePf2StopbEh63XVyyvMHg583RqT6yxqp8nPgbmPHbm1OPMZ2/R3tgjda+vfC32oy6dLijvQ+Ixjp8zv0MZJBonHlvdS7WKOysmpJjHNcZI2i+pTnXH4TgdIalQUrGkSZJmuAgtObm5uRvz8/ObJ74HBNeqBSr7ti+37xyp7OWZ8V9DXHU14dvD/LP1pJNO2rl58+ZhkuaHT4AZxwsQVrgeEPCxQCrDSuK6FeeDuFmTcmKr1rEP09cPHR0LE85jY85fJ941cX5+1pnnlD/SFL+PE2Di72YkPlbmfEh3Hj9z6jHHOutLzAf1kTcN15jrxsXGqWifitqbGLacuQ/5zbDyR90qCmTxNTpB4FBziA8rH328+oDH5hLPX9V4Tjgxju++93Z5mEnGINV3tSoJK05IMc+wmX+3DfYn9AAAIABJREFUmKByi6QHfPy3mA2l3ybpZkmlkqKSzDsmTGgxAabSrXHjxn/u16/fz+fMmVO9V9TbMHMLayCseNOU/v37716yZMmCXbt2XevNiIxiswBhxebuUBsCVQikMqw4H5bP+dGPYx/YzQf4mXN+q7vGT4k95mU+8B53bMvyn90xZbzuvHWyGjVqfECQcUpO/IAc/9fOnYTKFudX9khUYqCq6FG0ZNbSOEHIuZNTUcip6gsEqvq5cYgPKy++8pdDPjZX2d0qc574NSyJ80vGIM1hpUHZnRQnpNQuuwYKJDXhb+IaC5i7K+arWuuWnWl3WWiZIsnc+qwotAxp167dPWvWrAn8OhXnzoV5zM28BNFszlcKm7sXH3zwgZYuXaqxY8fqrLPOKn9honnho/n5tm3byt/sbl7O6ISRiy++WH/6059kXsj45Zdflh9nzmO2O++8U3v27Cl/iWT8iymdr1aeN2+efvWrX6lhw4YyL1k0L610NjP2G2+8oU2bNumll17SXXfdpdtuuy32ckjnDfTm5ZLjx4/X5MmT5bxMs8ZXkw9O8NBDD2nChAnrCwoKzNcUsyEQ+69fbAgg4FOBVIYVQ+A89mU+HCc+wpT4wbuib7lyPsA7jzPFP7ZVUXgxj41V9E1clQWBxA/0FX3bVjJhpbL1OYlfGOA82lbZt4VV9fP4+r76ekvsG9fMlxUkPu5m7KtasxL/mF3841zJGKQ5rDwtqbekw336t5Ffyy6S9JCkxG9jOEPSe+Yt8GecYX4b7M0JBs2bN4992DdhY+LEicrPz9eLL74YCwQmcJhg4bzN3nnTvfnZlClTNHXqVA0aNCgWJpywYNQef/zx2M9vvfVWOS+gdEJG4nEmWMyZM0c33nijnnnmGX322Wfl9Vx//fWaNWvWQWHFnN+cr27durEwY8Yw27Jly2LHmkfRnN8Hu4v/nt3777+vM8880/yB+b/3wzJv5nloAcIKVwgCPhZIdViJX7divmbYuZNiiMxdDeduyvMvPRtTc/6Lf/wHaeeD/cO/n3vAt39V9IHZeYTJaYHzOFfiY2bOz1MRVhIDVWL7nRqcP6+sxmR+nhgkEseODx2VPQZmvlrZbM6+2wu3H/A4mQVhpbI7K9sl5fn4by9bSk+8s/J92SNhFd5ZycvLWzdp0qS2Q4YMsaX+tNaRuCYk/q/ffffdA0LDo48+GrsjYu6gxN+1MKHGbOZuinMnY926dbGwMnTo0FigcI5z7ryMHDkyFnDMXRFnM3dX/vCHP8T2d8JPsmtWzDGJNZjw49xlSSuiRSdv37594dq1a83joyaIsyEQEyCscCEg4GOBVIcVJ5CMHDZGf1jwO40admP5u1WcD9OXdO8Z+/Ys8wiXWb9S2TtaDvUYWEXvWXFCgVmj0qVz1wrf4ZL4qFoyH9QT22uOeeh3cyr8yuXE9SAVHWvWyCR+jXNicHF+fqj3rDjBxRxrvlGtTk6d2BcOOGtgKrvTUtFjYIl3uRL3SfOdFeffI6xZSc8/S5w1K2a9ilm3UunjX/Xr15/Xs2fPAU8++WS99JRi31lTEVacR8G6d++ut956q/yuRlVhxdyFSXxE61D1JD4G5tx9MapOWDFfhmDOe9ppp+mFF14I1SNgw4YNK1q4cOHz27dv/4V9VxoVZVKAsJJJfcZGoIYCqQ4rzgfkevXq6+tvvipfr+KU6byX5ON1a2LrVcyi74q+Rcz5IH5s8xbli+GT+cDsPIZmXhwZ/8HdGb+iNStVfVCPJ67qUavEtSwVtSf+Ubmqfl7VSyHj71YlLtiv7O6SGf8vS5eUh61kAlsy9m4uRb4NzI1WjfZ1821gA1u0aDHnk08+aWDLS1drNPMkD3YeAzv//PNj60cSHwNzAoG5k1LRY2DmETGz3XHHHbH1Lbfffrs6deoUewSrqsfAzONhVY1r6nHzGJgZ2xxj6nIebUuSwte7mbA2YsSILYWFheY7ts0jjmwIlAsQVrgYEPCxQKrDiqFI/HapeJ6K3vhe0TdpOY+FxX8Fb1UL7BODSLLfBuYmrFR2F8iZY/xCe/OI27jbRsfuIJkvHDBb/PHON6RV9nNz16mqBfaH+oa0ihb9x3+NsbPuxcKw4nDynpXU/LMlmfestK5du/bqpUuX5nTp0iU1o/rkLE5YKSws1MKFCxW/0D3x64FNCOjXr18slDgL7J2F6yacmDsa5hjzZ/FfXZyuBfbffvtt7DEy878nnngiFrbM5szJWSfjk1ZUu8yNGzeqQ4cO+4qKinpIer3aJ+LAwAoQVgLbWiYWBoF0hJVD3V2o6CuJjXPiu0DMug+z3iX+cav4d6aYD9rOh31nMb45T+LjVYnvWaloPYmbsJLMHYb4x8ScbzqrrMaK1r/Ez6GiLykwj5E5W3yYi3d01qckjm/2N18Xbb4IwPma5WTCSqK9CVI12XiDfU30Un9skyZN3h47duzZ48aNS/3JLT9jED/Yx98dCsO3gJ133nmFq1atMl/J/e8XdVl+3VGetwKEFW+9GQ2BlAqkI6yktEBOFkgBwoo9bc3Kyppy0UUXDX/hhRfMFx2EbgtaWDF3dDp37nzAnZYgN3X8+PGl8+bNW1ZQUNA9yPNkbjUTIKzUzI+jEcioAGElo/yhHZywYk3rezVu3PjJjz/++IhmzZpZUxSFIJCMwHPPPacBAwbs2L17t3mfinmXEBsCFQoQVrgwEPCxAGHFx83zcemEFSua16xevXrrFixY0KhXr15WFEQRCCQrYNbrnHLKKd9v3769v6Tnkj2O/cIpQFgJZ9+ZdUAECCsBaaTPpkFYyXzDmjRp8vI111xz4eTJk2tlvhoqQMCdwCWXXPLdK6+8MqekpORWd0eydxgFCCth7DpzDowAYSUwrfTVRAgrGW/XuI4dO97y5ptv5ma8EgpAwKXAfffdp2nTpr2zbdu2c1weyu4hFSCshLTxTDsYAoSVYPTRb7MgrGS0Y12ys7OXfvTRR7VbtzavpGBLlYD56mLznhWzxX+1cfxXHjtjXXvttbF3odSpU6d8+MqOT1V9QTjP66+/rh49ehTt27evg6SNQZgTc0i/AGEl/caMgEDaBAgraaPlxIcQIKxk7PLIyc3N3Zifn9/ceSdHxioJ0MCJL5Y0U4t/74rzhvs777yzPJyY97G88cYbscBitlGjRpW/IDLx+DB8/XAyl4N5d9RJJ520c/PmzcMkzU/mGPZBwAgQVrgOEPCxAGHFx83zcemElcw0r3Hjxn/u16/fz+fMmZOTmQqCOaq5c/Loo48qPoyYmZo/b9KkiSoKKybgmLfeDxo0KIZyqOMJK/+6bvr37797yZIlC3bt2nVtMK8kZpUuAcJKumQ5LwIeCBBWPEBmiIMECCsZuSiGtGvX7p41a9awTiXF/Ilvuk88fWVhxjz2deGFF2rTpk367LPPdNttt6W4suCc7qGHHtKECRPWFxQUmK8pZkPAlQBhxRUXOyNglwBhxa5+hKUawornnT5D0nt///vfdeaZZ3o+eNAHNI98LVu2rNKwUVVYMT6HOj7oflXN7/3333eu2x+Z67iq/fk5AokChBWuCQR8LEBY8XHzfFw6YcXb5uXl5a2bNGlS2yFDhng7cEhGO1QYOeGEE3TWWWcd9JhXMo+BmTsv5viwry9q37594dq1a2+R9FBILimmmWIBwkqKQTkdAl4KEFa81GYsR4Cw4t21UL9+/Xk9e/Yc8OSTT9bzbtRwjcQC+/T1e9iwYUULFy58fvv27b9I3yicOegChJWgd5j5BVqAsBLo9lo7OcKKZ60Z0KJFi7nr169vEP8VuZ6NHqKBnMAyb9682KzdfnXxoY4PEeMBU12wYIGGDx++pbCwsI2kvWF1YN41FyCs1NyQMyCQMQHCSsboQz0wYcWT9reuXbv26qVLl+Z06dLFkwEZBIFUCWzcuFEdOnTYV1RU1EPS66k6L+cJpwBhJZx9Z9YBESCsBKSRPpsGYSX9DWvSpMnbY8eOPXvcuHHpH4wREEixwHnnnVe4atWqeyTdl+JTc7oQChBWQth0phwcAcJKcHrpp5kQVtLbraysrMndunUb8eKLLzZI70icHYHUC0yYMKH0oYceWlZQUNA99WfnjGEUIKyEsevMOTAChJXAtNJXEyGspLVdvRo1avTkunXrjmjWrFlaB+LkCKRa4LnnntOAAQMKd+/e3VbSt6k+P+cLpwBhJZx9Z9YBESCsBKSRPpsGYSVtDWtWr169dQsWLGjUq1evtA3CiRFIh8C3336rU0455fvt27f3l/RcOsbgnOEUIKyEs+/MOiAChJWANNJn0yCspKdhTZo0efmaa665cPLkybXSMwJnRSB9Apdccsl3r7zyypySkpJb0zcKZw6jAGEljF1nzoERIKwEppW+mghhJS3tGnfuuefe8tZbb+Wm5eycFIE0Ctx3332aNm3au9u2bTs7jcNw6pAKEFZC2nimHQwBwkow+ui3WRBWUt6xLtnZ2Us/+uij2q1bt075yTkhAukUeP3119WjR4/iffv2nSppYzrH4tzhFCCshLPvzDogAoSVgDTSZ9MgrKS0YTm5ubkb8/Pzmw8cODClJ+ZkCKRboKioSCeddNLOzZs3D5M0P93jcf5wChBWwtl3Zh0QAcJKQBrps2kQVlLXsMaNG/+5X79+P58zZ05O6s7KmRDwRqB///67lyxZsmDXrl3XejMio4RRgLASxq4z58AIEFYC00pfTYSwkrJ2DWnXrt09a9asYZ1Kykg5kVcCDz30kCZMmLC+oKDgZK/GZJxwChBWwtl3Zh0QAcJKQBrps2kQVlLTsNatW2/auHFjy9ScjbMg4K1A69atv9i4ceNlkt7zdmRGC5sAYSVsHWe+gRIgrASqnb6ZDGHFN62iUAQQQMD3AoQV37eQCYRZgLAS5u5nbu6ElczZMzICCCAQNgHCStg6znwDJUBYCVQ7fTMZwopvWkWhCCCAgO8FCCu+byETCLMAYSXM3c/c3AkrmbNnZAQQQCBsAoSVsHWc+QZKgLASqHb6ZjKEFd+0ikIRQAAB3wsQVnzfQiYQZgHCSpi7n7m5E1YyZ8/ICCCAQNgECCth6zjzDZQAYSVQ7fTNZAgrvmkVhSKAAAK+FyCs+L6FTCDMAk5YWfWX/9P2b3aEmYK5eyjQ+KhG6viz/5AJLcOmD+DfIx7aMxQCCCAQNgH+JRO2jjPfQAk4YSVQk2IyvhEgrPimVRSKAAII+FaAsOLb1lE4AtLvJ/7v53t27T0eCwQyIVC3fp1NV038z1aZGJsxEUAAAQTCIUBYCUefmSUCCBwsUF/SY5KulrQLIAQQQAABBBCwT4CwYl9PqAgBBLwRuEfSGEnTJd3izZCMggACCCCAAAJuBAgrbrTYFwEEgiJg7qpslZQtqVhSU+6uBKW1zAMBBBBAIEgChJUgdZO5IIBAsgLmrspoSbUl7ZM0g7srydKxHwIIIIAAAt4JEFa8s2YkBBCwQyD+ropTEXdX7OgNVSCAAAIIIHCAAGGFCwIBBMImEH9XxZk7d1fCdhUwXwQQQAABXwgQVnzRJopEAIEUCZi7KgWS9kvaI6lx2V/XlZQlKY+1KymS5jQIIIAAAgikQICwkgJEToEAAr4RMN/+NUnSzZIekBSVZP45OFLSVEkTyr4dzDcTolAEEEAAAQSCLEBYCXJ3mRsCCFQl4ISVqvbj5wgggAACCCCQAQHCSgbQGRIBBKwRIKxY0woKQQABBBBA4GABwgpXBQIIhFmAsBLm7jN3BBBAAAHrBQgr1reIAhFAII0ChJU04nJqBBBAAAEEaipAWKmpIMcjgICfBQgrfu4etSOAAAIIBF6AsBL4FjNBBBA4hABhhcsDAQQQQAABiwUIKxY3h9IQQCDtAoSVtBMzAAIIIIAAAtUXIKxU344jEUDA/wKEFf/3kBkggAACCARYgLAS4OYyNQQQqFKAsFIlETsggAACCCCQOQHCSubsGRkBBDIvQFjJfA+oAAEEEEAAgUoFCCtcHAggEGYBwkqYu8/cEUAAAQSsFyCsWN8iCkQAgTQKLJfUNY3n59QIIIAAAgggUAMBwkoN8DgUAQR8L8CdFd+3kAkggAACCARZgLAS5O4yNwQQqEqAsFKVED9HAAEEEEAggwKElQziMzQCCGRcgLCS8RZQAAIIIIAAApULEFa4OhBAIMwChJUwd5+5I4AAAghYL0BYsb5FFIgAAmkUIKykEZdTI4AAAgggUFMBwkpNBTkeAQT8LEBY8XP3qB0BBBBAIPAChJXAt5gJIoDAIQQIK1weCCCAAAIIWCxAWLG4OZSGAAJpFyCspJ2YARBAAAEEEKi+AGGl+nYciQAC/hcgrPi/h8wAAQQQQCDAAoSVADeXqSGAQJUCvMG+SiJ2QAABBBBAIHMChJXM2TMyAghkXoA7K5nvARUggAACCCBQqQBhhYsDAQTCLEBYCXP3mTsCCCCAgPUChBXrW0SBCCCQRgHCShpxOTUCCCCAAAI1FSCs1FSQ4xFAwM8ChBU/d4/aEUAAAQQCL0BYCXyLmSACCBxCgLDC5YEAAggggIDFAoQVi5tDaQggkHYBwkraiRkAAQQQQACB6gsQVqpvx5EIIOB/AcKK/3vIDBBAAAEEAixAWAlwc5kaAghUKUBYqZKIHRBAAAEEEMicAGElc/aMjAACmRcgrGS+B1SAAAIIIIBApQKEFS4OBBAIswBvsA9z95k7AggggID1AoQV61tEgQggkEYB7qykEZdTI4AAAgggUFMBwkpNBTkeAQT8LEBY8XP3qB0BBBBAIPAChJXAt5gJIoDAIQQIK1weCCCAAAIIWCxAWLG4OZSGAAJpFyCspJ2YARBAAAEEEKi+AGGl+nYciQAC/hcgrPi/h8wAAQQQQCDAAoSVADeXqSGAQJUChJUqidgBAQQQQACBzAkQVjJnz8gIIJB5AcJK5ntABQgggAACCFQqQFjh4kAAgTALEFbC3H3mjgACCCBgvQBhxfoWUSACCKRRgLCSRlxOjQACCCCAQE0FCCs1FeR4BBDwswBhxc/do3YEEEAAgcALEFYC32ImiAAChxAgrHB5IIAAAgggYLEAYcXi5lAaAgikXYCwknZiBkAAAQQQQKD6AoSV6ttxJAII+F+AsOL/HjIDBBBAAIEACxBWAtxcpoYAAlUKEFaqJGIHBBBAAAEEMidAWMmcPSMjgEDmBQgrme8BFSCAAAIIIFCpAGGFiwMBBMIsQFgJc/eZOwIIIICA9QKEFetbRIEIIJBGAcJKGnE5NQIIIIAAAjUVIKzUVJDjEUDAzwKEFT93j9oRQAABBAIvQFgJfIuZIAIIHEKAsMLlgQACCCCAgMUChBWLm0NpCCCQdgHCStqJGQABBBBAAIHqCxBWqm/HkQgg4H8Bwor/e8gMEEAAAQQCLEBYCXBzmRoCCFQpQFipkogdEEAAAQQQyJwAYSVz9oyMAAKZFyCsZL4HVIAAAggggEClAoQVLg4EEAizAGElzN1n7ggggAAC1gsQVqxvEQUigEAaBQgracTl1AhUITCgTZs2kzds2DBe0gK0EEAAgYoECCtcFwggEGYBwkqYu8/cMylwc15e3oS77rrriNtvv/37goKCSZKmZrIgxkYAATsFCCt29oWqEEDAGwHCijfOjIJAuUCDBg1+36pVqz6LFy/Obdmypb744gv16dOn8PPPP1+8c+fOq6BCAAEE4gUIK1wPCCAQZgHCSpi7z9y9Fsht2rTp8506dTrtmWeeqR+J/PsjSDQa1WWXXbZr5cqVH27duvXnkgq9Lo7xEEDATgHCip19oSoEEPBGgLDijTOjINChUaNGzw8ePPiYe++9N6syjptuuqnkkUce+WrHjh0msKyGDQEEECCscA0ggECYBQgrYe4+c/dKoGd2dvZTM2fOzBk6dGiVY86dO1ejRo0qKi4u7itpSZUHsAMCCARagLAS6PYyOQQQqEKAsMIlgkB6BYbm5OTMfOqpp7J79uyZ9EhLlixR3759i4uKikZJmpv0geyIAAKBEyCsBK6lTAgBBA4hMEaS+dahmyU9IMkJKyPLvologqTpCCKAQM0FsrOzpx199NGDn3322YYdOnRwfcLVq1erd+/e33399dePFBcXj3V9Ag5AAIFACBBWAtFGJoEAAkkK1JdUIKlE0h5JeZK2S6ojyTxHb/56V5LnYjcEEKhYIJKXl/fsqaee2nnRokW5ubm51XYqLCzUpZdeWvjRRx+tKCgo6F32HxiqfT4ORAAB/wkQVvzXMypGAIGaCdwjabSk2nGn2SdphqRbanZqjkYg9AIt8/Lynu/Tp8+Jjz76qPmPACnZBg0atHfx4sWfFhQUmIX3X6TkpJwEAQR8IUBY8UWbKBIBBFIoYO6ubJWUHXfOYklNuauSQmVOFUaBzvXr11986623Nr75ZvOkZWq3qVOnasqUKdt37drVR9KK1J6dsyGAgK0ChBVbO0NdCCCQToH4uyvcVUmnNOcOi8AASfPnz5+vAQPMb9OzLViwQAMHDjQnN/+3ID2jcFYEELBJgLBiUzeoBQEEvBKIv7vCXRWv1BknqAI35+XlTVi0aNERnTt3TvscV6xYYdaxfF9QUGC+LGNq2gdkAAQQyKgAYSWj/AyOAAIZFDB3V8y3g5lv/2KtSgYbwdD+FWjQoMHvW7Vq1Wfx4sW5LVu29GwiX3zxhfr06VP4+eefL965c+dVng3MQAgg4LkAYcVzcgZEAAFLBMzdlcckXc1aFUs6Qhl+Esht2rTp8506dTrtmWeeqR+JeP9xIhqN6rLLLtu1cuXKD7du3WoW3hf6CZBaEUAgOQHv/+mSXF3shQACSQi0adPm8w0bNhyfxK7sgkDKBdq0abNpw4YNrVJ+Yk5ou0CHRo0aPT948OBj7r33XvOV3xndbrrpppJHHnnkqx07dpjAsjqjxTA4AgikXICwknJSToiApwJR818X2RDIhEDZf03n3yOZwM/cmD2zs7OfmjlzZs7QoUMzV0XCyHPnztWoUaOKiouL+0paYk1hFIIAAjUW4F8yNSbkBAhkVCAWVrp27arXXnsto4UweHgELrjgAi1fvlyElfD0vGymQ3NycmY+9dRT2T179rRu8kuWLFHfvn2Li4qKRkmaa12BFIQAAtUSIKxUi42DELBGIBZWzIdG7rBY05PAF+Jcb4SVwLe6fILZ2dnTjj766MHPPvtsww4dOlg78dWrV6t3797fff31148UFxePtbZQCkMAgaQFCCtJU7EjAlYKEFasbEuwiyKsBLu/CbOL5OXlPXvqqad2XrRoUW5ubq71ky8sLDRfbVz40UcfrSgoKOgtiWdlre8aBSJQuQBhhasDAX8LEFb83T9fVk9Y8WXbqlN0y7y8vOf79Olz4qOPPlqnOifI5DGDBg3au3jx4k8LCgrMwvsvMlkLYyOAQPUFCCvVt+NIBGwQIKzY0IWQ1UBYCUXDO9evX3/xrbfe2vjmm2/27YSnTp2qKVOmbN+1a1cfSSt8OxEKRyDEAoSVEDefqQdCgLASiDb6axKEFX/1qxrVDpA0f/78+RowwPzW39uCBQs0cOBAMwnzfwv8PRuqRyB8AoSV8PWcGQdLgLASrH76YjaEFV+0qbpF3pyXlzd+0aJF9Tp37lzdc1h33IoVK8w6lt0FBQWTJU21rkAKQgCBSgUIK1wcCPhbgLDi7/75snrCii/bVmXRDRo0+H2rVq36LF68OLdly5ZV7u+3Hb744gv16dOn8PPPP1+8c+fOq/xWP/UiEFYBwkpYO8+8gyJAWAlKJ300D8KKj5qVXKm5TZs2fb5Tp06nPfPMM/XLvpI6uSN9tpf5ivfLLrts18qVKz/cunWrWXhf6LMpUO6BAs1bt269cuPGjcFL13Q6JtCmTZtNhBUuBgT8LUBY8Xf/fFk9YcWXbaus6A6NGjV6fvDgwcfce++9WYGa2SEmc9NNN5U88sgjX+3YscMEltVhmXfQ5lm3bt0HBw8efM39999fO2hzYz7SDTfcsO+RRx55mLDC1YCAvwUIK/7uny+rJ6z4sm0VFd0zOzv7qZkzZ+YMHTo0MJNKdiJz587VqFGjioqLi/tKWpLscexnjUBzSf/4xz/+oebNzW/ZgiSwZcsWHXvssWZKxxJWgtRZ5hJGAcJKGLue4TkTVjLcgNQMPzQnJ2fmU089ld2zZ8/UnNGHZ1myZIn69u1bXFRUNErSXB9OIbQlc1cl2K137qrs2bPnOsJKsHvN7IIvQFgJfo+tmyFhxbqWuCooOzt72tFHHz342WefbdihQwdXxwZx59WrV6t3797fff31148UFxePDeIcAzgn7qoEsKnOlOLvqkjaQlgJcLOZWigECCuhaLNdkySs2NUPF9VE8vLynj311FM7L1q0KDc3N9fFocHetbCw0Hy1ceFHH320oqCgoLekaLBn7O/ZcVfF3/2rqvr4uypmX8JKVWL8HAG7BQgrdvcnkNURVnzZ1pZ5eXnP9+nT58RHH320ji9n4EHRgwYN2rt48eJPCwoKzML7LzwYkiHcC3BXxb2Zb45IvKtCWPFN6ygUgUoFCCtcHJ4LEFY8J6/pgJ3r1au3ePz48Y1vvvnmmp4r8MdPnTpVU6ZM2b5r164+klYEfsI+myB3VXzWMJflJt5VIay4BGR3BCwUIKxY2JSgl0RY8VWHB0iaP3/+fA0YYH7LlozAggUL9P/bex8or64qz3fHTndBhErhD1zBuCQYMK4JJPPsfjPpodKrO7YmE0aqHzKaB+pkmlejFY02UQcaDCZEEpiYlNoxNS4aX2YUpnXRrCqErE5eG11avM6sp+lJIK+1IRIyMXQaflIpiFBORmbtX+pUDjf3V797f3X/nHPu57dWCFSde87en33r1vnevc85q1at0qb6x84k19CmEAJkVQrBXM4gcVkVxEo5sWBUCGRJALGSJU36SkQAsZIIkwuN1tU6LOjkAAAgAElEQVRqtQ2Dg4Mzuru7XbDHKxuGh4d1Hcvper2+WUS2eGV8oMaSVQk0sONuxWVVECthxxzvqkEAsVKNODvlJWLFqXDEGtPZ2fnQ/Pnze4aGhrrmzeNw73YjdvToUenp6Rk5cuTI0Ojo6M3t9sN1mRAgq5IJRjc7aZZVQay4GS+sgkAaAoiVNLRomwkBxEomGPPqpGvOnDl7lyxZctXu3btnaqz4TI3AuXPnZPny5af279//1PHjx3Xh/cjUeuTqdgiQVWmHmj/XNMuqIFb8iSGWQqAZAcQK90bhBBArhSNPOuDiWbNm7e3t7X3L1q1bL0x6Ee2SEVi7du0r27Zte+HkyZMqWA4ku4pWGREgq5IRSBe7mSyrglhxMWLYBIF0BBAr6XjROgMCiJUMIGbfxdKOjo5d/f390/r6+rLvnR4bBAYGBmTNmjVnx8bGVojIPrAUQ4CsSjGcyxplsqwKYqWsqDAuBLIjgFjJjiU9JSSAWEkIqrhmfdOmTevftWtXx9KlS4sbtaIj7du3T1asWDF29uzZNapfKoqhSLfJqhRJu+CxWmVVECsFB4ThIJADAcRKDlDpcnICiBV37pCOjo57586d27tnz56LFy9e7I5hgVty4MABWbZs2UvHjh3bNjY29tnA3S3VPbIqpeLPffBWWRXESu4hYAAI5E4AsZI7YgaIEkCsOHFPXFCr1fYsWrSoe3BwsKurq8sJo6pkxMjIiG5tPHLw4MHher2+TETOVcn/gnwlq1IQ6DKGSZJVQayUERnGhEC2BBAr2fKktwQEECsJIOXbZF6tVtvb09Nz+fbt26fnOxS9tyKwevXqM0NDQ8/U63VdeH+0VXu+n5wAWZXkrHxsmSSrgljxMbLYDIHzCSBWuCMKJ4BYKRy5PWD3jBkzhjZs2PCmdevWlWoIg79GYMuWLbJ58+ZfnD59ukdEhmGTCQGyKplgdLOTpFkVxIqb8cMqCKQhgFhJQ4u2mRBArGSCsZ1OVorIjh07dsjKlfpXPi4R2Llzp6xatUpN0j92umSbj7aQVfExasltTppVQawkZ0pLCLhKALHiamQCtguxUkpw19VqtQ2Dg4Mzuru7SzGAQVsTGB4e1nUsp+v1+mYR2dL6Clo0IZAqq/LTn/5UPvjBD8qTTz7Z6O6b3/ymEY6pAO/fv1++8Y1vSH9/v0yf/lqFpfa/fft2ufPOO8/7ut35mTNn5POf/7ysXr1arrjiithxtZ+HH35Yt79uapex4e6775b169fLhz/8YVmyZElLPwyDSy65RN9oSK1Wa3lNWQ3SZFUQK2VFiXEhkB0BxEp2LOkpIQHESkJQGTXr7Ox8aP78+T1DQ0Nd8+bNy6hXusmLwNGjR6Wnp2fkyJEjQ6OjozfnNU7I/abJqujk/q677pqYoKtoUDFw7bXXtiVY4rhmJVbU1scee0xuv/32luEzfiQVKypQ9DOe3WvZf5kN0mRVECtlRoqxIZANAcRKNhzpJQUBxEoKWFNr2jVnzpy9S5YsuWr37t0zlTsfPwicO3dOli9ffmr//v1PHT9+XBfej/hhuRNWpsqqqFC57rrrzss+1Ot1OXHiRCPDoX/XCfwjjzwiV199tXzrW99qOGlnSowYueGGG+Tb3/52I7Py3HPPTWRrPvvZV3enjmZWjKD42te+JjfddJNcfPHFDaGk46pdGzdubFynmR7t29ixadOmhmCx23z0ox9tjPvEE080sjt2ZuWd73zn63ywszcqgkzG9etf/7r83d/9XWPcRx99dMJfk3m6/vrrG8JOPxs2bGjYetttt4l+XW36+Mc/3shQaZYwSUYn7R2TNquCWElLmPYQcI8AYsW9mARvEWKlkBAvnjVr1t7e3t63bN269cJCRmSQzAmsXbv2lW3btr1w8uRJFSwHMh8gwA7TZFVUiHziE5+QO+64I7b0KpqdMFkYFSpf/vKXJ0q2jOBRnFGhoBN2ndz/8Ic/fF15mH79Zz/7WWOSr4Lnk5/8pHzlK1+RH/3oR43ImCyHipAbb7yxIaBMZiVacjaZDc8+++xEf82yM0aALF++/LzMUpSR8UVt1pI1zdyonTq+CglbMEXL4bK43dJmVRArWVCnDwiUSwCxUi7/So6OWMk97Es7Ojp29ff3T+vr68t9MAbIl8DAwIBOHs+OjY2tEJF9+Y7mfe+psiqt1onoRF2zB5s3b26s4bDbG0GhGQ/T5ic/+UlDrOjPnU7qTSYlrgwsOrb9b83OmKyKiYhmVy677LLzysCia200mxEnmPRrJnPSLOMRFSumfCxqu2Hy6U9/umGjEXp2GVmSsrd27rR2siqIlXZIcw0E3CIQvFhp9kYrizDYb8Wy6C+vPvJk0I7NiJV2qCW+pm/atGn9u3bt6li6dGnii2joNoF9+/bJihUrxs6ePasrqwfctrY869JkVYyVcWVgOtnWSbiWW913332xYkWv1wzLe97zHnn88ccb2RGT7chCrERL03Q8OysSXWvTKrtjrlfRYkq57EX0PoiVdrIqiJXyfh4ZGQJZEWhLrOhD7UMf+tCEDfqQ/sd//EfRutu4j3mTY9fnarvJalpNLa6pEW62O4pds2va/uAHP9B6b9G3XPpgNrW89u4sUwVoGJjaYbs/u/43Ok4rf6Zqlw/XI1ZSRWmmiJxKckVHR8e9c+fO7d2zZ8/FixcvTnIJbTwicODAAVm2bNlLx44d2zY2NvbqIohkn2tE5PFkTb1ulSqrYjydbIG9KYkyWQa77UUXXdTYvUvXZ2iGQcu9mu3E1U4ZmCkbUzt1HYvaoB9TBmZnMsy6GrPwPlqKZpeBRbNFhkMzsTJZGdhnPvOZwjIr7WZVECte/0xjPAQaBNoSK3qh/XA0i+jiHshGTNjCZLKJvvZtUtvXXHPN62p8TdzM+JoWN3WxRgzpWy5dBKkCJ8+swmSZlWY7sQwNDYkudmwmvrK4L7dt29YQa65uPYlYSRxlnXx9X0R2icjdk4iWC2q12p5FixZ1Dw4OdnV1dSUeoMyG+mx4+9vfft7uQ/bLB2Ob2Ua2VWmJfW3cm+Oor+1u8Voms5GREd3aeOTgwYPD9Xp9mT7DJ7HnX4qInvypYuVfiMiPy7Q977HbyarYgsXe0tveujhugb15fkeFjr2OJOsF9rouxPxufP/73y+33HLLxKJ5vd/1vze/+c2NUrGoWHnXu97VEDzmhWLci8JmYsX+nazCzF5gb6/3ybsMrN2sCmIl7588+odA/gQyFStxe8ybB71ZhKcumVT2X/7lX06ICttVndBrm9HR0VixYoSAXhO3gM8WBK6JlbxDGv3lmfd47fSPWElF7Xsicq2IvKK3e4xomVer1fb29PRcvn379tcOdkg1RPGN9bmwdetWmTt3rnzsYx+bOHsiWpJjv9VVK+POqojbajbJz4GPYsVEavXq1WeGhoaeqdfruvD+aCSCeqjkn4qI7lM9TQ8CFRFft0C+T0SeEpH/1OIubSurUvydz4jtEJhKVgWx0g5xroGAWwRyFysmi2K/ydFJwi9/+UtRsXLppZeet2e8Tk52794tmmKP2z3Ffsuj20G22hN+smyP9mVKxNQesy2k2mpv9Wjbbt7e6nX6turFF1+M3fM+mlkxfvX29p63FWazsYzdOpG7+eabX7cVpL2w0pSW6YJPuzzPvB1Um/VjSgTiFmVGs2PNxs3i9kWspKL4z0REBctFIvKr8TfpRrRcPWPGjKENGza8ad06fYHuz8e8hVWL9U2wuf/i1g+Yr82ePTtWrDTLuOjX9Rp9lthvlU3pps9iRblt2bJF11L84vTp0z36DkhEPi4i68cFyqzxu0EzL28XkVe3g/Lvo369S0R+Mp4leiTOhalkVfxDUj2Lp5JVQaxU737B4/AIZC5Woqdjx5Vj6CTBfHRPdlOypV8zWRGdeDcTK2ZNSJJ93KNixS7dimZojGDRSb1OnqKlbnZfJsWv6fi4A7qi63PUN3t9S7Rv+99aX2xEhxFTKuAMDx3bbHFp9uO3t4y0DziLltxF649tlq3GzWrNT0SshPdTlb1H/1NEfsPq9n+IyJ6FCxf+9nvf+97LHnjggexHzLFH/dn44he/2Chj0a1Y7WxJO5mVVhtdRH/mzSnhOnbcNrM5up5511qG8+ijjz576NAhXZPyf4hIR2QQPZ/lv4nI2Rz/G8vcsdc6VLH+mIi8UUROj4syPRHx/7PGJKuSYwDK7nqqWRXEStkRZHwITJ1A5mJFf/nbpVlmsmzXABuxYupoTXZFJ9IPPvig6KI9e3IenSTHZWuaobAFhoqR6J769t72+hZWsytxYkUzLdFr06xZsTMrautkYiVuX37bD2Vj9uaP+h1X/mJnVuJsjn7fFol5lNGRWUn1gxtcZsXe0Si6fWs7a1aSnOptb3phMpG+i5VIZuUZEbljvNzrt6w7TL/+f41nW7QkLI//dLw8xdA949kV45aOtUdEvqBnz5BVSfU88a7xVLMqiBXvQo7BEHgdgdzFio6oExCdLOjEVxd9G7Fidk8x2RWdPOhnskO09PvtZlaiGYmoaDClX3FiRYWMnc3Qa9OIlSj5qYgVfSsdXZhs+m8lVqIlYcYPI1CiIhGxUvpTI7g1K3GCxD6RO27LVo3CZOVecWtZzAJ+vdbeWSmEzMoka1auHJ/Ev2c8GzEqIu8Xkb/O8U5+Q04iyAirfyoiumvEb1o+qGBRnz4mIs8///zzjZJiPmERyCKrglgJ657Am2oSKEys2IvpbbFiJu1XXXWVLFiwoLE9o2ZSJpskt1pgb/cfzaxo5sRe7G+XRU2WWXFJrEw1s6LZLyMco6IrrmyuWTleuz8yZFYSkwtuN7A4wWFvpaqZ1bRipdUCe7tPO5PqY2YlxW5g3SKiGYn/XXWeiFyd+K5zq+ElKkasMsiTIqJlZ7o73lcvuuiiL/f29v67L33pS3Y2yS0PsKZtAllkVRArbePnQgg4QyBTsRInMEwWxF6voe3sRbVxpWKt3ug32944WhIS7UffttrCyc6ORHcuM3ZptL773e+KniqsHy1zsxfkx521Ere1sx31ycbStTi6fqRZOZZZL/PVr351YmGy2a5Yz5ZRH//8z/9cfvzjH0tPT0/j3/rRjJG99aX+u9ke+qaUr1Uc2rmTESupqAV1zkrcAnojmPX/Wt6YVqzoddE1YvZaOXtDCV0D1tnZ2fi50I9Pa1baPGdFtzfWLMutqe46dxr/RxFZPV5m9ty4SNHdzfTjxFqVVmum3EGZ3JI4n+LOD7M3qNmwYcPE4ZnJR2reMqusCmIli2jQBwTKJdCWWLEn8WYSPNmhkGYyH51QmK/bb1a1P7Mrl/59skMU7f3vDcaoKIouVNesjV2GEj0w0vbt/vvvl0ceeeR1a1j0a2Zf+9OnT79ugX30od7sUMpmY0UXuuvaHu1DP6avJ554onHgpfmYzQYMk3/4h39obFygAksPLNOPYdNsNzDbHrPbWXTcLBbZI1Zy/aHnBPtc8ZbTeUVPsNeSNt04QDcI0CzRwzZ91qrkcy+aDTC0d90Ew5zXFbc2zJRa3nDDDZK1WMkqq4JYyec+oVcIFEmgLbFSpIGMFR4BxEruMV3a0dGxq7+/f1pfX1/ugzFAvgQGBgZ06+WzY2NjK0RkX76jOde7HmipgiX6ySyrEp2Em3/rRi+TbXmtL5V0faWuHzQbntgvfOyXcfbmLPZ49oszexMa29m4PrUP3TlTzyLTgx7tF2LNbFAxoR9tP9lLQGOfZjjVR3M8QJxYMV9TUWOLlSR+TXanZZlVQaw49zONQRBITQCxkhoZF0yVAGJlqgQTXb941qxZe3t7e9+ydevWCxNdQSPnCKxdu/aVbdu2vXDy5Ek9/PGAcwaWZFCWWRU7s69n8pgNGHT7fCNC7F3rdK1TdHt4U75odsNULCp0rr32WtGsQ5xY+cAHPjCxbbeWFcdlJsxZQFqWa/epZdT2tv8mw6Fff+yxxyay/abk2mweY9ZrTla6pmPdeOONjTOKbJuSZlbs7cib+dXqtskyq4JYaUWb70PAfQKIFfdjFJyFiJXCQto1Z86cvUuWLLlq9+7dM5U7Hz8InDt3TpYvX35q//79Tx0/flyFip6XwudVApllVQzQZgePTrbltb2uT8WKZlj0E81EaNYhTqzo103Jc9y6R+1LRUVcn5r1sEWJERJqg30wsF6rfTezIXpGWHQDDHuNWdI1K8ZeLZdu5tdkN3LWWRXECo8NCPhPALHifwy98wCxUmzIOjs7H5o/f37P0NBQ17x584odnNFSEzh69KhuADBy5MiRodHR0ZtTdxD4BVlmVQwqe7JvJtv25iL6teiW11MVK0Yo2GsvowcdtyNWbHFj/Is7DNgWO6ZddD2qft1eJxl3jbaxs1Nmjctkfk12i2adVUGsBP5AwL1KEECsVCLMbjmJWCklHutqtdqGwcHBGfbGDKVYwqBNCehk9Y/+6I9O1+v1zSKyBVSvI5B5VsVMtjX7oRmtO++8U6644opGqZfZmS5uy+uoWNG2cWVgy5cvb5SEaQmWrnExuzPaZWBm45foTniTlYHZpWh2GVjc15uVotmZlTjBES1/SyJW7DKwZn41u6/zyKogVniKQMB/AogV/2PonQeIldJCtvLVypIdsnKl/pWPSwR27txpSohWichOl2xzxZY8sip2VsHeLr7VltdRsaIT/7jF7dq/XUKlC9xffvnlhoBp1t7m3WyBvZZYvfjii/Lkk0+eV26VdpG/7b/+3ZSxma/bC+6TiBXNrCTxK+6eyiOrglhx5acXOyDQPgHESvvsuLJNAoiVNsFlc1n3jBkzhjZs2PCmdevWZdMjvUyZwJYtW/SMil+cPn1aD4AZnnKHYXaQS1bFR1R2xiWL7eRdYJBXVgWx4kJ0sQECUyOAWJkaP65ugwBipQ1o2V4yr1ar7e3p6bl8+/bt07Ptmt7SEli9evWZoaGhZ+r1ui6kP5r2+qq0zzOr4hvDEMVKXlkVxIpvdzf2QuD1BBAr3BWFE0CsFI48bsALarXankWLFnUPDg52dXV1OWFUlYwYGRnR9SkjBw8eHK7X63rS/Lkq+Z/SV7IqKYH51DzPrApixac7AVshEE8AscKdUTgBxErhyJsO2NHRce/cuXN79+zZc/HixYvdMSxwSw4cOCDLli176dixY9vGxsY+G7i7U3aPrMqUETrdQZ5ZFcSK06HHOAgkIoBYSYSJRlkSQKxkSTOTvvqmTZvWv2vXro6lS5dm0iGdNCewb98+WbFixdjZs2fXiMgArFoSIKvSEpG/DfLOqiBW/L03sBwChgBihXuhcAKIlcKRJxlwaUdHx67+/v5pfX19SdrTpg0CAwMDugvU2bGxsRUisq+NLip3CVmVsEOed1YFsRL2/YN31SCAWKlGnJ3yErHiVDhsYxbPmjVrb29v71u2bt16obNWemrY2rVrX9m2bdsLJ0+e1IX0Bzx1o2izyaoUTbzA8YrIqiBWCgwoQ0EgJwKIlZzA0m1zAogVp++Orjlz5uxdsmTJVbt3756pseIzNQJ60ODy5ctP7d+//6njx4+rUBmZWo/VuZqsStixLiKrglgJ+x7Cu2oQQKxUI85OeYlYcSocscZ0dnY+NH/+/J6hoaGuefPmuW+woxYePXpUenp6Ro4cOTI0Ojp6s6NmumoWWRVXI5OBXUVlVRArGQSLLiBQMgHESskBqOLwiBVvor6uVqttGBwcnNHd3e2N0a4YOjw8rFsTn67X65tFZIsrdvliB1kVXyLVnp1FZVUQK+3Fh6sg4BIBxIpL0aiILYgVrwK9UkR27NixQ1au1L/ySUJg586dsmrVKm2qf+xMcg1tziNAViXgG6LIrApiJeAbCdcqQwCxUplQu+MoYsWdWCS0pHvmzJlD69evf9O6desSXlLdZlu2bJHNmzf/4vTp0z0iMlxdEu17TlalfXY+XFlkVgWx4sMdgY0QmJwAYoU7pHACiJXCkWcx4Lxarba3p6fn8u3bt0/PosMQ+1i9evWZoaGhZ+r1ui6kPxqijwX4RFalAMhlDVF0VgWxUlakGRcC2RFArGTHkp4SEkCsJATlXrMLarXankWLFnUPDg52dXV1uWdhSRaNjIzo+pSRgwcPDtfr9WUicq4kU7wflqyK9yGc1IGisyqIlbDvJ7yrBgHESjXi7JSXiBWnwpHamI6Ojnvnzp3bu2fPnosXL16c+vrQLjhw4IAsW7bspWPHjm0bGxv7bGj+FewPWZWCgRc5XBlZFcRKkRFmLAjkQwCxkg9Xep2EAGIliNujb9q0af27du3qWLp0aRAOtePEvn37ZMWKFWNnz55dIyID7fTBNa8RIKsS9t1QRlYFsRL2PYV31SCAWKlGnJ3yErHiVDimYszSjo6OXf39/dP6+vqm0o+X1w4MDMiaNWvOjo2NrRCRfV464ZbRZFXcikem1pSVVUGsZBpGOoNAKQQQK6Vgr/agiJWg4r941qxZe3t7e9+ydevWC4PybBJn1q5d+8q2bdteOHnypC6kP1AVv/P0k6xKnnTL77usrApipfzYYwEEpkoAsTJVglyfmgBiJTUy1y/omjNnzt4lS5ZctXv37pka31A/586dk+XLl5/av3//U8ePH1ehMhKqrwX7NXPBggUHDh8+PK/gcRmuIAILFiw4evjw4SUi8vOChpwYJtwnUtEkGQ8C5RBArJTDvdKjIlbCDH9nZ+dD8+fP7xkaGuqaNy+8OefRo0elp6dn5MiRI0Ojo6M3hxlFvIJAeAQQK+HFFI+qRQCxUq14O+EtYsWJMORlxLparbZhcHBwRnd3d15jFN7v8PCwbk18ul6vbxaRLYUbwIAQgEDbBBArbaPjQgg4QQCx4kQYqmUEYiX4eK8UkR07duyQlSv1r35/du7cKatWrVIn9I+dfnuD9RCoHgHESvVijsdhEUCshBVPL7xBrHgRpqka2T1z5syh9evXv2ndunVT7au067ds2SJ33333L06dOtUjIsOlGcLAEIBA2wQQK22j40IIOEEAseJEGKplBGKlMvGeV6vV9vb09Fy+ffv26b55vXr16jNDQ0PP1Ot1XUh/1Df7sRcCEHiVAGKFOwECfhNArPgdPy+tR6x4GbZ2jb6gVqvtWbRoUffg4GBXV1dXu/0Udt3IyIiuTxk5ePDgcL1eXyYi5wobnIEgAIHMCSBWMkdKhxAolABipVDcDNZ4y3XBBaJbwI5vccvvkQrcFh0dHffOnTu3d8+ePRcvXrzYWY8PHDggy5Yte+nYsWPbxsbGPuusoRgGAQgkJsAvmcSoaAgBJwk0xMof/MEfyPe//30nDcSo8Aj8/u//vnzve99DrIQX2lYe9U2bNq1/165dHUuXLm3VtvDv79u3T1asWDF29uzZNSIyULgBDAgBCORCALGSC1Y6hUBhBBpihQ8EyiBAZqUM6qWPubSjo2NXf3//tL6+vtKNMQYMDAzImjVrzo6Nja0QkX3OGIYhEIDAlAkgVqaMkA4gUB6BhQsXHjl06NBl5VnAyFUmsHDhwmcPHTo0v8oMKur74lmzZu3t7e19y9atWy8sm8HatWtf2bZt2wsnT57UhfQHyraH8SEAgWwJIFay5UlvEIAABCAAgSoQ6JozZ87eJUuWXLV79+6Z41m2Qv3WrPLy5ctP7d+//6njx4+rUBkp1AAGgwAECiGAWCkEM4NAAAIQgAAEwiPQ2dn50Pz583uGhoa65s2bV5iDR48elZ6enpEjR44MjY6O3lzYwAwEAQgUTgCxUjhyBoQABCAAAQgERWBdrVb73ODg4Bu7u7tzd2x4eFi3Jn65Xq9/QUS25D4gA0AAAqUSQKyUip/BIQABCEAAAkEQWCkiO3bs2CErV+pf8/ns3LlTVq1apZ3rHzvzGYVeIQABlwggVlyKBrZAAAIQgAAE/CXQPXPmzKH169e/ad26dZl7sWXLFrn77rt/cerUqR4RGc58ADqEAAScJIBYcTIsGAUBCEAAAhDwksC8Wq22t6en5/Lt27dPz8qD1atXnxkaGnqmXq/rQvqjWfVLPxCAgPsEECvuxwgLIQABCEAAAj4RuKBWq+1ZtGhR9+DgYFdXV1fbto+MjOj6lJGDBw8O1+v1ZSLCwVJt0+RCCPhJALHiZ9ywGgIQgAAEIOA0gY6Ojnvnzp3bu2fPnosXL16c2tYDBw7IsmXLXjp27Ni2sbGxz6bugAsgAIEgCCBWgggjTkAAAhCAAAScJNA3bdq0/l27dnUsXbo0sYH79u2TFStWjJ09e3aNiAwkvpCGEIBAcAQQK8GFFIcgAAEIQAACThFY2tHRsau/v39aX19fS8MGBgZkzZo1Z8fGxlaIyL6WF9AAAhAImgBiJejw4hwEIAABCEDACQKLZ82atbe3t/ctW7duvbCZRWvXrn1l27ZtL5w8eVIX0h9wwnKMgAAESiWAWCkVP4NDAAIQgAAEKkOga86cOXuXLFly1e7du2decMFrU5Bz587J8uXLT+3fv/+p48ePq1AZqQwVHIUABCYlgFjhBoEABCAAAQhAoDACnZ2dD82fP79naGioa968eXL06FHp6ekZOXLkyNDo6OjNhRnCQBCAgBcEECtehAkjIQABCEAAAkERWFer1T63adOmN27cuPHler3+BRHZEpSHOAMBCGRCALGSCUY6gQAEIAABCEAgJYGVCxcu3Hzo0KENIrIz5bU0hwAEKkIAsVKRQOMmBCAAAQhAwGECKlY2ishhh23ENAhAoAQCiJUSoDMkBCAAAQhAAAITBP5YRB4UkSER+SBcIAABCNgEECvcDxCAAAQgAAEIlEngJyJyhYicEZHrROTxMo1hbAhAwC0CiBW34oE1EIAABCAAgSoReJ+I7BCRmeNOf1dE/rBKAPAVAhCYnABihTsEAhCAAAQgAIGyCAyLyBJr8NMiskpE9pRlEONCAAJuEUCsuBUPrIEABCAAAd8Q3u4AACAASURBVAhUhcA1IvL/iMiMiMN/JyL/pCoQ8BMCECCzwj0AAQhAAAIQgIB7BP5SRJaLyK9E5KXxU+svEZELReTTIjLgnslYBAEIFE2AzErRxBkPAhCAAAQgAIHLReQpEfm+iKwd37b42yLyvIj8BxE5xs5g3CQQgIASQKxwH0AAAhCAAAQgUAaBPxCR740P/J9ERBfX/+cyDGFMCEDAXQKIFXdjg2UQgAAEIACBqhD4jyLytyLytao4jJ8QgEAyAoiVZJxoBQEIQAACEIBAfgTuF5H/LiL9+Q1BzxCAgI8EECs+Rg2bIQABCEAAAmER2CwiL4vI3WG5hTcQgMBUCSBWpkqQ6yEAAQhAAAIQmCqBDSIyXUQ+N9WOuB4CEAiLAGIlrHjiDQQgAAEIQMBHAreJyKXjWxb7aD82QwACORFArOQElm4hAAEIQAACEEhM4GMicrWI9CW+goYQgEAlCCBWKhFmnIQABCAAAQg4TeDfiIhuZXyz01ZiHAQgUDgBxErhyBkQAhCAAAQgAIEIgX8tIvrfByADAQhAwCaAWOF+gAAEIAABCECgbAL/SkQ+KiLvK9sQxocABNwigFhxKx5YAwEIQAACEKgigetEZL2I/GEVncdnCECgOQHECncHBCAAAQhAAAJlE/hdEblPRP5F2YYwPgQg4BYBxIpb8cAaCEAAAhCAQBUJ6E5gD4nI/1ZF5/EZAhAgs8I9AAEIQAACEICAuwTeISLfEZEr3DURyyAAgTIIkFkpgzpjQgACEIAABCBgE3iriPy/IvI2sEAAAhCwCSBWuB8gAAEIQAACECibQE1Efiois8s2hPEhAAG3CCBW3IoH1kAAAhCAAASqSOAiETkuIm+sovP4DAEINCeAWOHugAAEqk7geyLy+1WH4KH/3yduHkZtcpM1prqF8bngPMMhCECgbQKIlbbRcSEEIBAIAZ0Y8SwMJJi4AQEIQAACYRHgF3RY8cQbCEAgPQHESnpmXAEBCEAAAhAohABipRDMDAIBCDhMALHicHAwDQIQgAAEqk0AsVLt+OM9BCDwan08z0LuBAhAAAIQgICDBPgF7WBQMAkCECiUAGKlUNwMBgEIQAACEEhOALGSnBUtIQCBMAkgVsKMK15BAAIQgEAABBArAQQRFyAAgSkRQKxMCR8XQwACEIAABPIjgFjJjy09QwACfhBArPgRJ6yEAAQgAIEKEkCsVDDouAwBCJxHALHCDQEBCEAAAhBwlABixdHAYBYEIFAYAcRKYagZCAIQgAAEIJCOAGIlHS9aQwAC4RFArIQXUzyCAAQgAIFACCBWAgkkbkAAAm0TQKy0jY4LIQABCEAAAvkSQKzky5feIQAB9wkgVtyPERZCAAIQgEBFCSBWKhp43IYABCYIIFa4GSAAAQhAAAKOEkCsOBoYzIIABAojgFgpDDUDQQACEIAABNIRQKyk40VrCEAgPAKIlfBiikcQgAAEIBAIAcRKIIHEDQhAoG0CiJW20XEhBCAAAQhAIF8CiJV8+dI7BCDgPgHEivsxwkIIQAACEKgoAcRKRQOP2xCAwAQBxAo3AwQgAAEIQMBRAogVRwODWRCAQGEEECuFoWYgCEAAAhCAQDoCiJV0vGgNAQj4T+DTIvIFEVknIl8WESNWPiUiW0TkcyJyn/9u4gEEIAABCEDAfwKIFf9jiAcQgEA6AjNFpC4ir4jIL0WkJiK/EJHpInLh+L9PpeuS1hCAAAQgAAEI5EEAsZIHVfqEAARcJ3CPiNwmIr9lGforEblfRP7UdeOxDwIQgAAEIFAVAoiVqkQaPyEAAZuAZleOi0iH9cUxEZkjImRVuFcgAAEIQAACjhBArDgSCMyAAAQKJ2BnV8iqFI6fASEAAQhAAAKtCSBWWjOiBQQgECYBO7tCViXMGOMVBCAAAQh4TgCx4nkAMR8CEJgSAc2u6O5guvsXa1WmhJKLIQABCEAAAtkTQKxkz5QeIQABfwhoduX/FpF/y1oVf4KGpRCAAAQgUB0CiJXwY32HiHw+fDfxEAIQgAAEIOAUgTtFRH8H84EABKZAALEyBXgeXcoJ3R4FC1MhAAEIQAACEIAABF4lgFipxp2AWKlGnPEyHYF/LyKd4yfWp7uS1hCAAAQmJ8DzhTsEAhkRQKxkBNLxbhArjgcI80ohoJMJPb1+bSmjMygEIBAyAZ4vIUcX3wolgFgpFHcpg2mMf00WrRT2DOo2ASYTbscH6yDgMwGeLz5HD9udIoBYcSocuRijMf6fIvKGXHqnUwj4S4DJhL+xw3IIuE6A54vrEcI+bwggVrwJVduGIlbaRseFgRNgMhF4gHEPAiUS4PlSInyGDosAYiWseMZ5g1gJP8Z42B4BJhPtceMqCECgNQGeL60Z0QICiQggVhJh8roRYsXr8GF8jgSYTOQIl64hUHECPF8qfgPgfnYEECvZsXS1J8SKq5HBrrIJ6C5gs0RkXdmGMD4EIBAcAZ4vwYUUh8oigFgpi3xx4yJWimPNSH4RYDLhV7ywFgI+EeD54lO0sNVpAogVp8OTiXG6C9gr7AaWCUs6CYsAk4mw4ok3EHCJAM8Xl6KBLV4TQKx4Hb5ExqtY+R8i8huJWtMIAtUhwGSiOrHGUwgUTYDnS9HEGS9YAoiVYEM74RhiJfwY42F7BJhMtMeNqyAAgdYEeL60ZkQLCCQigFhJhMnrRogVr8OH8TkSYDKRI1y6hkDFCfB8qfgNgPvZEUCsZMfS1Z4QK65GBrvKJsBkouwIMD4EwiXA8yXc2OJZwQQQKwUDL2E4xEoJ0BnSCwJMJrwIE0ZCwEsCPF+8DBtGu0gAseJiVLK1CbGSLU96C4eAnq9ysYj8aTgu4QkEIOAIAZ4vjgQCM/wngFjxP4atPNBdwH7FbmCtMPH9ChJgMlHBoOMyBAoiwPOlINAMEz4BxEr4MVaxMiYiF4bvKh5CIBUBJhOpcNEYAhBIQYDnSwpYNIXAZAQQK+HfH4iV8GOMh+0RYDLRHjeuggAEWhPg+dKaES0gkIgAYiURJq8bIVa8Dh/G50iAyUSOcOkaAhUnwPOl4jcA7mdHALGSHUtXe0KsuBoZ7CqbAJOJsiPA+BAIlwDPl3Bji2cFE0CsFAy8hOEQKyVAZ0gvCDCZ8CJMGAkBLwnwfPEybBjtIgHEiotRydYmxEq2POktHAK6ZfFMEVkfjkt4AgEIOEKA54sjgcAM/wkgVvyPYSsPECutCPH9qhJgMlHVyOM3BPInwPMlf8aMUBECiJXwA61bFp8Rkd8M31U8hEAqAkwmUuGiMQQgkIIAz5cUsGgKgckIIFbCvz8QK+HHGA/bI8Bkoj1uXAUBCLQmwPOlNSNaQCARAcRKIkxeN0KseB0+jM+RAJOJHOHSNQQqToDnS8VvANzPjgBiJTuWrvaEWHE1MthVNgEmE2VHgPEhEC4Bni/hxhbPCiaAWCkYeAnDIVZKgM6QXhBgMuFFmDASAl4S4PniZdgw2kUCiBUXo5KtTYiVbHnSWzgEdMviN4rIhnBcwhMIQMARAjxfHAkEZvhPALHifwxbeYBYaUWI71eVAJOJqkYevyGQPwGeL/kzZoSKEECshB9o3bL4ZRH5rfBdxUMIpCLAZCIVLhpDAAIpCPB8SQGLphCYjABiJfz7A7ESfozxsD0CTCba48ZVEIBAawI8X1ozogUEEhFArCTC5HUjxIrX4cP4HAkwmcgRLl1DoOIEeL5U/AbA/ewIIFayY+lqT4gVVyODXWUTYDJRdgQYHwLhEuD5Em5s8axgAoiVgoGXMBxipQToDOkFASYTXoQJIyHgJQGeL16GDaNdJIBYcTEq2dqEWMmWJ72FQ4DJRDixxBMIuEaA54trEcEebwkgVrwNXWLDESuJUdGwYgT0fJXpIvK5ivmNuxCAQP4EeL7kz5gRKkIAsRJ+oHXL4lMi0hG+q3gIgVQEmEykwkVjCEAgBQGeLylg0RQCkxFArIR/fyBWwo8xHrZHgMlEe9y4CgIQaE2A50trRrSAQCICiJVEmLxuhFjxOnwYnyMBJhM5wqVrCFScAM+Xit8AuJ8dAcRKdixd7Qmx4mpksKtsAkwmyo4A40MgXAI8X8KNLZ4VTACxUjDwEoZDrJQAnSG9IMBkwoswYSQEvCTA88XLsGG0iwQQKy5GJVubECvZ8qS3cAgwmQgnlngCAdcI8HxxLSLY4y0BxIq3oUtsOGIlMSoaVoyAblmsu+TdXjG/cRcCEMifAM+X/BkzQkUIIFbCD7ROxl4SkWnhu4qHEEhFgMlEKlw0hgAEUhDg+ZICFk0hMBkBxEr49wdiJfwY42F7BJhMtMeNqyAAgdYEeL60ZkQLCCQigFhJhMnrRogVr8OH8TkSYDKRI1y6hkDFCfB8qfgNgPvZEUCsZMfS1Z4QK65GBrvKJsBkouwIMD4EwiXA8yXc2OJZwQQQKwUDL2E4xEoJ0BnSCwJMJrwIE0ZCwEsCPF+8DBtGu0gAseJiVLK1CbGSLU96C4cAk4lwYoknEHCNAM8X1yKCPd4SQKx4G7rEhiNWEqOiYcUI6JbFvykiGyvmN+5CAAL5E+D5kj9jRqgIAcRK+IFWsTIiItPDdxUPIZCKAJOJVLhoDAEIpCDA8yUFLJpCYDICiJXw7w89X+UkYiX8QONhagJMJlIj4wIIQCAhAZ4vCUHRDAKtCCBWWhHy//uIFf9jiAf5EGAykQ9XeoUABER4vnAXQCAjAoiVjEA63A1ixeHgYFqpBJhMlIqfwSEQNAGeL0GHF+eKJIBYKZJ2OWMhVsrhzqjuE2Ay4X6MsBACvhLg+eJr5LDbOQKIFedCkrlBiJXMkdJhIASYTAQSSNyAgIMEeL44GBRM8pMAYsXPuKWxGrGShhZtq0RAtyz+DRH5fJWcxlcIQKAQAjxfCsHMIFUggFgJP8oqVn4hIheF7yoeQiAVASYTqXDRGAIQSEGA50sKWDSFwGQEECvh3x96vkodsRJ+oPEwNQEmE6mRcQEEIJCQAM+XhKBoBoFWBBArrQj5/33Eiv8xxIN8CDCZyIcrvUIAAiI8X7gLIJARAcRKRiAd7gax4nBwMK1UAkwmSsXP4BAImgDPl6DDi3NFEkCsFEm7nLEQK+VwZ1T3CTCZcD9GWAgBXwnwfPE1ctjtHAHEinMhydwgxErmSOkwEAJMJgIJJG5AwEECPF8cDAom+UkAseJn3NJYjVhJQ4u2VSKgWxbrM/COKjmNrxCAQCEEeL4UgplBqkAAsRJ+lFWsnBCRN4bvKh5CIBUBJhOpcNEYAhBIQYDnSwpYNIXAZAQQK+HfH3q+ynHESviBxsPUBJhMpEbGBRCAQEICPF8SgqIZBFoRQKy0IuTn99eKyOdE5NMi8k1LrHxKRLaIyCdEZLufrmE1BDIjwGQiM5R0BAEIRAjwfOGWgEBGBBArGYF0rJtLROQFERkTkRERmSMiL4mIloSdE5FZIvIrx2zGHAgUQeBSEfn5+EDRyYT9vSJsYQwIQCAsAjxfwoon3jhCALHiSCByMOMrIvLvRKTD6vtlEfnCeHYlhyHpEgJOE5gpIk+IyPMiotnHfzm+wP5hEdkqIm8VkXeJyCmnvcA4CEDARQI8X1yMCjYFQQCxEkQYY50w2RU7xjoJm01WJdyg41lLAveIyGfHs4668YR+9GdCRf29IvKnLXugAQQgAIF4AjxfuDMgkAMBxEoOUB3q0s6ukFVxKDCYUhoBffupG07YGUc1RksmtVySrEppoWFgCHhPgOeL9yHEARcJIFZcjEp2NtnZFbIq2XGlJ78J6NvP20Tkt8bd0PVb95NV8TuoWA8BRwjwfHEkEJgRDgHESjixbOaJZld6ReRO1qqEH2w8TEQg+vaTrEoibDSCAAQSEOD5kgASTSCQhgBiJQ0tP9tqduUBEVnJWhU/A4jVuRAwbz+1c7IquSCmUwhUlgDPl8qGHsfzIIBYyYMqfUIAAq4T0Lef9gJ71qq4HjHsg4A/BHi++BMrLPWAAGLFgyBhIgQgkAuBbeO9apkkHwhAAAJZEuD5kiVN+qo0AV/EylULFizYc/jw4XmVjhbOO0tg4cKFzx46dGi+swa6adg1Cxcu/C+HDh26zE3zsAoC+RK4/PLLn33mmWeq8ty4csGCBfv4PZ7vPUXvzQnwe9rfu8MLsTJ79uz/tnHjxqtvvfVWf0ljebAEfvu3f3vkiSee2Cgifxask9k71tXV1fV0f3//W26++ebse6dHCDhMYGRkRBYvXjz6/PPPf0pEHnLY1MxMmz179uPr16//52vWrMmsTzqCQFIC3d3dI/v3798kIv1Jr6GdOwScFytveMMbNl1//fWfevjhhzvdwYYlEHiVwMaNG889+OCDf12v198Lk+QEZs+e/dgf//EfX7t169YLk19FSwiEQeC9733vSz/4wQ+2jY2N6QGlVfjctmTJktuHh4e7quAsPrpF4P7775d77rnnv544ceIatyzDmqQEXBcr754xY8Z3/v7v/3763Llzk/pEOwgUQuC73/2uvO997zt95syZd4jIsUIGDWCQjo6Oe3/v936v99FHH704AHdwAQKpCKxdu/aVr3/96z88ceLEdaku9LfxlSJy8ODBg3LllfpXPhAojsDTTz8tixYt0gH1j6eLG5mRsiTgsli5sKur68jAwMBbb7rppix9pi8ITJnAK6+8Ipdffvnoc88991ER+Yspd1idDm5+61vf+uUDBw50dnXxkrU6YcdTJfDQQw/JmjVrXhgZGdFZ+0gVqFD+VYUou+sj5V/uxiaNZc6Klc7OzodWrFjxge3bt09P4xBtIVAEgdWrV5/ZtWvXt0dHR1lwkRy4puD/5m/+5m/kmmvIxifHRssQCDz++OPyu7/7u+qK/vF4CD4l8IHyrwSQaJIPAcq/8uFaRq+uipWb3va2t33tmWee6bzwQkray7gxGLM5gb/4i7+Qvr6+n4+MjOguVq/AKhEBFtQnwkSjEAlUcUG9iFD+FeLN7IlPlH95EqiEZrooVuZOnz7977/zne/MePe7353QDZpBoBgCx44dk3e84x1nTp8+/T4R+W4xo/o/Cgvq/Y8hHrRPoIIL6oXyr/bvF66cOgHKv6bO0KUenBMrtVrt0b6+vj+86667nLPNpcBhSzkEbrzxxtFHHnnkK7/+9a9vL8cC/0ZlQb1/McPi7AhUcEG9wqP8K7tbiJ5SEqD8KyUwD5q7Jghufde73rXpxz/+MStvPbh5qmbin/3Zn8mmTZueOnHixNVV830K/rKgfgrwuNRvAlVcUE/5l9/3rO/WU/7lewTj7XdJrFwlIk8++eSTctVV+lc+EHCHwFNPPSVXX93QKPrHU+5Y5rQlLKh3OjwYlyeBii6op/wrz5uKvlsSoPyrJSIvGzgjVjil3sv7pzJGc0p96lCzoD41Mi4IhUBFF9Rr+Cj/CuUm9tAPyr88DFpCk50QK294wxvuuv766z/JKfUJo0azQglwSn163CyoT8+MK8IhUMUF9ZR/hXP/+ugJ5V8+Ri25zS6IFU6pTx4vWhZMgFPq0wNnQX16ZlwRDoGKLqin/CucW9hLTyj/8jJsiY0uW6xwSn3iUNGwaAKcUt8WcRbUt4WNi0IgUNEF9Ro6yr9CuIE99YHyL08Dl8LsUsUKp9SniBRNCyfAKfWpkbOgPjUyLgiFQFUX1FP+Fcod7KcflH/5Gbe0VpcpVjilPm20aF8YgfFT6p8fGRmZzyn1ibCzoD4RJhqFSKDCC+op/wrxhvbIJ8q/PArWFEwtS6xwSv0Ugsal+RLglPr0fFlQn54ZV4RDoKIL6jWAlH+Fcxt75wnlX96FrG2DSxErnFLfdry4sAACnFKfDjIL6tPxonVYBKq6oJ7yr7DuY9+8ofzLt4hNzd4yxAqn1E8tZlydI4HxU+qfPHHixD/NcZiQumZBfUjRxJdUBCq8oJ7yr1R3Co2zJkD5V9ZE3e6vaLHCKfVu3w+Vto5T6lOHnwX1qZFxQSgEKrygXkOYqPzrpz/9qXzwgx+UJ598shH2b37zm7Jq1apMbwEd4+GHH5Y1a9Yk7veuu+6SjRs3xtqzf/9+6e7unuhreHhYlixZkrhv03DHjh3ys5/9TG6//fbzrtX+H3vssdd9PfUAGV5Qr9flE5/4hNxxxx1yxRVXZNhzPl1R/pUPV5d7LVSscEq9y7cCtnFKfap7gAX1qXDROCQCVV5Qn7T8SyflKgp00l6r1eTMmTMNQXHttddmKljSTv51Yr5hwwbZvHlzwy77o7b+8Ic/lP7+fpk+fbpoWxVXKjjaESxx93xae0P6ucnCF8q/sqDoXx+FiRVOqffv5qiSxZxSny7aLKhPx4vWYRGo8IL6xOVfKlSuu+668yb5Ovk/ceJE4+29EQKPPPKIXH311fKtb32r8XU7I6EC5/Of/7ysXr1afvSjHzUyNI8++mjj/5s2bZJbbrmlISa0D/13NIuhfX3oQx9q3Hz6/c985jMNwfS1r31Nrr/++gkhpd+3x7KzC7bNdqbIXP+Tn/zkvEyJESNvf/vbJzIrdrZG7dBPXMZFMzo2C21nskD6949+9KMNIfXLX/5ywm+7fTOmcXbbQs3OrMRxVlvtvk2GzAg/te3ZZ59t8Pyrv/qr85gbP+P8UEFof93OvDX7OuVfYT1Lk3pTlFjhlPqkEaFd4QQ4pT4dchbUp+NF67AIVHhBvQYyUflXq7Iik2X58Ic/3BAzdhZGJ7umfCoqVr7xjW80JsT6MWVLKn7iyqq0T22vk3v9mKzODTfcEJtZ0Qm9lkE98MADr8u46PVRn0wWRifjOrHWTM1FF110nrhSP1RQ2SVW2jYqVmw/bX9sH8zEXgWgCgP9qFAz4kiFmBF2Rgw++OCDDYH2xS9+cUI4Gn52OV5UrMRxVhGjH5ufscFknqJZIx3rsssua1xnYmH7MXv2bNm+fbvceeedDQFmMl56D5i+9f8awxtvvFH27dsn99xzz389ceKEliDzqRCBIsQKp9RX6IbyzVVOqU8dMRbUp0bGBaEQqPKC+qTlXxrrZlkKcx9ES7GioqSZWIn7ejOxEp2Um4m0ioe4MrDJysPUbhUzZmJtSsRMPyoKVETYk+/du3c3RJd+3RZTcWVgk40dXfeja2j0Y9bVmDU1dubDcDZZFxUammGKZm3seBhBpW3jOH/729+OzZTZQszOZJm+TcYrzo93vvOdsZkxO6ti+tmyZYusW7dO/7lIRJ4O5ZmCH8kI5C5WOKU+WSBoVQ4BTqlPxZ0F9alw0TgkAhVfUJ+4/MvEPK4MzGQvdAJ73333TawbcUGsNBNYJrvR19fXyOpoFiAqVkwpmJZ+6UezFqacbSpiJbruJ8rUlJdpSZruZGkzjfvZM2LClJOpH/qJZlamIlaM//b4rfywhZaKLxV30RJCyr9Cepqm9yVvscIp9eljwhUFEeCU+lSgWVCfCheNQyJQ8QX1GspE5V+TTVDtBfbLly9vlGXFlYHpxN+UDD333HPyyU9+Ur7yla801qykyaykLQNT2ydbYK9ZgGgWwSzG1xIm/d65c+caYsZee5O2DEztMBkczc6Yyb+92N8uAzNZGVOOZjYwsMvaTOZHS+6iGaKkYsWUgWnsTLmZZpJsJnGixAi4OD/sTFS0zM2w1eve/e53y9NPP/3/j46OXhnScwVfkhPIU6zkfkp93JubqOsm9XjJJZect5guOaJ0LU2Npj4Umm1dmK7Hqbc2vyR0UaF+om9Vko7QrA65Vcpf+9eHmD5gTZ1sqwV/SW1qtx2n1Kcj59qCenNPX3rppectVE3yTEjnebLW7WyfmqznV3927Hpvc12zXYXiGMTVqScdP66d/SzQ77faOtaVZ2G7Pld5QX2a8q8o3+g2wPYC6maLwe3fV/q7Sn/GP/CBDzQVKzqmbo/8/ve/v+UCe7NQvNluYEawmEX5+m976+LJfm9FhY59zydZYG/3HVfapdkT/e/Nb36zGLFnfqfHtU+y8N7EK0lm5W1ve9vE5gSmtCtuThDd1CC6ON/2w2Sg7E0Q4hbkj9tJ+Ve7D7AArstNrOgp9bfccssfbtq0KbcxkkxMsv4l3SrmSWxq1UeW34/bejH6UJ3qeK3Einl4mV9U0fZqo1kIaNLSU7Wp1fWcUt+K0Gvfd3FBvbmH9M2reZOpFpf181fGdqRlihX77kniu89ipeIL6lOXfyV/stASAq0JUP7VmlEVWuQlJAo5pd5MTDQ9q29K9KNvGswbBV14Zxah6URZd7Ew2xxGt0o0WyJqXerf/u3fNtK4t912W+NNhir9j3/8443tEs0bjCSL3jSTYNLWzd42xNkdPZQp7g2UvuXQVKx+7r333sb/4w6viptI6ERPJ3naR9wWiKZv3S5SbTETQ31z9aUvfamxY4r9luWmm26Siy++uPHWJWq7yaiYHyblH7e4Uncr0XR5dN/7PH4IOaU+FVUnF9Sbe9LsJGTqyG2x0uwtqP2W0zwH7J8n3RpVt1E1i1KVlr0tanRLTfu5Et0+NW67T+0vzjZ9XtkLeE25hvavi1t1R5wnnnhi4pnWbAvUVpmVybaMjb7hVFZDQ0MyOjraeLbaW6dq+cef/MmfNJ5DZutYe2tYm5stVpptSZrqriyoccUX1Cvl1OVfBYWGYSpAgMMfKxDkhC7mIVYKO6XeFis6Cdb6V3thm4oMk1mZrEZWt8mza0/tvnSMn//85xMTBS3HuPvuu2X9+vUT9bZ2DWh0i0CzG0izLRSb2W3i12yLR53UqG2mDKZZqYi20ZrRuFODW20fqTbYWyPatbd2/bD6b+qKm51+a2e4opmVJNcnvJ9bNuOU+paI7AbOLqiPLsg192r0BYY5+M2UaX3kIx95XY21LuY0k2xT791sC85mW21Gz1owEM19H93uM672XZ8ruuONeUlgfNG+9PmhzzO105wyHbcFqraN20lHv64vbJo9B+3Fufb2qyqg9EWNOQPD20/0WAAACj1JREFUPE/Un7itYyc7I0OfhVrOE7dVaREvKVLd+SJS9QX1Uyn/Ssua9hCIEuDwR+4Jm0DmYqXIU+rtiUl0kZfZKjBusmBO07UPmzIZkLi91M1EKLowLe6QozixYu8Qon3ZWyg2s9sEqdkWjyoiBgYGYgWTXUo1WRncZNtH6vhmUmF8MgsMdftA7TeaeTH/jvsRi9phv1meLDOT9Y8rp9QnJur0gnpbrNiZQLO9pooKrWPXbKj5mEPcdDJuDobT79mHxZkFv8224Gx2CF2akqzJtkA15wvY4sYsONaJvo5jarrTjNnqOWieJ3b2RJ8j0THinl3RrWPjMlfm5UarQ/wS3505N2RBvVD+lfM9RveTE6D8izskN7FS9Cn1ZYkVnaxrZsXedSM6sbcX2JcpVpqVgelkbdmyZbJnz57Y7SPNBLCnp6fxVlffUOtHxVUzsWJPeKL7uacRTXn9iHJKfXKyri2oj1oel53TRd6nT59+3XkHtniPruGyD1SzdydqtdYtutWm2hd3MF2z7VubnddgSsHe8573NN7sqzAxWdM8xYr94sEIOc3E6IFucWdE2FlWW6zY6+GUSdwLIf16lJ8+L136VHxBvYaC8i+XbsiK2UL5V8UCnsDdLDMrhZ9Sn0astCoDS5NZ+dSnPjVxYq1maexf0GnLwFplVlqVgZk3wXHbEdqTAnPCrH7N2BstZ4tuO6jtvvOd78iVV17ZmDQ12zEkSRlXtAzMnhjmuZOS+RnglPoET4PxJi4uqG8lVvT7JtOpa7fMYWP2ycoquqNnJZhSKlMGFreVqv6Mm/Kn3/md3zlvXYldqhUnVuwy1GbbfcZN8DUjtHHjxonTvdOWgUXPKGhVDhs9o8G0V7GiPuq/bQ7NysCia4ai287aZWD2VqUuiZWqL6in/Cv5s5KW2ROg/Ct7piH0mJVYKeWU+jRixSzsbrbAPo1Y0cW8uv+5WYyqbwF0wq3ZBy3j0K/rhCnJAvtWYiX6FtJeEByd8Ntva+2bM3qyrb11cbPFtnFCxxYrSRfYGzsmKwNrdyvlpD+AnFKflFSjnZML6pOIlWjWpNkCe7t8U8ueDh8+3MgW2uvQjKiP21IzbrMMM1Z0+1R7G1Z78f1kW6BGXxrY69HyXGBvl2+Zn0kdT+1+8cUXGyV1cVuWKiuzdayKEVN+p310dnaKZmdbPQtT3aE5NmZBfVjlX9GXfWluHf05V7EeFdLR36f2dsym/2ZrRZutLU1jV+htKf8KPcLt+ZeJWOGU+vbgc1UxBDilPjFnZxfUJ/aAhpkSqNLkigX1jVsnqPKvqYiVZtug20Ik7mgAI/rjREyVfp7aeRBR/tUOtWpck4VY4ZT6atwrXnrJKfWJw+b0gvrEXtAwUwJVmVyxoL5x2+jp4AcPHjzYKP0N4RMVK3Gb4sRt328fexB3JIDNxhY1ZtMa3RVTD2+M7sKpP08PPPBA43L93WRXFTQ73iCu+kLXjJljDzRrqWWct956a2ML8eh6UV/iSPmXL5Eqx86pipXcT6kvBwujhkCAU+qTR9H1BfXJPaElBNITYEF9WOVf5g6wxYp+zRwhYK+X0sm+fuxt+nWtW7PMin13af/2GWHmGrtPu72KFbMVuCml1nVytm36dy3x1g187LVhKoDs3fjUXrMmzy6zTnJIa/qfkPyvoPwrf8Y+jzAlsVLEKfU+w8X2cglwSn0y/j4sqE/mCa0gkJ4AC+obzIIq/4oTK7r2JMlhzmaNShKxoge13njjjY3DkG2R0Gw3wWimspm4aXW8gb0bnxnbHIDdKhOU/ick/yso/8qfse8jTEWsFHJKve+Asb8cApxSn5i7FwvqE3tDQwikIMCC+gas4Mq/4sSKfi26s529a55Za2LOY3rwwQcb26A326kuKmbiDmONrlvJS6wYf6M+uHjYavTHk/KvFA+sCjdtV6wUdkp9hWOD620S4JT6xOBYUJ8YFQ1DI8CC+lcjOnv27MfXr1//z7X0KLSPXQZml2bZC+OjX9e1ILqzZzOxYrIzX/3qV5sKmbSZFeVuStT076YMLHrkgtlqPZpZsceLHvbsekwp/3I9Qm7Y15ZYKfKUejcwYYVPBDilPlG0WFCfCBONQiTAgvqJqAZZ/hWXWTFnL+kidM2e6H+6CN4IAt3GXD+mjMoseLfLquytyO2fi2jpVVqxYg6Rjtsq3d5SXG18+eWX5SMf+UjjgOY77rijUYIWtcuXUjDKv0J8uubjU2qxUvQp9fm4Ta+hErj99tvPDQwM/HW9Xn9vqD5m4RcL6rOgSB++EmBBfSNywZZ/+XpfVsluyr+qFO2p+5pWrBR+Sv3UXaSHqhDglPpkkWZBfTJOtAqTAAvqX41ryOVfYd65YXlF+VdY8czbmzRipZRT6vMGQP9hEOCU+sRxZEF9YlQ0DI0AC+onIhp0+Vdo921o/lD+FVpE8/cnsVjhlPr8g8EI7RPglPpE7FhQnwgTjUIkwIL6iahS/hXiDe6JT5R/eRIox8xMKlY4pd6xwGHOawQ4pT7R3cCC+kSYaBQiARbUvxZVyr9CvMP98YnyL39i5ZKlScQKp9S7FDFsOY8Ap9QnuyFYUJ+ME63CJMCC+om4Uv4V5i3uhVeUf3kRJieNbClWOKXeybhh1DgBTqlvfSuwoL41I1qES4AF9ROxpfwr3Nvcec8o/3I+RE4b2EqscEq90+GrtnGcUp8o/iyoT4SJRiESYEH9a1Gl/CvEO9wfnyj/8idWLlo6mVjhlHoXI4ZNDQKcUp/oRmBBfSJMNAqRAAvqz4sq5V8h3uSe+ET5lyeBctjMpmJl9uzZT27cuPGqW2+91WHzMa2qBDilvmXkWVDfEhENQiXAgvrzIkv5V6g3ugd+Uf7lQZA8MDFWrHBKvQeRq7CJnFLfOvgsqG/NiBbhEmBB/Wuxpfwr3PvcB88o//IhSu7bGCdWOKXe/bhV1kJOqW8dehbUt2ZEi3AJsKD+vNhS/hXure68Z5R/OR8ibwyMihU9pf7ZgYGBS2+66SZvnMDQahDglPpEcWZBfSJMNAqRAAvqz4sq5V8h3uSe+ET5lyeB8sTM88QKp9R7ErWKmskp9S0Dz4L6lohoECoBFtSfH1nKv0K90/3wi/IvP+Lki5W2WOGUel+iVkE7OaW+ZdBZUN8SEQ1CJcCC+tdFlvKvUG92D/yi/MuDIHlmohErnFLvWeCqZC6n1LeONgvqWzOiRbgEWFB/Xmwp/wr3VnfeM8q/nA+RlwY2xAqn1HsZu8oYPX5K/Zd//etfb6yM0ykcZUF9Clg0DY4AC+rPDynlX8Hd4l45RPmXV+HyxlgVK5xS7024qmcop9S3jDkL6lsiokGoBFhQ/7rIUv4V6s3ugV+Uf3kQJE9NvGDBggXPHj58eJ6n9mN24AQWLFhw9PDhw8v00PrAXW3LvYULFx45dOjQZW1dzEUQ8JzAwoULnz106ND/KSKPe+5KJubzPMgEI520SWD85/FficjTbXbBZRCIJfC/ABIq/I4s/htiAAAAAElFTkSuQmCC"/>
-          <p:cNvSpPr>
-            <a:spLocks noChangeAspect="1" noChangeArrowheads="1"/>
-          </p:cNvSpPr>
-          <p:nvPr/>
-        </p:nvSpPr>
-        <p:spPr bwMode="auto">
-          <a:xfrm>
-            <a:off x="155575" y="-144463"/>
-            <a:ext cx="304800" cy="304801"/>
-          </a:xfrm>
-          <a:prstGeom prst="rect">
-            <a:avLst/>
-          </a:prstGeom>
-          <a:noFill/>
-        </p:spPr>
-        <p:txBody>
-          <a:bodyPr vert="horz" wrap="square" lIns="91440" tIns="45720" rIns="91440" bIns="45720" numCol="1" anchor="t" anchorCtr="0" compatLnSpc="1">
-            <a:prstTxWarp prst="textNoShape">
-              <a:avLst/>
-            </a:prstTxWarp>
-          </a:bodyPr>
-          <a:lstStyle/>
-          <a:p>
-            <a:endParaRPr lang="en-US"/>
-          </a:p>
-        </p:txBody>
-      </p:sp>
-      <p:sp>
-        <p:nvSpPr>
-          <p:cNvPr id="2052" name="AutoShape 4" descr="data:image/png;base64,iVBORw0KGgoAAAANSUhEUgAAAysAAALwCAYAAACX2eoEAAAgAElEQVR4XuzdD5xWc97/8feV0Uzpz9RU/iSJEiVu1p9N2SS1bFu5abet2B/bHf0jlfKnECrRVmQqcVu7N2XbxV1oEYpVslhuUkoh2rBqalRqJtNcv8f32jmzV1czzXVmrutc33PO6zweu6U553w/3+fn4Ho753udiNgQQAABSwQmTlye9VU95WbVUm4tKTcSUe5+8+v+f/1eKq1nSakpKKPW7mhUhdHDVHiYVGh+XyoVlpSq8JjdKpw4sWtJCgbhFAgggAACCPhaIOLr6ikeAQR8LTDy/mVt95dGz5MO6yiZX9Xe1xNKYfFRRT+MKPJXRbUicnjpuw9e3+3TFJ6eUyGAAAIIIOALAcKKL9pEkQgEQ2Dk/a+dXbI/2ikS0bmK6lxF1CpxZrUPzyrNyc6qlX14lrJr/+t/OWW/Hp51WDAgJP1Qsl/F+0pUtK8k9mvsfz+UqKi4pHTfDyW1KpjoBkWiq6Ra7x4W0VsP3HDBO4HBYCIIIIAAAghUIkBY4dJAAIG0Clwz9eWGtWtn9Y1KfSPSxfGDmUByZF49Hd20oY49sqGaN2uY1lr8dPKvtu7U11t36qut38n83oSZ+C0qvRiRntq3r+Sph2/u/p2f5katCCCAAAIIJCtAWElWiv0QQMCVwHUzXju/VKV9I4pcLqm5OdjcGWl5TCMd2bi+jmpSn3DiQvSbbTv19bZdMr9u+mpH7M5M2bYlqujTtVTrqQdHX/CGi1OyKwIIIIAAAtYLEFasbxEFIuAvgREzXr06osOujCra1anc3DE5sUWeWrdoonp1s/01IQur3b2nWBs3b9Onmwu05dt/31SJKLI8qv2P54/u9piFZVMSAggggAACrgUIK67JOAABBCoSuG7WX9tF95dMUDTS3/y8bp3aP5x0XNPDTUjh8a70XTMmrJjQ8smXW3/Ys3ff4bGRItEnI4dlTXrw+p+sTd/InBkBBBBAAIH0CxBW0m/MCAgEXmD49OU3RCKaICmvTvbhJeecelxWuxOPjD32xeaNgHksbO2n/9TbH31Zsrf4hyxJBdGoJs0e0/V+bypgFAQQQAABBFIvQFhJvSlnRCA0AtdPf/W80kgtE1IuMZNud8KROqt9C+XWrxMaA9smWrhrr95ds1lrP/unU9oLtaKlk2aN6fambbVSDwIIIIAAAlUJEFaqEuLnCCBQocCI6a9OVKTWeElZTRvVi4WUNsc1QcsSgQ1fbouFlq07dpuKShTRpPxRXe+0pDzKQAABBBBAICkBwkpSTOyEAALxAtfNXD4zGtUN5s9MSDm7fQse+bLwEjGPhr2zZnMstJgtqsis2aMvGGlhqZSEAAIIIIBAhQKEFS4MBBBwJTB85vLHIlFdZV7W2P3HJ+mEY/NcHc/O3gt89o8CvfzWJ867Wp7IH931Su+rYEQEEEAAAQTcCxBW3JtxBAKhFLhh5vLcH6L6n4jUq2G9HHXv2FbHNG0QSgs/Ttp8a5gJLDt3F5nyl2RFdMX9o7oW+nEu1IwAAgggEB4Bwkp4es1MEai2wJCZy4/PiuoJSZ2aNa6nHh3bqnHDutU+HwdmRqDguz16edV6fbt9tyKKvBndH7kif2yXzzNTDaMigAACCCBQtQBhpWoj9kAg1AJjfru8SXEtvSLp9OOOaqQe552kujm1Q23i58nvKdqnl95cr83fxG6qfJBdqoum39h1m5/nRO0IIIAAAsEVIKwEt7fMDIGUCIyY8drDUnTwicfm6ZLOp6hWLf6xkRLYDJ6ktDSqF1Z8rE//UWDeIPlI/ugLrslgOQyNAAIIIIBApQJ86uDiQACBSgWum/7q4Gik1sPmRY+XX3RaFo9+Bedi2f7dHj39yoexF0hGoqXXPDim2yPBmR0zQQABBBAIigBhJSidZB4IpFjguunLTi+NRF6JSE26ndtG7U88KsUjcLpMC6z59Bu9+rcNikrbakWjFz045sIPMl0T4yOAAAIIIBAvQFjhekAAgQoFRsx4bYkU/ZkJKSassAVTwIQVE1qkyF/yR1/QM5izZFYIIIAAAn4VIKz4tXPUjUAaBcreTn+Heezrsm4dWFCfRutMn9osuH/m1dUyj4UpWnpn/phuEzNdE+MjgAACCCDgCBBWuBYQQOAggREzlv+f+favnj9pJ7Owni3YAmah/ZK/rjWT/Dh/dNd2wZ4ts0MAAQQQ8JMAYcVP3aJWBDwQGD592c8ikciSIxvXU7+Lz/BgRIawQWD+X95TQeH3Zv1K/9mju/7RhpqoAQEEEEAAAcIK1wACCBwgMHzm8sciUV3V+YxWOvOUY9EJicCqDzbpnTWbTVhZPHt010tDMm2miQACCCBguQBhxfIGUR4CXgqUvQByqxnzqj5nq8EROV4Oz1gZFCjctVf/89y7sQpKS3T0nHFdzap7NgQQQAABBDIqQFjJKD+DI2CXwIgZr42SojNaNW+sXl3a21Uc1aRd4OlXPtSWb78z49ySP7rr1LQPyAAIIIAAAghUIUBY4RJBAIFygREzlq+S9ONLOp2sNi2bIhMygfVfbNVLK9eZWb+VP7prx5BNn+kigAACCFgoQFixsCmUhECmBEbMfG2LotFjrvz5WWrUoE6mymDcDAns2LlXjz//rhSJfJU/6oLmGSqDYRFAAAEEECgXIKxwMSCAQEzgmnnvHl77+137zO9H/KqzatWy7x8Pzz69QDcO//VBHRs5bqKGj56QdCeLivZq1n136hcDr1arE9secNzsGZPUsfOFOvOc88r/vHBHgWbcc5tG33K3chsF96ucS0ujyv/jiti89x1Rv/bD1571Q9Ko7IgAAggggEAaBOz7NJKGSXJKBBCoWmDYjOWta0kb6tXN1m8uPafqAzKwhwkrZut9+YAajU5YqZzvd4ve1u49xSqV2swZ3XVjjaA5GAEEEEAAgRoKEFZqCMjhCARFYMTM1y9UtPTVY5o1VN+LTrNyWlWFFXNXxGwP3Pevl7DH33Exd0fGDLtSbyxfqv8admPs59W5s2KOc85jfv/HZ/9afhcm/s5P/Njxdf129v/UOGylszlPvfKhvjKL7CO1uuWP6rIsnWNxbgQQQAABBKoSIKxUJcTPEQiJwIgZr10tRX93Sqsj1b3jSVbOOpmw8s9vvtKtd01X0d49sVAxfNQEtTvtDE25fYwu7XtFLFi89/abmnjLCD3w8JOuHwOb/9hctWh5QixwfP7pes2adpfuuGeWPtuwXrNnTtL0OY/HHhUzAcXZzwkrbh5Vy1QDXl71iT7+/J+SIr/JH33BY5mqg3ERQAABBBAwAoQVrgMEEIgJjJj+6kRFat1xboeWOrfDcVaqVLZmxbm7ER8QzASc9SeN8vLKQ4UJEjV5DMyElffeebM8lDhQiWObIPPn+Y/p+nF36NE508uDi5WwcUX9bfWX+tvqL6Ro6Z35Y7r96xYVGwIIIIAAAhkSIKxkCJ5hEbBNICh3VuIXx8eHFSc45OTUqVFYce6aJD5qZsZy/szp7flde8RCjQk4iYv2beu/Uw93VmztDHUhgAAC4RQgrISz78wagYMEgrJmpbKw4jyuVdWdlYoeNYt/3Cv+28CcdTDmUbNVK5ZVGkgq+oYxWy9B1qzY2hnqQgABBMIpQFgJZ9+ZNQIHCQTh28ASQ4Hz186albPO7Rxba3KoNSvmZ/FrTwxU/JqT+Me94h8n21FQcMBx5jyLnnoitn7GPAbmlzsrfBsY/3BAAAEEELBJgLBiUzeoBYEMCvj5PSu/+vU1FYaC+PCS7LeBmRaYoPGr3j8p70Zl3ypmdoj/dq/4NTXOI2DOY2N+CCu8ZyWDfwMyNAIIIIBAhQKEFS4MBBAoF+AN9uG+GHiDfbj7z+wRQAABGwUIKzZ2hZoQyJDAiBnLV0n68SWdTlablk0zVAXDZkpg/Rdb9dLKdWb4t/JHd+2YqToYFwEEEEAAAUeAsMK1gAAC/76zMuO1UVJ0RqvmjdWrS3tkQibw9Csfaot5IaR0S/7orlNDNn2miwACCCBgoQBhxcKmUBICmRIY89vlTYpraasZ/6o+Z6vBETmZKoVxPRYo3LVX//Pcu7FRS0t09JxxXb/xuASGQwABBBBA4CABwgoXBQIIHCAwfObyxyJRXdX5jFY685Rj0QmJwKoPNumdNZsVlRbPHt310pBMm2kigAACCFguQFixvEGUh4DXAsOnL/tZJBJZcmTjeup38RleD894GRKY/5f3VFD4vQkr/WeP7vrHDJXBsAgggAACCBwgQFjhgkAAgYMERsxY/n+STu/5k3Y68dg8hAIu8Ok/CrTkr2vNLD/OH921XcCny/QQQAABBHwkQFjxUbMoFQGvBEZMf3WiIrXuaNywri7r1kF1c2p7NTTjeCywp2ifnnl1tbZ/t0eKlt6ZP6bbRI9LYDgEEEAAAQQqFSCscHEggECFAiNmvLZEiv6s/YlHqdu5bVAKqMCrf9ugNZ+atfSRv+SPvqBnQKfJtBBAAAEEfCpAWPFp4ygbgXQLXDd92emlkcgrEamJCSsmtLAFS8CEFBNWotK2WtHoRQ+OufCDYM2Q2SCAAAII+F2AsOL3DlI/AmkUuG76q4OjkVoP18k+vOTyi07LMo+FsQVDwDz29fQrH5bsLf4hKxItvebBMd0eCcbMmAUCCCCAQJAECCtB6iZzQSANAiNmvPawFB1sFtpf0vkU1arFPzbSwOzpKUtLo3phxccyC+ulyCP5oy+4xtMCGAwBBBBAAIEkBfjUkSQUuyEQVoGyF0W+Yr4d7LijGqnHeSex4N7HF4NZUP/Sm+u1+ZtCM4sPskt10fQbu27z8ZQoHQEEEEAgwAKElQA3l6khkCqBITOXH58V1ROSOjVrXE89OrYVj4SlSte78xR8t0cvr1qvb7fvVkSRN6P7I1fkj+3yuXcVMBICCCCAAALuBAgr7rzYG4HQCtwwc3nuD1H9T0Tq1bBejrp3bKtjmjYIrYffJr7l2+/08lufaOfuIlP6kqyIrrh/VNfY7RU2BBBAAAEEbBUgrNjaGepCwFKB4TOXPxaJ6qrs2lnq/uOTdAIvjbS0U/8u67N/FMSCSvG+EvOHT+SP7nql9UVTIAIIIIAAAmZlJQoIIICAW4HrZi6fGY3qBnPcWe1b6Oz2LXR41mFuT8P+aRb4oWS/3lmzWe+u2RwbKarIrNmjLxiZ5mE5PQIIIIAAAikTIKykjJITIRAugREzl9+hqCZIymraqF4stLQ5rkm4ECye7YYvt8VCytYdu02VJYqWTubt9BY3jNIQQAABBCoUIKxwYSCAQLUFrp/+6nmlkVomsFxiTtLuhCNjoSW3fp1qn5MDayZQuGtvLKSs/eyfzoleqBUtnTRrTLc3a3ZmjkYAAQQQQMB7AcKK9+aMiEDgBIZPX35DJBK7y5JnXiB5zqnHZbU78UgeDfOw0+aRr7Wf/lNvf/Rl7EWPkgqiUU2aPabr/R6WwVAIIIAAAgikVICwklJOToZAeAWum/XXdtH9JRMUjfQ3CnXr1P7hpOOaHn5iizw1b9YwvDBpnrn5lq9PNxfoky+3/rBn777DY8NFok9GDsua9OD1P1mb5uE5PQIIIIAAAmkVIKyklZeTIxA+gREzXr06osOujCra1Zm9CSsmtLRu0UT16maHDyXFM969p1gbN2+LhRQTVpwtosjyqPY/nj+622MpHpLTIYAAAgggkBEBwkpG2BkUgeALXDfjtfNLVdo3osjlkpqbGZtvDGt5TCMd2bi+jmpSnzsuLi6Db7bt1Nfbdsn8uumrHTKPfZVtW6KKPl1LtZ56cPQFb7g4JbsigAACCCBgvQBhxfoWUSAC/ha4ZurLDWvXzuoblfpGpIvjZ5N9eJaOzKuno5s21LFHNiS8xOF8tXWnvt66U19t/U7m92XvSCnfIyq9GJGe2rev5KmHb+7+79sr/r5cqB4BBBBAAIEDBAgrXBAIIOCZwMj7Xzu7ZH+0UySicxXVuYqoVeLgtQ/PKs3Jzqplgox58aT5X07Zr0F6l4u5M2ICSNG+ktivsf/9UKKi4pLSfT+U1KqgKRsUia6Sar17WERvPXDDBe941jgGQgABBBBAIEMChJUMwTMsAghII+9f1nZ/afQ86bCOkvlV7XH5l0BU0Q8jivxVUa2IHF767oPXd/sUGwQQQAABBMImQFgJW8eZLwIWC0ycuDzrq3rKzaql3FpSbiSi3P3m1/3/+r1UWi9V5S+eN+6S/T/sO/yyEfc/m6pzujtPrd3RqAqjh6nwMKnQ/L5UKiwpVeExu1U4cWLXEnfnY28EEEAAAQSCJ0BYCV5PmRECCFQtkCNpu1nzL+nIst9XfRR7IIAAAggggICnAoQVT7kZDAEELBG4RdKtZWElX9KNltRFGQgggAACCCAQJ0BY4XJAAIGwCZi7KQWS6pdN3HwH8NGStoYNgvkigAACCCBguwBhxfYOUR8CCKRaYJyk2yUdUXbiYklzJY1K9UCcDwEEEEAAAQRqJkBYqZkfRyOAgL8EzFcCm7UqDRPKLi17ceU3/poO1SKAAAIIIBBsAcJKsPvL7BBA4ECBMZKmSDJ3U0xoOUxSE0lZkv5b0lDAEEAAAQQQQMAeAcKKPb2gEgQQSL/AGkm7JY2VdHbZWpXHywLMKZLOl7Ql/WUwAgIIIIAAAggkI0BYSUaJfRBAICgCjSTtKJuMWaPSQtLosr9uI2lDUCbKPBBAAAEEEAiCAGElCF1kDgggUB2BGyS1ZGF9deg4BgEEEEAAAW8ECCveODMKAgjYJzBSUitJJrSwIYAAAggggICFAoQVC5tCSQgg4InAdZLMo1/XezIagyCAAAIIIICAawHCimsyDkAAgYAIjJDUVpIJLWwIIIAAAgggYKEAYcXCplASAgh4IjBMUjtJJrSwIYAAAggggICFAoQVC5tCSQgg4ImAeadKB0kmtLAhgAACCCCAgIUChBULm0JJCCDgicAQSafzIkhPrBkEAQQQQACBagkQVqrFxkEIIBAAgWsk/UjStQGYC1NAAAEEEEAgkAKElUC2lUkhgEASAoPL3mJvQgsbAggggAACCFgoQFixsCmUhAACngj8l6RzJZnQwoYAAggggAACFgoQVixsCiUhgIAnAr+R1EnSIE9GYxAEEEAAAQQQcC1AWHFNxgEIIBAQgaslnS/JhBY2BBBAAAEEELBQgLBiYVMoCQEEPBH4f5K6SrrKk9EYBAEEEEAAAQRcCxBWXJNxAAIIBETg15K6STKhhQ0BBBBAAAEELBQgrFjYFEpCAAFPBK6U1F2SCS1sCCCAAAIIIGChAGHFwqZQEgIIeCIwUNIlkq7wZDQGQQABBBBAAAHXAoQV12QcgAACAREYIKmnJBNa2BBAAAEEEEDAQgHCioVNoSQEEPBE4FeSeksyoYUNAQQQQAABBCwUIKxY2BRKQgABTwT6SfpPSSa0sCGAAAIIIICAhQKEFQubQkkIIOCJwC8lXS7JhBY2BBBAAAEEELBQgLBiYVMoCQEEPBHoWxZUfuHJaAyCAAIIIIAAAq4FCCuuyTgAAQQCImDuqvSXZEILGwIIIIAAAghYKEBYsbAplIQAAp4IXFb2TWAmtLAhgAACCCCAgIUChBULm0JJCCDgicClZW+vN4vs2RBAAAEEEEDAQgHCioVNoSQEEPBEoI+kqyWZ0MKGAAIIIIAAAhYKEFYsbAolIYCAJwK9JA0ue9eKJwMyCAIIIIAAAgi4EyCsuPNibwQQCI7AzyVdK8mEFjYEEEAAAQQQsFCAsGJhUygJAQQ8EegpaagkE1rYEEAAAQQQQMBCAcKKhU2hJAQQ8ETgEknXSfqZJ6MxCAIIIIAAAgi4FiCsuCbjAAQQCIjAxZJGSjKhhQ0BBBBAAAEELBQgrFjYFEpCAAFPBH4qaZQkE1rYEEAAAQQQQMBCAcKKhU2hJAQQ8ESgu6Sxknp4MhqDIIAAAggggIBrAcKKazIOQACBgAhcJOkmSSa0sCGAAAIIIICAhQKEFQubQkkIIOCJwIWSxkvq5sloDIIAAggggAACrgUIK67JOAABBAIi0FXSbZJMaGFDAAEEEEAAAQsFCCsWNoWSEEDAE4ELJN0hyYQWNgQQQAABBBCwUICwYmFTKAkBBDwR+ImkuyV18WQ0BkEAAQQQQAAB1wKEFddkHIAAAgEROF/SZEkmtLAhgAACCCCAgIUChBULm0JJCCDgiUBnSfdIMqGFDQEEEEAAAQQsFCCsWNgUSkIAAU8EzpM0TVInT0ZjEAQQQAABBBBwLUBYcU3GAQggEBCBjpKmSzKhhQ0BBBBAAAEELBQgrFjYFEpCAAFPBM6V9ICkH3syGoMggAACCCCAgGsBwoprMg5AAIGACJwj6UFJJrSwIYAAAggggICFAoQVC5tCSQgg4InA2ZJmSzKhhQ0BBBBAAAEELBQgrFjYFEpCAAFPBH4kaZ6kszwZjUEQQAABBBBAwLUAYcU1GQcggEBABM6U9IgkE1rYEEAAAQQQQMBCAcKKhU2hJAQQ8ETgDEm/k2R+ZUMAAQQQQAABCwUIKxY2hZIQQMATgdMl/UHSf3gyGoMggAACCCCAgGsBwoprMg5AAIGACJwm6XFJJrSwIYAAAggggICFAoQVC5tCSQgg4InAqZKelNTBk9EYBAEEEEAAAQRcCxBWXJNxAAIIBESgvaSFkkxoYUMAAQQQQAABCwUIKxY2hZIQQMATgXaS/izJhBY2BBBAAAEEELBQgLBiYVMoCQEEPBE4WdL/SjrFk9EYBAEEEEAAAQRcCxBWXJNxAAIIBESgraTFkkxoYUMAAQQQQAABCwUIKxY2hZIQQMATgZMkPS/J/MqGAAIIIIAAAhYKEFYsbAolIYCAJwKtJb0gqY0nozEIAggggAACCLgWIKy4JuMABBAIiMCJkl6SZEILGwIIIIAAAghYKEBYsbAplIQAAp4ItJL0qqQTPBmNQRBAAAEEEEDAtQBhxTUZByCAQEAEjpe0XJIJLWwIIIAAAgggYKEAYcXCplASAgh4ItBS0l8lmV/ZEEAAAQQQQMBCAcKKhU2hJAQQ8ESghaSVko7zZDQGQQABBBBAAAHXAoQV12QcgAACARE4VtIqSSa0sCGAAAIIIICAhQKEFQubQkkIIOCJQHNJb0syv7IhgAACCCCAgIUChBULm0JJCCDgicDRkv4u6RhPRmMQBBBAAAEEEHAtQFhxTcYBCCAQEIGjJL0vyYQWNgQQQAABBBCwUICwYmFTKAkBBDwRaCZptaQjPRmNQRBAAAEEEEDAtQBhxTUZByCAQEAEmkpaI8mEFjYEEEAAAQQQsFCAsGJhUygJAQQ8EWgiaZ0k8ysbAggggAACCFgoQFixsCmUhAACngg0lrRBUp4nozEIAggggAACCLgWIKy4JuMABBAIiEAjSZ9KMqGFDQEEEEAAAQQsFCCsWNgUSkIAAU8EciVtkmR+ZUMAAQQQQAABCwUIKxY2hZIQQMATgQaSNktqWDZatqRiT0ZmEAQQQAABBBBISoCwkhQTOyGAQEAEbpY0XtKNkhZI2lL2GJj567skjZaUH5C5Mg0EEEAAAQR8L0BY8X0LmQACCLgQMG+r/0fZHZRdZUHle0lZkvZLMndb2BBAAAEEEEDAEgHCiiWNoAwEEPBM4AFJQyTVjhvRBJY7JU3zrAoGQgABBBBAAIEqBQgrVRKxAwIIBEzAvATyK0mHxc1rZ9lXGJcEbK5MBwEEEEAAAV8LEFZ83T6KRwCBagrMkDS87O6KuasySdLUap6LwxBAAAEEEEAgTQKElTTBcloEELBawLwI8puytSq7y95izzeBWd0yikMAAQQQCKMAYSWMXWfOCCBgBMz6lOsk3S1pMiQIIIAAAgggYJ8AYcW+nlARAgh4I2BeBjlX0iBJe7wZklEQQAABBBBAwI0AYcWNFvsiEE6B1m3atHl5w4YNx4dz+sy6pgJt2rTZtGHDhlY1PQ/HI4AAAgiET4CwEr6eM2MEXAk0adJkyciRI382YcIEV8exMwJGoE+fPjufffZZ88id+RIDNgQQQAABBFwJEFZccbEzAqETuLRly5Z/2LRpEy9LDF3raz7hRYsW6eqrr95cWFh4XM3PxhkQQAABBMIoQFgJY9eZMwJJCuTm5n752GOPtbj00kuTPILdEPi3wPHHH7/ziy+++H+SFuGCAAIIIIBAdQQIK9VR4xgEwiEwoXfv3mMXL17MXZVw9Duls5w0aZIeeOCBv2zbtq1nSk/MyRBAAAEEQiVAWAlVu5ksAkkLtJa0YcOGDWrd2vyWDYHkBTZu3Kg2bdqYA8z/bUz+SPZEAAEEEEDgQAHCClcEAggcJMCiei6KmgiwqL4mehyLAAIIIBAvQFjhekAAgUQBFtVzTVRbgEX11abjQAQQQACBCgQIK1wWCCBwgACL6rkgaiLAovqa6HEsAggggECiAGGFawIBBOIFWFTP9VBtARbVV5uOAxFAAAEEKhEgrHBpIICAI8Cieq6FaguwqL7adByIAAIIIHAIAcIKlwcCCMQEWFTPhVATARbV10SPYxFAAAEEKhMgrHBtIICAEWBRPddBtQVYVF9tOg5EAAEEEKhCgLDCJYIAAmJRPRdBTQRYVF8TPY5FAAEEEDiUAGGF6wMBBFhUzzVQbQEW1VebjgMRQAABBJIQIKwkgcQuCARYgEX1AW5uuqfGovp0C3N+BBBAAAHCCtcAAiEWYFF9iJufgqmzqD4FiJwCAQQQQOCQAoQVLhAEwivAovrw9r7GM2dRfY0JOQECCCCAQBIChJUkkNgFgSAKsKg+iF31bk4sqvfOmpEQQACBMAsQVsLcfeYeZgEW1Ye5+zWcO4vqawjI4QgggAACSQsQVpKmYkcEAiPAovrAtNL7ibCo3ntzRkQAAQTCLEBYCXP3mXsoBVhUH8q2p2zSLKpPGSUnQgABBBBIQoCwkgQSuyAQIAEW1QeomV5PhUX1XoszHgIIIIAAYZ+F47wAACAASURBVIVrAIEQCbCoPkTNTsNUWVSfBlROiQACCCBwSAHCChcIAuERCNSi+rvvvlu33377Ad1bsWKFOnXqFPuzvXv3atSoUTr//PM1cODAlHR5/vz5evzxx2V+zcvLS8k5/XISFtX7pVPUiQACCARLgLASrH4yGwQqEwjMononhJiJzpw5U3Xq1InNef369erXr5/Gjh0bCyeEldT9zcCi+tRZciYEEEAAAXcChBV3XuyNgC8FgrSo3oSS66+/XrNmzVLbtm0P6Ef8nY+6detyZyVFVyuL6lMEyWkQQAABBFwLEFZck3EAAr4TCNSi+pUrV2r48OFauHDhQWElvjMV3Vlx/mzevHnlu95111267bbbyv/anL9z586xvz799NMPGCfxMbCCgoLyR8yC+mgYi+p99/c7BSOAAAKBEiCsBKqdTAaBgwWCtqjeCQgvvfSSnnjiiUrXoySGFeevmzdvXh5OEh8dc/569uzZsbUvieEk/q+NtHnc7Pjjjz/gcbSgXYMsqg9aR5kPAggg4C8Bwoq/+kW1CLgVCNSiemfy8YHF+bOf/vSnByx8TwwrFT0+lhhgzKL9LVu2VBo+nLDy3//93zILzs0Wv27GbXNs359F9bZ3iPoQQACB4AsQVoLfY2YYXoHALKo/VAvjH9sy+zmPdR1qgb1zB+WDDz6Indocc+ONN8bWuMTfeUkc14SVadOm6cgjj1QkEgn0t4KxqD68/+Bg5ggggIBNAoQVm7pBLQikUCBIi+qTZTF3Rp5++unYOpPjjjvugAX2ietVEgOKE1YO9VXHJqxcccUV6tGjh/75z3/q8ssvP2C9S7J1+mE/FtX7oUvUiAACCARfgLAS/B4zw3AKBGpRfbItjF9zcuaZZx4QVipamB//GFiyd1ac96ysW7cuthA//t0uydZp+34sqre9Q9SHAAIIhEeAsBKeXjPTEAkEbVF9fOsOta4kfl1K4p0Vc1fkjTfeqPDdLM4dkmTXrJhzOV+NbGoL2roVFtWH6B8WTBUBBBCwXICwYnmDKA+BaggEclG94+DcPanoESwTNsxmvoo4cc2Ks7bFuRMS/1jYtddeGwscX375ZezFks63gSXejUn8drDEbxOrRq+sO4RF9da1hIIQQACBUAsQVkLdfiYfQIFQLKqv6H0pppfxj2RVtMDeWXPi9N189fFnn30mE0qc96QkLtiPP2diWDHniV8nk/iSSr9dXyyq91vHqBcBBBAIvgBhJfg9ZoYhEgjjovoQtTftU2VRfdqJGQABBBBAwKUAYcUlGLsjYLFAKBfVW9wPX5XGonpftYtiEUAAgdAIEFZC02omGnSBIC+qD3rvbJgfi+pt6AI1IIAAAggkChBWuCYQCIZAoBfVB6NF9s6CRfX29obKEEAAgbALEFbCfgUw/yAIhGJRfRAaZeMcWFRvY1eoCQEEEEDAESCscC0g4HMBFtX7vIEZLp9F9RluAMMjgAACCBxSgLDCBYKAvwVYVO/v/mW0ehbVZ5SfwRFAAAEEkhAgrCSBxC4I2CrAonpbO+OPulhU748+USUCCCAQZgHCSpi7z9z9LsCier93MIP1s6g+g/gMjQACCCCQtABhJWkqdkTAKgEW1VvVDn8Vw6J6f/WLahFAAIEwCxBWwtx95u5bARbV+7Z1VhTOonor2kARCCCAAAJJCBBWkkBiFwQsE2BRvWUN8VM5LKr3U7eoFQEEEECAsMI1gIDPBFhU77OGWVYui+otawjlIIAAAggcUoCwwgWCgL8EWFTvr35ZVS2L6q1qB8UggAACCCQhQFhJAoldELBEgEX1ljTCj2WwqN6PXaNmBBBAAAHCCtcAAj4RYFG9TxplaZksqre0MZSFAAIIIHBIAcIKFwgC/hBgUb0/+mRllSyqt7ItFIUAAgggkIQAYSUJJHZBINMCLKrPdAf8PT6L6v3dP6pHAAEEwixAWAlz95m7XwRYVO+XTllYJ4vqLWwKJSGAAAIIJC1AWEmaih0RyIgAi+ozwh6MQVlUH4w+MgsEEEAgzAKElTB3n7lbL8CieutbZHWBLKq3uj0UhwACCCCQhABhJQkkdkEgQwIsqs8QfBCGZVF9ELrIHBBAAAEECCtcAwhYKsCieksb45OyWFTvk0ZRJgIIIIDAIQUIK1wgCNgpwKJ6O/vii6pYVO+LNlEkAggggEASAoSVJJDYBQGvBdq0afP5hg0bjvd6XMYLhkCbNm02bdiwobukjcGYEbNAAAEEEAirAGElrJ1n3gggMEtSPUm/gQIBBBBAAAEE7BQgrNjZF6pCAIH0CuRI2i7pcElHlv0+vSNydgQQQAABBBBwLUBYcU3GAQggEACBWyTdWhZW8iXdGIA5MQUEEEAAAQQCJ0BYCVxLmRACCFQhYO6mFEiqX7bffklHS9qKHAIIIIAAAgjYJUBYsasfVIMAAukXGCfpdklHlA1VLGmupFHpH5oREEAAAQQQQMCNAGHFjRb7IoCA3wVqla1PaZgwkVJJzSV94/cJUj8CCCCAAAJBEiCsBKmbzAUBBKoSGCNpiiRzN8UssD9MUhNJWZL+W9LQqk7AzxFAAAEEEEDAOwHCinfWjIQAApkXWCNpt6Sxks4uW6vyeFmAOUXS+ZK2ZL5MKkAAAQQQQAABI0BY4TpAAIEwCTSStKNswmaNSgtJo8v+uo2kDWHCYK4IIIAAAgjYLkBYsb1D1IcAAukSuEFSSxbWp4uX8yKAAAIIIFBzAcJKzQ05AwII+FNgpKRWkkxoYUMAAQQQQAABCwUIKxY2hZIQQMATgeskmUe/rvdkNAZBAAEEEEAAAdcChBXXZByAAAIBERghqa0kE1rYEEAAAQQQQMBCAcKKhU2hJAQQ8ERgmKR2kkxoYUMAAQQQQAABCwUIKxY2hZIQQMATAfNOlQ6STGhhQwABBBBAAAELBQgrFjaFkhBAwBOBIZJO50WQnlgzCAIIIIAAAtUSIKxUi42DEEAgAALXSPqRpGsDMBemgAACCCCAQCAFCCuBbCuTQgCBJAQGl73F3oQWNgQQQAABBBCwUICwYmFTKAkBBDwR+C9J50oyoYUNAQQQQAABBCwUIKxY2BRKQgABTwR+I6mTpEGejMYgCCCAAAIIIOBagLDimowDEEAgIAJXSzpfkgktbAgggAACCCBgoQBhxcKmUBICCHgi8P8kdZV0lSejMQgCCCCAAAIIuBYgrLgm4wAEEAiIwK8ldZNkQgsbAggggAACCFgoQFixsCmUhAACnghcKam7JBNa2BBAAAEEEEDAQgHCioVNoSQEEPBEYKCkSyRd4cloDIIAAggggAACrgUIK67JOAABBAIiMEBST0kmtLAhgAACCCCAgIUChBULm0JJCCDgicCvJPWWZEILGwIIIIAAAghYKEBYsbAplIQAAp4I9JP0n5JMaGFDAAEEEEAAAQsFCCsWNoWSEEDAE4FfSrpckgktbAgggAACCCBgoQBhxcKmUBICCHgi0LcsqPzCk9EYBAEEEEAAAQRcCxBWXJNxAAIIBETA3FXpL8mEFjYEEEAAAQQQsFCAsGJhUygJAQQ8Ebis7JvATGhhQwABBBBAAAELBQgrFjaFkhBAwBOBS8veXm8W2bMhgAACCCCAgIUChBULm0JJCCDgiUAfSVdLMqGFDQEEEEAAAQQsFCCsWNgUSkIAAU8EekkaXPauFU8GZBAEEEAAAQQQcCdAWHHnxd4IIBAcgZ9LulaSCS1sCCCAAAIIIGChAGHFwqZQEgIIeCLQU9JQSSa0sCGAAAIIIICAhQKEFQubQkkIIOCJwCWSrpP0M09GYxAEEEAAAQQQcC1AWHFNxgEIIBAQgYsljZRkQgsbAggggAACCFgoQFixsCmUhAACngj8VNIoSSa0sCGAAAIIIICAhQKEFQubQkkIIOCJQHdJYyX18GQ0BkEAAQQQQAAB1wKEFddkHIAAAgERuEjSTZJMaGFDAAEEEEAAAQsFCCsWNoWSEEDAE4ELJY2X1M2T0RgEAQQQQAABBFwLEFZck3EAAggERKCrpNskmdDChgACCCCAAAIWChBWLGwKJSGAgCcCF0i6Q5IJLWwIIIAAAgggYKEAYcXCplASAgh4IvATSXdL6uLJaAyCAAIIIIAAAq4FCCuuyTgAAQQCInC+pMmSTGhhQwABBBBAAAELBQgrFjaFkhBAwBOBzpLukWRCCxsCCCCAAAIIWChAWLGwKZSEAAKeCJwnaZqkTp6MxiAIIIAAAggg4FqAsOKajAMQQCAgAh0lTZdkQgsbAggggAACCFgoQFixsCmUhAACngicK+kBST/2ZDQGQQABBBBAAAHXAoQV12QcgAACARE4R9KDkkxoYUMAAQQQQAABCwUIKxY2hZIQQMATgbMlzZZkQgsbAggggAACCFgoQFixsCmUhAACngj8SNI8SWd5MhqDIIAAAggggIBrAcKKazIOQACBgAicKekRSSa0sCGAAAIIIICAhQKEFQubQkkIIOCJwBmSfifJ/MqGAAIIIIAAAhYKEFYsbAolIYCAJwKnS/qDpP/wZDQGQQABBBBAAAHXAoQV12QcgAACARE4TdLjkkxoYUMAAQQQQAABCwUIKxY2hZIQQMATgVMlPSmpgyejMQgCCCCAAAIIuBYgrLgm4wAEEAiIQHtJCyWZ0MKGAAIIIIAAAhYKEFYsbAolIYCAJwLtJP1ZkgktbAgggAACCCBgoQBhxcKmUBICCHgicLKk/5V0iiejMQgCCCCAAAIIuBYgrLgm4wAEEAiIQFtJiyWZ0MKGAAIIIIAAAhYKEFYsbAolIYCAJwInSXpekvmVDQEEEEAAAQQsFCCsWNgUSkIAAU8EWkt6QVIbT0ZjEAQQQAABBBBwLUBYcU3GAQggEBCBEyW9JMmEFjYEEEAAAQQQsFCAsGJhUygJAQQ8EWgl6VVJJ3gyGoMggAACCCCAgGsBwoprMg5AAIGACBwvabkkE1rYEEAAAQQQQMBCAcKKhU2hJAQQ8ESgpaS/SjK/siGAAAIIIICAhQKEFQubQkkIIOCJQAtJKyUd58loDIIAAggggAACrgUIK67JOAABBAIicKykVZJMaGFDAAEEEEAAAQsFCCsWNoWSEEDAE4Hmkt6WZH5lQwABBBBAAAELBQgrFjaFkhBAwBOBoyX9XdIxnozGIAgggAACCCDgWoCw4pqMAxBAICACR0l6X5IJLWwIIIAAAgggYKEAYcXCplASAgh4ItBM0mpJR3oyGoMggAACCCCAgGsBwoprMg5AAIGACDSVtEaSCS1sCCCAAAIIIGChAGHFwqZQEgIIeCLQRNI6SeZXNgQQQAABBBCwUICwYmFTKAkBBDwRaCxpg6Q8T0ZjEAQQQAABBBBwLUBYcU3GAQggEBCBRpI+lWRCCxsCCCCAAAIIWChAWLGwKZSEAAKeCORK2iTJ/MqGAAIIIIAAAhYKEFYsbAolIYCAJwINJG2W1LBstGxJxZ6MzCAIIIAAAgggkJQAYSUpJnZCAIGACNwsabykGyUtkLSl7DEw89d3SRotKT8gc2UaCCCAAAII+F6AsOL7FjIBBBBwIWDeVv+Psjsou8qCyveSsiTtl2TutrAhgAACCCCAgCUChBVLGkEZCCDgmcADkoZIqh03ogksd0qa5lkVDIQAAggggAACVQoQVqokYgcEEAiYgHkJ5FeSDoub186yrzAuCdhcmQ4CCCCAAAK+FiCs+Lp9FI8AAtUUmCFpeNndFXNXZZKkqdU8F4chgAACCCCAQJoECCtpguW0CCBgtYB5EeQ3ZWtVdpe9xZ5vArO6ZRSHAAIIIBBGAcJKGLvOnBFAwAiY9SnXSbpb0mRIEEAAAQQQQMA+AcKKfT2hIgQQ8EbAvAxyrqRBkvZ4MySjIIAAAggggIAbAcKKGy32RcAygd9P/N/P9+zae7xlZVFOSATq1q+z6aqJ/9kqJNNlmggggAACGRAgrGQAnSERSJXAnDELoj1/0zVVp+M8CLgSWPK75Ro2fQD/HnGlxs4IIIAAAm4E+JeMGy32RcAyASesrPrL/2n7Nzssq45ygirQ+KhG6viz/xBhJagdZl4IIICAPQKEFXt6QSUIuBZwwor50MgdFtd8HFBNAed6I6xUE5DDEEAAAQSSFiCsJE3FjgjYJ0BYsa8nYaiIsBKGLjNHBBBAwA4BwoodfaAKBKolQFipFhsH1VCAsFJDQA5HAAEEEEhagLCSNBU7ImCfAGHFvp6EoSLCShi6zBwRQAABOwQIK3b0gSoQqJYAYaVabBxUQwHCSg0BORwBBBBAIGkBwkrSVOyIgH0ChBX7ehKGiggrYegyc0QAAQTsECCs2NEHqkCgWgKElWqxcVANBQgrNQTkcAQQQACBpAUIK0lTsSMC9gkQVuzrSRgqIqyEocsHzfHM1q1bP7Nx48aWoZw9k/a9wIknnrjp008/beX7iYRwAoSVEDadKQdHgLASnF76aSaEFT91KzW15uXlrZs0aVLbIUOGpOaEnAUBDwXat29fuHbt2lskPeThsAyVIgHCSoogOQ0CmRAgrGRCnTEJK+G6BurXrz+vZ8+eA5588sl64Zo5sw2CwLBhw4oWLlz4/Pbt238RhPmEcQ6ElTB2nTkHRoCwEphW+moihBVftaumxQ5s0aLFnE8++aRBTk5OTc/F8Qh4KjB//nyNGDFiS2FhYWtJRZ4OzmApEyCspIySEyHgvQBhxXtzRpQIK6G5ClrXrl37o6VLl2Z36dIlNJNmosEQ2Lhxo0499dR9xcXFPSS9HoxZhXMWhJVw9p1ZB0SAsBKQRvpsGoQVnzWsmuU2adLknbFjx541bty4ap6BwxDInMCPf/zjwr/97W/3SLovc1UwcioECCupUOQcCGRIgLCSIfiQD0tYCf4FkJWVNeWiiy4a9sILLzQM/myZYdAExo8fX/rwww8v27ZtW/egzS2M8yGshLHrzDkwAoSVwLTSVxMhrPiqXdUptlfjxo2f/Pjjj49o1qxZdY7nGAQyJvDcc89pwIABO3bv3n2ypG8zVggDp0yAsJIySk6EgPcChBXvzRmRNSsBvwaa1atXb/2CBQtye/XqFfCpMr2gCXz77bc6+eSTv9+xY0d/Sc8FbX5hnQ9hJaydZ96BECCsBKKNvpsEd1Z817KkC87Ly3t5yJAhF06aNKlW0gexIwKWCFx88cU7X3311fySkpLxlpREGSkQIKykAJFTIJApAcJKpuTDPS5hJbD9H9exY8db3nzzzdzAzpCJBVbgvvvu07Rp097Ztm3bOYGdZEgnRlgJaeOZdjAECCvB6KPfZkFY8VvHkqq3S05OztLVq1fXbt3avJKCDQH/CLz++uvq0aNH0b59+zpI2uifyqk0GQHCSjJK7IOApQKEFUsbE/CyCCuBa3Cd3NzcDbNnz24+YMCAwE2OCQVbYO/evWrbtu3OzZs3D5W0INizDefsCCvh7DuzDogAYSUgjfTZNAgrPmtYFeU2btz4z/369fv5nDlzXL+ifuXKlercuXP5CCtWrFCnTp1cA5nzPP7445o5c6bq1KlTfrz582XLlum2225zfc6CggLz9nJNnDjRfJh1fXx1D0hmXPMBe9SoUZo3b56qa+amPlPTnDlzdOONN+q9996r0NrN+Wzat3///ruXLFmyYNeuXdfaVBe1pE6AsJI6S86EgOcChBXPyRlQfBtYwC6CIe3atbtnzZo1rtepzJ8/X2+88UZ5wDAfiAcOHBgLFtUJLBW51iSs2Nyn9evX69FHH9Wdd955QDhLV81ej5eueSSe96GHHtKECRPWFxQUmK8pZguoAGEloI1lWuEQIKyEo8+2zZI7K7Z1pNr1nCnp7+a/tJ9xxhmuTmLuDNxxxx0aNGjQAXctTGDZtm1b7M/MB+R+/frpgw8+0E9/+lOZcGN+Fv8h3fkQffHFF+tPf/pTLPiYepy7NXfddVesrvg7K87YZm3Ntdf+6z+mO3cnzBhmvKVLl2ro0KF67bXXYndW3n33XZmvtX3ppZdi/3viiSf02Wef6fbbb4+dw7mjc/fdd8f+zGzOnzt3IjZt2qRzzjlHRUVF5fOuKATE31kx4zr1mF/NfIYNGxYLdaYOZ4zf/va35eOa2szPnbtNZlwT/k444YQq52Dqdu7YmN+b8czdFOfPzHi//OUvy6337NlTXsvpp5+uhQsX6rjjjov11mzTpk07wNfVRZLmnU1ffvSjH5lRzHX8fpqH4/QZFCCsZBCfoRGoqQBhpaaCHF8dAcJKddTsOyYvL2/dpEmT2g4ZMsR1ceZDugkB+fn5ysvLO+j4xEehnLswU6ZM0dSpU8s/7JtwcOGFF8aON4+BmVBiPlw7j26Zn1cUVsyH7+bNm8f2j6/lxRdfLL/bYz6IO4+BmdBgzu8EJhOiZs+erTPPPDP2Qf7KK68sryE+uDi1mTrMsWau5lezmUAR/3sHITGsOOOanzv1mN87oe2ZZ56JBSczl/i7U2afxHGrmoMJNs654gNl/HhO+DK9uPXWW2NzN2HIhCMznqnL/Or4VvaInuuLJsUHtG/fvnDt2rW3SHooxafmdJYJEFYsawjlIOBGgLDiRot9UyVAWEmVZObOU79+/Xk9e/Yc8OSTT9arThXmQ/X48eM1efLkCsNK4h2H+P1NoDCbuZvinGPdunWxMGH+q7/5cOzcSanoMbDEuzrxf21CSfwH//iwEv/n8bU7gcl8YI+/G2RqNHdsnCDlhBhnbjfddJPuvffeCu8uVTRuZeHB3FUxoch5dM4JQMcff/wBa0vMnyczh/h1RM7dkorCijE2c3d66NRnQtjcuXPLQ4yNj5ANGzasaOHChc9v3779F9W5fjnGXwKEFX/1i2oROECAsMIFkQkBwkom1FM65sAWLVrM+eSTTxrk5LheUx8rpLLHwJz/Cm8ewTIfrp01GfFhxXkUrHv37nrrrbdiwcQ5LpNhxcwr/k5G4l0fJ6w4c3fuRiSuO0m8s1LVnY5UhhVzZ8VZR2Tm4zyqF6SwYq6rESNGbCksLDTfsV2U0r8zOJmVAoQVK9tCUQgkJ0BYSc6JvVIrQFhJrafHZ2tdu3bt1UuXLs3p0qVLjYY+1AL7k08++YBv4orf1/kQbdZwmPUhzod+t4+BnX/++bFHsRIfA6vunRXzQd9s5pyJj2MlflOZCVcPPvigevXqFds/fnMbVg71GFj8uMncWTHfnObcpTEu119/vWbNmhUrz3nsLNnHwJzHw2y6s7Jx40adeuqp+4qLi3tIer1GFzAH+0aAsOKbVlEoAgcLEFa4KjIhQFjJhHpqxmzSpMnbY8eOPXvcuHEpOaH5AH3FFVeUnyv+a3grWmDvrG9x1kc460Di10Uks8DerDMpLCyMLQh3HnUyi/oTP9C7eQzMBCxn4bv5QgDzv2bNminxcSwz2UN9PbHbsGK+qjl+YX/iAnvnjk4yYaVJkyblX2pgFtM3aNBAffr0kTM3M5dkFtg763icR+O8/OayQ12Y5513XuGqVavukXRfSi5gTuILAcKKL9pEkQhULEBY4crIhABhJRPqNR8zKytrykUXXTTshRdeaFjzs2XuDM47Spz/8p+JSmxddJ4JC6/GHD9+fOnDDz+8bNu2bd29GpNx7BAgrNjRB6pAoFoChJVqsXFQDQUIKzUEzMzhvRo3bvzkxx9/fIS5W+DnLdNhxbmb5MXLHP3cp1TW/txzz2nAgAE7du/ebd6n8m0qz8257BcgrNjfIypEoFIBwgoXRyYECCuZUK/RmM3q1au3bsGCBY3MGgs2BPwkYN6Pc8opp3y/ffv2/pKe81Pt1JoaAcJKahw5CwIZEUhVWPns8081bMy1mnTbPTrrjLPL52JefnbXvbfrvQ/e05zp83RCqxPLf7ajcIdGjhumy3r/Qpf+/LIq52/2f/yPv9c1Vw1Vdb+BqMpBXO7w7vvv6PIremvgL6/U7TfdlfK6Fj3/jN7++1tJn9v0Ydkbr+q/fn2Ny5kcevdU2xNWUtqetJ8sLy/v5WuvvfbCyZMn10r7YAyAQIoFLrnkkp2vvPLK7JKSkltTfGpO5xMBwopPGkWZCFQkkKqwUlnwcELMx+vX6IF7Zx8QSswH/Ql333JQiKmsU7Memqlv/vl10h/cvei4qWn397v115WvHxTUvBg/fgwnGB515NG6fsiolA6fanvCSkrbk+6TjevYseMtb775Zm66B+L8CKRa4L777tO0adPe2bZt2zmpPjfn848AYcU/vaJSBA4SSFVYMSeu6AOtCSTPPPtnndruNH209sMDgoa5a2B+9sB9c9Qot1GV3Un1B+YqB6xiByeIjb/xNr3w8hKlIyS4qTGAYaW+JHOLaLobB/Y9SMC8wt38b181bLrk5OQsXb16de3Wrc0rKdgQ8I/A66+/rh49ehTt27evg6SN/qmcSlMtQFhJtSjnQ8BDgVSGFRNMZs2dcUD4MAHDbOed2/mAn1X0wdrsO/3Bf3+bpPNolTnePEo2/0+Px851Stv2sbsxxxzd/IA/Nz97+olnD3gMLf7Ojvl54uNazmNWJkzdMnHsAeePf2StopbEh63XVyyvMHg583RqT6yxqp8nPgbmPHbm1OPMZ2/R3tgjda+vfC32oy6dLijvQ+Ixjp8zv0MZJBonHlvdS7WKOysmpJjHNcZI2i+pTnXH4TgdIalQUrGkSZJmuAgtObm5uRvz8/ObJ74HBNeqBSr7ti+37xyp7OWZ8V9DXHU14dvD/LP1pJNO2rl58+ZhkuaHT4AZxwsQVrgeEPCxQCrDSuK6FeeDuFmTcmKr1rEP09cPHR0LE85jY85fJ941cX5+1pnnlD/SFL+PE2Di72YkPlbmfEh3Hj9z6jHHOutLzAf1kTcN15jrxsXGqWifitqbGLacuQ/5zbDyR90qCmTxNTpB4FBziA8rH328+oDH5hLPX9V4Tjgxju++93Z5mEnGINV3tSoJK05IMc+wmX+3DfYn9AAAIABJREFUmKByi6QHfPy3mA2l3ybpZkmlkqKSzDsmTGgxAabSrXHjxn/u16/fz+fMmVO9V9TbMHMLayCseNOU/v37716yZMmCXbt2XevNiIxiswBhxebuUBsCVQikMqw4H5bP+dGPYx/YzQf4mXN+q7vGT4k95mU+8B53bMvyn90xZbzuvHWyGjVqfECQcUpO/IAc/9fOnYTKFudX9khUYqCq6FG0ZNbSOEHIuZNTUcip6gsEqvq5cYgPKy++8pdDPjZX2d0qc574NSyJ80vGIM1hpUHZnRQnpNQuuwYKJDXhb+IaC5i7K+arWuuWnWl3WWiZIsnc+qwotAxp167dPWvWrAn8OhXnzoV5zM28BNFszlcKm7sXH3zwgZYuXaqxY8fqrLPOKn9honnho/n5tm3byt/sbl7O6ISRiy++WH/6059kXsj45Zdflh9nzmO2O++8U3v27Cl/iWT8iymdr1aeN2+efvWrX6lhw4YyL1k0L610NjP2G2+8oU2bNumll17SXXfdpdtuuy32ckjnDfTm5ZLjx4/X5MmT5bxMs8ZXkw9O8NBDD2nChAnrCwoKzNcUsyEQ+69fbAgg4FOBVIYVQ+A89mU+HCc+wpT4wbuib7lyPsA7jzPFP7ZVUXgxj41V9E1clQWBxA/0FX3bVjJhpbL1OYlfGOA82lbZt4VV9fP4+r76ekvsG9fMlxUkPu5m7KtasxL/mF3841zJGKQ5rDwtqbekw336t5Ffyy6S9JCkxG9jOEPSe+Yt8GecYX4b7M0JBs2bN4992DdhY+LEicrPz9eLL74YCwQmcJhg4bzN3nnTvfnZlClTNHXqVA0aNCgWJpywYNQef/zx2M9vvfVWOS+gdEJG4nEmWMyZM0c33nijnnnmGX322Wfl9Vx//fWaNWvWQWHFnN+cr27durEwY8Yw27Jly2LHmkfRnN8Hu4v/nt3777+vM8880/yB+b/3wzJv5nloAcIKVwgCPhZIdViJX7divmbYuZNiiMxdDeduyvMvPRtTc/6Lf/wHaeeD/cO/n3vAt39V9IHZeYTJaYHzOFfiY2bOz1MRVhIDVWL7nRqcP6+sxmR+nhgkEseODx2VPQZmvlrZbM6+2wu3H/A4mQVhpbI7K9sl5fn4by9bSk+8s/J92SNhFd5ZycvLWzdp0qS2Q4YMsaX+tNaRuCYk/q/ffffdA0LDo48+GrsjYu6gxN+1MKHGbOZuinMnY926dbGwMnTo0FigcI5z7ryMHDkyFnDMXRFnM3dX/vCHP8T2d8JPsmtWzDGJNZjw49xlSSuiRSdv37594dq1a83joyaIsyEQEyCscCEg4GOBVIcVJ5CMHDZGf1jwO40admP5u1WcD9OXdO8Z+/Ys8wiXWb9S2TtaDvUYWEXvWXFCgVmj0qVz1wrf4ZL4qFoyH9QT22uOeeh3cyr8yuXE9SAVHWvWyCR+jXNicHF+fqj3rDjBxRxrvlGtTk6d2BcOOGtgKrvTUtFjYIl3uRL3SfOdFeffI6xZSc8/S5w1K2a9ilm3UunjX/Xr15/Xs2fPAU8++WS99JRi31lTEVacR8G6d++ut956q/yuRlVhxdyFSXxE61D1JD4G5tx9MapOWDFfhmDOe9ppp+mFF14I1SNgw4YNK1q4cOHz27dv/4V9VxoVZVKAsJJJfcZGoIYCqQ4rzgfkevXq6+tvvipfr+KU6byX5ON1a2LrVcyi74q+Rcz5IH5s8xbli+GT+cDsPIZmXhwZ/8HdGb+iNStVfVCPJ67qUavEtSwVtSf+Ubmqfl7VSyHj71YlLtiv7O6SGf8vS5eUh61kAlsy9m4uRb4NzI1WjfZ1821gA1u0aDHnk08+aWDLS1drNPMkD3YeAzv//PNj60cSHwNzAoG5k1LRY2DmETGz3XHHHbH1Lbfffrs6deoUewSrqsfAzONhVY1r6nHzGJgZ2xxj6nIebUuSwte7mbA2YsSILYWFheY7ts0jjmwIlAsQVrgYEPCxQKrDiqFI/HapeJ6K3vhe0TdpOY+FxX8Fb1UL7BODSLLfBuYmrFR2F8iZY/xCe/OI27jbRsfuIJkvHDBb/PHON6RV9nNz16mqBfaH+oa0ihb9x3+NsbPuxcKw4nDynpXU/LMlmfestK5du/bqpUuX5nTp0iU1o/rkLE5YKSws1MKFCxW/0D3x64FNCOjXr18slDgL7J2F6yacmDsa5hjzZ/FfXZyuBfbffvtt7DEy878nnngiFrbM5szJWSfjk1ZUu8yNGzeqQ4cO+4qKinpIer3aJ+LAwAoQVgLbWiYWBoF0hJVD3V2o6CuJjXPiu0DMug+z3iX+cav4d6aYD9rOh31nMb45T+LjVYnvWaloPYmbsJLMHYb4x8ScbzqrrMaK1r/Ez6GiLykwj5E5W3yYi3d01qckjm/2N18Xbb4IwPma5WTCSqK9CVI12XiDfU30Un9skyZN3h47duzZ48aNS/3JLT9jED/Yx98dCsO3gJ133nmFq1atMl/J/e8XdVl+3VGetwKEFW+9GQ2BlAqkI6yktEBOFkgBwoo9bc3Kyppy0UUXDX/hhRfMFx2EbgtaWDF3dDp37nzAnZYgN3X8+PGl8+bNW1ZQUNA9yPNkbjUTIKzUzI+jEcioAGElo/yhHZywYk3rezVu3PjJjz/++IhmzZpZUxSFIJCMwHPPPacBAwbs2L17t3mfinmXEBsCFQoQVrgwEPCxAGHFx83zcemEFSua16xevXrrFixY0KhXr15WFEQRCCQrYNbrnHLKKd9v3769v6Tnkj2O/cIpQFgJZ9+ZdUAECCsBaaTPpkFYyXzDmjRp8vI111xz4eTJk2tlvhoqQMCdwCWXXPLdK6+8MqekpORWd0eydxgFCCth7DpzDowAYSUwrfTVRAgrGW/XuI4dO97y5ptv5ma8EgpAwKXAfffdp2nTpr2zbdu2c1weyu4hFSCshLTxTDsYAoSVYPTRb7MgrGS0Y12ys7OXfvTRR7VbtzavpGBLlYD56mLznhWzxX+1cfxXHjtjXXvttbF3odSpU6d8+MqOT1V9QTjP66+/rh49ehTt27evg6SNQZgTc0i/AGEl/caMgEDaBAgraaPlxIcQIKxk7PLIyc3N3Zifn9/ceSdHxioJ0MCJL5Y0U4t/74rzhvs777yzPJyY97G88cYbscBitlGjRpW/IDLx+DB8/XAyl4N5d9RJJ520c/PmzcMkzU/mGPZBwAgQVrgOEPCxAGHFx83zcemElcw0r3Hjxn/u16/fz+fMmZOTmQqCOaq5c/Loo48qPoyYmZo/b9KkiSoKKybgmLfeDxo0KIZyqOMJK/+6bvr37797yZIlC3bt2nVtMK8kZpUuAcJKumQ5LwIeCBBWPEBmiIMECCsZuSiGtGvX7p41a9awTiXF/Ilvuk88fWVhxjz2deGFF2rTpk367LPPdNttt6W4suCc7qGHHtKECRPWFxQUmK8pZkPAlQBhxRUXOyNglwBhxa5+hKUawornnT5D0nt///vfdeaZZ3o+eNAHNI98LVu2rNKwUVVYMT6HOj7oflXN7/3333eu2x+Z67iq/fk5AokChBWuCQR8LEBY8XHzfFw6YcXb5uXl5a2bNGlS2yFDhng7cEhGO1QYOeGEE3TWWWcd9JhXMo+BmTsv5viwry9q37594dq1a2+R9FBILimmmWIBwkqKQTkdAl4KEFa81GYsR4Cw4t21UL9+/Xk9e/Yc8OSTT9bzbtRwjcQC+/T1e9iwYUULFy58fvv27b9I3yicOegChJWgd5j5BVqAsBLo9lo7OcKKZ60Z0KJFi7nr169vEP8VuZ6NHqKBnMAyb9682KzdfnXxoY4PEeMBU12wYIGGDx++pbCwsI2kvWF1YN41FyCs1NyQMyCQMQHCSsboQz0wYcWT9reuXbv26qVLl+Z06dLFkwEZBIFUCWzcuFEdOnTYV1RU1EPS66k6L+cJpwBhJZx9Z9YBESCsBKSRPpsGYSX9DWvSpMnbY8eOPXvcuHHpH4wREEixwHnnnVe4atWqeyTdl+JTc7oQChBWQth0phwcAcJKcHrpp5kQVtLbraysrMndunUb8eKLLzZI70icHYHUC0yYMKH0oYceWlZQUNA99WfnjGEUIKyEsevMOTAChJXAtNJXEyGspLVdvRo1avTkunXrjmjWrFlaB+LkCKRa4LnnntOAAQMKd+/e3VbSt6k+P+cLpwBhJZx9Z9YBESCsBKSRPpsGYSVtDWtWr169dQsWLGjUq1evtA3CiRFIh8C3336rU0455fvt27f3l/RcOsbgnOEUIKyEs+/MOiAChJWANNJn0yCspKdhTZo0efmaa665cPLkybXSMwJnRSB9Apdccsl3r7zyypySkpJb0zcKZw6jAGEljF1nzoERIKwEppW+mghhJS3tGnfuuefe8tZbb+Wm5eycFIE0Ctx3332aNm3au9u2bTs7jcNw6pAKEFZC2nimHQwBwkow+ui3WRBWUt6xLtnZ2Us/+uij2q1bt075yTkhAukUeP3119WjR4/iffv2nSppYzrH4tzhFCCshLPvzDogAoSVgDTSZ9MgrKS0YTm5ubkb8/Pzmw8cODClJ+ZkCKRboKioSCeddNLOzZs3D5M0P93jcf5wChBWwtl3Zh0QAcJKQBrps2kQVlLXsMaNG/+5X79+P58zZ05O6s7KmRDwRqB///67lyxZsmDXrl3XejMio4RRgLASxq4z58AIEFYC00pfTYSwkrJ2DWnXrt09a9asYZ1Kykg5kVcCDz30kCZMmLC+oKDgZK/GZJxwChBWwtl3Zh0QAcJKQBrps2kQVlLTsNatW2/auHFjy9ScjbMg4K1A69atv9i4ceNlkt7zdmRGC5sAYSVsHWe+gRIgrASqnb6ZDGHFN62iUAQQQMD3AoQV37eQCYRZgLAS5u5nbu6ElczZMzICCCAQNgHCStg6znwDJUBYCVQ7fTMZwopvWkWhCCCAgO8FCCu+byETCLMAYSXM3c/c3AkrmbNnZAQQQCBsAoSVsHWc+QZKgLASqHb6ZjKEFd+0ikIRQAAB3wsQVnzfQiYQZgHCSpi7n7m5E1YyZ8/ICCCAQNgECCth6zjzDZQAYSVQ7fTNZAgrvmkVhSKAAAK+FyCs+L6FTCDMAk5YWfWX/9P2b3aEmYK5eyjQ+KhG6viz/5AJLcOmD+DfIx7aMxQCCCAQNgH+JRO2jjPfQAk4YSVQk2IyvhEgrPimVRSKAAII+FaAsOLb1lE4AtLvJ/7v53t27T0eCwQyIVC3fp1NV038z1aZGJsxEUAAAQTCIUBYCUefmSUCCBwsUF/SY5KulrQLIAQQQAABBBCwT4CwYl9PqAgBBLwRuEfSGEnTJd3izZCMggACCCCAAAJuBAgrbrTYFwEEgiJg7qpslZQtqVhSU+6uBKW1zAMBBBBAIEgChJUgdZO5IIBAsgLmrspoSbUl7ZM0g7srydKxHwIIIIAAAt4JEFa8s2YkBBCwQyD+ropTEXdX7OgNVSCAAAIIIHCAAGGFCwIBBMImEH9XxZk7d1fCdhUwXwQQQAABXwgQVnzRJopEAIEUCZi7KgWS9kvaI6lx2V/XlZQlKY+1KymS5jQIIIAAAgikQICwkgJEToEAAr4RMN/+NUnSzZIekBSVZP45OFLSVEkTyr4dzDcTolAEEEAAAQSCLEBYCXJ3mRsCCFQl4ISVqvbj5wgggAACCCCQAQHCSgbQGRIBBKwRIKxY0woKQQABBBBA4GABwgpXBQIIhFmAsBLm7jN3BBBAAAHrBQgr1reIAhFAII0ChJU04nJqBBBAAAEEaipAWKmpIMcjgICfBQgrfu4etSOAAAIIBF6AsBL4FjNBBBA4hABhhcsDAQQQQAABiwUIKxY3h9IQQCDtAoSVtBMzAAIIIIAAAtUXIKxU344jEUDA/wKEFf/3kBkggAACCARYgLAS4OYyNQQQqFKAsFIlETsggAACCCCQOQHCSubsGRkBBDIvQFjJfA+oAAEEEEAAgUoFCCtcHAggEGYBwkqYu8/cEUAAAQSsFyCsWN8iCkQAgTQKLJfUNY3n59QIIIAAAgggUAMBwkoN8DgUAQR8L8CdFd+3kAkggAACCARZgLAS5O4yNwQQqEqAsFKVED9HAAEEEEAggwKElQziMzQCCGRcgLCS8RZQAAIIIIAAApULEFa4OhBAIMwChJUwd5+5I4AAAghYL0BYsb5FFIgAAmkUIKykEZdTI4AAAgggUFMBwkpNBTkeAQT8LEBY8XP3qB0BBBBAIPAChJXAt5gJIoDAIQQIK1weCCCAAAIIWCxAWLG4OZSGAAJpFyCspJ2YARBAAAEEEKi+AGGl+nYciQAC/hcgrPi/h8wAAQQQQCDAAoSVADeXqSGAQJUCvMG+SiJ2QAABBBBAIHMChJXM2TMyAghkXoA7K5nvARUggAACCCBQqQBhhYsDAQTCLEBYCXP3mTsCCCCAgPUChBXrW0SBCCCQRgHCShpxOTUCCCCAAAI1FSCs1FSQ4xFAwM8ChBU/d4/aEUAAAQQCL0BYCXyLmSACCBxCgLDC5YEAAggggIDFAoQVi5tDaQggkHYBwkraiRkAAQQQQACB6gsQVqpvx5EIIOB/AcKK/3vIDBBAAAEEAixAWAlwc5kaAghUKUBYqZKIHRBAAAEEEMicAGElc/aMjAACmRcgrGS+B1SAAAIIIIBApQKEFS4OBBAIswBvsA9z95k7AggggID1AoQV61tEgQggkEYB7qykEZdTI4AAAgggUFMBwkpNBTkeAQT8LEBY8XP3qB0BBBBAIPAChJXAt5gJIoDAIQQIK1weCCCAAAIIWCxAWLG4OZSGAAJpFyCspJ2YARBAAAEEEKi+AGGl+nYciQAC/hcgrPi/h8wAAQQQQCDAAoSVADeXqSGAQJUChJUqidgBAQQQQACBzAkQVjJnz8gIIJB5AcJK5ntABQgggAACCFQqQFjh4kAAgTALEFbC3H3mjgACCCBgvQBhxfoWUSACCKRRgLCSRlxOjQACCCCAQE0FCCs1FeR4BBDwswBhxc/do3YEEEAAgcALEFYC32ImiAAChxAgrHB5IIAAAgggYLEAYcXi5lAaAgikXYCwknZiBkAAAQQQQKD6AoSV6ttxJAII+F+AsOL/HjIDBBBAAIEACxBWAtxcpoYAAlUKEFaqJGIHBBBAAAEEMidAWMmcPSMjgEDmBQgrme8BFSCAAAIIIFCpAGGFiwMBBMIsQFgJc/eZOwIIIICA9QKEFetbRIEIIJBGAcJKGnE5NQIIIIAAAjUVIKzUVJDjEUDAzwKEFT93j9oRQAABBAIvQFgJfIuZIAIIHEKAsMLlgQACCCCAgMUChBWLm0NpCCCQdgHCStqJGQABBBBAAIHqCxBWqm/HkQgg4H8Bwor/e8gMEEAAAQQCLEBYCXBzmRoCCFQpQFipkogdEEAAAQQQyJwAYSVz9oyMAAKZFyCsZL4HVIAAAggggEClAoQVLg4EEAizAGElzN1n7ggggAAC1gsQVqxvEQUigEAaBQgracTl1AhUITCgTZs2kzds2DBe0gK0EEAAgYoECCtcFwggEGYBwkqYu8/cMylwc15e3oS77rrriNtvv/37goKCSZKmZrIgxkYAATsFCCt29oWqEEDAGwHCijfOjIJAuUCDBg1+36pVqz6LFy/Obdmypb744gv16dOn8PPPP1+8c+fOq6BCAAEE4gUIK1wPCCAQZgHCSpi7z9y9Fsht2rTp8506dTrtmWeeqR+J/PsjSDQa1WWXXbZr5cqVH27duvXnkgq9Lo7xEEDATgHCip19oSoEEPBGgLDijTOjINChUaNGzw8ePPiYe++9N6syjptuuqnkkUce+WrHjh0msKyGDQEEECCscA0ggECYBQgrYe4+c/dKoGd2dvZTM2fOzBk6dGiVY86dO1ejRo0qKi4u7itpSZUHsAMCCARagLAS6PYyOQQQqEKAsMIlgkB6BYbm5OTMfOqpp7J79uyZ9EhLlixR3759i4uKikZJmpv0geyIAAKBEyCsBK6lTAgBBA4hMEaS+dahmyU9IMkJKyPLvologqTpCCKAQM0FsrOzpx199NGDn3322YYdOnRwfcLVq1erd+/e33399dePFBcXj3V9Ag5AAIFACBBWAtFGJoEAAkkK1JdUIKlE0h5JeZK2S6ojyTxHb/56V5LnYjcEEKhYIJKXl/fsqaee2nnRokW5ubm51XYqLCzUpZdeWvjRRx+tKCgo6F32HxiqfT4ORAAB/wkQVvzXMypGAIGaCdwjabSk2nGn2SdphqRbanZqjkYg9AIt8/Lynu/Tp8+Jjz76qPmPACnZBg0atHfx4sWfFhQUmIX3X6TkpJwEAQR8IUBY8UWbKBIBBFIoYO6ubJWUHXfOYklNuauSQmVOFUaBzvXr11986623Nr75ZvOkZWq3qVOnasqUKdt37drVR9KK1J6dsyGAgK0ChBVbO0NdCCCQToH4uyvcVUmnNOcOi8AASfPnz5+vAQPMb9OzLViwQAMHDjQnN/+3ID2jcFYEELBJgLBiUzeoBQEEvBKIv7vCXRWv1BknqAI35+XlTVi0aNERnTt3TvscV6xYYdaxfF9QUGC+LGNq2gdkAAQQyKgAYSWj/AyOAAIZFDB3V8y3g5lv/2KtSgYbwdD+FWjQoMHvW7Vq1Wfx4sW5LVu29GwiX3zxhfr06VP4+eefL965c+dVng3MQAgg4LkAYcVzcgZEAAFLBMzdlcckXc1aFUs6Qhl+Esht2rTp8506dTrtmWeeqR+JeP9xIhqN6rLLLtu1cuXKD7du3WoW3hf6CZBaEUAgOQHv/+mSXF3shQACSQi0adPm8w0bNhyfxK7sgkDKBdq0abNpw4YNrVJ+Yk5ou0CHRo0aPT948OBj7r33XvOV3xndbrrpppJHHnnkqx07dpjAsjqjxTA4AgikXICwknJSToiApwJR818X2RDIhEDZf03n3yOZwM/cmD2zs7OfmjlzZs7QoUMzV0XCyHPnztWoUaOKiouL+0paYk1hFIIAAjUW4F8yNSbkBAhkVCAWVrp27arXXnsto4UweHgELrjgAi1fvlyElfD0vGymQ3NycmY+9dRT2T179rRu8kuWLFHfvn2Li4qKRkmaa12BFIQAAtUSIKxUi42DELBGIBZWzIdG7rBY05PAF+Jcb4SVwLe6fILZ2dnTjj766MHPPvtsww4dOlg78dWrV6t3797fff31148UFxePtbZQCkMAgaQFCCtJU7EjAlYKEFasbEuwiyKsBLu/CbOL5OXlPXvqqad2XrRoUW5ubq71ky8sLDRfbVz40UcfrSgoKOgtiWdlre8aBSJQuQBhhasDAX8LEFb83T9fVk9Y8WXbqlN0y7y8vOf79Olz4qOPPlqnOifI5DGDBg3au3jx4k8LCgrMwvsvMlkLYyOAQPUFCCvVt+NIBGwQIKzY0IWQ1UBYCUXDO9evX3/xrbfe2vjmm2/27YSnTp2qKVOmbN+1a1cfSSt8OxEKRyDEAoSVEDefqQdCgLASiDb6axKEFX/1qxrVDpA0f/78+RowwPzW39uCBQs0cOBAMwnzfwv8PRuqRyB8AoSV8PWcGQdLgLASrH76YjaEFV+0qbpF3pyXlzd+0aJF9Tp37lzdc1h33IoVK8w6lt0FBQWTJU21rkAKQgCBSgUIK1wcCPhbgLDi7/75snrCii/bVmXRDRo0+H2rVq36LF68OLdly5ZV7u+3Hb744gv16dOn8PPPP1+8c+fOq/xWP/UiEFYBwkpYO8+8gyJAWAlKJ300D8KKj5qVXKm5TZs2fb5Tp06nPfPMM/XLvpI6uSN9tpf5ivfLLrts18qVKz/cunWrWXhf6LMpUO6BAs1bt269cuPGjcFL13Q6JtCmTZtNhBUuBgT8LUBY8Xf/fFk9YcWXbaus6A6NGjV6fvDgwcfce++9WYGa2SEmc9NNN5U88sgjX+3YscMEltVhmXfQ5lm3bt0HBw8efM39999fO2hzYz7SDTfcsO+RRx55mLDC1YCAvwUIK/7uny+rJ6z4sm0VFd0zOzv7qZkzZ+YMHTo0MJNKdiJz587VqFGjioqLi/tKWpLscexnjUBzSf/4xz/+oebNzW/ZgiSwZcsWHXvssWZKxxJWgtRZ5hJGAcJKGLue4TkTVjLcgNQMPzQnJ2fmU089ld2zZ8/UnNGHZ1myZIn69u1bXFRUNErSXB9OIbQlc1cl2K137qrs2bPnOsJKsHvN7IIvQFgJfo+tmyFhxbqWuCooOzt72tFHHz342WefbdihQwdXxwZx59WrV6t3797fff31148UFxePDeIcAzgn7qoEsKnOlOLvqkjaQlgJcLOZWigECCuhaLNdkySs2NUPF9VE8vLynj311FM7L1q0KDc3N9fFocHetbCw0Hy1ceFHH320oqCgoLekaLBn7O/ZcVfF3/2rqvr4uypmX8JKVWL8HAG7BQgrdvcnkNURVnzZ1pZ5eXnP9+nT58RHH320ji9n4EHRgwYN2rt48eJPCwoKzML7LzwYkiHcC3BXxb2Zb45IvKtCWPFN6ygUgUoFCCtcHJ4LEFY8J6/pgJ3r1au3ePz48Y1vvvnmmp4r8MdPnTpVU6ZM2b5r164+klYEfsI+myB3VXzWMJflJt5VIay4BGR3BCwUIKxY2JSgl0RY8VWHB0iaP3/+fA0YYH7LlozAggUL9P/bex8or64qz3fHTndBhErhD1zBuCQYMK4JJPPsfjPpodKrO7YmE0aqHzKaB+pkmlejFY02UQcaDCZEEpiYlNoxNS4aX2YUpnXRrCqErE5eG11avM6sp+lJIK+1IRIyMXQaflIpiFBORmbtX+pUDjf3V797f3X/nHPu57dWCFSde87en33r1vnevc85q1at0qb6x84k19CmEAJkVQrBXM4gcVkVxEo5sWBUCGRJALGSJU36SkQAsZIIkwuN1tU6LOjkAAAgAElEQVRqtQ2Dg4Mzuru7XbDHKxuGh4d1Hcvper2+WUS2eGV8oMaSVQk0sONuxWVVECthxxzvqkEAsVKNODvlJWLFqXDEGtPZ2fnQ/Pnze4aGhrrmzeNw73YjdvToUenp6Rk5cuTI0Ojo6M3t9sN1mRAgq5IJRjc7aZZVQay4GS+sgkAaAoiVNLRomwkBxEomGPPqpGvOnDl7lyxZctXu3btnaqz4TI3AuXPnZPny5af279//1PHjx3Xh/cjUeuTqdgiQVWmHmj/XNMuqIFb8iSGWQqAZAcQK90bhBBArhSNPOuDiWbNm7e3t7X3L1q1bL0x6Ee2SEVi7du0r27Zte+HkyZMqWA4ku4pWGREgq5IRSBe7mSyrglhxMWLYBIF0BBAr6XjROgMCiJUMIGbfxdKOjo5d/f390/r6+rLvnR4bBAYGBmTNmjVnx8bGVojIPrAUQ4CsSjGcyxplsqwKYqWsqDAuBLIjgFjJjiU9JSSAWEkIqrhmfdOmTevftWtXx9KlS4sbtaIj7du3T1asWDF29uzZNapfKoqhSLfJqhRJu+CxWmVVECsFB4ThIJADAcRKDlDpcnICiBV37pCOjo57586d27tnz56LFy9e7I5hgVty4MABWbZs2UvHjh3bNjY29tnA3S3VPbIqpeLPffBWWRXESu4hYAAI5E4AsZI7YgaIEkCsOHFPXFCr1fYsWrSoe3BwsKurq8sJo6pkxMjIiG5tPHLw4MHher2+TETOVcn/gnwlq1IQ6DKGSZJVQayUERnGhEC2BBAr2fKktwQEECsJIOXbZF6tVtvb09Nz+fbt26fnOxS9tyKwevXqM0NDQ8/U63VdeH+0VXu+n5wAWZXkrHxsmSSrgljxMbLYDIHzCSBWuCMKJ4BYKRy5PWD3jBkzhjZs2PCmdevWlWoIg79GYMuWLbJ58+ZfnD59ukdEhmGTCQGyKplgdLOTpFkVxIqb8cMqCKQhgFhJQ4u2mRBArGSCsZ1OVorIjh07dsjKlfpXPi4R2Llzp6xatUpN0j92umSbj7aQVfExasltTppVQawkZ0pLCLhKALHiamQCtguxUkpw19VqtQ2Dg4Mzuru7SzGAQVsTGB4e1nUsp+v1+mYR2dL6Clo0IZAqq/LTn/5UPvjBD8qTTz7Z6O6b3/ymEY6pAO/fv1++8Y1vSH9/v0yf/lqFpfa/fft2ufPOO8/7ut35mTNn5POf/7ysXr1arrjiithxtZ+HH35Yt79uapex4e6775b169fLhz/8YVmyZElLPwyDSy65RN9oSK1Wa3lNWQ3SZFUQK2VFiXEhkB0BxEp2LOkpIQHESkJQGTXr7Ox8aP78+T1DQ0Nd8+bNy6hXusmLwNGjR6Wnp2fkyJEjQ6OjozfnNU7I/abJqujk/q677pqYoKtoUDFw7bXXtiVY4rhmJVbU1scee0xuv/32luEzfiQVKypQ9DOe3WvZf5kN0mRVECtlRoqxIZANAcRKNhzpJQUBxEoKWFNr2jVnzpy9S5YsuWr37t0zlTsfPwicO3dOli9ffmr//v1PHT9+XBfej/hhuRNWpsqqqFC57rrrzss+1Ot1OXHiRCPDoX/XCfwjjzwiV199tXzrW99qOGlnSowYueGGG+Tb3/52I7Py3HPPTWRrPvvZV3enjmZWjKD42te+JjfddJNcfPHFDaGk46pdGzdubFynmR7t29ixadOmhmCx23z0ox9tjPvEE080sjt2ZuWd73zn63ywszcqgkzG9etf/7r83d/9XWPcRx99dMJfk3m6/vrrG8JOPxs2bGjYetttt4l+XW36+Mc/3shQaZYwSUYn7R2TNquCWElLmPYQcI8AYsW9mARvEWKlkBAvnjVr1t7e3t63bN269cJCRmSQzAmsXbv2lW3btr1w8uRJFSwHMh8gwA7TZFVUiHziE5+QO+64I7b0KpqdMFkYFSpf/vKXJ0q2jOBRnFGhoBN2ndz/8Ic/fF15mH79Zz/7WWOSr4Lnk5/8pHzlK1+RH/3oR43ImCyHipAbb7yxIaBMZiVacjaZDc8+++xEf82yM0aALF++/LzMUpSR8UVt1pI1zdyonTq+CglbMEXL4bK43dJmVRArWVCnDwiUSwCxUi7/So6OWMk97Es7Ojp29ff3T+vr68t9MAbIl8DAwIBOHs+OjY2tEJF9+Y7mfe+psiqt1onoRF2zB5s3b26s4bDbG0GhGQ/T5ic/+UlDrOjPnU7qTSYlrgwsOrb9b83OmKyKiYhmVy677LLzysCia200mxEnmPRrJnPSLOMRFSumfCxqu2Hy6U9/umGjEXp2GVmSsrd27rR2siqIlXZIcw0E3CIQvFhp9kYrizDYb8Wy6C+vPvJk0I7NiJV2qCW+pm/atGn9u3bt6li6dGnii2joNoF9+/bJihUrxs6ePasrqwfctrY869JkVYyVcWVgOtnWSbiWW913332xYkWv1wzLe97zHnn88ccb2RGT7chCrERL03Q8OysSXWvTKrtjrlfRYkq57EX0PoiVdrIqiJXyfh4ZGQJZEWhLrOhD7UMf+tCEDfqQ/sd//EfRutu4j3mTY9fnarvJalpNLa6pEW62O4pds2va/uAHP9B6b9G3XPpgNrW89u4sUwVoGJjaYbs/u/43Ok4rf6Zqlw/XI1ZSRWmmiJxKckVHR8e9c+fO7d2zZ8/FixcvTnIJbTwicODAAVm2bNlLx44d2zY2NvbqIohkn2tE5PFkTb1ulSqrYjydbIG9KYkyWQa77UUXXdTYvUvXZ2iGQcu9mu3E1U4ZmCkbUzt1HYvaoB9TBmZnMsy6GrPwPlqKZpeBRbNFhkMzsTJZGdhnPvOZwjIr7WZVECte/0xjPAQaBNoSK3qh/XA0i+jiHshGTNjCZLKJvvZtUtvXXHPN62p8TdzM+JoWN3WxRgzpWy5dBKkCJ8+swmSZlWY7sQwNDYkudmwmvrK4L7dt29YQa65uPYlYSRxlnXx9X0R2icjdk4iWC2q12p5FixZ1Dw4OdnV1dSUeoMyG+mx4+9vfft7uQ/bLB2Ob2Ua2VWmJfW3cm+Oor+1u8Voms5GREd3aeOTgwYPD9Xp9mT7DJ7HnX4qInvypYuVfiMiPy7Q977HbyarYgsXe0tveujhugb15fkeFjr2OJOsF9rouxPxufP/73y+33HLLxKJ5vd/1vze/+c2NUrGoWHnXu97VEDzmhWLci8JmYsX+nazCzF5gb6/3ybsMrN2sCmIl7588+odA/gQyFStxe8ybB71ZhKcumVT2X/7lX06ICttVndBrm9HR0VixYoSAXhO3gM8WBK6JlbxDGv3lmfd47fSPWElF7Xsicq2IvKK3e4xomVer1fb29PRcvn379tcOdkg1RPGN9bmwdetWmTt3rnzsYx+bOHsiWpJjv9VVK+POqojbajbJz4GPYsVEavXq1WeGhoaeqdfruvD+aCSCeqjkn4qI7lM9TQ8CFRFft0C+T0SeEpH/1OIubSurUvydz4jtEJhKVgWx0g5xroGAWwRyFysmi2K/ydFJwi9/+UtRsXLppZeet2e8Tk52794tmmKP2z3Ffsuj20G22hN+smyP9mVKxNQesy2k2mpv9Wjbbt7e6nX6turFF1+M3fM+mlkxfvX29p63FWazsYzdOpG7+eabX7cVpL2w0pSW6YJPuzzPvB1Um/VjSgTiFmVGs2PNxs3i9kWspKL4z0REBctFIvKr8TfpRrRcPWPGjKENGza8ad06fYHuz8e8hVWL9U2wuf/i1g+Yr82ePTtWrDTLuOjX9Rp9lthvlU3pps9iRblt2bJF11L84vTp0z36DkhEPi4i68cFyqzxu0EzL28XkVe3g/Lvo369S0R+Mp4leiTOhalkVfxDUj2Lp5JVQaxU737B4/AIZC5Woqdjx5Vj6CTBfHRPdlOypV8zWRGdeDcTK2ZNSJJ93KNixS7dimZojGDRSb1OnqKlbnZfJsWv6fi4A7qi63PUN3t9S7Rv+99aX2xEhxFTKuAMDx3bbHFp9uO3t4y0DziLltxF649tlq3GzWrNT0SshPdTlb1H/1NEfsPq9n+IyJ6FCxf+9nvf+97LHnjggexHzLFH/dn44he/2Chj0a1Y7WxJO5mVVhtdRH/mzSnhOnbcNrM5up5511qG8+ijjz576NAhXZPyf4hIR2QQPZ/lv4nI2Rz/G8vcsdc6VLH+mIi8UUROj4syPRHx/7PGJKuSYwDK7nqqWRXEStkRZHwITJ1A5mJFf/nbpVlmsmzXABuxYupoTXZFJ9IPPvig6KI9e3IenSTHZWuaobAFhoqR6J769t72+hZWsytxYkUzLdFr06xZsTMrautkYiVuX37bD2Vj9uaP+h1X/mJnVuJsjn7fFol5lNGRWUn1gxtcZsXe0Si6fWs7a1aSnOptb3phMpG+i5VIZuUZEbljvNzrt6w7TL/+f41nW7QkLI//dLw8xdA949kV45aOtUdEvqBnz5BVSfU88a7xVLMqiBXvQo7BEHgdgdzFio6oExCdLOjEVxd9G7Fidk8x2RWdPOhnskO09PvtZlaiGYmoaDClX3FiRYWMnc3Qa9OIlSj5qYgVfSsdXZhs+m8lVqIlYcYPI1CiIhGxUvpTI7g1K3GCxD6RO27LVo3CZOVecWtZzAJ+vdbeWSmEzMoka1auHJ/Ev2c8GzEqIu8Xkb/O8U5+Q04iyAirfyoiumvEb1o+qGBRnz4mIs8///zzjZJiPmERyCKrglgJ657Am2oSKEys2IvpbbFiJu1XXXWVLFiwoLE9o2ZSJpskt1pgb/cfzaxo5sRe7G+XRU2WWXFJrEw1s6LZLyMco6IrrmyuWTleuz8yZFYSkwtuN7A4wWFvpaqZ1bRipdUCe7tPO5PqY2YlxW5g3SKiGYn/XXWeiFyd+K5zq+ElKkasMsiTIqJlZ7o73lcvuuiiL/f29v67L33pS3Y2yS0PsKZtAllkVRArbePnQgg4QyBTsRInMEwWxF6voe3sRbVxpWKt3ug32944WhIS7UffttrCyc6ORHcuM3ZptL773e+KniqsHy1zsxfkx521Ere1sx31ycbStTi6fqRZOZZZL/PVr351YmGy2a5Yz5ZRH//8z/9cfvzjH0tPT0/j3/rRjJG99aX+u9ke+qaUr1Uc2rmTESupqAV1zkrcAnojmPX/Wt6YVqzoddE1YvZaOXtDCV0D1tnZ2fi50I9Pa1baPGdFtzfWLMutqe46dxr/RxFZPV5m9ty4SNHdzfTjxFqVVmum3EGZ3JI4n+LOD7M3qNmwYcPE4ZnJR2reMqusCmIli2jQBwTKJdCWWLEn8WYSPNmhkGYyH51QmK/bb1a1P7Mrl/59skMU7f3vDcaoKIouVNesjV2GEj0w0vbt/vvvl0ceeeR1a1j0a2Zf+9OnT79ugX30od7sUMpmY0UXuuvaHu1DP6avJ554onHgpfmYzQYMk3/4h39obFygAksPLNOPYdNsNzDbHrPbWXTcLBbZI1Zy/aHnBPtc8ZbTeUVPsNeSNt04QDcI0CzRwzZ91qrkcy+aDTC0d90Ew5zXFbc2zJRa3nDDDZK1WMkqq4JYyec+oVcIFEmgLbFSpIGMFR4BxEruMV3a0dGxq7+/f1pfX1/ugzFAvgQGBgZ06+WzY2NjK0RkX76jOde7HmipgiX6ySyrEp2Em3/rRi+TbXmtL5V0faWuHzQbntgvfOyXcfbmLPZ49oszexMa29m4PrUP3TlTzyLTgx7tF2LNbFAxoR9tP9lLQGOfZjjVR3M8QJxYMV9TUWOLlSR+TXanZZlVQaw49zONQRBITQCxkhoZF0yVAGJlqgQTXb941qxZe3t7e9+ydevWCxNdQSPnCKxdu/aVbdu2vXDy5Ek9/PGAcwaWZFCWWRU7s69n8pgNGHT7fCNC7F3rdK1TdHt4U75odsNULCp0rr32WtGsQ5xY+cAHPjCxbbeWFcdlJsxZQFqWa/epZdT2tv8mw6Fff+yxxyay/abk2mweY9ZrTla6pmPdeOONjTOKbJuSZlbs7cib+dXqtskyq4JYaUWb70PAfQKIFfdjFJyFiJXCQto1Z86cvUuWLLlq9+7dM5U7Hz8InDt3TpYvX35q//79Tx0/flyFip6XwudVApllVQzQZgePTrbltb2uT8WKZlj0E81EaNYhTqzo103Jc9y6R+1LRUVcn5r1sEWJERJqg30wsF6rfTezIXpGWHQDDHuNWdI1K8ZeLZdu5tdkN3LWWRXECo8NCPhPALHifwy98wCxUmzIOjs7H5o/f37P0NBQ17x584odnNFSEzh69KhuADBy5MiRodHR0ZtTdxD4BVlmVQwqe7JvJtv25iL6teiW11MVK0Yo2GsvowcdtyNWbHFj/Is7DNgWO6ZddD2qft1eJxl3jbaxs1Nmjctkfk12i2adVUGsBP5AwL1KEECsVCLMbjmJWCklHutqtdqGwcHBGfbGDKVYwqBNCehk9Y/+6I9O1+v1zSKyBVSvI5B5VsVMtjX7oRmtO++8U6644opGqZfZmS5uy+uoWNG2cWVgy5cvb5SEaQmWrnExuzPaZWBm45foTniTlYHZpWh2GVjc15uVotmZlTjBES1/SyJW7DKwZn41u6/zyKogVniKQMB/AogV/2PonQeIldJCtvLVypIdsnKl/pWPSwR27txpSohWichOl2xzxZY8sip2VsHeLr7VltdRsaIT/7jF7dq/XUKlC9xffvnlhoBp1t7m3WyBvZZYvfjii/Lkk0+eV26VdpG/7b/+3ZSxma/bC+6TiBXNrCTxK+6eyiOrglhx5acXOyDQPgHESvvsuLJNAoiVNsFlc1n3jBkzhjZs2PCmdevWZdMjvUyZwJYtW/SMil+cPn1aD4AZnnKHYXaQS1bFR1R2xiWL7eRdYJBXVgWx4kJ0sQECUyOAWJkaP65ugwBipQ1o2V4yr1ar7e3p6bl8+/bt07Ptmt7SEli9evWZoaGhZ+r1ui6kP5r2+qq0zzOr4hvDEMVKXlkVxIpvdzf2QuD1BBAr3BWFE0CsFI48bsALarXankWLFnUPDg52dXV1OWFUlYwYGRnR9SkjBw8eHK7X63rS/Lkq+Z/SV7IqKYH51DzPrApixac7AVshEE8AscKdUTgBxErhyJsO2NHRce/cuXN79+zZc/HixYvdMSxwSw4cOCDLli176dixY9vGxsY+G7i7U3aPrMqUETrdQZ5ZFcSK06HHOAgkIoBYSYSJRlkSQKxkSTOTvvqmTZvWv2vXro6lS5dm0iGdNCewb98+WbFixdjZs2fXiMgArFoSIKvSEpG/DfLOqiBW/L03sBwChgBihXuhcAKIlcKRJxlwaUdHx67+/v5pfX19SdrTpg0CAwMDugvU2bGxsRUisq+NLip3CVmVsEOed1YFsRL2/YN31SCAWKlGnJ3yErHiVDhsYxbPmjVrb29v71u2bt16obNWemrY2rVrX9m2bdsLJ0+e1IX0Bzx1o2izyaoUTbzA8YrIqiBWCgwoQ0EgJwKIlZzA0m1zAogVp++Orjlz5uxdsmTJVbt3756pseIzNQJ60ODy5ctP7d+//6njx4+rUBmZWo/VuZqsStixLiKrglgJ+x7Cu2oQQKxUI85OeYlYcSocscZ0dnY+NH/+/J6hoaGuefPmuW+woxYePXpUenp6Ro4cOTI0Ojp6s6NmumoWWRVXI5OBXUVlVRArGQSLLiBQMgHESskBqOLwiBVvor6uVqttGBwcnNHd3e2N0a4YOjw8rFsTn67X65tFZIsrdvliB1kVXyLVnp1FZVUQK+3Fh6sg4BIBxIpL0aiILYgVrwK9UkR27NixQ1au1L/ySUJg586dsmrVKm2qf+xMcg1tziNAViXgG6LIrApiJeAbCdcqQwCxUplQu+MoYsWdWCS0pHvmzJlD69evf9O6desSXlLdZlu2bJHNmzf/4vTp0z0iMlxdEu17TlalfXY+XFlkVgWx4sMdgY0QmJwAYoU7pHACiJXCkWcx4Lxarba3p6fn8u3bt0/PosMQ+1i9evWZoaGhZ+r1ui6kPxqijwX4RFalAMhlDVF0VgWxUlakGRcC2RFArGTHkp4SEkCsJATlXrMLarXankWLFnUPDg52dXV1uWdhSRaNjIzo+pSRgwcPDtfr9WUicq4kU7wflqyK9yGc1IGisyqIlbDvJ7yrBgHESjXi7JSXiBWnwpHamI6Ojnvnzp3bu2fPnosXL16c+vrQLjhw4IAsW7bspWPHjm0bGxv7bGj+FewPWZWCgRc5XBlZFcRKkRFmLAjkQwCxkg9Xep2EAGIliNujb9q0af27du3qWLp0aRAOtePEvn37ZMWKFWNnz55dIyID7fTBNa8RIKsS9t1QRlYFsRL2PYV31SCAWKlGnJ3yErHiVDimYszSjo6OXf39/dP6+vqm0o+X1w4MDMiaNWvOjo2NrRCRfV464ZbRZFXcikem1pSVVUGsZBpGOoNAKQQQK6Vgr/agiJWg4r941qxZe3t7e9+ydevWC4PybBJn1q5d+8q2bdteOHnypC6kP1AVv/P0k6xKnnTL77usrApipfzYYwEEpkoAsTJVglyfmgBiJTUy1y/omjNnzt4lS5ZctXv37pka31A/586dk+XLl5/av3//U8ePH1ehMhKqrwX7NXPBggUHDh8+PK/gcRmuIAILFiw4evjw4SUi8vOChpwYJtwnUtEkGQ8C5RBArJTDvdKjIlbCDH9nZ+dD8+fP7xkaGuqaNy+8OefRo0elp6dn5MiRI0Ojo6M3hxlFvIJAeAQQK+HFFI+qRQCxUq14O+EtYsWJMORlxLparbZhcHBwRnd3d15jFN7v8PCwbk18ul6vbxaRLYUbwIAQgEDbBBArbaPjQgg4QQCx4kQYqmUEYiX4eK8UkR07duyQlSv1r35/du7cKatWrVIn9I+dfnuD9RCoHgHESvVijsdhEUCshBVPL7xBrHgRpqka2T1z5syh9evXv2ndunVT7au067ds2SJ33333L06dOtUjIsOlGcLAEIBA2wQQK22j40IIOEEAseJEGKplBGKlMvGeV6vV9vb09Fy+ffv26b55vXr16jNDQ0PP1Ot1XUh/1Df7sRcCEHiVAGKFOwECfhNArPgdPy+tR6x4GbZ2jb6gVqvtWbRoUffg4GBXV1dXu/0Udt3IyIiuTxk5ePDgcL1eXyYi5wobnIEgAIHMCSBWMkdKhxAolABipVDcDNZ4y3XBBaJbwI5vccvvkQrcFh0dHffOnTu3d8+ePRcvXrzYWY8PHDggy5Yte+nYsWPbxsbGPuusoRgGAQgkJsAvmcSoaAgBJwk0xMof/MEfyPe//30nDcSo8Aj8/u//vnzve99DrIQX2lYe9U2bNq1/165dHUuXLm3VtvDv79u3T1asWDF29uzZNSIyULgBDAgBCORCALGSC1Y6hUBhBBpihQ8EyiBAZqUM6qWPubSjo2NXf3//tL6+vtKNMQYMDAzImjVrzo6Nja0QkX3OGIYhEIDAlAkgVqaMkA4gUB6BhQsXHjl06NBl5VnAyFUmsHDhwmcPHTo0v8oMKur74lmzZu3t7e19y9atWy8sm8HatWtf2bZt2wsnT57UhfQHyraH8SEAgWwJIFay5UlvEIAABCAAgSoQ6JozZ87eJUuWXLV79+6Z41m2Qv3WrPLy5ctP7d+//6njx4+rUBkp1AAGgwAECiGAWCkEM4NAAAIQgAAEwiPQ2dn50Pz583uGhoa65s2bV5iDR48elZ6enpEjR44MjY6O3lzYwAwEAQgUTgCxUjhyBoQABCAAAQgERWBdrVb73ODg4Bu7u7tzd2x4eFi3Jn65Xq9/QUS25D4gA0AAAqUSQKyUip/BIQABCEAAAkEQWCkiO3bs2CErV+pf8/ns3LlTVq1apZ3rHzvzGYVeIQABlwggVlyKBrZAAAIQgAAE/CXQPXPmzKH169e/ad26dZl7sWXLFrn77rt/cerUqR4RGc58ADqEAAScJIBYcTIsGAUBCEAAAhDwksC8Wq22t6en5/Lt27dPz8qD1atXnxkaGnqmXq/rQvqjWfVLPxCAgPsEECvuxwgLIQABCEAAAj4RuKBWq+1ZtGhR9+DgYFdXV1fbto+MjOj6lJGDBw8O1+v1ZSLCwVJt0+RCCPhJALHiZ9ywGgIQgAAEIOA0gY6Ojnvnzp3bu2fPnosXL16c2tYDBw7IsmXLXjp27Ni2sbGxz6bugAsgAIEgCCBWgggjTkAAAhCAAAScJNA3bdq0/l27dnUsXbo0sYH79u2TFStWjJ09e3aNiAwkvpCGEIBAcAQQK8GFFIcgAAEIQAACThFY2tHRsau/v39aX19fS8MGBgZkzZo1Z8fGxlaIyL6WF9AAAhAImgBiJejw4hwEIAABCEDACQKLZ82atbe3t/ctW7duvbCZRWvXrn1l27ZtL5w8eVIX0h9wwnKMgAAESiWAWCkVP4NDAAIQgAAEKkOga86cOXuXLFly1e7du2decMFrU5Bz587J8uXLT+3fv/+p48ePq1AZqQwVHIUABCYlgFjhBoEABCAAAQhAoDACnZ2dD82fP79naGioa968eXL06FHp6ekZOXLkyNDo6OjNhRnCQBCAgBcEECtehAkjIQABCEAAAkERWFer1T63adOmN27cuPHler3+BRHZEpSHOAMBCGRCALGSCUY6gQAEIAABCEAgJYGVCxcu3Hzo0KENIrIz5bU0hwAEKkIAsVKRQOMmBCAAAQhAwGECKlY2ishhh23ENAhAoAQCiJUSoDMkBCAAAQhAAAITBP5YRB4UkSER+SBcIAABCNgEECvcDxCAAAQgAAEIlEngJyJyhYicEZHrROTxMo1hbAhAwC0CiBW34oE1EIAABCAAgSoReJ+I7BCRmeNOf1dE/rBKAPAVAhCYnABihTsEAhCAAAQgAIGyCAyLyBJr8NMiskpE9pRlEONCAAJuEUCsuBUPrIEABCAAAd8Q3u4AACAASURBVAhUhcA1IvL/iMiMiMN/JyL/pCoQ8BMCECCzwj0AAQhAAAIQgIB7BP5SRJaLyK9E5KXxU+svEZELReTTIjLgnslYBAEIFE2AzErRxBkPAhCAAAQgAIHLReQpEfm+iKwd37b42yLyvIj8BxE5xs5g3CQQgIASQKxwH0AAAhCAAAQgUAaBPxCR740P/J9ERBfX/+cyDGFMCEDAXQKIFXdjg2UQgAAEIACBqhD4jyLytyLytao4jJ8QgEAyAoiVZJxoBQEIQAACEIBAfgTuF5H/LiL9+Q1BzxCAgI8EECs+Rg2bIQABCEAAAmER2CwiL4vI3WG5hTcQgMBUCSBWpkqQ6yEAAQhAAAIQmCqBDSIyXUQ+N9WOuB4CEAiLAGIlrHjiDQQgAAEIQMBHAreJyKXjWxb7aD82QwACORFArOQElm4hAAEIQAACEEhM4GMicrWI9CW+goYQgEAlCCBWKhFmnIQABCAAAQg4TeDfiIhuZXyz01ZiHAQgUDgBxErhyBkQAhCAAAQgAIEIgX8tIvrfByADAQhAwCaAWOF+gAAEIAABCECgbAL/SkQ+KiLvK9sQxocABNwigFhxKx5YAwEIQAACEKgigetEZL2I/GEVncdnCECgOQHECncHBCAAAQhAAAJlE/hdEblPRP5F2YYwPgQg4BYBxIpb8cAaCEAAAhCAQBUJ6E5gD4nI/1ZF5/EZAhAgs8I9AAEIQAACEICAuwTeISLfEZEr3DURyyAAgTIIkFkpgzpjQgACEIAABCBgE3iriPy/IvI2sEAAAhCwCSBWuB8gAAEIQAACECibQE1Efiois8s2hPEhAAG3CCBW3IoH1kAAAhCAAASqSOAiETkuIm+sovP4DAEINCeAWOHugAAEqk7geyLy+1WH4KH/3yduHkZtcpM1prqF8bngPMMhCECgbQKIlbbRcSEEIBAIAZ0Y8SwMJJi4AQEIQAACYRHgF3RY8cQbCEAgPQHESnpmXAEBCEAAAhAohABipRDMDAIBCDhMALHicHAwDQIQgAAEqk0AsVLt+OM9BCDwan08z0LuBAhAAAIQgICDBPgF7WBQMAkCECiUAGKlUNwMBgEIQAACEEhOALGSnBUtIQCBMAkgVsKMK15BAAIQgEAABBArAQQRFyAAgSkRQKxMCR8XQwACEIAABPIjgFjJjy09QwACfhBArPgRJ6yEAAQgAIEKEkCsVDDouAwBCJxHALHCDQEBCEAAAhBwlABixdHAYBYEIFAYAcRKYagZCAIQgAAEIJCOAGIlHS9aQwAC4RFArIQXUzyCAAQgAIFACCBWAgkkbkAAAm0TQKy0jY4LIQABCEAAAvkSQKzky5feIQAB9wkgVtyPERZCAAIQgEBFCSBWKhp43IYABCYIIFa4GSAAAQhAAAKOEkCsOBoYzIIABAojgFgpDDUDQQACEIAABNIRQKyk40VrCEAgPAKIlfBiikcQgAAEIBAIAcRKIIHEDQhAoG0CiJW20XEhBCAAAQhAIF8CiJV8+dI7BCDgPgHEivsxwkIIQAACEKgoAcRKRQOP2xCAwAQBxAo3AwQgAAEIQMBRAogVRwODWRCAQGEEECuFoWYgCEAAAhCAQDoCiJV0vGgNAQj4T+DTIvIFEVknIl8WESNWPiUiW0TkcyJyn/9u4gEEIAABCEDAfwKIFf9jiAcQgEA6AjNFpC4ir4jIL0WkJiK/EJHpInLh+L9PpeuS1hCAAAQgAAEI5EEAsZIHVfqEAARcJ3CPiNwmIr9lGforEblfRP7UdeOxDwIQgAAEIFAVAoiVqkQaPyEAAZuAZleOi0iH9cUxEZkjImRVuFcgAAEIQAACjhBArDgSCMyAAAQKJ2BnV8iqFI6fASEAAQhAAAKtCSBWWjOiBQQgECYBO7tCViXMGOMVBCAAAQh4TgCx4nkAMR8CEJgSAc2u6O5guvsXa1WmhJKLIQABCEAAAtkTQKxkz5QeIQABfwhoduX/FpF/y1oVf4KGpRCAAAQgUB0CiJXwY32HiHw+fDfxEAIQgAAEIOAUgTtFRH8H84EABKZAALEyBXgeXcoJ3R4FC1MhAAEIQAACEIAABF4lgFipxp2AWKlGnPEyHYF/LyKd4yfWp7uS1hCAAAQmJ8DzhTsEAhkRQKxkBNLxbhArjgcI80ohoJMJPb1+bSmjMygEIBAyAZ4vIUcX3wolgFgpFHcpg2mMf00WrRT2DOo2ASYTbscH6yDgMwGeLz5HD9udIoBYcSocuRijMf6fIvKGXHqnUwj4S4DJhL+xw3IIuE6A54vrEcI+bwggVrwJVduGIlbaRseFgRNgMhF4gHEPAiUS4PlSInyGDosAYiWseMZ5g1gJP8Z42B4BJhPtceMqCECgNQGeL60Z0QICiQggVhJh8roRYsXr8GF8jgSYTOQIl64hUHECPF8qfgPgfnYEECvZsXS1J8SKq5HBrrIJ6C5gs0RkXdmGMD4EIBAcAZ4vwYUUh8oigFgpi3xx4yJWimPNSH4RYDLhV7ywFgI+EeD54lO0sNVpAogVp8OTiXG6C9gr7AaWCUs6CYsAk4mw4ok3EHCJAM8Xl6KBLV4TQKx4Hb5ExqtY+R8i8huJWtMIAtUhwGSiOrHGUwgUTYDnS9HEGS9YAoiVYEM74RhiJfwY42F7BJhMtMeNqyAAgdYEeL60ZkQLCCQigFhJhMnrRogVr8OH8TkSYDKRI1y6hkDFCfB8qfgNgPvZEUCsZMfS1Z4QK65GBrvKJsBkouwIMD4EwiXA8yXc2OJZwQQQKwUDL2E4xEoJ0BnSCwJMJrwIE0ZCwEsCPF+8DBtGu0gAseJiVLK1CbGSLU96C4eAnq9ysYj8aTgu4QkEIOAIAZ4vjgQCM/wngFjxP4atPNBdwH7FbmCtMPH9ChJgMlHBoOMyBAoiwPOlINAMEz4BxEr4MVaxMiYiF4bvKh5CIBUBJhOpcNEYAhBIQYDnSwpYNIXAZAQQK+HfH4iV8GOMh+0RYDLRHjeuggAEWhPg+dKaES0gkIgAYiURJq8bIVa8Dh/G50iAyUSOcOkaAhUnwPOl4jcA7mdHALGSHUtXe0KsuBoZ7CqbAJOJsiPA+BAIlwDPl3Bji2cFE0CsFAy8hOEQKyVAZ0gvCDCZ8CJMGAkBLwnwfPEybBjtIgHEiotRydYmxEq2POktHAK6ZfFMEVkfjkt4AgEIOEKA54sjgcAM/wkgVvyPYSsPECutCPH9qhJgMlHVyOM3BPInwPMlf8aMUBECiJXwA61bFp8Rkd8M31U8hEAqAkwmUuGiMQQgkIIAz5cUsGgKgckIIFbCvz8QK+HHGA/bI8Bkoj1uXAUBCLQmwPOlNSNaQCARAcRKIkxeN0KseB0+jM+RAJOJHOHSNQQqToDnS8VvANzPjgBiJTuWrvaEWHE1MthVNgEmE2VHgPEhEC4Bni/hxhbPCiaAWCkYeAnDIVZKgM6QXhBgMuFFmDASAl4S4PniZdgw2kUCiBUXo5KtTYiVbHnSWzgEdMviN4rIhnBcwhMIQMARAjxfHAkEZvhPALHifwxbeYBYaUWI71eVAJOJqkYevyGQPwGeL/kzZoSKEECshB9o3bL4ZRH5rfBdxUMIpCLAZCIVLhpDAAIpCPB8SQGLphCYjABiJfz7A7ESfozxsD0CTCba48ZVEIBAawI8X1ozogUEEhFArCTC5HUjxIrX4cP4HAkwmcgRLl1DoOIEeL5U/AbA/ewIIFayY+lqT4gVVyODXWUTYDJRdgQYHwLhEuD5Em5s8axgAoiVgoGXMBxipQToDOkFASYTXoQJIyHgJQGeL16GDaNdJIBYcTEq2dqEWMmWJ72FQ4DJRDixxBMIuEaA54trEcEebwkgVrwNXWLDESuJUdGwYgT0fJXpIvK5ivmNuxCAQP4EeL7kz5gRKkIAsRJ+oHXL4lMi0hG+q3gIgVQEmEykwkVjCEAgBQGeLylg0RQCkxFArIR/fyBWwo8xHrZHgMlEe9y4CgIQaE2A50trRrSAQCICiJVEmLxuhFjxOnwYnyMBJhM5wqVrCFScAM+Xit8AuJ8dAcRKdixd7Qmx4mpksKtsAkwmyo4A40MgXAI8X8KNLZ4VTACxUjDwEoZDrJQAnSG9IMBkwoswYSQEvCTA88XLsGG0iwQQKy5GJVubECvZ8qS3cAgwmQgnlngCAdcI8HxxLSLY4y0BxIq3oUtsOGIlMSoaVoyAblmsu+TdXjG/cRcCEMifAM+X/BkzQkUIIFbCD7ROxl4SkWnhu4qHEEhFgMlEKlw0hgAEUhDg+ZICFk0hMBkBxEr49wdiJfwY42F7BJhMtMeNqyAAgdYEeL60ZkQLCCQigFhJhMnrRogVr8OH8TkSYDKRI1y6hkDFCfB8qfgNgPvZEUCsZMfS1Z4QK65GBrvKJsBkouwIMD4EwiXA8yXc2OJZwQQQKwUDL2E4xEoJ0BnSCwJMJrwIE0ZCwEsCPF+8DBtGu0gAseJiVLK1CbGSLU96C4cAk4lwYoknEHCNAM8X1yKCPd4SQKx4G7rEhiNWEqOiYcUI6JbFvykiGyvmN+5CAAL5E+D5kj9jRqgIAcRK+IFWsTIiItPDdxUPIZCKAJOJVLhoDAEIpCDA8yUFLJpCYDICiJXw7w89X+UkYiX8QONhagJMJlIj4wIIQCAhAZ4vCUHRDAKtCCBWWhHy//uIFf9jiAf5EGAykQ9XeoUABER4vnAXQCAjAoiVjEA63A1ixeHgYFqpBJhMlIqfwSEQNAGeL0GHF+eKJIBYKZJ2OWMhVsrhzqjuE2Ay4X6MsBACvhLg+eJr5LDbOQKIFedCkrlBiJXMkdJhIASYTAQSSNyAgIMEeL44GBRM8pMAYsXPuKWxGrGShhZtq0RAtyz+DRH5fJWcxlcIQKAQAjxfCsHMIFUggFgJP8oqVn4hIheF7yoeQiAVASYTqXDRGAIQSEGA50sKWDSFwGQEECvh3x96vkodsRJ+oPEwNQEmE6mRcQEEIJCQAM+XhKBoBoFWBBArrQj5/33Eiv8xxIN8CDCZyIcrvUIAAiI8X7gLIJARAcRKRiAd7gax4nBwMK1UAkwmSsXP4BAImgDPl6DDi3NFEkCsFEm7nLEQK+VwZ1T3CTCZcD9GWAgBXwnwfPE1ctjtHAHEinMhydwgxErmSOkwEAJMJgIJJG5AwEECPF8cDAom+UkAseJn3NJYjVhJQ4u2VSKgWxbrM/COKjmNrxCAQCEEeL4UgplBqkAAsRJ+lFWsnBCRN4bvKh5CIBUBJhOpcNEYAhBIQYDnSwpYNIXAZAQQK+HfH3q+ynHESviBxsPUBJhMpEbGBRCAQEICPF8SgqIZBFoRQKy0IuTn99eKyOdE5NMi8k1LrHxKRLaIyCdEZLufrmE1BDIjwGQiM5R0BAEIRAjwfOGWgEBGBBArGYF0rJtLROQFERkTkRERmSMiL4mIloSdE5FZIvIrx2zGHAgUQeBSEfn5+EDRyYT9vSJsYQwIQCAsAjxfwoon3jhCALHiSCByMOMrIvLvRKTD6vtlEfnCeHYlhyHpEgJOE5gpIk+IyPMiotnHfzm+wP5hEdkqIm8VkXeJyCmnvcA4CEDARQI8X1yMCjYFQQCxEkQYY50w2RU7xjoJm01WJdyg41lLAveIyGfHs4668YR+9GdCRf29IvKnLXugAQQgAIF4AjxfuDMgkAMBxEoOUB3q0s6ukFVxKDCYUhoBffupG07YGUc1RksmtVySrEppoWFgCHhPgOeL9yHEARcJIFZcjEp2NtnZFbIq2XGlJ78J6NvP20Tkt8bd0PVb95NV8TuoWA8BRwjwfHEkEJgRDgHESjixbOaJZld6ReRO1qqEH2w8TEQg+vaTrEoibDSCAAQSEOD5kgASTSCQhgBiJQ0tP9tqduUBEVnJWhU/A4jVuRAwbz+1c7IquSCmUwhUlgDPl8qGHsfzIIBYyYMqfUIAAq4T0Lef9gJ71qq4HjHsg4A/BHi++BMrLPWAAGLFgyBhIgQgkAuBbeO9apkkHwhAAAJZEuD5kiVN+qo0AV/EylULFizYc/jw4XmVjhbOO0tg4cKFzx46dGi+swa6adg1Cxcu/C+HDh26zE3zsAoC+RK4/PLLn33mmWeq8ty4csGCBfv4PZ7vPUXvzQnwe9rfu8MLsTJ79uz/tnHjxqtvvfVWf0ljebAEfvu3f3vkiSee2Cgifxask9k71tXV1fV0f3//W26++ebse6dHCDhMYGRkRBYvXjz6/PPPf0pEHnLY1MxMmz179uPr16//52vWrMmsTzqCQFIC3d3dI/v3798kIv1Jr6GdOwScFytveMMbNl1//fWfevjhhzvdwYYlEHiVwMaNG889+OCDf12v198Lk+QEZs+e/dgf//EfX7t169YLk19FSwiEQeC9733vSz/4wQ+2jY2N6QGlVfjctmTJktuHh4e7quAsPrpF4P7775d77rnnv544ceIatyzDmqQEXBcr754xY8Z3/v7v/3763Llzk/pEOwgUQuC73/2uvO997zt95syZd4jIsUIGDWCQjo6Oe3/v936v99FHH704AHdwAQKpCKxdu/aVr3/96z88ceLEdaku9LfxlSJy8ODBg3LllfpXPhAojsDTTz8tixYt0gH1j6eLG5mRsiTgsli5sKur68jAwMBbb7rppix9pi8ITJnAK6+8Ipdffvnoc88991ER+Yspd1idDm5+61vf+uUDBw50dnXxkrU6YcdTJfDQQw/JmjVrXhgZGdFZ+0gVqFD+VYUou+sj5V/uxiaNZc6Klc7OzodWrFjxge3bt09P4xBtIVAEgdWrV5/ZtWvXt0dHR1lwkRy4puD/5m/+5m/kmmvIxifHRssQCDz++OPyu7/7u+qK/vF4CD4l8IHyrwSQaJIPAcq/8uFaRq+uipWb3va2t33tmWee6bzwQkray7gxGLM5gb/4i7+Qvr6+n4+MjOguVq/AKhEBFtQnwkSjEAlUcUG9iFD+FeLN7IlPlH95EqiEZrooVuZOnz7977/zne/MePe7353QDZpBoBgCx44dk3e84x1nTp8+/T4R+W4xo/o/Cgvq/Y8hHrRPoIIL6oXyr/bvF66cOgHKv6bO0KUenBMrtVrt0b6+vj+86667nLPNpcBhSzkEbrzxxtFHHnnkK7/+9a9vL8cC/0ZlQb1/McPi7AhUcEG9wqP8K7tbiJ5SEqD8KyUwD5q7Jghufde73rXpxz/+MStvPbh5qmbin/3Zn8mmTZueOnHixNVV830K/rKgfgrwuNRvAlVcUE/5l9/3rO/WU/7lewTj7XdJrFwlIk8++eSTctVV+lc+EHCHwFNPPSVXX93QKPrHU+5Y5rQlLKh3OjwYlyeBii6op/wrz5uKvlsSoPyrJSIvGzgjVjil3sv7pzJGc0p96lCzoD41Mi4IhUBFF9Rr+Cj/CuUm9tAPyr88DFpCk50QK294wxvuuv766z/JKfUJo0azQglwSn163CyoT8+MK8IhUMUF9ZR/hXP/+ugJ5V8+Ri25zS6IFU6pTx4vWhZMgFPq0wNnQX16ZlwRDoGKLqin/CucW9hLTyj/8jJsiY0uW6xwSn3iUNGwaAKcUt8WcRbUt4WNi0IgUNEF9Ro6yr9CuIE99YHyL08Dl8LsUsUKp9SniBRNCyfAKfWpkbOgPjUyLgiFQFUX1FP+Fcod7KcflH/5Gbe0VpcpVjilPm20aF8YgfFT6p8fGRmZzyn1ibCzoD4RJhqFSKDCC+op/wrxhvbIJ8q/PArWFEwtS6xwSv0Ugsal+RLglPr0fFlQn54ZV4RDoKIL6jWAlH+Fcxt75wnlX96FrG2DSxErnFLfdry4sAACnFKfDjIL6tPxonVYBKq6oJ7yr7DuY9+8ofzLt4hNzd4yxAqn1E8tZlydI4HxU+qfPHHixD/NcZiQumZBfUjRxJdUBCq8oJ7yr1R3Co2zJkD5V9ZE3e6vaLHCKfVu3w+Vto5T6lOHnwX1qZFxQSgEKrygXkOYqPzrpz/9qXzwgx+UJ598shH2b37zm7Jq1apMbwEd4+GHH5Y1a9Yk7veuu+6SjRs3xtqzf/9+6e7unuhreHhYlixZkrhv03DHjh3ys5/9TG6//fbzrtX+H3vssdd9PfUAGV5Qr9flE5/4hNxxxx1yxRVXZNhzPl1R/pUPV5d7LVSscEq9y7cCtnFKfap7gAX1qXDROCQCVV5Qn7T8SyflKgp00l6r1eTMmTMNQXHttddmKljSTv51Yr5hwwbZvHlzwy77o7b+8Ic/lP7+fpk+fbpoWxVXKjjaESxx93xae0P6ucnCF8q/sqDoXx+FiRVOqffv5qiSxZxSny7aLKhPx4vWYRGo8IL6xOVfKlSuu+668yb5Ovk/ceJE4+29EQKPPPKIXH311fKtb32r8XU7I6EC5/Of/7ysXr1afvSjHzUyNI8++mjj/5s2bZJbbrmlISa0D/13NIuhfX3oQx9q3Hz6/c985jMNwfS1r31Nrr/++gkhpd+3x7KzC7bNdqbIXP+Tn/zkvEyJESNvf/vbJzIrdrZG7dBPXMZFMzo2C21nskD6949+9KMNIfXLX/5ywm+7fTOmcXbbQs3OrMRxVlvtvk2GzAg/te3ZZ59t8Pyrv/qr85gbP+P8UEFof93OvDX7OuVfYT1Lk3pTlFjhlPqkEaFd4QQ4pT4dchbUp+NF67AIVHhBvQYyUflXq7Iik2X58Ic/3BAzdhZGJ7umfCoqVr7xjW80JsT6MWVLKn7iyqq0T22vk3v9mKzODTfcEJtZ0Qm9lkE98MADr8u46PVRn0wWRifjOrHWTM1FF110nrhSP1RQ2SVW2jYqVmw/bX9sH8zEXgWgCgP9qFAz4kiFmBF2Rgw++OCDDYH2xS9+cUI4Gn52OV5UrMRxVhGjH5ufscFknqJZIx3rsssua1xnYmH7MXv2bNm+fbvceeedDQFmMl56D5i+9f8awxtvvFH27dsn99xzz389ceKEliDzqRCBIsQKp9RX6IbyzVVOqU8dMRbUp0bGBaEQqPKC+qTlXxrrZlkKcx9ES7GioqSZWIn7ejOxEp2Um4m0ioe4MrDJysPUbhUzZmJtSsRMPyoKVETYk+/du3c3RJd+3RZTcWVgk40dXfeja2j0Y9bVmDU1dubDcDZZFxUammGKZm3seBhBpW3jOH/729+OzZTZQszOZJm+TcYrzo93vvOdsZkxO6ti+tmyZYusW7dO/7lIRJ4O5ZmCH8kI5C5WOKU+WSBoVQ4BTqlPxZ0F9alw0TgkAhVfUJ+4/MvEPK4MzGQvdAJ73333TawbcUGsNBNYJrvR19fXyOpoFiAqVkwpmJZ+6UezFqacbSpiJbruJ8rUlJdpSZruZGkzjfvZM2LClJOpH/qJZlamIlaM//b4rfywhZaKLxV30RJCyr9Cepqm9yVvscIp9eljwhUFEeCU+lSgWVCfCheNQyJQ8QX1GspE5V+TTVDtBfbLly9vlGXFlYHpxN+UDD333HPyyU9+Ur7yla801qykyaykLQNT2ydbYK9ZgGgWwSzG1xIm/d65c+caYsZee5O2DEztMBkczc6Yyb+92N8uAzNZGVOOZjYwsMvaTOZHS+6iGaKkYsWUgWnsTLmZZpJsJnGixAi4OD/sTFS0zM2w1eve/e53y9NPP/3/j46OXhnScwVfkhPIU6zkfkp93JubqOsm9XjJJZect5guOaJ0LU2Npj4Umm1dmK7Hqbc2vyR0UaF+om9Vko7QrA65Vcpf+9eHmD5gTZ1sqwV/SW1qtx2n1Kcj59qCenNPX3rppectVE3yTEjnebLW7WyfmqznV3927Hpvc12zXYXiGMTVqScdP66d/SzQ77faOtaVZ2G7Pld5QX2a8q8o3+g2wPYC6maLwe3fV/q7Sn/GP/CBDzQVKzqmbo/8/ve/v+UCe7NQvNluYEawmEX5+m976+LJfm9FhY59zydZYG/3HVfapdkT/e/Nb36zGLFnfqfHtU+y8N7EK0lm5W1ve9vE5gSmtCtuThDd1CC6ON/2w2Sg7E0Q4hbkj9tJ+Ve7D7AArstNrOgp9bfccssfbtq0KbcxkkxMsv4l3SrmSWxq1UeW34/bejH6UJ3qeK3Einl4mV9U0fZqo1kIaNLSU7Wp1fWcUt+K0Gvfd3FBvbmH9M2reZOpFpf181fGdqRlihX77kniu89ipeIL6lOXfyV/stASAq0JUP7VmlEVWuQlJAo5pd5MTDQ9q29K9KNvGswbBV14Zxah6URZd7Ew2xxGt0o0WyJqXerf/u3fNtK4t912W+NNhir9j3/8443tEs0bjCSL3jSTYNLWzd42xNkdPZQp7g2UvuXQVKx+7r333sb/4w6viptI6ERPJ3naR9wWiKZv3S5SbTETQ31z9aUvfamxY4r9luWmm26Siy++uPHWJWq7yaiYHyblH7e4Uncr0XR5dN/7PH4IOaU+FVUnF9Sbe9LsJGTqyG2x0uwtqP2W0zwH7J8n3RpVt1E1i1KVlr0tanRLTfu5Et0+NW67T+0vzjZ9XtkLeE25hvavi1t1R5wnnnhi4pnWbAvUVpmVybaMjb7hVFZDQ0MyOjraeLbaW6dq+cef/MmfNJ5DZutYe2tYm5stVpptSZrqriyoccUX1Cvl1OVfBYWGYSpAgMMfKxDkhC7mIVYKO6XeFis6Cdb6V3thm4oMk1mZrEZWt8mza0/tvnSMn//85xMTBS3HuPvuu2X9+vUT9bZ2DWh0i0CzG0izLRSb2W3i12yLR53UqG2mDKZZqYi20ZrRuFODW20fqTbYWyPatbd2/bD6b+qKm51+a2e4opmVJNcnvJ9bNuOU+paI7AbOLqiPLsg192r0BYY5+M2UaX3kIx95XY21LuY0k2xT791sC85mW21Gz1owEM19H93uM672XZ8ruuONeUlgfNG+9PmhzzO105wyHbcFqraN20lHv64vbJo9B+3Fufb2qyqg9EWNOQPD20/0WAAACj1JREFUPE/Un7itYyc7I0OfhVrOE7dVaREvKVLd+SJS9QX1Uyn/Ssua9hCIEuDwR+4Jm0DmYqXIU+rtiUl0kZfZKjBusmBO07UPmzIZkLi91M1EKLowLe6QozixYu8Qon3ZWyg2s9sEqdkWjyoiBgYGYgWTXUo1WRncZNtH6vhmUmF8MgsMdftA7TeaeTH/jvsRi9phv1meLDOT9Y8rp9QnJur0gnpbrNiZQLO9pooKrWPXbKj5mEPcdDJuDobT79mHxZkFv8224Gx2CF2akqzJtkA15wvY4sYsONaJvo5jarrTjNnqOWieJ3b2RJ8j0THinl3RrWPjMlfm5UarQ/wS3505N2RBvVD+lfM9RveTE6D8izskN7FS9Cn1ZYkVnaxrZsXedSM6sbcX2JcpVpqVgelkbdmyZbJnz57Y7SPNBLCnp6fxVlffUOtHxVUzsWJPeKL7uacRTXn9iHJKfXKyri2oj1oel53TRd6nT59+3XkHtniPruGyD1SzdydqtdYtutWm2hd3MF2z7VubnddgSsHe8573NN7sqzAxWdM8xYr94sEIOc3E6IFucWdE2FlWW6zY6+GUSdwLIf16lJ8+L136VHxBvYaC8i+XbsiK2UL5V8UCnsDdLDMrhZ9Sn0astCoDS5NZ+dSnPjVxYq1maexf0GnLwFplVlqVgZk3wXHbEdqTAnPCrH7N2BstZ4tuO6jtvvOd78iVV17ZmDQ12zEkSRlXtAzMnhjmuZOS+RnglPoET4PxJi4uqG8lVvT7JtOpa7fMYWP2ycoquqNnJZhSKlMGFreVqv6Mm/Kn3/md3zlvXYldqhUnVuwy1GbbfcZN8DUjtHHjxonTvdOWgUXPKGhVDhs9o8G0V7GiPuq/bQ7NysCia4ai287aZWD2VqUuiZWqL6in/Cv5s5KW2ROg/Ct7piH0mJVYKeWU+jRixSzsbrbAPo1Y0cW8uv+5WYyqbwF0wq3ZBy3j0K/rhCnJAvtWYiX6FtJeEByd8Ntva+2bM3qyrb11cbPFtnFCxxYrSRfYGzsmKwNrdyvlpD+AnFKflFSjnZML6pOIlWjWpNkCe7t8U8ueDh8+3MgW2uvQjKiP21IzbrMMM1Z0+1R7G1Z78f1kW6BGXxrY69HyXGBvl2+Zn0kdT+1+8cUXGyV1cVuWKiuzdayKEVN+p310dnaKZmdbPQtT3aE5NmZBfVjlX9GXfWluHf05V7EeFdLR36f2dsym/2ZrRZutLU1jV+htKf8KPcLt+ZeJWOGU+vbgc1UxBDilPjFnZxfUJ/aAhpkSqNLkigX1jVsnqPKvqYiVZtug20Ik7mgAI/rjREyVfp7aeRBR/tUOtWpck4VY4ZT6atwrXnrJKfWJw+b0gvrEXtAwUwJVmVyxoL5x2+jp4AcPHjzYKP0N4RMVK3Gb4sRt328fexB3JIDNxhY1ZtMa3RVTD2+M7sKpP08PPPBA43L93WRXFTQ73iCu+kLXjJljDzRrqWWct956a2ML8eh6UV/iSPmXL5Eqx86pipXcT6kvBwujhkCAU+qTR9H1BfXJPaElBNITYEF9WOVf5g6wxYp+zRwhYK+X0sm+fuxt+nWtW7PMin13af/2GWHmGrtPu72KFbMVuCml1nVytm36dy3x1g187LVhKoDs3fjUXrMmzy6zTnJIa/qfkPyvoPwrf8Y+jzAlsVLEKfU+w8X2cglwSn0y/j4sqE/mCa0gkJ4AC+obzIIq/4oTK7r2JMlhzmaNShKxoge13njjjY3DkG2R0Gw3wWimspm4aXW8gb0bnxnbHIDdKhOU/ick/yso/8qfse8jTEWsFHJKve+Asb8cApxSn5i7FwvqE3tDQwikIMCC+gas4Mq/4sSKfi26s529a55Za2LOY3rwwQcb26A326kuKmbiDmONrlvJS6wYf6M+uHjYavTHk/KvFA+sCjdtV6wUdkp9hWOD620S4JT6xOBYUJ8YFQ1DI8CC+lcjOnv27MfXr1//z7X0KLSPXQZml2bZC+OjX9e1ILqzZzOxYrIzX/3qV5sKmbSZFeVuStT076YMLHrkgtlqPZpZsceLHvbsekwp/3I9Qm7Y15ZYKfKUejcwYYVPBDilPlG0WFCfCBONQiTAgvqJqAZZ/hWXWTFnL+kidM2e6H+6CN4IAt3GXD+mjMoseLfLquytyO2fi2jpVVqxYg6Rjtsq3d5SXG18+eWX5SMf+UjjgOY77rijUYIWtcuXUjDKv0J8uubjU2qxUvQp9fm4Ta+hErj99tvPDQwM/HW9Xn9vqD5m4RcL6rOgSB++EmBBfSNywZZ/+XpfVsluyr+qFO2p+5pWrBR+Sv3UXaSHqhDglPpkkWZBfTJOtAqTAAvqX41ryOVfYd65YXlF+VdY8czbmzRipZRT6vMGQP9hEOCU+sRxZEF9YlQ0DI0AC+onIhp0+Vdo921o/lD+FVpE8/cnsVjhlPr8g8EI7RPglPpE7FhQnwgTjUIkwIL6iahS/hXiDe6JT5R/eRIox8xMKlY4pd6xwGHOawQ4pT7R3cCC+kSYaBQiARbUvxZVyr9CvMP98YnyL39i5ZKlScQKp9S7FDFsOY8Ap9QnuyFYUJ+ME63CJMCC+om4Uv4V5i3uhVeUf3kRJieNbClWOKXeybhh1DgBTqlvfSuwoL41I1qES4AF9ROxpfwr3Nvcec8o/3I+RE4b2EqscEq90+GrtnGcUp8o/iyoT4SJRiESYEH9a1Gl/CvEO9wfnyj/8idWLlo6mVjhlHoXI4ZNDQKcUp/oRmBBfSJMNAqRAAvqz4sq5V8h3uSe+ET5lyeBctjMpmJl9uzZT27cuPGqW2+91WHzMa2qBDilvmXkWVDfEhENQiXAgvrzIkv5V6g3ugd+Uf7lQZA8MDFWrHBKvQeRq7CJnFLfOvgsqG/NiBbhEmBB/Wuxpfwr3PvcB88o//IhSu7bGCdWOKXe/bhV1kJOqW8dehbUt2ZEi3AJsKD+vNhS/hXure68Z5R/OR8ibwyMihU9pf7ZgYGBS2+66SZvnMDQahDglPpEcWZBfSJMNAqRAAvqz4sq5V8h3uSe+ET5lyeB8sTM88QKp9R7ErWKmskp9S0Dz4L6lohoECoBFtSfH1nKv0K90/3wi/IvP+Lki5W2WOGUel+iVkE7OaW+ZdBZUN8SEQ1CJcCC+tdFlvKvUG92D/yi/MuDIHlmohErnFLvWeCqZC6n1LeONgvqWzOiRbgEWFB/Xmwp/wr3VnfeM8q/nA+RlwY2xAqn1HsZu8oYPX5K/Zd//etfb6yM0ykcZUF9Clg0DY4AC+rPDynlX8Hd4l45RPmXV+HyxlgVK5xS7024qmcop9S3jDkL6lsiokGoBFhQ/7rIUv4V6s3ugV+Uf3kQJE9NvGDBggXPHj58eJ6n9mN24AQWLFhw9PDhw8v00PrAXW3LvYULFx45dOjQZW1dzEUQ8JzAwoULnz106ND/KSKPe+5KJubzPMgEI520SWD85/FficjTbXbBZRCIJfC/ABIq/I4s/htiAAAAAElFTkSuQmCC"/>
-          <p:cNvSpPr>
-            <a:spLocks noChangeAspect="1" noChangeArrowheads="1"/>
-          </p:cNvSpPr>
-          <p:nvPr/>
-        </p:nvSpPr>
-        <p:spPr bwMode="auto">
-          <a:xfrm>
-            <a:off x="155575" y="-144463"/>
-            <a:ext cx="304800" cy="304801"/>
-          </a:xfrm>
-          <a:prstGeom prst="rect">
-            <a:avLst/>
-          </a:prstGeom>
-          <a:noFill/>
-        </p:spPr>
-        <p:txBody>
-          <a:bodyPr vert="horz" wrap="square" lIns="91440" tIns="45720" rIns="91440" bIns="45720" numCol="1" anchor="t" anchorCtr="0" compatLnSpc="1">
-            <a:prstTxWarp prst="textNoShape">
-              <a:avLst/>
-            </a:prstTxWarp>
-          </a:bodyPr>
-          <a:lstStyle/>
-          <a:p>
-            <a:endParaRPr lang="en-US"/>
-          </a:p>
-        </p:txBody>
-      </p:sp>
-      <p:sp>
-        <p:nvSpPr>
-          <p:cNvPr id="2054" name="AutoShape 6" descr="data:image/png;base64,iVBORw0KGgoAAAANSUhEUgAAAysAAALwCAYAAACX2eoEAAAgAElEQVR4XuzdD5xWc97/8feV0Uzpz9RU/iSJEiVu1p9N2SS1bFu5abet2B/bHf0jlfKnECrRVmQqcVu7N2XbxV1oEYpVslhuUkoh2rBqalRqJtNcv8f32jmzV1czzXVmrutc33PO6zweu6U553w/3+fn4Ho753udiNgQQAABSwQmTlye9VU95WbVUm4tKTcSUe5+8+v+f/1eKq1nSakpKKPW7mhUhdHDVHiYVGh+XyoVlpSq8JjdKpw4sWtJCgbhFAgggAACCPhaIOLr6ikeAQR8LTDy/mVt95dGz5MO6yiZX9Xe1xNKYfFRRT+MKPJXRbUicnjpuw9e3+3TFJ6eUyGAAAIIIOALAcKKL9pEkQgEQ2Dk/a+dXbI/2ikS0bmK6lxF1CpxZrUPzyrNyc6qlX14lrJr/+t/OWW/Hp51WDAgJP1Qsl/F+0pUtK8k9mvsfz+UqKi4pHTfDyW1KpjoBkWiq6Ra7x4W0VsP3HDBO4HBYCIIIIAAAghUIkBY4dJAAIG0Clwz9eWGtWtn9Y1KfSPSxfGDmUByZF49Hd20oY49sqGaN2uY1lr8dPKvtu7U11t36qut38n83oSZ+C0qvRiRntq3r+Sph2/u/p2f5katCCCAAAIIJCtAWElWiv0QQMCVwHUzXju/VKV9I4pcLqm5OdjcGWl5TCMd2bi+jmpSn3DiQvSbbTv19bZdMr9u+mpH7M5M2bYlqujTtVTrqQdHX/CGi1OyKwIIIIAAAtYLEFasbxEFIuAvgREzXr06osOujCra1anc3DE5sUWeWrdoonp1s/01IQur3b2nWBs3b9Onmwu05dt/31SJKLI8qv2P54/u9piFZVMSAggggAACrgUIK67JOAABBCoSuG7WX9tF95dMUDTS3/y8bp3aP5x0XNPDTUjh8a70XTMmrJjQ8smXW3/Ys3ff4bGRItEnI4dlTXrw+p+sTd/InBkBBBBAAIH0CxBW0m/MCAgEXmD49OU3RCKaICmvTvbhJeecelxWuxOPjD32xeaNgHksbO2n/9TbH31Zsrf4hyxJBdGoJs0e0/V+bypgFAQQQAABBFIvQFhJvSlnRCA0AtdPf/W80kgtE1IuMZNud8KROqt9C+XWrxMaA9smWrhrr95ds1lrP/unU9oLtaKlk2aN6fambbVSDwIIIIAAAlUJEFaqEuLnCCBQocCI6a9OVKTWeElZTRvVi4WUNsc1QcsSgQ1fbouFlq07dpuKShTRpPxRXe+0pDzKQAABBBBAICkBwkpSTOyEAALxAtfNXD4zGtUN5s9MSDm7fQse+bLwEjGPhr2zZnMstJgtqsis2aMvGGlhqZSEAAIIIIBAhQKEFS4MBBBwJTB85vLHIlFdZV7W2P3HJ+mEY/NcHc/O3gt89o8CvfzWJ867Wp7IH931Su+rYEQEEEAAAQTcCxBW3JtxBAKhFLhh5vLcH6L6n4jUq2G9HHXv2FbHNG0QSgs/Ttp8a5gJLDt3F5nyl2RFdMX9o7oW+nEu1IwAAgggEB4Bwkp4es1MEai2wJCZy4/PiuoJSZ2aNa6nHh3bqnHDutU+HwdmRqDguz16edV6fbt9tyKKvBndH7kif2yXzzNTDaMigAACCCBQtQBhpWoj9kAg1AJjfru8SXEtvSLp9OOOaqQe552kujm1Q23i58nvKdqnl95cr83fxG6qfJBdqoum39h1m5/nRO0IIIAAAsEVIKwEt7fMDIGUCIyY8drDUnTwicfm6ZLOp6hWLf6xkRLYDJ6ktDSqF1Z8rE//UWDeIPlI/ugLrslgOQyNAAIIIIBApQJ86uDiQACBSgWum/7q4Gik1sPmRY+XX3RaFo9+Bedi2f7dHj39yoexF0hGoqXXPDim2yPBmR0zQQABBBAIigBhJSidZB4IpFjguunLTi+NRF6JSE26ndtG7U88KsUjcLpMC6z59Bu9+rcNikrbakWjFz045sIPMl0T4yOAAAIIIBAvQFjhekAAgQoFRsx4bYkU/ZkJKSassAVTwIQVE1qkyF/yR1/QM5izZFYIIIAAAn4VIKz4tXPUjUAaBcreTn+Heezrsm4dWFCfRutMn9osuH/m1dUyj4UpWnpn/phuEzNdE+MjgAACCCDgCBBWuBYQQOAggREzlv+f+favnj9pJ7Owni3YAmah/ZK/rjWT/Dh/dNd2wZ4ts0MAAQQQ8JMAYcVP3aJWBDwQGD592c8ikciSIxvXU7+Lz/BgRIawQWD+X95TQeH3Zv1K/9mju/7RhpqoAQEEEEAAAcIK1wACCBwgMHzm8sciUV3V+YxWOvOUY9EJicCqDzbpnTWbTVhZPHt010tDMm2miQACCCBguQBhxfIGUR4CXgqUvQByqxnzqj5nq8EROV4Oz1gZFCjctVf/89y7sQpKS3T0nHFdzap7NgQQQAABBDIqQFjJKD+DI2CXwIgZr42SojNaNW+sXl3a21Uc1aRd4OlXPtSWb78z49ySP7rr1LQPyAAIIIAAAghUIUBY4RJBAIFygREzlq+S9ONLOp2sNi2bIhMygfVfbNVLK9eZWb+VP7prx5BNn+kigAACCFgoQFixsCmUhECmBEbMfG2LotFjrvz5WWrUoE6mymDcDAns2LlXjz//rhSJfJU/6oLmGSqDYRFAAAEEECgXIKxwMSCAQEzgmnnvHl77+137zO9H/KqzatWy7x8Pzz69QDcO//VBHRs5bqKGj56QdCeLivZq1n136hcDr1arE9secNzsGZPUsfOFOvOc88r/vHBHgWbcc5tG33K3chsF96ucS0ujyv/jiti89x1Rv/bD1571Q9Ko7IgAAggggEAaBOz7NJKGSXJKBBCoWmDYjOWta0kb6tXN1m8uPafqAzKwhwkrZut9+YAajU5YqZzvd4ve1u49xSqV2swZ3XVjjaA5GAEEEEAAgRoKEFZqCMjhCARFYMTM1y9UtPTVY5o1VN+LTrNyWlWFFXNXxGwP3Pevl7DH33Exd0fGDLtSbyxfqv8admPs59W5s2KOc85jfv/HZ/9afhcm/s5P/Njxdf129v/UOGylszlPvfKhvjKL7CO1uuWP6rIsnWNxbgQQQAABBKoSIKxUJcTPEQiJwIgZr10tRX93Sqsj1b3jSVbOOpmw8s9vvtKtd01X0d49sVAxfNQEtTvtDE25fYwu7XtFLFi89/abmnjLCD3w8JOuHwOb/9hctWh5QixwfP7pes2adpfuuGeWPtuwXrNnTtL0OY/HHhUzAcXZzwkrbh5Vy1QDXl71iT7+/J+SIr/JH33BY5mqg3ERQAABBBAwAoQVrgMEEIgJjJj+6kRFat1xboeWOrfDcVaqVLZmxbm7ER8QzASc9SeN8vLKQ4UJEjV5DMyElffeebM8lDhQiWObIPPn+Y/p+nF36NE508uDi5WwcUX9bfWX+tvqL6Ro6Z35Y7r96xYVGwIIIIAAAhkSIKxkCJ5hEbBNICh3VuIXx8eHFSc45OTUqVFYce6aJD5qZsZy/szp7flde8RCjQk4iYv2beu/Uw93VmztDHUhgAAC4RQgrISz78wagYMEgrJmpbKw4jyuVdWdlYoeNYt/3Cv+28CcdTDmUbNVK5ZVGkgq+oYxWy9B1qzY2hnqQgABBMIpQFgJZ9+ZNQIHCQTh28ASQ4Hz186albPO7Rxba3KoNSvmZ/FrTwxU/JqT+Me94h8n21FQcMBx5jyLnnoitn7GPAbmlzsrfBsY/3BAAAEEELBJgLBiUzeoBYEMCvj5PSu/+vU1FYaC+PCS7LeBmRaYoPGr3j8p70Zl3ypmdoj/dq/4NTXOI2DOY2N+CCu8ZyWDfwMyNAIIIIBAhQKEFS4MBBAoF+AN9uG+GHiDfbj7z+wRQAABGwUIKzZ2hZoQyJDAiBnLV0n68SWdTlablk0zVAXDZkpg/Rdb9dLKdWb4t/JHd+2YqToYFwEEEEAAAUeAsMK1gAAC/76zMuO1UVJ0RqvmjdWrS3tkQibw9Csfaot5IaR0S/7orlNDNn2miwACCCBgoQBhxcKmUBICmRIY89vlTYpraasZ/6o+Z6vBETmZKoVxPRYo3LVX//Pcu7FRS0t09JxxXb/xuASGQwABBBBA4CABwgoXBQIIHCAwfObyxyJRXdX5jFY685Rj0QmJwKoPNumdNZsVlRbPHt310pBMm2kigAACCFguQFixvEGUh4DXAsOnL/tZJBJZcmTjeup38RleD894GRKY/5f3VFD4vQkr/WeP7vrHDJXBsAgggAACCBwgQFjhgkAAgYMERsxY/n+STu/5k3Y68dg8hAIu8Ok/CrTkr2vNLD/OH921XcCny/QQQAABBHwkQFjxUbMoFQGvBEZMf3WiIrXuaNywri7r1kF1c2p7NTTjeCywp2ifnnl1tbZ/t0eKlt6ZP6bbRI9LYDgEEEAAAQQqFSCscHEggECFAiNmvLZEiv6s/YlHqdu5bVAKqMCrf9ugNZ+atfSRv+SPvqBnQKfJtBBAAAEEfCpAWPFp4ygbgXQLXDd92emlkcgrEamJCSsmtLAFS8CEFBNWotK2WtHoRQ+OufCDYM2Q2SCAAAII+F2AsOL3DlI/AmkUuG76q4OjkVoP18k+vOTyi07LMo+FsQVDwDz29fQrH5bsLf4hKxItvebBMd0eCcbMmAUCCCCAQJAECCtB6iZzQSANAiNmvPawFB1sFtpf0vkU1arFPzbSwOzpKUtLo3phxccyC+ulyCP5oy+4xtMCGAwBBBBAAIEkBfjUkSQUuyEQVoGyF0W+Yr4d7LijGqnHeSex4N7HF4NZUP/Sm+u1+ZtCM4sPskt10fQbu27z8ZQoHQEEEEAgwAKElQA3l6khkCqBITOXH58V1ROSOjVrXE89OrYVj4SlSte78xR8t0cvr1qvb7fvVkSRN6P7I1fkj+3yuXcVMBICCCCAAALuBAgr7rzYG4HQCtwwc3nuD1H9T0Tq1bBejrp3bKtjmjYIrYffJr7l2+/08lufaOfuIlP6kqyIrrh/VNfY7RU2BBBAAAEEbBUgrNjaGepCwFKB4TOXPxaJ6qrs2lnq/uOTdAIvjbS0U/8u67N/FMSCSvG+EvOHT+SP7nql9UVTIAIIIIAAAmZlJQoIIICAW4HrZi6fGY3qBnPcWe1b6Oz2LXR41mFuT8P+aRb4oWS/3lmzWe+u2RwbKarIrNmjLxiZ5mE5PQIIIIAAAikTIKykjJITIRAugREzl9+hqCZIymraqF4stLQ5rkm4ECye7YYvt8VCytYdu02VJYqWTubt9BY3jNIQQAABBCoUIKxwYSCAQLUFrp/+6nmlkVomsFxiTtLuhCNjoSW3fp1qn5MDayZQuGtvLKSs/eyfzoleqBUtnTRrTLc3a3ZmjkYAAQQQQMB7AcKK9+aMiEDgBIZPX35DJBK7y5JnXiB5zqnHZbU78UgeDfOw0+aRr7Wf/lNvf/Rl7EWPkgqiUU2aPabr/R6WwVAIIIAAAgikVICwklJOToZAeAWum/XXdtH9JRMUjfQ3CnXr1P7hpOOaHn5iizw1b9YwvDBpnrn5lq9PNxfoky+3/rBn777DY8NFok9GDsua9OD1P1mb5uE5PQIIIIAAAmkVIKyklZeTIxA+gREzXr06osOujCra1Zm9CSsmtLRu0UT16maHDyXFM969p1gbN2+LhRQTVpwtosjyqPY/nj+622MpHpLTIYAAAgggkBEBwkpG2BkUgeALXDfjtfNLVdo3osjlkpqbGZtvDGt5TCMd2bi+jmpSnzsuLi6Db7bt1Nfbdsn8uumrHTKPfZVtW6KKPl1LtZ56cPQFb7g4JbsigAACCCBgvQBhxfoWUSAC/ha4ZurLDWvXzuoblfpGpIvjZ5N9eJaOzKuno5s21LFHNiS8xOF8tXWnvt66U19t/U7m92XvSCnfIyq9GJGe2rev5KmHb+7+79sr/r5cqB4BBBBAAIEDBAgrXBAIIOCZwMj7Xzu7ZH+0UySicxXVuYqoVeLgtQ/PKs3Jzqplgox58aT5X07Zr0F6l4u5M2ICSNG+ktivsf/9UKKi4pLSfT+U1KqgKRsUia6Sar17WERvPXDDBe941jgGQgABBBBAIEMChJUMwTMsAghII+9f1nZ/afQ86bCOkvlV7XH5l0BU0Q8jivxVUa2IHF767oPXd/sUGwQQQAABBMImQFgJW8eZLwIWC0ycuDzrq3rKzaql3FpSbiSi3P3m1/3/+r1UWi9V5S+eN+6S/T/sO/yyEfc/m6pzujtPrd3RqAqjh6nwMKnQ/L5UKiwpVeExu1U4cWLXEnfnY28EEEAAAQSCJ0BYCV5PmRECCFQtkCNpu1nzL+nIst9XfRR7IIAAAggggICnAoQVT7kZDAEELBG4RdKtZWElX9KNltRFGQgggAACCCAQJ0BY4XJAAIGwCZi7KQWS6pdN3HwH8NGStoYNgvkigAACCCBguwBhxfYOUR8CCKRaYJyk2yUdUXbiYklzJY1K9UCcDwEEEEAAAQRqJkBYqZkfRyOAgL8EzFcCm7UqDRPKLi17ceU3/poO1SKAAAIIIBBsAcJKsPvL7BBA4ECBMZKmSDJ3U0xoOUxSE0lZkv5b0lDAEEAAAQQQQMAeAcKKPb2gEgQQSL/AGkm7JY2VdHbZWpXHywLMKZLOl7Ql/WUwAgIIIIAAAggkI0BYSUaJfRBAICgCjSTtKJuMWaPSQtLosr9uI2lDUCbKPBBAAAEEEAiCAGElCF1kDgggUB2BGyS1ZGF9deg4BgEEEEAAAW8ECCveODMKAgjYJzBSUitJJrSwIYAAAggggICFAoQVC5tCSQgg4InAdZLMo1/XezIagyCAAAIIIICAawHCimsyDkAAgYAIjJDUVpIJLWwIIIAAAgggYKEAYcXCplASAgh4IjBMUjtJJrSwIYAAAggggICFAoQVC5tCSQgg4ImAeadKB0kmtLAhgAACCCCAgIUChBULm0JJCCDgicAQSafzIkhPrBkEAQQQQACBagkQVqrFxkEIIBAAgWsk/UjStQGYC1NAAAEEEEAgkAKElUC2lUkhgEASAoPL3mJvQgsbAggggAACCFgoQFixsCmUhAACngj8l6RzJZnQwoYAAggggAACFgoQVixsCiUhgIAnAr+R1EnSIE9GYxAEEEAAAQQQcC1AWHFNxgEIIBAQgaslnS/JhBY2BBBAAAEEELBQgLBiYVMoCQEEPBH4f5K6SrrKk9EYBAEEEEAAAQRcCxBWXJNxAAIIBETg15K6STKhhQ0BBBBAAAEELBQgrFjYFEpCAAFPBK6U1F2SCS1sCCCAAAIIIGChAGHFwqZQEgIIeCIwUNIlkq7wZDQGQQABBBBAAAHXAoQV12QcgAACAREYIKmnJBNa2BBAAAEEEEDAQgHCioVNoSQEEPBE4FeSeksyoYUNAQQQQAABBCwUIKxY2BRKQgABTwT6SfpPSSa0sCGAAAIIIICAhQKEFQubQkkIIOCJwC8lXS7JhBY2BBBAAAEEELBQgLBiYVMoCQEEPBHoWxZUfuHJaAyCAAIIIIAAAq4FCCuuyTgAAQQCImDuqvSXZEILGwIIIIAAAghYKEBYsbAplIQAAp4IXFb2TWAmtLAhgAACCCCAgIUChBULm0JJCCDgicClZW+vN4vs2RBAAAEEEEDAQgHCioVNoSQEEPBEoI+kqyWZ0MKGAAIIIIAAAhYKEFYsbAolIYCAJwK9JA0ue9eKJwMyCAIIIIAAAgi4EyCsuPNibwQQCI7AzyVdK8mEFjYEEEAAAQQQsFCAsGJhUygJAQQ8EegpaagkE1rYEEAAAQQQQMBCAcKKhU2hJAQQ8ETgEknXSfqZJ6MxCAIIIIAAAgi4FiCsuCbjAAQQCIjAxZJGSjKhhQ0BBBBAAAEELBQgrFjYFEpCAAFPBH4qaZQkE1rYEEAAAQQQQMBCAcKKhU2hJAQQ8ESgu6Sxknp4MhqDIIAAAggggIBrAcKKazIOQACBgAhcJOkmSSa0sCGAAAIIIICAhQKEFQubQkkIIOCJwIWSxkvq5sloDIIAAggggAACrgUIK67JOAABBAIi0FXSbZJMaGFDAAEEEEAAAQsFCCsWNoWSEEDAE4ELJN0hyYQWNgQQQAABBBCwUICwYmFTKAkBBDwR+ImkuyV18WQ0BkEAAQQQQAAB1wKEFddkHIAAAgEROF/SZEkmtLAhgAACCCCAgIUChBULm0JJCCDgiUBnSfdIMqGFDQEEEEAAAQQsFCCsWNgUSkIAAU8EzpM0TVInT0ZjEAQQQAABBBBwLUBYcU3GAQggEBCBjpKmSzKhhQ0BBBBAAAEELBQgrFjYFEpCAAFPBM6V9ICkH3syGoMggAACCCCAgGsBwoprMg5AAIGACJwj6UFJJrSwIYAAAggggICFAoQVC5tCSQgg4InA2ZJmSzKhhQ0BBBBAAAEELBQgrFjYFEpCAAFPBH4kaZ6kszwZjUEQQAABBBBAwLUAYcU1GQcggEBABM6U9IgkE1rYEEAAAQQQQMBCAcKKhU2hJAQQ8ETgDEm/k2R+ZUMAAQQQQAABCwUIKxY2hZIQQMATgdMl/UHSf3gyGoMggAACCCCAgGsBwoprMg5AAIGACJwm6XFJJrSwIYAAAggggICFAoQVC5tCSQgg4InAqZKelNTBk9EYBAEEEEAAAQRcCxBWXJNxAAIIBESgvaSFkkxoYUMAAQQQQAABCwUIKxY2hZIQQMATgXaS/izJhBY2BBBAAAEEELBQgLBiYVMoCQEEPBE4WdL/SjrFk9EYBAEEEEAAAQRcCxBWXJNxAAIIBESgraTFkkxoYUMAAQQQQAABCwUIKxY2hZIQQMATgZMkPS/J/MqGAAIIIIAAAhYKEFYsbAolIYCAJwKtJb0gqY0nozEIAggggAACCLgWIKy4JuMABBAIiMCJkl6SZEILGwIIIIAAAghYKEBYsbAplIQAAp4ItJL0qqQTPBmNQRBAAAEEEEDAtQBhxTUZByCAQEAEjpe0XJIJLWwIIIAAAgggYKEAYcXCplASAgh4ItBS0l8lmV/ZEEAAAQQQQMBCAcKKhU2hJAQQ8ESghaSVko7zZDQGQQABBBBAAAHXAoQV12QcgAACARE4VtIqSSa0sCGAAAIIIICAhQKEFQubQkkIIOCJQHNJb0syv7IhgAACCCCAgIUChBULm0JJCCDgicDRkv4u6RhPRmMQBBBAAAEEEHAtQFhxTcYBCCAQEIGjJL0vyYQWNgQQQAABBBCwUICwYmFTKAkBBDwRaCZptaQjPRmNQRBAAAEEEEDAtQBhxTUZByCAQEAEmkpaI8mEFjYEEEAAAQQQsFCAsGJhUygJAQQ8EWgiaZ0k8ysbAggggAACCFgoQFixsCmUhAACngg0lrRBUp4nozEIAggggAACCLgWIKy4JuMABBAIiEAjSZ9KMqGFDQEEEEAAAQQsFCCsWNgUSkIAAU8EciVtkmR+ZUMAAQQQQAABCwUIKxY2hZIQQMATgQaSNktqWDZatqRiT0ZmEAQQQAABBBBISoCwkhQTOyGAQEAEbpY0XtKNkhZI2lL2GJj567skjZaUH5C5Mg0EEEAAAQR8L0BY8X0LmQACCLgQMG+r/0fZHZRdZUHle0lZkvZLMndb2BBAAAEEEEDAEgHCiiWNoAwEEPBM4AFJQyTVjhvRBJY7JU3zrAoGQgABBBBAAIEqBQgrVRKxAwIIBEzAvATyK0mHxc1rZ9lXGJcEbK5MBwEEEEAAAV8LEFZ83T6KRwCBagrMkDS87O6KuasySdLUap6LwxBAAAEEEEAgTQKElTTBcloEELBawLwI8puytSq7y95izzeBWd0yikMAAQQQCKMAYSWMXWfOCCBgBMz6lOsk3S1pMiQIIIAAAgggYJ8AYcW+nlARAgh4I2BeBjlX0iBJe7wZklEQQAABBBBAwI0AYcWNFvsiEE6B1m3atHl5w4YNx4dz+sy6pgJt2rTZtGHDhlY1PQ/HI4AAAgiET4CwEr6eM2MEXAk0adJkyciRI382YcIEV8exMwJGoE+fPjufffZZ88id+RIDNgQQQAABBFwJEFZccbEzAqETuLRly5Z/2LRpEy9LDF3raz7hRYsW6eqrr95cWFh4XM3PxhkQQAABBMIoQFgJY9eZMwJJCuTm5n752GOPtbj00kuTPILdEPi3wPHHH7/ziy+++H+SFuGCAAIIIIBAdQQIK9VR4xgEwiEwoXfv3mMXL17MXZVw9Duls5w0aZIeeOCBv2zbtq1nSk/MyRBAAAEEQiVAWAlVu5ksAkkLtJa0YcOGDWrd2vyWDYHkBTZu3Kg2bdqYA8z/bUz+SPZEAAEEEEDgQAHCClcEAggcJMCiei6KmgiwqL4mehyLAAIIIBAvQFjhekAAgUQBFtVzTVRbgEX11abjQAQQQACBCgQIK1wWCCBwgACL6rkgaiLAovqa6HEsAggggECiAGGFawIBBOIFWFTP9VBtARbVV5uOAxFAAAEEKhEgrHBpIICAI8Cieq6FaguwqL7adByIAAIIIHAIAcIKlwcCCMQEWFTPhVATARbV10SPYxFAAAEEKhMgrHBtIICAEWBRPddBtQVYVF9tOg5EAAEEEKhCgLDCJYIAAmJRPRdBTQRYVF8TPY5FAAEEEDiUAGGF6wMBBFhUzzVQbQEW1VebjgMRQAABBJIQIKwkgcQuCARYgEX1AW5uuqfGovp0C3N+BBBAAAHCCtcAAiEWYFF9iJufgqmzqD4FiJwCAQQQQOCQAoQVLhAEwivAovrw9r7GM2dRfY0JOQECCCCAQBIChJUkkNgFgSAKsKg+iF31bk4sqvfOmpEQQACBMAsQVsLcfeYeZgEW1Ye5+zWcO4vqawjI4QgggAACSQsQVpKmYkcEAiPAovrAtNL7ibCo3ntzRkQAAQTCLEBYCXP3mXsoBVhUH8q2p2zSLKpPGSUnQgABBBBIQoCwkgQSuyAQIAEW1QeomV5PhUX1XoszHgIIIIAAYZ+F47wAACAASURBVIVrAIEQCbCoPkTNTsNUWVSfBlROiQACCCBwSAHCChcIAuERCNSi+rvvvlu33377Ad1bsWKFOnXqFPuzvXv3atSoUTr//PM1cODAlHR5/vz5evzxx2V+zcvLS8k5/XISFtX7pVPUiQACCARLgLASrH4yGwQqEwjMononhJiJzpw5U3Xq1InNef369erXr5/Gjh0bCyeEldT9zcCi+tRZciYEEEAAAXcChBV3XuyNgC8FgrSo3oSS66+/XrNmzVLbtm0P6Ef8nY+6detyZyVFVyuL6lMEyWkQQAABBFwLEFZck3EAAr4TCNSi+pUrV2r48OFauHDhQWElvjMV3Vlx/mzevHnlu95111267bbbyv/anL9z586xvz799NMPGCfxMbCCgoLyR8yC+mgYi+p99/c7BSOAAAKBEiCsBKqdTAaBgwWCtqjeCQgvvfSSnnjiiUrXoySGFeevmzdvXh5OEh8dc/569uzZsbUvieEk/q+NtHnc7Pjjjz/gcbSgXYMsqg9aR5kPAggg4C8Bwoq/+kW1CLgVCNSiemfy8YHF+bOf/vSnByx8TwwrFT0+lhhgzKL9LVu2VBo+nLDy3//93zILzs0Wv27GbXNs359F9bZ3iPoQQACB4AsQVoLfY2YYXoHALKo/VAvjH9sy+zmPdR1qgb1zB+WDDz6Indocc+ONN8bWuMTfeUkc14SVadOm6cgjj1QkEgn0t4KxqD68/+Bg5ggggIBNAoQVm7pBLQikUCBIi+qTZTF3Rp5++unYOpPjjjvugAX2ietVEgOKE1YO9VXHJqxcccUV6tGjh/75z3/q8ssvP2C9S7J1+mE/FtX7oUvUiAACCARfgLAS/B4zw3AKBGpRfbItjF9zcuaZZx4QVipamB//GFiyd1ac96ysW7cuthA//t0uydZp+34sqre9Q9SHAAIIhEeAsBKeXjPTEAkEbVF9fOsOta4kfl1K4p0Vc1fkjTfeqPDdLM4dkmTXrJhzOV+NbGoL2roVFtWH6B8WTBUBBBCwXICwYnmDKA+BaggEclG94+DcPanoESwTNsxmvoo4cc2Ks7bFuRMS/1jYtddeGwscX375ZezFks63gSXejUn8drDEbxOrRq+sO4RF9da1hIIQQACBUAsQVkLdfiYfQIFQLKqv6H0pppfxj2RVtMDeWXPi9N189fFnn30mE0qc96QkLtiPP2diWDHniV8nk/iSSr9dXyyq91vHqBcBBBAIvgBhJfg9ZoYhEgjjovoQtTftU2VRfdqJGQABBBBAwKUAYcUlGLsjYLFAKBfVW9wPX5XGonpftYtiEUAAgdAIEFZC02omGnSBIC+qD3rvbJgfi+pt6AI1IIAAAggkChBWuCYQCIZAoBfVB6NF9s6CRfX29obKEEAAgbALEFbCfgUw/yAIhGJRfRAaZeMcWFRvY1eoCQEEEEDAESCscC0g4HMBFtX7vIEZLp9F9RluAMMjgAACCBxSgLDCBYKAvwVYVO/v/mW0ehbVZ5SfwRFAAAEEkhAgrCSBxC4I2CrAonpbO+OPulhU748+USUCCCAQZgHCSpi7z9z9LsCier93MIP1s6g+g/gMjQACCCCQtABhJWkqdkTAKgEW1VvVDn8Vw6J6f/WLahFAAIEwCxBWwtx95u5bARbV+7Z1VhTOonor2kARCCCAAAJJCBBWkkBiFwQsE2BRvWUN8VM5LKr3U7eoFQEEEECAsMI1gIDPBFhU77OGWVYui+otawjlIIAAAggcUoCwwgWCgL8EWFTvr35ZVS2L6q1qB8UggAACCCQhQFhJAoldELBEgEX1ljTCj2WwqN6PXaNmBBBAAAHCCtcAAj4RYFG9TxplaZksqre0MZSFAAIIIHBIAcIKFwgC/hBgUb0/+mRllSyqt7ItFIUAAgggkIQAYSUJJHZBINMCLKrPdAf8PT6L6v3dP6pHAAEEwixAWAlz95m7XwRYVO+XTllYJ4vqLWwKJSGAAAIIJC1AWEmaih0RyIgAi+ozwh6MQVlUH4w+MgsEEEAgzAKElTB3n7lbL8CieutbZHWBLKq3uj0UhwACCCCQhABhJQkkdkEgQwIsqs8QfBCGZVF9ELrIHBBAAAEECCtcAwhYKsCieksb45OyWFTvk0ZRJgIIIIDAIQUIK1wgCNgpwKJ6O/vii6pYVO+LNlEkAggggEASAoSVJJDYBQGvBdq0afP5hg0bjvd6XMYLhkCbNm02bdiwobukjcGYEbNAAAEEEAirAGElrJ1n3gggMEtSPUm/gQIBBBBAAAEE7BQgrNjZF6pCAIH0CuRI2i7pcElHlv0+vSNydgQQQAABBBBwLUBYcU3GAQggEACBWyTdWhZW8iXdGIA5MQUEEEAAAQQCJ0BYCVxLmRACCFQhYO6mFEiqX7bffklHS9qKHAIIIIAAAgjYJUBYsasfVIMAAukXGCfpdklHlA1VLGmupFHpH5oREEAAAQQQQMCNAGHFjRb7IoCA3wVqla1PaZgwkVJJzSV94/cJUj8CCCCAAAJBEiCsBKmbzAUBBKoSGCNpiiRzN8UssD9MUhNJWZL+W9LQqk7AzxFAAAEEEEDAOwHCinfWjIQAApkXWCNpt6Sxks4uW6vyeFmAOUXS+ZK2ZL5MKkAAAQQQQAABI0BY4TpAAIEwCTSStKNswmaNSgtJo8v+uo2kDWHCYK4IIIAAAgjYLkBYsb1D1IcAAukSuEFSSxbWp4uX8yKAAAIIIFBzAcJKzQ05AwII+FNgpKRWkkxoYUMAAQQQQAABCwUIKxY2hZIQQMATgeskmUe/rvdkNAZBAAEEEEAAAdcChBXXZByAAAIBERghqa0kE1rYEEAAAQQQQMBCAcKKhU2hJAQQ8ERgmKR2kkxoYUMAAQQQQAABCwUIKxY2hZIQQMATAfNOlQ6STGhhQwABBBBAAAELBQgrFjaFkhBAwBOBIZJO50WQnlgzCAIIIIAAAtUSIKxUi42DEEAgAALXSPqRpGsDMBemgAACCCCAQCAFCCuBbCuTQgCBJAQGl73F3oQWNgQQQAABBBCwUICwYmFTKAkBBDwR+C9J50oyoYUNAQQQQAABBCwUIKxY2BRKQgABTwR+I6mTpEGejMYgCCCAAAIIIOBagLDimowDEEAgIAJXSzpfkgktbAgggAACCCBgoQBhxcKmUBICCHgi8P8kdZV0lSejMQgCCCCAAAIIuBYgrLgm4wAEEAiIwK8ldZNkQgsbAggggAACCFgoQFixsCmUhAACnghcKam7JBNa2BBAAAEEEEDAQgHCioVNoSQEEPBEYKCkSyRd4cloDIIAAggggAACrgUIK67JOAABBAIiMEBST0kmtLAhgAACCCCAgIUChBULm0JJCCDgicCvJPWWZEILGwIIIIAAAghYKEBYsbAplIQAAp4I9JP0n5JMaGFDAAEEEEAAAQsFCCsWNoWSEEDAE4FfSrpckgktbAgggAACCCBgoQBhxcKmUBICCHgi0LcsqPzCk9EYBAEEEEAAAQRcCxBWXJNxAAIIBETA3FXpL8mEFjYEEEAAAQQQsFCAsGJhUygJAQQ8Ebis7JvATGhhQwABBBBAAAELBQgrFjaFkhBAwBOBS8veXm8W2bMhgAACCCCAgIUChBULm0JJCCDgiUAfSVdLMqGFDQEEEEAAAQQsFCCsWNgUSkIAAU8EekkaXPauFU8GZBAEEEAAAQQQcCdAWHHnxd4IIBAcgZ9LulaSCS1sCCCAAAIIIGChAGHFwqZQEgIIeCLQU9JQSSa0sCGAAAIIIICAhQKEFQubQkkIIOCJwCWSrpP0M09GYxAEEEAAAQQQcC1AWHFNxgEIIBAQgYsljZRkQgsbAggggAACCFgoQFixsCmUhAACngj8VNIoSSa0sCGAAAIIIICAhQKEFQubQkkIIOCJQHdJYyX18GQ0BkEAAQQQQAAB1wKEFddkHIAAAgERuEjSTZJMaGFDAAEEEEAAAQsFCCsWNoWSEEDAE4ELJY2X1M2T0RgEAQQQQAABBFwLEFZck3EAAggERKCrpNskmdDChgACCCCAAAIWChBWLGwKJSGAgCcCF0i6Q5IJLWwIIIAAAgggYKEAYcXCplASAgh4IvATSXdL6uLJaAyCAAIIIIAAAq4FCCuuyTgAAQQCInC+pMmSTGhhQwABBBBAAAELBQgrFjaFkhBAwBOBzpLukWRCCxsCCCCAAAIIWChAWLGwKZSEAAKeCJwnaZqkTp6MxiAIIIAAAggg4FqAsOKajAMQQCAgAh0lTZdkQgsbAggggAACCFgoQFixsCmUhAACngicK+kBST/2ZDQGQQABBBBAAAHXAoQV12QcgAACARE4R9KDkkxoYUMAAQQQQAABCwUIKxY2hZIQQMATgbMlzZZkQgsbAggggAACCFgoQFixsCmUhAACngj8SNI8SWd5MhqDIIAAAggggIBrAcKKazIOQACBgAicKekRSSa0sCGAAAIIIICAhQKEFQubQkkIIOCJwBmSfifJ/MqGAAIIIIAAAhYKEFYsbAolIYCAJwKnS/qDpP/wZDQGQQABBBBAAAHXAoQV12QcgAACARE4TdLjkkxoYUMAAQQQQAABCwUIKxY2hZIQQMATgVMlPSmpgyejMQgCCCCAAAIIuBYgrLgm4wAEEAiIQHtJCyWZ0MKGAAIIIIAAAhYKEFYsbAolIYCAJwLtJP1ZkgktbAgggAACCCBgoQBhxcKmUBICCHgicLKk/5V0iiejMQgCCCCAAAIIuBYgrLgm4wAEEAiIQFtJiyWZ0MKGAAIIIIAAAhYKEFYsbAolIYCAJwInSXpekvmVDQEEEEAAAQQsFCCsWNgUSkIAAU8EWkt6QVIbT0ZjEAQQQAABBBBwLUBYcU3GAQggEBCBEyW9JMmEFjYEEEAAAQQQsFCAsGJhUygJAQQ8EWgl6VVJJ3gyGoMggAACCCCAgGsBwoprMg5AAIGACBwvabkkE1rYEEAAAQQQQMBCAcKKhU2hJAQQ8ESgpaS/SjK/siGAAAIIIICAhQKEFQubQkkIIOCJQAtJKyUd58loDIIAAggggAACrgUIK67JOAABBAIicKykVZJMaGFDAAEEEEAAAQsFCCsWNoWSEEDAE4Hmkt6WZH5lQwABBBBAAAELBQgrFjaFkhBAwBOBoyX9XdIxnozGIAgggAACCCDgWoCw4pqMAxBAICACR0l6X5IJLWwIIIAAAgggYKEAYcXCplASAgh4ItBM0mpJR3oyGoMggAACCCCAgGsBwoprMg5AAIGACDSVtEaSCS1sCCCAAAIIIGChAGHFwqZQEgIIeCLQRNI6SeZXNgQQQAABBBCwUICwYmFTKAkBBDwRaCxpg6Q8T0ZjEAQQQAABBBBwLUBYcU3GAQggEBCBRpI+lWRCCxsCCCCAAAIIWChAWLGwKZSEAAKeCORK2iTJ/MqGAAIIIIAAAhYKEFYsbAolIYCAJwINJG2W1LBstGxJxZ6MzCAIIIAAAgggkJQAYSUpJnZCAIGACNwsabykGyUtkLSl7DEw89d3SRotKT8gc2UaCCCAAAII+F6AsOL7FjIBBBBwIWDeVv+Psjsou8qCyveSsiTtl2TutrAhgAACCCCAgCUChBVLGkEZCCDgmcADkoZIqh03ogksd0qa5lkVDIQAAggggAACVQoQVqokYgcEEAiYgHkJ5FeSDoub186yrzAuCdhcmQ4CCCCAAAK+FiCs+Lp9FI8AAtUUmCFpeNndFXNXZZKkqdU8F4chgAACCCCAQJoECCtpguW0CCBgtYB5EeQ3ZWtVdpe9xZ5vArO6ZRSHAAIIIBBGAcJKGLvOnBFAwAiY9SnXSbpb0mRIEEAAAQQQQMA+AcKKfT2hIgQQ8EbAvAxyrqRBkvZ4MySjIIAAAggggIAbAcKKGy32RcAygd9P/N/P9+zae7xlZVFOSATq1q+z6aqJ/9kqJNNlmggggAACGRAgrGQAnSERSJXAnDELoj1/0zVVp+M8CLgSWPK75Ro2fQD/HnGlxs4IIIAAAm4E+JeMGy32RcAyASesrPrL/2n7Nzssq45ygirQ+KhG6viz/xBhJagdZl4IIICAPQKEFXt6QSUIuBZwwor50MgdFtd8HFBNAed6I6xUE5DDEEAAAQSSFiCsJE3FjgjYJ0BYsa8nYaiIsBKGLjNHBBBAwA4BwoodfaAKBKolQFipFhsH1VCAsFJDQA5HAAEEEEhagLCSNBU7ImCfAGHFvp6EoSLCShi6zBwRQAABOwQIK3b0gSoQqJYAYaVabBxUQwHCSg0BORwBBBBAIGkBwkrSVOyIgH0ChBX7ehKGiggrYegyc0QAAQTsECCs2NEHqkCgWgKElWqxcVANBQgrNQTkcAQQQACBpAUIK0lTsSMC9gkQVuzrSRgqIqyEocsHzfHM1q1bP7Nx48aWoZw9k/a9wIknnrjp008/beX7iYRwAoSVEDadKQdHgLASnF76aSaEFT91KzW15uXlrZs0aVLbIUOGpOaEnAUBDwXat29fuHbt2lskPeThsAyVIgHCSoogOQ0CmRAgrGRCnTEJK+G6BurXrz+vZ8+eA5588sl64Zo5sw2CwLBhw4oWLlz4/Pbt238RhPmEcQ6ElTB2nTkHRoCwEphW+moihBVftaumxQ5s0aLFnE8++aRBTk5OTc/F8Qh4KjB//nyNGDFiS2FhYWtJRZ4OzmApEyCspIySEyHgvQBhxXtzRpQIK6G5ClrXrl37o6VLl2Z36dIlNJNmosEQ2Lhxo0499dR9xcXFPSS9HoxZhXMWhJVw9p1ZB0SAsBKQRvpsGoQVnzWsmuU2adLknbFjx541bty4ap6BwxDInMCPf/zjwr/97W/3SLovc1UwcioECCupUOQcCGRIgLCSIfiQD0tYCf4FkJWVNeWiiy4a9sILLzQM/myZYdAExo8fX/rwww8v27ZtW/egzS2M8yGshLHrzDkwAoSVwLTSVxMhrPiqXdUptlfjxo2f/Pjjj49o1qxZdY7nGAQyJvDcc89pwIABO3bv3n2ypG8zVggDp0yAsJIySk6EgPcChBXvzRmRNSsBvwaa1atXb/2CBQtye/XqFfCpMr2gCXz77bc6+eSTv9+xY0d/Sc8FbX5hnQ9hJaydZ96BECCsBKKNvpsEd1Z817KkC87Ly3t5yJAhF06aNKlW0gexIwKWCFx88cU7X3311fySkpLxlpREGSkQIKykAJFTIJApAcJKpuTDPS5hJbD9H9exY8db3nzzzdzAzpCJBVbgvvvu07Rp097Ztm3bOYGdZEgnRlgJaeOZdjAECCvB6KPfZkFY8VvHkqq3S05OztLVq1fXbt3avJKCDQH/CLz++uvq0aNH0b59+zpI2uifyqk0GQHCSjJK7IOApQKEFUsbE/CyCCuBa3Cd3NzcDbNnz24+YMCAwE2OCQVbYO/evWrbtu3OzZs3D5W0INizDefsCCvh7DuzDogAYSUgjfTZNAgrPmtYFeU2btz4z/369fv5nDlzXL+ifuXKlercuXP5CCtWrFCnTp1cA5nzPP7445o5c6bq1KlTfrz582XLlum2225zfc6CggLz9nJNnDjRfJh1fXx1D0hmXPMBe9SoUZo3b56qa+amPlPTnDlzdOONN+q9996r0NrN+Wzat3///ruXLFmyYNeuXdfaVBe1pE6AsJI6S86EgOcChBXPyRlQfBtYwC6CIe3atbtnzZo1rtepzJ8/X2+88UZ5wDAfiAcOHBgLFtUJLBW51iSs2Nyn9evX69FHH9Wdd955QDhLV81ej5eueSSe96GHHtKECRPWFxQUmK8pZguoAGEloI1lWuEQIKyEo8+2zZI7K7Z1pNr1nCnp7+a/tJ9xxhmuTmLuDNxxxx0aNGjQAXctTGDZtm1b7M/MB+R+/frpgw8+0E9/+lOZcGN+Fv8h3fkQffHFF+tPf/pTLPiYepy7NXfddVesrvg7K87YZm3Ntdf+6z+mO3cnzBhmvKVLl2ro0KF67bXXYndW3n33XZmvtX3ppZdi/3viiSf02Wef6fbbb4+dw7mjc/fdd8f+zGzOnzt3IjZt2qRzzjlHRUVF5fOuKATE31kx4zr1mF/NfIYNGxYLdaYOZ4zf/va35eOa2szPnbtNZlwT/k444YQq52Dqdu7YmN+b8czdFOfPzHi//OUvy6337NlTXsvpp5+uhQsX6rjjjov11mzTpk07wNfVRZLmnU1ffvSjH5lRzHX8fpqH4/QZFCCsZBCfoRGoqQBhpaaCHF8dAcJKddTsOyYvL2/dpEmT2g4ZMsR1ceZDugkB+fn5ysvLO+j4xEehnLswU6ZM0dSpU8s/7JtwcOGFF8aON4+BmVBiPlw7j26Zn1cUVsyH7+bNm8f2j6/lxRdfLL/bYz6IO4+BmdBgzu8EJhOiZs+erTPPPDP2Qf7KK68sryE+uDi1mTrMsWau5lezmUAR/3sHITGsOOOanzv1mN87oe2ZZ56JBSczl/i7U2afxHGrmoMJNs654gNl/HhO+DK9uPXWW2NzN2HIhCMznqnL/Or4VvaInuuLJsUHtG/fvnDt2rW3SHooxafmdJYJEFYsawjlIOBGgLDiRot9UyVAWEmVZObOU79+/Xk9e/Yc8OSTT9arThXmQ/X48eM1efLkCsNK4h2H+P1NoDCbuZvinGPdunWxMGH+q7/5cOzcSanoMbDEuzrxf21CSfwH//iwEv/n8bU7gcl8YI+/G2RqNHdsnCDlhBhnbjfddJPuvffeCu8uVTRuZeHB3FUxoch5dM4JQMcff/wBa0vMnyczh/h1RM7dkorCijE2c3d66NRnQtjcuXPLQ4yNj5ANGzasaOHChc9v3779F9W5fjnGXwKEFX/1i2oROECAsMIFkQkBwkom1FM65sAWLVrM+eSTTxrk5LheUx8rpLLHwJz/Cm8ewTIfrp01GfFhxXkUrHv37nrrrbdiwcQ5LpNhxcwr/k5G4l0fJ6w4c3fuRiSuO0m8s1LVnY5UhhVzZ8VZR2Tm4zyqF6SwYq6rESNGbCksLDTfsV2U0r8zOJmVAoQVK9tCUQgkJ0BYSc6JvVIrQFhJrafHZ2tdu3bt1UuXLs3p0qVLjYY+1AL7k08++YBv4orf1/kQbdZwmPUhzod+t4+BnX/++bFHsRIfA6vunRXzQd9s5pyJj2MlflOZCVcPPvigevXqFds/fnMbVg71GFj8uMncWTHfnObcpTEu119/vWbNmhUrz3nsLNnHwJzHw2y6s7Jx40adeuqp+4qLi3tIer1GFzAH+0aAsOKbVlEoAgcLEFa4KjIhQFjJhHpqxmzSpMnbY8eOPXvcuHEpOaH5AH3FFVeUnyv+a3grWmDvrG9x1kc460Di10Uks8DerDMpLCyMLQh3HnUyi/oTP9C7eQzMBCxn4bv5QgDzv2bNminxcSwz2UN9PbHbsGK+qjl+YX/iAnvnjk4yYaVJkyblX2pgFtM3aNBAffr0kTM3M5dkFtg763icR+O8/OayQ12Y5513XuGqVavukXRfSi5gTuILAcKKL9pEkQhULEBY4crIhABhJRPqNR8zKytrykUXXTTshRdeaFjzs2XuDM47Spz/8p+JSmxddJ4JC6/GHD9+fOnDDz+8bNu2bd29GpNx7BAgrNjRB6pAoFoChJVqsXFQDQUIKzUEzMzhvRo3bvzkxx9/fIS5W+DnLdNhxbmb5MXLHP3cp1TW/txzz2nAgAE7du/ebd6n8m0qz8257BcgrNjfIypEoFIBwgoXRyYECCuZUK/RmM3q1au3bsGCBY3MGgs2BPwkYN6Pc8opp3y/ffv2/pKe81Pt1JoaAcJKahw5CwIZEUhVWPns8081bMy1mnTbPTrrjLPL52JefnbXvbfrvQ/e05zp83RCqxPLf7ajcIdGjhumy3r/Qpf+/LIq52/2f/yPv9c1Vw1Vdb+BqMpBXO7w7vvv6PIremvgL6/U7TfdlfK6Fj3/jN7++1tJn9v0Ydkbr+q/fn2Ny5kcevdU2xNWUtqetJ8sLy/v5WuvvfbCyZMn10r7YAyAQIoFLrnkkp2vvPLK7JKSkltTfGpO5xMBwopPGkWZCFQkkKqwUlnwcELMx+vX6IF7Zx8QSswH/Ql333JQiKmsU7Memqlv/vl10h/cvei4qWn397v115WvHxTUvBg/fgwnGB515NG6fsiolA6fanvCSkrbk+6TjevYseMtb775Zm66B+L8CKRa4L777tO0adPe2bZt2zmpPjfn848AYcU/vaJSBA4SSFVYMSeu6AOtCSTPPPtnndruNH209sMDgoa5a2B+9sB9c9Qot1GV3Un1B+YqB6xiByeIjb/xNr3w8hKlIyS4qTGAYaW+JHOLaLobB/Y9SMC8wt38b181bLrk5OQsXb16de3Wrc0rKdgQ8I/A66+/rh49ehTt27evg6SN/qmcSlMtQFhJtSjnQ8BDgVSGFRNMZs2dcUD4MAHDbOed2/mAn1X0wdrsO/3Bf3+bpPNolTnePEo2/0+Px851Stv2sbsxxxzd/IA/Nz97+olnD3gMLf7Ojvl54uNazmNWJkzdMnHsAeePf2StopbEh63XVyyvMHg583RqT6yxqp8nPgbmPHbm1OPMZ2/R3tgjda+vfC32oy6dLijvQ+Ixjp8zv0MZJBonHlvdS7WKOysmpJjHNcZI2i+pTnXH4TgdIalQUrGkSZJmuAgtObm5uRvz8/ObJ74HBNeqBSr7ti+37xyp7OWZ8V9DXHU14dvD/LP1pJNO2rl58+ZhkuaHT4AZxwsQVrgeEPCxQCrDSuK6FeeDuFmTcmKr1rEP09cPHR0LE85jY85fJ941cX5+1pnnlD/SFL+PE2Di72YkPlbmfEh3Hj9z6jHHOutLzAf1kTcN15jrxsXGqWifitqbGLacuQ/5zbDyR90qCmTxNTpB4FBziA8rH328+oDH5hLPX9V4Tjgxju++93Z5mEnGINV3tSoJK05IMc+wmX+3DfYn9AAAIABJREFUmKByi6QHfPy3mA2l3ybpZkmlkqKSzDsmTGgxAabSrXHjxn/u16/fz+fMmVO9V9TbMHMLayCseNOU/v37716yZMmCXbt2XevNiIxiswBhxebuUBsCVQikMqw4H5bP+dGPYx/YzQf4mXN+q7vGT4k95mU+8B53bMvyn90xZbzuvHWyGjVqfECQcUpO/IAc/9fOnYTKFudX9khUYqCq6FG0ZNbSOEHIuZNTUcip6gsEqvq5cYgPKy++8pdDPjZX2d0qc574NSyJ80vGIM1hpUHZnRQnpNQuuwYKJDXhb+IaC5i7K+arWuuWnWl3WWiZIsnc+qwotAxp167dPWvWrAn8OhXnzoV5zM28BNFszlcKm7sXH3zwgZYuXaqxY8fqrLPOKn9honnho/n5tm3byt/sbl7O6ISRiy++WH/6059kXsj45Zdflh9nzmO2O++8U3v27Cl/iWT8iymdr1aeN2+efvWrX6lhw4YyL1k0L610NjP2G2+8oU2bNumll17SXXfdpdtuuy32ckjnDfTm5ZLjx4/X5MmT5bxMs8ZXkw9O8NBDD2nChAnrCwoKzNcUsyEQ+69fbAgg4FOBVIYVQ+A89mU+HCc+wpT4wbuib7lyPsA7jzPFP7ZVUXgxj41V9E1clQWBxA/0FX3bVjJhpbL1OYlfGOA82lbZt4VV9fP4+r76ekvsG9fMlxUkPu5m7KtasxL/mF3841zJGKQ5rDwtqbekw336t5Ffyy6S9JCkxG9jOEPSe+Yt8GecYX4b7M0JBs2bN4992DdhY+LEicrPz9eLL74YCwQmcJhg4bzN3nnTvfnZlClTNHXqVA0aNCgWJpywYNQef/zx2M9vvfVWOS+gdEJG4nEmWMyZM0c33nijnnnmGX322Wfl9Vx//fWaNWvWQWHFnN+cr27durEwY8Yw27Jly2LHmkfRnN8Hu4v/nt3777+vM8880/yB+b/3wzJv5nloAcIKVwgCPhZIdViJX7divmbYuZNiiMxdDeduyvMvPRtTc/6Lf/wHaeeD/cO/n3vAt39V9IHZeYTJaYHzOFfiY2bOz1MRVhIDVWL7nRqcP6+sxmR+nhgkEseODx2VPQZmvlrZbM6+2wu3H/A4mQVhpbI7K9sl5fn4by9bSk+8s/J92SNhFd5ZycvLWzdp0qS2Q4YMsaX+tNaRuCYk/q/ffffdA0LDo48+GrsjYu6gxN+1MKHGbOZuinMnY926dbGwMnTo0FigcI5z7ryMHDkyFnDMXRFnM3dX/vCHP8T2d8JPsmtWzDGJNZjw49xlSSuiRSdv37594dq1a83joyaIsyEQEyCscCEg4GOBVIcVJ5CMHDZGf1jwO40admP5u1WcD9OXdO8Z+/Ys8wiXWb9S2TtaDvUYWEXvWXFCgVmj0qVz1wrf4ZL4qFoyH9QT22uOeeh3cyr8yuXE9SAVHWvWyCR+jXNicHF+fqj3rDjBxRxrvlGtTk6d2BcOOGtgKrvTUtFjYIl3uRL3SfOdFeffI6xZSc8/S5w1K2a9ilm3UunjX/Xr15/Xs2fPAU8++WS99JRi31lTEVacR8G6d++ut956q/yuRlVhxdyFSXxE61D1JD4G5tx9MapOWDFfhmDOe9ppp+mFF14I1SNgw4YNK1q4cOHz27dv/4V9VxoVZVKAsJJJfcZGoIYCqQ4rzgfkevXq6+tvvipfr+KU6byX5ON1a2LrVcyi74q+Rcz5IH5s8xbli+GT+cDsPIZmXhwZ/8HdGb+iNStVfVCPJ67qUavEtSwVtSf+Ubmqfl7VSyHj71YlLtiv7O6SGf8vS5eUh61kAlsy9m4uRb4NzI1WjfZ1821gA1u0aDHnk08+aWDLS1drNPMkD3YeAzv//PNj60cSHwNzAoG5k1LRY2DmETGz3XHHHbH1Lbfffrs6deoUewSrqsfAzONhVY1r6nHzGJgZ2xxj6nIebUuSwte7mbA2YsSILYWFheY7ts0jjmwIlAsQVrgYEPCxQKrDiqFI/HapeJ6K3vhe0TdpOY+FxX8Fb1UL7BODSLLfBuYmrFR2F8iZY/xCe/OI27jbRsfuIJkvHDBb/PHON6RV9nNz16mqBfaH+oa0ihb9x3+NsbPuxcKw4nDynpXU/LMlmfestK5du/bqpUuX5nTp0iU1o/rkLE5YKSws1MKFCxW/0D3x64FNCOjXr18slDgL7J2F6yacmDsa5hjzZ/FfXZyuBfbffvtt7DEy878nnngiFrbM5szJWSfjk1ZUu8yNGzeqQ4cO+4qKinpIer3aJ+LAwAoQVgLbWiYWBoF0hJVD3V2o6CuJjXPiu0DMug+z3iX+cav4d6aYD9rOh31nMb45T+LjVYnvWaloPYmbsJLMHYb4x8ScbzqrrMaK1r/Ez6GiLykwj5E5W3yYi3d01qckjm/2N18Xbb4IwPma5WTCSqK9CVI12XiDfU30Un9skyZN3h47duzZ48aNS/3JLT9jED/Yx98dCsO3gJ133nmFq1atMl/J/e8XdVl+3VGetwKEFW+9GQ2BlAqkI6yktEBOFkgBwoo9bc3Kyppy0UUXDX/hhRfMFx2EbgtaWDF3dDp37nzAnZYgN3X8+PGl8+bNW1ZQUNA9yPNkbjUTIKzUzI+jEcioAGElo/yhHZywYk3rezVu3PjJjz/++IhmzZpZUxSFIJCMwHPPPacBAwbs2L17t3mfinmXEBsCFQoQVrgwEPCxAGHFx83zcemEFSua16xevXrrFixY0KhXr15WFEQRCCQrYNbrnHLKKd9v3769v6Tnkj2O/cIpQFgJZ9+ZdUAECCsBaaTPpkFYyXzDmjRp8vI111xz4eTJk2tlvhoqQMCdwCWXXPLdK6+8MqekpORWd0eydxgFCCth7DpzDowAYSUwrfTVRAgrGW/XuI4dO97y5ptv5ma8EgpAwKXAfffdp2nTpr2zbdu2c1weyu4hFSCshLTxTDsYAoSVYPTRb7MgrGS0Y12ys7OXfvTRR7VbtzavpGBLlYD56mLznhWzxX+1cfxXHjtjXXvttbF3odSpU6d8+MqOT1V9QTjP66+/rh49ehTt27evg6SNQZgTc0i/AGEl/caMgEDaBAgraaPlxIcQIKxk7PLIyc3N3Zifn9/ceSdHxioJ0MCJL5Y0U4t/74rzhvs777yzPJyY97G88cYbscBitlGjRpW/IDLx+DB8/XAyl4N5d9RJJ520c/PmzcMkzU/mGPZBwAgQVrgOEPCxAGHFx83zcemElcw0r3Hjxn/u16/fz+fMmZOTmQqCOaq5c/Loo48qPoyYmZo/b9KkiSoKKybgmLfeDxo0KIZyqOMJK/+6bvr37797yZIlC3bt2nVtMK8kZpUuAcJKumQ5LwIeCBBWPEBmiIMECCsZuSiGtGvX7p41a9awTiXF/Ilvuk88fWVhxjz2deGFF2rTpk367LPPdNttt6W4suCc7qGHHtKECRPWFxQUmK8pZkPAlQBhxRUXOyNglwBhxa5+hKUawornnT5D0nt///vfdeaZZ3o+eNAHNI98LVu2rNKwUVVYMT6HOj7oflXN7/3333eu2x+Z67iq/fk5AokChBWuCQR8LEBY8XHzfFw6YcXb5uXl5a2bNGlS2yFDhng7cEhGO1QYOeGEE3TWWWcd9JhXMo+BmTsv5viwry9q37594dq1a2+R9FBILimmmWIBwkqKQTkdAl4KEFa81GYsR4Cw4t21UL9+/Xk9e/Yc8OSTT9bzbtRwjcQC+/T1e9iwYUULFy58fvv27b9I3yicOegChJWgd5j5BVqAsBLo9lo7OcKKZ60Z0KJFi7nr169vEP8VuZ6NHqKBnMAyb9682KzdfnXxoY4PEeMBU12wYIGGDx++pbCwsI2kvWF1YN41FyCs1NyQMyCQMQHCSsboQz0wYcWT9reuXbv26qVLl+Z06dLFkwEZBIFUCWzcuFEdOnTYV1RU1EPS66k6L+cJpwBhJZx9Z9YBESCsBKSRPpsGYSX9DWvSpMnbY8eOPXvcuHHpH4wREEixwHnnnVe4atWqeyTdl+JTc7oQChBWQth0phwcAcJKcHrpp5kQVtLbraysrMndunUb8eKLLzZI70icHYHUC0yYMKH0oYceWlZQUNA99WfnjGEUIKyEsevMOTAChJXAtNJXEyGspLVdvRo1avTkunXrjmjWrFlaB+LkCKRa4LnnntOAAQMKd+/e3VbSt6k+P+cLpwBhJZx9Z9YBESCsBKSRPpsGYSVtDWtWr169dQsWLGjUq1evtA3CiRFIh8C3336rU0455fvt27f3l/RcOsbgnOEUIKyEs+/MOiAChJWANNJn0yCspKdhTZo0efmaa665cPLkybXSMwJnRSB9Apdccsl3r7zyypySkpJb0zcKZw6jAGEljF1nzoERIKwEppW+mghhJS3tGnfuuefe8tZbb+Wm5eycFIE0Ctx3332aNm3au9u2bTs7jcNw6pAKEFZC2nimHQwBwkow+ui3WRBWUt6xLtnZ2Us/+uij2q1bt075yTkhAukUeP3119WjR4/iffv2nSppYzrH4tzhFCCshLPvzDogAoSVgDTSZ9MgrKS0YTm5ubkb8/Pzmw8cODClJ+ZkCKRboKioSCeddNLOzZs3D5M0P93jcf5wChBWwtl3Zh0QAcJKQBrps2kQVlLXsMaNG/+5X79+P58zZ05O6s7KmRDwRqB///67lyxZsmDXrl3XejMio4RRgLASxq4z58AIEFYC00pfTYSwkrJ2DWnXrt09a9asYZ1Kykg5kVcCDz30kCZMmLC+oKDgZK/GZJxwChBWwtl3Zh0QAcJKQBrps2kQVlLTsNatW2/auHFjy9ScjbMg4K1A69atv9i4ceNlkt7zdmRGC5sAYSVsHWe+gRIgrASqnb6ZDGHFN62iUAQQQMD3AoQV37eQCYRZgLAS5u5nbu6ElczZMzICCCAQNgHCStg6znwDJUBYCVQ7fTMZwopvWkWhCCCAgO8FCCu+byETCLMAYSXM3c/c3AkrmbNnZAQQQCBsAoSVsHWc+QZKgLASqHb6ZjKEFd+0ikIRQAAB3wsQVnzfQiYQZgHCSpi7n7m5E1YyZ8/ICCCAQNgECCth6zjzDZQAYSVQ7fTNZAgrvmkVhSKAAAK+FyCs+L6FTCDMAk5YWfWX/9P2b3aEmYK5eyjQ+KhG6viz/5AJLcOmD+DfIx7aMxQCCCAQNgH+JRO2jjPfQAk4YSVQk2IyvhEgrPimVRSKAAII+FaAsOLb1lE4AtLvJ/7v53t27T0eCwQyIVC3fp1NV038z1aZGJsxEUAAAQTCIUBYCUefmSUCCBwsUF/SY5KulrQLIAQQQAABBBCwT4CwYl9PqAgBBLwRuEfSGEnTJd3izZCMggACCCCAAAJuBAgrbrTYFwEEgiJg7qpslZQtqVhSU+6uBKW1zAMBBBBAIEgChJUgdZO5IIBAsgLmrspoSbUl7ZM0g7srydKxHwIIIIAAAt4JEFa8s2YkBBCwQyD+ropTEXdX7OgNVSCAAAIIIHCAAGGFCwIBBMImEH9XxZk7d1fCdhUwXwQQQAABXwgQVnzRJopEAIEUCZi7KgWS9kvaI6lx2V/XlZQlKY+1KymS5jQIIIAAAgikQICwkgJEToEAAr4RMN/+NUnSzZIekBSVZP45OFLSVEkTyr4dzDcTolAEEEAAAQSCLEBYCXJ3mRsCCFQl4ISVqvbj5wgggAACCCCQAQHCSgbQGRIBBKwRIKxY0woKQQABBBBA4GABwgpXBQIIhFmAsBLm7jN3BBBAAAHrBQgr1reIAhFAII0ChJU04nJqBBBAAAEEaipAWKmpIMcjgICfBQgrfu4etSOAAAIIBF6AsBL4FjNBBBA4hABhhcsDAQQQQAABiwUIKxY3h9IQQCDtAoSVtBMzAAIIIIAAAtUXIKxU344jEUDA/wKEFf/3kBkggAACCARYgLAS4OYyNQQQqFKAsFIlETsggAACCCCQOQHCSubsGRkBBDIvQFjJfA+oAAEEEEAAgUoFCCtcHAggEGYBwkqYu8/cEUAAAQSsFyCsWN8iCkQAgTQKLJfUNY3n59QIIIAAAgggUAMBwkoN8DgUAQR8L8CdFd+3kAkggAACCARZgLAS5O4yNwQQqEqAsFKVED9HAAEEEEAggwKElQziMzQCCGRcgLCS8RZQAAIIIIAAApULEFa4OhBAIMwChJUwd5+5I4AAAghYL0BYsb5FFIgAAmkUIKykEZdTI4AAAgggUFMBwkpNBTkeAQT8LEBY8XP3qB0BBBBAIPAChJXAt5gJIoDAIQQIK1weCCCAAAIIWCxAWLG4OZSGAAJpFyCspJ2YARBAAAEEEKi+AGGl+nYciQAC/hcgrPi/h8wAAQQQQCDAAoSVADeXqSGAQJUCvMG+SiJ2QAABBBBAIHMChJXM2TMyAghkXoA7K5nvARUggAACCCBQqQBhhYsDAQTCLEBYCXP3mTsCCCCAgPUChBXrW0SBCCCQRgHCShpxOTUCCCCAAAI1FSCs1FSQ4xFAwM8ChBU/d4/aEUAAAQQCL0BYCXyLmSACCBxCgLDC5YEAAggggIDFAoQVi5tDaQggkHYBwkraiRkAAQQQQACB6gsQVqpvx5EIIOB/AcKK/3vIDBBAAAEEAixAWAlwc5kaAghUKUBYqZKIHRBAAAEEEMicAGElc/aMjAACmRcgrGS+B1SAAAIIIIBApQKEFS4OBBAIswBvsA9z95k7AggggID1AoQV61tEgQggkEYB7qykEZdTI4AAAgggUFMBwkpNBTkeAQT8LEBY8XP3qB0BBBBAIPAChJXAt5gJIoDAIQQIK1weCCCAAAIIWCxAWLG4OZSGAAJpFyCspJ2YARBAAAEEEKi+AGGl+nYciQAC/hcgrPi/h8wAAQQQQCDAAoSVADeXqSGAQJUChJUqidgBAQQQQACBzAkQVjJnz8gIIJB5AcJK5ntABQgggAACCFQqQFjh4kAAgTALEFbC3H3mjgACCCBgvQBhxfoWUSACCKRRgLCSRlxOjQACCCCAQE0FCCs1FeR4BBDwswBhxc/do3YEEEAAgcALEFYC32ImiAAChxAgrHB5IIAAAgggYLEAYcXi5lAaAgikXYCwknZiBkAAAQQQQKD6AoSV6ttxJAII+F+AsOL/HjIDBBBAAIEACxBWAtxcpoYAAlUKEFaqJGIHBBBAAAEEMidAWMmcPSMjgEDmBQgrme8BFSCAAAIIIFCpAGGFiwMBBMIsQFgJc/eZOwIIIICA9QKEFetbRIEIIJBGAcJKGnE5NQIIIIAAAjUVIKzUVJDjEUDAzwKEFT93j9oRQAABBAIvQFgJfIuZIAIIHEKAsMLlgQACCCCAgMUChBWLm0NpCCCQdgHCStqJGQABBBBAAIHqCxBWqm/HkQgg4H8Bwor/e8gMEEAAAQQCLEBYCXBzmRoCCFQpQFipkogdEEAAAQQQyJwAYSVz9oyMAAKZFyCsZL4HVIAAAggggEClAoQVLg4EEAizAGElzN1n7ggggAAC1gsQVqxvEQUigEAaBQgracTl1AhUITCgTZs2kzds2DBe0gK0EEAAgYoECCtcFwggEGYBwkqYu8/cMylwc15e3oS77rrriNtvv/37goKCSZKmZrIgxkYAATsFCCt29oWqEEDAGwHCijfOjIJAuUCDBg1+36pVqz6LFy/Obdmypb744gv16dOn8PPPP1+8c+fOq6BCAAEE4gUIK1wPCCAQZgHCSpi7z9y9Fsht2rTp8506dTrtmWeeqR+J/PsjSDQa1WWXXbZr5cqVH27duvXnkgq9Lo7xEEDATgHCip19oSoEEPBGgLDijTOjINChUaNGzw8ePPiYe++9N6syjptuuqnkkUce+WrHjh0msKyGDQEEECCscA0ggECYBQgrYe4+c/dKoGd2dvZTM2fOzBk6dGiVY86dO1ejRo0qKi4u7itpSZUHsAMCCARagLAS6PYyOQQQqEKAsMIlgkB6BYbm5OTMfOqpp7J79uyZ9EhLlixR3759i4uKikZJmpv0geyIAAKBEyCsBK6lTAgBBA4hMEaS+dahmyU9IMkJKyPLvologqTpCCKAQM0FsrOzpx199NGDn3322YYdOnRwfcLVq1erd+/e33399dePFBcXj3V9Ag5AAIFACBBWAtFGJoEAAkkK1JdUIKlE0h5JeZK2S6ojyTxHb/56V5LnYjcEEKhYIJKXl/fsqaee2nnRokW5ubm51XYqLCzUpZdeWvjRRx+tKCgo6F32HxiqfT4ORAAB/wkQVvzXMypGAIGaCdwjabSk2nGn2SdphqRbanZqjkYg9AIt8/Lynu/Tp8+Jjz76qPmPACnZBg0atHfx4sWfFhQUmIX3X6TkpJwEAQR8IUBY8UWbKBIBBFIoYO6ubJWUHXfOYklNuauSQmVOFUaBzvXr11986623Nr75ZvOkZWq3qVOnasqUKdt37drVR9KK1J6dsyGAgK0ChBVbO0NdCCCQToH4uyvcVUmnNOcOi8AASfPnz5+vAQPMb9OzLViwQAMHDjQnN/+3ID2jcFYEELBJgLBiUzeoBQEEvBKIv7vCXRWv1BknqAI35+XlTVi0aNERnTt3TvscV6xYYdaxfF9QUGC+LGNq2gdkAAQQyKgAYSWj/AyOAAIZFDB3V8y3g5lv/2KtSgYbwdD+FWjQoMHvW7Vq1Wfx4sW5LVu29GwiX3zxhfr06VP4+eefL965c+dVng3MQAgg4LkAYcVzcgZEAAFLBMzdlcckXc1aFUs6Qhl+Esht2rTp8506dTrtmWeeqR+JeP9xIhqN6rLLLtu1cuXKD7du3WoW3hf6CZBaEUAgOQHv/+mSXF3shQACSQi0adPm8w0bNhyfxK7sgkDKBdq0abNpw4YNrVJ+Yk5ou0CHRo0aPT948OBj7r33XvOV3xndbrrpppJHHnnkqx07dpjAsjqjxTA4AgikXICwknJSToiApwJR818X2RDIhEDZf03n3yOZwM/cmD2zs7OfmjlzZs7QoUMzV0XCyHPnztWoUaOKiouL+0paYk1hFIIAAjUW4F8yNSbkBAhkVCAWVrp27arXXnsto4UweHgELrjgAi1fvlyElfD0vGymQ3NycmY+9dRT2T179rRu8kuWLFHfvn2Li4qKRkmaa12BFIQAAtUSIKxUi42DELBGIBZWzIdG7rBY05PAF+Jcb4SVwLe6fILZ2dnTjj766MHPPvtsww4dOlg78dWrV6t3797fff31148UFxePtbZQCkMAgaQFCCtJU7EjAlYKEFasbEuwiyKsBLu/CbOL5OXlPXvqqad2XrRoUW5ubq71ky8sLDRfbVz40UcfrSgoKOgtiWdlre8aBSJQuQBhhasDAX8LEFb83T9fVk9Y8WXbqlN0y7y8vOf79Olz4qOPPlqnOifI5DGDBg3au3jx4k8LCgrMwvsvMlkLYyOAQPUFCCvVt+NIBGwQIKzY0IWQ1UBYCUXDO9evX3/xrbfe2vjmm2/27YSnTp2qKVOmbN+1a1cfSSt8OxEKRyDEAoSVEDefqQdCgLASiDb6axKEFX/1qxrVDpA0f/78+RowwPzW39uCBQs0cOBAMwnzfwv8PRuqRyB8AoSV8PWcGQdLgLASrH76YjaEFV+0qbpF3pyXlzd+0aJF9Tp37lzdc1h33IoVK8w6lt0FBQWTJU21rkAKQgCBSgUIK1wcCPhbgLDi7/75snrCii/bVmXRDRo0+H2rVq36LF68OLdly5ZV7u+3Hb744gv16dOn8PPPP1+8c+fOq/xWP/UiEFYBwkpYO8+8gyJAWAlKJ300D8KKj5qVXKm5TZs2fb5Tp06nPfPMM/XLvpI6uSN9tpf5ivfLLrts18qVKz/cunWrWXhf6LMpUO6BAs1bt269cuPGjcFL13Q6JtCmTZtNhBUuBgT8LUBY8Xf/fFk9YcWXbaus6A6NGjV6fvDgwcfce++9WYGa2SEmc9NNN5U88sgjX+3YscMEltVhmXfQ5lm3bt0HBw8efM39999fO2hzYz7SDTfcsO+RRx55mLDC1YCAvwUIK/7uny+rJ6z4sm0VFd0zOzv7qZkzZ+YMHTo0MJNKdiJz587VqFGjioqLi/tKWpLscexnjUBzSf/4xz/+oebNzW/ZgiSwZcsWHXvssWZKxxJWgtRZ5hJGAcJKGLue4TkTVjLcgNQMPzQnJ2fmU089ld2zZ8/UnNGHZ1myZIn69u1bXFRUNErSXB9OIbQlc1cl2K137qrs2bPnOsJKsHvN7IIvQFgJfo+tmyFhxbqWuCooOzt72tFHHz342WefbdihQwdXxwZx59WrV6t3797fff31148UFxePDeIcAzgn7qoEsKnOlOLvqkjaQlgJcLOZWigECCuhaLNdkySs2NUPF9VE8vLynj311FM7L1q0KDc3N9fFocHetbCw0Hy1ceFHH320oqCgoLekaLBn7O/ZcVfF3/2rqvr4uypmX8JKVWL8HAG7BQgrdvcnkNURVnzZ1pZ5eXnP9+nT58RHH320ji9n4EHRgwYN2rt48eJPCwoKzML7LzwYkiHcC3BXxb2Zb45IvKtCWPFN6ygUgUoFCCtcHJ4LEFY8J6/pgJ3r1au3ePz48Y1vvvnmmp4r8MdPnTpVU6ZM2b5r164+klYEfsI+myB3VXzWMJflJt5VIay4BGR3BCwUIKxY2JSgl0RY8VWHB0iaP3/+fA0YYH7LlozAggUL9P/bex8or64qz3fHTndBhErhD1zBuCQYMK4JJPPsfjPpodKrO7YmE0aqHzKaB+pkmlejFY02UQcaDCZEEpiYlNoxNS4aX2YUpnXRrCqErE5eG11avM6sp+lJIK+1IRIyMXQaflIpiFBORmbtX+pUDjf3V797f3X/nHPu57dWCFSde87en33r1vnevc85q1at0qb6x84k19CmEAJkVQrBXM4gcVkVxEo5sWBUCGRJALGSJU36SkQAsZIIkwuN1tU6LOjkAAAgAElEQVRqtQ2Dg4Mzuru7XbDHKxuGh4d1Hcvper2+WUS2eGV8oMaSVQk0sONuxWVVECthxxzvqkEAsVKNODvlJWLFqXDEGtPZ2fnQ/Pnze4aGhrrmzeNw73YjdvToUenp6Rk5cuTI0Ojo6M3t9sN1mRAgq5IJRjc7aZZVQay4GS+sgkAaAoiVNLRomwkBxEomGPPqpGvOnDl7lyxZctXu3btnaqz4TI3AuXPnZPny5af279//1PHjx3Xh/cjUeuTqdgiQVWmHmj/XNMuqIFb8iSGWQqAZAcQK90bhBBArhSNPOuDiWbNm7e3t7X3L1q1bL0x6Ee2SEVi7du0r27Zte+HkyZMqWA4ku4pWGREgq5IRSBe7mSyrglhxMWLYBIF0BBAr6XjROgMCiJUMIGbfxdKOjo5d/f390/r6+rLvnR4bBAYGBmTNmjVnx8bGVojIPrAUQ4CsSjGcyxplsqwKYqWsqDAuBLIjgFjJjiU9JSSAWEkIqrhmfdOmTevftWtXx9KlS4sbtaIj7du3T1asWDF29uzZNapfKoqhSLfJqhRJu+CxWmVVECsFB4ThIJADAcRKDlDpcnICiBV37pCOjo57586d27tnz56LFy9e7I5hgVty4MABWbZs2UvHjh3bNjY29tnA3S3VPbIqpeLPffBWWRXESu4hYAAI5E4AsZI7YgaIEkCsOHFPXFCr1fYsWrSoe3BwsKurq8sJo6pkxMjIiG5tPHLw4MHher2+TETOVcn/gnwlq1IQ6DKGSZJVQayUERnGhEC2BBAr2fKktwQEECsJIOXbZF6tVtvb09Nz+fbt26fnOxS9tyKwevXqM0NDQ8/U63VdeH+0VXu+n5wAWZXkrHxsmSSrgljxMbLYDIHzCSBWuCMKJ4BYKRy5PWD3jBkzhjZs2PCmdevWlWoIg79GYMuWLbJ58+ZfnD59ukdEhmGTCQGyKplgdLOTpFkVxIqb8cMqCKQhgFhJQ4u2mRBArGSCsZ1OVorIjh07dsjKlfpXPi4R2Llzp6xatUpN0j92umSbj7aQVfExasltTppVQawkZ0pLCLhKALHiamQCtguxUkpw19VqtQ2Dg4Mzuru7SzGAQVsTGB4e1nUsp+v1+mYR2dL6Clo0IZAqq/LTn/5UPvjBD8qTTz7Z6O6b3/ymEY6pAO/fv1++8Y1vSH9/v0yf/lqFpfa/fft2ufPOO8/7ut35mTNn5POf/7ysXr1arrjiithxtZ+HH35Yt79uapex4e6775b169fLhz/8YVmyZElLPwyDSy65RN9oSK1Wa3lNWQ3SZFUQK2VFiXEhkB0BxEp2LOkpIQHESkJQGTXr7Ox8aP78+T1DQ0Nd8+bNy6hXusmLwNGjR6Wnp2fkyJEjQ6OjozfnNU7I/abJqujk/q677pqYoKtoUDFw7bXXtiVY4rhmJVbU1scee0xuv/32luEzfiQVKypQ9DOe3WvZf5kN0mRVECtlRoqxIZANAcRKNhzpJQUBxEoKWFNr2jVnzpy9S5YsuWr37t0zlTsfPwicO3dOli9ffmr//v1PHT9+XBfej/hhuRNWpsqqqFC57rrrzss+1Ot1OXHiRCPDoX/XCfwjjzwiV199tXzrW99qOGlnSowYueGGG+Tb3/52I7Py3HPPTWRrPvvZV3enjmZWjKD42te+JjfddJNcfPHFDaGk46pdGzdubFynmR7t29ixadOmhmCx23z0ox9tjPvEE080sjt2ZuWd73zn63ywszcqgkzG9etf/7r83d/9XWPcRx99dMJfk3m6/vrrG8JOPxs2bGjYetttt4l+XW36+Mc/3shQaZYwSUYn7R2TNquCWElLmPYQcI8AYsW9mARvEWKlkBAvnjVr1t7e3t63bN269cJCRmSQzAmsXbv2lW3btr1w8uRJFSwHMh8gwA7TZFVUiHziE5+QO+64I7b0KpqdMFkYFSpf/vKXJ0q2jOBRnFGhoBN2ndz/8Ic/fF15mH79Zz/7WWOSr4Lnk5/8pHzlK1+RH/3oR43ImCyHipAbb7yxIaBMZiVacjaZDc8+++xEf82yM0aALF++/LzMUpSR8UVt1pI1zdyonTq+CglbMEXL4bK43dJmVRArWVCnDwiUSwCxUi7/So6OWMk97Es7Ojp29ff3T+vr68t9MAbIl8DAwIBOHs+OjY2tEJF9+Y7mfe+psiqt1onoRF2zB5s3b26s4bDbG0GhGQ/T5ic/+UlDrOjPnU7qTSYlrgwsOrb9b83OmKyKiYhmVy677LLzysCia200mxEnmPRrJnPSLOMRFSumfCxqu2Hy6U9/umGjEXp2GVmSsrd27rR2siqIlXZIcw0E3CIQvFhp9kYrizDYb8Wy6C+vPvJk0I7NiJV2qCW+pm/atGn9u3bt6li6dGnii2joNoF9+/bJihUrxs6ePasrqwfctrY869JkVYyVcWVgOtnWSbiWW913332xYkWv1wzLe97zHnn88ccb2RGT7chCrERL03Q8OysSXWvTKrtjrlfRYkq57EX0PoiVdrIqiJXyfh4ZGQJZEWhLrOhD7UMf+tCEDfqQ/sd//EfRutu4j3mTY9fnarvJalpNLa6pEW62O4pds2va/uAHP9B6b9G3XPpgNrW89u4sUwVoGJjaYbs/u/43Ok4rf6Zqlw/XI1ZSRWmmiJxKckVHR8e9c+fO7d2zZ8/FixcvTnIJbTwicODAAVm2bNlLx44d2zY2NvbqIohkn2tE5PFkTb1ulSqrYjydbIG9KYkyWQa77UUXXdTYvUvXZ2iGQcu9mu3E1U4ZmCkbUzt1HYvaoB9TBmZnMsy6GrPwPlqKZpeBRbNFhkMzsTJZGdhnPvOZwjIr7WZVECte/0xjPAQaBNoSK3qh/XA0i+jiHshGTNjCZLKJvvZtUtvXXHPN62p8TdzM+JoWN3WxRgzpWy5dBKkCJ8+swmSZlWY7sQwNDYkudmwmvrK4L7dt29YQa65uPYlYSRxlnXx9X0R2icjdk4iWC2q12p5FixZ1Dw4OdnV1dSUeoMyG+mx4+9vfft7uQ/bLB2Ob2Ua2VWmJfW3cm+Oor+1u8Voms5GREd3aeOTgwYPD9Xp9mT7DJ7HnX4qInvypYuVfiMiPy7Q977HbyarYgsXe0tveujhugb15fkeFjr2OJOsF9rouxPxufP/73y+33HLLxKJ5vd/1vze/+c2NUrGoWHnXu97VEDzmhWLci8JmYsX+nazCzF5gb6/3ybsMrN2sCmIl7588+odA/gQyFStxe8ybB71ZhKcumVT2X/7lX06ICttVndBrm9HR0VixYoSAXhO3gM8WBK6JlbxDGv3lmfd47fSPWElF7Xsicq2IvKK3e4xomVer1fb29PRcvn379tcOdkg1RPGN9bmwdetWmTt3rnzsYx+bOHsiWpJjv9VVK+POqojbajbJz4GPYsVEavXq1WeGhoaeqdfruvD+aCSCeqjkn4qI7lM9TQ8CFRFft0C+T0SeEpH/1OIubSurUvydz4jtEJhKVgWx0g5xroGAWwRyFysmi2K/ydFJwi9/+UtRsXLppZeet2e8Tk52794tmmKP2z3Ffsuj20G22hN+smyP9mVKxNQesy2k2mpv9Wjbbt7e6nX6turFF1+M3fM+mlkxfvX29p63FWazsYzdOpG7+eabX7cVpL2w0pSW6YJPuzzPvB1Um/VjSgTiFmVGs2PNxs3i9kWspKL4z0REBctFIvKr8TfpRrRcPWPGjKENGza8ad06fYHuz8e8hVWL9U2wuf/i1g+Yr82ePTtWrDTLuOjX9Rp9lthvlU3pps9iRblt2bJF11L84vTp0z36DkhEPi4i68cFyqzxu0EzL28XkVe3g/Lvo369S0R+Mp4leiTOhalkVfxDUj2Lp5JVQaxU737B4/AIZC5Woqdjx5Vj6CTBfHRPdlOypV8zWRGdeDcTK2ZNSJJ93KNixS7dimZojGDRSb1OnqKlbnZfJsWv6fi4A7qi63PUN3t9S7Rv+99aX2xEhxFTKuAMDx3bbHFp9uO3t4y0DziLltxF649tlq3GzWrNT0SshPdTlb1H/1NEfsPq9n+IyJ6FCxf+9nvf+97LHnjggexHzLFH/dn44he/2Chj0a1Y7WxJO5mVVhtdRH/mzSnhOnbcNrM5up5511qG8+ijjz576NAhXZPyf4hIR2QQPZ/lv4nI2Rz/G8vcsdc6VLH+mIi8UUROj4syPRHx/7PGJKuSYwDK7nqqWRXEStkRZHwITJ1A5mJFf/nbpVlmsmzXABuxYupoTXZFJ9IPPvig6KI9e3IenSTHZWuaobAFhoqR6J769t72+hZWsytxYkUzLdFr06xZsTMrautkYiVuX37bD2Vj9uaP+h1X/mJnVuJsjn7fFol5lNGRWUn1gxtcZsXe0Si6fWs7a1aSnOptb3phMpG+i5VIZuUZEbljvNzrt6w7TL/+f41nW7QkLI//dLw8xdA949kV45aOtUdEvqBnz5BVSfU88a7xVLMqiBXvQo7BEHgdgdzFio6oExCdLOjEVxd9G7Fidk8x2RWdPOhnskO09PvtZlaiGYmoaDClX3FiRYWMnc3Qa9OIlSj5qYgVfSsdXZhs+m8lVqIlYcYPI1CiIhGxUvpTI7g1K3GCxD6RO27LVo3CZOVecWtZzAJ+vdbeWSmEzMoka1auHJ/Ev2c8GzEqIu8Xkb/O8U5+Q04iyAirfyoiumvEb1o+qGBRnz4mIs8///zzjZJiPmERyCKrglgJ657Am2oSKEys2IvpbbFiJu1XXXWVLFiwoLE9o2ZSJpskt1pgb/cfzaxo5sRe7G+XRU2WWXFJrEw1s6LZLyMco6IrrmyuWTleuz8yZFYSkwtuN7A4wWFvpaqZ1bRipdUCe7tPO5PqY2YlxW5g3SKiGYn/XXWeiFyd+K5zq+ElKkasMsiTIqJlZ7o73lcvuuiiL/f29v67L33pS3Y2yS0PsKZtAllkVRArbePnQgg4QyBTsRInMEwWxF6voe3sRbVxpWKt3ug32944WhIS7UffttrCyc6ORHcuM3ZptL773e+KniqsHy1zsxfkx521Ere1sx31ycbStTi6fqRZOZZZL/PVr351YmGy2a5Yz5ZRH//8z/9cfvzjH0tPT0/j3/rRjJG99aX+u9ke+qaUr1Uc2rmTESupqAV1zkrcAnojmPX/Wt6YVqzoddE1YvZaOXtDCV0D1tnZ2fi50I9Pa1baPGdFtzfWLMutqe46dxr/RxFZPV5m9ty4SNHdzfTjxFqVVmum3EGZ3JI4n+LOD7M3qNmwYcPE4ZnJR2reMqusCmIli2jQBwTKJdCWWLEn8WYSPNmhkGYyH51QmK/bb1a1P7Mrl/59skMU7f3vDcaoKIouVNesjV2GEj0w0vbt/vvvl0ceeeR1a1j0a2Zf+9OnT79ugX30od7sUMpmY0UXuuvaHu1DP6avJ554onHgpfmYzQYMk3/4h39obFygAksPLNOPYdNsNzDbHrPbWXTcLBbZI1Zy/aHnBPtc8ZbTeUVPsNeSNt04QDcI0CzRwzZ91qrkcy+aDTC0d90Ew5zXFbc2zJRa3nDDDZK1WMkqq4JYyec+oVcIFEmgLbFSpIGMFR4BxEruMV3a0dGxq7+/f1pfX1/ugzFAvgQGBgZ06+WzY2NjK0RkX76jOde7HmipgiX6ySyrEp2Em3/rRi+TbXmtL5V0faWuHzQbntgvfOyXcfbmLPZ49oszexMa29m4PrUP3TlTzyLTgx7tF2LNbFAxoR9tP9lLQGOfZjjVR3M8QJxYMV9TUWOLlSR+TXanZZlVQaw49zONQRBITQCxkhoZF0yVAGJlqgQTXb941qxZe3t7e9+ydevWCxNdQSPnCKxdu/aVbdu2vXDy5Ek9/PGAcwaWZFCWWRU7s69n8pgNGHT7fCNC7F3rdK1TdHt4U75odsNULCp0rr32WtGsQ5xY+cAHPjCxbbeWFcdlJsxZQFqWa/epZdT2tv8mw6Fff+yxxyay/abk2mweY9ZrTla6pmPdeOONjTOKbJuSZlbs7cib+dXqtskyq4JYaUWb70PAfQKIFfdjFJyFiJXCQto1Z86cvUuWLLlq9+7dM5U7Hz8InDt3TpYvX35q//79Tx0/flyFip6XwudVApllVQzQZgePTrbltb2uT8WKZlj0E81EaNYhTqzo103Jc9y6R+1LRUVcn5r1sEWJERJqg30wsF6rfTezIXpGWHQDDHuNWdI1K8ZeLZdu5tdkN3LWWRXECo8NCPhPALHifwy98wCxUmzIOjs7H5o/f37P0NBQ17x584odnNFSEzh69KhuADBy5MiRodHR0ZtTdxD4BVlmVQwqe7JvJtv25iL6teiW11MVK0Yo2GsvowcdtyNWbHFj/Is7DNgWO6ZddD2qft1eJxl3jbaxs1Nmjctkfk12i2adVUGsBP5AwL1KEECsVCLMbjmJWCklHutqtdqGwcHBGfbGDKVYwqBNCehk9Y/+6I9O1+v1zSKyBVSvI5B5VsVMtjX7oRmtO++8U6644opGqZfZmS5uy+uoWNG2cWVgy5cvb5SEaQmWrnExuzPaZWBm45foTniTlYHZpWh2GVjc15uVotmZlTjBES1/SyJW7DKwZn41u6/zyKogVniKQMB/AogV/2PonQeIldJCtvLVypIdsnKl/pWPSwR27txpSohWichOl2xzxZY8sip2VsHeLr7VltdRsaIT/7jF7dq/XUKlC9xffvnlhoBp1t7m3WyBvZZYvfjii/Lkk0+eV26VdpG/7b/+3ZSxma/bC+6TiBXNrCTxK+6eyiOrglhx5acXOyDQPgHESvvsuLJNAoiVNsFlc1n3jBkzhjZs2PCmdevWZdMjvUyZwJYtW/SMil+cPn1aD4AZnnKHYXaQS1bFR1R2xiWL7eRdYJBXVgWx4kJ0sQECUyOAWJkaP65ugwBipQ1o2V4yr1ar7e3p6bl8+/bt07Ptmt7SEli9evWZoaGhZ+r1ui6kP5r2+qq0zzOr4hvDEMVKXlkVxIpvdzf2QuD1BBAr3BWFE0CsFI48bsALarXankWLFnUPDg52dXV1OWFUlYwYGRnR9SkjBw8eHK7X63rS/Lkq+Z/SV7IqKYH51DzPrApixac7AVshEE8AscKdUTgBxErhyJsO2NHRce/cuXN79+zZc/HixYvdMSxwSw4cOCDLli176dixY9vGxsY+G7i7U3aPrMqUETrdQZ5ZFcSK06HHOAgkIoBYSYSJRlkSQKxkSTOTvvqmTZvWv2vXro6lS5dm0iGdNCewb98+WbFixdjZs2fXiMgArFoSIKvSEpG/DfLOqiBW/L03sBwChgBihXuhcAKIlcKRJxlwaUdHx67+/v5pfX19SdrTpg0CAwMDugvU2bGxsRUisq+NLip3CVmVsEOed1YFsRL2/YN31SCAWKlGnJ3yErHiVDhsYxbPmjVrb29v71u2bt16obNWemrY2rVrX9m2bdsLJ0+e1IX0Bzx1o2izyaoUTbzA8YrIqiBWCgwoQ0EgJwKIlZzA0m1zAogVp++Orjlz5uxdsmTJVbt3756pseIzNQJ60ODy5ctP7d+//6njx4+rUBmZWo/VuZqsStixLiKrglgJ+x7Cu2oQQKxUI85OeYlYcSocscZ0dnY+NH/+/J6hoaGuefPmuW+woxYePXpUenp6Ro4cOTI0Ojp6s6NmumoWWRVXI5OBXUVlVRArGQSLLiBQMgHESskBqOLwiBVvor6uVqttGBwcnNHd3e2N0a4YOjw8rFsTn67X65tFZIsrdvliB1kVXyLVnp1FZVUQK+3Fh6sg4BIBxIpL0aiILYgVrwK9UkR27NixQ1au1L/ySUJg586dsmrVKm2qf+xMcg1tziNAViXgG6LIrApiJeAbCdcqQwCxUplQu+MoYsWdWCS0pHvmzJlD69evf9O6desSXlLdZlu2bJHNmzf/4vTp0z0iMlxdEu17TlalfXY+XFlkVgWx4sMdgY0QmJwAYoU7pHACiJXCkWcx4Lxarba3p6fn8u3bt0/PosMQ+1i9evWZoaGhZ+r1ui6kPxqijwX4RFalAMhlDVF0VgWxUlakGRcC2RFArGTHkp4SEkCsJATlXrMLarXankWLFnUPDg52dXV1uWdhSRaNjIzo+pSRgwcPDtfr9WUicq4kU7wflqyK9yGc1IGisyqIlbDvJ7yrBgHESjXi7JSXiBWnwpHamI6Ojnvnzp3bu2fPnosXL16c+vrQLjhw4IAsW7bspWPHjm0bGxv7bGj+FewPWZWCgRc5XBlZFcRKkRFmLAjkQwCxkg9Xep2EAGIliNujb9q0af27du3qWLp0aRAOtePEvn37ZMWKFWNnz55dIyID7fTBNa8RIKsS9t1QRlYFsRL2PYV31SCAWKlGnJ3yErHiVDimYszSjo6OXf39/dP6+vqm0o+X1w4MDMiaNWvOjo2NrRCRfV464ZbRZFXcikem1pSVVUGsZBpGOoNAKQQQK6Vgr/agiJWg4r941qxZe3t7e9+ydevWC4PybBJn1q5d+8q2bdteOHnypC6kP1AVv/P0k6xKnnTL77usrApipfzYYwEEpkoAsTJVglyfmgBiJTUy1y/omjNnzt4lS5ZctXv37pka31A/586dk+XLl5/av3//U8ePH1ehMhKqrwX7NXPBggUHDh8+PK/gcRmuIAILFiw4evjw4SUi8vOChpwYJtwnUtEkGQ8C5RBArJTDvdKjIlbCDH9nZ+dD8+fP7xkaGuqaNy+8OefRo0elp6dn5MiRI0Ojo6M3hxlFvIJAeAQQK+HFFI+qRQCxUq14O+EtYsWJMORlxLparbZhcHBwRnd3d15jFN7v8PCwbk18ul6vbxaRLYUbwIAQgEDbBBArbaPjQgg4QQCx4kQYqmUEYiX4eK8UkR07duyQlSv1r35/du7cKatWrVIn9I+dfnuD9RCoHgHESvVijsdhEUCshBVPL7xBrHgRpqka2T1z5syh9evXv2ndunVT7au067ds2SJ33333L06dOtUjIsOlGcLAEIBA2wQQK22j40IIOEEAseJEGKplBGKlMvGeV6vV9vb09Fy+ffv26b55vXr16jNDQ0PP1Ot1XUh/1Df7sRcCEHiVAGKFOwECfhNArPgdPy+tR6x4GbZ2jb6gVqvtWbRoUffg4GBXV1dXu/0Udt3IyIiuTxk5ePDgcL1eXyYi5wobnIEgAIHMCSBWMkdKhxAolABipVDcDNZ4y3XBBaJbwI5vccvvkQrcFh0dHffOnTu3d8+ePRcvXrzYWY8PHDggy5Yte+nYsWPbxsbGPuusoRgGAQgkJsAvmcSoaAgBJwk0xMof/MEfyPe//30nDcSo8Aj8/u//vnzve99DrIQX2lYe9U2bNq1/165dHUuXLm3VtvDv79u3T1asWDF29uzZNSIyULgBDAgBCORCALGSC1Y6hUBhBBpihQ8EyiBAZqUM6qWPubSjo2NXf3//tL6+vtKNMQYMDAzImjVrzo6Nja0QkX3OGIYhEIDAlAkgVqaMkA4gUB6BhQsXHjl06NBl5VnAyFUmsHDhwmcPHTo0v8oMKur74lmzZu3t7e19y9atWy8sm8HatWtf2bZt2wsnT57UhfQHyraH8SEAgWwJIFay5UlvEIAABCAAgSoQ6JozZ87eJUuWXLV79+6Z41m2Qv3WrPLy5ctP7d+//6njx4+rUBkp1AAGgwAECiGAWCkEM4NAAAIQgAAEwiPQ2dn50Pz583uGhoa65s2bV5iDR48elZ6enpEjR44MjY6O3lzYwAwEAQgUTgCxUjhyBoQABCAAAQgERWBdrVb73ODg4Bu7u7tzd2x4eFi3Jn65Xq9/QUS25D4gA0AAAqUSQKyUip/BIQABCEAAAkEQWCkiO3bs2CErV+pf8/ns3LlTVq1apZ3rHzvzGYVeIQABlwggVlyKBrZAAAIQgAAE/CXQPXPmzKH169e/ad26dZl7sWXLFrn77rt/cerUqR4RGc58ADqEAAScJIBYcTIsGAUBCEAAAhDwksC8Wq22t6en5/Lt27dPz8qD1atXnxkaGnqmXq/rQvqjWfVLPxCAgPsEECvuxwgLIQABCEAAAj4RuKBWq+1ZtGhR9+DgYFdXV1fbto+MjOj6lJGDBw8O1+v1ZSLCwVJt0+RCCPhJALHiZ9ywGgIQgAAEIOA0gY6Ojnvnzp3bu2fPnosXL16c2tYDBw7IsmXLXjp27Ni2sbGxz6bugAsgAIEgCCBWgggjTkAAAhCAAAScJNA3bdq0/l27dnUsXbo0sYH79u2TFStWjJ09e3aNiAwkvpCGEIBAcAQQK8GFFIcgAAEIQAACThFY2tHRsau/v39aX19fS8MGBgZkzZo1Z8fGxlaIyL6WF9AAAhAImgBiJejw4hwEIAABCEDACQKLZ82atbe3t/ctW7duvbCZRWvXrn1l27ZtL5w8eVIX0h9wwnKMgAAESiWAWCkVP4NDAAIQgAAEKkOga86cOXuXLFly1e7du2decMFrU5Bz587J8uXLT+3fv/+p48ePq1AZqQwVHIUABCYlgFjhBoEABCAAAQhAoDACnZ2dD82fP79naGioa968eXL06FHp6ekZOXLkyNDo6OjNhRnCQBCAgBcEECtehAkjIQABCEAAAkERWFer1T63adOmN27cuPHler3+BRHZEpSHOAMBCGRCALGSCUY6gQAEIAABCEAgJYGVCxcu3Hzo0KENIrIz5bU0hwAEKkIAsVKRQOMmBCAAAQhAwGECKlY2ishhh23ENAhAoAQCiJUSoDMkBCAAAQhAAAITBP5YRB4UkSER+SBcIAABCNgEECvcDxCAAAQgAAEIlEngJyJyhYicEZHrROTxMo1hbAhAwC0CiBW34oE1EIAABCAAgSoReJ+I7BCRmeNOf1dE/rBKAPAVAhCYnABihTsEAhCAAAQgAIGyCAyLyBJr8NMiskpE9pRlEONCAAJuEUCsuBUPrIEABCAAAd8Q3u4AACAASURBVAhUhcA1IvL/iMiMiMN/JyL/pCoQ8BMCECCzwj0AAQhAAAIQgIB7BP5SRJaLyK9E5KXxU+svEZELReTTIjLgnslYBAEIFE2AzErRxBkPAhCAAAQgAIHLReQpEfm+iKwd37b42yLyvIj8BxE5xs5g3CQQgIASQKxwH0AAAhCAAAQgUAaBPxCR740P/J9ERBfX/+cyDGFMCEDAXQKIFXdjg2UQgAAEIACBqhD4jyLytyLytao4jJ8QgEAyAoiVZJxoBQEIQAACEIBAfgTuF5H/LiL9+Q1BzxCAgI8EECs+Rg2bIQABCEAAAmER2CwiL4vI3WG5hTcQgMBUCSBWpkqQ6yEAAQhAAAIQmCqBDSIyXUQ+N9WOuB4CEAiLAGIlrHjiDQQgAAEIQMBHAreJyKXjWxb7aD82QwACORFArOQElm4hAAEIQAACEEhM4GMicrWI9CW+goYQgEAlCCBWKhFmnIQABCAAAQg4TeDfiIhuZXyz01ZiHAQgUDgBxErhyBkQAhCAAAQgAIEIgX8tIvrfByADAQhAwCaAWOF+gAAEIAABCECgbAL/SkQ+KiLvK9sQxocABNwigFhxKx5YAwEIQAACEKgigetEZL2I/GEVncdnCECgOQHECncHBCAAAQhAAAJlE/hdEblPRP5F2YYwPgQg4BYBxIpb8cAaCEAAAhCAQBUJ6E5gD4nI/1ZF5/EZAhAgs8I9AAEIQAACEICAuwTeISLfEZEr3DURyyAAgTIIkFkpgzpjQgACEIAABCBgE3iriPy/IvI2sEAAAhCwCSBWuB8gAAEIQAACECibQE1Efiois8s2hPEhAAG3CCBW3IoH1kAAAhCAAASqSOAiETkuIm+sovP4DAEINCeAWOHugAAEqk7geyLy+1WH4KH/3yduHkZtcpM1prqF8bngPMMhCECgbQKIlbbRcSEEIBAIAZ0Y8SwMJJi4AQEIQAACYRHgF3RY8cQbCEAgPQHESnpmXAEBCEAAAhAohABipRDMDAIBCDhMALHicHAwDQIQgAAEqk0AsVLt+OM9BCDwan08z0LuBAhAAAIQgICDBPgF7WBQMAkCECiUAGKlUNwMBgEIQAACEEhOALGSnBUtIQCBMAkgVsKMK15BAAIQgEAABBArAQQRFyAAgSkRQKxMCR8XQwACEIAABPIjgFjJjy09QwACfhBArPgRJ6yEAAQgAIEKEkCsVDDouAwBCJxHALHCDQEBCEAAAhBwlABixdHAYBYEIFAYAcRKYagZCAIQgAAEIJCOAGIlHS9aQwAC4RFArIQXUzyCAAQgAIFACCBWAgkkbkAAAm0TQKy0jY4LIQABCEAAAvkSQKzky5feIQAB9wkgVtyPERZCAAIQgEBFCSBWKhp43IYABCYIIFa4GSAAAQhAAAKOEkCsOBoYzIIABAojgFgpDDUDQQACEIAABNIRQKyk40VrCEAgPAKIlfBiikcQgAAEIBAIAcRKIIHEDQhAoG0CiJW20XEhBCAAAQhAIF8CiJV8+dI7BCDgPgHEivsxwkIIQAACEKgoAcRKRQOP2xCAwAQBxAo3AwQgAAEIQMBRAogVRwODWRCAQGEEECuFoWYgCEAAAhCAQDoCiJV0vGgNAQj4T+DTIvIFEVknIl8WESNWPiUiW0TkcyJyn/9u4gEEIAABCEDAfwKIFf9jiAcQgEA6AjNFpC4ir4jIL0WkJiK/EJHpInLh+L9PpeuS1hCAAAQgAAEI5EEAsZIHVfqEAARcJ3CPiNwmIr9lGforEblfRP7UdeOxDwIQgAAEIFAVAoiVqkQaPyEAAZuAZleOi0iH9cUxEZkjImRVuFcgAAEIQAACjhBArDgSCMyAAAQKJ2BnV8iqFI6fASEAAQhAAAKtCSBWWjOiBQQgECYBO7tCViXMGOMVBCAAAQh4TgCx4nkAMR8CEJgSAc2u6O5guvsXa1WmhJKLIQABCEAAAtkTQKxkz5QeIQABfwhoduX/FpF/y1oVf4KGpRCAAAQgUB0CiJXwY32HiHw+fDfxEAIQgAAEIOAUgTtFRH8H84EABKZAALEyBXgeXcoJ3R4FC1MhAAEIQAACEIAABF4lgFipxp2AWKlGnPEyHYF/LyKd4yfWp7uS1hCAAAQmJ8DzhTsEAhkRQKxkBNLxbhArjgcI80ohoJMJPb1+bSmjMygEIBAyAZ4vIUcX3wolgFgpFHcpg2mMf00WrRT2DOo2ASYTbscH6yDgMwGeLz5HD9udIoBYcSocuRijMf6fIvKGXHqnUwj4S4DJhL+xw3IIuE6A54vrEcI+bwggVrwJVduGIlbaRseFgRNgMhF4gHEPAiUS4PlSInyGDosAYiWseMZ5g1gJP8Z42B4BJhPtceMqCECgNQGeL60Z0QICiQggVhJh8roRYsXr8GF8jgSYTOQIl64hUHECPF8qfgPgfnYEECvZsXS1J8SKq5HBrrIJ6C5gs0RkXdmGMD4EIBAcAZ4vwYUUh8oigFgpi3xx4yJWimPNSH4RYDLhV7ywFgI+EeD54lO0sNVpAogVp8OTiXG6C9gr7AaWCUs6CYsAk4mw4ok3EHCJAM8Xl6KBLV4TQKx4Hb5ExqtY+R8i8huJWtMIAtUhwGSiOrHGUwgUTYDnS9HEGS9YAoiVYEM74RhiJfwY42F7BJhMtMeNqyAAgdYEeL60ZkQLCCQigFhJhMnrRogVr8OH8TkSYDKRI1y6hkDFCfB8qfgNgPvZEUCsZMfS1Z4QK65GBrvKJsBkouwIMD4EwiXA8yXc2OJZwQQQKwUDL2E4xEoJ0BnSCwJMJrwIE0ZCwEsCPF+8DBtGu0gAseJiVLK1CbGSLU96C4eAnq9ysYj8aTgu4QkEIOAIAZ4vjgQCM/wngFjxP4atPNBdwH7FbmCtMPH9ChJgMlHBoOMyBAoiwPOlINAMEz4BxEr4MVaxMiYiF4bvKh5CIBUBJhOpcNEYAhBIQYDnSwpYNIXAZAQQK+HfH4iV8GOMh+0RYDLRHjeuggAEWhPg+dKaES0gkIgAYiURJq8bIVa8Dh/G50iAyUSOcOkaAhUnwPOl4jcA7mdHALGSHUtXe0KsuBoZ7CqbAJOJsiPA+BAIlwDPl3Bji2cFE0CsFAy8hOEQKyVAZ0gvCDCZ8CJMGAkBLwnwfPEybBjtIgHEiotRydYmxEq2POktHAK6ZfFMEVkfjkt4AgEIOEKA54sjgcAM/wkgVvyPYSsPECutCPH9qhJgMlHVyOM3BPInwPMlf8aMUBECiJXwA61bFp8Rkd8M31U8hEAqAkwmUuGiMQQgkIIAz5cUsGgKgckIIFbCvz8QK+HHGA/bI8Bkoj1uXAUBCLQmwPOlNSNaQCARAcRKIkxeN0KseB0+jM+RAJOJHOHSNQQqToDnS8VvANzPjgBiJTuWrvaEWHE1MthVNgEmE2VHgPEhEC4Bni/hxhbPCiaAWCkYeAnDIVZKgM6QXhBgMuFFmDASAl4S4PniZdgw2kUCiBUXo5KtTYiVbHnSWzgEdMviN4rIhnBcwhMIQMARAjxfHAkEZvhPALHifwxbeYBYaUWI71eVAJOJqkYevyGQPwGeL/kzZoSKEECshB9o3bL4ZRH5rfBdxUMIpCLAZCIVLhpDAAIpCPB8SQGLphCYjABiJfz7A7ESfozxsD0CTCba48ZVEIBAawI8X1ozogUEEhFArCTC5HUjxIrX4cP4HAkwmcgRLl1DoOIEeL5U/AbA/ewIIFayY+lqT4gVVyODXWUTYDJRdgQYHwLhEuD5Em5s8axgAoiVgoGXMBxipQToDOkFASYTXoQJIyHgJQGeL16GDaNdJIBYcTEq2dqEWMmWJ72FQ4DJRDixxBMIuEaA54trEcEebwkgVrwNXWLDESuJUdGwYgT0fJXpIvK5ivmNuxCAQP4EeL7kz5gRKkIAsRJ+oHXL4lMi0hG+q3gIgVQEmEykwkVjCEAgBQGeLylg0RQCkxFArIR/fyBWwo8xHrZHgMlEe9y4CgIQaE2A50trRrSAQCICiJVEmLxuhFjxOnwYnyMBJhM5wqVrCFScAM+Xit8AuJ8dAcRKdixd7Qmx4mpksKtsAkwmyo4A40MgXAI8X8KNLZ4VTACxUjDwEoZDrJQAnSG9IMBkwoswYSQEvCTA88XLsGG0iwQQKy5GJVubECvZ8qS3cAgwmQgnlngCAdcI8HxxLSLY4y0BxIq3oUtsOGIlMSoaVoyAblmsu+TdXjG/cRcCEMifAM+X/BkzQkUIIFbCD7ROxl4SkWnhu4qHEEhFgMlEKlw0hgAEUhDg+ZICFk0hMBkBxEr49wdiJfwY42F7BJhMtMeNqyAAgdYEeL60ZkQLCCQigFhJhMnrRogVr8OH8TkSYDKRI1y6hkDFCfB8qfgNgPvZEUCsZMfS1Z4QK65GBrvKJsBkouwIMD4EwiXA8yXc2OJZwQQQKwUDL2E4xEoJ0BnSCwJMJrwIE0ZCwEsCPF+8DBtGu0gAseJiVLK1CbGSLU96C4cAk4lwYoknEHCNAM8X1yKCPd4SQKx4G7rEhiNWEqOiYcUI6JbFvykiGyvmN+5CAAL5E+D5kj9jRqgIAcRK+IFWsTIiItPDdxUPIZCKAJOJVLhoDAEIpCDA8yUFLJpCYDICiJXw7w89X+UkYiX8QONhagJMJlIj4wIIQCAhAZ4vCUHRDAKtCCBWWhHy//uIFf9jiAf5EGAykQ9XeoUABER4vnAXQCAjAoiVjEA63A1ixeHgYFqpBJhMlIqfwSEQNAGeL0GHF+eKJIBYKZJ2OWMhVsrhzqjuE2Ay4X6MsBACvhLg+eJr5LDbOQKIFedCkrlBiJXMkdJhIASYTAQSSNyAgIMEeL44GBRM8pMAYsXPuKWxGrGShhZtq0RAtyz+DRH5fJWcxlcIQKAQAjxfCsHMIFUggFgJP8oqVn4hIheF7yoeQiAVASYTqXDRGAIQSEGA50sKWDSFwGQEECvh3x96vkodsRJ+oPEwNQEmE6mRcQEEIJCQAM+XhKBoBoFWBBArrQj5/33Eiv8xxIN8CDCZyIcrvUIAAiI8X7gLIJARAcRKRiAd7gax4nBwMK1UAkwmSsXP4BAImgDPl6DDi3NFEkCsFEm7nLEQK+VwZ1T3CTCZcD9GWAgBXwnwfPE1ctjtHAHEinMhydwgxErmSOkwEAJMJgIJJG5AwEECPF8cDAom+UkAseJn3NJYjVhJQ4u2VSKgWxbrM/COKjmNrxCAQCEEeL4UgplBqkAAsRJ+lFWsnBCRN4bvKh5CIBUBJhOpcNEYAhBIQYDnSwpYNIXAZAQQK+HfH3q+ynHESviBxsPUBJhMpEbGBRCAQEICPF8SgqIZBFoRQKy0IuTn99eKyOdE5NMi8k1LrHxKRLaIyCdEZLufrmE1BDIjwGQiM5R0BAEIRAjwfOGWgEBGBBArGYF0rJtLROQFERkTkRERmSMiL4mIloSdE5FZIvIrx2zGHAgUQeBSEfn5+EDRyYT9vSJsYQwIQCAsAjxfwoon3jhCALHiSCByMOMrIvLvRKTD6vtlEfnCeHYlhyHpEgJOE5gpIk+IyPMiotnHfzm+wP5hEdkqIm8VkXeJyCmnvcA4CEDARQI8X1yMCjYFQQCxEkQYY50w2RU7xjoJm01WJdyg41lLAveIyGfHs4668YR+9GdCRf29IvKnLXugAQQgAIF4AjxfuDMgkAMBxEoOUB3q0s6ukFVxKDCYUhoBffupG07YGUc1RksmtVySrEppoWFgCHhPgOeL9yHEARcJIFZcjEp2NtnZFbIq2XGlJ78J6NvP20Tkt8bd0PVb95NV8TuoWA8BRwjwfHEkEJgRDgHESjixbOaJZld6ReRO1qqEH2w8TEQg+vaTrEoibDSCAAQSEOD5kgASTSCQhgBiJQ0tP9tqduUBEVnJWhU/A4jVuRAwbz+1c7IquSCmUwhUlgDPl8qGHsfzIIBYyYMqfUIAAq4T0Lef9gJ71qq4HjHsg4A/BHi++BMrLPWAAGLFgyBhIgQgkAuBbeO9apkkHwhAAAJZEuD5kiVN+qo0AV/EylULFizYc/jw4XmVjhbOO0tg4cKFzx46dGi+swa6adg1Cxcu/C+HDh26zE3zsAoC+RK4/PLLn33mmWeq8ty4csGCBfv4PZ7vPUXvzQnwe9rfu8MLsTJ79uz/tnHjxqtvvfVWf0ljebAEfvu3f3vkiSee2Cgifxask9k71tXV1fV0f3//W26++ebse6dHCDhMYGRkRBYvXjz6/PPPf0pEHnLY1MxMmz179uPr16//52vWrMmsTzqCQFIC3d3dI/v3798kIv1Jr6GdOwScFytveMMbNl1//fWfevjhhzvdwYYlEHiVwMaNG889+OCDf12v198Lk+QEZs+e/dgf//EfX7t169YLk19FSwiEQeC9733vSz/4wQ+2jY2N6QGlVfjctmTJktuHh4e7quAsPrpF4P7775d77rnnv544ceIatyzDmqQEXBcr754xY8Z3/v7v/3763Llzk/pEOwgUQuC73/2uvO997zt95syZd4jIsUIGDWCQjo6Oe3/v936v99FHH704AHdwAQKpCKxdu/aVr3/96z88ceLEdaku9LfxlSJy8ODBg3LllfpXPhAojsDTTz8tixYt0gH1j6eLG5mRsiTgsli5sKur68jAwMBbb7rppix9pi8ITJnAK6+8Ipdffvnoc88991ER+Yspd1idDm5+61vf+uUDBw50dnXxkrU6YcdTJfDQQw/JmjVrXhgZGdFZ+0gVqFD+VYUou+sj5V/uxiaNZc6Klc7OzodWrFjxge3bt09P4xBtIVAEgdWrV5/ZtWvXt0dHR1lwkRy4puD/5m/+5m/kmmvIxifHRssQCDz++OPyu7/7u+qK/vF4CD4l8IHyrwSQaJIPAcq/8uFaRq+uipWb3va2t33tmWee6bzwQkray7gxGLM5gb/4i7+Qvr6+n4+MjOguVq/AKhEBFtQnwkSjEAlUcUG9iFD+FeLN7IlPlH95EqiEZrooVuZOnz7977/zne/MePe7353QDZpBoBgCx44dk3e84x1nTp8+/T4R+W4xo/o/Cgvq/Y8hHrRPoIIL6oXyr/bvF66cOgHKv6bO0KUenBMrtVrt0b6+vj+86667nLPNpcBhSzkEbrzxxtFHHnnkK7/+9a9vL8cC/0ZlQb1/McPi7AhUcEG9wqP8K7tbiJ5SEqD8KyUwD5q7Jghufde73rXpxz/+MStvPbh5qmbin/3Zn8mmTZueOnHixNVV830K/rKgfgrwuNRvAlVcUE/5l9/3rO/WU/7lewTj7XdJrFwlIk8++eSTctVV+lc+EHCHwFNPPSVXX93QKPrHU+5Y5rQlLKh3OjwYlyeBii6op/wrz5uKvlsSoPyrJSIvGzgjVjil3sv7pzJGc0p96lCzoD41Mi4IhUBFF9Rr+Cj/CuUm9tAPyr88DFpCk50QK294wxvuuv766z/JKfUJo0azQglwSn163CyoT8+MK8IhUMUF9ZR/hXP/+ugJ5V8+Ri25zS6IFU6pTx4vWhZMgFPq0wNnQX16ZlwRDoGKLqin/CucW9hLTyj/8jJsiY0uW6xwSn3iUNGwaAKcUt8WcRbUt4WNi0IgUNEF9Ro6yr9CuIE99YHyL08Dl8LsUsUKp9SniBRNCyfAKfWpkbOgPjUyLgiFQFUX1FP+Fcod7KcflH/5Gbe0VpcpVjilPm20aF8YgfFT6p8fGRmZzyn1ibCzoD4RJhqFSKDCC+op/wrxhvbIJ8q/PArWFEwtS6xwSv0Ugsal+RLglPr0fFlQn54ZV4RDoKIL6jWAlH+Fcxt75wnlX96FrG2DSxErnFLfdry4sAACnFKfDjIL6tPxonVYBKq6oJ7yr7DuY9+8ofzLt4hNzd4yxAqn1E8tZlydI4HxU+qfPHHixD/NcZiQumZBfUjRxJdUBCq8oJ7yr1R3Co2zJkD5V9ZE3e6vaLHCKfVu3w+Vto5T6lOHnwX1qZFxQSgEKrygXkOYqPzrpz/9qXzwgx+UJ598shH2b37zm7Jq1apMbwEd4+GHH5Y1a9Yk7veuu+6SjRs3xtqzf/9+6e7unuhreHhYlixZkrhv03DHjh3ys5/9TG6//fbzrtX+H3vssdd9PfUAGV5Qr9flE5/4hNxxxx1yxRVXZNhzPl1R/pUPV5d7LVSscEq9y7cCtnFKfap7gAX1qXDROCQCVV5Qn7T8SyflKgp00l6r1eTMmTMNQXHttddmKljSTv51Yr5hwwbZvHlzwy77o7b+8Ic/lP7+fpk+fbpoWxVXKjjaESxx93xae0P6ucnCF8q/sqDoXx+FiRVOqffv5qiSxZxSny7aLKhPx4vWYRGo8IL6xOVfKlSuu+668yb5Ovk/ceJE4+29EQKPPPKIXH311fKtb32r8XU7I6EC5/Of/7ysXr1afvSjHzUyNI8++mjj/5s2bZJbbrmlISa0D/13NIuhfX3oQx9q3Hz6/c985jMNwfS1r31Nrr/++gkhpd+3x7KzC7bNdqbIXP+Tn/zkvEyJESNvf/vbJzIrdrZG7dBPXMZFMzo2C21nskD6949+9KMNIfXLX/5ywm+7fTOmcXbbQs3OrMRxVlvtvk2GzAg/te3ZZ59t8Pyrv/qr85gbP+P8UEFof93OvDX7OuVfYT1Lk3pTlFjhlPqkEaFd4QQ4pT4dchbUp+NF67AIVHhBvQYyUflXq7Iik2X58Ic/3BAzdhZGJ7umfCoqVr7xjW80JsT6MWVLKn7iyqq0T22vk3v9mKzODTfcEJtZ0Qm9lkE98MADr8u46PVRn0wWRifjOrHWTM1FF110nrhSP1RQ2SVW2jYqVmw/bX9sH8zEXgWgCgP9qFAz4kiFmBF2Rgw++OCDDYH2xS9+cUI4Gn52OV5UrMRxVhGjH5ufscFknqJZIx3rsssua1xnYmH7MXv2bNm+fbvceeedDQFmMl56D5i+9f8awxtvvFH27dsn99xzz389ceKEliDzqRCBIsQKp9RX6IbyzVVOqU8dMRbUp0bGBaEQqPKC+qTlXxrrZlkKcx9ES7GioqSZWIn7ejOxEp2Um4m0ioe4MrDJysPUbhUzZmJtSsRMPyoKVETYk+/du3c3RJd+3RZTcWVgk40dXfeja2j0Y9bVmDU1dubDcDZZFxUammGKZm3seBhBpW3jOH/729+OzZTZQszOZJm+TcYrzo93vvOdsZkxO6ti+tmyZYusW7dO/7lIRJ4O5ZmCH8kI5C5WOKU+WSBoVQ4BTqlPxZ0F9alw0TgkAhVfUJ+4/MvEPK4MzGQvdAJ73333TawbcUGsNBNYJrvR19fXyOpoFiAqVkwpmJZ+6UezFqacbSpiJbruJ8rUlJdpSZruZGkzjfvZM2LClJOpH/qJZlamIlaM//b4rfywhZaKLxV30RJCyr9Cepqm9yVvscIp9eljwhUFEeCU+lSgWVCfCheNQyJQ8QX1GspE5V+TTVDtBfbLly9vlGXFlYHpxN+UDD333HPyyU9+Ur7yla801qykyaykLQNT2ydbYK9ZgGgWwSzG1xIm/d65c+caYsZee5O2DEztMBkczc6Yyb+92N8uAzNZGVOOZjYwsMvaTOZHS+6iGaKkYsWUgWnsTLmZZpJsJnGixAi4OD/sTFS0zM2w1eve/e53y9NPP/3/j46OXhnScwVfkhPIU6zkfkp93JubqOsm9XjJJZect5guOaJ0LU2Npj4Umm1dmK7Hqbc2vyR0UaF+om9Vko7QrA65Vcpf+9eHmD5gTZ1sqwV/SW1qtx2n1Kcj59qCenNPX3rppectVE3yTEjnebLW7WyfmqznV3927Hpvc12zXYXiGMTVqScdP66d/SzQ77faOtaVZ2G7Pld5QX2a8q8o3+g2wPYC6maLwe3fV/q7Sn/GP/CBDzQVKzqmbo/8/ve/v+UCe7NQvNluYEawmEX5+m976+LJfm9FhY59zydZYG/3HVfapdkT/e/Nb36zGLFnfqfHtU+y8N7EK0lm5W1ve9vE5gSmtCtuThDd1CC6ON/2w2Sg7E0Q4hbkj9tJ+Ve7D7AArstNrOgp9bfccssfbtq0KbcxkkxMsv4l3SrmSWxq1UeW34/bejH6UJ3qeK3Einl4mV9U0fZqo1kIaNLSU7Wp1fWcUt+K0Gvfd3FBvbmH9M2reZOpFpf181fGdqRlihX77kniu89ipeIL6lOXfyV/stASAq0JUP7VmlEVWuQlJAo5pd5MTDQ9q29K9KNvGswbBV14Zxah6URZd7Ew2xxGt0o0WyJqXerf/u3fNtK4t912W+NNhir9j3/8443tEs0bjCSL3jSTYNLWzd42xNkdPZQp7g2UvuXQVKx+7r333sb/4w6viptI6ERPJ3naR9wWiKZv3S5SbTETQ31z9aUvfamxY4r9luWmm26Siy++uPHWJWq7yaiYHyblH7e4Uncr0XR5dN/7PH4IOaU+FVUnF9Sbe9LsJGTqyG2x0uwtqP2W0zwH7J8n3RpVt1E1i1KVlr0tanRLTfu5Et0+NW67T+0vzjZ9XtkLeE25hvavi1t1R5wnnnhi4pnWbAvUVpmVybaMjb7hVFZDQ0MyOjraeLbaW6dq+cef/MmfNJ5DZutYe2tYm5stVpptSZrqriyoccUX1Cvl1OVfBYWGYSpAgMMfKxDkhC7mIVYKO6XeFis6Cdb6V3thm4oMk1mZrEZWt8mza0/tvnSMn//85xMTBS3HuPvuu2X9+vUT9bZ2DWh0i0CzG0izLRSb2W3i12yLR53UqG2mDKZZqYi20ZrRuFODW20fqTbYWyPatbd2/bD6b+qKm51+a2e4opmVJNcnvJ9bNuOU+paI7AbOLqiPLsg192r0BYY5+M2UaX3kIx95XY21LuY0k2xT791sC85mW21Gz1owEM19H93uM672XZ8ruuONeUlgfNG+9PmhzzO105wyHbcFqraN20lHv64vbJo9B+3Fufb2qyqg9EWNOQPD20/0WAAACj1JREFUPE/Un7itYyc7I0OfhVrOE7dVaREvKVLd+SJS9QX1Uyn/Ssua9hCIEuDwR+4Jm0DmYqXIU+rtiUl0kZfZKjBusmBO07UPmzIZkLi91M1EKLowLe6QozixYu8Qon3ZWyg2s9sEqdkWjyoiBgYGYgWTXUo1WRncZNtH6vhmUmF8MgsMdftA7TeaeTH/jvsRi9phv1meLDOT9Y8rp9QnJur0gnpbrNiZQLO9pooKrWPXbKj5mEPcdDJuDobT79mHxZkFv8224Gx2CF2akqzJtkA15wvY4sYsONaJvo5jarrTjNnqOWieJ3b2RJ8j0THinl3RrWPjMlfm5UarQ/wS3505N2RBvVD+lfM9RveTE6D8izskN7FS9Cn1ZYkVnaxrZsXedSM6sbcX2JcpVpqVgelkbdmyZbJnz57Y7SPNBLCnp6fxVlffUOtHxVUzsWJPeKL7uacRTXn9iHJKfXKyri2oj1oel53TRd6nT59+3XkHtniPruGyD1SzdydqtdYtutWm2hd3MF2z7VubnddgSsHe8573NN7sqzAxWdM8xYr94sEIOc3E6IFucWdE2FlWW6zY6+GUSdwLIf16lJ8+L136VHxBvYaC8i+XbsiK2UL5V8UCnsDdLDMrhZ9Sn0astCoDS5NZ+dSnPjVxYq1maexf0GnLwFplVlqVgZk3wXHbEdqTAnPCrH7N2BstZ4tuO6jtvvOd78iVV17ZmDQ12zEkSRlXtAzMnhjmuZOS+RnglPoET4PxJi4uqG8lVvT7JtOpa7fMYWP2ycoquqNnJZhSKlMGFreVqv6Mm/Kn3/md3zlvXYldqhUnVuwy1GbbfcZN8DUjtHHjxonTvdOWgUXPKGhVDhs9o8G0V7GiPuq/bQ7NysCia4ai287aZWD2VqUuiZWqL6in/Cv5s5KW2ROg/Ct7piH0mJVYKeWU+jRixSzsbrbAPo1Y0cW8uv+5WYyqbwF0wq3ZBy3j0K/rhCnJAvtWYiX6FtJeEByd8Ntva+2bM3qyrb11cbPFtnFCxxYrSRfYGzsmKwNrdyvlpD+AnFKflFSjnZML6pOIlWjWpNkCe7t8U8ueDh8+3MgW2uvQjKiP21IzbrMMM1Z0+1R7G1Z78f1kW6BGXxrY69HyXGBvl2+Zn0kdT+1+8cUXGyV1cVuWKiuzdayKEVN+p310dnaKZmdbPQtT3aE5NmZBfVjlX9GXfWluHf05V7EeFdLR36f2dsym/2ZrRZutLU1jV+htKf8KPcLt+ZeJWOGU+vbgc1UxBDilPjFnZxfUJ/aAhpkSqNLkigX1jVsnqPKvqYiVZtug20Ik7mgAI/rjREyVfp7aeRBR/tUOtWpck4VY4ZT6atwrXnrJKfWJw+b0gvrEXtAwUwJVmVyxoL5x2+jp4AcPHjzYKP0N4RMVK3Gb4sRt328fexB3JIDNxhY1ZtMa3RVTD2+M7sKpP08PPPBA43L93WRXFTQ73iCu+kLXjJljDzRrqWWct956a2ML8eh6UV/iSPmXL5Eqx86pipXcT6kvBwujhkCAU+qTR9H1BfXJPaElBNITYEF9WOVf5g6wxYp+zRwhYK+X0sm+fuxt+nWtW7PMin13af/2GWHmGrtPu72KFbMVuCml1nVytm36dy3x1g187LVhKoDs3fjUXrMmzy6zTnJIa/qfkPyvoPwrf8Y+jzAlsVLEKfU+w8X2cglwSn0y/j4sqE/mCa0gkJ4AC+obzIIq/4oTK7r2JMlhzmaNShKxoge13njjjY3DkG2R0Gw3wWimspm4aXW8gb0bnxnbHIDdKhOU/ick/yso/8qfse8jTEWsFHJKve+Asb8cApxSn5i7FwvqE3tDQwikIMCC+gas4Mq/4sSKfi26s529a55Za2LOY3rwwQcb26A326kuKmbiDmONrlvJS6wYf6M+uHjYavTHk/KvFA+sCjdtV6wUdkp9hWOD620S4JT6xOBYUJ8YFQ1DI8CC+lcjOnv27MfXr1//z7X0KLSPXQZml2bZC+OjX9e1ILqzZzOxYrIzX/3qV5sKmbSZFeVuStT076YMLHrkgtlqPZpZsceLHvbsekwp/3I9Qm7Y15ZYKfKUejcwYYVPBDilPlG0WFCfCBONQiTAgvqJqAZZ/hWXWTFnL+kidM2e6H+6CN4IAt3GXD+mjMoseLfLquytyO2fi2jpVVqxYg6Rjtsq3d5SXG18+eWX5SMf+UjjgOY77rijUYIWtcuXUjDKv0J8uubjU2qxUvQp9fm4Ta+hErj99tvPDQwM/HW9Xn9vqD5m4RcL6rOgSB++EmBBfSNywZZ/+XpfVsluyr+qFO2p+5pWrBR+Sv3UXaSHqhDglPpkkWZBfTJOtAqTAAvqX41ryOVfYd65YXlF+VdY8czbmzRipZRT6vMGQP9hEOCU+sRxZEF9YlQ0DI0AC+onIhp0+Vdo921o/lD+FVpE8/cnsVjhlPr8g8EI7RPglPpE7FhQnwgTjUIkwIL6iahS/hXiDe6JT5R/eRIox8xMKlY4pd6xwGHOawQ4pT7R3cCC+kSYaBQiARbUvxZVyr9CvMP98YnyL39i5ZKlScQKp9S7FDFsOY8Ap9QnuyFYUJ+ME63CJMCC+om4Uv4V5i3uhVeUf3kRJieNbClWOKXeybhh1DgBTqlvfSuwoL41I1qES4AF9ROxpfwr3Nvcec8o/3I+RE4b2EqscEq90+GrtnGcUp8o/iyoT4SJRiESYEH9a1Gl/CvEO9wfnyj/8idWLlo6mVjhlHoXI4ZNDQKcUp/oRmBBfSJMNAqRAAvqz4sq5V8h3uSe+ET5lyeBctjMpmJl9uzZT27cuPGqW2+91WHzMa2qBDilvmXkWVDfEhENQiXAgvrzIkv5V6g3ugd+Uf7lQZA8MDFWrHBKvQeRq7CJnFLfOvgsqG/NiBbhEmBB/Wuxpfwr3PvcB88o//IhSu7bGCdWOKXe/bhV1kJOqW8dehbUt2ZEi3AJsKD+vNhS/hXure68Z5R/OR8ibwyMihU9pf7ZgYGBS2+66SZvnMDQahDglPpEcWZBfSJMNAqRAAvqz4sq5V8h3uSe+ET5lyeB8sTM88QKp9R7ErWKmskp9S0Dz4L6lohoECoBFtSfH1nKv0K90/3wi/IvP+Lki5W2WOGUel+iVkE7OaW+ZdBZUN8SEQ1CJcCC+tdFlvKvUG92D/yi/MuDIHlmohErnFLvWeCqZC6n1LeONgvqWzOiRbgEWFB/Xmwp/wr3VnfeM8q/nA+RlwY2xAqn1HsZu8oYPX5K/Zd//etfb6yM0ykcZUF9Clg0DY4AC+rPDynlX8Hd4l45RPmXV+HyxlgVK5xS7024qmcop9S3jDkL6lsiokGoBFhQ/7rIUv4V6s3ugV+Uf3kQJE9NvGDBggXPHj58eJ6n9mN24AQWLFhw9PDhw8v00PrAXW3LvYULFx45dOjQZW1dzEUQ8JzAwoULnz106ND/KSKPe+5KJubzPMgEI520SWD85/FficjTbXbBZRCIJfC/ABIq/I4s/htiAAAAAElFTkSuQmCC"/>
-          <p:cNvSpPr>
-            <a:spLocks noChangeAspect="1" noChangeArrowheads="1"/>
-          </p:cNvSpPr>
-          <p:nvPr/>
-        </p:nvSpPr>
-        <p:spPr bwMode="auto">
-          <a:xfrm>
-            <a:off x="155575" y="-144463"/>
-            <a:ext cx="304800" cy="304801"/>
-          </a:xfrm>
-          <a:prstGeom prst="rect">
-            <a:avLst/>
-          </a:prstGeom>
-          <a:noFill/>
-        </p:spPr>
-        <p:txBody>
-          <a:bodyPr vert="horz" wrap="square" lIns="91440" tIns="45720" rIns="91440" bIns="45720" numCol="1" anchor="t" anchorCtr="0" compatLnSpc="1">
-            <a:prstTxWarp prst="textNoShape">
-              <a:avLst/>
-            </a:prstTxWarp>
-          </a:bodyPr>
-          <a:lstStyle/>
-          <a:p>
-            <a:endParaRPr lang="en-US"/>
-          </a:p>
-        </p:txBody>
-      </p:sp>
-      <p:sp>
-        <p:nvSpPr>
-          <p:cNvPr id="2056" name="AutoShape 8" descr="data:image/png;base64,iVBORw0KGgoAAAANSUhEUgAAAysAAALwCAYAAACX2eoEAAAgAElEQVR4XuzdD5xWc97/8feV0Uzpz9RU/iSJEiVu1p9N2SS1bFu5abet2B/bHf0jlfKnECrRVmQqcVu7N2XbxV1oEYpVslhuUkoh2rBqalRqJtNcv8f32jmzV1czzXVmrutc33PO6zweu6U553w/3+fn4Ho753udiNgQQAABSwQmTlye9VU95WbVUm4tKTcSUe5+8+v+f/1eKq1nSakpKKPW7mhUhdHDVHiYVGh+XyoVlpSq8JjdKpw4sWtJCgbhFAgggAACCPhaIOLr6ikeAQR8LTDy/mVt95dGz5MO6yiZX9Xe1xNKYfFRRT+MKPJXRbUicnjpuw9e3+3TFJ6eUyGAAAIIIOALAcKKL9pEkQgEQ2Dk/a+dXbI/2ikS0bmK6lxF1CpxZrUPzyrNyc6qlX14lrJr/+t/OWW/Hp51WDAgJP1Qsl/F+0pUtK8k9mvsfz+UqKi4pHTfDyW1KpjoBkWiq6Ra7x4W0VsP3HDBO4HBYCIIIIAAAghUIkBY4dJAAIG0Clwz9eWGtWtn9Y1KfSPSxfGDmUByZF49Hd20oY49sqGaN2uY1lr8dPKvtu7U11t36qut38n83oSZ+C0qvRiRntq3r+Sph2/u/p2f5katCCCAAAIIJCtAWElWiv0QQMCVwHUzXju/VKV9I4pcLqm5OdjcGWl5TCMd2bi+jmpSn3DiQvSbbTv19bZdMr9u+mpH7M5M2bYlqujTtVTrqQdHX/CGi1OyKwIIIIAAAtYLEFasbxEFIuAvgREzXr06osOujCra1anc3DE5sUWeWrdoonp1s/01IQur3b2nWBs3b9Onmwu05dt/31SJKLI8qv2P54/u9piFZVMSAggggAACrgUIK67JOAABBCoSuG7WX9tF95dMUDTS3/y8bp3aP5x0XNPDTUjh8a70XTMmrJjQ8smXW3/Ys3ff4bGRItEnI4dlTXrw+p+sTd/InBkBBBBAAIH0CxBW0m/MCAgEXmD49OU3RCKaICmvTvbhJeecelxWuxOPjD32xeaNgHksbO2n/9TbH31Zsrf4hyxJBdGoJs0e0/V+bypgFAQQQAABBFIvQFhJvSlnRCA0AtdPf/W80kgtE1IuMZNud8KROqt9C+XWrxMaA9smWrhrr95ds1lrP/unU9oLtaKlk2aN6fambbVSDwIIIIAAAlUJEFaqEuLnCCBQocCI6a9OVKTWeElZTRvVi4WUNsc1QcsSgQ1fbouFlq07dpuKShTRpPxRXe+0pDzKQAABBBBAICkBwkpSTOyEAALxAtfNXD4zGtUN5s9MSDm7fQse+bLwEjGPhr2zZnMstJgtqsis2aMvGGlhqZSEAAIIIIBAhQKEFS4MBBBwJTB85vLHIlFdZV7W2P3HJ+mEY/NcHc/O3gt89o8CvfzWJ867Wp7IH931Su+rYEQEEEAAAQTcCxBW3JtxBAKhFLhh5vLcH6L6n4jUq2G9HHXv2FbHNG0QSgs/Ttp8a5gJLDt3F5nyl2RFdMX9o7oW+nEu1IwAAgggEB4Bwkp4es1MEai2wJCZy4/PiuoJSZ2aNa6nHh3bqnHDutU+HwdmRqDguz16edV6fbt9tyKKvBndH7kif2yXzzNTDaMigAACCCBQtQBhpWoj9kAg1AJjfru8SXEtvSLp9OOOaqQe552kujm1Q23i58nvKdqnl95cr83fxG6qfJBdqoum39h1m5/nRO0IIIAAAsEVIKwEt7fMDIGUCIyY8drDUnTwicfm6ZLOp6hWLf6xkRLYDJ6ktDSqF1Z8rE//UWDeIPlI/ugLrslgOQyNAAIIIIBApQJ86uDiQACBSgWum/7q4Gik1sPmRY+XX3RaFo9+Bedi2f7dHj39yoexF0hGoqXXPDim2yPBmR0zQQABBBAIigBhJSidZB4IpFjguunLTi+NRF6JSE26ndtG7U88KsUjcLpMC6z59Bu9+rcNikrbakWjFz045sIPMl0T4yOAAAIIIBAvQFjhekAAgQoFRsx4bYkU/ZkJKSassAVTwIQVE1qkyF/yR1/QM5izZFYIIIAAAn4VIKz4tXPUjUAaBcreTn+Heezrsm4dWFCfRutMn9osuH/m1dUyj4UpWnpn/phuEzNdE+MjgAACCCDgCBBWuBYQQOAggREzlv+f+favnj9pJ7Owni3YAmah/ZK/rjWT/Dh/dNd2wZ4ts0MAAQQQ8JMAYcVP3aJWBDwQGD592c8ikciSIxvXU7+Lz/BgRIawQWD+X95TQeH3Zv1K/9mju/7RhpqoAQEEEEAAAcIK1wACCBwgMHzm8sciUV3V+YxWOvOUY9EJicCqDzbpnTWbTVhZPHt010tDMm2miQACCCBguQBhxfIGUR4CXgqUvQByqxnzqj5nq8EROV4Oz1gZFCjctVf/89y7sQpKS3T0nHFdzap7NgQQQAABBDIqQFjJKD+DI2CXwIgZr42SojNaNW+sXl3a21Uc1aRd4OlXPtSWb78z49ySP7rr1LQPyAAIIIAAAghUIUBY4RJBAIFygREzlq+S9ONLOp2sNi2bIhMygfVfbNVLK9eZWb+VP7prx5BNn+kigAACCFgoQFixsCmUhECmBEbMfG2LotFjrvz5WWrUoE6mymDcDAns2LlXjz//rhSJfJU/6oLmGSqDYRFAAAEEECgXIKxwMSCAQEzgmnnvHl77+137zO9H/KqzatWy7x8Pzz69QDcO//VBHRs5bqKGj56QdCeLivZq1n136hcDr1arE9secNzsGZPUsfOFOvOc88r/vHBHgWbcc5tG33K3chsF96ucS0ujyv/jiti89x1Rv/bD1571Q9Ko7IgAAggggEAaBOz7NJKGSXJKBBCoWmDYjOWta0kb6tXN1m8uPafqAzKwhwkrZut9+YAajU5YqZzvd4ve1u49xSqV2swZ3XVjjaA5GAEEEEAAgRoKEFZqCMjhCARFYMTM1y9UtPTVY5o1VN+LTrNyWlWFFXNXxGwP3Pevl7DH33Exd0fGDLtSbyxfqv8admPs59W5s2KOc85jfv/HZ/9afhcm/s5P/Njxdf129v/UOGylszlPvfKhvjKL7CO1uuWP6rIsnWNxbgQQQAABBKoSIKxUJcTPEQiJwIgZr10tRX93Sqsj1b3jSVbOOpmw8s9vvtKtd01X0d49sVAxfNQEtTvtDE25fYwu7XtFLFi89/abmnjLCD3w8JOuHwOb/9hctWh5QixwfP7pes2adpfuuGeWPtuwXrNnTtL0OY/HHhUzAcXZzwkrbh5Vy1QDXl71iT7+/J+SIr/JH33BY5mqg3ERQAABBBAwAoQVrgMEEIgJjJj+6kRFat1xboeWOrfDcVaqVLZmxbm7ER8QzASc9SeN8vLKQ4UJEjV5DMyElffeebM8lDhQiWObIPPn+Y/p+nF36NE508uDi5WwcUX9bfWX+tvqL6Ro6Z35Y7r96xYVGwIIIIAAAhkSIKxkCJ5hEbBNICh3VuIXx8eHFSc45OTUqVFYce6aJD5qZsZy/szp7flde8RCjQk4iYv2beu/Uw93VmztDHUhgAAC4RQgrISz78wagYMEgrJmpbKw4jyuVdWdlYoeNYt/3Cv+28CcdTDmUbNVK5ZVGkgq+oYxWy9B1qzY2hnqQgABBMIpQFgJZ9+ZNQIHCQTh28ASQ4Hz186albPO7Rxba3KoNSvmZ/FrTwxU/JqT+Me94h8n21FQcMBx5jyLnnoitn7GPAbmlzsrfBsY/3BAAAEEELBJgLBiUzeoBYEMCvj5PSu/+vU1FYaC+PCS7LeBmRaYoPGr3j8p70Zl3ypmdoj/dq/4NTXOI2DOY2N+CCu8ZyWDfwMyNAIIIIBAhQKEFS4MBBAoF+AN9uG+GHiDfbj7z+wRQAABGwUIKzZ2hZoQyJDAiBnLV0n68SWdTlablk0zVAXDZkpg/Rdb9dLKdWb4t/JHd+2YqToYFwEEEEAAAUeAsMK1gAAC/76zMuO1UVJ0RqvmjdWrS3tkQibw9Csfaot5IaR0S/7orlNDNn2miwACCCBgoQBhxcKmUBICmRIY89vlTYpraasZ/6o+Z6vBETmZKoVxPRYo3LVX//Pcu7FRS0t09JxxXb/xuASGQwABBBBA4CABwgoXBQIIHCAwfObyxyJRXdX5jFY685Rj0QmJwKoPNumdNZsVlRbPHt310pBMm2kigAACCFguQFixvEGUh4DXAsOnL/tZJBJZcmTjeup38RleD894GRKY/5f3VFD4vQkr/WeP7vrHDJXBsAgggAACCBwgQFjhgkAAgYMERsxY/n+STu/5k3Y68dg8hAIu8Ok/CrTkr2vNLD/OH921XcCny/QQQAABBHwkQFjxUbMoFQGvBEZMf3WiIrXuaNywri7r1kF1c2p7NTTjeCywp2ifnnl1tbZ/t0eKlt6ZP6bbRI9LYDgEEEAAAQQqFSCscHEggECFAiNmvLZEiv6s/YlHqdu5bVAKqMCrf9ugNZ+atfSRv+SPvqBnQKfJtBBAAAEEfCpAWPFp4ygbgXQLXDd92emlkcgrEamJCSsmtLAFS8CEFBNWotK2WtHoRQ+OufCDYM2Q2SCAAAII+F2AsOL3DlI/AmkUuG76q4OjkVoP18k+vOTyi07LMo+FsQVDwDz29fQrH5bsLf4hKxItvebBMd0eCcbMmAUCCCCAQJAECCtB6iZzQSANAiNmvPawFB1sFtpf0vkU1arFPzbSwOzpKUtLo3phxccyC+ulyCP5oy+4xtMCGAwBBBBAAIEkBfjUkSQUuyEQVoGyF0W+Yr4d7LijGqnHeSex4N7HF4NZUP/Sm+u1+ZtCM4sPskt10fQbu27z8ZQoHQEEEEAgwAKElQA3l6khkCqBITOXH58V1ROSOjVrXE89OrYVj4SlSte78xR8t0cvr1qvb7fvVkSRN6P7I1fkj+3yuXcVMBICCCCAAALuBAgr7rzYG4HQCtwwc3nuD1H9T0Tq1bBejrp3bKtjmjYIrYffJr7l2+/08lufaOfuIlP6kqyIrrh/VNfY7RU2BBBAAAEEbBUgrNjaGepCwFKB4TOXPxaJ6qrs2lnq/uOTdAIvjbS0U/8u67N/FMSCSvG+EvOHT+SP7nql9UVTIAIIIIAAAmZlJQoIIICAW4HrZi6fGY3qBnPcWe1b6Oz2LXR41mFuT8P+aRb4oWS/3lmzWe+u2RwbKarIrNmjLxiZ5mE5PQIIIIAAAikTIKykjJITIRAugREzl9+hqCZIymraqF4stLQ5rkm4ECye7YYvt8VCytYdu02VJYqWTubt9BY3jNIQQAABBCoUIKxwYSCAQLUFrp/+6nmlkVomsFxiTtLuhCNjoSW3fp1qn5MDayZQuGtvLKSs/eyfzoleqBUtnTRrTLc3a3ZmjkYAAQQQQMB7AcKK9+aMiEDgBIZPX35DJBK7y5JnXiB5zqnHZbU78UgeDfOw0+aRr7Wf/lNvf/Rl7EWPkgqiUU2aPabr/R6WwVAIIIAAAgikVICwklJOToZAeAWum/XXdtH9JRMUjfQ3CnXr1P7hpOOaHn5iizw1b9YwvDBpnrn5lq9PNxfoky+3/rBn777DY8NFok9GDsua9OD1P1mb5uE5PQIIIIAAAmkVIKyklZeTIxA+gREzXr06osOujCra1Zm9CSsmtLRu0UT16maHDyXFM969p1gbN2+LhRQTVpwtosjyqPY/nj+622MpHpLTIYAAAgggkBEBwkpG2BkUgeALXDfjtfNLVdo3osjlkpqbGZtvDGt5TCMd2bi+jmpSnzsuLi6Db7bt1Nfbdsn8uumrHTKPfZVtW6KKPl1LtZ56cPQFb7g4JbsigAACCCBgvQBhxfoWUSAC/ha4ZurLDWvXzuoblfpGpIvjZ5N9eJaOzKuno5s21LFHNiS8xOF8tXWnvt66U19t/U7m92XvSCnfIyq9GJGe2rev5KmHb+7+79sr/r5cqB4BBBBAAIEDBAgrXBAIIOCZwMj7Xzu7ZH+0UySicxXVuYqoVeLgtQ/PKs3Jzqplgox58aT5X07Zr0F6l4u5M2ICSNG+ktivsf/9UKKi4pLSfT+U1KqgKRsUia6Sar17WERvPXDDBe941jgGQgABBBBAIEMChJUMwTMsAghII+9f1nZ/afQ86bCOkvlV7XH5l0BU0Q8jivxVUa2IHF767oPXd/sUGwQQQAABBMImQFgJW8eZLwIWC0ycuDzrq3rKzaql3FpSbiSi3P3m1/3/+r1UWi9V5S+eN+6S/T/sO/yyEfc/m6pzujtPrd3RqAqjh6nwMKnQ/L5UKiwpVeExu1U4cWLXEnfnY28EEEAAAQSCJ0BYCV5PmRECCFQtkCNpu1nzL+nIst9XfRR7IIAAAggggICnAoQVT7kZDAEELBG4RdKtZWElX9KNltRFGQgggAACCCAQJ0BY4XJAAIGwCZi7KQWS6pdN3HwH8NGStoYNgvkigAACCCBguwBhxfYOUR8CCKRaYJyk2yUdUXbiYklzJY1K9UCcDwEEEEAAAQRqJkBYqZkfRyOAgL8EzFcCm7UqDRPKLi17ceU3/poO1SKAAAIIIBBsAcJKsPvL7BBA4ECBMZKmSDJ3U0xoOUxSE0lZkv5b0lDAEEAAAQQQQMAeAcKKPb2gEgQQSL/AGkm7JY2VdHbZWpXHywLMKZLOl7Ql/WUwAgIIIIAAAggkI0BYSUaJfRBAICgCjSTtKJuMWaPSQtLosr9uI2lDUCbKPBBAAAEEEAiCAGElCF1kDgggUB2BGyS1ZGF9deg4BgEEEEAAAW8ECCveODMKAgjYJzBSUitJJrSwIYAAAggggICFAoQVC5tCSQgg4InAdZLMo1/XezIagyCAAAIIIICAawHCimsyDkAAgYAIjJDUVpIJLWwIIIAAAgggYKEAYcXCplASAgh4IjBMUjtJJrSwIYAAAggggICFAoQVC5tCSQgg4ImAeadKB0kmtLAhgAACCCCAgIUChBULm0JJCCDgicAQSafzIkhPrBkEAQQQQACBagkQVqrFxkEIIBAAgWsk/UjStQGYC1NAAAEEEEAgkAKElUC2lUkhgEASAoPL3mJvQgsbAggggAACCFgoQFixsCmUhAACngj8l6RzJZnQwoYAAggggAACFgoQVixsCiUhgIAnAr+R1EnSIE9GYxAEEEAAAQQQcC1AWHFNxgEIIBAQgaslnS/JhBY2BBBAAAEEELBQgLBiYVMoCQEEPBH4f5K6SrrKk9EYBAEEEEAAAQRcCxBWXJNxAAIIBETg15K6STKhhQ0BBBBAAAEELBQgrFjYFEpCAAFPBK6U1F2SCS1sCCCAAAIIIGChAGHFwqZQEgIIeCIwUNIlkq7wZDQGQQABBBBAAAHXAoQV12QcgAACAREYIKmnJBNa2BBAAAEEEEDAQgHCioVNoSQEEPBE4FeSeksyoYUNAQQQQAABBCwUIKxY2BRKQgABTwT6SfpPSSa0sCGAAAIIIICAhQKEFQubQkkIIOCJwC8lXS7JhBY2BBBAAAEEELBQgLBiYVMoCQEEPBHoWxZUfuHJaAyCAAIIIIAAAq4FCCuuyTgAAQQCImDuqvSXZEILGwIIIIAAAghYKEBYsbAplIQAAp4IXFb2TWAmtLAhgAACCCCAgIUChBULm0JJCCDgicClZW+vN4vs2RBAAAEEEEDAQgHCioVNoSQEEPBEoI+kqyWZ0MKGAAIIIIAAAhYKEFYsbAolIYCAJwK9JA0ue9eKJwMyCAIIIIAAAgi4EyCsuPNibwQQCI7AzyVdK8mEFjYEEEAAAQQQsFCAsGJhUygJAQQ8EegpaagkE1rYEEAAAQQQQMBCAcKKhU2hJAQQ8ETgEknXSfqZJ6MxCAIIIIAAAgi4FiCsuCbjAAQQCIjAxZJGSjKhhQ0BBBBAAAEELBQgrFjYFEpCAAFPBH4qaZQkE1rYEEAAAQQQQMBCAcKKhU2hJAQQ8ESgu6Sxknp4MhqDIIAAAggggIBrAcKKazIOQACBgAhcJOkmSSa0sCGAAAIIIICAhQKEFQubQkkIIOCJwIWSxkvq5sloDIIAAggggAACrgUIK67JOAABBAIi0FXSbZJMaGFDAAEEEEAAAQsFCCsWNoWSEEDAE4ELJN0hyYQWNgQQQAABBBCwUICwYmFTKAkBBDwR+ImkuyV18WQ0BkEAAQQQQAAB1wKEFddkHIAAAgEROF/SZEkmtLAhgAACCCCAgIUChBULm0JJCCDgiUBnSfdIMqGFDQEEEEAAAQQsFCCsWNgUSkIAAU8EzpM0TVInT0ZjEAQQQAABBBBwLUBYcU3GAQggEBCBjpKmSzKhhQ0BBBBAAAEELBQgrFjYFEpCAAFPBM6V9ICkH3syGoMggAACCCCAgGsBwoprMg5AAIGACJwj6UFJJrSwIYAAAggggICFAoQVC5tCSQgg4InA2ZJmSzKhhQ0BBBBAAAEELBQgrFjYFEpCAAFPBH4kaZ6kszwZjUEQQAABBBBAwLUAYcU1GQcggEBABM6U9IgkE1rYEEAAAQQQQMBCAcKKhU2hJAQQ8ETgDEm/k2R+ZUMAAQQQQAABCwUIKxY2hZIQQMATgdMl/UHSf3gyGoMggAACCCCAgGsBwoprMg5AAIGACJwm6XFJJrSwIYAAAggggICFAoQVC5tCSQgg4InAqZKelNTBk9EYBAEEEEAAAQRcCxBWXJNxAAIIBESgvaSFkkxoYUMAAQQQQAABCwUIKxY2hZIQQMATgXaS/izJhBY2BBBAAAEEELBQgLBiYVMoCQEEPBE4WdL/SjrFk9EYBAEEEEAAAQRcCxBWXJNxAAIIBESgraTFkkxoYUMAAQQQQAABCwUIKxY2hZIQQMATgZMkPS/J/MqGAAIIIIAAAhYKEFYsbAolIYCAJwKtJb0gqY0nozEIAggggAACCLgWIKy4JuMABBAIiMCJkl6SZEILGwIIIIAAAghYKEBYsbAplIQAAp4ItJL0qqQTPBmNQRBAAAEEEEDAtQBhxTUZByCAQEAEjpe0XJIJLWwIIIAAAgggYKEAYcXCplASAgh4ItBS0l8lmV/ZEEAAAQQQQMBCAcKKhU2hJAQQ8ESghaSVko7zZDQGQQABBBBAAAHXAoQV12QcgAACARE4VtIqSSa0sCGAAAIIIICAhQKEFQubQkkIIOCJQHNJb0syv7IhgAACCCCAgIUChBULm0JJCCDgicDRkv4u6RhPRmMQBBBAAAEEEHAtQFhxTcYBCCAQEIGjJL0vyYQWNgQQQAABBBCwUICwYmFTKAkBBDwRaCZptaQjPRmNQRBAAAEEEEDAtQBhxTUZByCAQEAEmkpaI8mEFjYEEEAAAQQQsFCAsGJhUygJAQQ8EWgiaZ0k8ysbAggggAACCFgoQFixsCmUhAACngg0lrRBUp4nozEIAggggAACCLgWIKy4JuMABBAIiEAjSZ9KMqGFDQEEEEAAAQQsFCCsWNgUSkIAAU8EciVtkmR+ZUMAAQQQQAABCwUIKxY2hZIQQMATgQaSNktqWDZatqRiT0ZmEAQQQAABBBBISoCwkhQTOyGAQEAEbpY0XtKNkhZI2lL2GJj567skjZaUH5C5Mg0EEEAAAQR8L0BY8X0LmQACCLgQMG+r/0fZHZRdZUHle0lZkvZLMndb2BBAAAEEEEDAEgHCiiWNoAwEEPBM4AFJQyTVjhvRBJY7JU3zrAoGQgABBBBAAIEqBQgrVRKxAwIIBEzAvATyK0mHxc1rZ9lXGJcEbK5MBwEEEEAAAV8LEFZ83T6KRwCBagrMkDS87O6KuasySdLUap6LwxBAAAEEEEAgTQKElTTBcloEELBawLwI8puytSq7y95izzeBWd0yikMAAQQQCKMAYSWMXWfOCCBgBMz6lOsk3S1pMiQIIIAAAgggYJ8AYcW+nlARAgh4I2BeBjlX0iBJe7wZklEQQAABBBBAwI0AYcWNFvsiEE6B1m3atHl5w4YNx4dz+sy6pgJt2rTZtGHDhlY1PQ/HI4AAAgiET4CwEr6eM2MEXAk0adJkyciRI382YcIEV8exMwJGoE+fPjufffZZ88id+RIDNgQQQAABBFwJEFZccbEzAqETuLRly5Z/2LRpEy9LDF3raz7hRYsW6eqrr95cWFh4XM3PxhkQQAABBMIoQFgJY9eZMwJJCuTm5n752GOPtbj00kuTPILdEPi3wPHHH7/ziy+++H+SFuGCAAIIIIBAdQQIK9VR4xgEwiEwoXfv3mMXL17MXZVw9Duls5w0aZIeeOCBv2zbtq1nSk/MyRBAAAEEQiVAWAlVu5ksAkkLtJa0YcOGDWrd2vyWDYHkBTZu3Kg2bdqYA8z/bUz+SPZEAAEEEEDgQAHCClcEAggcJMCiei6KmgiwqL4mehyLAAIIIBAvQFjhekAAgUQBFtVzTVRbgEX11abjQAQQQACBCgQIK1wWCCBwgACL6rkgaiLAovqa6HEsAggggECiAGGFawIBBOIFWFTP9VBtARbVV5uOAxFAAAEEKhEgrHBpIICAI8Cieq6FaguwqL7adByIAAIIIHAIAcIKlwcCCMQEWFTPhVATARbV10SPYxFAAAEEKhMgrHBtIICAEWBRPddBtQVYVF9tOg5EAAEEEKhCgLDCJYIAAmJRPRdBTQRYVF8TPY5FAAEEEDiUAGGF6wMBBFhUzzVQbQEW1VebjgMRQAABBJIQIKwkgcQuCARYgEX1AW5uuqfGovp0C3N+BBBAAAHCCtcAAiEWYFF9iJufgqmzqD4FiJwCAQQQQOCQAoQVLhAEwivAovrw9r7GM2dRfY0JOQECCCCAQBIChJUkkNgFgSAKsKg+iF31bk4sqvfOmpEQQACBMAsQVsLcfeYeZgEW1Ye5+zWcO4vqawjI4QgggAACSQsQVpKmYkcEAiPAovrAtNL7ibCo3ntzRkQAAQTCLEBYCXP3mXsoBVhUH8q2p2zSLKpPGSUnQgABBBBIQoCwkgQSuyAQIAEW1QeomV5PhUX1XoszHgIIIIAAYZ+F47wAACAASURBVIVrAIEQCbCoPkTNTsNUWVSfBlROiQACCCBwSAHCChcIAuERCNSi+rvvvlu33377Ad1bsWKFOnXqFPuzvXv3atSoUTr//PM1cODAlHR5/vz5evzxx2V+zcvLS8k5/XISFtX7pVPUiQACCARLgLASrH4yGwQqEwjMononhJiJzpw5U3Xq1InNef369erXr5/Gjh0bCyeEldT9zcCi+tRZciYEEEAAAXcChBV3XuyNgC8FgrSo3oSS66+/XrNmzVLbtm0P6Ef8nY+6detyZyVFVyuL6lMEyWkQQAABBFwLEFZck3EAAr4TCNSi+pUrV2r48OFauHDhQWElvjMV3Vlx/mzevHnlu95111267bbbyv/anL9z586xvz799NMPGCfxMbCCgoLyR8yC+mgYi+p99/c7BSOAAAKBEiCsBKqdTAaBgwWCtqjeCQgvvfSSnnjiiUrXoySGFeevmzdvXh5OEh8dc/569uzZsbUvieEk/q+NtHnc7Pjjjz/gcbSgXYMsqg9aR5kPAggg4C8Bwoq/+kW1CLgVCNSiemfy8YHF+bOf/vSnByx8TwwrFT0+lhhgzKL9LVu2VBo+nLDy3//93zILzs0Wv27GbXNs359F9bZ3iPoQQACB4AsQVoLfY2YYXoHALKo/VAvjH9sy+zmPdR1qgb1zB+WDDz6Indocc+ONN8bWuMTfeUkc14SVadOm6cgjj1QkEgn0t4KxqD68/+Bg5ggggIBNAoQVm7pBLQikUCBIi+qTZTF3Rp5++unYOpPjjjvugAX2ietVEgOKE1YO9VXHJqxcccUV6tGjh/75z3/q8ssvP2C9S7J1+mE/FtX7oUvUiAACCARfgLAS/B4zw3AKBGpRfbItjF9zcuaZZx4QVipamB//GFiyd1ac96ysW7cuthA//t0uydZp+34sqre9Q9SHAAIIhEeAsBKeXjPTEAkEbVF9fOsOta4kfl1K4p0Vc1fkjTfeqPDdLM4dkmTXrJhzOV+NbGoL2roVFtWH6B8WTBUBBBCwXICwYnmDKA+BaggEclG94+DcPanoESwTNsxmvoo4cc2Ks7bFuRMS/1jYtddeGwscX375ZezFks63gSXejUn8drDEbxOrRq+sO4RF9da1hIIQQACBUAsQVkLdfiYfQIFQLKqv6H0pppfxj2RVtMDeWXPi9N189fFnn30mE0qc96QkLtiPP2diWDHniV8nk/iSSr9dXyyq91vHqBcBBBAIvgBhJfg9ZoYhEgjjovoQtTftU2VRfdqJGQABBBBAwKUAYcUlGLsjYLFAKBfVW9wPX5XGonpftYtiEUAAgdAIEFZC02omGnSBIC+qD3rvbJgfi+pt6AI1IIAAAggkChBWuCYQCIZAoBfVB6NF9s6CRfX29obKEEAAgbALEFbCfgUw/yAIhGJRfRAaZeMcWFRvY1eoCQEEEEDAESCscC0g4HMBFtX7vIEZLp9F9RluAMMjgAACCBxSgLDCBYKAvwVYVO/v/mW0ehbVZ5SfwRFAAAEEkhAgrCSBxC4I2CrAonpbO+OPulhU748+USUCCCAQZgHCSpi7z9z9LsCier93MIP1s6g+g/gMjQACCCCQtABhJWkqdkTAKgEW1VvVDn8Vw6J6f/WLahFAAIEwCxBWwtx95u5bARbV+7Z1VhTOonor2kARCCCAAAJJCBBWkkBiFwQsE2BRvWUN8VM5LKr3U7eoFQEEEECAsMI1gIDPBFhU77OGWVYui+otawjlIIAAAggcUoCwwgWCgL8EWFTvr35ZVS2L6q1qB8UggAACCCQhQFhJAoldELBEgEX1ljTCj2WwqN6PXaNmBBBAAAHCCtcAAj4RYFG9TxplaZksqre0MZSFAAIIIHBIAcIKFwgC/hBgUb0/+mRllSyqt7ItFIUAAgggkIQAYSUJJHZBINMCLKrPdAf8PT6L6v3dP6pHAAEEwixAWAlz95m7XwRYVO+XTllYJ4vqLWwKJSGAAAIIJC1AWEmaih0RyIgAi+ozwh6MQVlUH4w+MgsEEEAgzAKElTB3n7lbL8CieutbZHWBLKq3uj0UhwACCCCQhABhJQkkdkEgQwIsqs8QfBCGZVF9ELrIHBBAAAEECCtcAwhYKsCieksb45OyWFTvk0ZRJgIIIIDAIQUIK1wgCNgpwKJ6O/vii6pYVO+LNlEkAggggEASAoSVJJDYBQGvBdq0afP5hg0bjvd6XMYLhkCbNm02bdiwobukjcGYEbNAAAEEEAirAGElrJ1n3gggMEtSPUm/gQIBBBBAAAEE7BQgrNjZF6pCAIH0CuRI2i7pcElHlv0+vSNydgQQQAABBBBwLUBYcU3GAQggEACBWyTdWhZW8iXdGIA5MQUEEEAAAQQCJ0BYCVxLmRACCFQhYO6mFEiqX7bffklHS9qKHAIIIIAAAgjYJUBYsasfVIMAAukXGCfpdklHlA1VLGmupFHpH5oREEAAAQQQQMCNAGHFjRb7IoCA3wVqla1PaZgwkVJJzSV94/cJUj8CCCCAAAJBEiCsBKmbzAUBBKoSGCNpiiRzN8UssD9MUhNJWZL+W9LQqk7AzxFAAAEEEEDAOwHCinfWjIQAApkXWCNpt6Sxks4uW6vyeFmAOUXS+ZK2ZL5MKkAAAQQQQAABI0BY4TpAAIEwCTSStKNswmaNSgtJo8v+uo2kDWHCYK4IIIAAAgjYLkBYsb1D1IcAAukSuEFSSxbWp4uX8yKAAAIIIFBzAcJKzQ05AwII+FNgpKRWkkxoYUMAAQQQQAABCwUIKxY2hZIQQMATgeskmUe/rvdkNAZBAAEEEEAAAdcChBXXZByAAAIBERghqa0kE1rYEEAAAQQQQMBCAcKKhU2hJAQQ8ERgmKR2kkxoYUMAAQQQQAABCwUIKxY2hZIQQMATAfNOlQ6STGhhQwABBBBAAAELBQgrFjaFkhBAwBOBIZJO50WQnlgzCAIIIIAAAtUSIKxUi42DEEAgAALXSPqRpGsDMBemgAACCCCAQCAFCCuBbCuTQgCBJAQGl73F3oQWNgQQQAABBBCwUICwYmFTKAkBBDwR+C9J50oyoYUNAQQQQAABBCwUIKxY2BRKQgABTwR+I6mTpEGejMYgCCCAAAIIIOBagLDimowDEEAgIAJXSzpfkgktbAgggAACCCBgoQBhxcKmUBICCHgi8P8kdZV0lSejMQgCCCCAAAIIuBYgrLgm4wAEEAiIwK8ldZNkQgsbAggggAACCFgoQFixsCmUhAACnghcKam7JBNa2BBAAAEEEEDAQgHCioVNoSQEEPBEYKCkSyRd4cloDIIAAggggAACrgUIK67JOAABBAIiMEBST0kmtLAhgAACCCCAgIUChBULm0JJCCDgicCvJPWWZEILGwIIIIAAAghYKEBYsbAplIQAAp4I9JP0n5JMaGFDAAEEEEAAAQsFCCsWNoWSEEDAE4FfSrpckgktbAgggAACCCBgoQBhxcKmUBICCHgi0LcsqPzCk9EYBAEEEEAAAQRcCxBWXJNxAAIIBETA3FXpL8mEFjYEEEAAAQQQsFCAsGJhUygJAQQ8Ebis7JvATGhhQwABBBBAAAELBQgrFjaFkhBAwBOBS8veXm8W2bMhgAACCCCAgIUChBULm0JJCCDgiUAfSVdLMqGFDQEEEEAAAQQsFCCsWNgUSkIAAU8EekkaXPauFU8GZBAEEEAAAQQQcCdAWHHnxd4IIBAcgZ9LulaSCS1sCCCAAAIIIGChAGHFwqZQEgIIeCLQU9JQSSa0sCGAAAIIIICAhQKEFQubQkkIIOCJwCWSrpP0M09GYxAEEEAAAQQQcC1AWHFNxgEIIBAQgYsljZRkQgsbAggggAACCFgoQFixsCmUhAACngj8VNIoSSa0sCGAAAIIIICAhQKEFQubQkkIIOCJQHdJYyX18GQ0BkEAAQQQQAAB1wKEFddkHIAAAgERuEjSTZJMaGFDAAEEEEAAAQsFCCsWNoWSEEDAE4ELJY2X1M2T0RgEAQQQQAABBFwLEFZck3EAAggERKCrpNskmdDChgACCCCAAAIWChBWLGwKJSGAgCcCF0i6Q5IJLWwIIIAAAgggYKEAYcXCplASAgh4IvATSXdL6uLJaAyCAAIIIIAAAq4FCCuuyTgAAQQCInC+pMmSTGhhQwABBBBAAAELBQgrFjaFkhBAwBOBzpLukWRCCxsCCCCAAAIIWChAWLGwKZSEAAKeCJwnaZqkTp6MxiAIIIAAAggg4FqAsOKajAMQQCAgAh0lTZdkQgsbAggggAACCFgoQFixsCmUhAACngicK+kBST/2ZDQGQQABBBBAAAHXAoQV12QcgAACARE4R9KDkkxoYUMAAQQQQAABCwUIKxY2hZIQQMATgbMlzZZkQgsbAggggAACCFgoQFixsCmUhAACngj8SNI8SWd5MhqDIIAAAggggIBrAcKKazIOQACBgAicKekRSSa0sCGAAAIIIICAhQKEFQubQkkIIOCJwBmSfifJ/MqGAAIIIIAAAhYKEFYsbAolIYCAJwKnS/qDpP/wZDQGQQABBBBAAAHXAoQV12QcgAACARE4TdLjkkxoYUMAAQQQQAABCwUIKxY2hZIQQMATgVMlPSmpgyejMQgCCCCAAAIIuBYgrLgm4wAEEAiIQHtJCyWZ0MKGAAIIIIAAAhYKEFYsbAolIYCAJwLtJP1ZkgktbAgggAACCCBgoQBhxcKmUBICCHgicLKk/5V0iiejMQgCCCCAAAIIuBYgrLgm4wAEEAiIQFtJiyWZ0MKGAAIIIIAAAhYKEFYsbAolIYCAJwInSXpekvmVDQEEEEAAAQQsFCCsWNgUSkIAAU8EWkt6QVIbT0ZjEAQQQAABBBBwLUBYcU3GAQggEBCBEyW9JMmEFjYEEEAAAQQQsFCAsGJhUygJAQQ8EWgl6VVJJ3gyGoMggAACCCCAgGsBwoprMg5AAIGACBwvabkkE1rYEEAAAQQQQMBCAcKKhU2hJAQQ8ESgpaS/SjK/siGAAAIIIICAhQKEFQubQkkIIOCJQAtJKyUd58loDIIAAggggAACrgUIK67JOAABBAIicKykVZJMaGFDAAEEEEAAAQsFCCsWNoWSEEDAE4Hmkt6WZH5lQwABBBBAAAELBQgrFjaFkhBAwBOBoyX9XdIxnozGIAgggAACCCDgWoCw4pqMAxBAICACR0l6X5IJLWwIIIAAAgggYKEAYcXCplASAgh4ItBM0mpJR3oyGoMggAACCCCAgGsBwoprMg5AAIGACDSVtEaSCS1sCCCAAAIIIGChAGHFwqZQEgIIeCLQRNI6SeZXNgQQQAABBBCwUICwYmFTKAkBBDwRaCxpg6Q8T0ZjEAQQQAABBBBwLUBYcU3GAQggEBCBRpI+lWRCCxsCCCCAAAIIWChAWLGwKZSEAAKeCORK2iTJ/MqGAAIIIIAAAhYKEFYsbAolIYCAJwINJG2W1LBstGxJxZ6MzCAIIIAAAgggkJQAYSUpJnZCAIGACNwsabykGyUtkLSl7DEw89d3SRotKT8gc2UaCCCAAAII+F6AsOL7FjIBBBBwIWDeVv+Psjsou8qCyveSsiTtl2TutrAhgAACCCCAgCUChBVLGkEZCCDgmcADkoZIqh03ogksd0qa5lkVDIQAAggggAACVQoQVqokYgcEEAiYgHkJ5FeSDoub186yrzAuCdhcmQ4CCCCAAAK+FiCs+Lp9FI8AAtUUmCFpeNndFXNXZZKkqdU8F4chgAACCCCAQJoECCtpguW0CCBgtYB5EeQ3ZWtVdpe9xZ5vArO6ZRSHAAIIIBBGAcJKGLvOnBFAwAiY9SnXSbpb0mRIEEAAAQQQQMA+AcKKfT2hIgQQ8EbAvAxyrqRBkvZ4MySjIIAAAggggIAbAcKKGy32RcAygd9P/N/P9+zae7xlZVFOSATq1q+z6aqJ/9kqJNNlmggggAACGRAgrGQAnSERSJXAnDELoj1/0zVVp+M8CLgSWPK75Ro2fQD/HnGlxs4IIIAAAm4E+JeMGy32RcAyASesrPrL/2n7Nzssq45ygirQ+KhG6viz/xBhJagdZl4IIICAPQKEFXt6QSUIuBZwwor50MgdFtd8HFBNAed6I6xUE5DDEEAAAQSSFiCsJE3FjgjYJ0BYsa8nYaiIsBKGLjNHBBBAwA4BwoodfaAKBKolQFipFhsH1VCAsFJDQA5HAAEEEEhagLCSNBU7ImCfAGHFvp6EoSLCShi6zBwRQAABOwQIK3b0gSoQqJYAYaVabBxUQwHCSg0BORwBBBBAIGkBwkrSVOyIgH0ChBX7ehKGiggrYegyc0QAAQTsECCs2NEHqkCgWgKElWqxcVANBQgrNQTkcAQQQACBpAUIK0lTsSMC9gkQVuzrSRgqIqyEocsHzfHM1q1bP7Nx48aWoZw9k/a9wIknnrjp008/beX7iYRwAoSVEDadKQdHgLASnF76aSaEFT91KzW15uXlrZs0aVLbIUOGpOaEnAUBDwXat29fuHbt2lskPeThsAyVIgHCSoogOQ0CmRAgrGRCnTEJK+G6BurXrz+vZ8+eA5588sl64Zo5sw2CwLBhw4oWLlz4/Pbt238RhPmEcQ6ElTB2nTkHRoCwEphW+moihBVftaumxQ5s0aLFnE8++aRBTk5OTc/F8Qh4KjB//nyNGDFiS2FhYWtJRZ4OzmApEyCspIySEyHgvQBhxXtzRpQIK6G5ClrXrl37o6VLl2Z36dIlNJNmosEQ2Lhxo0499dR9xcXFPSS9HoxZhXMWhJVw9p1ZB0SAsBKQRvpsGoQVnzWsmuU2adLknbFjx541bty4ap6BwxDInMCPf/zjwr/97W/3SLovc1UwcioECCupUOQcCGRIgLCSIfiQD0tYCf4FkJWVNeWiiy4a9sILLzQM/myZYdAExo8fX/rwww8v27ZtW/egzS2M8yGshLHrzDkwAoSVwLTSVxMhrPiqXdUptlfjxo2f/Pjjj49o1qxZdY7nGAQyJvDcc89pwIABO3bv3n2ypG8zVggDp0yAsJIySk6EgPcChBXvzRmRNSsBvwaa1atXb/2CBQtye/XqFfCpMr2gCXz77bc6+eSTv9+xY0d/Sc8FbX5hnQ9hJaydZ96BECCsBKKNvpsEd1Z817KkC87Ly3t5yJAhF06aNKlW0gexIwKWCFx88cU7X3311fySkpLxlpREGSkQIKykAJFTIJApAcJKpuTDPS5hJbD9H9exY8db3nzzzdzAzpCJBVbgvvvu07Rp097Ztm3bOYGdZEgnRlgJaeOZdjAECCvB6KPfZkFY8VvHkqq3S05OztLVq1fXbt3avJKCDQH/CLz++uvq0aNH0b59+zpI2uifyqk0GQHCSjJK7IOApQKEFUsbE/CyCCuBa3Cd3NzcDbNnz24+YMCAwE2OCQVbYO/evWrbtu3OzZs3D5W0INizDefsCCvh7DuzDogAYSUgjfTZNAgrPmtYFeU2btz4z/369fv5nDlzXL+ifuXKlercuXP5CCtWrFCnTp1cA5nzPP7445o5c6bq1KlTfrz582XLlum2225zfc6CggLz9nJNnDjRfJh1fXx1D0hmXPMBe9SoUZo3b56qa+amPlPTnDlzdOONN+q9996r0NrN+Wzat3///ruXLFmyYNeuXdfaVBe1pE6AsJI6S86EgOcChBXPyRlQfBtYwC6CIe3atbtnzZo1rtepzJ8/X2+88UZ5wDAfiAcOHBgLFtUJLBW51iSs2Nyn9evX69FHH9Wdd955QDhLV81ej5eueSSe96GHHtKECRPWFxQUmK8pZguoAGEloI1lWuEQIKyEo8+2zZI7K7Z1pNr1nCnp7+a/tJ9xxhmuTmLuDNxxxx0aNGjQAXctTGDZtm1b7M/MB+R+/frpgw8+0E9/+lOZcGN+Fv8h3fkQffHFF+tPf/pTLPiYepy7NXfddVesrvg7K87YZm3Ntdf+6z+mO3cnzBhmvKVLl2ro0KF67bXXYndW3n33XZmvtX3ppZdi/3viiSf02Wef6fbbb4+dw7mjc/fdd8f+zGzOnzt3IjZt2qRzzjlHRUVF5fOuKATE31kx4zr1mF/NfIYNGxYLdaYOZ4zf/va35eOa2szPnbtNZlwT/k444YQq52Dqdu7YmN+b8czdFOfPzHi//OUvy6337NlTXsvpp5+uhQsX6rjjjov11mzTpk07wNfVRZLmnU1ffvSjH5lRzHX8fpqH4/QZFCCsZBCfoRGoqQBhpaaCHF8dAcJKddTsOyYvL2/dpEmT2g4ZMsR1ceZDugkB+fn5ysvLO+j4xEehnLswU6ZM0dSpU8s/7JtwcOGFF8aON4+BmVBiPlw7j26Zn1cUVsyH7+bNm8f2j6/lxRdfLL/bYz6IO4+BmdBgzu8EJhOiZs+erTPPPDP2Qf7KK68sryE+uDi1mTrMsWau5lezmUAR/3sHITGsOOOanzv1mN87oe2ZZ56JBSczl/i7U2afxHGrmoMJNs654gNl/HhO+DK9uPXWW2NzN2HIhCMznqnL/Or4VvaInuuLJsUHtG/fvnDt2rW3SHooxafmdJYJEFYsawjlIOBGgLDiRot9UyVAWEmVZObOU79+/Xk9e/Yc8OSTT9arThXmQ/X48eM1efLkCsNK4h2H+P1NoDCbuZvinGPdunWxMGH+q7/5cOzcSanoMbDEuzrxf21CSfwH//iwEv/n8bU7gcl8YI+/G2RqNHdsnCDlhBhnbjfddJPuvffeCu8uVTRuZeHB3FUxoch5dM4JQMcff/wBa0vMnyczh/h1RM7dkorCijE2c3d66NRnQtjcuXPLQ4yNj5ANGzasaOHChc9v3779F9W5fjnGXwKEFX/1i2oROECAsMIFkQkBwkom1FM65sAWLVrM+eSTTxrk5LheUx8rpLLHwJz/Cm8ewTIfrp01GfFhxXkUrHv37nrrrbdiwcQ5LpNhxcwr/k5G4l0fJ6w4c3fuRiSuO0m8s1LVnY5UhhVzZ8VZR2Tm4zyqF6SwYq6rESNGbCksLDTfsV2U0r8zOJmVAoQVK9tCUQgkJ0BYSc6JvVIrQFhJrafHZ2tdu3bt1UuXLs3p0qVLjYY+1AL7k08++YBv4orf1/kQbdZwmPUhzod+t4+BnX/++bFHsRIfA6vunRXzQd9s5pyJj2MlflOZCVcPPvigevXqFds/fnMbVg71GFj8uMncWTHfnObcpTEu119/vWbNmhUrz3nsLNnHwJzHw2y6s7Jx40adeuqp+4qLi3tIer1GFzAH+0aAsOKbVlEoAgcLEFa4KjIhQFjJhHpqxmzSpMnbY8eOPXvcuHEpOaH5AH3FFVeUnyv+a3grWmDvrG9x1kc460Di10Uks8DerDMpLCyMLQh3HnUyi/oTP9C7eQzMBCxn4bv5QgDzv2bNminxcSwz2UN9PbHbsGK+qjl+YX/iAnvnjk4yYaVJkyblX2pgFtM3aNBAffr0kTM3M5dkFtg763icR+O8/OayQ12Y5513XuGqVavukXRfSi5gTuILAcKKL9pEkQhULEBY4crIhABhJRPqNR8zKytrykUXXTTshRdeaFjzs2XuDM47Spz/8p+JSmxddJ4JC6/GHD9+fOnDDz+8bNu2bd29GpNx7BAgrNjRB6pAoFoChJVqsXFQDQUIKzUEzMzhvRo3bvzkxx9/fIS5W+DnLdNhxbmb5MXLHP3cp1TW/txzz2nAgAE7du/ebd6n8m0qz8257BcgrNjfIypEoFIBwgoXRyYECCuZUK/RmM3q1au3bsGCBY3MGgs2BPwkYN6Pc8opp3y/ffv2/pKe81Pt1JoaAcJKahw5CwIZEUhVWPns8081bMy1mnTbPTrrjLPL52JefnbXvbfrvQ/e05zp83RCqxPLf7ajcIdGjhumy3r/Qpf+/LIq52/2f/yPv9c1Vw1Vdb+BqMpBXO7w7vvv6PIremvgL6/U7TfdlfK6Fj3/jN7++1tJn9v0Ydkbr+q/fn2Ny5kcevdU2xNWUtqetJ8sLy/v5WuvvfbCyZMn10r7YAyAQIoFLrnkkp2vvPLK7JKSkltTfGpO5xMBwopPGkWZCFQkkKqwUlnwcELMx+vX6IF7Zx8QSswH/Ql333JQiKmsU7Memqlv/vl10h/cvei4qWn397v115WvHxTUvBg/fgwnGB515NG6fsiolA6fanvCSkrbk+6TjevYseMtb775Zm66B+L8CKRa4L777tO0adPe2bZt2zmpPjfn848AYcU/vaJSBA4SSFVYMSeu6AOtCSTPPPtnndruNH209sMDgoa5a2B+9sB9c9Qot1GV3Un1B+YqB6xiByeIjb/xNr3w8hKlIyS4qTGAYaW+JHOLaLobB/Y9SMC8wt38b181bLrk5OQsXb16de3Wrc0rKdgQ8I/A66+/rh49ehTt27evg6SN/qmcSlMtQFhJtSjnQ8BDgVSGFRNMZs2dcUD4MAHDbOed2/mAn1X0wdrsO/3Bf3+bpPNolTnePEo2/0+Px851Stv2sbsxxxzd/IA/Nz97+olnD3gMLf7Ojvl54uNazmNWJkzdMnHsAeePf2StopbEh63XVyyvMHg583RqT6yxqp8nPgbmPHbm1OPMZ2/R3tgjda+vfC32oy6dLijvQ+Ixjp8zv0MZJBonHlvdS7WKOysmpJjHNcZI2i+pTnXH4TgdIalQUrGkSZJmuAgtObm5uRvz8/ObJ74HBNeqBSr7ti+37xyp7OWZ8V9DXHU14dvD/LP1pJNO2rl58+ZhkuaHT4AZxwsQVrgeEPCxQCrDSuK6FeeDuFmTcmKr1rEP09cPHR0LE85jY85fJ941cX5+1pnnlD/SFL+PE2Di72YkPlbmfEh3Hj9z6jHHOutLzAf1kTcN15jrxsXGqWifitqbGLacuQ/5zbDyR90qCmTxNTpB4FBziA8rH328+oDH5hLPX9V4Tjgxju++93Z5mEnGINV3tSoJK05IMc+wmX+3DfYn9AAAIABJREFUmKByi6QHfPy3mA2l3ybpZkmlkqKSzDsmTGgxAabSrXHjxn/u16/fz+fMmVO9V9TbMHMLayCseNOU/v37716yZMmCXbt2XevNiIxiswBhxebuUBsCVQikMqw4H5bP+dGPYx/YzQf4mXN+q7vGT4k95mU+8B53bMvyn90xZbzuvHWyGjVqfECQcUpO/IAc/9fOnYTKFudX9khUYqCq6FG0ZNbSOEHIuZNTUcip6gsEqvq5cYgPKy++8pdDPjZX2d0qc574NSyJ80vGIM1hpUHZnRQnpNQuuwYKJDXhb+IaC5i7K+arWuuWnWl3WWiZIsnc+qwotAxp167dPWvWrAn8OhXnzoV5zM28BNFszlcKm7sXH3zwgZYuXaqxY8fqrLPOKn9honnho/n5tm3byt/sbl7O6ISRiy++WH/6059kXsj45Zdflh9nzmO2O++8U3v27Cl/iWT8iymdr1aeN2+efvWrX6lhw4YyL1k0L610NjP2G2+8oU2bNumll17SXXfdpdtuuy32ckjnDfTm5ZLjx4/X5MmT5bxMs8ZXkw9O8NBDD2nChAnrCwoKzNcUsyEQ+69fbAgg4FOBVIYVQ+A89mU+HCc+wpT4wbuib7lyPsA7jzPFP7ZVUXgxj41V9E1clQWBxA/0FX3bVjJhpbL1OYlfGOA82lbZt4VV9fP4+r76ekvsG9fMlxUkPu5m7KtasxL/mF3841zJGKQ5rDwtqbekw336t5Ffyy6S9JCkxG9jOEPSe+Yt8GecYX4b7M0JBs2bN4992DdhY+LEicrPz9eLL74YCwQmcJhg4bzN3nnTvfnZlClTNHXqVA0aNCgWJpywYNQef/zx2M9vvfVWOS+gdEJG4nEmWMyZM0c33nijnnnmGX322Wfl9Vx//fWaNWvWQWHFnN+cr27durEwY8Yw27Jly2LHmkfRnN8Hu4v/nt3777+vM8880/yB+b/3wzJv5nloAcIKVwgCPhZIdViJX7divmbYuZNiiMxdDeduyvMvPRtTc/6Lf/wHaeeD/cO/n3vAt39V9IHZeYTJaYHzOFfiY2bOz1MRVhIDVWL7nRqcP6+sxmR+nhgkEseODx2VPQZmvlrZbM6+2wu3H/A4mQVhpbI7K9sl5fn4by9bSk+8s/J92SNhFd5ZycvLWzdp0qS2Q4YMsaX+tNaRuCYk/q/ffffdA0LDo48+GrsjYu6gxN+1MKHGbOZuinMnY926dbGwMnTo0FigcI5z7ryMHDkyFnDMXRFnM3dX/vCHP8T2d8JPsmtWzDGJNZjw49xlSSuiRSdv37594dq1a83joyaIsyEQEyCscCEg4GOBVIcVJ5CMHDZGf1jwO40admP5u1WcD9OXdO8Z+/Ys8wiXWb9S2TtaDvUYWEXvWXFCgVmj0qVz1wrf4ZL4qFoyH9QT22uOeeh3cyr8yuXE9SAVHWvWyCR+jXNicHF+fqj3rDjBxRxrvlGtTk6d2BcOOGtgKrvTUtFjYIl3uRL3SfOdFeffI6xZSc8/S5w1K2a9ilm3UunjX/Xr15/Xs2fPAU8++WS99JRi31lTEVacR8G6d++ut956q/yuRlVhxdyFSXxE61D1JD4G5tx9MapOWDFfhmDOe9ppp+mFF14I1SNgw4YNK1q4cOHz27dv/4V9VxoVZVKAsJJJfcZGoIYCqQ4rzgfkevXq6+tvvipfr+KU6byX5ON1a2LrVcyi74q+Rcz5IH5s8xbli+GT+cDsPIZmXhwZ/8HdGb+iNStVfVCPJ67qUavEtSwVtSf+Ubmqfl7VSyHj71YlLtiv7O6SGf8vS5eUh61kAlsy9m4uRb4NzI1WjfZ1821gA1u0aDHnk08+aWDLS1drNPMkD3YeAzv//PNj60cSHwNzAoG5k1LRY2DmETGz3XHHHbH1Lbfffrs6deoUewSrqsfAzONhVY1r6nHzGJgZ2xxj6nIebUuSwte7mbA2YsSILYWFheY7ts0jjmwIlAsQVrgYEPCxQKrDiqFI/HapeJ6K3vhe0TdpOY+FxX8Fb1UL7BODSLLfBuYmrFR2F8iZY/xCe/OI27jbRsfuIJkvHDBb/PHON6RV9nNz16mqBfaH+oa0ihb9x3+NsbPuxcKw4nDynpXU/LMlmfestK5du/bqpUuX5nTp0iU1o/rkLE5YKSws1MKFCxW/0D3x64FNCOjXr18slDgL7J2F6yacmDsa5hjzZ/FfXZyuBfbffvtt7DEy878nnngiFrbM5szJWSfjk1ZUu8yNGzeqQ4cO+4qKinpIer3aJ+LAwAoQVgLbWiYWBoF0hJVD3V2o6CuJjXPiu0DMug+z3iX+cav4d6aYD9rOh31nMb45T+LjVYnvWaloPYmbsJLMHYb4x8ScbzqrrMaK1r/Ez6GiLykwj5E5W3yYi3d01qckjm/2N18Xbb4IwPma5WTCSqK9CVI12XiDfU30Un9skyZN3h47duzZ48aNS/3JLT9jED/Yx98dCsO3gJ133nmFq1atMl/J/e8XdVl+3VGetwKEFW+9GQ2BlAqkI6yktEBOFkgBwoo9bc3Kyppy0UUXDX/hhRfMFx2EbgtaWDF3dDp37nzAnZYgN3X8+PGl8+bNW1ZQUNA9yPNkbjUTIKzUzI+jEcioAGElo/yhHZywYk3rezVu3PjJjz/++IhmzZpZUxSFIJCMwHPPPacBAwbs2L17t3mfinmXEBsCFQoQVrgwEPCxAGHFx83zcemEFSua16xevXrrFixY0KhXr15WFEQRCCQrYNbrnHLKKd9v3769v6Tnkj2O/cIpQFgJZ9+ZdUAECCsBaaTPpkFYyXzDmjRp8vI111xz4eTJk2tlvhoqQMCdwCWXXPLdK6+8MqekpORWd0eydxgFCCth7DpzDowAYSUwrfTVRAgrGW/XuI4dO97y5ptv5ma8EgpAwKXAfffdp2nTpr2zbdu2c1weyu4hFSCshLTxTDsYAoSVYPTRb7MgrGS0Y12ys7OXfvTRR7VbtzavpGBLlYD56mLznhWzxX+1cfxXHjtjXXvttbF3odSpU6d8+MqOT1V9QTjP66+/rh49ehTt27evg6SNQZgTc0i/AGEl/caMgEDaBAgraaPlxIcQIKxk7PLIyc3N3Zifn9/ceSdHxioJ0MCJL5Y0U4t/74rzhvs777yzPJyY97G88cYbscBitlGjRpW/IDLx+DB8/XAyl4N5d9RJJ520c/PmzcMkzU/mGPZBwAgQVrgOEPCxAGHFx83zcemElcw0r3Hjxn/u16/fz+fMmZOTmQqCOaq5c/Loo48qPoyYmZo/b9KkiSoKKybgmLfeDxo0KIZyqOMJK/+6bvr37797yZIlC3bt2nVtMK8kZpUuAcJKumQ5LwIeCBBWPEBmiIMECCsZuSiGtGvX7p41a9awTiXF/Ilvuk88fWVhxjz2deGFF2rTpk367LPPdNttt6W4suCc7qGHHtKECRPWFxQUmK8pZkPAlQBhxRUXOyNglwBhxa5+hKUawornnT5D0nt///vfdeaZZ3o+eNAHNI98LVu2rNKwUVVYMT6HOj7oflXN7/3333eu2x+Z67iq/fk5AokChBWuCQR8LEBY8XHzfFw6YcXb5uXl5a2bNGlS2yFDhng7cEhGO1QYOeGEE3TWWWcd9JhXMo+BmTsv5viwry9q37594dq1a2+R9FBILimmmWIBwkqKQTkdAl4KEFa81GYsR4Cw4t21UL9+/Xk9e/Yc8OSTT9bzbtRwjcQC+/T1e9iwYUULFy58fvv27b9I3yicOegChJWgd5j5BVqAsBLo9lo7OcKKZ60Z0KJFi7nr169vEP8VuZ6NHqKBnMAyb9682KzdfnXxoY4PEeMBU12wYIGGDx++pbCwsI2kvWF1YN41FyCs1NyQMyCQMQHCSsboQz0wYcWT9reuXbv26qVLl+Z06dLFkwEZBIFUCWzcuFEdOnTYV1RU1EPS66k6L+cJpwBhJZx9Z9YBESCsBKSRPpsGYSX9DWvSpMnbY8eOPXvcuHHpH4wREEixwHnnnVe4atWqeyTdl+JTc7oQChBWQth0phwcAcJKcHrpp5kQVtLbraysrMndunUb8eKLLzZI70icHYHUC0yYMKH0oYceWlZQUNA99WfnjGEUIKyEsevMOTAChJXAtNJXEyGspLVdvRo1avTkunXrjmjWrFlaB+LkCKRa4LnnntOAAQMKd+/e3VbSt6k+P+cLpwBhJZx9Z9YBESCsBKSRPpsGYSVtDWtWr169dQsWLGjUq1evtA3CiRFIh8C3336rU0455fvt27f3l/RcOsbgnOEUIKyEs+/MOiAChJWANNJn0yCspKdhTZo0efmaa665cPLkybXSMwJnRSB9Apdccsl3r7zyypySkpJb0zcKZw6jAGEljF1nzoERIKwEppW+mghhJS3tGnfuuefe8tZbb+Wm5eycFIE0Ctx3332aNm3au9u2bTs7jcNw6pAKEFZC2nimHQwBwkow+ui3WRBWUt6xLtnZ2Us/+uij2q1bt075yTkhAukUeP3119WjR4/iffv2nSppYzrH4tzhFCCshLPvzDogAoSVgDTSZ9MgrKS0YTm5ubkb8/Pzmw8cODClJ+ZkCKRboKioSCeddNLOzZs3D5M0P93jcf5wChBWwtl3Zh0QAcJKQBrps2kQVlLXsMaNG/+5X79+P58zZ05O6s7KmRDwRqB///67lyxZsmDXrl3XejMio4RRgLASxq4z58AIEFYC00pfTYSwkrJ2DWnXrt09a9asYZ1Kykg5kVcCDz30kCZMmLC+oKDgZK/GZJxwChBWwtl3Zh0QAcJKQBrps2kQVlLTsNatW2/auHFjy9ScjbMg4K1A69atv9i4ceNlkt7zdmRGC5sAYSVsHWe+gRIgrASqnb6ZDGHFN62iUAQQQMD3AoQV37eQCYRZgLAS5u5nbu6ElczZMzICCCAQNgHCStg6znwDJUBYCVQ7fTMZwopvWkWhCCCAgO8FCCu+byETCLMAYSXM3c/c3AkrmbNnZAQQQCBsAoSVsHWc+QZKgLASqHb6ZjKEFd+0ikIRQAAB3wsQVnzfQiYQZgHCSpi7n7m5E1YyZ8/ICCCAQNgECCth6zjzDZQAYSVQ7fTNZAgrvmkVhSKAAAK+FyCs+L6FTCDMAk5YWfWX/9P2b3aEmYK5eyjQ+KhG6viz/5AJLcOmD+DfIx7aMxQCCCAQNgH+JRO2jjPfQAk4YSVQk2IyvhEgrPimVRSKAAII+FaAsOLb1lE4AtLvJ/7v53t27T0eCwQyIVC3fp1NV038z1aZGJsxEUAAAQTCIUBYCUefmSUCCBwsUF/SY5KulrQLIAQQQAABBBCwT4CwYl9PqAgBBLwRuEfSGEnTJd3izZCMggACCCCAAAJuBAgrbrTYFwEEgiJg7qpslZQtqVhSU+6uBKW1zAMBBBBAIEgChJUgdZO5IIBAsgLmrspoSbUl7ZM0g7srydKxHwIIIIAAAt4JEFa8s2YkBBCwQyD+ropTEXdX7OgNVSCAAAIIIHCAAGGFCwIBBMImEH9XxZk7d1fCdhUwXwQQQAABXwgQVnzRJopEAIEUCZi7KgWS9kvaI6lx2V/XlZQlKY+1KymS5jQIIIAAAgikQICwkgJEToEAAr4RMN/+NUnSzZIekBSVZP45OFLSVEkTyr4dzDcTolAEEEAAAQSCLEBYCXJ3mRsCCFQl4ISVqvbj5wgggAACCCCQAQHCSgbQGRIBBKwRIKxY0woKQQABBBBA4GABwgpXBQIIhFmAsBLm7jN3BBBAAAHrBQgr1reIAhFAII0ChJU04nJqBBBAAAEEaipAWKmpIMcjgICfBQgrfu4etSOAAAIIBF6AsBL4FjNBBBA4hABhhcsDAQQQQAABiwUIKxY3h9IQQCDtAoSVtBMzAAIIIIAAAtUXIKxU344jEUDA/wKEFf/3kBkggAACCARYgLAS4OYyNQQQqFKAsFIlETsggAACCCCQOQHCSubsGRkBBDIvQFjJfA+oAAEEEEAAgUoFCCtcHAggEGYBwkqYu8/cEUAAAQSsFyCsWN8iCkQAgTQKLJfUNY3n59QIIIAAAgggUAMBwkoN8DgUAQR8L8CdFd+3kAkggAACCARZgLAS5O4yNwQQqEqAsFKVED9HAAEEEEAggwKElQziMzQCCGRcgLCS8RZQAAIIIIAAApULEFa4OhBAIMwChJUwd5+5I4AAAghYL0BYsb5FFIgAAmkUIKykEZdTI4AAAgggUFMBwkpNBTkeAQT8LEBY8XP3qB0BBBBAIPAChJXAt5gJIoDAIQQIK1weCCCAAAIIWCxAWLG4OZSGAAJpFyCspJ2YARBAAAEEEKi+AGGl+nYciQAC/hcgrPi/h8wAAQQQQCDAAoSVADeXqSGAQJUCvMG+SiJ2QAABBBBAIHMChJXM2TMyAghkXoA7K5nvARUggAACCCBQqQBhhYsDAQTCLEBYCXP3mTsCCCCAgPUChBXrW0SBCCCQRgHCShpxOTUCCCCAAAI1FSCs1FSQ4xFAwM8ChBU/d4/aEUAAAQQCL0BYCXyLmSACCBxCgLDC5YEAAggggIDFAoQVi5tDaQggkHYBwkraiRkAAQQQQACB6gsQVqpvx5EIIOB/AcKK/3vIDBBAAAEEAixAWAlwc5kaAghUKUBYqZKIHRBAAAEEEMicAGElc/aMjAACmRcgrGS+B1SAAAIIIIBApQKEFS4OBBAIswBvsA9z95k7AggggID1AoQV61tEgQggkEYB7qykEZdTI4AAAgggUFMBwkpNBTkeAQT8LEBY8XP3qB0BBBBAIPAChJXAt5gJIoDAIQQIK1weCCCAAAIIWCxAWLG4OZSGAAJpFyCspJ2YARBAAAEEEKi+AGGl+nYciQAC/hcgrPi/h8wAAQQQQCDAAoSVADeXqSGAQJUChJUqidgBAQQQQACBzAkQVjJnz8gIIJB5AcJK5ntABQgggAACCFQqQFjh4kAAgTALEFbC3H3mjgACCCBgvQBhxfoWUSACCKRRgLCSRlxOjQACCCCAQE0FCCs1FeR4BBDwswBhxc/do3YEEEAAgcALEFYC32ImiAAChxAgrHB5IIAAAgggYLEAYcXi5lAaAgikXYCwknZiBkAAAQQQQKD6AoSV6ttxJAII+F+AsOL/HjIDBBBAAIEACxBWAtxcpoYAAlUKEFaqJGIHBBBAAAEEMidAWMmcPSMjgEDmBQgrme8BFSCAAAIIIFCpAGGFiwMBBMIsQFgJc/eZOwIIIICA9QKEFetbRIEIIJBGAcJKGnE5NQIIIIAAAjUVIKzUVJDjEUDAzwKEFT93j9oRQAABBAIvQFgJfIuZIAIIHEKAsMLlgQACCCCAgMUChBWLm0NpCCCQdgHCStqJGQABBBBAAIHqCxBWqm/HkQgg4H8Bwor/e8gMEEAAAQQCLEBYCXBzmRoCCFQpQFipkogdEEAAAQQQyJwAYSVz9oyMAAKZFyCsZL4HVIAAAggggEClAoQVLg4EEAizAGElzN1n7ggggAAC1gsQVqxvEQUigEAaBQgracTl1AhUITCgTZs2kzds2DBe0gK0EEAAgYoECCtcFwggEGYBwkqYu8/cMylwc15e3oS77rrriNtvv/37goKCSZKmZrIgxkYAATsFCCt29oWqEEDAGwHCijfOjIJAuUCDBg1+36pVqz6LFy/Obdmypb744gv16dOn8PPPP1+8c+fOq6BCAAEE4gUIK1wPCCAQZgHCSpi7z9y9Fsht2rTp8506dTrtmWeeqR+J/PsjSDQa1WWXXbZr5cqVH27duvXnkgq9Lo7xEEDATgHCip19oSoEEPBGgLDijTOjINChUaNGzw8ePPiYe++9N6syjptuuqnkkUce+WrHjh0msKyGDQEEECCscA0ggECYBQgrYe4+c/dKoGd2dvZTM2fOzBk6dGiVY86dO1ejRo0qKi4u7itpSZUHsAMCCARagLAS6PYyOQQQqEKAsMIlgkB6BYbm5OTMfOqpp7J79uyZ9EhLlixR3759i4uKikZJmpv0geyIAAKBEyCsBK6lTAgBBA4hMEaS+dahmyU9IMkJKyPLvologqTpCCKAQM0FsrOzpx199NGDn3322YYdOnRwfcLVq1erd+/e33399dePFBcXj3V9Ag5AAIFACBBWAtFGJoEAAkkK1JdUIKlE0h5JeZK2S6ojyTxHb/56V5LnYjcEEKhYIJKXl/fsqaee2nnRokW5ubm51XYqLCzUpZdeWvjRRx+tKCgo6F32HxiqfT4ORAAB/wkQVvzXMypGAIGaCdwjabSk2nGn2SdphqRbanZqjkYg9AIt8/Lynu/Tp8+Jjz76qPmPACnZBg0atHfx4sWfFhQUmIX3X6TkpJwEAQR8IUBY8UWbKBIBBFIoYO6ubJWUHXfOYklNuauSQmVOFUaBzvXr11986623Nr75ZvOkZWq3qVOnasqUKdt37drVR9KK1J6dsyGAgK0ChBVbO0NdCCCQToH4uyvcVUmnNOcOi8AASfPnz5+vAQPMb9OzLViwQAMHDjQnN/+3ID2jcFYEELBJgLBiUzeoBQEEvBKIv7vCXRWv1BknqAI35+XlTVi0aNERnTt3TvscV6xYYdaxfF9QUGC+LGNq2gdkAAQQyKgAYSWj/AyOAAIZFDB3V8y3g5lv/2KtSgYbwdD+FWjQoMHvW7Vq1Wfx4sW5LVu29GwiX3zxhfr06VP4+eefL965c+dVng3MQAgg4LkAYcVzcgZEAAFLBMzdlcckXc1aFUs6Qhl+Esht2rTp8506dTrtmWeeqR+JeP9xIhqN6rLLLtu1cuXKD7du3WoW3hf6CZBaEUAgOQHv/+mSXF3shQACSQi0adPm8w0bNhyfxK7sgkDKBdq0abNpw4YNrVJ+Yk5ou0CHRo0aPT948OBj7r33XvOV3xndbrrpppJHHnnkqx07dpjAsjqjxTA4AgikXICwknJSToiApwJR818X2RDIhEDZf03n3yOZwM/cmD2zs7OfmjlzZs7QoUMzV0XCyHPnztWoUaOKiouL+0paYk1hFIIAAjUW4F8yNSbkBAhkVCAWVrp27arXXnsto4UweHgELrjgAi1fvlyElfD0vGymQ3NycmY+9dRT2T179rRu8kuWLFHfvn2Li4qKRkmaa12BFIQAAtUSIKxUi42DELBGIBZWzIdG7rBY05PAF+Jcb4SVwLe6fILZ2dnTjj766MHPPvtsww4dOlg78dWrV6t3797fff31148UFxePtbZQCkMAgaQFCCtJU7EjAlYKEFasbEuwiyKsBLu/CbOL5OXlPXvqqad2XrRoUW5ubq71ky8sLDRfbVz40UcfrSgoKOgtiWdlre8aBSJQuQBhhasDAX8LEFb83T9fVk9Y8WXbqlN0y7y8vOf79Olz4qOPPlqnOifI5DGDBg3au3jx4k8LCgrMwvsvMlkLYyOAQPUFCCvVt+NIBGwQIKzY0IWQ1UBYCUXDO9evX3/xrbfe2vjmm2/27YSnTp2qKVOmbN+1a1cfSSt8OxEKRyDEAoSVEDefqQdCgLASiDb6axKEFX/1qxrVDpA0f/78+RowwPzW39uCBQs0cOBAMwnzfwv8PRuqRyB8AoSV8PWcGQdLgLASrH76YjaEFV+0qbpF3pyXlzd+0aJF9Tp37lzdc1h33IoVK8w6lt0FBQWTJU21rkAKQgCBSgUIK1wcCPhbgLDi7/75snrCii/bVmXRDRo0+H2rVq36LF68OLdly5ZV7u+3Hb744gv16dOn8PPPP1+8c+fOq/xWP/UiEFYBwkpYO8+8gyJAWAlKJ300D8KKj5qVXKm5TZs2fb5Tp06nPfPMM/XLvpI6uSN9tpf5ivfLLrts18qVKz/cunWrWXhf6LMpUO6BAs1bt269cuPGjcFL13Q6JtCmTZtNhBUuBgT8LUBY8Xf/fFk9YcWXbaus6A6NGjV6fvDgwcfce++9WYGa2SEmc9NNN5U88sgjX+3YscMEltVhmXfQ5lm3bt0HBw8efM39999fO2hzYz7SDTfcsO+RRx55mLDC1YCAvwUIK/7uny+rJ6z4sm0VFd0zOzv7qZkzZ+YMHTo0MJNKdiJz587VqFGjioqLi/tKWpLscexnjUBzSf/4xz/+oebNzW/ZgiSwZcsWHXvssWZKxxJWgtRZ5hJGAcJKGLue4TkTVjLcgNQMPzQnJ2fmU089ld2zZ8/UnNGHZ1myZIn69u1bXFRUNErSXB9OIbQlc1cl2K137qrs2bPnOsJKsHvN7IIvQFgJfo+tmyFhxbqWuCooOzt72tFHHz342WefbdihQwdXxwZx59WrV6t3797fff31148UFxePDeIcAzgn7qoEsKnOlOLvqkjaQlgJcLOZWigECCuhaLNdkySs2NUPF9VE8vLynj311FM7L1q0KDc3N9fFocHetbCw0Hy1ceFHH320oqCgoLekaLBn7O/ZcVfF3/2rqvr4uypmX8JKVWL8HAG7BQgrdvcnkNURVnzZ1pZ5eXnP9+nT58RHH320ji9n4EHRgwYN2rt48eJPCwoKzML7LzwYkiHcC3BXxb2Zb45IvKtCWPFN6ygUgUoFCCtcHJ4LEFY8J6/pgJ3r1au3ePz48Y1vvvnmmp4r8MdPnTpVU6ZM2b5r164+klYEfsI+myB3VXzWMJflJt5VIay4BGR3BCwUIKxY2JSgl0RY8VWHB0iaP3/+fA0YYH7LlozAggUL9P/bex8or64qz3fHTndBhErhD1zBuCQYMK4JJPPsfjPpodKrO7YmE0aqHzKaB+pkmlejFY02UQcaDCZEEpiYlNoxNS4aX2YUpnXRrCqErE5eG11avM6sp+lJIK+1IRIyMXQaflIpiFBORmbtX+pUDjf3V797f3X/nHPu57dWCFSde87en33r1vnevc85q1at0qb6x84k19CmEAJkVQrBXM4gcVkVxEo5sWBUCGRJALGSJU36SkQAsZIIkwuN1tU6LOjkAAAgAElEQVRqtQ2Dg4Mzuru7XbDHKxuGh4d1Hcvper2+WUS2eGV8oMaSVQk0sONuxWVVECthxxzvqkEAsVKNODvlJWLFqXDEGtPZ2fnQ/Pnze4aGhrrmzeNw73YjdvToUenp6Rk5cuTI0Ojo6M3t9sN1mRAgq5IJRjc7aZZVQay4GS+sgkAaAoiVNLRomwkBxEomGPPqpGvOnDl7lyxZctXu3btnaqz4TI3AuXPnZPny5af279//1PHjx3Xh/cjUeuTqdgiQVWmHmj/XNMuqIFb8iSGWQqAZAcQK90bhBBArhSNPOuDiWbNm7e3t7X3L1q1bL0x6Ee2SEVi7du0r27Zte+HkyZMqWA4ku4pWGREgq5IRSBe7mSyrglhxMWLYBIF0BBAr6XjROgMCiJUMIGbfxdKOjo5d/f390/r6+rLvnR4bBAYGBmTNmjVnx8bGVojIPrAUQ4CsSjGcyxplsqwKYqWsqDAuBLIjgFjJjiU9JSSAWEkIqrhmfdOmTevftWtXx9KlS4sbtaIj7du3T1asWDF29uzZNapfKoqhSLfJqhRJu+CxWmVVECsFB4ThIJADAcRKDlDpcnICiBV37pCOjo57586d27tnz56LFy9e7I5hgVty4MABWbZs2UvHjh3bNjY29tnA3S3VPbIqpeLPffBWWRXESu4hYAAI5E4AsZI7YgaIEkCsOHFPXFCr1fYsWrSoe3BwsKurq8sJo6pkxMjIiG5tPHLw4MHher2+TETOVcn/gnwlq1IQ6DKGSZJVQayUERnGhEC2BBAr2fKktwQEECsJIOXbZF6tVtvb09Nz+fbt26fnOxS9tyKwevXqM0NDQ8/U63VdeH+0VXu+n5wAWZXkrHxsmSSrgljxMbLYDIHzCSBWuCMKJ4BYKRy5PWD3jBkzhjZs2PCmdevWlWoIg79GYMuWLbJ58+ZfnD59ukdEhmGTCQGyKplgdLOTpFkVxIqb8cMqCKQhgFhJQ4u2mRBArGSCsZ1OVorIjh07dsjKlfpXPi4R2Llzp6xatUpN0j92umSbj7aQVfExasltTppVQawkZ0pLCLhKALHiamQCtguxUkpw19VqtQ2Dg4Mzuru7SzGAQVsTGB4e1nUsp+v1+mYR2dL6Clo0IZAqq/LTn/5UPvjBD8qTTz7Z6O6b3/ymEY6pAO/fv1++8Y1vSH9/v0yf/lqFpfa/fft2ufPOO8/7ut35mTNn5POf/7ysXr1arrjiithxtZ+HH35Yt79uapex4e6775b169fLhz/8YVmyZElLPwyDSy65RN9oSK1Wa3lNWQ3SZFUQK2VFiXEhkB0BxEp2LOkpIQHESkJQGTXr7Ox8aP78+T1DQ0Nd8+bNy6hXusmLwNGjR6Wnp2fkyJEjQ6OjozfnNU7I/abJqujk/q677pqYoKtoUDFw7bXXtiVY4rhmJVbU1scee0xuv/32luEzfiQVKypQ9DOe3WvZf5kN0mRVECtlRoqxIZANAcRKNhzpJQUBxEoKWFNr2jVnzpy9S5YsuWr37t0zlTsfPwicO3dOli9ffmr//v1PHT9+XBfej/hhuRNWpsqqqFC57rrrzss+1Ot1OXHiRCPDoX/XCfwjjzwiV199tXzrW99qOGlnSowYueGGG+Tb3/52I7Py3HPPTWRrPvvZV3enjmZWjKD42te+JjfddJNcfPHFDaGk46pdGzdubFynmR7t29ixadOmhmCx23z0ox9tjPvEE080sjt2ZuWd73zn63ywszcqgkzG9etf/7r83d/9XWPcRx99dMJfk3m6/vrrG8JOPxs2bGjYetttt4l+XW36+Mc/3shQaZYwSUYn7R2TNquCWElLmPYQcI8AYsW9mARvEWKlkBAvnjVr1t7e3t63bN269cJCRmSQzAmsXbv2lW3btr1w8uRJFSwHMh8gwA7TZFVUiHziE5+QO+64I7b0KpqdMFkYFSpf/vKXJ0q2jOBRnFGhoBN2ndz/8Ic/fF15mH79Zz/7WWOSr4Lnk5/8pHzlK1+RH/3oR43ImCyHipAbb7yxIaBMZiVacjaZDc8+++xEf82yM0aALF++/LzMUpSR8UVt1pI1zdyonTq+CglbMEXL4bK43dJmVRArWVCnDwiUSwCxUi7/So6OWMk97Es7Ojp29ff3T+vr68t9MAbIl8DAwIBOHs+OjY2tEJF9+Y7mfe+psiqt1onoRF2zB5s3b26s4bDbG0GhGQ/T5ic/+UlDrOjPnU7qTSYlrgwsOrb9b83OmKyKiYhmVy677LLzysCia200mxEnmPRrJnPSLOMRFSumfCxqu2Hy6U9/umGjEXp2GVmSsrd27rR2siqIlXZIcw0E3CIQvFhp9kYrizDYb8Wy6C+vPvJk0I7NiJV2qCW+pm/atGn9u3bt6li6dGnii2joNoF9+/bJihUrxs6ePasrqwfctrY869JkVYyVcWVgOtnWSbiWW913332xYkWv1wzLe97zHnn88ccb2RGT7chCrERL03Q8OysSXWvTKrtjrlfRYkq57EX0PoiVdrIqiJXyfh4ZGQJZEWhLrOhD7UMf+tCEDfqQ/sd//EfRutu4j3mTY9fnarvJalpNLa6pEW62O4pds2va/uAHP9B6b9G3XPpgNrW89u4sUwVoGJjaYbs/u/43Ok4rf6Zqlw/XI1ZSRWmmiJxKckVHR8e9c+fO7d2zZ8/FixcvTnIJbTwicODAAVm2bNlLx44d2zY2NvbqIohkn2tE5PFkTb1ulSqrYjydbIG9KYkyWQa77UUXXdTYvUvXZ2iGQcu9mu3E1U4ZmCkbUzt1HYvaoB9TBmZnMsy6GrPwPlqKZpeBRbNFhkMzsTJZGdhnPvOZwjIr7WZVECte/0xjPAQaBNoSK3qh/XA0i+jiHshGTNjCZLKJvvZtUtvXXHPN62p8TdzM+JoWN3WxRgzpWy5dBKkCJ8+swmSZlWY7sQwNDYkudmwmvrK4L7dt29YQa65uPYlYSRxlnXx9X0R2icjdk4iWC2q12p5FixZ1Dw4OdnV1dSUeoMyG+mx4+9vfft7uQ/bLB2Ob2Ua2VWmJfW3cm+Oor+1u8Voms5GREd3aeOTgwYPD9Xp9mT7DJ7HnX4qInvypYuVfiMiPy7Q977HbyarYgsXe0tveujhugb15fkeFjr2OJOsF9rouxPxufP/73y+33HLLxKJ5vd/1vze/+c2NUrGoWHnXu97VEDzmhWLci8JmYsX+nazCzF5gb6/3ybsMrN2sCmIl7588+odA/gQyFStxe8ybB71ZhKcumVT2X/7lX06ICttVndBrm9HR0VixYoSAXhO3gM8WBK6JlbxDGv3lmfd47fSPWElF7Xsicq2IvKK3e4xomVer1fb29PRcvn379tcOdkg1RPGN9bmwdetWmTt3rnzsYx+bOHsiWpJjv9VVK+POqojbajbJz4GPYsVEavXq1WeGhoaeqdfruvD+aCSCeqjkn4qI7lM9TQ8CFRFft0C+T0SeEpH/1OIubSurUvydz4jtEJhKVgWx0g5xroGAWwRyFysmi2K/ydFJwi9/+UtRsXLppZeet2e8Tk52794tmmKP2z3Ffsuj20G22hN+smyP9mVKxNQesy2k2mpv9Wjbbt7e6nX6turFF1+M3fM+mlkxfvX29p63FWazsYzdOpG7+eabX7cVpL2w0pSW6YJPuzzPvB1Um/VjSgTiFmVGs2PNxs3i9kWspKL4z0REBctFIvKr8TfpRrRcPWPGjKENGza8ad06fYHuz8e8hVWL9U2wuf/i1g+Yr82ePTtWrDTLuOjX9Rp9lthvlU3pps9iRblt2bJF11L84vTp0z36DkhEPi4i68cFyqzxu0EzL28XkVe3g/Lvo369S0R+Mp4leiTOhalkVfxDUj2Lp5JVQaxU737B4/AIZC5Woqdjx5Vj6CTBfHRPdlOypV8zWRGdeDcTK2ZNSJJ93KNixS7dimZojGDRSb1OnqKlbnZfJsWv6fi4A7qi63PUN3t9S7Rv+99aX2xEhxFTKuAMDx3bbHFp9uO3t4y0DziLltxF649tlq3GzWrNT0SshPdTlb1H/1NEfsPq9n+IyJ6FCxf+9nvf+97LHnjggexHzLFH/dn44he/2Chj0a1Y7WxJO5mVVhtdRH/mzSnhOnbcNrM5up5511qG8+ijjz576NAhXZPyf4hIR2QQPZ/lv4nI2Rz/G8vcsdc6VLH+mIi8UUROj4syPRHx/7PGJKuSYwDK7nqqWRXEStkRZHwITJ1A5mJFf/nbpVlmsmzXABuxYupoTXZFJ9IPPvig6KI9e3IenSTHZWuaobAFhoqR6J769t72+hZWsytxYkUzLdFr06xZsTMrautkYiVuX37bD2Vj9uaP+h1X/mJnVuJsjn7fFol5lNGRWUn1gxtcZsXe0Si6fWs7a1aSnOptb3phMpG+i5VIZuUZEbljvNzrt6w7TL/+f41nW7QkLI//dLw8xdA949kV45aOtUdEvqBnz5BVSfU88a7xVLMqiBXvQo7BEHgdgdzFio6oExCdLOjEVxd9G7Fidk8x2RWdPOhnskO09PvtZlaiGYmoaDClX3FiRYWMnc3Qa9OIlSj5qYgVfSsdXZhs+m8lVqIlYcYPI1CiIhGxUvpTI7g1K3GCxD6RO27LVo3CZOVecWtZzAJ+vdbeWSmEzMoka1auHJ/Ev2c8GzEqIu8Xkb/O8U5+Q04iyAirfyoiumvEb1o+qGBRnz4mIs8///zzjZJiPmERyCKrglgJ657Am2oSKEys2IvpbbFiJu1XXXWVLFiwoLE9o2ZSJpskt1pgb/cfzaxo5sRe7G+XRU2WWXFJrEw1s6LZLyMco6IrrmyuWTleuz8yZFYSkwtuN7A4wWFvpaqZ1bRipdUCe7tPO5PqY2YlxW5g3SKiGYn/XXWeiFyd+K5zq+ElKkasMsiTIqJlZ7o73lcvuuiiL/f29v67L33pS3Y2yS0PsKZtAllkVRArbePnQgg4QyBTsRInMEwWxF6voe3sRbVxpWKt3ug32944WhIS7UffttrCyc6ORHcuM3ZptL773e+KniqsHy1zsxfkx521Ere1sx31ycbStTi6fqRZOZZZL/PVr351YmGy2a5Yz5ZRH//8z/9cfvzjH0tPT0/j3/rRjJG99aX+u9ke+qaUr1Uc2rmTESupqAV1zkrcAnojmPX/Wt6YVqzoddE1YvZaOXtDCV0D1tnZ2fi50I9Pa1baPGdFtzfWLMutqe46dxr/RxFZPV5m9ty4SNHdzfTjxFqVVmum3EGZ3JI4n+LOD7M3qNmwYcPE4ZnJR2reMqusCmIli2jQBwTKJdCWWLEn8WYSPNmhkGYyH51QmK/bb1a1P7Mrl/59skMU7f3vDcaoKIouVNesjV2GEj0w0vbt/vvvl0ceeeR1a1j0a2Zf+9OnT79ugX30od7sUMpmY0UXuuvaHu1DP6avJ554onHgpfmYzQYMk3/4h39obFygAksPLNOPYdNsNzDbHrPbWXTcLBbZI1Zy/aHnBPtc8ZbTeUVPsNeSNt04QDcI0CzRwzZ91qrkcy+aDTC0d90Ew5zXFbc2zJRa3nDDDZK1WMkqq4JYyec+oVcIFEmgLbFSpIGMFR4BxEruMV3a0dGxq7+/f1pfX1/ugzFAvgQGBgZ06+WzY2NjK0RkX76jOde7HmipgiX6ySyrEp2Em3/rRi+TbXmtL5V0faWuHzQbntgvfOyXcfbmLPZ49oszexMa29m4PrUP3TlTzyLTgx7tF2LNbFAxoR9tP9lLQGOfZjjVR3M8QJxYMV9TUWOLlSR+TXanZZlVQaw49zONQRBITQCxkhoZF0yVAGJlqgQTXb941qxZe3t7e9+ydevWCxNdQSPnCKxdu/aVbdu2vXDy5Ek9/PGAcwaWZFCWWRU7s69n8pgNGHT7fCNC7F3rdK1TdHt4U75odsNULCp0rr32WtGsQ5xY+cAHPjCxbbeWFcdlJsxZQFqWa/epZdT2tv8mw6Fff+yxxyay/abk2mweY9ZrTla6pmPdeOONjTOKbJuSZlbs7cib+dXqtskyq4JYaUWb70PAfQKIFfdjFJyFiJXCQto1Z86cvUuWLLlq9+7dM5U7Hz8InDt3TpYvX35q//79Tx0/flyFip6XwudVApllVQzQZgePTrbltb2uT8WKZlj0E81EaNYhTqzo103Jc9y6R+1LRUVcn5r1sEWJERJqg30wsF6rfTezIXpGWHQDDHuNWdI1K8ZeLZdu5tdkN3LWWRXECo8NCPhPALHifwy98wCxUmzIOjs7H5o/f37P0NBQ17x584odnNFSEzh69KhuADBy5MiRodHR0ZtTdxD4BVlmVQwqe7JvJtv25iL6teiW11MVK0Yo2GsvowcdtyNWbHFj/Is7DNgWO6ZddD2qft1eJxl3jbaxs1Nmjctkfk12i2adVUGsBP5AwL1KEECsVCLMbjmJWCklHutqtdqGwcHBGfbGDKVYwqBNCehk9Y/+6I9O1+v1zSKyBVSvI5B5VsVMtjX7oRmtO++8U6644opGqZfZmS5uy+uoWNG2cWVgy5cvb5SEaQmWrnExuzPaZWBm45foTniTlYHZpWh2GVjc15uVotmZlTjBES1/SyJW7DKwZn41u6/zyKogVniKQMB/AogV/2PonQeIldJCtvLVypIdsnKl/pWPSwR27txpSohWichOl2xzxZY8sip2VsHeLr7VltdRsaIT/7jF7dq/XUKlC9xffvnlhoBp1t7m3WyBvZZYvfjii/Lkk0+eV26VdpG/7b/+3ZSxma/bC+6TiBXNrCTxK+6eyiOrglhx5acXOyDQPgHESvvsuLJNAoiVNsFlc1n3jBkzhjZs2PCmdevWZdMjvUyZwJYtW/SMil+cPn1aD4AZnnKHYXaQS1bFR1R2xiWL7eRdYJBXVgWx4kJ0sQECUyOAWJkaP65ugwBipQ1o2V4yr1ar7e3p6bl8+/bt07Ptmt7SEli9evWZoaGhZ+r1ui6kP5r2+qq0zzOr4hvDEMVKXlkVxIpvdzf2QuD1BBAr3BWFE0CsFI48bsALarXankWLFnUPDg52dXV1OWFUlYwYGRnR9SkjBw8eHK7X63rS/Lkq+Z/SV7IqKYH51DzPrApixac7AVshEE8AscKdUTgBxErhyJsO2NHRce/cuXN79+zZc/HixYvdMSxwSw4cOCDLli176dixY9vGxsY+G7i7U3aPrMqUETrdQZ5ZFcSK06HHOAgkIoBYSYSJRlkSQKxkSTOTvvqmTZvWv2vXro6lS5dm0iGdNCewb98+WbFixdjZs2fXiMgArFoSIKvSEpG/DfLOqiBW/L03sBwChgBihXuhcAKIlcKRJxlwaUdHx67+/v5pfX19SdrTpg0CAwMDugvU2bGxsRUisq+NLip3CVmVsEOed1YFsRL2/YN31SCAWKlGnJ3yErHiVDhsYxbPmjVrb29v71u2bt16obNWemrY2rVrX9m2bdsLJ0+e1IX0Bzx1o2izyaoUTbzA8YrIqiBWCgwoQ0EgJwKIlZzA0m1zAogVp++Orjlz5uxdsmTJVbt3756pseIzNQJ60ODy5ctP7d+//6njx4+rUBmZWo/VuZqsStixLiKrglgJ+x7Cu2oQQKxUI85OeYlYcSocscZ0dnY+NH/+/J6hoaGuefPmuW+woxYePXpUenp6Ro4cOTI0Ojp6s6NmumoWWRVXI5OBXUVlVRArGQSLLiBQMgHESskBqOLwiBVvor6uVqttGBwcnNHd3e2N0a4YOjw8rFsTn67X65tFZIsrdvliB1kVXyLVnp1FZVUQK+3Fh6sg4BIBxIpL0aiILYgVrwK9UkR27NixQ1au1L/ySUJg586dsmrVKm2qf+xMcg1tziNAViXgG6LIrApiJeAbCdcqQwCxUplQu+MoYsWdWCS0pHvmzJlD69evf9O6desSXlLdZlu2bJHNmzf/4vTp0z0iMlxdEu17TlalfXY+XFlkVgWx4sMdgY0QmJwAYoU7pHACiJXCkWcx4Lxarba3p6fn8u3bt0/PosMQ+1i9evWZoaGhZ+r1ui6kPxqijwX4RFalAMhlDVF0VgWxUlakGRcC2RFArGTHkp4SEkCsJATlXrMLarXankWLFnUPDg52dXV1uWdhSRaNjIzo+pSRgwcPDtfr9WUicq4kU7wflqyK9yGc1IGisyqIlbDvJ7yrBgHESjXi7JSXiBWnwpHamI6Ojnvnzp3bu2fPnosXL16c+vrQLjhw4IAsW7bspWPHjm0bGxv7bGj+FewPWZWCgRc5XBlZFcRKkRFmLAjkQwCxkg9Xep2EAGIliNujb9q0af27du3qWLp0aRAOtePEvn37ZMWKFWNnz55dIyID7fTBNa8RIKsS9t1QRlYFsRL2PYV31SCAWKlGnJ3yErHiVDimYszSjo6OXf39/dP6+vqm0o+X1w4MDMiaNWvOjo2NrRCRfV464ZbRZFXcikem1pSVVUGsZBpGOoNAKQQQK6Vgr/agiJWg4r941qxZe3t7e9+ydevWC4PybBJn1q5d+8q2bdteOHnypC6kP1AVv/P0k6xKnnTL77usrApipfzYYwEEpkoAsTJVglyfmgBiJTUy1y/omjNnzt4lS5ZctXv37pka31A/586dk+XLl5/av3//U8ePH1ehMhKqrwX7NXPBggUHDh8+PK/gcRmuIAILFiw4evjw4SUi8vOChpwYJtwnUtEkGQ8C5RBArJTDvdKjIlbCDH9nZ+dD8+fP7xkaGuqaNy+8OefRo0elp6dn5MiRI0Ojo6M3hxlFvIJAeAQQK+HFFI+qRQCxUq14O+EtYsWJMORlxLparbZhcHBwRnd3d15jFN7v8PCwbk18ul6vbxaRLYUbwIAQgEDbBBArbaPjQgg4QQCx4kQYqmUEYiX4eK8UkR07duyQlSv1r35/du7cKatWrVIn9I+dfnuD9RCoHgHESvVijsdhEUCshBVPL7xBrHgRpqka2T1z5syh9evXv2ndunVT7au067ds2SJ33333L06dOtUjIsOlGcLAEIBA2wQQK22j40IIOEEAseJEGKplBGKlMvGeV6vV9vb09Fy+ffv26b55vXr16jNDQ0PP1Ot1XUh/1Df7sRcCEHiVAGKFOwECfhNArPgdPy+tR6x4GbZ2jb6gVqvtWbRoUffg4GBXV1dXu/0Udt3IyIiuTxk5ePDgcL1eXyYi5wobnIEgAIHMCSBWMkdKhxAolABipVDcDNZ4y3XBBaJbwI5vccvvkQrcFh0dHffOnTu3d8+ePRcvXrzYWY8PHDggy5Yte+nYsWPbxsbGPuusoRgGAQgkJsAvmcSoaAgBJwk0xMof/MEfyPe//30nDcSo8Aj8/u//vnzve99DrIQX2lYe9U2bNq1/165dHUuXLm3VtvDv79u3T1asWDF29uzZNSIyULgBDAgBCORCALGSC1Y6hUBhBBpihQ8EyiBAZqUM6qWPubSjo2NXf3//tL6+vtKNMQYMDAzImjVrzo6Nja0QkX3OGIYhEIDAlAkgVqaMkA4gUB6BhQsXHjl06NBl5VnAyFUmsHDhwmcPHTo0v8oMKur74lmzZu3t7e19y9atWy8sm8HatWtf2bZt2wsnT57UhfQHyraH8SEAgWwJIFay5UlvEIAABCAAgSoQ6JozZ87eJUuWXLV79+6Z41m2Qv3WrPLy5ctP7d+//6njx4+rUBkp1AAGgwAECiGAWCkEM4NAAAIQgAAEwiPQ2dn50Pz583uGhoa65s2bV5iDR48elZ6enpEjR44MjY6O3lzYwAwEAQgUTgCxUjhyBoQABCAAAQgERWBdrVb73ODg4Bu7u7tzd2x4eFi3Jn65Xq9/QUS25D4gA0AAAqUSQKyUip/BIQABCEAAAkEQWCkiO3bs2CErV+pf8/ns3LlTVq1apZ3rHzvzGYVeIQABlwggVlyKBrZAAAIQgAAE/CXQPXPmzKH169e/ad26dZl7sWXLFrn77rt/cerUqR4RGc58ADqEAAScJIBYcTIsGAUBCEAAAhDwksC8Wq22t6en5/Lt27dPz8qD1atXnxkaGnqmXq/rQvqjWfVLPxCAgPsEECvuxwgLIQABCEAAAj4RuKBWq+1ZtGhR9+DgYFdXV1fbto+MjOj6lJGDBw8O1+v1ZSLCwVJt0+RCCPhJALHiZ9ywGgIQgAAEIOA0gY6Ojnvnzp3bu2fPnosXL16c2tYDBw7IsmXLXjp27Ni2sbGxz6bugAsgAIEgCCBWgggjTkAAAhCAAAScJNA3bdq0/l27dnUsXbo0sYH79u2TFStWjJ09e3aNiAwkvpCGEIBAcAQQK8GFFIcgAAEIQAACThFY2tHRsau/v39aX19fS8MGBgZkzZo1Z8fGxlaIyL6WF9AAAhAImgBiJejw4hwEIAABCEDACQKLZ82atbe3t/ctW7duvbCZRWvXrn1l27ZtL5w8eVIX0h9wwnKMgAAESiWAWCkVP4NDAAIQgAAEKkOga86cOXuXLFly1e7du2decMFrU5Bz587J8uXLT+3fv/+p48ePq1AZqQwVHIUABCYlgFjhBoEABCAAAQhAoDACnZ2dD82fP79naGioa968eXL06FHp6ekZOXLkyNDo6OjNhRnCQBCAgBcEECtehAkjIQABCEAAAkERWFer1T63adOmN27cuPHler3+BRHZEpSHOAMBCGRCALGSCUY6gQAEIAABCEAgJYGVCxcu3Hzo0KENIrIz5bU0hwAEKkIAsVKRQOMmBCAAAQhAwGECKlY2ishhh23ENAhAoAQCiJUSoDMkBCAAAQhAAAITBP5YRB4UkSER+SBcIAABCNgEECvcDxCAAAQgAAEIlEngJyJyhYicEZHrROTxMo1hbAhAwC0CiBW34oE1EIAABCAAgSoReJ+I7BCRmeNOf1dE/rBKAPAVAhCYnABihTsEAhCAAAQgAIGyCAyLyBJr8NMiskpE9pRlEONCAAJuEUCsuBUPrIEABCAAAd8Q3u4AACAASURBVAhUhcA1IvL/iMiMiMN/JyL/pCoQ8BMCECCzwj0AAQhAAAIQgIB7BP5SRJaLyK9E5KXxU+svEZELReTTIjLgnslYBAEIFE2AzErRxBkPAhCAAAQgAIHLReQpEfm+iKwd37b42yLyvIj8BxE5xs5g3CQQgIASQKxwH0AAAhCAAAQgUAaBPxCR740P/J9ERBfX/+cyDGFMCEDAXQKIFXdjg2UQgAAEIACBqhD4jyLytyLytao4jJ8QgEAyAoiVZJxoBQEIQAACEIBAfgTuF5H/LiL9+Q1BzxCAgI8EECs+Rg2bIQABCEAAAmER2CwiL4vI3WG5hTcQgMBUCSBWpkqQ6yEAAQhAAAIQmCqBDSIyXUQ+N9WOuB4CEAiLAGIlrHjiDQQgAAEIQMBHAreJyKXjWxb7aD82QwACORFArOQElm4hAAEIQAACEEhM4GMicrWI9CW+goYQgEAlCCBWKhFmnIQABCAAAQg4TeDfiIhuZXyz01ZiHAQgUDgBxErhyBkQAhCAAAQgAIEIgX8tIvrfByADAQhAwCaAWOF+gAAEIAABCECgbAL/SkQ+KiLvK9sQxocABNwigFhxKx5YAwEIQAACEKgigetEZL2I/GEVncdnCECgOQHECncHBCAAAQhAAAJlE/hdEblPRP5F2YYwPgQg4BYBxIpb8cAaCEAAAhCAQBUJ6E5gD4nI/1ZF5/EZAhAgs8I9AAEIQAACEICAuwTeISLfEZEr3DURyyAAgTIIkFkpgzpjQgACEIAABCBgE3iriPy/IvI2sEAAAhCwCSBWuB8gAAEIQAACECibQE1Efiois8s2hPEhAAG3CCBW3IoH1kAAAhCAAASqSOAiETkuIm+sovP4DAEINCeAWOHugAAEqk7geyLy+1WH4KH/3yduHkZtcpM1prqF8bngPMMhCECgbQKIlbbRcSEEIBAIAZ0Y8SwMJJi4AQEIQAACYRHgF3RY8cQbCEAgPQHESnpmXAEBCEAAAhAohABipRDMDAIBCDhMALHicHAwDQIQgAAEqk0AsVLt+OM9BCDwan08z0LuBAhAAAIQgICDBPgF7WBQMAkCECiUAGKlUNwMBgEIQAACEEhOALGSnBUtIQCBMAkgVsKMK15BAAIQgEAABBArAQQRFyAAgSkRQKxMCR8XQwACEIAABPIjgFjJjy09QwACfhBArPgRJ6yEAAQgAIEKEkCsVDDouAwBCJxHALHCDQEBCEAAAhBwlABixdHAYBYEIFAYAcRKYagZCAIQgAAEIJCOAGIlHS9aQwAC4RFArIQXUzyCAAQgAIFACCBWAgkkbkAAAm0TQKy0jY4LIQABCEAAAvkSQKzky5feIQAB9wkgVtyPERZCAAIQgEBFCSBWKhp43IYABCYIIFa4GSAAAQhAAAKOEkCsOBoYzIIABAojgFgpDDUDQQACEIAABNIRQKyk40VrCEAgPAKIlfBiikcQgAAEIBAIAcRKIIHEDQhAoG0CiJW20XEhBCAAAQhAIF8CiJV8+dI7BCDgPgHEivsxwkIIQAACEKgoAcRKRQOP2xCAwAQBxAo3AwQgAAEIQMBRAogVRwODWRCAQGEEECuFoWYgCEAAAhCAQDoCiJV0vGgNAQj4T+DTIvIFEVknIl8WESNWPiUiW0TkcyJyn/9u4gEEIAABCEDAfwKIFf9jiAcQgEA6AjNFpC4ir4jIL0WkJiK/EJHpInLh+L9PpeuS1hCAAAQgAAEI5EEAsZIHVfqEAARcJ3CPiNwmIr9lGforEblfRP7UdeOxDwIQgAAEIFAVAoiVqkQaPyEAAZuAZleOi0iH9cUxEZkjImRVuFcgAAEIQAACjhBArDgSCMyAAAQKJ2BnV8iqFI6fASEAAQhAAAKtCSBWWjOiBQQgECYBO7tCViXMGOMVBCAAAQh4TgCx4nkAMR8CEJgSAc2u6O5guvsXa1WmhJKLIQABCEAAAtkTQKxkz5QeIQABfwhoduX/FpF/y1oVf4KGpRCAAAQgUB0CiJXwY32HiHw+fDfxEAIQgAAEIOAUgTtFRH8H84EABKZAALEyBXgeXcoJ3R4FC1MhAAEIQAACEIAABF4lgFipxp2AWKlGnPEyHYF/LyKd4yfWp7uS1hCAAAQmJ8DzhTsEAhkRQKxkBNLxbhArjgcI80ohoJMJPb1+bSmjMygEIBAyAZ4vIUcX3wolgFgpFHcpg2mMf00WrRT2DOo2ASYTbscH6yDgMwGeLz5HD9udIoBYcSocuRijMf6fIvKGXHqnUwj4S4DJhL+xw3IIuE6A54vrEcI+bwggVrwJVduGIlbaRseFgRNgMhF4gHEPAiUS4PlSInyGDosAYiWseMZ5g1gJP8Z42B4BJhPtceMqCECgNQGeL60Z0QICiQggVhJh8roRYsXr8GF8jgSYTOQIl64hUHECPF8qfgPgfnYEECvZsXS1J8SKq5HBrrIJ6C5gs0RkXdmGMD4EIBAcAZ4vwYUUh8oigFgpi3xx4yJWimPNSH4RYDLhV7ywFgI+EeD54lO0sNVpAogVp8OTiXG6C9gr7AaWCUs6CYsAk4mw4ok3EHCJAM8Xl6KBLV4TQKx4Hb5ExqtY+R8i8huJWtMIAtUhwGSiOrHGUwgUTYDnS9HEGS9YAoiVYEM74RhiJfwY42F7BJhMtMeNqyAAgdYEeL60ZkQLCCQigFhJhMnrRogVr8OH8TkSYDKRI1y6hkDFCfB8qfgNgPvZEUCsZMfS1Z4QK65GBrvKJsBkouwIMD4EwiXA8yXc2OJZwQQQKwUDL2E4xEoJ0BnSCwJMJrwIE0ZCwEsCPF+8DBtGu0gAseJiVLK1CbGSLU96C4eAnq9ysYj8aTgu4QkEIOAIAZ4vjgQCM/wngFjxP4atPNBdwH7FbmCtMPH9ChJgMlHBoOMyBAoiwPOlINAMEz4BxEr4MVaxMiYiF4bvKh5CIBUBJhOpcNEYAhBIQYDnSwpYNIXAZAQQK+HfH4iV8GOMh+0RYDLRHjeuggAEWhPg+dKaES0gkIgAYiURJq8bIVa8Dh/G50iAyUSOcOkaAhUnwPOl4jcA7mdHALGSHUtXe0KsuBoZ7CqbAJOJsiPA+BAIlwDPl3Bji2cFE0CsFAy8hOEQKyVAZ0gvCDCZ8CJMGAkBLwnwfPEybBjtIgHEiotRydYmxEq2POktHAK6ZfFMEVkfjkt4AgEIOEKA54sjgcAM/wkgVvyPYSsPECutCPH9qhJgMlHVyOM3BPInwPMlf8aMUBECiJXwA61bFp8Rkd8M31U8hEAqAkwmUuGiMQQgkIIAz5cUsGgKgckIIFbCvz8QK+HHGA/bI8Bkoj1uXAUBCLQmwPOlNSNaQCARAcRKIkxeN0KseB0+jM+RAJOJHOHSNQQqToDnS8VvANzPjgBiJTuWrvaEWHE1MthVNgEmE2VHgPEhEC4Bni/hxhbPCiaAWCkYeAnDIVZKgM6QXhBgMuFFmDASAl4S4PniZdgw2kUCiBUXo5KtTYiVbHnSWzgEdMviN4rIhnBcwhMIQMARAjxfHAkEZvhPALHifwxbeYBYaUWI71eVAJOJqkYevyGQPwGeL/kzZoSKEECshB9o3bL4ZRH5rfBdxUMIpCLAZCIVLhpDAAIpCPB8SQGLphCYjABiJfz7A7ESfozxsD0CTCba48ZVEIBAawI8X1ozogUEEhFArCTC5HUjxIrX4cP4HAkwmcgRLl1DoOIEeL5U/AbA/ewIIFayY+lqT4gVVyODXWUTYDJRdgQYHwLhEuD5Em5s8axgAoiVgoGXMBxipQToDOkFASYTXoQJIyHgJQGeL16GDaNdJIBYcTEq2dqEWMmWJ72FQ4DJRDixxBMIuEaA54trEcEebwkgVrwNXWLDESuJUdGwYgT0fJXpIvK5ivmNuxCAQP4EeL7kz5gRKkIAsRJ+oHXL4lMi0hG+q3gIgVQEmEykwkVjCEAgBQGeLylg0RQCkxFArIR/fyBWwo8xHrZHgMlEe9y4CgIQaE2A50trRrSAQCICiJVEmLxuhFjxOnwYnyMBJhM5wqVrCFScAM+Xit8AuJ8dAcRKdixd7Qmx4mpksKtsAkwmyo4A40MgXAI8X8KNLZ4VTACxUjDwEoZDrJQAnSG9IMBkwoswYSQEvCTA88XLsGG0iwQQKy5GJVubECvZ8qS3cAgwmQgnlngCAdcI8HxxLSLY4y0BxIq3oUtsOGIlMSoaVoyAblmsu+TdXjG/cRcCEMifAM+X/BkzQkUIIFbCD7ROxl4SkWnhu4qHEEhFgMlEKlw0hgAEUhDg+ZICFk0hMBkBxEr49wdiJfwY42F7BJhMtMeNqyAAgdYEeL60ZkQLCCQigFhJhMnrRogVr8OH8TkSYDKRI1y6hkDFCfB8qfgNgPvZEUCsZMfS1Z4QK65GBrvKJsBkouwIMD4EwiXA8yXc2OJZwQQQKwUDL2E4xEoJ0BnSCwJMJrwIE0ZCwEsCPF+8DBtGu0gAseJiVLK1CbGSLU96C4cAk4lwYoknEHCNAM8X1yKCPd4SQKx4G7rEhiNWEqOiYcUI6JbFvykiGyvmN+5CAAL5E+D5kj9jRqgIAcRK+IFWsTIiItPDdxUPIZCKAJOJVLhoDAEIpCDA8yUFLJpCYDICiJXw7w89X+UkYiX8QONhagJMJlIj4wIIQCAhAZ4vCUHRDAKtCCBWWhHy//uIFf9jiAf5EGAykQ9XeoUABER4vnAXQCAjAoiVjEA63A1ixeHgYFqpBJhMlIqfwSEQNAGeL0GHF+eKJIBYKZJ2OWMhVsrhzqjuE2Ay4X6MsBACvhLg+eJr5LDbOQKIFedCkrlBiJXMkdJhIASYTAQSSNyAgIMEeL44GBRM8pMAYsXPuKWxGrGShhZtq0RAtyz+DRH5fJWcxlcIQKAQAjxfCsHMIFUggFgJP8oqVn4hIheF7yoeQiAVASYTqXDRGAIQSEGA50sKWDSFwGQEECvh3x96vkodsRJ+oPEwNQEmE6mRcQEEIJCQAM+XhKBoBoFWBBArrQj5/33Eiv8xxIN8CDCZyIcrvUIAAiI8X7gLIJARAcRKRiAd7gax4nBwMK1UAkwmSsXP4BAImgDPl6DDi3NFEkCsFEm7nLEQK+VwZ1T3CTCZcD9GWAgBXwnwfPE1ctjtHAHEinMhydwgxErmSOkwEAJMJgIJJG5AwEECPF8cDAom+UkAseJn3NJYjVhJQ4u2VSKgWxbrM/COKjmNrxCAQCEEeL4UgplBqkAAsRJ+lFWsnBCRN4bvKh5CIBUBJhOpcNEYAhBIQYDnSwpYNIXAZAQQK+HfH3q+ynHESviBxsPUBJhMpEbGBRCAQEICPF8SgqIZBFoRQKy0IuTn99eKyOdE5NMi8k1LrHxKRLaIyCdEZLufrmE1BDIjwGQiM5R0BAEIRAjwfOGWgEBGBBArGYF0rJtLROQFERkTkRERmSMiL4mIloSdE5FZIvIrx2zGHAgUQeBSEfn5+EDRyYT9vSJsYQwIQCAsAjxfwoon3jhCALHiSCByMOMrIvLvRKTD6vtlEfnCeHYlhyHpEgJOE5gpIk+IyPMiotnHfzm+wP5hEdkqIm8VkXeJyCmnvcA4CEDARQI8X1yMCjYFQQCxEkQYY50w2RU7xjoJm01WJdyg41lLAveIyGfHs4668YR+9GdCRf29IvKnLXugAQQgAIF4AjxfuDMgkAMBxEoOUB3q0s6ukFVxKDCYUhoBffupG07YGUc1RksmtVySrEppoWFgCHhPgOeL9yHEARcJIFZcjEp2NtnZFbIq2XGlJ78J6NvP20Tkt8bd0PVb95NV8TuoWA8BRwjwfHEkEJgRDgHESjixbOaJZld6ReRO1qqEH2w8TEQg+vaTrEoibDSCAAQSEOD5kgASTSCQhgBiJQ0tP9tqduUBEVnJWhU/A4jVuRAwbz+1c7IquSCmUwhUlgDPl8qGHsfzIIBYyYMqfUIAAq4T0Lef9gJ71qq4HjHsg4A/BHi++BMrLPWAAGLFgyBhIgQgkAuBbeO9apkkHwhAAAJZEuD5kiVN+qo0AV/EylULFizYc/jw4XmVjhbOO0tg4cKFzx46dGi+swa6adg1Cxcu/C+HDh26zE3zsAoC+RK4/PLLn33mmWeq8ty4csGCBfv4PZ7vPUXvzQnwe9rfu8MLsTJ79uz/tnHjxqtvvfVWf0ljebAEfvu3f3vkiSee2Cgifxask9k71tXV1fV0f3//W26++ebse6dHCDhMYGRkRBYvXjz6/PPPf0pEHnLY1MxMmz179uPr16//52vWrMmsTzqCQFIC3d3dI/v3798kIv1Jr6GdOwScFytveMMbNl1//fWfevjhhzvdwYYlEHiVwMaNG889+OCDf12v198Lk+QEZs+e/dgf//EfX7t169YLk19FSwiEQeC9733vSz/4wQ+2jY2N6QGlVfjctmTJktuHh4e7quAsPrpF4P7775d77rnnv544ceIatyzDmqQEXBcr754xY8Z3/v7v/3763Llzk/pEOwgUQuC73/2uvO997zt95syZd4jIsUIGDWCQjo6Oe3/v936v99FHH704AHdwAQKpCKxdu/aVr3/96z88ceLEdaku9LfxlSJy8ODBg3LllfpXPhAojsDTTz8tixYt0gH1j6eLG5mRsiTgsli5sKur68jAwMBbb7rppix9pi8ITJnAK6+8Ipdffvnoc88991ER+Yspd1idDm5+61vf+uUDBw50dnXxkrU6YcdTJfDQQw/JmjVrXhgZGdFZ+0gVqFD+VYUou+sj5V/uxiaNZc6Klc7OzodWrFjxge3bt09P4xBtIVAEgdWrV5/ZtWvXt0dHR1lwkRy4puD/5m/+5m/kmmvIxifHRssQCDz++OPyu7/7u+qK/vF4CD4l8IHyrwSQaJIPAcq/8uFaRq+uipWb3va2t33tmWee6bzwQkray7gxGLM5gb/4i7+Qvr6+n4+MjOguVq/AKhEBFtQnwkSjEAlUcUG9iFD+FeLN7IlPlH95EqiEZrooVuZOnz7977/zne/MePe7353QDZpBoBgCx44dk3e84x1nTp8+/T4R+W4xo/o/Cgvq/Y8hHrRPoIIL6oXyr/bvF66cOgHKv6bO0KUenBMrtVrt0b6+vj+86667nLPNpcBhSzkEbrzxxtFHHnnkK7/+9a9vL8cC/0ZlQb1/McPi7AhUcEG9wqP8K7tbiJ5SEqD8KyUwD5q7Jghufde73rXpxz/+MStvPbh5qmbin/3Zn8mmTZueOnHixNVV830K/rKgfgrwuNRvAlVcUE/5l9/3rO/WU/7lewTj7XdJrFwlIk8++eSTctVV+lc+EHCHwFNPPSVXX93QKPrHU+5Y5rQlLKh3OjwYlyeBii6op/wrz5uKvlsSoPyrJSIvGzgjVjil3sv7pzJGc0p96lCzoD41Mi4IhUBFF9Rr+Cj/CuUm9tAPyr88DFpCk50QK294wxvuuv766z/JKfUJo0azQglwSn163CyoT8+MK8IhUMUF9ZR/hXP/+ugJ5V8+Ri25zS6IFU6pTx4vWhZMgFPq0wNnQX16ZlwRDoGKLqin/CucW9hLTyj/8jJsiY0uW6xwSn3iUNGwaAKcUt8WcRbUt4WNi0IgUNEF9Ro6yr9CuIE99YHyL08Dl8LsUsUKp9SniBRNCyfAKfWpkbOgPjUyLgiFQFUX1FP+Fcod7KcflH/5Gbe0VpcpVjilPm20aF8YgfFT6p8fGRmZzyn1ibCzoD4RJhqFSKDCC+op/wrxhvbIJ8q/PArWFEwtS6xwSv0Ugsal+RLglPr0fFlQn54ZV4RDoKIL6jWAlH+Fcxt75wnlX96FrG2DSxErnFLfdry4sAACnFKfDjIL6tPxonVYBKq6oJ7yr7DuY9+8ofzLt4hNzd4yxAqn1E8tZlydI4HxU+qfPHHixD/NcZiQumZBfUjRxJdUBCq8oJ7yr1R3Co2zJkD5V9ZE3e6vaLHCKfVu3w+Vto5T6lOHnwX1qZFxQSgEKrygXkOYqPzrpz/9qXzwgx+UJ598shH2b37zm7Jq1apMbwEd4+GHH5Y1a9Yk7veuu+6SjRs3xtqzf/9+6e7unuhreHhYlixZkrhv03DHjh3ys5/9TG6//fbzrtX+H3vssdd9PfUAGV5Qr9flE5/4hNxxxx1yxRVXZNhzPl1R/pUPV5d7LVSscEq9y7cCtnFKfap7gAX1qXDROCQCVV5Qn7T8SyflKgp00l6r1eTMmTMNQXHttddmKljSTv51Yr5hwwbZvHlzwy77o7b+8Ic/lP7+fpk+fbpoWxVXKjjaESxx93xae0P6ucnCF8q/sqDoXx+FiRVOqffv5qiSxZxSny7aLKhPx4vWYRGo8IL6xOVfKlSuu+668yb5Ovk/ceJE4+29EQKPPPKIXH311fKtb32r8XU7I6EC5/Of/7ysXr1afvSjHzUyNI8++mjj/5s2bZJbbrmlISa0D/13NIuhfX3oQx9q3Hz6/c985jMNwfS1r31Nrr/++gkhpd+3x7KzC7bNdqbIXP+Tn/zkvEyJESNvf/vbJzIrdrZG7dBPXMZFMzo2C21nskD6949+9KMNIfXLX/5ywm+7fTOmcXbbQs3OrMRxVlvtvk2GzAg/te3ZZ59t8Pyrv/qr85gbP+P8UEFof93OvDX7OuVfYT1Lk3pTlFjhlPqkEaFd4QQ4pT4dchbUp+NF67AIVHhBvQYyUflXq7Iik2X58Ic/3BAzdhZGJ7umfCoqVr7xjW80JsT6MWVLKn7iyqq0T22vk3v9mKzODTfcEJtZ0Qm9lkE98MADr8u46PVRn0wWRifjOrHWTM1FF110nrhSP1RQ2SVW2jYqVmw/bX9sH8zEXgWgCgP9qFAz4kiFmBF2Rgw++OCDDYH2xS9+cUI4Gn52OV5UrMRxVhGjH5ufscFknqJZIx3rsssua1xnYmH7MXv2bNm+fbvceeedDQFmMl56D5i+9f8awxtvvFH27dsn99xzz389ceKEliDzqRCBIsQKp9RX6IbyzVVOqU8dMRbUp0bGBaEQqPKC+qTlXxrrZlkKcx9ES7GioqSZWIn7ejOxEp2Um4m0ioe4MrDJysPUbhUzZmJtSsRMPyoKVETYk+/du3c3RJd+3RZTcWVgk40dXfeja2j0Y9bVmDU1dubDcDZZFxUammGKZm3seBhBpW3jOH/729+OzZTZQszOZJm+TcYrzo93vvOdsZkxO6ti+tmyZYusW7dO/7lIRJ4O5ZmCH8kI5C5WOKU+WSBoVQ4BTqlPxZ0F9alw0TgkAhVfUJ+4/MvEPK4MzGQvdAJ73333TawbcUGsNBNYJrvR19fXyOpoFiAqVkwpmJZ+6UezFqacbSpiJbruJ8rUlJdpSZruZGkzjfvZM2LClJOpH/qJZlamIlaM//b4rfywhZaKLxV30RJCyr9Cepqm9yVvscIp9eljwhUFEeCU+lSgWVCfCheNQyJQ8QX1GspE5V+TTVDtBfbLly9vlGXFlYHpxN+UDD333HPyyU9+Ur7yla801qykyaykLQNT2ydbYK9ZgGgWwSzG1xIm/d65c+caYsZee5O2DEztMBkczc6Yyb+92N8uAzNZGVOOZjYwsMvaTOZHS+6iGaKkYsWUgWnsTLmZZpJsJnGixAi4OD/sTFS0zM2w1eve/e53y9NPP/3/j46OXhnScwVfkhPIU6zkfkp93JubqOsm9XjJJZect5guOaJ0LU2Npj4Umm1dmK7Hqbc2vyR0UaF+om9Vko7QrA65Vcpf+9eHmD5gTZ1sqwV/SW1qtx2n1Kcj59qCenNPX3rppectVE3yTEjnebLW7WyfmqznV3927Hpvc12zXYXiGMTVqScdP66d/SzQ77faOtaVZ2G7Pld5QX2a8q8o3+g2wPYC6maLwe3fV/q7Sn/GP/CBDzQVKzqmbo/8/ve/v+UCe7NQvNluYEawmEX5+m976+LJfm9FhY59zydZYG/3HVfapdkT/e/Nb36zGLFnfqfHtU+y8N7EK0lm5W1ve9vE5gSmtCtuThDd1CC6ON/2w2Sg7E0Q4hbkj9tJ+Ve7D7AArstNrOgp9bfccssfbtq0KbcxkkxMsv4l3SrmSWxq1UeW34/bejH6UJ3qeK3Einl4mV9U0fZqo1kIaNLSU7Wp1fWcUt+K0Gvfd3FBvbmH9M2reZOpFpf181fGdqRlihX77kniu89ipeIL6lOXfyV/stASAq0JUP7VmlEVWuQlJAo5pd5MTDQ9q29K9KNvGswbBV14Zxah6URZd7Ew2xxGt0o0WyJqXerf/u3fNtK4t912W+NNhir9j3/8443tEs0bjCSL3jSTYNLWzd42xNkdPZQp7g2UvuXQVKx+7r333sb/4w6viptI6ERPJ3naR9wWiKZv3S5SbTETQ31z9aUvfamxY4r9luWmm26Siy++uPHWJWq7yaiYHyblH7e4Uncr0XR5dN/7PH4IOaU+FVUnF9Sbe9LsJGTqyG2x0uwtqP2W0zwH7J8n3RpVt1E1i1KVlr0tanRLTfu5Et0+NW67T+0vzjZ9XtkLeE25hvavi1t1R5wnnnhi4pnWbAvUVpmVybaMjb7hVFZDQ0MyOjraeLbaW6dq+cef/MmfNJ5DZutYe2tYm5stVpptSZrqriyoccUX1Cvl1OVfBYWGYSpAgMMfKxDkhC7mIVYKO6XeFis6Cdb6V3thm4oMk1mZrEZWt8mza0/tvnSMn//85xMTBS3HuPvuu2X9+vUT9bZ2DWh0i0CzG0izLRSb2W3i12yLR53UqG2mDKZZqYi20ZrRuFODW20fqTbYWyPatbd2/bD6b+qKm51+a2e4opmVJNcnvJ9bNuOU+paI7AbOLqiPLsg192r0BYY5+M2UaX3kIx95XY21LuY0k2xT791sC85mW21Gz1owEM19H93uM672XZ8ruuONeUlgfNG+9PmhzzO105wyHbcFqraN20lHv64vbJo9B+3Fufb2qyqg9EWNOQPD20/0WAAACj1JREFUPE/Un7itYyc7I0OfhVrOE7dVaREvKVLd+SJS9QX1Uyn/Ssua9hCIEuDwR+4Jm0DmYqXIU+rtiUl0kZfZKjBusmBO07UPmzIZkLi91M1EKLowLe6QozixYu8Qon3ZWyg2s9sEqdkWjyoiBgYGYgWTXUo1WRncZNtH6vhmUmF8MgsMdftA7TeaeTH/jvsRi9phv1meLDOT9Y8rp9QnJur0gnpbrNiZQLO9pooKrWPXbKj5mEPcdDJuDobT79mHxZkFv8224Gx2CF2akqzJtkA15wvY4sYsONaJvo5jarrTjNnqOWieJ3b2RJ8j0THinl3RrWPjMlfm5UarQ/wS3505N2RBvVD+lfM9RveTE6D8izskN7FS9Cn1ZYkVnaxrZsXedSM6sbcX2JcpVpqVgelkbdmyZbJnz57Y7SPNBLCnp6fxVlffUOtHxVUzsWJPeKL7uacRTXn9iHJKfXKyri2oj1oel53TRd6nT59+3XkHtniPruGyD1SzdydqtdYtutWm2hd3MF2z7VubnddgSsHe8573NN7sqzAxWdM8xYr94sEIOc3E6IFucWdE2FlWW6zY6+GUSdwLIf16lJ8+L136VHxBvYaC8i+XbsiK2UL5V8UCnsDdLDMrhZ9Sn0astCoDS5NZ+dSnPjVxYq1maexf0GnLwFplVlqVgZk3wXHbEdqTAnPCrH7N2BstZ4tuO6jtvvOd78iVV17ZmDQ12zEkSRlXtAzMnhjmuZOS+RnglPoET4PxJi4uqG8lVvT7JtOpa7fMYWP2ycoquqNnJZhSKlMGFreVqv6Mm/Kn3/md3zlvXYldqhUnVuwy1GbbfcZN8DUjtHHjxonTvdOWgUXPKGhVDhs9o8G0V7GiPuq/bQ7NysCia4ai287aZWD2VqUuiZWqL6in/Cv5s5KW2ROg/Ct7piH0mJVYKeWU+jRixSzsbrbAPo1Y0cW8uv+5WYyqbwF0wq3ZBy3j0K/rhCnJAvtWYiX6FtJeEByd8Ntva+2bM3qyrb11cbPFtnFCxxYrSRfYGzsmKwNrdyvlpD+AnFKflFSjnZML6pOIlWjWpNkCe7t8U8ueDh8+3MgW2uvQjKiP21IzbrMMM1Z0+1R7G1Z78f1kW6BGXxrY69HyXGBvl2+Zn0kdT+1+8cUXGyV1cVuWKiuzdayKEVN+p310dnaKZmdbPQtT3aE5NmZBfVjlX9GXfWluHf05V7EeFdLR36f2dsym/2ZrRZutLU1jV+htKf8KPcLt+ZeJWOGU+vbgc1UxBDilPjFnZxfUJ/aAhpkSqNLkigX1jVsnqPKvqYiVZtug20Ik7mgAI/rjREyVfp7aeRBR/tUOtWpck4VY4ZT6atwrXnrJKfWJw+b0gvrEXtAwUwJVmVyxoL5x2+jp4AcPHjzYKP0N4RMVK3Gb4sRt328fexB3JIDNxhY1ZtMa3RVTD2+M7sKpP08PPPBA43L93WRXFTQ73iCu+kLXjJljDzRrqWWct956a2ML8eh6UV/iSPmXL5Eqx86pipXcT6kvBwujhkCAU+qTR9H1BfXJPaElBNITYEF9WOVf5g6wxYp+zRwhYK+X0sm+fuxt+nWtW7PMin13af/2GWHmGrtPu72KFbMVuCml1nVytm36dy3x1g187LVhKoDs3fjUXrMmzy6zTnJIa/qfkPyvoPwrf8Y+jzAlsVLEKfU+w8X2cglwSn0y/j4sqE/mCa0gkJ4AC+obzIIq/4oTK7r2JMlhzmaNShKxoge13njjjY3DkG2R0Gw3wWimspm4aXW8gb0bnxnbHIDdKhOU/ick/yso/8qfse8jTEWsFHJKve+Asb8cApxSn5i7FwvqE3tDQwikIMCC+gas4Mq/4sSKfi26s529a55Za2LOY3rwwQcb26A326kuKmbiDmONrlvJS6wYf6M+uHjYavTHk/KvFA+sCjdtV6wUdkp9hWOD620S4JT6xOBYUJ8YFQ1DI8CC+lcjOnv27MfXr1//z7X0KLSPXQZml2bZC+OjX9e1ILqzZzOxYrIzX/3qV5sKmbSZFeVuStT076YMLHrkgtlqPZpZsceLHvbsekwp/3I9Qm7Y15ZYKfKUejcwYYVPBDilPlG0WFCfCBONQiTAgvqJqAZZ/hWXWTFnL+kidM2e6H+6CN4IAt3GXD+mjMoseLfLquytyO2fi2jpVVqxYg6Rjtsq3d5SXG18+eWX5SMf+UjjgOY77rijUYIWtcuXUjDKv0J8uubjU2qxUvQp9fm4Ta+hErj99tvPDQwM/HW9Xn9vqD5m4RcL6rOgSB++EmBBfSNywZZ/+XpfVsluyr+qFO2p+5pWrBR+Sv3UXaSHqhDglPpkkWZBfTJOtAqTAAvqX41ryOVfYd65YXlF+VdY8czbmzRipZRT6vMGQP9hEOCU+sRxZEF9YlQ0DI0AC+onIhp0+Vdo921o/lD+FVpE8/cnsVjhlPr8g8EI7RPglPpE7FhQnwgTjUIkwIL6iahS/hXiDe6JT5R/eRIox8xMKlY4pd6xwGHOawQ4pT7R3cCC+kSYaBQiARbUvxZVyr9CvMP98YnyL39i5ZKlScQKp9S7FDFsOY8Ap9QnuyFYUJ+ME63CJMCC+om4Uv4V5i3uhVeUf3kRJieNbClWOKXeybhh1DgBTqlvfSuwoL41I1qES4AF9ROxpfwr3Nvcec8o/3I+RE4b2EqscEq90+GrtnGcUp8o/iyoT4SJRiESYEH9a1Gl/CvEO9wfnyj/8idWLlo6mVjhlHoXI4ZNDQKcUp/oRmBBfSJMNAqRAAvqz4sq5V8h3uSe+ET5lyeBctjMpmJl9uzZT27cuPGqW2+91WHzMa2qBDilvmXkWVDfEhENQiXAgvrzIkv5V6g3ugd+Uf7lQZA8MDFWrHBKvQeRq7CJnFLfOvgsqG/NiBbhEmBB/Wuxpfwr3PvcB88o//IhSu7bGCdWOKXe/bhV1kJOqW8dehbUt2ZEi3AJsKD+vNhS/hXure68Z5R/OR8ibwyMihU9pf7ZgYGBS2+66SZvnMDQahDglPpEcWZBfSJMNAqRAAvqz4sq5V8h3uSe+ET5lyeB8sTM88QKp9R7ErWKmskp9S0Dz4L6lohoECoBFtSfH1nKv0K90/3wi/IvP+Lki5W2WOGUel+iVkE7OaW+ZdBZUN8SEQ1CJcCC+tdFlvKvUG92D/yi/MuDIHlmohErnFLvWeCqZC6n1LeONgvqWzOiRbgEWFB/Xmwp/wr3VnfeM8q/nA+RlwY2xAqn1HsZu8oYPX5K/Zd//etfb6yM0ykcZUF9Clg0DY4AC+rPDynlX8Hd4l45RPmXV+HyxlgVK5xS7024qmcop9S3jDkL6lsiokGoBFhQ/7rIUv4V6s3ugV+Uf3kQJE9NvGDBggXPHj58eJ6n9mN24AQWLFhw9PDhw8v00PrAXW3LvYULFx45dOjQZW1dzEUQ8JzAwoULnz106ND/KSKPe+5KJubzPMgEI520SWD85/FficjTbXbBZRCIJfC/ABIq/I4s/htiAAAAAElFTkSuQmCC"/>
-          <p:cNvSpPr>
-            <a:spLocks noChangeAspect="1" noChangeArrowheads="1"/>
-          </p:cNvSpPr>
-          <p:nvPr/>
-        </p:nvSpPr>
-        <p:spPr bwMode="auto">
-          <a:xfrm>
-            <a:off x="155575" y="-144463"/>
-            <a:ext cx="304800" cy="304801"/>
-          </a:xfrm>
-          <a:prstGeom prst="rect">
-            <a:avLst/>
-          </a:prstGeom>
-          <a:noFill/>
-        </p:spPr>
-        <p:txBody>
-          <a:bodyPr vert="horz" wrap="square" lIns="91440" tIns="45720" rIns="91440" bIns="45720" numCol="1" anchor="t" anchorCtr="0" compatLnSpc="1">
-            <a:prstTxWarp prst="textNoShape">
-              <a:avLst/>
-            </a:prstTxWarp>
-          </a:bodyPr>
-          <a:lstStyle/>
-          <a:p>
-            <a:endParaRPr lang="en-US"/>
-          </a:p>
-        </p:txBody>
-      </p:sp>
-      <p:sp>
-        <p:nvSpPr>
-          <p:cNvPr id="2058" name="AutoShape 10" descr="data:image/png;base64,iVBORw0KGgoAAAANSUhEUgAAAysAAALwCAYAAACX2eoEAAAgAElEQVR4XuzdD5xWc97/8feV0Uzpz9RU/iSJEiVu1p9N2SS1bFu5abet2B/bHf0jlfKnECrRVmQqcVu7N2XbxV1oEYpVslhuUkoh2rBqalRqJtNcv8f32jmzV1czzXVmrutc33PO6zweu6U553w/3+fn4Ho753udiNgQQAABSwQmTlye9VU95WbVUm4tKTcSUe5+8+v+f/1eKq1nSakpKKPW7mhUhdHDVHiYVGh+XyoVlpSq8JjdKpw4sWtJCgbhFAgggAACCPhaIOLr6ikeAQR8LTDy/mVt95dGz5MO6yiZX9Xe1xNKYfFRRT+MKPJXRbUicnjpuw9e3+3TFJ6eUyGAAAIIIOALAcKKL9pEkQgEQ2Dk/a+dXbI/2ikS0bmK6lxF1CpxZrUPzyrNyc6qlX14lrJr/+t/OWW/Hp51WDAgJP1Qsl/F+0pUtK8k9mvsfz+UqKi4pHTfDyW1KpjoBkWiq6Ra7x4W0VsP3HDBO4HBYCIIIIAAAghUIkBY4dJAAIG0Clwz9eWGtWtn9Y1KfSPSxfGDmUByZF49Hd20oY49sqGaN2uY1lr8dPKvtu7U11t36qut38n83oSZ+C0qvRiRntq3r+Sph2/u/p2f5katCCCAAAIIJCtAWElWiv0QQMCVwHUzXju/VKV9I4pcLqm5OdjcGWl5TCMd2bi+jmpSn3DiQvSbbTv19bZdMr9u+mpH7M5M2bYlqujTtVTrqQdHX/CGi1OyKwIIIIAAAtYLEFasbxEFIuAvgREzXr06osOujCra1anc3DE5sUWeWrdoonp1s/01IQur3b2nWBs3b9Onmwu05dt/31SJKLI8qv2P54/u9piFZVMSAggggAACrgUIK67JOAABBCoSuG7WX9tF95dMUDTS3/y8bp3aP5x0XNPDTUjh8a70XTMmrJjQ8smXW3/Ys3ff4bGRItEnI4dlTXrw+p+sTd/InBkBBBBAAIH0CxBW0m/MCAgEXmD49OU3RCKaICmvTvbhJeecelxWuxOPjD32xeaNgHksbO2n/9TbH31Zsrf4hyxJBdGoJs0e0/V+bypgFAQQQAABBFIvQFhJvSlnRCA0AtdPf/W80kgtE1IuMZNud8KROqt9C+XWrxMaA9smWrhrr95ds1lrP/unU9oLtaKlk2aN6fambbVSDwIIIIAAAlUJEFaqEuLnCCBQocCI6a9OVKTWeElZTRvVi4WUNsc1QcsSgQ1fbouFlq07dpuKShTRpPxRXe+0pDzKQAABBBBAICkBwkpSTOyEAALxAtfNXD4zGtUN5s9MSDm7fQse+bLwEjGPhr2zZnMstJgtqsis2aMvGGlhqZSEAAIIIIBAhQKEFS4MBBBwJTB85vLHIlFdZV7W2P3HJ+mEY/NcHc/O3gt89o8CvfzWJ867Wp7IH931Su+rYEQEEEAAAQTcCxBW3JtxBAKhFLhh5vLcH6L6n4jUq2G9HHXv2FbHNG0QSgs/Ttp8a5gJLDt3F5nyl2RFdMX9o7oW+nEu1IwAAgggEB4Bwkp4es1MEai2wJCZy4/PiuoJSZ2aNa6nHh3bqnHDutU+HwdmRqDguz16edV6fbt9tyKKvBndH7kif2yXzzNTDaMigAACCCBQtQBhpWoj9kAg1AJjfru8SXEtvSLp9OOOaqQe552kujm1Q23i58nvKdqnl95cr83fxG6qfJBdqoum39h1m5/nRO0IIIAAAsEVIKwEt7fMDIGUCIyY8drDUnTwicfm6ZLOp6hWLf6xkRLYDJ6ktDSqF1Z8rE//UWDeIPlI/ugLrslgOQyNAAIIIIBApQJ86uDiQACBSgWum/7q4Gik1sPmRY+XX3RaFo9+Bedi2f7dHj39yoexF0hGoqXXPDim2yPBmR0zQQABBBAIigBhJSidZB4IpFjguunLTi+NRF6JSE26ndtG7U88KsUjcLpMC6z59Bu9+rcNikrbakWjFz045sIPMl0T4yOAAAIIIBAvQFjhekAAgQoFRsx4bYkU/ZkJKSassAVTwIQVE1qkyF/yR1/QM5izZFYIIIAAAn4VIKz4tXPUjUAaBcreTn+Heezrsm4dWFCfRutMn9osuH/m1dUyj4UpWnpn/phuEzNdE+MjgAACCCDgCBBWuBYQQOAggREzlv+f+favnj9pJ7Owni3YAmah/ZK/rjWT/Dh/dNd2wZ4ts0MAAQQQ8JMAYcVP3aJWBDwQGD592c8ikciSIxvXU7+Lz/BgRIawQWD+X95TQeH3Zv1K/9mju/7RhpqoAQEEEEAAAcIK1wACCBwgMHzm8sciUV3V+YxWOvOUY9EJicCqDzbpnTWbTVhZPHt010tDMm2miQACCCBguQBhxfIGUR4CXgqUvQByqxnzqj5nq8EROV4Oz1gZFCjctVf/89y7sQpKS3T0nHFdzap7NgQQQAABBDIqQFjJKD+DI2CXwIgZr42SojNaNW+sXl3a21Uc1aRd4OlXPtSWb78z49ySP7rr1LQPyAAIIIAAAghUIUBY4RJBAIFygREzlq+S9ONLOp2sNi2bIhMygfVfbNVLK9eZWb+VP7prx5BNn+kigAACCFgoQFixsCmUhECmBEbMfG2LotFjrvz5WWrUoE6mymDcDAns2LlXjz//rhSJfJU/6oLmGSqDYRFAAAEEECgXIKxwMSCAQEzgmnnvHl77+137zO9H/KqzatWy7x8Pzz69QDcO//VBHRs5bqKGj56QdCeLivZq1n136hcDr1arE9secNzsGZPUsfOFOvOc88r/vHBHgWbcc5tG33K3chsF96ucS0ujyv/jiti89x1Rv/bD1571Q9Ko7IgAAggggEAaBOz7NJKGSXJKBBCoWmDYjOWta0kb6tXN1m8uPafqAzKwhwkrZut9+YAajU5YqZzvd4ve1u49xSqV2swZ3XVjjaA5GAEEEEAAgRoKEFZqCMjhCARFYMTM1y9UtPTVY5o1VN+LTrNyWlWFFXNXxGwP3Pevl7DH33Exd0fGDLtSbyxfqv8admPs59W5s2KOc85jfv/HZ/9afhcm/s5P/Njxdf129v/UOGylszlPvfKhvjKL7CO1uuWP6rIsnWNxbgQQQAABBKoSIKxUJcTPEQiJwIgZr10tRX93Sqsj1b3jSVbOOpmw8s9vvtKtd01X0d49sVAxfNQEtTvtDE25fYwu7XtFLFi89/abmnjLCD3w8JOuHwOb/9hctWh5QixwfP7pes2adpfuuGeWPtuwXrNnTtL0OY/HHhUzAcXZzwkrbh5Vy1QDXl71iT7+/J+SIr/JH33BY5mqg3ERQAABBBAwAoQVrgMEEIgJjJj+6kRFat1xboeWOrfDcVaqVLZmxbm7ER8QzASc9SeN8vLKQ4UJEjV5DMyElffeebM8lDhQiWObIPPn+Y/p+nF36NE508uDi5WwcUX9bfWX+tvqL6Ro6Z35Y7r96xYVGwIIIIAAAhkSIKxkCJ5hEbBNICh3VuIXx8eHFSc45OTUqVFYce6aJD5qZsZy/szp7flde8RCjQk4iYv2beu/Uw93VmztDHUhgAAC4RQgrISz78wagYMEgrJmpbKw4jyuVdWdlYoeNYt/3Cv+28CcdTDmUbNVK5ZVGkgq+oYxWy9B1qzY2hnqQgABBMIpQFgJZ9+ZNQIHCQTh28ASQ4Hz186albPO7Rxba3KoNSvmZ/FrTwxU/JqT+Me94h8n21FQcMBx5jyLnnoitn7GPAbmlzsrfBsY/3BAAAEEELBJgLBiUzeoBYEMCvj5PSu/+vU1FYaC+PCS7LeBmRaYoPGr3j8p70Zl3ypmdoj/dq/4NTXOI2DOY2N+CCu8ZyWDfwMyNAIIIIBAhQKEFS4MBBAoF+AN9uG+GHiDfbj7z+wRQAABGwUIKzZ2hZoQyJDAiBnLV0n68SWdTlablk0zVAXDZkpg/Rdb9dLKdWb4t/JHd+2YqToYFwEEEEAAAUeAsMK1gAAC/76zMuO1UVJ0RqvmjdWrS3tkQibw9Csfaot5IaR0S/7orlNDNn2miwACCCBgoQBhxcKmUBICmRIY89vlTYpraasZ/6o+Z6vBETmZKoVxPRYo3LVX//Pcu7FRS0t09JxxXb/xuASGQwABBBBA4CABwgoXBQIIHCAwfObyxyJRXdX5jFY685Rj0QmJwKoPNumdNZsVlRbPHt310pBMm2kigAACCFguQFixvEGUh4DXAsOnL/tZJBJZcmTjeup38RleD894GRKY/5f3VFD4vQkr/WeP7vrHDJXBsAgggAACCBwgQFjhgkAAgYMERsxY/n+STu/5k3Y68dg8hAIu8Ok/CrTkr2vNLD/OH921XcCny/QQQAABBHwkQFjxUbMoFQGvBEZMf3WiIrXuaNywri7r1kF1c2p7NTTjeCywp2ifnnl1tbZ/t0eKlt6ZP6bbRI9LYDgEEEAAAQQqFSCscHEggECFAiNmvLZEiv6s/YlHqdu5bVAKqMCrf9ugNZ+atfSRv+SPvqBnQKfJtBBAAAEEfCpAWPFp4ygbgXQLXDd92emlkcgrEamJCSsmtLAFS8CEFBNWotK2WtHoRQ+OufCDYM2Q2SCAAAII+F2AsOL3DlI/AmkUuG76q4OjkVoP18k+vOTyi07LMo+FsQVDwDz29fQrH5bsLf4hKxItvebBMd0eCcbMmAUCCCCAQJAECCtB6iZzQSANAiNmvPawFB1sFtpf0vkU1arFPzbSwOzpKUtLo3phxccyC+ulyCP5oy+4xtMCGAwBBBBAAIEkBfjUkSQUuyEQVoGyF0W+Yr4d7LijGqnHeSex4N7HF4NZUP/Sm+u1+ZtCM4sPskt10fQbu27z8ZQoHQEEEEAgwAKElQA3l6khkCqBITOXH58V1ROSOjVrXE89OrYVj4SlSte78xR8t0cvr1qvb7fvVkSRN6P7I1fkj+3yuXcVMBICCCCAAALuBAgr7rzYG4HQCtwwc3nuD1H9T0Tq1bBejrp3bKtjmjYIrYffJr7l2+/08lufaOfuIlP6kqyIrrh/VNfY7RU2BBBAAAEEbBUgrNjaGepCwFKB4TOXPxaJ6qrs2lnq/uOTdAIvjbS0U/8u67N/FMSCSvG+EvOHT+SP7nql9UVTIAIIIIAAAmZlJQoIIICAW4HrZi6fGY3qBnPcWe1b6Oz2LXR41mFuT8P+aRb4oWS/3lmzWe+u2RwbKarIrNmjLxiZ5mE5PQIIIIAAAikTIKykjJITIRAugREzl9+hqCZIymraqF4stLQ5rkm4ECye7YYvt8VCytYdu02VJYqWTubt9BY3jNIQQAABBCoUIKxwYSCAQLUFrp/+6nmlkVomsFxiTtLuhCNjoSW3fp1qn5MDayZQuGtvLKSs/eyfzoleqBUtnTRrTLc3a3ZmjkYAAQQQQMB7AcKK9+aMiEDgBIZPX35DJBK7y5JnXiB5zqnHZbU78UgeDfOw0+aRr7Wf/lNvf/Rl7EWPkgqiUU2aPabr/R6WwVAIIIAAAgikVICwklJOToZAeAWum/XXdtH9JRMUjfQ3CnXr1P7hpOOaHn5iizw1b9YwvDBpnrn5lq9PNxfoky+3/rBn777DY8NFok9GDsua9OD1P1mb5uE5PQIIIIAAAmkVIKyklZeTIxA+gREzXr06osOujCra1Zm9CSsmtLRu0UT16maHDyXFM969p1gbN2+LhRQTVpwtosjyqPY/nj+622MpHpLTIYAAAgggkBEBwkpG2BkUgeALXDfjtfNLVdo3osjlkpqbGZtvDGt5TCMd2bi+jmpSnzsuLi6Db7bt1Nfbdsn8uumrHTKPfZVtW6KKPl1LtZ56cPQFb7g4JbsigAACCCBgvQBhxfoWUSAC/ha4ZurLDWvXzuoblfpGpIvjZ5N9eJaOzKuno5s21LFHNiS8xOF8tXWnvt66U19t/U7m92XvSCnfIyq9GJGe2rev5KmHb+7+79sr/r5cqB4BBBBAAIEDBAgrXBAIIOCZwMj7Xzu7ZH+0UySicxXVuYqoVeLgtQ/PKs3Jzqplgox58aT5X07Zr0F6l4u5M2ICSNG+ktivsf/9UKKi4pLSfT+U1KqgKRsUia6Sar17WERvPXDDBe941jgGQgABBBBAIEMChJUMwTMsAghII+9f1nZ/afQ86bCOkvlV7XH5l0BU0Q8jivxVUa2IHF767oPXd/sUGwQQQAABBMImQFgJW8eZLwIWC0ycuDzrq3rKzaql3FpSbiSi3P3m1/3/+r1UWi9V5S+eN+6S/T/sO/yyEfc/m6pzujtPrd3RqAqjh6nwMKnQ/L5UKiwpVeExu1U4cWLXEnfnY28EEEAAAQSCJ0BYCV5PmRECCFQtkCNpu1nzL+nIst9XfRR7IIAAAggggICnAoQVT7kZDAEELBG4RdKtZWElX9KNltRFGQgggAACCCAQJ0BY4XJAAIGwCZi7KQWS6pdN3HwH8NGStoYNgvkigAACCCBguwBhxfYOUR8CCKRaYJyk2yUdUXbiYklzJY1K9UCcDwEEEEAAAQRqJkBYqZkfRyOAgL8EzFcCm7UqDRPKLi17ceU3/poO1SKAAAIIIBBsAcJKsPvL7BBA4ECBMZKmSDJ3U0xoOUxSE0lZkv5b0lDAEEAAAQQQQMAeAcKKPb2gEgQQSL/AGkm7JY2VdHbZWpXHywLMKZLOl7Ql/WUwAgIIIIAAAggkI0BYSUaJfRBAICgCjSTtKJuMWaPSQtLosr9uI2lDUCbKPBBAAAEEEAiCAGElCF1kDgggUB2BGyS1ZGF9deg4BgEEEEAAAW8ECCveODMKAgjYJzBSUitJJrSwIYAAAggggICFAoQVC5tCSQgg4InAdZLMo1/XezIagyCAAAIIIICAawHCimsyDkAAgYAIjJDUVpIJLWwIIIAAAgggYKEAYcXCplASAgh4IjBMUjtJJrSwIYAAAggggICFAoQVC5tCSQgg4ImAeadKB0kmtLAhgAACCCCAgIUChBULm0JJCCDgicAQSafzIkhPrBkEAQQQQACBagkQVqrFxkEIIBAAgWsk/UjStQGYC1NAAAEEEEAgkAKElUC2lUkhgEASAoPL3mJvQgsbAggggAACCFgoQFixsCmUhAACngj8l6RzJZnQwoYAAggggAACFgoQVixsCiUhgIAnAr+R1EnSIE9GYxAEEEAAAQQQcC1AWHFNxgEIIBAQgaslnS/JhBY2BBBAAAEEELBQgLBiYVMoCQEEPBH4f5K6SrrKk9EYBAEEEEAAAQRcCxBWXJNxAAIIBETg15K6STKhhQ0BBBBAAAEELBQgrFjYFEpCAAFPBK6U1F2SCS1sCCCAAAIIIGChAGHFwqZQEgIIeCIwUNIlkq7wZDQGQQABBBBAAAHXAoQV12QcgAACAREYIKmnJBNa2BBAAAEEEEDAQgHCioVNoSQEEPBE4FeSeksyoYUNAQQQQAABBCwUIKxY2BRKQgABTwT6SfpPSSa0sCGAAAIIIICAhQKEFQubQkkIIOCJwC8lXS7JhBY2BBBAAAEEELBQgLBiYVMoCQEEPBHoWxZUfuHJaAyCAAIIIIAAAq4FCCuuyTgAAQQCImDuqvSXZEILGwIIIIAAAghYKEBYsbAplIQAAp4IXFb2TWAmtLAhgAACCCCAgIUChBULm0JJCCDgicClZW+vN4vs2RBAAAEEEEDAQgHCioVNoSQEEPBEoI+kqyWZ0MKGAAIIIIAAAhYKEFYsbAolIYCAJwK9JA0ue9eKJwMyCAIIIIAAAgi4EyCsuPNibwQQCI7AzyVdK8mEFjYEEEAAAQQQsFCAsGJhUygJAQQ8EegpaagkE1rYEEAAAQQQQMBCAcKKhU2hJAQQ8ETgEknXSfqZJ6MxCAIIIIAAAgi4FiCsuCbjAAQQCIjAxZJGSjKhhQ0BBBBAAAEELBQgrFjYFEpCAAFPBH4qaZQkE1rYEEAAAQQQQMBCAcKKhU2hJAQQ8ESgu6Sxknp4MhqDIIAAAggggIBrAcKKazIOQACBgAhcJOkmSSa0sCGAAAIIIICAhQKEFQubQkkIIOCJwIWSxkvq5sloDIIAAggggAACrgUIK67JOAABBAIi0FXSbZJMaGFDAAEEEEAAAQsFCCsWNoWSEEDAE4ELJN0hyYQWNgQQQAABBBCwUICwYmFTKAkBBDwR+ImkuyV18WQ0BkEAAQQQQAAB1wKEFddkHIAAAgEROF/SZEkmtLAhgAACCCCAgIUChBULm0JJCCDgiUBnSfdIMqGFDQEEEEAAAQQsFCCsWNgUSkIAAU8EzpM0TVInT0ZjEAQQQAABBBBwLUBYcU3GAQggEBCBjpKmSzKhhQ0BBBBAAAEELBQgrFjYFEpCAAFPBM6V9ICkH3syGoMggAACCCCAgGsBwoprMg5AAIGACJwj6UFJJrSwIYAAAggggICFAoQVC5tCSQgg4InA2ZJmSzKhhQ0BBBBAAAEELBQgrFjYFEpCAAFPBH4kaZ6kszwZjUEQQAABBBBAwLUAYcU1GQcggEBABM6U9IgkE1rYEEAAAQQQQMBCAcKKhU2hJAQQ8ETgDEm/k2R+ZUMAAQQQQAABCwUIKxY2hZIQQMATgdMl/UHSf3gyGoMggAACCCCAgGsBwoprMg5AAIGACJwm6XFJJrSwIYAAAggggICFAoQVC5tCSQgg4InAqZKelNTBk9EYBAEEEEAAAQRcCxBWXJNxAAIIBESgvaSFkkxoYUMAAQQQQAABCwUIKxY2hZIQQMATgXaS/izJhBY2BBBAAAEEELBQgLBiYVMoCQEEPBE4WdL/SjrFk9EYBAEEEEAAAQRcCxBWXJNxAAIIBESgraTFkkxoYUMAAQQQQAABCwUIKxY2hZIQQMATgZMkPS/J/MqGAAIIIIAAAhYKEFYsbAolIYCAJwKtJb0gqY0nozEIAggggAACCLgWIKy4JuMABBAIiMCJkl6SZEILGwIIIIAAAghYKEBYsbAplIQAAp4ItJL0qqQTPBmNQRBAAAEEEEDAtQBhxTUZByCAQEAEjpe0XJIJLWwIIIAAAgggYKEAYcXCplASAgh4ItBS0l8lmV/ZEEAAAQQQQMBCAcKKhU2hJAQQ8ESghaSVko7zZDQGQQABBBBAAAHXAoQV12QcgAACARE4VtIqSSa0sCGAAAIIIICAhQKEFQubQkkIIOCJQHNJb0syv7IhgAACCCCAgIUChBULm0JJCCDgicDRkv4u6RhPRmMQBBBAAAEEEHAtQFhxTcYBCCAQEIGjJL0vyYQWNgQQQAABBBCwUICwYmFTKAkBBDwRaCZptaQjPRmNQRBAAAEEEEDAtQBhxTUZByCAQEAEmkpaI8mEFjYEEEAAAQQQsFCAsGJhUygJAQQ8EWgiaZ0k8ysbAggggAACCFgoQFixsCmUhAACngg0lrRBUp4nozEIAggggAACCLgWIKy4JuMABBAIiEAjSZ9KMqGFDQEEEEAAAQQsFCCsWNgUSkIAAU8EciVtkmR+ZUMAAQQQQAABCwUIKxY2hZIQQMATgQaSNktqWDZatqRiT0ZmEAQQQAABBBBISoCwkhQTOyGAQEAEbpY0XtKNkhZI2lL2GJj567skjZaUH5C5Mg0EEEAAAQR8L0BY8X0LmQACCLgQMG+r/0fZHZRdZUHle0lZkvZLMndb2BBAAAEEEEDAEgHCiiWNoAwEEPBM4AFJQyTVjhvRBJY7JU3zrAoGQgABBBBAAIEqBQgrVRKxAwIIBEzAvATyK0mHxc1rZ9lXGJcEbK5MBwEEEEAAAV8LEFZ83T6KRwCBagrMkDS87O6KuasySdLUap6LwxBAAAEEEEAgTQKElTTBcloEELBawLwI8puytSq7y95izzeBWd0yikMAAQQQCKMAYSWMXWfOCCBgBMz6lOsk3S1pMiQIIIAAAgggYJ8AYcW+nlARAgh4I2BeBjlX0iBJe7wZklEQQAABBBBAwI0AYcWNFvsiEE6B1m3atHl5w4YNx4dz+sy6pgJt2rTZtGHDhlY1PQ/HI4AAAgiET4CwEr6eM2MEXAk0adJkyciRI382YcIEV8exMwJGoE+fPjufffZZ88id+RIDNgQQQAABBFwJEFZccbEzAqETuLRly5Z/2LRpEy9LDF3raz7hRYsW6eqrr95cWFh4XM3PxhkQQAABBMIoQFgJY9eZMwJJCuTm5n752GOPtbj00kuTPILdEPi3wPHHH7/ziy+++H+SFuGCAAIIIIBAdQQIK9VR4xgEwiEwoXfv3mMXL17MXZVw9Duls5w0aZIeeOCBv2zbtq1nSk/MyRBAAAEEQiVAWAlVu5ksAkkLtJa0YcOGDWrd2vyWDYHkBTZu3Kg2bdqYA8z/bUz+SPZEAAEEEEDgQAHCClcEAggcJMCiei6KmgiwqL4mehyLAAIIIBAvQFjhekAAgUQBFtVzTVRbgEX11abjQAQQQACBCgQIK1wWCCBwgACL6rkgaiLAovqa6HEsAggggECiAGGFawIBBOIFWFTP9VBtARbVV5uOAxFAAAEEKhEgrHBpIICAI8Cieq6FaguwqL7adByIAAIIIHAIAcIKlwcCCMQEWFTPhVATARbV10SPYxFAAAEEKhMgrHBtIICAEWBRPddBtQVYVF9tOg5EAAEEEKhCgLDCJYIAAmJRPRdBTQRYVF8TPY5FAAEEEDiUAGGF6wMBBFhUzzVQbQEW1VebjgMRQAABBJIQIKwkgcQuCARYgEX1AW5uuqfGovp0C3N+BBBAAAHCCtcAAiEWYFF9iJufgqmzqD4FiJwCAQQQQOCQAoQVLhAEwivAovrw9r7GM2dRfY0JOQECCCCAQBIChJUkkNgFgSAKsKg+iF31bk4sqvfOmpEQQACBMAsQVsLcfeYeZgEW1Ye5+zWcO4vqawjI4QgggAACSQsQVpKmYkcEAiPAovrAtNL7ibCo3ntzRkQAAQTCLEBYCXP3mXsoBVhUH8q2p2zSLKpPGSUnQgABBBBIQoCwkgQSuyAQIAEW1QeomV5PhUX1XoszHgIIIIAAYZ+F47wAACAASURBVIVrAIEQCbCoPkTNTsNUWVSfBlROiQACCCBwSAHCChcIAuERCNSi+rvvvlu33377Ad1bsWKFOnXqFPuzvXv3atSoUTr//PM1cODAlHR5/vz5evzxx2V+zcvLS8k5/XISFtX7pVPUiQACCARLgLASrH4yGwQqEwjMononhJiJzpw5U3Xq1InNef369erXr5/Gjh0bCyeEldT9zcCi+tRZciYEEEAAAXcChBV3XuyNgC8FgrSo3oSS66+/XrNmzVLbtm0P6Ef8nY+6detyZyVFVyuL6lMEyWkQQAABBFwLEFZck3EAAr4TCNSi+pUrV2r48OFauHDhQWElvjMV3Vlx/mzevHnlu95111267bbbyv/anL9z586xvz799NMPGCfxMbCCgoLyR8yC+mgYi+p99/c7BSOAAAKBEiCsBKqdTAaBgwWCtqjeCQgvvfSSnnjiiUrXoySGFeevmzdvXh5OEh8dc/569uzZsbUvieEk/q+NtHnc7Pjjjz/gcbSgXYMsqg9aR5kPAggg4C8Bwoq/+kW1CLgVCNSiemfy8YHF+bOf/vSnByx8TwwrFT0+lhhgzKL9LVu2VBo+nLDy3//93zILzs0Wv27GbXNs359F9bZ3iPoQQACB4AsQVoLfY2YYXoHALKo/VAvjH9sy+zmPdR1qgb1zB+WDDz6Indocc+ONN8bWuMTfeUkc14SVadOm6cgjj1QkEgn0t4KxqD68/+Bg5ggggIBNAoQVm7pBLQikUCBIi+qTZTF3Rp5++unYOpPjjjvugAX2ietVEgOKE1YO9VXHJqxcccUV6tGjh/75z3/q8ssvP2C9S7J1+mE/FtX7oUvUiAACCARfgLAS/B4zw3AKBGpRfbItjF9zcuaZZx4QVipamB//GFiyd1ac96ysW7cuthA//t0uydZp+34sqre9Q9SHAAIIhEeAsBKeXjPTEAkEbVF9fOsOta4kfl1K4p0Vc1fkjTfeqPDdLM4dkmTXrJhzOV+NbGoL2roVFtWH6B8WTBUBBBCwXICwYnmDKA+BaggEclG94+DcPanoESwTNsxmvoo4cc2Ks7bFuRMS/1jYtddeGwscX375ZezFks63gSXejUn8drDEbxOrRq+sO4RF9da1hIIQQACBUAsQVkLdfiYfQIFQLKqv6H0pppfxj2RVtMDeWXPi9N189fFnn30mE0qc96QkLtiPP2diWDHniV8nk/iSSr9dXyyq91vHqBcBBBAIvgBhJfg9ZoYhEgjjovoQtTftU2VRfdqJGQABBBBAwKUAYcUlGLsjYLFAKBfVW9wPX5XGonpftYtiEUAAgdAIEFZC02omGnSBIC+qD3rvbJgfi+pt6AI1IIAAAggkChBWuCYQCIZAoBfVB6NF9s6CRfX29obKEEAAgbALEFbCfgUw/yAIhGJRfRAaZeMcWFRvY1eoCQEEEEDAESCscC0g4HMBFtX7vIEZLp9F9RluAMMjgAACCBxSgLDCBYKAvwVYVO/v/mW0ehbVZ5SfwRFAAAEEkhAgrCSBxC4I2CrAonpbO+OPulhU748+USUCCCAQZgHCSpi7z9z9LsCier93MIP1s6g+g/gMjQACCCCQtABhJWkqdkTAKgEW1VvVDn8Vw6J6f/WLahFAAIEwCxBWwtx95u5bARbV+7Z1VhTOonor2kARCCCAAAJJCBBWkkBiFwQsE2BRvWUN8VM5LKr3U7eoFQEEEECAsMI1gIDPBFhU77OGWVYui+otawjlIIAAAggcUoCwwgWCgL8EWFTvr35ZVS2L6q1qB8UggAACCCQhQFhJAoldELBEgEX1ljTCj2WwqN6PXaNmBBBAAAHCCtcAAj4RYFG9TxplaZksqre0MZSFAAIIIHBIAcIKFwgC/hBgUb0/+mRllSyqt7ItFIUAAgggkIQAYSUJJHZBINMCLKrPdAf8PT6L6v3dP6pHAAEEwixAWAlz95m7XwRYVO+XTllYJ4vqLWwKJSGAAAIIJC1AWEmaih0RyIgAi+ozwh6MQVlUH4w+MgsEEEAgzAKElTB3n7lbL8CieutbZHWBLKq3uj0UhwACCCCQhABhJQkkdkEgQwIsqs8QfBCGZVF9ELrIHBBAAAEECCtcAwhYKsCieksb45OyWFTvk0ZRJgIIIIDAIQUIK1wgCNgpwKJ6O/vii6pYVO+LNlEkAggggEASAoSVJJDYBQGvBdq0afP5hg0bjvd6XMYLhkCbNm02bdiwobukjcGYEbNAAAEEEAirAGElrJ1n3gggMEtSPUm/gQIBBBBAAAEE7BQgrNjZF6pCAIH0CuRI2i7pcElHlv0+vSNydgQQQAABBBBwLUBYcU3GAQggEACBWyTdWhZW8iXdGIA5MQUEEEAAAQQCJ0BYCVxLmRACCFQhYO6mFEiqX7bffklHS9qKHAIIIIAAAgjYJUBYsasfVIMAAukXGCfpdklHlA1VLGmupFHpH5oREEAAAQQQQMCNAGHFjRb7IoCA3wVqla1PaZgwkVJJzSV94/cJUj8CCCCAAAJBEiCsBKmbzAUBBKoSGCNpiiRzN8UssD9MUhNJWZL+W9LQqk7AzxFAAAEEEEDAOwHCinfWjIQAApkXWCNpt6Sxks4uW6vyeFmAOUXS+ZK2ZL5MKkAAAQQQQAABI0BY4TpAAIEwCTSStKNswmaNSgtJo8v+uo2kDWHCYK4IIIAAAgjYLkBYsb1D1IcAAukSuEFSSxbWp4uX8yKAAAIIIFBzAcJKzQ05AwII+FNgpKRWkkxoYUMAAQQQQAABCwUIKxY2hZIQQMATgeskmUe/rvdkNAZBAAEEEEAAAdcChBXXZByAAAIBERghqa0kE1rYEEAAAQQQQMBCAcKKhU2hJAQQ8ERgmKR2kkxoYUMAAQQQQAABCwUIKxY2hZIQQMATAfNOlQ6STGhhQwABBBBAAAELBQgrFjaFkhBAwBOBIZJO50WQnlgzCAIIIIAAAtUSIKxUi42DEEAgAALXSPqRpGsDMBemgAACCCCAQCAFCCuBbCuTQgCBJAQGl73F3oQWNgQQQAABBBCwUICwYmFTKAkBBDwR+C9J50oyoYUNAQQQQAABBCwUIKxY2BRKQgABTwR+I6mTpEGejMYgCCCAAAIIIOBagLDimowDEEAgIAJXSzpfkgktbAgggAACCCBgoQBhxcKmUBICCHgi8P8kdZV0lSejMQgCCCCAAAIIuBYgrLgm4wAEEAiIwK8ldZNkQgsbAggggAACCFgoQFixsCmUhAACnghcKam7JBNa2BBAAAEEEEDAQgHCioVNoSQEEPBEYKCkSyRd4cloDIIAAggggAACrgUIK67JOAABBAIiMEBST0kmtLAhgAACCCCAgIUChBULm0JJCCDgicCvJPWWZEILGwIIIIAAAghYKEBYsbAplIQAAp4I9JP0n5JMaGFDAAEEEEAAAQsFCCsWNoWSEEDAE4FfSrpckgktbAgggAACCCBgoQBhxcKmUBICCHgi0LcsqPzCk9EYBAEEEEAAAQRcCxBWXJNxAAIIBETA3FXpL8mEFjYEEEAAAQQQsFCAsGJhUygJAQQ8Ebis7JvATGhhQwABBBBAAAELBQgrFjaFkhBAwBOBS8veXm8W2bMhgAACCCCAgIUChBULm0JJCCDgiUAfSVdLMqGFDQEEEEAAAQQsFCCsWNgUSkIAAU8EekkaXPauFU8GZBAEEEAAAQQQcCdAWHHnxd4IIBAcgZ9LulaSCS1sCCCAAAIIIGChAGHFwqZQEgIIeCLQU9JQSSa0sCGAAAIIIICAhQKEFQubQkkIIOCJwCWSrpP0M09GYxAEEEAAAQQQcC1AWHFNxgEIIBAQgYsljZRkQgsbAggggAACCFgoQFixsCmUhAACngj8VNIoSSa0sCGAAAIIIICAhQKEFQubQkkIIOCJQHdJYyX18GQ0BkEAAQQQQAAB1wKEFddkHIAAAgERuEjSTZJMaGFDAAEEEEAAAQsFCCsWNoWSEEDAE4ELJY2X1M2T0RgEAQQQQAABBFwLEFZck3EAAggERKCrpNskmdDChgACCCCAAAIWChBWLGwKJSGAgCcCF0i6Q5IJLWwIIIAAAgggYKEAYcXCplASAgh4IvATSXdL6uLJaAyCAAIIIIAAAq4FCCuuyTgAAQQCInC+pMmSTGhhQwABBBBAAAELBQgrFjaFkhBAwBOBzpLukWRCCxsCCCCAAAIIWChAWLGwKZSEAAKeCJwnaZqkTp6MxiAIIIAAAggg4FqAsOKajAMQQCAgAh0lTZdkQgsbAggggAACCFgoQFixsCmUhAACngicK+kBST/2ZDQGQQABBBBAAAHXAoQV12QcgAACARE4R9KDkkxoYUMAAQQQQAABCwUIKxY2hZIQQMATgbMlzZZkQgsbAggggAACCFgoQFixsCmUhAACngj8SNI8SWd5MhqDIIAAAggggIBrAcKKazIOQACBgAicKekRSSa0sCGAAAIIIICAhQKEFQubQkkIIOCJwBmSfifJ/MqGAAIIIIAAAhYKEFYsbAolIYCAJwKnS/qDpP/wZDQGQQABBBBAAAHXAoQV12QcgAACARE4TdLjkkxoYUMAAQQQQAABCwUIKxY2hZIQQMATgVMlPSmpgyejMQgCCCCAAAIIuBYgrLgm4wAEEAiIQHtJCyWZ0MKGAAIIIIAAAhYKEFYsbAolIYCAJwLtJP1ZkgktbAgggAACCCBgoQBhxcKmUBICCHgicLKk/5V0iiejMQgCCCCAAAIIuBYgrLgm4wAEEAiIQFtJiyWZ0MKGAAIIIIAAAhYKEFYsbAolIYCAJwInSXpekvmVDQEEEEAAAQQsFCCsWNgUSkIAAU8EWkt6QVIbT0ZjEAQQQAABBBBwLUBYcU3GAQggEBCBEyW9JMmEFjYEEEAAAQQQsFCAsGJhUygJAQQ8EWgl6VVJJ3gyGoMggAACCCCAgGsBwoprMg5AAIGACBwvabkkE1rYEEAAAQQQQMBCAcKKhU2hJAQQ8ESgpaS/SjK/siGAAAIIIICAhQKEFQubQkkIIOCJQAtJKyUd58loDIIAAggggAACrgUIK67JOAABBAIicKykVZJMaGFDAAEEEEAAAQsFCCsWNoWSEEDAE4Hmkt6WZH5lQwABBBBAAAELBQgrFjaFkhBAwBOBoyX9XdIxnozGIAgggAACCCDgWoCw4pqMAxBAICACR0l6X5IJLWwIIIAAAgggYKEAYcXCplASAgh4ItBM0mpJR3oyGoMggAACCCCAgGsBwoprMg5AAIGACDSVtEaSCS1sCCCAAAIIIGChAGHFwqZQEgIIeCLQRNI6SeZXNgQQQAABBBCwUICwYmFTKAkBBDwRaCxpg6Q8T0ZjEAQQQAABBBBwLUBYcU3GAQggEBCBRpI+lWRCCxsCCCCAAAIIWChAWLGwKZSEAAKeCORK2iTJ/MqGAAIIIIAAAhYKEFYsbAolIYCAJwINJG2W1LBstGxJxZ6MzCAIIIAAAgggkJQAYSUpJnZCAIGACNwsabykGyUtkLSl7DEw89d3SRotKT8gc2UaCCCAAAII+F6AsOL7FjIBBBBwIWDeVv+Psjsou8qCyveSsiTtl2TutrAhgAACCCCAgCUChBVLGkEZCCDgmcADkoZIqh03ogksd0qa5lkVDIQAAggggAACVQoQVqokYgcEEAiYgHkJ5FeSDoub186yrzAuCdhcmQ4CCCCAAAK+FiCs+Lp9FI8AAtUUmCFpeNndFXNXZZKkqdU8F4chgAACCCCAQJoECCtpguW0CCBgtYB5EeQ3ZWtVdpe9xZ5vArO6ZRSHAAIIIBBGAcJKGLvOnBFAwAiY9SnXSbpb0mRIEEAAAQQQQMA+AcKKfT2hIgQQ8EbAvAxyrqRBkvZ4MySjIIAAAggggIAbAcKKGy32RcAygd9P/N/P9+zae7xlZVFOSATq1q+z6aqJ/9kqJNNlmggggAACGRAgrGQAnSERSJXAnDELoj1/0zVVp+M8CLgSWPK75Ro2fQD/HnGlxs4IIIAAAm4E+JeMGy32RcAyASesrPrL/2n7Nzssq45ygirQ+KhG6viz/xBhJagdZl4IIICAPQKEFXt6QSUIuBZwwor50MgdFtd8HFBNAed6I6xUE5DDEEAAAQSSFiCsJE3FjgjYJ0BYsa8nYaiIsBKGLjNHBBBAwA4BwoodfaAKBKolQFipFhsH1VCAsFJDQA5HAAEEEEhagLCSNBU7ImCfAGHFvp6EoSLCShi6zBwRQAABOwQIK3b0gSoQqJYAYaVabBxUQwHCSg0BORwBBBBAIGkBwkrSVOyIgH0ChBX7ehKGiggrYegyc0QAAQTsECCs2NEHqkCgWgKElWqxcVANBQgrNQTkcAQQQACBpAUIK0lTsSMC9gkQVuzrSRgqIqyEocsHzfHM1q1bP7Nx48aWoZw9k/a9wIknnrjp008/beX7iYRwAoSVEDadKQdHgLASnF76aSaEFT91KzW15uXlrZs0aVLbIUOGpOaEnAUBDwXat29fuHbt2lskPeThsAyVIgHCSoogOQ0CmRAgrGRCnTEJK+G6BurXrz+vZ8+eA5588sl64Zo5sw2CwLBhw4oWLlz4/Pbt238RhPmEcQ6ElTB2nTkHRoCwEphW+moihBVftaumxQ5s0aLFnE8++aRBTk5OTc/F8Qh4KjB//nyNGDFiS2FhYWtJRZ4OzmApEyCspIySEyHgvQBhxXtzRpQIK6G5ClrXrl37o6VLl2Z36dIlNJNmosEQ2Lhxo0499dR9xcXFPSS9HoxZhXMWhJVw9p1ZB0SAsBKQRvpsGoQVnzWsmuU2adLknbFjx541bty4ap6BwxDInMCPf/zjwr/97W/3SLovc1UwcioECCupUOQcCGRIgLCSIfiQD0tYCf4FkJWVNeWiiy4a9sILLzQM/myZYdAExo8fX/rwww8v27ZtW/egzS2M8yGshLHrzDkwAoSVwLTSVxMhrPiqXdUptlfjxo2f/Pjjj49o1qxZdY7nGAQyJvDcc89pwIABO3bv3n2ypG8zVggDp0yAsJIySk6EgPcChBXvzRmRNSsBvwaa1atXb/2CBQtye/XqFfCpMr2gCXz77bc6+eSTv9+xY0d/Sc8FbX5hnQ9hJaydZ96BECCsBKKNvpsEd1Z817KkC87Ly3t5yJAhF06aNKlW0gexIwKWCFx88cU7X3311fySkpLxlpREGSkQIKykAJFTIJApAcJKpuTDPS5hJbD9H9exY8db3nzzzdzAzpCJBVbgvvvu07Rp097Ztm3bOYGdZEgnRlgJaeOZdjAECCvB6KPfZkFY8VvHkqq3S05OztLVq1fXbt3avJKCDQH/CLz++uvq0aNH0b59+zpI2uifyqk0GQHCSjJK7IOApQKEFUsbE/CyCCuBa3Cd3NzcDbNnz24+YMCAwE2OCQVbYO/evWrbtu3OzZs3D5W0INizDefsCCvh7DuzDogAYSUgjfTZNAgrPmtYFeU2btz4z/369fv5nDlzXL+ifuXKlercuXP5CCtWrFCnTp1cA5nzPP7445o5c6bq1KlTfrz582XLlum2225zfc6CggLz9nJNnDjRfJh1fXx1D0hmXPMBe9SoUZo3b56qa+amPlPTnDlzdOONN+q9996r0NrN+Wzat3///ruXLFmyYNeuXdfaVBe1pE6AsJI6S86EgOcChBXPyRlQfBtYwC6CIe3atbtnzZo1rtepzJ8/X2+88UZ5wDAfiAcOHBgLFtUJLBW51iSs2Nyn9evX69FHH9Wdd955QDhLV81ej5eueSSe96GHHtKECRPWFxQUmK8pZguoAGEloI1lWuEQIKyEo8+2zZI7K7Z1pNr1nCnp7+a/tJ9xxhmuTmLuDNxxxx0aNGjQAXctTGDZtm1b7M/MB+R+/frpgw8+0E9/+lOZcGN+Fv8h3fkQffHFF+tPf/pTLPiYepy7NXfddVesrvg7K87YZm3Ntdf+6z+mO3cnzBhmvKVLl2ro0KF67bXXYndW3n33XZmvtX3ppZdi/3viiSf02Wef6fbbb4+dw7mjc/fdd8f+zGzOnzt3IjZt2qRzzjlHRUVF5fOuKATE31kx4zr1mF/NfIYNGxYLdaYOZ4zf/va35eOa2szPnbtNZlwT/k444YQq52Dqdu7YmN+b8czdFOfPzHi//OUvy6337NlTXsvpp5+uhQsX6rjjjov11mzTpk07wNfVRZLmnU1ffvSjH5lRzHX8fpqH4/QZFCCsZBCfoRGoqQBhpaaCHF8dAcJKddTsOyYvL2/dpEmT2g4ZMsR1ceZDugkB+fn5ysvLO+j4xEehnLswU6ZM0dSpU8s/7JtwcOGFF8aON4+BmVBiPlw7j26Zn1cUVsyH7+bNm8f2j6/lxRdfLL/bYz6IO4+BmdBgzu8EJhOiZs+erTPPPDP2Qf7KK68sryE+uDi1mTrMsWau5lezmUAR/3sHITGsOOOanzv1mN87oe2ZZ56JBSczl/i7U2afxHGrmoMJNs654gNl/HhO+DK9uPXWW2NzN2HIhCMznqnL/Or4VvaInuuLJsUHtG/fvnDt2rW3SHooxafmdJYJEFYsawjlIOBGgLDiRot9UyVAWEmVZObOU79+/Xk9e/Yc8OSTT9arThXmQ/X48eM1efLkCsNK4h2H+P1NoDCbuZvinGPdunWxMGH+q7/5cOzcSanoMbDEuzrxf21CSfwH//iwEv/n8bU7gcl8YI+/G2RqNHdsnCDlhBhnbjfddJPuvffeCu8uVTRuZeHB3FUxoch5dM4JQMcff/wBa0vMnyczh/h1RM7dkorCijE2c3d66NRnQtjcuXPLQ4yNj5ANGzasaOHChc9v3779F9W5fjnGXwKEFX/1i2oROECAsMIFkQkBwkom1FM65sAWLVrM+eSTTxrk5LheUx8rpLLHwJz/Cm8ewTIfrp01GfFhxXkUrHv37nrrrbdiwcQ5LpNhxcwr/k5G4l0fJ6w4c3fuRiSuO0m8s1LVnY5UhhVzZ8VZR2Tm4zyqF6SwYq6rESNGbCksLDTfsV2U0r8zOJmVAoQVK9tCUQgkJ0BYSc6JvVIrQFhJrafHZ2tdu3bt1UuXLs3p0qVLjYY+1AL7k08++YBv4orf1/kQbdZwmPUhzod+t4+BnX/++bFHsRIfA6vunRXzQd9s5pyJj2MlflOZCVcPPvigevXqFds/fnMbVg71GFj8uMncWTHfnObcpTEu119/vWbNmhUrz3nsLNnHwJzHw2y6s7Jx40adeuqp+4qLi3tIer1GFzAH+0aAsOKbVlEoAgcLEFa4KjIhQFjJhHpqxmzSpMnbY8eOPXvcuHEpOaH5AH3FFVeUnyv+a3grWmDvrG9x1kc460Di10Uks8DerDMpLCyMLQh3HnUyi/oTP9C7eQzMBCxn4bv5QgDzv2bNminxcSwz2UN9PbHbsGK+qjl+YX/iAnvnjk4yYaVJkyblX2pgFtM3aNBAffr0kTM3M5dkFtg763icR+O8/OayQ12Y5513XuGqVavukXRfSi5gTuILAcKKL9pEkQhULEBY4crIhABhJRPqNR8zKytrykUXXTTshRdeaFjzs2XuDM47Spz/8p+JSmxddJ4JC6/GHD9+fOnDDz+8bNu2bd29GpNx7BAgrNjRB6pAoFoChJVqsXFQDQUIKzUEzMzhvRo3bvzkxx9/fIS5W+DnLdNhxbmb5MXLHP3cp1TW/txzz2nAgAE7du/ebd6n8m0qz8257BcgrNjfIypEoFIBwgoXRyYECCuZUK/RmM3q1au3bsGCBY3MGgs2BPwkYN6Pc8opp3y/ffv2/pKe81Pt1JoaAcJKahw5CwIZEUhVWPns8081bMy1mnTbPTrrjLPL52JefnbXvbfrvQ/e05zp83RCqxPLf7ajcIdGjhumy3r/Qpf+/LIq52/2f/yPv9c1Vw1Vdb+BqMpBXO7w7vvv6PIremvgL6/U7TfdlfK6Fj3/jN7++1tJn9v0Ydkbr+q/fn2Ny5kcevdU2xNWUtqetJ8sLy/v5WuvvfbCyZMn10r7YAyAQIoFLrnkkp2vvPLK7JKSkltTfGpO5xMBwopPGkWZCFQkkKqwUlnwcELMx+vX6IF7Zx8QSswH/Ql333JQiKmsU7Memqlv/vl10h/cvei4qWn397v115WvHxTUvBg/fgwnGB515NG6fsiolA6fanvCSkrbk+6TjevYseMtb775Zm66B+L8CKRa4L777tO0adPe2bZt2zmpPjfn848AYcU/vaJSBA4SSFVYMSeu6AOtCSTPPPtnndruNH209sMDgoa5a2B+9sB9c9Qot1GV3Un1B+YqB6xiByeIjb/xNr3w8hKlIyS4qTGAYaW+JHOLaLobB/Y9SMC8wt38b181bLrk5OQsXb16de3Wrc0rKdgQ8I/A66+/rh49ehTt27evg6SN/qmcSlMtQFhJtSjnQ8BDgVSGFRNMZs2dcUD4MAHDbOed2/mAn1X0wdrsO/3Bf3+bpPNolTnePEo2/0+Px851Stv2sbsxxxzd/IA/Nz97+olnD3gMLf7Ojvl54uNazmNWJkzdMnHsAeePf2StopbEh63XVyyvMHg583RqT6yxqp8nPgbmPHbm1OPMZ2/R3tgjda+vfC32oy6dLijvQ+Ixjp8zv0MZJBonHlvdS7WKOysmpJjHNcZI2i+pTnXH4TgdIalQUrGkSZJmuAgtObm5uRvz8/ObJ74HBNeqBSr7ti+37xyp7OWZ8V9DXHU14dvD/LP1pJNO2rl58+ZhkuaHT4AZxwsQVrgeEPCxQCrDSuK6FeeDuFmTcmKr1rEP09cPHR0LE85jY85fJ941cX5+1pnnlD/SFL+PE2Di72YkPlbmfEh3Hj9z6jHHOutLzAf1kTcN15jrxsXGqWifitqbGLacuQ/5zbDyR90qCmTxNTpB4FBziA8rH328+oDH5hLPX9V4Tjgxju++93Z5mEnGINV3tSoJK05IMc+wmX+3DfYn9AAAIABJREFUmKByi6QHfPy3mA2l3ybpZkmlkqKSzDsmTGgxAabSrXHjxn/u16/fz+fMmVO9V9TbMHMLayCseNOU/v37716yZMmCXbt2XevNiIxiswBhxebuUBsCVQikMqw4H5bP+dGPYx/YzQf4mXN+q7vGT4k95mU+8B53bMvyn90xZbzuvHWyGjVqfECQcUpO/IAc/9fOnYTKFudX9khUYqCq6FG0ZNbSOEHIuZNTUcip6gsEqvq5cYgPKy++8pdDPjZX2d0qc574NSyJ80vGIM1hpUHZnRQnpNQuuwYKJDXhb+IaC5i7K+arWuuWnWl3WWiZIsnc+qwotAxp167dPWvWrAn8OhXnzoV5zM28BNFszlcKm7sXH3zwgZYuXaqxY8fqrLPOKn9honnho/n5tm3byt/sbl7O6ISRiy++WH/6059kXsj45Zdflh9nzmO2O++8U3v27Cl/iWT8iymdr1aeN2+efvWrX6lhw4YyL1k0L610NjP2G2+8oU2bNumll17SXXfdpdtuuy32ckjnDfTm5ZLjx4/X5MmT5bxMs8ZXkw9O8NBDD2nChAnrCwoKzNcUsyEQ+69fbAgg4FOBVIYVQ+A89mU+HCc+wpT4wbuib7lyPsA7jzPFP7ZVUXgxj41V9E1clQWBxA/0FX3bVjJhpbL1OYlfGOA82lbZt4VV9fP4+r76ekvsG9fMlxUkPu5m7KtasxL/mF3841zJGKQ5rDwtqbekw336t5Ffyy6S9JCkxG9jOEPSe+Yt8GecYX4b7M0JBs2bN4992DdhY+LEicrPz9eLL74YCwQmcJhg4bzN3nnTvfnZlClTNHXqVA0aNCgWJpywYNQef/zx2M9vvfVWOS+gdEJG4nEmWMyZM0c33nijnnnmGX322Wfl9Vx//fWaNWvWQWHFnN+cr27durEwY8Yw27Jly2LHmkfRnN8Hu4v/nt3777+vM8880/yB+b/3wzJv5nloAcIKVwgCPhZIdViJX7divmbYuZNiiMxdDeduyvMvPRtTc/6Lf/wHaeeD/cO/n3vAt39V9IHZeYTJaYHzOFfiY2bOz1MRVhIDVWL7nRqcP6+sxmR+nhgkEseODx2VPQZmvlrZbM6+2wu3H/A4mQVhpbI7K9sl5fn4by9bSk+8s/J92SNhFd5ZycvLWzdp0qS2Q4YMsaX+tNaRuCYk/q/ffffdA0LDo48+GrsjYu6gxN+1MKHGbOZuinMnY926dbGwMnTo0FigcI5z7ryMHDkyFnDMXRFnM3dX/vCHP8T2d8JPsmtWzDGJNZjw49xlSSuiRSdv37594dq1a83joyaIsyEQEyCscCEg4GOBVIcVJ5CMHDZGf1jwO40admP5u1WcD9OXdO8Z+/Ys8wiXWb9S2TtaDvUYWEXvWXFCgVmj0qVz1wrf4ZL4qFoyH9QT22uOeeh3cyr8yuXE9SAVHWvWyCR+jXNicHF+fqj3rDjBxRxrvlGtTk6d2BcOOGtgKrvTUtFjYIl3uRL3SfOdFeffI6xZSc8/S5w1K2a9ilm3UunjX/Xr15/Xs2fPAU8++WS99JRi31lTEVacR8G6d++ut956q/yuRlVhxdyFSXxE61D1JD4G5tx9MapOWDFfhmDOe9ppp+mFF14I1SNgw4YNK1q4cOHz27dv/4V9VxoVZVKAsJJJfcZGoIYCqQ4rzgfkevXq6+tvvipfr+KU6byX5ON1a2LrVcyi74q+Rcz5IH5s8xbli+GT+cDsPIZmXhwZ/8HdGb+iNStVfVCPJ67qUavEtSwVtSf+Ubmqfl7VSyHj71YlLtiv7O6SGf8vS5eUh61kAlsy9m4uRb4NzI1WjfZ1821gA1u0aDHnk08+aWDLS1drNPMkD3YeAzv//PNj60cSHwNzAoG5k1LRY2DmETGz3XHHHbH1Lbfffrs6deoUewSrqsfAzONhVY1r6nHzGJgZ2xxj6nIebUuSwte7mbA2YsSILYWFheY7ts0jjmwIlAsQVrgYEPCxQKrDiqFI/HapeJ6K3vhe0TdpOY+FxX8Fb1UL7BODSLLfBuYmrFR2F8iZY/xCe/OI27jbRsfuIJkvHDBb/PHON6RV9nNz16mqBfaH+oa0ihb9x3+NsbPuxcKw4nDynpXU/LMlmfestK5du/bqpUuX5nTp0iU1o/rkLE5YKSws1MKFCxW/0D3x64FNCOjXr18slDgL7J2F6yacmDsa5hjzZ/FfXZyuBfbffvtt7DEy878nnngiFrbM5szJWSfjk1ZUu8yNGzeqQ4cO+4qKinpIer3aJ+LAwAoQVgLbWiYWBoF0hJVD3V2o6CuJjXPiu0DMug+z3iX+cav4d6aYD9rOh31nMb45T+LjVYnvWaloPYmbsJLMHYb4x8ScbzqrrMaK1r/Ez6GiLykwj5E5W3yYi3d01qckjm/2N18Xbb4IwPma5WTCSqK9CVI12XiDfU30Un9skyZN3h47duzZ48aNS/3JLT9jED/Yx98dCsO3gJ133nmFq1atMl/J/e8XdVl+3VGetwKEFW+9GQ2BlAqkI6yktEBOFkgBwoo9bc3Kyppy0UUXDX/hhRfMFx2EbgtaWDF3dDp37nzAnZYgN3X8+PGl8+bNW1ZQUNA9yPNkbjUTIKzUzI+jEcioAGElo/yhHZywYk3rezVu3PjJjz/++IhmzZpZUxSFIJCMwHPPPacBAwbs2L17t3mfinmXEBsCFQoQVrgwEPCxAGHFx83zcemEFSua16xevXrrFixY0KhXr15WFEQRCCQrYNbrnHLKKd9v3769v6Tnkj2O/cIpQFgJZ9+ZdUAECCsBaaTPpkFYyXzDmjRp8vI111xz4eTJk2tlvhoqQMCdwCWXXPLdK6+8MqekpORWd0eydxgFCCth7DpzDowAYSUwrfTVRAgrGW/XuI4dO97y5ptv5ma8EgpAwKXAfffdp2nTpr2zbdu2c1weyu4hFSCshLTxTDsYAoSVYPTRb7MgrGS0Y12ys7OXfvTRR7VbtzavpGBLlYD56mLznhWzxX+1cfxXHjtjXXvttbF3odSpU6d8+MqOT1V9QTjP66+/rh49ehTt27evg6SNQZgTc0i/AGEl/caMgEDaBAgraaPlxIcQIKxk7PLIyc3N3Zifn9/ceSdHxioJ0MCJL5Y0U4t/74rzhvs777yzPJyY97G88cYbscBitlGjRpW/IDLx+DB8/XAyl4N5d9RJJ520c/PmzcMkzU/mGPZBwAgQVrgOEPCxAGHFx83zcemElcw0r3Hjxn/u16/fz+fMmZOTmQqCOaq5c/Loo48qPoyYmZo/b9KkiSoKKybgmLfeDxo0KIZyqOMJK/+6bvr37797yZIlC3bt2nVtMK8kZpUuAcJKumQ5LwIeCBBWPEBmiIMECCsZuSiGtGvX7p41a9awTiXF/Ilvuk88fWVhxjz2deGFF2rTpk367LPPdNttt6W4suCc7qGHHtKECRPWFxQUmK8pZkPAlQBhxRUXOyNglwBhxa5+hKUawornnT5D0nt///vfdeaZZ3o+eNAHNI98LVu2rNKwUVVYMT6HOj7oflXN7/3333eu2x+Z67iq/fk5AokChBWuCQR8LEBY8XHzfFw6YcXb5uXl5a2bNGlS2yFDhng7cEhGO1QYOeGEE3TWWWcd9JhXMo+BmTsv5viwry9q37594dq1a2+R9FBILimmmWIBwkqKQTkdAl4KEFa81GYsR4Cw4t21UL9+/Xk9e/Yc8OSTT9bzbtRwjcQC+/T1e9iwYUULFy58fvv27b9I3yicOegChJWgd5j5BVqAsBLo9lo7OcKKZ60Z0KJFi7nr169vEP8VuZ6NHqKBnMAyb9682KzdfnXxoY4PEeMBU12wYIGGDx++pbCwsI2kvWF1YN41FyCs1NyQMyCQMQHCSsboQz0wYcWT9reuXbv26qVLl+Z06dLFkwEZBIFUCWzcuFEdOnTYV1RU1EPS66k6L+cJpwBhJZx9Z9YBESCsBKSRPpsGYSX9DWvSpMnbY8eOPXvcuHHpH4wREEixwHnnnVe4atWqeyTdl+JTc7oQChBWQth0phwcAcJKcHrpp5kQVtLbraysrMndunUb8eKLLzZI70icHYHUC0yYMKH0oYceWlZQUNA99WfnjGEUIKyEsevMOTAChJXAtNJXEyGspLVdvRo1avTkunXrjmjWrFlaB+LkCKRa4LnnntOAAQMKd+/e3VbSt6k+P+cLpwBhJZx9Z9YBESCsBKSRPpsGYSVtDWtWr169dQsWLGjUq1evtA3CiRFIh8C3336rU0455fvt27f3l/RcOsbgnOEUIKyEs+/MOiAChJWANNJn0yCspKdhTZo0efmaa665cPLkybXSMwJnRSB9Apdccsl3r7zyypySkpJb0zcKZw6jAGEljF1nzoERIKwEppW+mghhJS3tGnfuuefe8tZbb+Wm5eycFIE0Ctx3332aNm3au9u2bTs7jcNw6pAKEFZC2nimHQwBwkow+ui3WRBWUt6xLtnZ2Us/+uij2q1bt075yTkhAukUeP3119WjR4/iffv2nSppYzrH4tzhFCCshLPvzDogAoSVgDTSZ9MgrKS0YTm5ubkb8/Pzmw8cODClJ+ZkCKRboKioSCeddNLOzZs3D5M0P93jcf5wChBWwtl3Zh0QAcJKQBrps2kQVlLXsMaNG/+5X79+P58zZ05O6s7KmRDwRqB///67lyxZsmDXrl3XejMio4RRgLASxq4z58AIEFYC00pfTYSwkrJ2DWnXrt09a9asYZ1Kykg5kVcCDz30kCZMmLC+oKDgZK/GZJxwChBWwtl3Zh0QAcJKQBrps2kQVlLTsNatW2/auHFjy9ScjbMg4K1A69atv9i4ceNlkt7zdmRGC5sAYSVsHWe+gRIgrASqnb6ZDGHFN62iUAQQQMD3AoQV37eQCYRZgLAS5u5nbu6ElczZMzICCCAQNgHCStg6znwDJUBYCVQ7fTMZwopvWkWhCCCAgO8FCCu+byETCLMAYSXM3c/c3AkrmbNnZAQQQCBsAoSVsHWc+QZKgLASqHb6ZjKEFd+0ikIRQAAB3wsQVnzfQiYQZgHCSpi7n7m5E1YyZ8/ICCCAQNgECCth6zjzDZQAYSVQ7fTNZAgrvmkVhSKAAAK+FyCs+L6FTCDMAk5YWfWX/9P2b3aEmYK5eyjQ+KhG6viz/5AJLcOmD+DfIx7aMxQCCCAQNgH+JRO2jjPfQAk4YSVQk2IyvhEgrPimVRSKAAII+FaAsOLb1lE4AtLvJ/7v53t27T0eCwQyIVC3fp1NV038z1aZGJsxEUAAAQTCIUBYCUefmSUCCBwsUF/SY5KulrQLIAQQQAABBBCwT4CwYl9PqAgBBLwRuEfSGEnTJd3izZCMggACCCCAAAJuBAgrbrTYFwEEgiJg7qpslZQtqVhSU+6uBKW1zAMBBBBAIEgChJUgdZO5IIBAsgLmrspoSbUl7ZM0g7srydKxHwIIIIAAAt4JEFa8s2YkBBCwQyD+ropTEXdX7OgNVSCAAAIIIHCAAGGFCwIBBMImEH9XxZk7d1fCdhUwXwQQQAABXwgQVnzRJopEAIEUCZi7KgWS9kvaI6lx2V/XlZQlKY+1KymS5jQIIIAAAgikQICwkgJEToEAAr4RMN/+NUnSzZIekBSVZP45OFLSVEkTyr4dzDcTolAEEEAAAQSCLEBYCXJ3mRsCCFQl4ISVqvbj5wgggAACCCCQAQHCSgbQGRIBBKwRIKxY0woKQQABBBBA4GABwgpXBQIIhFmAsBLm7jN3BBBAAAHrBQgr1reIAhFAII0ChJU04nJqBBBAAAEEaipAWKmpIMcjgICfBQgrfu4etSOAAAIIBF6AsBL4FjNBBBA4hABhhcsDAQQQQAABiwUIKxY3h9IQQCDtAoSVtBMzAAIIIIAAAtUXIKxU344jEUDA/wKEFf/3kBkggAACCARYgLAS4OYyNQQQqFKAsFIlETsggAACCCCQOQHCSubsGRkBBDIvQFjJfA+oAAEEEEAAgUoFCCtcHAggEGYBwkqYu8/cEUAAAQSsFyCsWN8iCkQAgTQKLJfUNY3n59QIIIAAAgggUAMBwkoN8DgUAQR8L8CdFd+3kAkggAACCARZgLAS5O4yNwQQqEqAsFKVED9HAAEEEEAggwKElQziMzQCCGRcgLCS8RZQAAIIIIAAApULEFa4OhBAIMwChJUwd5+5I4AAAghYL0BYsb5FFIgAAmkUIKykEZdTI4AAAgggUFMBwkpNBTkeAQT8LEBY8XP3qB0BBBBAIPAChJXAt5gJIoDAIQQIK1weCCCAAAIIWCxAWLG4OZSGAAJpFyCspJ2YARBAAAEEEKi+AGGl+nYciQAC/hcgrPi/h8wAAQQQQCDAAoSVADeXqSGAQJUCvMG+SiJ2QAABBBBAIHMChJXM2TMyAghkXoA7K5nvARUggAACCCBQqQBhhYsDAQTCLEBYCXP3mTsCCCCAgPUChBXrW0SBCCCQRgHCShpxOTUCCCCAAAI1FSCs1FSQ4xFAwM8ChBU/d4/aEUAAAQQCL0BYCXyLmSACCBxCgLDC5YEAAggggIDFAoQVi5tDaQggkHYBwkraiRkAAQQQQACB6gsQVqpvx5EIIOB/AcKK/3vIDBBAAAEEAixAWAlwc5kaAghUKUBYqZKIHRBAAAEEEMicAGElc/aMjAACmRcgrGS+B1SAAAIIIIBApQKEFS4OBBAIswBvsA9z95k7AggggID1AoQV61tEgQggkEYB7qykEZdTI4AAAgggUFMBwkpNBTkeAQT8LEBY8XP3qB0BBBBAIPAChJXAt5gJIoDAIQQIK1weCCCAAAIIWCxAWLG4OZSGAAJpFyCspJ2YARBAAAEEEKi+AGGl+nYciQAC/hcgrPi/h8wAAQQQQCDAAoSVADeXqSGAQJUChJUqidgBAQQQQACBzAkQVjJnz8gIIJB5AcJK5ntABQgggAACCFQqQFjh4kAAgTALEFbC3H3mjgACCCBgvQBhxfoWUSACCKRRgLCSRlxOjQACCCCAQE0FCCs1FeR4BBDwswBhxc/do3YEEEAAgcALEFYC32ImiAAChxAgrHB5IIAAAgggYLEAYcXi5lAaAgikXYCwknZiBkAAAQQQQKD6AoSV6ttxJAII+F+AsOL/HjIDBBBAAIEACxBWAtxcpoYAAlUKEFaqJGIHBBBAAAEEMidAWMmcPSMjgEDmBQgrme8BFSCAAAIIIFCpAGGFiwMBBMIsQFgJc/eZOwIIIICA9QKEFetbRIEIIJBGAcJKGnE5NQIIIIAAAjUVIKzUVJDjEUDAzwKEFT93j9oRQAABBAIvQFgJfIuZIAIIHEKAsMLlgQACCCCAgMUChBWLm0NpCCCQdgHCStqJGQABBBBAAIHqCxBWqm/HkQgg4H8Bwor/e8gMEEAAAQQCLEBYCXBzmRoCCFQpQFipkogdEEAAAQQQyJwAYSVz9oyMAAKZFyCsZL4HVIAAAggggEClAoQVLg4EEAizAGElzN1n7ggggAAC1gsQVqxvEQUigEAaBQgracTl1AhUITCgTZs2kzds2DBe0gK0EEAAgYoECCtcFwggEGYBwkqYu8/cMylwc15e3oS77rrriNtvv/37goKCSZKmZrIgxkYAATsFCCt29oWqEEDAGwHCijfOjIJAuUCDBg1+36pVqz6LFy/Obdmypb744gv16dOn8PPPP1+8c+fOq6BCAAEE4gUIK1wPCCAQZgHCSpi7z9y9Fsht2rTp8506dTrtmWeeqR+J/PsjSDQa1WWXXbZr5cqVH27duvXnkgq9Lo7xEEDATgHCip19oSoEEPBGgLDijTOjINChUaNGzw8ePPiYe++9N6syjptuuqnkkUce+WrHjh0msKyGDQEEECCscA0ggECYBQgrYe4+c/dKoGd2dvZTM2fOzBk6dGiVY86dO1ejRo0qKi4u7itpSZUHsAMCCARagLAS6PYyOQQQqEKAsMIlgkB6BYbm5OTMfOqpp7J79uyZ9EhLlixR3759i4uKikZJmpv0geyIAAKBEyCsBK6lTAgBBA4hMEaS+dahmyU9IMkJKyPLvologqTpCCKAQM0FsrOzpx199NGDn3322YYdOnRwfcLVq1erd+/e33399dePFBcXj3V9Ag5AAIFACBBWAtFGJoEAAkkK1JdUIKlE0h5JeZK2S6ojyTxHb/56V5LnYjcEEKhYIJKXl/fsqaee2nnRokW5ubm51XYqLCzUpZdeWvjRRx+tKCgo6F32HxiqfT4ORAAB/wkQVvzXMypGAIGaCdwjabSk2nGn2SdphqRbanZqjkYg9AIt8/Lynu/Tp8+Jjz76qPmPACnZBg0atHfx4sWfFhQUmIX3X6TkpJwEAQR8IUBY8UWbKBIBBFIoYO6ubJWUHXfOYklNuauSQmVOFUaBzvXr11986623Nr75ZvOkZWq3qVOnasqUKdt37drVR9KK1J6dsyGAgK0ChBVbO0NdCCCQToH4uyvcVUmnNOcOi8AASfPnz5+vAQPMb9OzLViwQAMHDjQnN/+3ID2jcFYEELBJgLBiUzeoBQEEvBKIv7vCXRWv1BknqAI35+XlTVi0aNERnTt3TvscV6xYYdaxfF9QUGC+LGNq2gdkAAQQyKgAYSWj/AyOAAIZFDB3V8y3g5lv/2KtSgYbwdD+FWjQoMHvW7Vq1Wfx4sW5LVu29GwiX3zxhfr06VP4+eefL965c+dVng3MQAgg4LkAYcVzcgZEAAFLBMzdlcckXc1aFUs6Qhl+Esht2rTp8506dTrtmWeeqR+JeP9xIhqN6rLLLtu1cuXKD7du3WoW3hf6CZBaEUAgOQHv/+mSXF3shQACSQi0adPm8w0bNhyfxK7sgkDKBdq0abNpw4YNrVJ+Yk5ou0CHRo0aPT948OBj7r33XvOV3xndbrrpppJHHnnkqx07dpjAsjqjxTA4AgikXICwknJSToiApwJR818X2RDIhEDZf03n3yOZwM/cmD2zs7OfmjlzZs7QoUMzV0XCyHPnztWoUaOKiouL+0paYk1hFIIAAjUW4F8yNSbkBAhkVCAWVrp27arXXnsto4UweHgELrjgAi1fvlyElfD0vGymQ3NycmY+9dRT2T179rRu8kuWLFHfvn2Li4qKRkmaa12BFIQAAtUSIKxUi42DELBGIBZWzIdG7rBY05PAF+Jcb4SVwLe6fILZ2dnTjj766MHPPvtsww4dOlg78dWrV6t3797fff31148UFxePtbZQCkMAgaQFCCtJU7EjAlYKEFasbEuwiyKsBLu/CbOL5OXlPXvqqad2XrRoUW5ubq71ky8sLDRfbVz40UcfrSgoKOgtiWdlre8aBSJQuQBhhasDAX8LEFb83T9fVk9Y8WXbqlN0y7y8vOf79Olz4qOPPlqnOifI5DGDBg3au3jx4k8LCgrMwvsvMlkLYyOAQPUFCCvVt+NIBGwQIKzY0IWQ1UBYCUXDO9evX3/xrbfe2vjmm2/27YSnTp2qKVOmbN+1a1cfSSt8OxEKRyDEAoSVEDefqQdCgLASiDb6axKEFX/1qxrVDpA0f/78+RowwPzW39uCBQs0cOBAMwnzfwv8PRuqRyB8AoSV8PWcGQdLgLASrH76YjaEFV+0qbpF3pyXlzd+0aJF9Tp37lzdc1h33IoVK8w6lt0FBQWTJU21rkAKQgCBSgUIK1wcCPhbgLDi7/75snrCii/bVmXRDRo0+H2rVq36LF68OLdly5ZV7u+3Hb744gv16dOn8PPPP1+8c+fOq/xWP/UiEFYBwkpYO8+8gyJAWAlKJ300D8KKj5qVXKm5TZs2fb5Tp06nPfPMM/XLvpI6uSN9tpf5ivfLLrts18qVKz/cunWrWXhf6LMpUO6BAs1bt269cuPGjcFL13Q6JtCmTZtNhBUuBgT8LUBY8Xf/fFk9YcWXbaus6A6NGjV6fvDgwcfce++9WYGa2SEmc9NNN5U88sgjX+3YscMEltVhmXfQ5lm3bt0HBw8efM39999fO2hzYz7SDTfcsO+RRx55mLDC1YCAvwUIK/7uny+rJ6z4sm0VFd0zOzv7qZkzZ+YMHTo0MJNKdiJz587VqFGjioqLi/tKWpLscexnjUBzSf/4xz/+oebNzW/ZgiSwZcsWHXvssWZKxxJWgtRZ5hJGAcJKGLue4TkTVjLcgNQMPzQnJ2fmU089ld2zZ8/UnNGHZ1myZIn69u1bXFRUNErSXB9OIbQlc1cl2K137qrs2bPnOsJKsHvN7IIvQFgJfo+tmyFhxbqWuCooOzt72tFHHz342WefbdihQwdXxwZx59WrV6t3797fff31148UFxePDeIcAzgn7qoEsKnOlOLvqkjaQlgJcLOZWigECCuhaLNdkySs2NUPF9VE8vLynj311FM7L1q0KDc3N9fFocHetbCw0Hy1ceFHH320oqCgoLekaLBn7O/ZcVfF3/2rqvr4uypmX8JKVWL8HAG7BQgrdvcnkNURVnzZ1pZ5eXnP9+nT58RHH320ji9n4EHRgwYN2rt48eJPCwoKzML7LzwYkiHcC3BXxb2Zb45IvKtCWPFN6ygUgUoFCCtcHJ4LEFY8J6/pgJ3r1au3ePz48Y1vvvnmmp4r8MdPnTpVU6ZM2b5r164+klYEfsI+myB3VXzWMJflJt5VIay4BGR3BCwUIKxY2JSgl0RY8VWHB0iaP3/+fA0YYH7LlozAggUL9P/bex8or64qz3fHTndBhErhD1zBuCQYMK4JJPPsfjPpodKrO7YmE0aqHzKaB+pkmlejFY02UQcaDCZEEpiYlNoxNS4aX2YUpnXRrCqErE5eG11avM6sp+lJIK+1IRIyMXQaflIpiFBORmbtX+pUDjf3V797f3X/nHPu57dWCFSde87en33r1vnevc85q1at0qb6x84k19CmEAJkVQrBXM4gcVkVxEo5sWBUCGRJALGSJU36SkQAsZIIkwuN1tU6LOjkAAAgAElEQVRqtQ2Dg4Mzuru7XbDHKxuGh4d1Hcvper2+WUS2eGV8oMaSVQk0sONuxWVVECthxxzvqkEAsVKNODvlJWLFqXDEGtPZ2fnQ/Pnze4aGhrrmzeNw73YjdvToUenp6Rk5cuTI0Ojo6M3t9sN1mRAgq5IJRjc7aZZVQay4GS+sgkAaAoiVNLRomwkBxEomGPPqpGvOnDl7lyxZctXu3btnaqz4TI3AuXPnZPny5af279//1PHjx3Xh/cjUeuTqdgiQVWmHmj/XNMuqIFb8iSGWQqAZAcQK90bhBBArhSNPOuDiWbNm7e3t7X3L1q1bL0x6Ee2SEVi7du0r27Zte+HkyZMqWA4ku4pWGREgq5IRSBe7mSyrglhxMWLYBIF0BBAr6XjROgMCiJUMIGbfxdKOjo5d/f390/r6+rLvnR4bBAYGBmTNmjVnx8bGVojIPrAUQ4CsSjGcyxplsqwKYqWsqDAuBLIjgFjJjiU9JSSAWEkIqrhmfdOmTevftWtXx9KlS4sbtaIj7du3T1asWDF29uzZNapfKoqhSLfJqhRJu+CxWmVVECsFB4ThIJADAcRKDlDpcnICiBV37pCOjo57586d27tnz56LFy9e7I5hgVty4MABWbZs2UvHjh3bNjY29tnA3S3VPbIqpeLPffBWWRXESu4hYAAI5E4AsZI7YgaIEkCsOHFPXFCr1fYsWrSoe3BwsKurq8sJo6pkxMjIiG5tPHLw4MHher2+TETOVcn/gnwlq1IQ6DKGSZJVQayUERnGhEC2BBAr2fKktwQEECsJIOXbZF6tVtvb09Nz+fbt26fnOxS9tyKwevXqM0NDQ8/U63VdeH+0VXu+n5wAWZXkrHxsmSSrgljxMbLYDIHzCSBWuCMKJ4BYKRy5PWD3jBkzhjZs2PCmdevWlWoIg79GYMuWLbJ58+ZfnD59ukdEhmGTCQGyKplgdLOTpFkVxIqb8cMqCKQhgFhJQ4u2mRBArGSCsZ1OVorIjh07dsjKlfpXPi4R2Llzp6xatUpN0j92umSbj7aQVfExasltTppVQawkZ0pLCLhKALHiamQCtguxUkpw19VqtQ2Dg4Mzuru7SzGAQVsTGB4e1nUsp+v1+mYR2dL6Clo0IZAqq/LTn/5UPvjBD8qTTz7Z6O6b3/ymEY6pAO/fv1++8Y1vSH9/v0yf/lqFpfa/fft2ufPOO8/7ut35mTNn5POf/7ysXr1arrjiithxtZ+HH35Yt79uapex4e6775b169fLhz/8YVmyZElLPwyDSy65RN9oSK1Wa3lNWQ3SZFUQK2VFiXEhkB0BxEp2LOkpIQHESkJQGTXr7Ox8aP78+T1DQ0Nd8+bNy6hXusmLwNGjR6Wnp2fkyJEjQ6OjozfnNU7I/abJqujk/q677pqYoKtoUDFw7bXXtiVY4rhmJVbU1scee0xuv/32luEzfiQVKypQ9DOe3WvZf5kN0mRVECtlRoqxIZANAcRKNhzpJQUBxEoKWFNr2jVnzpy9S5YsuWr37t0zlTsfPwicO3dOli9ffmr//v1PHT9+XBfej/hhuRNWpsqqqFC57rrrzss+1Ot1OXHiRCPDoX/XCfwjjzwiV199tXzrW99qOGlnSowYueGGG+Tb3/52I7Py3HPPTWRrPvvZV3enjmZWjKD42te+JjfddJNcfPHFDaGk46pdGzdubFynmR7t29ixadOmhmCx23z0ox9tjPvEE080sjt2ZuWd73zn63ywszcqgkzG9etf/7r83d/9XWPcRx99dMJfk3m6/vrrG8JOPxs2bGjYetttt4l+XW36+Mc/3shQaZYwSUYn7R2TNquCWElLmPYQcI8AYsW9mARvEWKlkBAvnjVr1t7e3t63bN269cJCRmSQzAmsXbv2lW3btr1w8uRJFSwHMh8gwA7TZFVUiHziE5+QO+64I7b0KpqdMFkYFSpf/vKXJ0q2jOBRnFGhoBN2ndz/8Ic/fF15mH79Zz/7WWOSr4Lnk5/8pHzlK1+RH/3oR43ImCyHipAbb7yxIaBMZiVacjaZDc8+++xEf82yM0aALF++/LzMUpSR8UVt1pI1zdyonTq+CglbMEXL4bK43dJmVRArWVCnDwiUSwCxUi7/So6OWMk97Es7Ojp29ff3T+vr68t9MAbIl8DAwIBOHs+OjY2tEJF9+Y7mfe+psiqt1onoRF2zB5s3b26s4bDbG0GhGQ/T5ic/+UlDrOjPnU7qTSYlrgwsOrb9b83OmKyKiYhmVy677LLzysCia200mxEnmPRrJnPSLOMRFSumfCxqu2Hy6U9/umGjEXp2GVmSsrd27rR2siqIlXZIcw0E3CIQvFhp9kYrizDYb8Wy6C+vPvJk0I7NiJV2qCW+pm/atGn9u3bt6li6dGnii2joNoF9+/bJihUrxs6ePasrqwfctrY869JkVYyVcWVgOtnWSbiWW913332xYkWv1wzLe97zHnn88ccb2RGT7chCrERL03Q8OysSXWvTKrtjrlfRYkq57EX0PoiVdrIqiJXyfh4ZGQJZEWhLrOhD7UMf+tCEDfqQ/sd//EfRutu4j3mTY9fnarvJalpNLa6pEW62O4pds2va/uAHP9B6b9G3XPpgNrW89u4sUwVoGJjaYbs/u/43Ok4rf6Zqlw/XI1ZSRWmmiJxKckVHR8e9c+fO7d2zZ8/FixcvTnIJbTwicODAAVm2bNlLx44d2zY2NvbqIohkn2tE5PFkTb1ulSqrYjydbIG9KYkyWQa77UUXXdTYvUvXZ2iGQcu9mu3E1U4ZmCkbUzt1HYvaoB9TBmZnMsy6GrPwPlqKZpeBRbNFhkMzsTJZGdhnPvOZwjIr7WZVECte/0xjPAQaBNoSK3qh/XA0i+jiHshGTNjCZLKJvvZtUtvXXHPN62p8TdzM+JoWN3WxRgzpWy5dBKkCJ8+swmSZlWY7sQwNDYkudmwmvrK4L7dt29YQa65uPYlYSRxlnXx9X0R2icjdk4iWC2q12p5FixZ1Dw4OdnV1dSUeoMyG+mx4+9vfft7uQ/bLB2Ob2Ua2VWmJfW3cm+Oor+1u8Voms5GREd3aeOTgwYPD9Xp9mT7DJ7HnX4qInvypYuVfiMiPy7Q977HbyarYgsXe0tveujhugb15fkeFjr2OJOsF9rouxPxufP/73y+33HLLxKJ5vd/1vze/+c2NUrGoWHnXu97VEDzmhWLci8JmYsX+nazCzF5gb6/3ybsMrN2sCmIl7588+odA/gQyFStxe8ybB71ZhKcumVT2X/7lX06ICttVndBrm9HR0VixYoSAXhO3gM8WBK6JlbxDGv3lmfd47fSPWElF7Xsicq2IvKK3e4xomVer1fb29PRcvn379tcOdkg1RPGN9bmwdetWmTt3rnzsYx+bOHsiWpJjv9VVK+POqojbajbJz4GPYsVEavXq1WeGhoaeqdfruvD+aCSCeqjkn4qI7lM9TQ8CFRFft0C+T0SeEpH/1OIubSurUvydz4jtEJhKVgWx0g5xroGAWwRyFysmi2K/ydFJwi9/+UtRsXLppZeet2e8Tk52794tmmKP2z3Ffsuj20G22hN+smyP9mVKxNQesy2k2mpv9Wjbbt7e6nX6turFF1+M3fM+mlkxfvX29p63FWazsYzdOpG7+eabX7cVpL2w0pSW6YJPuzzPvB1Um/VjSgTiFmVGs2PNxs3i9kWspKL4z0REBctFIvKr8TfpRrRcPWPGjKENGza8ad06fYHuz8e8hVWL9U2wuf/i1g+Yr82ePTtWrDTLuOjX9Rp9lthvlU3pps9iRblt2bJF11L84vTp0z36DkhEPi4i68cFyqzxu0EzL28XkVe3g/Lvo369S0R+Mp4leiTOhalkVfxDUj2Lp5JVQaxU737B4/AIZC5Woqdjx5Vj6CTBfHRPdlOypV8zWRGdeDcTK2ZNSJJ93KNixS7dimZojGDRSb1OnqKlbnZfJsWv6fi4A7qi63PUN3t9S7Rv+99aX2xEhxFTKuAMDx3bbHFp9uO3t4y0DziLltxF649tlq3GzWrNT0SshPdTlb1H/1NEfsPq9n+IyJ6FCxf+9nvf+97LHnjggexHzLFH/dn44he/2Chj0a1Y7WxJO5mVVhtdRH/mzSnhOnbcNrM5up5511qG8+ijjz576NAhXZPyf4hIR2QQPZ/lv4nI2Rz/G8vcsdc6VLH+mIi8UUROj4syPRHx/7PGJKuSYwDK7nqqWRXEStkRZHwITJ1A5mJFf/nbpVlmsmzXABuxYupoTXZFJ9IPPvig6KI9e3IenSTHZWuaobAFhoqR6J769t72+hZWsytxYkUzLdFr06xZsTMrautkYiVuX37bD2Vj9uaP+h1X/mJnVuJsjn7fFol5lNGRWUn1gxtcZsXe0Si6fWs7a1aSnOptb3phMpG+i5VIZuUZEbljvNzrt6w7TL/+f41nW7QkLI//dLw8xdA949kV45aOtUdEvqBnz5BVSfU88a7xVLMqiBXvQo7BEHgdgdzFio6oExCdLOjEVxd9G7Fidk8x2RWdPOhnskO09PvtZlaiGYmoaDClX3FiRYWMnc3Qa9OIlSj5qYgVfSsdXZhs+m8lVqIlYcYPI1CiIhGxUvpTI7g1K3GCxD6RO27LVo3CZOVecWtZzAJ+vdbeWSmEzMoka1auHJ/Ev2c8GzEqIu8Xkb/O8U5+Q04iyAirfyoiumvEb1o+qGBRnz4mIs8///zzjZJiPmERyCKrglgJ657Am2oSKEys2IvpbbFiJu1XXXWVLFiwoLE9o2ZSJpskt1pgb/cfzaxo5sRe7G+XRU2WWXFJrEw1s6LZLyMco6IrrmyuWTleuz8yZFYSkwtuN7A4wWFvpaqZ1bRipdUCe7tPO5PqY2YlxW5g3SKiGYn/XXWeiFyd+K5zq+ElKkasMsiTIqJlZ7o73lcvuuiiL/f29v67L33pS3Y2yS0PsKZtAllkVRArbePnQgg4QyBTsRInMEwWxF6voe3sRbVxpWKt3ug32944WhIS7UffttrCyc6ORHcuM3ZptL773e+KniqsHy1zsxfkx521Ere1sx31ycbStTi6fqRZOZZZL/PVr351YmGy2a5Yz5ZRH//8z/9cfvzjH0tPT0/j3/rRjJG99aX+u9ke+qaUr1Uc2rmTESupqAV1zkrcAnojmPX/Wt6YVqzoddE1YvZaOXtDCV0D1tnZ2fi50I9Pa1baPGdFtzfWLMutqe46dxr/RxFZPV5m9ty4SNHdzfTjxFqVVmum3EGZ3JI4n+LOD7M3qNmwYcPE4ZnJR2reMqusCmIli2jQBwTKJdCWWLEn8WYSPNmhkGYyH51QmK/bb1a1P7Mrl/59skMU7f3vDcaoKIouVNesjV2GEj0w0vbt/vvvl0ceeeR1a1j0a2Zf+9OnT79ugX30od7sUMpmY0UXuuvaHu1DP6avJ554onHgpfmYzQYMk3/4h39obFygAksPLNOPYdNsNzDbHrPbWXTcLBbZI1Zy/aHnBPtc8ZbTeUVPsNeSNt04QDcI0CzRwzZ91qrkcy+aDTC0d90Ew5zXFbc2zJRa3nDDDZK1WMkqq4JYyec+oVcIFEmgLbFSpIGMFR4BxEruMV3a0dGxq7+/f1pfX1/ugzFAvgQGBgZ06+WzY2NjK0RkX76jOde7HmipgiX6ySyrEp2Em3/rRi+TbXmtL5V0faWuHzQbntgvfOyXcfbmLPZ49oszexMa29m4PrUP3TlTzyLTgx7tF2LNbFAxoR9tP9lLQGOfZjjVR3M8QJxYMV9TUWOLlSR+TXanZZlVQaw49zONQRBITQCxkhoZF0yVAGJlqgQTXb941qxZe3t7e9+ydevWCxNdQSPnCKxdu/aVbdu2vXDy5Ek9/PGAcwaWZFCWWRU7s69n8pgNGHT7fCNC7F3rdK1TdHt4U75odsNULCp0rr32WtGsQ5xY+cAHPjCxbbeWFcdlJsxZQFqWa/epZdT2tv8mw6Fff+yxxyay/abk2mweY9ZrTla6pmPdeOONjTOKbJuSZlbs7cib+dXqtskyq4JYaUWb70PAfQKIFfdjFJyFiJXCQto1Z86cvUuWLLlq9+7dM5U7Hz8InDt3TpYvX35q//79Tx0/flyFip6XwudVApllVQzQZgePTrbltb2uT8WKZlj0E81EaNYhTqzo103Jc9y6R+1LRUVcn5r1sEWJERJqg30wsF6rfTezIXpGWHQDDHuNWdI1K8ZeLZdu5tdkN3LWWRXECo8NCPhPALHifwy98wCxUmzIOjs7H5o/f37P0NBQ17x584odnNFSEzh69KhuADBy5MiRodHR0ZtTdxD4BVlmVQwqe7JvJtv25iL6teiW11MVK0Yo2GsvowcdtyNWbHFj/Is7DNgWO6ZddD2qft1eJxl3jbaxs1Nmjctkfk12i2adVUGsBP5AwL1KEECsVCLMbjmJWCklHutqtdqGwcHBGfbGDKVYwqBNCehk9Y/+6I9O1+v1zSKyBVSvI5B5VsVMtjX7oRmtO++8U6644opGqZfZmS5uy+uoWNG2cWVgy5cvb5SEaQmWrnExuzPaZWBm45foTniTlYHZpWh2GVjc15uVotmZlTjBES1/SyJW7DKwZn41u6/zyKogVniKQMB/AogV/2PonQeIldJCtvLVypIdsnKl/pWPSwR27txpSohWichOl2xzxZY8sip2VsHeLr7VltdRsaIT/7jF7dq/XUKlC9xffvnlhoBp1t7m3WyBvZZYvfjii/Lkk0+eV26VdpG/7b/+3ZSxma/bC+6TiBXNrCTxK+6eyiOrglhx5acXOyDQPgHESvvsuLJNAoiVNsFlc1n3jBkzhjZs2PCmdevWZdMjvUyZwJYtW/SMil+cPn1aD4AZnnKHYXaQS1bFR1R2xiWL7eRdYJBXVgWx4kJ0sQECUyOAWJkaP65ugwBipQ1o2V4yr1ar7e3p6bl8+/bt07Ptmt7SEli9evWZoaGhZ+r1ui6kP5r2+qq0zzOr4hvDEMVKXlkVxIpvdzf2QuD1BBAr3BWFE0CsFI48bsALarXankWLFnUPDg52dXV1OWFUlYwYGRnR9SkjBw8eHK7X63rS/Lkq+Z/SV7IqKYH51DzPrApixac7AVshEE8AscKdUTgBxErhyJsO2NHRce/cuXN79+zZc/HixYvdMSxwSw4cOCDLli176dixY9vGxsY+G7i7U3aPrMqUETrdQZ5ZFcSK06HHOAgkIoBYSYSJRlkSQKxkSTOTvvqmTZvWv2vXro6lS5dm0iGdNCewb98+WbFixdjZs2fXiMgArFoSIKvSEpG/DfLOqiBW/L03sBwChgBihXuhcAKIlcKRJxlwaUdHx67+/v5pfX19SdrTpg0CAwMDugvU2bGxsRUisq+NLip3CVmVsEOed1YFsRL2/YN31SCAWKlGnJ3yErHiVDhsYxbPmjVrb29v71u2bt16obNWemrY2rVrX9m2bdsLJ0+e1IX0Bzx1o2izyaoUTbzA8YrIqiBWCgwoQ0EgJwKIlZzA0m1zAogVp++Orjlz5uxdsmTJVbt3756pseIzNQJ60ODy5ctP7d+//6njx4+rUBmZWo/VuZqsStixLiKrglgJ+x7Cu2oQQKxUI85OeYlYcSocscZ0dnY+NH/+/J6hoaGuefPmuW+woxYePXpUenp6Ro4cOTI0Ojp6s6NmumoWWRVXI5OBXUVlVRArGQSLLiBQMgHESskBqOLwiBVvor6uVqttGBwcnNHd3e2N0a4YOjw8rFsTn67X65tFZIsrdvliB1kVXyLVnp1FZVUQK+3Fh6sg4BIBxIpL0aiILYgVrwK9UkR27NixQ1au1L/ySUJg586dsmrVKm2qf+xMcg1tziNAViXgG6LIrApiJeAbCdcqQwCxUplQu+MoYsWdWCS0pHvmzJlD69evf9O6desSXlLdZlu2bJHNmzf/4vTp0z0iMlxdEu17TlalfXY+XFlkVgWx4sMdgY0QmJwAYoU7pHACiJXCkWcx4Lxarba3p6fn8u3bt0/PosMQ+1i9evWZoaGhZ+r1ui6kPxqijwX4RFalAMhlDVF0VgWxUlakGRcC2RFArGTHkp4SEkCsJATlXrMLarXankWLFnUPDg52dXV1uWdhSRaNjIzo+pSRgwcPDtfr9WUicq4kU7wflqyK9yGc1IGisyqIlbDvJ7yrBgHESjXi7JSXiBWnwpHamI6Ojnvnzp3bu2fPnosXL16c+vrQLjhw4IAsW7bspWPHjm0bGxv7bGj+FewPWZWCgRc5XBlZFcRKkRFmLAjkQwCxkg9Xep2EAGIliNujb9q0af27du3qWLp0aRAOtePEvn37ZMWKFWNnz55dIyID7fTBNa8RIKsS9t1QRlYFsRL2PYV31SCAWKlGnJ3yErHiVDimYszSjo6OXf39/dP6+vqm0o+X1w4MDMiaNWvOjo2NrRCRfV464ZbRZFXcikem1pSVVUGsZBpGOoNAKQQQK6Vgr/agiJWg4r941qxZe3t7e9+ydevWC4PybBJn1q5d+8q2bdteOHnypC6kP1AVv/P0k6xKnnTL77usrApipfzYYwEEpkoAsTJVglyfmgBiJTUy1y/omjNnzt4lS5ZctXv37pka31A/586dk+XLl5/av3//U8ePH1ehMhKqrwX7NXPBggUHDh8+PK/gcRmuIAILFiw4evjw4SUi8vOChpwYJtwnUtEkGQ8C5RBArJTDvdKjIlbCDH9nZ+dD8+fP7xkaGuqaNy+8OefRo0elp6dn5MiRI0Ojo6M3hxlFvIJAeAQQK+HFFI+qRQCxUq14O+EtYsWJMORlxLparbZhcHBwRnd3d15jFN7v8PCwbk18ul6vbxaRLYUbwIAQgEDbBBArbaPjQgg4QQCx4kQYqmUEYiX4eK8UkR07duyQlSv1r35/du7cKatWrVIn9I+dfnuD9RCoHgHESvVijsdhEUCshBVPL7xBrHgRpqka2T1z5syh9evXv2ndunVT7au067ds2SJ33333L06dOtUjIsOlGcLAEIBA2wQQK22j40IIOEEAseJEGKplBGKlMvGeV6vV9vb09Fy+ffv26b55vXr16jNDQ0PP1Ot1XUh/1Df7sRcCEHiVAGKFOwECfhNArPgdPy+tR6x4GbZ2jb6gVqvtWbRoUffg4GBXV1dXu/0Udt3IyIiuTxk5ePDgcL1eXyYi5wobnIEgAIHMCSBWMkdKhxAolABipVDcDNZ4y3XBBaJbwI5vccvvkQrcFh0dHffOnTu3d8+ePRcvXrzYWY8PHDggy5Yte+nYsWPbxsbGPuusoRgGAQgkJsAvmcSoaAgBJwk0xMof/MEfyPe//30nDcSo8Aj8/u//vnzve99DrIQX2lYe9U2bNq1/165dHUuXLm3VtvDv79u3T1asWDF29uzZNSIyULgBDAgBCORCALGSC1Y6hUBhBBpihQ8EyiBAZqUM6qWPubSjo2NXf3//tL6+vtKNMQYMDAzImjVrzo6Nja0QkX3OGIYhEIDAlAkgVqaMkA4gUB6BhQsXHjl06NBl5VnAyFUmsHDhwmcPHTo0v8oMKur74lmzZu3t7e19y9atWy8sm8HatWtf2bZt2wsnT57UhfQHyraH8SEAgWwJIFay5UlvEIAABCAAgSoQ6JozZ87eJUuWXLV79+6Z41m2Qv3WrPLy5ctP7d+//6njx4+rUBkp1AAGgwAECiGAWCkEM4NAAAIQgAAEwiPQ2dn50Pz583uGhoa65s2bV5iDR48elZ6enpEjR44MjY6O3lzYwAwEAQgUTgCxUjhyBoQABCAAAQgERWBdrVb73ODg4Bu7u7tzd2x4eFi3Jn65Xq9/QUS25D4gA0AAAqUSQKyUip/BIQABCEAAAkEQWCkiO3bs2CErV+pf8/ns3LlTVq1apZ3rHzvzGYVeIQABlwggVlyKBrZAAAIQgAAE/CXQPXPmzKH169e/ad26dZl7sWXLFrn77rt/cerUqR4RGc58ADqEAAScJIBYcTIsGAUBCEAAAhDwksC8Wq22t6en5/Lt27dPz8qD1atXnxkaGnqmXq/rQvqjWfVLPxCAgPsEECvuxwgLIQABCEAAAj4RuKBWq+1ZtGhR9+DgYFdXV1fbto+MjOj6lJGDBw8O1+v1ZSLCwVJt0+RCCPhJALHiZ9ywGgIQgAAEIOA0gY6Ojnvnzp3bu2fPnosXL16c2tYDBw7IsmXLXjp27Ni2sbGxz6bugAsgAIEgCCBWgggjTkAAAhCAAAScJNA3bdq0/l27dnUsXbo0sYH79u2TFStWjJ09e3aNiAwkvpCGEIBAcAQQK8GFFIcgAAEIQAACThFY2tHRsau/v39aX19fS8MGBgZkzZo1Z8fGxlaIyL6WF9AAAhAImgBiJejw4hwEIAABCEDACQKLZ82atbe3t/ctW7duvbCZRWvXrn1l27ZtL5w8eVIX0h9wwnKMgAAESiWAWCkVP4NDAAIQgAAEKkOga86cOXuXLFly1e7du2decMFrU5Bz587J8uXLT+3fv/+p48ePq1AZqQwVHIUABCYlgFjhBoEABCAAAQhAoDACnZ2dD82fP79naGioa968eXL06FHp6ekZOXLkyNDo6OjNhRnCQBCAgBcEECtehAkjIQABCEAAAkERWFer1T63adOmN27cuPHler3+BRHZEpSHOAMBCGRCALGSCUY6gQAEIAABCEAgJYGVCxcu3Hzo0KENIrIz5bU0hwAEKkIAsVKRQOMmBCAAAQhAwGECKlY2ishhh23ENAhAoAQCiJUSoDMkBCAAAQhAAAITBP5YRB4UkSER+SBcIAABCNgEECvcDxCAAAQgAAEIlEngJyJyhYicEZHrROTxMo1hbAhAwC0CiBW34oE1EIAABCAAgSoReJ+I7BCRmeNOf1dE/rBKAPAVAhCYnABihTsEAhCAAAQgAIGyCAyLyBJr8NMiskpE9pRlEONCAAJuEUCsuBUPrIEABCAAAd8Q3u4AACAASURBVAhUhcA1IvL/iMiMiMN/JyL/pCoQ8BMCECCzwj0AAQhAAAIQgIB7BP5SRJaLyK9E5KXxU+svEZELReTTIjLgnslYBAEIFE2AzErRxBkPAhCAAAQgAIHLReQpEfm+iKwd37b42yLyvIj8BxE5xs5g3CQQgIASQKxwH0AAAhCAAAQgUAaBPxCR740P/J9ERBfX/+cyDGFMCEDAXQKIFXdjg2UQgAAEIACBqhD4jyLytyLytao4jJ8QgEAyAoiVZJxoBQEIQAACEIBAfgTuF5H/LiL9+Q1BzxCAgI8EECs+Rg2bIQABCEAAAmER2CwiL4vI3WG5hTcQgMBUCSBWpkqQ6yEAAQhAAAIQmCqBDSIyXUQ+N9WOuB4CEAiLAGIlrHjiDQQgAAEIQMBHAreJyKXjWxb7aD82QwACORFArOQElm4hAAEIQAACEEhM4GMicrWI9CW+goYQgEAlCCBWKhFmnIQABCAAAQg4TeDfiIhuZXyz01ZiHAQgUDgBxErhyBkQAhCAAAQgAIEIgX8tIvrfByADAQhAwCaAWOF+gAAEIAABCECgbAL/SkQ+KiLvK9sQxocABNwigFhxKx5YAwEIQAACEKgigetEZL2I/GEVncdnCECgOQHECncHBCAAAQhAAAJlE/hdEblPRP5F2YYwPgQg4BYBxIpb8cAaCEAAAhCAQBUJ6E5gD4nI/1ZF5/EZAhAgs8I9AAEIQAACEICAuwTeISLfEZEr3DURyyAAgTIIkFkpgzpjQgACEIAABCBgE3iriPy/IvI2sEAAAhCwCSBWuB8gAAEIQAACECibQE1Efiois8s2hPEhAAG3CCBW3IoH1kAAAhCAAASqSOAiETkuIm+sovP4DAEINCeAWOHugAAEqk7geyLy+1WH4KH/3yduHkZtcpM1prqF8bngPMMhCECgbQKIlbbRcSEEIBAIAZ0Y8SwMJJi4AQEIQAACYRHgF3RY8cQbCEAgPQHESnpmXAEBCEAAAhAohABipRDMDAIBCDhMALHicHAwDQIQgAAEqk0AsVLt+OM9BCDwan08z0LuBAhAAAIQgICDBPgF7WBQMAkCECiUAGKlUNwMBgEIQAACEEhOALGSnBUtIQCBMAkgVsKMK15BAAIQgEAABBArAQQRFyAAgSkRQKxMCR8XQwACEIAABPIjgFjJjy09QwACfhBArPgRJ6yEAAQgAIEKEkCsVDDouAwBCJxHALHCDQEBCEAAAhBwlABixdHAYBYEIFAYAcRKYagZCAIQgAAEIJCOAGIlHS9aQwAC4RFArIQXUzyCAAQgAIFACCBWAgkkbkAAAm0TQKy0jY4LIQABCEAAAvkSQKzky5feIQAB9wkgVtyPERZCAAIQgEBFCSBWKhp43IYABCYIIFa4GSAAAQhAAAKOEkCsOBoYzIIABAojgFgpDDUDQQACEIAABNIRQKyk40VrCEAgPAKIlfBiikcQgAAEIBAIAcRKIIHEDQhAoG0CiJW20XEhBCAAAQhAIF8CiJV8+dI7BCDgPgHEivsxwkIIQAACEKgoAcRKRQOP2xCAwAQBxAo3AwQgAAEIQMBRAogVRwODWRCAQGEEECuFoWYgCEAAAhCAQDoCiJV0vGgNAQj4T+DTIvIFEVknIl8WESNWPiUiW0TkcyJyn/9u4gEEIAABCEDAfwKIFf9jiAcQgEA6AjNFpC4ir4jIL0WkJiK/EJHpInLh+L9PpeuS1hCAAAQgAAEI5EEAsZIHVfqEAARcJ3CPiNwmIr9lGforEblfRP7UdeOxDwIQgAAEIFAVAoiVqkQaPyEAAZuAZleOi0iH9cUxEZkjImRVuFcgAAEIQAACjhBArDgSCMyAAAQKJ2BnV8iqFI6fASEAAQhAAAKtCSBWWjOiBQQgECYBO7tCViXMGOMVBCAAAQh4TgCx4nkAMR8CEJgSAc2u6O5guvsXa1WmhJKLIQABCEAAAtkTQKxkz5QeIQABfwhoduX/FpF/y1oVf4KGpRCAAAQgUB0CiJXwY32HiHw+fDfxEAIQgAAEIOAUgTtFRH8H84EABKZAALEyBXgeXcoJ3R4FC1MhAAEIQAACEIAABF4lgFipxp2AWKlGnPEyHYF/LyKd4yfWp7uS1hCAAAQmJ8DzhTsEAhkRQKxkBNLxbhArjgcI80ohoJMJPb1+bSmjMygEIBAyAZ4vIUcX3wolgFgpFHcpg2mMf00WrRT2DOo2ASYTbscH6yDgMwGeLz5HD9udIoBYcSocuRijMf6fIvKGXHqnUwj4S4DJhL+xw3IIuE6A54vrEcI+bwggVrwJVduGIlbaRseFgRNgMhF4gHEPAiUS4PlSInyGDosAYiWseMZ5g1gJP8Z42B4BJhPtceMqCECgNQGeL60Z0QICiQggVhJh8roRYsXr8GF8jgSYTOQIl64hUHECPF8qfgPgfnYEECvZsXS1J8SKq5HBrrIJ6C5gs0RkXdmGMD4EIBAcAZ4vwYUUh8oigFgpi3xx4yJWimPNSH4RYDLhV7ywFgI+EeD54lO0sNVpAogVp8OTiXG6C9gr7AaWCUs6CYsAk4mw4ok3EHCJAM8Xl6KBLV4TQKx4Hb5ExqtY+R8i8huJWtMIAtUhwGSiOrHGUwgUTYDnS9HEGS9YAoiVYEM74RhiJfwY42F7BJhMtMeNqyAAgdYEeL60ZkQLCCQigFhJhMnrRogVr8OH8TkSYDKRI1y6hkDFCfB8qfgNgPvZEUCsZMfS1Z4QK65GBrvKJsBkouwIMD4EwiXA8yXc2OJZwQQQKwUDL2E4xEoJ0BnSCwJMJrwIE0ZCwEsCPF+8DBtGu0gAseJiVLK1CbGSLU96C4eAnq9ysYj8aTgu4QkEIOAIAZ4vjgQCM/wngFjxP4atPNBdwH7FbmCtMPH9ChJgMlHBoOMyBAoiwPOlINAMEz4BxEr4MVaxMiYiF4bvKh5CIBUBJhOpcNEYAhBIQYDnSwpYNIXAZAQQK+HfH4iV8GOMh+0RYDLRHjeuggAEWhPg+dKaES0gkIgAYiURJq8bIVa8Dh/G50iAyUSOcOkaAhUnwPOl4jcA7mdHALGSHUtXe0KsuBoZ7CqbAJOJsiPA+BAIlwDPl3Bji2cFE0CsFAy8hOEQKyVAZ0gvCDCZ8CJMGAkBLwnwfPEybBjtIgHEiotRydYmxEq2POktHAK6ZfFMEVkfjkt4AgEIOEKA54sjgcAM/wkgVvyPYSsPECutCPH9qhJgMlHVyOM3BPInwPMlf8aMUBECiJXwA61bFp8Rkd8M31U8hEAqAkwmUuGiMQQgkIIAz5cUsGgKgckIIFbCvz8QK+HHGA/bI8Bkoj1uXAUBCLQmwPOlNSNaQCARAcRKIkxeN0KseB0+jM+RAJOJHOHSNQQqToDnS8VvANzPjgBiJTuWrvaEWHE1MthVNgEmE2VHgPEhEC4Bni/hxhbPCiaAWCkYeAnDIVZKgM6QXhBgMuFFmDASAl4S4PniZdgw2kUCiBUXo5KtTYiVbHnSWzgEdMviN4rIhnBcwhMIQMARAjxfHAkEZvhPALHifwxbeYBYaUWI71eVAJOJqkYevyGQPwGeL/kzZoSKEECshB9o3bL4ZRH5rfBdxUMIpCLAZCIVLhpDAAIpCPB8SQGLphCYjABiJfz7A7ESfozxsD0CTCba48ZVEIBAawI8X1ozogUEEhFArCTC5HUjxIrX4cP4HAkwmcgRLl1DoOIEeL5U/AbA/ewIIFayY+lqT4gVVyODXWUTYDJRdgQYHwLhEuD5Em5s8axgAoiVgoGXMBxipQToDOkFASYTXoQJIyHgJQGeL16GDaNdJIBYcTEq2dqEWMmWJ72FQ4DJRDixxBMIuEaA54trEcEebwkgVrwNXWLDESuJUdGwYgT0fJXpIvK5ivmNuxCAQP4EeL7kz5gRKkIAsRJ+oHXL4lMi0hG+q3gIgVQEmEykwkVjCEAgBQGeLylg0RQCkxFArIR/fyBWwo8xHrZHgMlEe9y4CgIQaE2A50trRrSAQCICiJVEmLxuhFjxOnwYnyMBJhM5wqVrCFScAM+Xit8AuJ8dAcRKdixd7Qmx4mpksKtsAkwmyo4A40MgXAI8X8KNLZ4VTACxUjDwEoZDrJQAnSG9IMBkwoswYSQEvCTA88XLsGG0iwQQKy5GJVubECvZ8qS3cAgwmQgnlngCAdcI8HxxLSLY4y0BxIq3oUtsOGIlMSoaVoyAblmsu+TdXjG/cRcCEMifAM+X/BkzQkUIIFbCD7ROxl4SkWnhu4qHEEhFgMlEKlw0hgAEUhDg+ZICFk0hMBkBxEr49wdiJfwY42F7BJhMtMeNqyAAgdYEeL60ZkQLCCQigFhJhMnrRogVr8OH8TkSYDKRI1y6hkDFCfB8qfgNgPvZEUCsZMfS1Z4QK65GBrvKJsBkouwIMD4EwiXA8yXc2OJZwQQQKwUDL2E4xEoJ0BnSCwJMJrwIE0ZCwEsCPF+8DBtGu0gAseJiVLK1CbGSLU96C4cAk4lwYoknEHCNAM8X1yKCPd4SQKx4G7rEhiNWEqOiYcUI6JbFvykiGyvmN+5CAAL5E+D5kj9jRqgIAcRK+IFWsTIiItPDdxUPIZCKAJOJVLhoDAEIpCDA8yUFLJpCYDICiJXw7w89X+UkYiX8QONhagJMJlIj4wIIQCAhAZ4vCUHRDAKtCCBWWhHy//uIFf9jiAf5EGAykQ9XeoUABER4vnAXQCAjAoiVjEA63A1ixeHgYFqpBJhMlIqfwSEQNAGeL0GHF+eKJIBYKZJ2OWMhVsrhzqjuE2Ay4X6MsBACvhLg+eJr5LDbOQKIFedCkrlBiJXMkdJhIASYTAQSSNyAgIMEeL44GBRM8pMAYsXPuKWxGrGShhZtq0RAtyz+DRH5fJWcxlcIQKAQAjxfCsHMIFUggFgJP8oqVn4hIheF7yoeQiAVASYTqXDRGAIQSEGA50sKWDSFwGQEECvh3x96vkodsRJ+oPEwNQEmE6mRcQEEIJCQAM+XhKBoBoFWBBArrQj5/33Eiv8xxIN8CDCZyIcrvUIAAiI8X7gLIJARAcRKRiAd7gax4nBwMK1UAkwmSsXP4BAImgDPl6DDi3NFEkCsFEm7nLEQK+VwZ1T3CTCZcD9GWAgBXwnwfPE1ctjtHAHEinMhydwgxErmSOkwEAJMJgIJJG5AwEECPF8cDAom+UkAseJn3NJYjVhJQ4u2VSKgWxbrM/COKjmNrxCAQCEEeL4UgplBqkAAsRJ+lFWsnBCRN4bvKh5CIBUBJhOpcNEYAhBIQYDnSwpYNIXAZAQQK+HfH3q+ynHESviBxsPUBJhMpEbGBRCAQEICPF8SgqIZBFoRQKy0IuTn99eKyOdE5NMi8k1LrHxKRLaIyCdEZLufrmE1BDIjwGQiM5R0BAEIRAjwfOGWgEBGBBArGYF0rJtLROQFERkTkRERmSMiL4mIloSdE5FZIvIrx2zGHAgUQeBSEfn5+EDRyYT9vSJsYQwIQCAsAjxfwoon3jhCALHiSCByMOMrIvLvRKTD6vtlEfnCeHYlhyHpEgJOE5gpIk+IyPMiotnHfzm+wP5hEdkqIm8VkXeJyCmnvcA4CEDARQI8X1yMCjYFQQCxEkQYY50w2RU7xjoJm01WJdyg41lLAveIyGfHs4668YR+9GdCRf29IvKnLXugAQQgAIF4AjxfuDMgkAMBxEoOUB3q0s6ukFVxKDCYUhoBffupG07YGUc1RksmtVySrEppoWFgCHhPgOeL9yHEARcJIFZcjEp2NtnZFbIq2XGlJ78J6NvP20Tkt8bd0PVb95NV8TuoWA8BRwjwfHEkEJgRDgHESjixbOaJZld6ReRO1qqEH2w8TEQg+vaTrEoibDSCAAQSEOD5kgASTSCQhgBiJQ0tP9tqduUBEVnJWhU/A4jVuRAwbz+1c7IquSCmUwhUlgDPl8qGHsfzIIBYyYMqfUIAAq4T0Lef9gJ71qq4HjHsg4A/BHi++BMrLPWAAGLFgyBhIgQgkAuBbeO9apkkHwhAAAJZEuD5kiVN+qo0AV/EylULFizYc/jw4XmVjhbOO0tg4cKFzx46dGi+swa6adg1Cxcu/C+HDh26zE3zsAoC+RK4/PLLn33mmWeq8ty4csGCBfv4PZ7vPUXvzQnwe9rfu8MLsTJ79uz/tnHjxqtvvfVWf0ljebAEfvu3f3vkiSee2Cgifxask9k71tXV1fV0f3//W26++ebse6dHCDhMYGRkRBYvXjz6/PPPf0pEHnLY1MxMmz179uPr16//52vWrMmsTzqCQFIC3d3dI/v3798kIv1Jr6GdOwScFytveMMbNl1//fWfevjhhzvdwYYlEHiVwMaNG889+OCDf12v198Lk+QEZs+e/dgf//EfX7t169YLk19FSwiEQeC9733vSz/4wQ+2jY2N6QGlVfjctmTJktuHh4e7quAsPrpF4P7775d77rnnv544ceIatyzDmqQEXBcr754xY8Z3/v7v/3763Llzk/pEOwgUQuC73/2uvO997zt95syZd4jIsUIGDWCQjo6Oe3/v936v99FHH704AHdwAQKpCKxdu/aVr3/96z88ceLEdaku9LfxlSJy8ODBg3LllfpXPhAojsDTTz8tixYt0gH1j6eLG5mRsiTgsli5sKur68jAwMBbb7rppix9pi8ITJnAK6+8Ipdffvnoc88991ER+Yspd1idDm5+61vf+uUDBw50dnXxkrU6YcdTJfDQQw/JmjVrXhgZGdFZ+0gVqFD+VYUou+sj5V/uxiaNZc6Klc7OzodWrFjxge3bt09P4xBtIVAEgdWrV5/ZtWvXt0dHR1lwkRy4puD/5m/+5m/kmmvIxifHRssQCDz++OPyu7/7u+qK/vF4CD4l8IHyrwSQaJIPAcq/8uFaRq+uipWb3va2t33tmWee6bzwQkray7gxGLM5gb/4i7+Qvr6+n4+MjOguVq/AKhEBFtQnwkSjEAlUcUG9iFD+FeLN7IlPlH95EqiEZrooVuZOnz7977/zne/MePe7353QDZpBoBgCx44dk3e84x1nTp8+/T4R+W4xo/o/Cgvq/Y8hHrRPoIIL6oXyr/bvF66cOgHKv6bO0KUenBMrtVrt0b6+vj+86667nLPNpcBhSzkEbrzxxtFHHnnkK7/+9a9vL8cC/0ZlQb1/McPi7AhUcEG9wqP8K7tbiJ5SEqD8KyUwD5q7Jghufde73rXpxz/+MStvPbh5qmbin/3Zn8mmTZueOnHixNVV830K/rKgfgrwuNRvAlVcUE/5l9/3rO/WU/7lewTj7XdJrFwlIk8++eSTctVV+lc+EHCHwFNPPSVXX93QKPrHU+5Y5rQlLKh3OjwYlyeBii6op/wrz5uKvlsSoPyrJSIvGzgjVjil3sv7pzJGc0p96lCzoD41Mi4IhUBFF9Rr+Cj/CuUm9tAPyr88DFpCk50QK294wxvuuv766z/JKfUJo0azQglwSn163CyoT8+MK8IhUMUF9ZR/hXP/+ugJ5V8+Ri25zS6IFU6pTx4vWhZMgFPq0wNnQX16ZlwRDoGKLqin/CucW9hLTyj/8jJsiY0uW6xwSn3iUNGwaAKcUt8WcRbUt4WNi0IgUNEF9Ro6yr9CuIE99YHyL08Dl8LsUsUKp9SniBRNCyfAKfWpkbOgPjUyLgiFQFUX1FP+Fcod7KcflH/5Gbe0VpcpVjilPm20aF8YgfFT6p8fGRmZzyn1ibCzoD4RJhqFSKDCC+op/wrxhvbIJ8q/PArWFEwtS6xwSv0Ugsal+RLglPr0fFlQn54ZV4RDoKIL6jWAlH+Fcxt75wnlX96FrG2DSxErnFLfdry4sAACnFKfDjIL6tPxonVYBKq6oJ7yr7DuY9+8ofzLt4hNzd4yxAqn1E8tZlydI4HxU+qfPHHixD/NcZiQumZBfUjRxJdUBCq8oJ7yr1R3Co2zJkD5V9ZE3e6vaLHCKfVu3w+Vto5T6lOHnwX1qZFxQSgEKrygXkOYqPzrpz/9qXzwgx+UJ598shH2b37zm7Jq1apMbwEd4+GHH5Y1a9Yk7veuu+6SjRs3xtqzf/9+6e7unuhreHhYlixZkrhv03DHjh3ys5/9TG6//fbzrtX+H3vssdd9PfUAGV5Qr9flE5/4hNxxxx1yxRVXZNhzPl1R/pUPV5d7LVSscEq9y7cCtnFKfap7gAX1qXDROCQCVV5Qn7T8SyflKgp00l6r1eTMmTMNQXHttddmKljSTv51Yr5hwwbZvHlzwy77o7b+8Ic/lP7+fpk+fbpoWxVXKjjaESxx93xae0P6ucnCF8q/sqDoXx+FiRVOqffv5qiSxZxSny7aLKhPx4vWYRGo8IL6xOVfKlSuu+668yb5Ovk/ceJE4+29EQKPPPKIXH311fKtb32r8XU7I6EC5/Of/7ysXr1afvSjHzUyNI8++mjj/5s2bZJbbrmlISa0D/13NIuhfX3oQx9q3Hz6/c985jMNwfS1r31Nrr/++gkhpd+3x7KzC7bNdqbIXP+Tn/zkvEyJESNvf/vbJzIrdrZG7dBPXMZFMzo2C21nskD6949+9KMNIfXLX/5ywm+7fTOmcXbbQs3OrMRxVlvtvk2GzAg/te3ZZ59t8Pyrv/qr85gbP+P8UEFof93OvDX7OuVfYT1Lk3pTlFjhlPqkEaFd4QQ4pT4dchbUp+NF67AIVHhBvQYyUflXq7Iik2X58Ic/3BAzdhZGJ7umfCoqVr7xjW80JsT6MWVLKn7iyqq0T22vk3v9mKzODTfcEJtZ0Qm9lkE98MADr8u46PVRn0wWRifjOrHWTM1FF110nrhSP1RQ2SVW2jYqVmw/bX9sH8zEXgWgCgP9qFAz4kiFmBF2Rgw++OCDDYH2xS9+cUI4Gn52OV5UrMRxVhGjH5ufscFknqJZIx3rsssua1xnYmH7MXv2bNm+fbvceeedDQFmMl56D5i+9f8awxtvvFH27dsn99xzz389ceKEliDzqRCBIsQKp9RX6IbyzVVOqU8dMRbUp0bGBaEQqPKC+qTlXxrrZlkKcx9ES7GioqSZWIn7ejOxEp2Um4m0ioe4MrDJysPUbhUzZmJtSsRMPyoKVETYk+/du3c3RJd+3RZTcWVgk40dXfeja2j0Y9bVmDU1dubDcDZZFxUammGKZm3seBhBpW3jOH/729+OzZTZQszOZJm+TcYrzo93vvOdsZkxO6ti+tmyZYusW7dO/7lIRJ4O5ZmCH8kI5C5WOKU+WSBoVQ4BTqlPxZ0F9alw0TgkAhVfUJ+4/MvEPK4MzGQvdAJ73333TawbcUGsNBNYJrvR19fXyOpoFiAqVkwpmJZ+6UezFqacbSpiJbruJ8rUlJdpSZruZGkzjfvZM2LClJOpH/qJZlamIlaM//b4rfywhZaKLxV30RJCyr9Cepqm9yVvscIp9eljwhUFEeCU+lSgWVCfCheNQyJQ8QX1GspE5V+TTVDtBfbLly9vlGXFlYHpxN+UDD333HPyyU9+Ur7yla801qykyaykLQNT2ydbYK9ZgGgWwSzG1xIm/d65c+caYsZee5O2DEztMBkczc6Yyb+92N8uAzNZGVOOZjYwsMvaTOZHS+6iGaKkYsWUgWnsTLmZZpJsJnGixAi4OD/sTFS0zM2w1eve/e53y9NPP/3/j46OXhnScwVfkhPIU6zkfkp93JubqOsm9XjJJZect5guOaJ0LU2Npj4Umm1dmK7Hqbc2vyR0UaF+om9Vko7QrA65Vcpf+9eHmD5gTZ1sqwV/SW1qtx2n1Kcj59qCenNPX3rppectVE3yTEjnebLW7WyfmqznV3927Hpvc12zXYXiGMTVqScdP66d/SzQ77faOtaVZ2G7Pld5QX2a8q8o3+g2wPYC6maLwe3fV/q7Sn/GP/CBDzQVKzqmbo/8/ve/v+UCe7NQvNluYEawmEX5+m976+LJfm9FhY59zydZYG/3HVfapdkT/e/Nb36zGLFnfqfHtU+y8N7EK0lm5W1ve9vE5gSmtCtuThDd1CC6ON/2w2Sg7E0Q4hbkj9tJ+Ve7D7AArstNrOgp9bfccssfbtq0KbcxkkxMsv4l3SrmSWxq1UeW34/bejH6UJ3qeK3Einl4mV9U0fZqo1kIaNLSU7Wp1fWcUt+K0Gvfd3FBvbmH9M2reZOpFpf181fGdqRlihX77kniu89ipeIL6lOXfyV/stASAq0JUP7VmlEVWuQlJAo5pd5MTDQ9q29K9KNvGswbBV14Zxah6URZd7Ew2xxGt0o0WyJqXerf/u3fNtK4t912W+NNhir9j3/8443tEs0bjCSL3jSTYNLWzd42xNkdPZQp7g2UvuXQVKx+7r333sb/4w6viptI6ERPJ3naR9wWiKZv3S5SbTETQ31z9aUvfamxY4r9luWmm26Siy++uPHWJWq7yaiYHyblH7e4Uncr0XR5dN/7PH4IOaU+FVUnF9Sbe9LsJGTqyG2x0uwtqP2W0zwH7J8n3RpVt1E1i1KVlr0tanRLTfu5Et0+NW67T+0vzjZ9XtkLeE25hvavi1t1R5wnnnhi4pnWbAvUVpmVybaMjb7hVFZDQ0MyOjraeLbaW6dq+cef/MmfNJ5DZutYe2tYm5stVpptSZrqriyoccUX1Cvl1OVfBYWGYSpAgMMfKxDkhC7mIVYKO6XeFis6Cdb6V3thm4oMk1mZrEZWt8mza0/tvnSMn//85xMTBS3HuPvuu2X9+vUT9bZ2DWh0i0CzG0izLRSb2W3i12yLR53UqG2mDKZZqYi20ZrRuFODW20fqTbYWyPatbd2/bD6b+qKm51+a2e4opmVJNcnvJ9bNuOU+paI7AbOLqiPLsg192r0BYY5+M2UaX3kIx95XY21LuY0k2xT791sC85mW21Gz1owEM19H93uM672XZ8ruuONeUlgfNG+9PmhzzO105wyHbcFqraN20lHv64vbJo9B+3Fufb2qyqg9EWNOQPD20/0WAAACj1JREFUPE/Un7itYyc7I0OfhVrOE7dVaREvKVLd+SJS9QX1Uyn/Ssua9hCIEuDwR+4Jm0DmYqXIU+rtiUl0kZfZKjBusmBO07UPmzIZkLi91M1EKLowLe6QozixYu8Qon3ZWyg2s9sEqdkWjyoiBgYGYgWTXUo1WRncZNtH6vhmUmF8MgsMdftA7TeaeTH/jvsRi9phv1meLDOT9Y8rp9QnJur0gnpbrNiZQLO9pooKrWPXbKj5mEPcdDJuDobT79mHxZkFv8224Gx2CF2akqzJtkA15wvY4sYsONaJvo5jarrTjNnqOWieJ3b2RJ8j0THinl3RrWPjMlfm5UarQ/wS3505N2RBvVD+lfM9RveTE6D8izskN7FS9Cn1ZYkVnaxrZsXedSM6sbcX2JcpVpqVgelkbdmyZbJnz57Y7SPNBLCnp6fxVlffUOtHxVUzsWJPeKL7uacRTXn9iHJKfXKyri2oj1oel53TRd6nT59+3XkHtniPruGyD1SzdydqtdYtutWm2hd3MF2z7VubnddgSsHe8573NN7sqzAxWdM8xYr94sEIOc3E6IFucWdE2FlWW6zY6+GUSdwLIf16lJ8+L136VHxBvYaC8i+XbsiK2UL5V8UCnsDdLDMrhZ9Sn0astCoDS5NZ+dSnPjVxYq1maexf0GnLwFplVlqVgZk3wXHbEdqTAnPCrH7N2BstZ4tuO6jtvvOd78iVV17ZmDQ12zEkSRlXtAzMnhjmuZOS+RnglPoET4PxJi4uqG8lVvT7JtOpa7fMYWP2ycoquqNnJZhSKlMGFreVqv6Mm/Kn3/md3zlvXYldqhUnVuwy1GbbfcZN8DUjtHHjxonTvdOWgUXPKGhVDhs9o8G0V7GiPuq/bQ7NysCia4ai287aZWD2VqUuiZWqL6in/Cv5s5KW2ROg/Ct7piH0mJVYKeWU+jRixSzsbrbAPo1Y0cW8uv+5WYyqbwF0wq3ZBy3j0K/rhCnJAvtWYiX6FtJeEByd8Ntva+2bM3qyrb11cbPFtnFCxxYrSRfYGzsmKwNrdyvlpD+AnFKflFSjnZML6pOIlWjWpNkCe7t8U8ueDh8+3MgW2uvQjKiP21IzbrMMM1Z0+1R7G1Z78f1kW6BGXxrY69HyXGBvl2+Zn0kdT+1+8cUXGyV1cVuWKiuzdayKEVN+p310dnaKZmdbPQtT3aE5NmZBfVjlX9GXfWluHf05V7EeFdLR36f2dsym/2ZrRZutLU1jV+htKf8KPcLt+ZeJWOGU+vbgc1UxBDilPjFnZxfUJ/aAhpkSqNLkigX1jVsnqPKvqYiVZtug20Ik7mgAI/rjREyVfp7aeRBR/tUOtWpck4VY4ZT6atwrXnrJKfWJw+b0gvrEXtAwUwJVmVyxoL5x2+jp4AcPHjzYKP0N4RMVK3Gb4sRt328fexB3JIDNxhY1ZtMa3RVTD2+M7sKpP08PPPBA43L93WRXFTQ73iCu+kLXjJljDzRrqWWct956a2ML8eh6UV/iSPmXL5Eqx86pipXcT6kvBwujhkCAU+qTR9H1BfXJPaElBNITYEF9WOVf5g6wxYp+zRwhYK+X0sm+fuxt+nWtW7PMin13af/2GWHmGrtPu72KFbMVuCml1nVytm36dy3x1g187LVhKoDs3fjUXrMmzy6zTnJIa/qfkPyvoPwrf8Y+jzAlsVLEKfU+w8X2cglwSn0y/j4sqE/mCa0gkJ4AC+obzIIq/4oTK7r2JMlhzmaNShKxoge13njjjY3DkG2R0Gw3wWimspm4aXW8gb0bnxnbHIDdKhOU/ick/yso/8qfse8jTEWsFHJKve+Asb8cApxSn5i7FwvqE3tDQwikIMCC+gas4Mq/4sSKfi26s529a55Za2LOY3rwwQcb26A326kuKmbiDmONrlvJS6wYf6M+uHjYavTHk/KvFA+sCjdtV6wUdkp9hWOD620S4JT6xOBYUJ8YFQ1DI8CC+lcjOnv27MfXr1//z7X0KLSPXQZml2bZC+OjX9e1ILqzZzOxYrIzX/3qV5sKmbSZFeVuStT076YMLHrkgtlqPZpZsceLHvbsekwp/3I9Qm7Y15ZYKfKUejcwYYVPBDilPlG0WFCfCBONQiTAgvqJqAZZ/hWXWTFnL+kidM2e6H+6CN4IAt3GXD+mjMoseLfLquytyO2fi2jpVVqxYg6Rjtsq3d5SXG18+eWX5SMf+UjjgOY77rijUYIWtcuXUjDKv0J8uubjU2qxUvQp9fm4Ta+hErj99tvPDQwM/HW9Xn9vqD5m4RcL6rOgSB++EmBBfSNywZZ/+XpfVsluyr+qFO2p+5pWrBR+Sv3UXaSHqhDglPpkkWZBfTJOtAqTAAvqX41ryOVfYd65YXlF+VdY8czbmzRipZRT6vMGQP9hEOCU+sRxZEF9YlQ0DI0AC+onIhp0+Vdo921o/lD+FVpE8/cnsVjhlPr8g8EI7RPglPpE7FhQnwgTjUIkwIL6iahS/hXiDe6JT5R/eRIox8xMKlY4pd6xwGHOawQ4pT7R3cCC+kSYaBQiARbUvxZVyr9CvMP98YnyL39i5ZKlScQKp9S7FDFsOY8Ap9QnuyFYUJ+ME63CJMCC+om4Uv4V5i3uhVeUf3kRJieNbClWOKXeybhh1DgBTqlvfSuwoL41I1qES4AF9ROxpfwr3Nvcec8o/3I+RE4b2EqscEq90+GrtnGcUp8o/iyoT4SJRiESYEH9a1Gl/CvEO9wfnyj/8idWLlo6mVjhlHoXI4ZNDQKcUp/oRmBBfSJMNAqRAAvqz4sq5V8h3uSe+ET5lyeBctjMpmJl9uzZT27cuPGqW2+91WHzMa2qBDilvmXkWVDfEhENQiXAgvrzIkv5V6g3ugd+Uf7lQZA8MDFWrHBKvQeRq7CJnFLfOvgsqG/NiBbhEmBB/Wuxpfwr3PvcB88o//IhSu7bGCdWOKXe/bhV1kJOqW8dehbUt2ZEi3AJsKD+vNhS/hXure68Z5R/OR8ibwyMihU9pf7ZgYGBS2+66SZvnMDQahDglPpEcWZBfSJMNAqRAAvqz4sq5V8h3uSe+ET5lyeB8sTM88QKp9R7ErWKmskp9S0Dz4L6lohoECoBFtSfH1nKv0K90/3wi/IvP+Lki5W2WOGUel+iVkE7OaW+ZdBZUN8SEQ1CJcCC+tdFlvKvUG92D/yi/MuDIHlmohErnFLvWeCqZC6n1LeONgvqWzOiRbgEWFB/Xmwp/wr3VnfeM8q/nA+RlwY2xAqn1HsZu8oYPX5K/Zd//etfb6yM0ykcZUF9Clg0DY4AC+rPDynlX8Hd4l45RPmXV+HyxlgVK5xS7024qmcop9S3jDkL6lsiokGoBFhQ/7rIUv4V6s3ugV+Uf3kQJE9NvGDBggXPHj58eJ6n9mN24AQWLFhw9PDhw8v00PrAXW3LvYULFx45dOjQZW1dzEUQ8JzAwoULnz106ND/KSKPe+5KJubzPMgEI520SWD85/FficjTbXbBZRCIJfC/ABIq/I4s/htiAAAAAElFTkSuQmCC"/>
-          <p:cNvSpPr>
-            <a:spLocks noChangeAspect="1" noChangeArrowheads="1"/>
-          </p:cNvSpPr>
-          <p:nvPr/>
-        </p:nvSpPr>
-        <p:spPr bwMode="auto">
-          <a:xfrm>
-            <a:off x="155575" y="-144463"/>
-            <a:ext cx="304800" cy="304801"/>
-          </a:xfrm>
-          <a:prstGeom prst="rect">
-            <a:avLst/>
-          </a:prstGeom>
-          <a:noFill/>
-        </p:spPr>
-        <p:txBody>
-          <a:bodyPr vert="horz" wrap="square" lIns="91440" tIns="45720" rIns="91440" bIns="45720" numCol="1" anchor="t" anchorCtr="0" compatLnSpc="1">
-            <a:prstTxWarp prst="textNoShape">
-              <a:avLst/>
-            </a:prstTxWarp>
-          </a:bodyPr>
-          <a:lstStyle/>
-          <a:p>
-            <a:endParaRPr lang="en-US"/>
-          </a:p>
-        </p:txBody>
-      </p:sp>
-      <p:sp>
-        <p:nvSpPr>
-          <p:cNvPr id="2060" name="AutoShape 12" descr="data:image/png;base64,iVBORw0KGgoAAAANSUhEUgAAAysAAALwCAYAAACX2eoEAAAgAElEQVR4XuzdD5xWc97/8feV0Uzpz9RU/iSJEiVu1p9N2SS1bFu5abet2B/bHf0jlfKnECrRVmQqcVu7N2XbxV1oEYpVslhuUkoh2rBqalRqJtNcv8f32jmzV1czzXVmrutc33PO6zweu6U553w/3+fn4Ho753udiNgQQAABSwQmTlye9VU95WbVUm4tKTcSUe5+8+v+f/1eKq1nSakpKKPW7mhUhdHDVHiYVGh+XyoVlpSq8JjdKpw4sWtJCgbhFAgggAACCPhaIOLr6ikeAQR8LTDy/mVt95dGz5MO6yiZX9Xe1xNKYfFRRT+MKPJXRbUicnjpuw9e3+3TFJ6eUyGAAAIIIOALAcKKL9pEkQgEQ2Dk/a+dXbI/2ikS0bmK6lxF1CpxZrUPzyrNyc6qlX14lrJr/+t/OWW/Hp51WDAgJP1Qsl/F+0pUtK8k9mvsfz+UqKi4pHTfDyW1KpjoBkWiq6Ra7x4W0VsP3HDBO4HBYCIIIIAAAghUIkBY4dJAAIG0Clwz9eWGtWtn9Y1KfSPSxfGDmUByZF49Hd20oY49sqGaN2uY1lr8dPKvtu7U11t36qut38n83oSZ+C0qvRiRntq3r+Sph2/u/p2f5katCCCAAAIIJCtAWElWiv0QQMCVwHUzXju/VKV9I4pcLqm5OdjcGWl5TCMd2bi+jmpSn3DiQvSbbTv19bZdMr9u+mpH7M5M2bYlqujTtVTrqQdHX/CGi1OyKwIIIIAAAtYLEFasbxEFIuAvgREzXr06osOujCra1anc3DE5sUWeWrdoonp1s/01IQur3b2nWBs3b9Onmwu05dt/31SJKLI8qv2P54/u9piFZVMSAggggAACrgUIK67JOAABBCoSuG7WX9tF95dMUDTS3/y8bp3aP5x0XNPDTUjh8a70XTMmrJjQ8smXW3/Ys3ff4bGRItEnI4dlTXrw+p+sTd/InBkBBBBAAIH0CxBW0m/MCAgEXmD49OU3RCKaICmvTvbhJeecelxWuxOPjD32xeaNgHksbO2n/9TbH31Zsrf4hyxJBdGoJs0e0/V+bypgFAQQQAABBFIvQFhJvSlnRCA0AtdPf/W80kgtE1IuMZNud8KROqt9C+XWrxMaA9smWrhrr95ds1lrP/unU9oLtaKlk2aN6fambbVSDwIIIIAAAlUJEFaqEuLnCCBQocCI6a9OVKTWeElZTRvVi4WUNsc1QcsSgQ1fbouFlq07dpuKShTRpPxRXe+0pDzKQAABBBBAICkBwkpSTOyEAALxAtfNXD4zGtUN5s9MSDm7fQse+bLwEjGPhr2zZnMstJgtqsis2aMvGGlhqZSEAAIIIIBAhQKEFS4MBBBwJTB85vLHIlFdZV7W2P3HJ+mEY/NcHc/O3gt89o8CvfzWJ867Wp7IH931Su+rYEQEEEAAAQTcCxBW3JtxBAKhFLhh5vLcH6L6n4jUq2G9HHXv2FbHNG0QSgs/Ttp8a5gJLDt3F5nyl2RFdMX9o7oW+nEu1IwAAgggEB4Bwkp4es1MEai2wJCZy4/PiuoJSZ2aNa6nHh3bqnHDutU+HwdmRqDguz16edV6fbt9tyKKvBndH7kif2yXzzNTDaMigAACCCBQtQBhpWoj9kAg1AJjfru8SXEtvSLp9OOOaqQe552kujm1Q23i58nvKdqnl95cr83fxG6qfJBdqoum39h1m5/nRO0IIIAAAsEVIKwEt7fMDIGUCIyY8drDUnTwicfm6ZLOp6hWLf6xkRLYDJ6ktDSqF1Z8rE//UWDeIPlI/ugLrslgOQyNAAIIIIBApQJ86uDiQACBSgWum/7q4Gik1sPmRY+XX3RaFo9+Bedi2f7dHj39yoexF0hGoqXXPDim2yPBmR0zQQABBBAIigBhJSidZB4IpFjguunLTi+NRF6JSE26ndtG7U88KsUjcLpMC6z59Bu9+rcNikrbakWjFz045sIPMl0T4yOAAAIIIBAvQFjhekAAgQoFRsx4bYkU/ZkJKSassAVTwIQVE1qkyF/yR1/QM5izZFYIIIAAAn4VIKz4tXPUjUAaBcreTn+Heezrsm4dWFCfRutMn9osuH/m1dUyj4UpWnpn/phuEzNdE+MjgAACCCDgCBBWuBYQQOAggREzlv+f+favnj9pJ7Owni3YAmah/ZK/rjWT/Dh/dNd2wZ4ts0MAAQQQ8JMAYcVP3aJWBDwQGD592c8ikciSIxvXU7+Lz/BgRIawQWD+X95TQeH3Zv1K/9mju/7RhpqoAQEEEEAAAcIK1wACCBwgMHzm8sciUV3V+YxWOvOUY9EJicCqDzbpnTWbTVhZPHt010tDMm2miQACCCBguQBhxfIGUR4CXgqUvQByqxnzqj5nq8EROV4Oz1gZFCjctVf/89y7sQpKS3T0nHFdzap7NgQQQAABBDIqQFjJKD+DI2CXwIgZr42SojNaNW+sXl3a21Uc1aRd4OlXPtSWb78z49ySP7rr1LQPyAAIIIAAAghUIUBY4RJBAIFygREzlq+S9ONLOp2sNi2bIhMygfVfbNVLK9eZWb+VP7prx5BNn+kigAACCFgoQFixsCmUhECmBEbMfG2LotFjrvz5WWrUoE6mymDcDAns2LlXjz//rhSJfJU/6oLmGSqDYRFAAAEEECgXIKxwMSCAQEzgmnnvHl77+137zO9H/KqzatWy7x8Pzz69QDcO//VBHRs5bqKGj56QdCeLivZq1n136hcDr1arE9secNzsGZPUsfOFOvOc88r/vHBHgWbcc5tG33K3chsF96ucS0ujyv/jiti89x1Rv/bD1571Q9Ko7IgAAggggEAaBOz7NJKGSXJKBBCoWmDYjOWta0kb6tXN1m8uPafqAzKwhwkrZut9+YAajU5YqZzvd4ve1u49xSqV2swZ3XVjjaA5GAEEEEAAgRoKEFZqCMjhCARFYMTM1y9UtPTVY5o1VN+LTrNyWlWFFXNXxGwP3Pevl7DH33Exd0fGDLtSbyxfqv8admPs59W5s2KOc85jfv/HZ/9afhcm/s5P/Njxdf129v/UOGylszlPvfKhvjKL7CO1uuWP6rIsnWNxbgQQQAABBKoSIKxUJcTPEQiJwIgZr10tRX93Sqsj1b3jSVbOOpmw8s9vvtKtd01X0d49sVAxfNQEtTvtDE25fYwu7XtFLFi89/abmnjLCD3w8JOuHwOb/9hctWh5QixwfP7pes2adpfuuGeWPtuwXrNnTtL0OY/HHhUzAcXZzwkrbh5Vy1QDXl71iT7+/J+SIr/JH33BY5mqg3ERQAABBBAwAoQVrgMEEIgJjJj+6kRFat1xboeWOrfDcVaqVLZmxbm7ER8QzASc9SeN8vLKQ4UJEjV5DMyElffeebM8lDhQiWObIPPn+Y/p+nF36NE508uDi5WwcUX9bfWX+tvqL6Ro6Z35Y7r96xYVGwIIIIAAAhkSIKxkCJ5hEbBNICh3VuIXx8eHFSc45OTUqVFYce6aJD5qZsZy/szp7flde8RCjQk4iYv2beu/Uw93VmztDHUhgAAC4RQgrISz78wagYMEgrJmpbKw4jyuVdWdlYoeNYt/3Cv+28CcdTDmUbNVK5ZVGkgq+oYxWy9B1qzY2hnqQgABBMIpQFgJZ9+ZNQIHCQTh28ASQ4Hz186albPO7Rxba3KoNSvmZ/FrTwxU/JqT+Me94h8n21FQcMBx5jyLnnoitn7GPAbmlzsrfBsY/3BAAAEEELBJgLBiUzeoBYEMCvj5PSu/+vU1FYaC+PCS7LeBmRaYoPGr3j8p70Zl3ypmdoj/dq/4NTXOI2DOY2N+CCu8ZyWDfwMyNAIIIIBAhQKEFS4MBBAoF+AN9uG+GHiDfbj7z+wRQAABGwUIKzZ2hZoQyJDAiBnLV0n68SWdTlablk0zVAXDZkpg/Rdb9dLKdWb4t/JHd+2YqToYFwEEEEAAAUeAsMK1gAAC/76zMuO1UVJ0RqvmjdWrS3tkQibw9Csfaot5IaR0S/7orlNDNn2miwACCCBgoQBhxcKmUBICmRIY89vlTYpraasZ/6o+Z6vBETmZKoVxPRYo3LVX//Pcu7FRS0t09JxxXb/xuASGQwABBBBA4CABwgoXBQIIHCAwfObyxyJRXdX5jFY685Rj0QmJwKoPNumdNZsVlRbPHt310pBMm2kigAACCFguQFixvEGUh4DXAsOnL/tZJBJZcmTjeup38RleD894GRKY/5f3VFD4vQkr/WeP7vrHDJXBsAgggAACCBwgQFjhgkAAgYMERsxY/n+STu/5k3Y68dg8hAIu8Ok/CrTkr2vNLD/OH921XcCny/QQQAABBHwkQFjxUbMoFQGvBEZMf3WiIrXuaNywri7r1kF1c2p7NTTjeCywp2ifnnl1tbZ/t0eKlt6ZP6bbRI9LYDgEEEAAAQQqFSCscHEggECFAiNmvLZEiv6s/YlHqdu5bVAKqMCrf9ugNZ+atfSRv+SPvqBnQKfJtBBAAAEEfCpAWPFp4ygbgXQLXDd92emlkcgrEamJCSsmtLAFS8CEFBNWotK2WtHoRQ+OufCDYM2Q2SCAAAII+F2AsOL3DlI/AmkUuG76q4OjkVoP18k+vOTyi07LMo+FsQVDwDz29fQrH5bsLf4hKxItvebBMd0eCcbMmAUCCCCAQJAECCtB6iZzQSANAiNmvPawFB1sFtpf0vkU1arFPzbSwOzpKUtLo3phxccyC+ulyCP5oy+4xtMCGAwBBBBAAIEkBfjUkSQUuyEQVoGyF0W+Yr4d7LijGqnHeSex4N7HF4NZUP/Sm+u1+ZtCM4sPskt10fQbu27z8ZQoHQEEEEAgwAKElQA3l6khkCqBITOXH58V1ROSOjVrXE89OrYVj4SlSte78xR8t0cvr1qvb7fvVkSRN6P7I1fkj+3yuXcVMBICCCCAAALuBAgr7rzYG4HQCtwwc3nuD1H9T0Tq1bBejrp3bKtjmjYIrYffJr7l2+/08lufaOfuIlP6kqyIrrh/VNfY7RU2BBBAAAEEbBUgrNjaGepCwFKB4TOXPxaJ6qrs2lnq/uOTdAIvjbS0U/8u67N/FMSCSvG+EvOHT+SP7nql9UVTIAIIIIAAAmZlJQoIIICAW4HrZi6fGY3qBnPcWe1b6Oz2LXR41mFuT8P+aRb4oWS/3lmzWe+u2RwbKarIrNmjLxiZ5mE5PQIIIIAAAikTIKykjJITIRAugREzl9+hqCZIymraqF4stLQ5rkm4ECye7YYvt8VCytYdu02VJYqWTubt9BY3jNIQQAABBCoUIKxwYSCAQLUFrp/+6nmlkVomsFxiTtLuhCNjoSW3fp1qn5MDayZQuGtvLKSs/eyfzoleqBUtnTRrTLc3a3ZmjkYAAQQQQMB7AcKK9+aMiEDgBIZPX35DJBK7y5JnXiB5zqnHZbU78UgeDfOw0+aRr7Wf/lNvf/Rl7EWPkgqiUU2aPabr/R6WwVAIIIAAAgikVICwklJOToZAeAWum/XXdtH9JRMUjfQ3CnXr1P7hpOOaHn5iizw1b9YwvDBpnrn5lq9PNxfoky+3/rBn777DY8NFok9GDsua9OD1P1mb5uE5PQIIIIAAAmkVIKyklZeTIxA+gREzXr06osOujCra1Zm9CSsmtLRu0UT16maHDyXFM969p1gbN2+LhRQTVpwtosjyqPY/nj+622MpHpLTIYAAAgggkBEBwkpG2BkUgeALXDfjtfNLVdo3osjlkpqbGZtvDGt5TCMd2bi+jmpSnzsuLi6Db7bt1Nfbdsn8uumrHTKPfZVtW6KKPl1LtZ56cPQFb7g4JbsigAACCCBgvQBhxfoWUSAC/ha4ZurLDWvXzuoblfpGpIvjZ5N9eJaOzKuno5s21LFHNiS8xOF8tXWnvt66U19t/U7m92XvSCnfIyq9GJGe2rev5KmHb+7+79sr/r5cqB4BBBBAAIEDBAgrXBAIIOCZwMj7Xzu7ZH+0UySicxXVuYqoVeLgtQ/PKs3Jzqplgox58aT5X07Zr0F6l4u5M2ICSNG+ktivsf/9UKKi4pLSfT+U1KqgKRsUia6Sar17WERvPXDDBe941jgGQgABBBBAIEMChJUMwTMsAghII+9f1nZ/afQ86bCOkvlV7XH5l0BU0Q8jivxVUa2IHF767oPXd/sUGwQQQAABBMImQFgJW8eZLwIWC0ycuDzrq3rKzaql3FpSbiSi3P3m1/3/+r1UWi9V5S+eN+6S/T/sO/yyEfc/m6pzujtPrd3RqAqjh6nwMKnQ/L5UKiwpVeExu1U4cWLXEnfnY28EEEAAAQSCJ0BYCV5PmRECCFQtkCNpu1nzL+nIst9XfRR7IIAAAggggICnAoQVT7kZDAEELBG4RdKtZWElX9KNltRFGQgggAACCCAQJ0BY4XJAAIGwCZi7KQWS6pdN3HwH8NGStoYNgvkigAACCCBguwBhxfYOUR8CCKRaYJyk2yUdUXbiYklzJY1K9UCcDwEEEEAAAQRqJkBYqZkfRyOAgL8EzFcCm7UqDRPKLi17ceU3/poO1SKAAAIIIBBsAcJKsPvL7BBA4ECBMZKmSDJ3U0xoOUxSE0lZkv5b0lDAEEAAAQQQQMAeAcKKPb2gEgQQSL/AGkm7JY2VdHbZWpXHywLMKZLOl7Ql/WUwAgIIIIAAAggkI0BYSUaJfRBAICgCjSTtKJuMWaPSQtLosr9uI2lDUCbKPBBAAAEEEAiCAGElCF1kDgggUB2BGyS1ZGF9deg4BgEEEEAAAW8ECCveODMKAgjYJzBSUitJJrSwIYAAAggggICFAoQVC5tCSQgg4InAdZLMo1/XezIagyCAAAIIIICAawHCimsyDkAAgYAIjJDUVpIJLWwIIIAAAgggYKEAYcXCplASAgh4IjBMUjtJJrSwIYAAAggggICFAoQVC5tCSQgg4ImAeadKB0kmtLAhgAACCCCAgIUChBULm0JJCCDgicAQSafzIkhPrBkEAQQQQACBagkQVqrFxkEIIBAAgWsk/UjStQGYC1NAAAEEEEAgkAKElUC2lUkhgEASAoPL3mJvQgsbAggggAACCFgoQFixsCmUhAACngj8l6RzJZnQwoYAAggggAACFgoQVixsCiUhgIAnAr+R1EnSIE9GYxAEEEAAAQQQcC1AWHFNxgEIIBAQgaslnS/JhBY2BBBAAAEEELBQgLBiYVMoCQEEPBH4f5K6SrrKk9EYBAEEEEAAAQRcCxBWXJNxAAIIBETg15K6STKhhQ0BBBBAAAEELBQgrFjYFEpCAAFPBK6U1F2SCS1sCCCAAAIIIGChAGHFwqZQEgIIeCIwUNIlkq7wZDQGQQABBBBAAAHXAoQV12QcgAACAREYIKmnJBNa2BBAAAEEEEDAQgHCioVNoSQEEPBE4FeSeksyoYUNAQQQQAABBCwUIKxY2BRKQgABTwT6SfpPSSa0sCGAAAIIIICAhQKEFQubQkkIIOCJwC8lXS7JhBY2BBBAAAEEELBQgLBiYVMoCQEEPBHoWxZUfuHJaAyCAAIIIIAAAq4FCCuuyTgAAQQCImDuqvSXZEILGwIIIIAAAghYKEBYsbAplIQAAp4IXFb2TWAmtLAhgAACCCCAgIUChBULm0JJCCDgicClZW+vN4vs2RBAAAEEEEDAQgHCioVNoSQEEPBEoI+kqyWZ0MKGAAIIIIAAAhYKEFYsbAolIYCAJwK9JA0ue9eKJwMyCAIIIIAAAgi4EyCsuPNibwQQCI7AzyVdK8mEFjYEEEAAAQQQsFCAsGJhUygJAQQ8EegpaagkE1rYEEAAAQQQQMBCAcKKhU2hJAQQ8ETgEknXSfqZJ6MxCAIIIIAAAgi4FiCsuCbjAAQQCIjAxZJGSjKhhQ0BBBBAAAEELBQgrFjYFEpCAAFPBH4qaZQkE1rYEEAAAQQQQMBCAcKKhU2hJAQQ8ESgu6Sxknp4MhqDIIAAAggggIBrAcKKazIOQACBgAhcJOkmSSa0sCGAAAIIIICAhQKEFQubQkkIIOCJwIWSxkvq5sloDIIAAggggAACrgUIK67JOAABBAIi0FXSbZJMaGFDAAEEEEAAAQsFCCsWNoWSEEDAE4ELJN0hyYQWNgQQQAABBBCwUICwYmFTKAkBBDwR+ImkuyV18WQ0BkEAAQQQQAAB1wKEFddkHIAAAgEROF/SZEkmtLAhgAACCCCAgIUChBULm0JJCCDgiUBnSfdIMqGFDQEEEEAAAQQsFCCsWNgUSkIAAU8EzpM0TVInT0ZjEAQQQAABBBBwLUBYcU3GAQggEBCBjpKmSzKhhQ0BBBBAAAEELBQgrFjYFEpCAAFPBM6V9ICkH3syGoMggAACCCCAgGsBwoprMg5AAIGACJwj6UFJJrSwIYAAAggggICFAoQVC5tCSQgg4InA2ZJmSzKhhQ0BBBBAAAEELBQgrFjYFEpCAAFPBH4kaZ6kszwZjUEQQAABBBBAwLUAYcU1GQcggEBABM6U9IgkE1rYEEAAAQQQQMBCAcKKhU2hJAQQ8ETgDEm/k2R+ZUMAAQQQQAABCwUIKxY2hZIQQMATgdMl/UHSf3gyGoMggAACCCCAgGsBwoprMg5AAIGACJwm6XFJJrSwIYAAAggggICFAoQVC5tCSQgg4InAqZKelNTBk9EYBAEEEEAAAQRcCxBWXJNxAAIIBESgvaSFkkxoYUMAAQQQQAABCwUIKxY2hZIQQMATgXaS/izJhBY2BBBAAAEEELBQgLBiYVMoCQEEPBE4WdL/SjrFk9EYBAEEEEAAAQRcCxBWXJNxAAIIBESgraTFkkxoYUMAAQQQQAABCwUIKxY2hZIQQMATgZMkPS/J/MqGAAIIIIAAAhYKEFYsbAolIYCAJwKtJb0gqY0nozEIAggggAACCLgWIKy4JuMABBAIiMCJkl6SZEILGwIIIIAAAghYKEBYsbAplIQAAp4ItJL0qqQTPBmNQRBAAAEEEEDAtQBhxTUZByCAQEAEjpe0XJIJLWwIIIAAAgggYKEAYcXCplASAgh4ItBS0l8lmV/ZEEAAAQQQQMBCAcKKhU2hJAQQ8ESghaSVko7zZDQGQQABBBBAAAHXAoQV12QcgAACARE4VtIqSSa0sCGAAAIIIICAhQKEFQubQkkIIOCJQHNJb0syv7IhgAACCCCAgIUChBULm0JJCCDgicDRkv4u6RhPRmMQBBBAAAEEEHAtQFhxTcYBCCAQEIGjJL0vyYQWNgQQQAABBBCwUICwYmFTKAkBBDwRaCZptaQjPRmNQRBAAAEEEEDAtQBhxTUZByCAQEAEmkpaI8mEFjYEEEAAAQQQsFCAsGJhUygJAQQ8EWgiaZ0k8ysbAggggAACCFgoQFixsCmUhAACngg0lrRBUp4nozEIAggggAACCLgWIKy4JuMABBAIiEAjSZ9KMqGFDQEEEEAAAQQsFCCsWNgUSkIAAU8EciVtkmR+ZUMAAQQQQAABCwUIKxY2hZIQQMATgQaSNktqWDZatqRiT0ZmEAQQQAABBBBISoCwkhQTOyGAQEAEbpY0XtKNkhZI2lL2GJj567skjZaUH5C5Mg0EEEAAAQR8L0BY8X0LmQACCLgQMG+r/0fZHZRdZUHle0lZkvZLMndb2BBAAAEEEEDAEgHCiiWNoAwEEPBM4AFJQyTVjhvRBJY7JU3zrAoGQgABBBBAAIEqBQgrVRKxAwIIBEzAvATyK0mHxc1rZ9lXGJcEbK5MBwEEEEAAAV8LEFZ83T6KRwCBagrMkDS87O6KuasySdLUap6LwxBAAAEEEEAgTQKElTTBcloEELBawLwI8puytSq7y95izzeBWd0yikMAAQQQCKMAYSWMXWfOCCBgBMz6lOsk3S1pMiQIIIAAAgggYJ8AYcW+nlARAgh4I2BeBjlX0iBJe7wZklEQQAABBBBAwI0AYcWNFvsiEE6B1m3atHl5w4YNx4dz+sy6pgJt2rTZtGHDhlY1PQ/HI4AAAgiET4CwEr6eM2MEXAk0adJkyciRI382YcIEV8exMwJGoE+fPjufffZZ88id+RIDNgQQQAABBFwJEFZccbEzAqETuLRly5Z/2LRpEy9LDF3raz7hRYsW6eqrr95cWFh4XM3PxhkQQAABBMIoQFgJY9eZMwJJCuTm5n752GOPtbj00kuTPILdEPi3wPHHH7/ziy+++H+SFuGCAAIIIIBAdQQIK9VR4xgEwiEwoXfv3mMXL17MXZVw9Duls5w0aZIeeOCBv2zbtq1nSk/MyRBAAAEEQiVAWAlVu5ksAkkLtJa0YcOGDWrd2vyWDYHkBTZu3Kg2bdqYA8z/bUz+SPZEAAEEEEDgQAHCClcEAggcJMCiei6KmgiwqL4mehyLAAIIIBAvQFjhekAAgUQBFtVzTVRbgEX11abjQAQQQACBCgQIK1wWCCBwgACL6rkgaiLAovqa6HEsAggggECiAGGFawIBBOIFWFTP9VBtARbVV5uOAxFAAAEEKhEgrHBpIICAI8Cieq6FaguwqL7adByIAAIIIHAIAcIKlwcCCMQEWFTPhVATARbV10SPYxFAAAEEKhMgrHBtIICAEWBRPddBtQVYVF9tOg5EAAEEEKhCgLDCJYIAAmJRPRdBTQRYVF8TPY5FAAEEEDiUAGGF6wMBBFhUzzVQbQEW1VebjgMRQAABBJIQIKwkgcQuCARYgEX1AW5uuqfGovp0C3N+BBBAAAHCCtcAAiEWYFF9iJufgqmzqD4FiJwCAQQQQOCQAoQVLhAEwivAovrw9r7GM2dRfY0JOQECCCCAQBIChJUkkNgFgSAKsKg+iF31bk4sqvfOmpEQQACBMAsQVsLcfeYeZgEW1Ye5+zWcO4vqawjI4QgggAACSQsQVpKmYkcEAiPAovrAtNL7ibCo3ntzRkQAAQTCLEBYCXP3mXsoBVhUH8q2p2zSLKpPGSUnQgABBBBIQoCwkgQSuyAQIAEW1QeomV5PhUX1XoszHgIIIIAAYZ+F47wAACAASURBVIVrAIEQCbCoPkTNTsNUWVSfBlROiQACCCBwSAHCChcIAuERCNSi+rvvvlu33377Ad1bsWKFOnXqFPuzvXv3atSoUTr//PM1cODAlHR5/vz5evzxx2V+zcvLS8k5/XISFtX7pVPUiQACCARLgLASrH4yGwQqEwjMononhJiJzpw5U3Xq1InNef369erXr5/Gjh0bCyeEldT9zcCi+tRZciYEEEAAAXcChBV3XuyNgC8FgrSo3oSS66+/XrNmzVLbtm0P6Ef8nY+6detyZyVFVyuL6lMEyWkQQAABBFwLEFZck3EAAr4TCNSi+pUrV2r48OFauHDhQWElvjMV3Vlx/mzevHnlu95111267bbbyv/anL9z586xvz799NMPGCfxMbCCgoLyR8yC+mgYi+p99/c7BSOAAAKBEiCsBKqdTAaBgwWCtqjeCQgvvfSSnnjiiUrXoySGFeevmzdvXh5OEh8dc/569uzZsbUvieEk/q+NtHnc7Pjjjz/gcbSgXYMsqg9aR5kPAggg4C8Bwoq/+kW1CLgVCNSiemfy8YHF+bOf/vSnByx8TwwrFT0+lhhgzKL9LVu2VBo+nLDy3//93zILzs0Wv27GbXNs359F9bZ3iPoQQACB4AsQVoLfY2YYXoHALKo/VAvjH9sy+zmPdR1qgb1zB+WDDz6Indocc+ONN8bWuMTfeUkc14SVadOm6cgjj1QkEgn0t4KxqD68/+Bg5ggggIBNAoQVm7pBLQikUCBIi+qTZTF3Rp5++unYOpPjjjvugAX2ietVEgOKE1YO9VXHJqxcccUV6tGjh/75z3/q8ssvP2C9S7J1+mE/FtX7oUvUiAACCARfgLAS/B4zw3AKBGpRfbItjF9zcuaZZx4QVipamB//GFiyd1ac96ysW7cuthA//t0uydZp+34sqre9Q9SHAAIIhEeAsBKeXjPTEAkEbVF9fOsOta4kfl1K4p0Vc1fkjTfeqPDdLM4dkmTXrJhzOV+NbGoL2roVFtWH6B8WTBUBBBCwXICwYnmDKA+BaggEclG94+DcPanoESwTNsxmvoo4cc2Ks7bFuRMS/1jYtddeGwscX375ZezFks63gSXejUn8drDEbxOrRq+sO4RF9da1hIIQQACBUAsQVkLdfiYfQIFQLKqv6H0pppfxj2RVtMDeWXPi9N189fFnn30mE0qc96QkLtiPP2diWDHniV8nk/iSSr9dXyyq91vHqBcBBBAIvgBhJfg9ZoYhEgjjovoQtTftU2VRfdqJGQABBBBAwKUAYcUlGLsjYLFAKBfVW9wPX5XGonpftYtiEUAAgdAIEFZC02omGnSBIC+qD3rvbJgfi+pt6AI1IIAAAggkChBWuCYQCIZAoBfVB6NF9s6CRfX29obKEEAAgbALEFbCfgUw/yAIhGJRfRAaZeMcWFRvY1eoCQEEEEDAESCscC0g4HMBFtX7vIEZLp9F9RluAMMjgAACCBxSgLDCBYKAvwVYVO/v/mW0ehbVZ5SfwRFAAAEEkhAgrCSBxC4I2CrAonpbO+OPulhU748+USUCCCAQZgHCSpi7z9z9LsCier93MIP1s6g+g/gMjQACCCCQtABhJWkqdkTAKgEW1VvVDn8Vw6J6f/WLahFAAIEwCxBWwtx95u5bARbV+7Z1VhTOonor2kARCCCAAAJJCBBWkkBiFwQsE2BRvWUN8VM5LKr3U7eoFQEEEECAsMI1gIDPBFhU77OGWVYui+otawjlIIAAAggcUoCwwgWCgL8EWFTvr35ZVS2L6q1qB8UggAACCCQhQFhJAoldELBEgEX1ljTCj2WwqN6PXaNmBBBAAAHCCtcAAj4RYFG9TxplaZksqre0MZSFAAIIIHBIAcIKFwgC/hBgUb0/+mRllSyqt7ItFIUAAgggkIQAYSUJJHZBINMCLKrPdAf8PT6L6v3dP6pHAAEEwixAWAlz95m7XwRYVO+XTllYJ4vqLWwKJSGAAAIIJC1AWEmaih0RyIgAi+ozwh6MQVlUH4w+MgsEEEAgzAKElTB3n7lbL8CieutbZHWBLKq3uj0UhwACCCCQhABhJQkkdkEgQwIsqs8QfBCGZVF9ELrIHBBAAAEECCtcAwhYKsCieksb45OyWFTvk0ZRJgIIIIDAIQUIK1wgCNgpwKJ6O/vii6pYVO+LNlEkAggggEASAoSVJJDYBQGvBdq0afP5hg0bjvd6XMYLhkCbNm02bdiwobukjcGYEbNAAAEEEAirAGElrJ1n3gggMEtSPUm/gQIBBBBAAAEE7BQgrNjZF6pCAIH0CuRI2i7pcElHlv0+vSNydgQQQAABBBBwLUBYcU3GAQggEACBWyTdWhZW8iXdGIA5MQUEEEAAAQQCJ0BYCVxLmRACCFQhYO6mFEiqX7bffklHS9qKHAIIIIAAAgjYJUBYsasfVIMAAukXGCfpdklHlA1VLGmupFHpH5oREEAAAQQQQMCNAGHFjRb7IoCA3wVqla1PaZgwkVJJzSV94/cJUj8CCCCAAAJBEiCsBKmbzAUBBKoSGCNpiiRzN8UssD9MUhNJWZL+W9LQqk7AzxFAAAEEEEDAOwHCinfWjIQAApkXWCNpt6Sxks4uW6vyeFmAOUXS+ZK2ZL5MKkAAAQQQQAABI0BY4TpAAIEwCTSStKNswmaNSgtJo8v+uo2kDWHCYK4IIIAAAgjYLkBYsb1D1IcAAukSuEFSSxbWp4uX8yKAAAIIIFBzAcJKzQ05AwII+FNgpKRWkkxoYUMAAQQQQAABCwUIKxY2hZIQQMATgeskmUe/rvdkNAZBAAEEEEAAAdcChBXXZByAAAIBERghqa0kE1rYEEAAAQQQQMBCAcKKhU2hJAQQ8ERgmKR2kkxoYUMAAQQQQAABCwUIKxY2hZIQQMATAfNOlQ6STGhhQwABBBBAAAELBQgrFjaFkhBAwBOBIZJO50WQnlgzCAIIIIAAAtUSIKxUi42DEEAgAALXSPqRpGsDMBemgAACCCCAQCAFCCuBbCuTQgCBJAQGl73F3oQWNgQQQAABBBCwUICwYmFTKAkBBDwR+C9J50oyoYUNAQQQQAABBCwUIKxY2BRKQgABTwR+I6mTpEGejMYgCCCAAAIIIOBagLDimowDEEAgIAJXSzpfkgktbAgggAACCCBgoQBhxcKmUBICCHgi8P8kdZV0lSejMQgCCCCAAAIIuBYgrLgm4wAEEAiIwK8ldZNkQgsbAggggAACCFgoQFixsCmUhAACnghcKam7JBNa2BBAAAEEEEDAQgHCioVNoSQEEPBEYKCkSyRd4cloDIIAAggggAACrgUIK67JOAABBAIiMEBST0kmtLAhgAACCCCAgIUChBULm0JJCCDgicCvJPWWZEILGwIIIIAAAghYKEBYsbAplIQAAp4I9JP0n5JMaGFDAAEEEEAAAQsFCCsWNoWSEEDAE4FfSrpckgktbAgggAACCCBgoQBhxcKmUBICCHgi0LcsqPzCk9EYBAEEEEAAAQRcCxBWXJNxAAIIBETA3FXpL8mEFjYEEEAAAQQQsFCAsGJhUygJAQQ8Ebis7JvATGhhQwABBBBAAAELBQgrFjaFkhBAwBOBS8veXm8W2bMhgAACCCCAgIUChBULm0JJCCDgiUAfSVdLMqGFDQEEEEAAAQQsFCCsWNgUSkIAAU8EekkaXPauFU8GZBAEEEAAAQQQcCdAWHHnxd4IIBAcgZ9LulaSCS1sCCCAAAIIIGChAGHFwqZQEgIIeCLQU9JQSSa0sCGAAAIIIICAhQKEFQubQkkIIOCJwCWSrpP0M09GYxAEEEAAAQQQcC1AWHFNxgEIIBAQgYsljZRkQgsbAggggAACCFgoQFixsCmUhAACngj8VNIoSSa0sCGAAAIIIICAhQKEFQubQkkIIOCJQHdJYyX18GQ0BkEAAQQQQAAB1wKEFddkHIAAAgERuEjSTZJMaGFDAAEEEEAAAQsFCCsWNoWSEEDAE4ELJY2X1M2T0RgEAQQQQAABBFwLEFZck3EAAggERKCrpNskmdDChgACCCCAAAIWChBWLGwKJSGAgCcCF0i6Q5IJLWwIIIAAAgggYKEAYcXCplASAgh4IvATSXdL6uLJaAyCAAIIIIAAAq4FCCuuyTgAAQQCInC+pMmSTGhhQwABBBBAAAELBQgrFjaFkhBAwBOBzpLukWRCCxsCCCCAAAIIWChAWLGwKZSEAAKeCJwnaZqkTp6MxiAIIIAAAggg4FqAsOKajAMQQCAgAh0lTZdkQgsbAggggAACCFgoQFixsCmUhAACngicK+kBST/2ZDQGQQABBBBAAAHXAoQV12QcgAACARE4R9KDkkxoYUMAAQQQQAABCwUIKxY2hZIQQMATgbMlzZZkQgsbAggggAACCFgoQFixsCmUhAACngj8SNI8SWd5MhqDIIAAAggggIBrAcKKazIOQACBgAicKekRSSa0sCGAAAIIIICAhQKEFQubQkkIIOCJwBmSfifJ/MqGAAIIIIAAAhYKEFYsbAolIYCAJwKnS/qDpP/wZDQGQQABBBBAAAHXAoQV12QcgAACARE4TdLjkkxoYUMAAQQQQAABCwUIKxY2hZIQQMATgVMlPSmpgyejMQgCCCCAAAIIuBYgrLgm4wAEEAiIQHtJCyWZ0MKGAAIIIIAAAhYKEFYsbAolIYCAJwLtJP1ZkgktbAgggAACCCBgoQBhxcKmUBICCHgicLKk/5V0iiejMQgCCCCAAAIIuBYgrLgm4wAEEAiIQFtJiyWZ0MKGAAIIIIAAAhYKEFYsbAolIYCAJwInSXpekvmVDQEEEEAAAQQsFCCsWNgUSkIAAU8EWkt6QVIbT0ZjEAQQQAABBBBwLUBYcU3GAQggEBCBEyW9JMmEFjYEEEAAAQQQsFCAsGJhUygJAQQ8EWgl6VVJJ3gyGoMggAACCCCAgGsBwoprMg5AAIGACBwvabkkE1rYEEAAAQQQQMBCAcKKhU2hJAQQ8ESgpaS/SjK/siGAAAIIIICAhQKEFQubQkkIIOCJQAtJKyUd58loDIIAAggggAACrgUIK67JOAABBAIicKykVZJMaGFDAAEEEEAAAQsFCCsWNoWSEEDAE4Hmkt6WZH5lQwABBBBAAAELBQgrFjaFkhBAwBOBoyX9XdIxnozGIAgggAACCCDgWoCw4pqMAxBAICACR0l6X5IJLWwIIIAAAgggYKEAYcXCplASAgh4ItBM0mpJR3oyGoMggAACCCCAgGsBwoprMg5AAIGACDSVtEaSCS1sCCCAAAIIIGChAGHFwqZQEgIIeCLQRNI6SeZXNgQQQAABBBCwUICwYmFTKAkBBDwRaCxpg6Q8T0ZjEAQQQAABBBBwLUBYcU3GAQggEBCBRpI+lWRCCxsCCCCAAAIIWChAWLGwKZSEAAKeCORK2iTJ/MqGAAIIIIAAAhYKEFYsbAolIYCAJwINJG2W1LBstGxJxZ6MzCAIIIAAAgggkJQAYSUpJnZCAIGACNwsabykGyUtkLSl7DEw89d3SRotKT8gc2UaCCCAAAII+F6AsOL7FjIBBBBwIWDeVv+Psjsou8qCyveSsiTtl2TutrAhgAACCCCAgCUChBVLGkEZCCDgmcADkoZIqh03ogksd0qa5lkVDIQAAggggAACVQoQVqokYgcEEAiYgHkJ5FeSDoub186yrzAuCdhcmQ4CCCCAAAK+FiCs+Lp9FI8AAtUUmCFpeNndFXNXZZKkqdU8F4chgAACCCCAQJoECCtpguW0CCBgtYB5EeQ3ZWtVdpe9xZ5vArO6ZRSHAAIIIBBGAcJKGLvOnBFAwAiY9SnXSbpb0mRIEEAAAQQQQMA+AcKKfT2hIgQQ8EbAvAxyrqRBkvZ4MySjIIAAAggggIAbAcKKGy32RcAygd9P/N/P9+zae7xlZVFOSATq1q+z6aqJ/9kqJNNlmggggAACGRAgrGQAnSERSJXAnDELoj1/0zVVp+M8CLgSWPK75Ro2fQD/HnGlxs4IIIAAAm4E+JeMGy32RcAyASesrPrL/2n7Nzssq45ygirQ+KhG6viz/xBhJagdZl4IIICAPQKEFXt6QSUIuBZwwor50MgdFtd8HFBNAed6I6xUE5DDEEAAAQSSFiCsJE3FjgjYJ0BYsa8nYaiIsBKGLjNHBBBAwA4BwoodfaAKBKolQFipFhsH1VCAsFJDQA5HAAEEEEhagLCSNBU7ImCfAGHFvp6EoSLCShi6zBwRQAABOwQIK3b0gSoQqJYAYaVabBxUQwHCSg0BORwBBBBAIGkBwkrSVOyIgH0ChBX7ehKGiggrYegyc0QAAQTsECCs2NEHqkCgWgKElWqxcVANBQgrNQTkcAQQQACBpAUIK0lTsSMC9gkQVuzrSRgqIqyEocsHzfHM1q1bP7Nx48aWoZw9k/a9wIknnrjp008/beX7iYRwAoSVEDadKQdHgLASnF76aSaEFT91KzW15uXlrZs0aVLbIUOGpOaEnAUBDwXat29fuHbt2lskPeThsAyVIgHCSoogOQ0CmRAgrGRCnTEJK+G6BurXrz+vZ8+eA5588sl64Zo5sw2CwLBhw4oWLlz4/Pbt238RhPmEcQ6ElTB2nTkHRoCwEphW+moihBVftaumxQ5s0aLFnE8++aRBTk5OTc/F8Qh4KjB//nyNGDFiS2FhYWtJRZ4OzmApEyCspIySEyHgvQBhxXtzRpQIK6G5ClrXrl37o6VLl2Z36dIlNJNmosEQ2Lhxo0499dR9xcXFPSS9HoxZhXMWhJVw9p1ZB0SAsBKQRvpsGoQVnzWsmuU2adLknbFjx541bty4ap6BwxDInMCPf/zjwr/97W/3SLovc1UwcioECCupUOQcCGRIgLCSIfiQD0tYCf4FkJWVNeWiiy4a9sILLzQM/myZYdAExo8fX/rwww8v27ZtW/egzS2M8yGshLHrzDkwAoSVwLTSVxMhrPiqXdUptlfjxo2f/Pjjj49o1qxZdY7nGAQyJvDcc89pwIABO3bv3n2ypG8zVggDp0yAsJIySk6EgPcChBXvzRmRNSsBvwaa1atXb/2CBQtye/XqFfCpMr2gCXz77bc6+eSTv9+xY0d/Sc8FbX5hnQ9hJaydZ96BECCsBKKNvpsEd1Z817KkC87Ly3t5yJAhF06aNKlW0gexIwKWCFx88cU7X3311fySkpLxlpREGSkQIKykAJFTIJApAcJKpuTDPS5hJbD9H9exY8db3nzzzdzAzpCJBVbgvvvu07Rp097Ztm3bOYGdZEgnRlgJaeOZdjAECCvB6KPfZkFY8VvHkqq3S05OztLVq1fXbt3avJKCDQH/CLz++uvq0aNH0b59+zpI2uifyqk0GQHCSjJK7IOApQKEFUsbE/CyCCuBa3Cd3NzcDbNnz24+YMCAwE2OCQVbYO/evWrbtu3OzZs3D5W0INizDefsCCvh7DuzDogAYSUgjfTZNAgrPmtYFeU2btz4z/369fv5nDlzXL+ifuXKlercuXP5CCtWrFCnTp1cA5nzPP7445o5c6bq1KlTfrz582XLlum2225zfc6CggLz9nJNnDjRfJh1fXx1D0hmXPMBe9SoUZo3b56qa+amPlPTnDlzdOONN+q9996r0NrN+Wzat3///ruXLFmyYNeuXdfaVBe1pE6AsJI6S86EgOcChBXPyRlQfBtYwC6CIe3atbtnzZo1rtepzJ8/X2+88UZ5wDAfiAcOHBgLFtUJLBW51iSs2Nyn9evX69FHH9Wdd955QDhLV81ej5eueSSe96GHHtKECRPWFxQUmK8pZguoAGEloI1lWuEQIKyEo8+2zZI7K7Z1pNr1nCnp7+a/tJ9xxhmuTmLuDNxxxx0aNGjQAXctTGDZtm1b7M/MB+R+/frpgw8+0E9/+lOZcGN+Fv8h3fkQffHFF+tPf/pTLPiYepy7NXfddVesrvg7K87YZm3Ntdf+6z+mO3cnzBhmvKVLl2ro0KF67bXXYndW3n33XZmvtX3ppZdi/3viiSf02Wef6fbbb4+dw7mjc/fdd8f+zGzOnzt3IjZt2qRzzjlHRUVF5fOuKATE31kx4zr1mF/NfIYNGxYLdaYOZ4zf/va35eOa2szPnbtNZlwT/k444YQq52Dqdu7YmN+b8czdFOfPzHi//OUvy6337NlTXsvpp5+uhQsX6rjjjov11mzTpk07wNfVRZLmnU1ffvSjH5lRzHX8fpqH4/QZFCCsZBCfoRGoqQBhpaaCHF8dAcJKddTsOyYvL2/dpEmT2g4ZMsR1ceZDugkB+fn5ysvLO+j4xEehnLswU6ZM0dSpU8s/7JtwcOGFF8aON4+BmVBiPlw7j26Zn1cUVsyH7+bNm8f2j6/lxRdfLL/bYz6IO4+BmdBgzu8EJhOiZs+erTPPPDP2Qf7KK68sryE+uDi1mTrMsWau5lezmUAR/3sHITGsOOOanzv1mN87oe2ZZ56JBSczl/i7U2afxHGrmoMJNs654gNl/HhO+DK9uPXWW2NzN2HIhCMznqnL/Or4VvaInuuLJsUHtG/fvnDt2rW3SHooxafmdJYJEFYsawjlIOBGgLDiRot9UyVAWEmVZObOU79+/Xk9e/Yc8OSTT9arThXmQ/X48eM1efLkCsNK4h2H+P1NoDCbuZvinGPdunWxMGH+q7/5cOzcSanoMbDEuzrxf21CSfwH//iwEv/n8bU7gcl8YI+/G2RqNHdsnCDlhBhnbjfddJPuvffeCu8uVTRuZeHB3FUxoch5dM4JQMcff/wBa0vMnyczh/h1RM7dkorCijE2c3d66NRnQtjcuXPLQ4yNj5ANGzasaOHChc9v3779F9W5fjnGXwKEFX/1i2oROECAsMIFkQkBwkom1FM65sAWLVrM+eSTTxrk5LheUx8rpLLHwJz/Cm8ewTIfrp01GfFhxXkUrHv37nrrrbdiwcQ5LpNhxcwr/k5G4l0fJ6w4c3fuRiSuO0m8s1LVnY5UhhVzZ8VZR2Tm4zyqF6SwYq6rESNGbCksLDTfsV2U0r8zOJmVAoQVK9tCUQgkJ0BYSc6JvVIrQFhJrafHZ2tdu3bt1UuXLs3p0qVLjYY+1AL7k08++YBv4orf1/kQbdZwmPUhzod+t4+BnX/++bFHsRIfA6vunRXzQd9s5pyJj2MlflOZCVcPPvigevXqFds/fnMbVg71GFj8uMncWTHfnObcpTEu119/vWbNmhUrz3nsLNnHwJzHw2y6s7Jx40adeuqp+4qLi3tIer1GFzAH+0aAsOKbVlEoAgcLEFa4KjIhQFjJhHpqxmzSpMnbY8eOPXvcuHEpOaH5AH3FFVeUnyv+a3grWmDvrG9x1kc460Di10Uks8DerDMpLCyMLQh3HnUyi/oTP9C7eQzMBCxn4bv5QgDzv2bNminxcSwz2UN9PbHbsGK+qjl+YX/iAnvnjk4yYaVJkyblX2pgFtM3aNBAffr0kTM3M5dkFtg763icR+O8/OayQ12Y5513XuGqVavukXRfSi5gTuILAcKKL9pEkQhULEBY4crIhABhJRPqNR8zKytrykUXXTTshRdeaFjzs2XuDM47Spz/8p+JSmxddJ4JC6/GHD9+fOnDDz+8bNu2bd29GpNx7BAgrNjRB6pAoFoChJVqsXFQDQUIKzUEzMzhvRo3bvzkxx9/fIS5W+DnLdNhxbmb5MXLHP3cp1TW/txzz2nAgAE7du/ebd6n8m0qz8257BcgrNjfIypEoFIBwgoXRyYECCuZUK/RmM3q1au3bsGCBY3MGgs2BPwkYN6Pc8opp3y/ffv2/pKe81Pt1JoaAcJKahw5CwIZEUhVWPns8081bMy1mnTbPTrrjLPL52JefnbXvbfrvQ/e05zp83RCqxPLf7ajcIdGjhumy3r/Qpf+/LIq52/2f/yPv9c1Vw1Vdb+BqMpBXO7w7vvv6PIremvgL6/U7TfdlfK6Fj3/jN7++1tJn9v0Ydkbr+q/fn2Ny5kcevdU2xNWUtqetJ8sLy/v5WuvvfbCyZMn10r7YAyAQIoFLrnkkp2vvPLK7JKSkltTfGpO5xMBwopPGkWZCFQkkKqwUlnwcELMx+vX6IF7Zx8QSswH/Ql333JQiKmsU7Memqlv/vl10h/cvei4qWn397v115WvHxTUvBg/fgwnGB515NG6fsiolA6fanvCSkrbk+6TjevYseMtb775Zm66B+L8CKRa4L777tO0adPe2bZt2zmpPjfn848AYcU/vaJSBA4SSFVYMSeu6AOtCSTPPPtnndruNH209sMDgoa5a2B+9sB9c9Qot1GV3Un1B+YqB6xiByeIjb/xNr3w8hKlIyS4qTGAYaW+JHOLaLobB/Y9SMC8wt38b181bLrk5OQsXb16de3Wrc0rKdgQ8I/A66+/rh49ehTt27evg6SN/qmcSlMtQFhJtSjnQ8BDgVSGFRNMZs2dcUD4MAHDbOed2/mAn1X0wdrsO/3Bf3+bpPNolTnePEo2/0+Px851Stv2sbsxxxzd/IA/Nz97+olnD3gMLf7Ojvl54uNazmNWJkzdMnHsAeePf2StopbEh63XVyyvMHg583RqT6yxqp8nPgbmPHbm1OPMZ2/R3tgjda+vfC32oy6dLijvQ+Ixjp8zv0MZJBonHlvdS7WKOysmpJjHNcZI2i+pTnXH4TgdIalQUrGkSZJmuAgtObm5uRvz8/ObJ74HBNeqBSr7ti+37xyp7OWZ8V9DXHU14dvD/LP1pJNO2rl58+ZhkuaHT4AZxwsQVrgeEPCxQCrDSuK6FeeDuFmTcmKr1rEP09cPHR0LE85jY85fJ941cX5+1pnnlD/SFL+PE2Di72YkPlbmfEh3Hj9z6jHHOutLzAf1kTcN15jrxsXGqWifitqbGLacuQ/5zbDyR90qCmTxNTpB4FBziA8rH328+oDH5hLPX9V4Tjgxju++93Z5mEnGINV3tSoJK05IMc+wmX+3DfYn9AAAIABJREFUmKByi6QHfPy3mA2l3ybpZkmlkqKSzDsmTGgxAabSrXHjxn/u16/fz+fMmVO9V9TbMHMLayCseNOU/v37716yZMmCXbt2XevNiIxiswBhxebuUBsCVQikMqw4H5bP+dGPYx/YzQf4mXN+q7vGT4k95mU+8B53bMvyn90xZbzuvHWyGjVqfECQcUpO/IAc/9fOnYTKFudX9khUYqCq6FG0ZNbSOEHIuZNTUcip6gsEqvq5cYgPKy++8pdDPjZX2d0qc574NSyJ80vGIM1hpUHZnRQnpNQuuwYKJDXhb+IaC5i7K+arWuuWnWl3WWiZIsnc+qwotAxp167dPWvWrAn8OhXnzoV5zM28BNFszlcKm7sXH3zwgZYuXaqxY8fqrLPOKn9honnho/n5tm3byt/sbl7O6ISRiy++WH/6059kXsj45Zdflh9nzmO2O++8U3v27Cl/iWT8iymdr1aeN2+efvWrX6lhw4YyL1k0L610NjP2G2+8oU2bNumll17SXXfdpdtuuy32ckjnDfTm5ZLjx4/X5MmT5bxMs8ZXkw9O8NBDD2nChAnrCwoKzNcUsyEQ+69fbAgg4FOBVIYVQ+A89mU+HCc+wpT4wbuib7lyPsA7jzPFP7ZVUXgxj41V9E1clQWBxA/0FX3bVjJhpbL1OYlfGOA82lbZt4VV9fP4+r76ekvsG9fMlxUkPu5m7KtasxL/mF3841zJGKQ5rDwtqbekw336t5Ffyy6S9JCkxG9jOEPSe+Yt8GecYX4b7M0JBs2bN4992DdhY+LEicrPz9eLL74YCwQmcJhg4bzN3nnTvfnZlClTNHXqVA0aNCgWJpywYNQef/zx2M9vvfVWOS+gdEJG4nEmWMyZM0c33nijnnnmGX322Wfl9Vx//fWaNWvWQWHFnN+cr27durEwY8Yw27Jly2LHmkfRnN8Hu4v/nt3777+vM8880/yB+b/3wzJv5nloAcIKVwgCPhZIdViJX7divmbYuZNiiMxdDeduyvMvPRtTc/6Lf/wHaeeD/cO/n3vAt39V9IHZeYTJaYHzOFfiY2bOz1MRVhIDVWL7nRqcP6+sxmR+nhgkEseODx2VPQZmvlrZbM6+2wu3H/A4mQVhpbI7K9sl5fn4by9bSk+8s/J92SNhFd5ZycvLWzdp0qS2Q4YMsaX+tNaRuCYk/q/ffffdA0LDo48+GrsjYu6gxN+1MKHGbOZuinMnY926dbGwMnTo0FigcI5z7ryMHDkyFnDMXRFnM3dX/vCHP8T2d8JPsmtWzDGJNZjw49xlSSuiRSdv37594dq1a83joyaIsyEQEyCscCEg4GOBVIcVJ5CMHDZGf1jwO40admP5u1WcD9OXdO8Z+/Ys8wiXWb9S2TtaDvUYWEXvWXFCgVmj0qVz1wrf4ZL4qFoyH9QT22uOeeh3cyr8yuXE9SAVHWvWyCR+jXNicHF+fqj3rDjBxRxrvlGtTk6d2BcOOGtgKrvTUtFjYIl3uRL3SfOdFeffI6xZSc8/S5w1K2a9ilm3UunjX/Xr15/Xs2fPAU8++WS99JRi31lTEVacR8G6d++ut956q/yuRlVhxdyFSXxE61D1JD4G5tx9MapOWDFfhmDOe9ppp+mFF14I1SNgw4YNK1q4cOHz27dv/4V9VxoVZVKAsJJJfcZGoIYCqQ4rzgfkevXq6+tvvipfr+KU6byX5ON1a2LrVcyi74q+Rcz5IH5s8xbli+GT+cDsPIZmXhwZ/8HdGb+iNStVfVCPJ67qUavEtSwVtSf+Ubmqfl7VSyHj71YlLtiv7O6SGf8vS5eUh61kAlsy9m4uRb4NzI1WjfZ1821gA1u0aDHnk08+aWDLS1drNPMkD3YeAzv//PNj60cSHwNzAoG5k1LRY2DmETGz3XHHHbH1Lbfffrs6deoUewSrqsfAzONhVY1r6nHzGJgZ2xxj6nIebUuSwte7mbA2YsSILYWFheY7ts0jjmwIlAsQVrgYEPCxQKrDiqFI/HapeJ6K3vhe0TdpOY+FxX8Fb1UL7BODSLLfBuYmrFR2F8iZY/xCe/OI27jbRsfuIJkvHDBb/PHON6RV9nNz16mqBfaH+oa0ihb9x3+NsbPuxcKw4nDynpXU/LMlmfestK5du/bqpUuX5nTp0iU1o/rkLE5YKSws1MKFCxW/0D3x64FNCOjXr18slDgL7J2F6yacmDsa5hjzZ/FfXZyuBfbffvtt7DEy878nnngiFrbM5szJWSfjk1ZUu8yNGzeqQ4cO+4qKinpIer3aJ+LAwAoQVgLbWiYWBoF0hJVD3V2o6CuJjXPiu0DMug+z3iX+cav4d6aYD9rOh31nMb45T+LjVYnvWaloPYmbsJLMHYb4x8ScbzqrrMaK1r/Ez6GiLykwj5E5W3yYi3d01qckjm/2N18Xbb4IwPma5WTCSqK9CVI12XiDfU30Un9skyZN3h47duzZ48aNS/3JLT9jED/Yx98dCsO3gJ133nmFq1atMl/J/e8XdVl+3VGetwKEFW+9GQ2BlAqkI6yktEBOFkgBwoo9bc3Kyppy0UUXDX/hhRfMFx2EbgtaWDF3dDp37nzAnZYgN3X8+PGl8+bNW1ZQUNA9yPNkbjUTIKzUzI+jEcioAGElo/yhHZywYk3rezVu3PjJjz/++IhmzZpZUxSFIJCMwHPPPacBAwbs2L17t3mfinmXEBsCFQoQVrgwEPCxAGHFx83zcemEFSua16xevXrrFixY0KhXr15WFEQRCCQrYNbrnHLKKd9v3769v6Tnkj2O/cIpQFgJZ9+ZdUAECCsBaaTPpkFYyXzDmjRp8vI111xz4eTJk2tlvhoqQMCdwCWXXPLdK6+8MqekpORWd0eydxgFCCth7DpzDowAYSUwrfTVRAgrGW/XuI4dO97y5ptv5ma8EgpAwKXAfffdp2nTpr2zbdu2c1weyu4hFSCshLTxTDsYAoSVYPTRb7MgrGS0Y12ys7OXfvTRR7VbtzavpGBLlYD56mLznhWzxX+1cfxXHjtjXXvttbF3odSpU6d8+MqOT1V9QTjP66+/rh49ehTt27evg6SNQZgTc0i/AGEl/caMgEDaBAgraaPlxIcQIKxk7PLIyc3N3Zifn9/ceSdHxioJ0MCJL5Y0U4t/74rzhvs777yzPJyY97G88cYbscBitlGjRpW/IDLx+DB8/XAyl4N5d9RJJ520c/PmzcMkzU/mGPZBwAgQVrgOEPCxAGHFx83zcemElcw0r3Hjxn/u16/fz+fMmZOTmQqCOaq5c/Loo48qPoyYmZo/b9KkiSoKKybgmLfeDxo0KIZyqOMJK/+6bvr37797yZIlC3bt2nVtMK8kZpUuAcJKumQ5LwIeCBBWPEBmiIMECCsZuSiGtGvX7p41a9awTiXF/Ilvuk88fWVhxjz2deGFF2rTpk367LPPdNttt6W4suCc7qGHHtKECRPWFxQUmK8pZkPAlQBhxRUXOyNglwBhxa5+hKUawornnT5D0nt///vfdeaZZ3o+eNAHNI98LVu2rNKwUVVYMT6HOj7oflXN7/3333eu2x+Z67iq/fk5AokChBWuCQR8LEBY8XHzfFw6YcXb5uXl5a2bNGlS2yFDhng7cEhGO1QYOeGEE3TWWWcd9JhXMo+BmTsv5viwry9q37594dq1a2+R9FBILimmmWIBwkqKQTkdAl4KEFa81GYsR4Cw4t21UL9+/Xk9e/Yc8OSTT9bzbtRwjcQC+/T1e9iwYUULFy58fvv27b9I3yicOegChJWgd5j5BVqAsBLo9lo7OcKKZ60Z0KJFi7nr169vEP8VuZ6NHqKBnMAyb9682KzdfnXxoY4PEeMBU12wYIGGDx++pbCwsI2kvWF1YN41FyCs1NyQMyCQMQHCSsboQz0wYcWT9reuXbv26qVLl+Z06dLFkwEZBIFUCWzcuFEdOnTYV1RU1EPS66k6L+cJpwBhJZx9Z9YBESCsBKSRPpsGYSX9DWvSpMnbY8eOPXvcuHHpH4wREEixwHnnnVe4atWqeyTdl+JTc7oQChBWQth0phwcAcJKcHrpp5kQVtLbraysrMndunUb8eKLLzZI70icHYHUC0yYMKH0oYceWlZQUNA99WfnjGEUIKyEsevMOTAChJXAtNJXEyGspLVdvRo1avTkunXrjmjWrFlaB+LkCKRa4LnnntOAAQMKd+/e3VbSt6k+P+cLpwBhJZx9Z9YBESCsBKSRPpsGYSVtDWtWr169dQsWLGjUq1evtA3CiRFIh8C3336rU0455fvt27f3l/RcOsbgnOEUIKyEs+/MOiAChJWANNJn0yCspKdhTZo0efmaa665cPLkybXSMwJnRSB9Apdccsl3r7zyypySkpJb0zcKZw6jAGEljF1nzoERIKwEppW+mghhJS3tGnfuuefe8tZbb+Wm5eycFIE0Ctx3332aNm3au9u2bTs7jcNw6pAKEFZC2nimHQwBwkow+ui3WRBWUt6xLtnZ2Us/+uij2q1bt075yTkhAukUeP3119WjR4/iffv2nSppYzrH4tzhFCCshLPvzDogAoSVgDTSZ9MgrKS0YTm5ubkb8/Pzmw8cODClJ+ZkCKRboKioSCeddNLOzZs3D5M0P93jcf5wChBWwtl3Zh0QAcJKQBrps2kQVlLXsMaNG/+5X79+P58zZ05O6s7KmRDwRqB///67lyxZsmDXrl3XejMio4RRgLASxq4z58AIEFYC00pfTYSwkrJ2DWnXrt09a9asYZ1Kykg5kVcCDz30kCZMmLC+oKDgZK/GZJxwChBWwtl3Zh0QAcJKQBrps2kQVlLTsNatW2/auHFjy9ScjbMg4K1A69atv9i4ceNlkt7zdmRGC5sAYSVsHWe+gRIgrASqnb6ZDGHFN62iUAQQQMD3AoQV37eQCYRZgLAS5u5nbu6ElczZMzICCCAQNgHCStg6znwDJUBYCVQ7fTMZwopvWkWhCCCAgO8FCCu+byETCLMAYSXM3c/c3AkrmbNnZAQQQCBsAoSVsHWc+QZKgLASqHb6ZjKEFd+0ikIRQAAB3wsQVnzfQiYQZgHCSpi7n7m5E1YyZ8/ICCCAQNgECCth6zjzDZQAYSVQ7fTNZAgrvmkVhSKAAAK+FyCs+L6FTCDMAk5YWfWX/9P2b3aEmYK5eyjQ+KhG6viz/5AJLcOmD+DfIx7aMxQCCCAQNgH+JRO2jjPfQAk4YSVQk2IyvhEgrPimVRSKAAII+FaAsOLb1lE4AtLvJ/7v53t27T0eCwQyIVC3fp1NV038z1aZGJsxEUAAAQTCIUBYCUefmSUCCBwsUF/SY5KulrQLIAQQQAABBBCwT4CwYl9PqAgBBLwRuEfSGEnTJd3izZCMggACCCCAAAJuBAgrbrTYFwEEgiJg7qpslZQtqVhSU+6uBKW1zAMBBBBAIEgChJUgdZO5IIBAsgLmrspoSbUl7ZM0g7srydKxHwIIIIAAAt4JEFa8s2YkBBCwQyD+ropTEXdX7OgNVSCAAAIIIHCAAGGFCwIBBMImEH9XxZk7d1fCdhUwXwQQQAABXwgQVnzRJopEAIEUCZi7KgWS9kvaI6lx2V/XlZQlKY+1KymS5jQIIIAAAgikQICwkgJEToEAAr4RMN/+NUnSzZIekBSVZP45OFLSVEkTyr4dzDcTolAEEEAAAQSCLEBYCXJ3mRsCCFQl4ISVqvbj5wgggAACCCCQAQHCSgbQGRIBBKwRIKxY0woKQQABBBBA4GABwgpXBQIIhFmAsBLm7jN3BBBAAAHrBQgr1reIAhFAII0ChJU04nJqBBBAAAEEaipAWKmpIMcjgICfBQgrfu4etSOAAAIIBF6AsBL4FjNBBBA4hABhhcsDAQQQQAABiwUIKxY3h9IQQCDtAoSVtBMzAAIIIIAAAtUXIKxU344jEUDA/wKEFf/3kBkggAACCARYgLAS4OYyNQQQqFKAsFIlETsggAACCCCQOQHCSubsGRkBBDIvQFjJfA+oAAEEEEAAgUoFCCtcHAggEGYBwkqYu8/cEUAAAQSsFyCsWN8iCkQAgTQKLJfUNY3n59QIIIAAAgggUAMBwkoN8DgUAQR8L8CdFd+3kAkggAACCARZgLAS5O4yNwQQqEqAsFKVED9HAAEEEEAggwKElQziMzQCCGRcgLCS8RZQAAIIIIAAApULEFa4OhBAIMwChJUwd5+5I4AAAghYL0BYsb5FFIgAAmkUIKykEZdTI4AAAgggUFMBwkpNBTkeAQT8LEBY8XP3qB0BBBBAIPAChJXAt5gJIoDAIQQIK1weCCCAAAIIWCxAWLG4OZSGAAJpFyCspJ2YARBAAAEEEKi+AGGl+nYciQAC/hcgrPi/h8wAAQQQQCDAAoSVADeXqSGAQJUCvMG+SiJ2QAABBBBAIHMChJXM2TMyAghkXoA7K5nvARUggAACCCBQqQBhhYsDAQTCLEBYCXP3mTsCCCCAgPUChBXrW0SBCCCQRgHCShpxOTUCCCCAAAI1FSCs1FSQ4xFAwM8ChBU/d4/aEUAAAQQCL0BYCXyLmSACCBxCgLDC5YEAAggggIDFAoQVi5tDaQggkHYBwkraiRkAAQQQQACB6gsQVqpvx5EIIOB/AcKK/3vIDBBAAAEEAixAWAlwc5kaAghUKUBYqZKIHRBAAAEEEMicAGElc/aMjAACmRcgrGS+B1SAAAIIIIBApQKEFS4OBBAIswBvsA9z95k7AggggID1AoQV61tEgQggkEYB7qykEZdTI4AAAgggUFMBwkpNBTkeAQT8LEBY8XP3qB0BBBBAIPAChJXAt5gJIoDAIQQIK1weCCCAAAIIWCxAWLG4OZSGAAJpFyCspJ2YARBAAAEEEKi+AGGl+nYciQAC/hcgrPi/h8wAAQQQQCDAAoSVADeXqSGAQJUChJUqidgBAQQQQACBzAkQVjJnz8gIIJB5AcJK5ntABQgggAACCFQqQFjh4kAAgTALEFbC3H3mjgACCCBgvQBhxfoWUSACCKRRgLCSRlxOjQACCCCAQE0FCCs1FeR4BBDwswBhxc/do3YEEEAAgcALEFYC32ImiAAChxAgrHB5IIAAAgggYLEAYcXi5lAaAgikXYCwknZiBkAAAQQQQKD6AoSV6ttxJAII+F+AsOL/HjIDBBBAAIEACxBWAtxcpoYAAlUKEFaqJGIHBBBAAAEEMidAWMmcPSMjgEDmBQgrme8BFSCAAAIIIFCpAGGFiwMBBMIsQFgJc/eZOwIIIICA9QKEFetbRIEIIJBGAcJKGnE5NQIIIIAAAjUVIKzUVJDjEUDAzwKEFT93j9oRQAABBAIvQFgJfIuZIAIIHEKAsMLlgQACCCCAgMUChBWLm0NpCCCQdgHCStqJGQABBBBAAIHqCxBWqm/HkQgg4H8Bwor/e8gMEEAAAQQCLEBYCXBzmRoCCFQpQFipkogdEEAAAQQQyJwAYSVz9oyMAAKZFyCsZL4HVIAAAggggEClAoQVLg4EEAizAGElzN1n7ggggAAC1gsQVqxvEQUigEAaBQgracTl1AhUITCgTZs2kzds2DBe0gK0EEAAgYoECCtcFwggEGYBwkqYu8/cMylwc15e3oS77rrriNtvv/37goKCSZKmZrIgxkYAATsFCCt29oWqEEDAGwHCijfOjIJAuUCDBg1+36pVqz6LFy/Obdmypb744gv16dOn8PPPP1+8c+fOq6BCAAEE4gUIK1wPCCAQZgHCSpi7z9y9Fsht2rTp8506dTrtmWeeqR+J/PsjSDQa1WWXXbZr5cqVH27duvXnkgq9Lo7xEEDATgHCip19oSoEEPBGgLDijTOjINChUaNGzw8ePPiYe++9N6syjptuuqnkkUce+WrHjh0msKyGDQEEECCscA0ggECYBQgrYe4+c/dKoGd2dvZTM2fOzBk6dGiVY86dO1ejRo0qKi4u7itpSZUHsAMCCARagLAS6PYyOQQQqEKAsMIlgkB6BYbm5OTMfOqpp7J79uyZ9EhLlixR3759i4uKikZJmpv0geyIAAKBEyCsBK6lTAgBBA4hMEaS+dahmyU9IMkJKyPLvologqTpCCKAQM0FsrOzpx199NGDn3322YYdOnRwfcLVq1erd+/e33399dePFBcXj3V9Ag5AAIFACBBWAtFGJoEAAkkK1JdUIKlE0h5JeZK2S6ojyTxHb/56V5LnYjcEEKhYIJKXl/fsqaee2nnRokW5ubm51XYqLCzUpZdeWvjRRx+tKCgo6F32HxiqfT4ORAAB/wkQVvzXMypGAIGaCdwjabSk2nGn2SdphqRbanZqjkYg9AIt8/Lynu/Tp8+Jjz76qPmPACnZBg0atHfx4sWfFhQUmIX3X6TkpJwEAQR8IUBY8UWbKBIBBFIoYO6ubJWUHXfOYklNuauSQmVOFUaBzvXr11986623Nr75ZvOkZWq3qVOnasqUKdt37drVR9KK1J6dsyGAgK0ChBVbO0NdCCCQToH4uyvcVUmnNOcOi8AASfPnz5+vAQPMb9OzLViwQAMHDjQnN/+3ID2jcFYEELBJgLBiUzeoBQEEvBKIv7vCXRWv1BknqAI35+XlTVi0aNERnTt3TvscV6xYYdaxfF9QUGC+LGNq2gdkAAQQyKgAYSWj/AyOAAIZFDB3V8y3g5lv/2KtSgYbwdD+FWjQoMHvW7Vq1Wfx4sW5LVu29GwiX3zxhfr06VP4+eefL965c+dVng3MQAgg4LkAYcVzcgZEAAFLBMzdlcckXc1aFUs6Qhl+Esht2rTp8506dTrtmWeeqR+JeP9xIhqN6rLLLtu1cuXKD7du3WoW3hf6CZBaEUAgOQHv/+mSXF3shQACSQi0adPm8w0bNhyfxK7sgkDKBdq0abNpw4YNrVJ+Yk5ou0CHRo0aPT948OBj7r33XvOV3xndbrrpppJHHnnkqx07dpjAsjqjxTA4AgikXICwknJSToiApwJR818X2RDIhEDZf03n3yOZwM/cmD2zs7OfmjlzZs7QoUMzV0XCyHPnztWoUaOKiouL+0paYk1hFIIAAjUW4F8yNSbkBAhkVCAWVrp27arXXnsto4UweHgELrjgAi1fvlyElfD0vGymQ3NycmY+9dRT2T179rRu8kuWLFHfvn2Li4qKRkmaa12BFIQAAtUSIKxUi42DELBGIBZWzIdG7rBY05PAF+Jcb4SVwLe6fILZ2dnTjj766MHPPvtsww4dOlg78dWrV6t3797fff31148UFxePtbZQCkMAgaQFCCtJU7EjAlYKEFasbEuwiyKsBLu/CbOL5OXlPXvqqad2XrRoUW5ubq71ky8sLDRfbVz40UcfrSgoKOgtiWdlre8aBSJQuQBhhasDAX8LEFb83T9fVk9Y8WXbqlN0y7y8vOf79Olz4qOPPlqnOifI5DGDBg3au3jx4k8LCgrMwvsvMlkLYyOAQPUFCCvVt+NIBGwQIKzY0IWQ1UBYCUXDO9evX3/xrbfe2vjmm2/27YSnTp2qKVOmbN+1a1cfSSt8OxEKRyDEAoSVEDefqQdCgLASiDb6axKEFX/1qxrVDpA0f/78+RowwPzW39uCBQs0cOBAMwnzfwv8PRuqRyB8AoSV8PWcGQdLgLASrH76YjaEFV+0qbpF3pyXlzd+0aJF9Tp37lzdc1h33IoVK8w6lt0FBQWTJU21rkAKQgCBSgUIK1wcCPhbgLDi7/75snrCii/bVmXRDRo0+H2rVq36LF68OLdly5ZV7u+3Hb744gv16dOn8PPPP1+8c+fOq/xWP/UiEFYBwkpYO8+8gyJAWAlKJ300D8KKj5qVXKm5TZs2fb5Tp06nPfPMM/XLvpI6uSN9tpf5ivfLLrts18qVKz/cunWrWXhf6LMpUO6BAs1bt269cuPGjcFL13Q6JtCmTZtNhBUuBgT8LUBY8Xf/fFk9YcWXbaus6A6NGjV6fvDgwcfce++9WYGa2SEmc9NNN5U88sgjX+3YscMEltVhmXfQ5lm3bt0HBw8efM39999fO2hzYz7SDTfcsO+RRx55mLDC1YCAvwUIK/7uny+rJ6z4sm0VFd0zOzv7qZkzZ+YMHTo0MJNKdiJz587VqFGjioqLi/tKWpLscexnjUBzSf/4xz/+oebNzW/ZgiSwZcsWHXvssWZKxxJWgtRZ5hJGAcJKGLue4TkTVjLcgNQMPzQnJ2fmU089ld2zZ8/UnNGHZ1myZIn69u1bXFRUNErSXB9OIbQlc1cl2K137qrs2bPnOsJKsHvN7IIvQFgJfo+tmyFhxbqWuCooOzt72tFHHz342WefbdihQwdXxwZx59WrV6t3797fff31148UFxePDeIcAzgn7qoEsKnOlOLvqkjaQlgJcLOZWigECCuhaLNdkySs2NUPF9VE8vLynj311FM7L1q0KDc3N9fFocHetbCw0Hy1ceFHH320oqCgoLekaLBn7O/ZcVfF3/2rqvr4uypmX8JKVWL8HAG7BQgrdvcnkNURVnzZ1pZ5eXnP9+nT58RHH320ji9n4EHRgwYN2rt48eJPCwoKzML7LzwYkiHcC3BXxb2Zb45IvKtCWPFN6ygUgUoFCCtcHJ4LEFY8J6/pgJ3r1au3ePz48Y1vvvnmmp4r8MdPnTpVU6ZM2b5r164+klYEfsI+myB3VXzWMJflJt5VIay4BGR3BCwUIKxY2JSgl0RY8VWHB0iaP3/+fA0YYH7LlozAggUL9P/bex8or64qz3fHTndBhErhD1zBuCQYMK4JJPPsfjPpodKrO7YmE0aqHzKaB+pkmlejFY02UQcaDCZEEpiYlNoxNS4aX2YUpnXRrCqErE5eG11avM6sp+lJIK+1IRIyMXQaflIpiFBORmbtX+pUDjf3V797f3X/nHPu57dWCFSde87en33r1vnevc85q1at0qb6x84k19CmEAJkVQrBXM4gcVkVxEo5sWBUCGRJALGSJU36SkQAsZIIkwuN1tU6LOjkAAAgAElEQVRqtQ2Dg4Mzuru7XbDHKxuGh4d1Hcvper2+WUS2eGV8oMaSVQk0sONuxWVVECthxxzvqkEAsVKNODvlJWLFqXDEGtPZ2fnQ/Pnze4aGhrrmzeNw73YjdvToUenp6Rk5cuTI0Ojo6M3t9sN1mRAgq5IJRjc7aZZVQay4GS+sgkAaAoiVNLRomwkBxEomGPPqpGvOnDl7lyxZctXu3btnaqz4TI3AuXPnZPny5af279//1PHjx3Xh/cjUeuTqdgiQVWmHmj/XNMuqIFb8iSGWQqAZAcQK90bhBBArhSNPOuDiWbNm7e3t7X3L1q1bL0x6Ee2SEVi7du0r27Zte+HkyZMqWA4ku4pWGREgq5IRSBe7mSyrglhxMWLYBIF0BBAr6XjROgMCiJUMIGbfxdKOjo5d/f390/r6+rLvnR4bBAYGBmTNmjVnx8bGVojIPrAUQ4CsSjGcyxplsqwKYqWsqDAuBLIjgFjJjiU9JSSAWEkIqrhmfdOmTevftWtXx9KlS4sbtaIj7du3T1asWDF29uzZNapfKoqhSLfJqhRJu+CxWmVVECsFB4ThIJADAcRKDlDpcnICiBV37pCOjo57586d27tnz56LFy9e7I5hgVty4MABWbZs2UvHjh3bNjY29tnA3S3VPbIqpeLPffBWWRXESu4hYAAI5E4AsZI7YgaIEkCsOHFPXFCr1fYsWrSoe3BwsKurq8sJo6pkxMjIiG5tPHLw4MHher2+TETOVcn/gnwlq1IQ6DKGSZJVQayUERnGhEC2BBAr2fKktwQEECsJIOXbZF6tVtvb09Nz+fbt26fnOxS9tyKwevXqM0NDQ8/U63VdeH+0VXu+n5wAWZXkrHxsmSSrgljxMbLYDIHzCSBWuCMKJ4BYKRy5PWD3jBkzhjZs2PCmdevWlWoIg79GYMuWLbJ58+ZfnD59ukdEhmGTCQGyKplgdLOTpFkVxIqb8cMqCKQhgFhJQ4u2mRBArGSCsZ1OVorIjh07dsjKlfpXPi4R2Llzp6xatUpN0j92umSbj7aQVfExasltTppVQawkZ0pLCLhKALHiamQCtguxUkpw19VqtQ2Dg4Mzuru7SzGAQVsTGB4e1nUsp+v1+mYR2dL6Clo0IZAqq/LTn/5UPvjBD8qTTz7Z6O6b3/ymEY6pAO/fv1++8Y1vSH9/v0yf/lqFpfa/fft2ufPOO8/7ut35mTNn5POf/7ysXr1arrjiithxtZ+HH35Yt79uapex4e6775b169fLhz/8YVmyZElLPwyDSy65RN9oSK1Wa3lNWQ3SZFUQK2VFiXEhkB0BxEp2LOkpIQHESkJQGTXr7Ox8aP78+T1DQ0Nd8+bNy6hXusmLwNGjR6Wnp2fkyJEjQ6OjozfnNU7I/abJqujk/q677pqYoKtoUDFw7bXXtiVY4rhmJVbU1scee0xuv/32luEzfiQVKypQ9DOe3WvZf5kN0mRVECtlRoqxIZANAcRKNhzpJQUBxEoKWFNr2jVnzpy9S5YsuWr37t0zlTsfPwicO3dOli9ffmr//v1PHT9+XBfej/hhuRNWpsqqqFC57rrrzss+1Ot1OXHiRCPDoX/XCfwjjzwiV199tXzrW99qOGlnSowYueGGG+Tb3/52I7Py3HPPTWRrPvvZV3enjmZWjKD42te+JjfddJNcfPHFDaGk46pdGzdubFynmR7t29ixadOmhmCx23z0ox9tjPvEE080sjt2ZuWd73zn63ywszcqgkzG9etf/7r83d/9XWPcRx99dMJfk3m6/vrrG8JOPxs2bGjYetttt4l+XW36+Mc/3shQaZYwSUYn7R2TNquCWElLmPYQcI8AYsW9mARvEWKlkBAvnjVr1t7e3t63bN269cJCRmSQzAmsXbv2lW3btr1w8uRJFSwHMh8gwA7TZFVUiHziE5+QO+64I7b0KpqdMFkYFSpf/vKXJ0q2jOBRnFGhoBN2ndz/8Ic/fF15mH79Zz/7WWOSr4Lnk5/8pHzlK1+RH/3oR43ImCyHipAbb7yxIaBMZiVacjaZDc8+++xEf82yM0aALF++/LzMUpSR8UVt1pI1zdyonTq+CglbMEXL4bK43dJmVRArWVCnDwiUSwCxUi7/So6OWMk97Es7Ojp29ff3T+vr68t9MAbIl8DAwIBOHs+OjY2tEJF9+Y7mfe+psiqt1onoRF2zB5s3b26s4bDbG0GhGQ/T5ic/+UlDrOjPnU7qTSYlrgwsOrb9b83OmKyKiYhmVy677LLzysCia200mxEnmPRrJnPSLOMRFSumfCxqu2Hy6U9/umGjEXp2GVmSsrd27rR2siqIlXZIcw0E3CIQvFhp9kYrizDYb8Wy6C+vPvJk0I7NiJV2qCW+pm/atGn9u3bt6li6dGnii2joNoF9+/bJihUrxs6ePasrqwfctrY869JkVYyVcWVgOtnWSbiWW913332xYkWv1wzLe97zHnn88ccb2RGT7chCrERL03Q8OysSXWvTKrtjrlfRYkq57EX0PoiVdrIqiJXyfh4ZGQJZEWhLrOhD7UMf+tCEDfqQ/sd//EfRutu4j3mTY9fnarvJalpNLa6pEW62O4pds2va/uAHP9B6b9G3XPpgNrW89u4sUwVoGJjaYbs/u/43Ok4rf6Zqlw/XI1ZSRWmmiJxKckVHR8e9c+fO7d2zZ8/FixcvTnIJbTwicODAAVm2bNlLx44d2zY2NvbqIohkn2tE5PFkTb1ulSqrYjydbIG9KYkyWQa77UUXXdTYvUvXZ2iGQcu9mu3E1U4ZmCkbUzt1HYvaoB9TBmZnMsy6GrPwPlqKZpeBRbNFhkMzsTJZGdhnPvOZwjIr7WZVECte/0xjPAQaBNoSK3qh/XA0i+jiHshGTNjCZLKJvvZtUtvXXHPN62p8TdzM+JoWN3WxRgzpWy5dBKkCJ8+swmSZlWY7sQwNDYkudmwmvrK4L7dt29YQa65uPYlYSRxlnXx9X0R2icjdk4iWC2q12p5FixZ1Dw4OdnV1dSUeoMyG+mx4+9vfft7uQ/bLB2Ob2Ua2VWmJfW3cm+Oor+1u8Voms5GREd3aeOTgwYPD9Xp9mT7DJ7HnX4qInvypYuVfiMiPy7Q977HbyarYgsXe0tveujhugb15fkeFjr2OJOsF9rouxPxufP/73y+33HLLxKJ5vd/1vze/+c2NUrGoWHnXu97VEDzmhWLci8JmYsX+nazCzF5gb6/3ybsMrN2sCmIl7588+odA/gQyFStxe8ybB71ZhKcumVT2X/7lX06ICttVndBrm9HR0VixYoSAXhO3gM8WBK6JlbxDGv3lmfd47fSPWElF7Xsicq2IvKK3e4xomVer1fb29PRcvn379tcOdkg1RPGN9bmwdetWmTt3rnzsYx+bOHsiWpJjv9VVK+POqojbajbJz4GPYsVEavXq1WeGhoaeqdfruvD+aCSCeqjkn4qI7lM9TQ8CFRFft0C+T0SeEpH/1OIubSurUvydz4jtEJhKVgWx0g5xroGAWwRyFysmi2K/ydFJwi9/+UtRsXLppZeet2e8Tk52794tmmKP2z3Ffsuj20G22hN+smyP9mVKxNQesy2k2mpv9Wjbbt7e6nX6turFF1+M3fM+mlkxfvX29p63FWazsYzdOpG7+eabX7cVpL2w0pSW6YJPuzzPvB1Um/VjSgTiFmVGs2PNxs3i9kWspKL4z0REBctFIvKr8TfpRrRcPWPGjKENGza8ad06fYHuz8e8hVWL9U2wuf/i1g+Yr82ePTtWrDTLuOjX9Rp9lthvlU3pps9iRblt2bJF11L84vTp0z36DkhEPi4i68cFyqzxu0EzL28XkVe3g/Lvo369S0R+Mp4leiTOhalkVfxDUj2Lp5JVQaxU737B4/AIZC5Woqdjx5Vj6CTBfHRPdlOypV8zWRGdeDcTK2ZNSJJ93KNixS7dimZojGDRSb1OnqKlbnZfJsWv6fi4A7qi63PUN3t9S7Rv+99aX2xEhxFTKuAMDx3bbHFp9uO3t4y0DziLltxF649tlq3GzWrNT0SshPdTlb1H/1NEfsPq9n+IyJ6FCxf+9nvf+97LHnjggexHzLFH/dn44he/2Chj0a1Y7WxJO5mVVhtdRH/mzSnhOnbcNrM5up5511qG8+ijjz576NAhXZPyf4hIR2QQPZ/lv4nI2Rz/G8vcsdc6VLH+mIi8UUROj4syPRHx/7PGJKuSYwDK7nqqWRXEStkRZHwITJ1A5mJFf/nbpVlmsmzXABuxYupoTXZFJ9IPPvig6KI9e3IenSTHZWuaobAFhoqR6J769t72+hZWsytxYkUzLdFr06xZsTMrautkYiVuX37bD2Vj9uaP+h1X/mJnVuJsjn7fFol5lNGRWUn1gxtcZsXe0Si6fWs7a1aSnOptb3phMpG+i5VIZuUZEbljvNzrt6w7TL/+f41nW7QkLI//dLw8xdA949kV45aOtUdEvqBnz5BVSfU88a7xVLMqiBXvQo7BEHgdgdzFio6oExCdLOjEVxd9G7Fidk8x2RWdPOhnskO09PvtZlaiGYmoaDClX3FiRYWMnc3Qa9OIlSj5qYgVfSsdXZhs+m8lVqIlYcYPI1CiIhGxUvpTI7g1K3GCxD6RO27LVo3CZOVecWtZzAJ+vdbeWSmEzMoka1auHJ/Ev2c8GzEqIu8Xkb/O8U5+Q04iyAirfyoiumvEb1o+qGBRnz4mIs8///zzjZJiPmERyCKrglgJ657Am2oSKEys2IvpbbFiJu1XXXWVLFiwoLE9o2ZSJpskt1pgb/cfzaxo5sRe7G+XRU2WWXFJrEw1s6LZLyMco6IrrmyuWTleuz8yZFYSkwtuN7A4wWFvpaqZ1bRipdUCe7tPO5PqY2YlxW5g3SKiGYn/XXWeiFyd+K5zq+ElKkasMsiTIqJlZ7o73lcvuuiiL/f29v67L33pS3Y2yS0PsKZtAllkVRArbePnQgg4QyBTsRInMEwWxF6voe3sRbVxpWKt3ug32944WhIS7UffttrCyc6ORHcuM3ZptL773e+KniqsHy1zsxfkx521Ere1sx31ycbStTi6fqRZOZZZL/PVr351YmGy2a5Yz5ZRH//8z/9cfvzjH0tPT0/j3/rRjJG99aX+u9ke+qaUr1Uc2rmTESupqAV1zkrcAnojmPX/Wt6YVqzoddE1YvZaOXtDCV0D1tnZ2fi50I9Pa1baPGdFtzfWLMutqe46dxr/RxFZPV5m9ty4SNHdzfTjxFqVVmum3EGZ3JI4n+LOD7M3qNmwYcPE4ZnJR2reMqusCmIli2jQBwTKJdCWWLEn8WYSPNmhkGYyH51QmK/bb1a1P7Mrl/59skMU7f3vDcaoKIouVNesjV2GEj0w0vbt/vvvl0ceeeR1a1j0a2Zf+9OnT79ugX30od7sUMpmY0UXuuvaHu1DP6avJ554onHgpfmYzQYMk3/4h39obFygAksPLNOPYdNsNzDbHrPbWXTcLBbZI1Zy/aHnBPtc8ZbTeUVPsNeSNt04QDcI0CzRwzZ91qrkcy+aDTC0d90Ew5zXFbc2zJRa3nDDDZK1WMkqq4JYyec+oVcIFEmgLbFSpIGMFR4BxEruMV3a0dGxq7+/f1pfX1/ugzFAvgQGBgZ06+WzY2NjK0RkX76jOde7HmipgiX6ySyrEp2Em3/rRi+TbXmtL5V0faWuHzQbntgvfOyXcfbmLPZ49oszexMa29m4PrUP3TlTzyLTgx7tF2LNbFAxoR9tP9lLQGOfZjjVR3M8QJxYMV9TUWOLlSR+TXanZZlVQaw49zONQRBITQCxkhoZF0yVAGJlqgQTXb941qxZe3t7e9+ydevWCxNdQSPnCKxdu/aVbdu2vXDy5Ek9/PGAcwaWZFCWWRU7s69n8pgNGHT7fCNC7F3rdK1TdHt4U75odsNULCp0rr32WtGsQ5xY+cAHPjCxbbeWFcdlJsxZQFqWa/epZdT2tv8mw6Fff+yxxyay/abk2mweY9ZrTla6pmPdeOONjTOKbJuSZlbs7cib+dXqtskyq4JYaUWb70PAfQKIFfdjFJyFiJXCQto1Z86cvUuWLLlq9+7dM5U7Hz8InDt3TpYvX35q//79Tx0/flyFip6XwudVApllVQzQZgePTrbltb2uT8WKZlj0E81EaNYhTqzo103Jc9y6R+1LRUVcn5r1sEWJERJqg30wsF6rfTezIXpGWHQDDHuNWdI1K8ZeLZdu5tdkN3LWWRXECo8NCPhPALHifwy98wCxUmzIOjs7H5o/f37P0NBQ17x584odnNFSEzh69KhuADBy5MiRodHR0ZtTdxD4BVlmVQwqe7JvJtv25iL6teiW11MVK0Yo2GsvowcdtyNWbHFj/Is7DNgWO6ZddD2qft1eJxl3jbaxs1Nmjctkfk12i2adVUGsBP5AwL1KEECsVCLMbjmJWCklHutqtdqGwcHBGfbGDKVYwqBNCehk9Y/+6I9O1+v1zSKyBVSvI5B5VsVMtjX7oRmtO++8U6644opGqZfZmS5uy+uoWNG2cWVgy5cvb5SEaQmWrnExuzPaZWBm45foTniTlYHZpWh2GVjc15uVotmZlTjBES1/SyJW7DKwZn41u6/zyKogVniKQMB/AogV/2PonQeIldJCtvLVypIdsnKl/pWPSwR27txpSohWichOl2xzxZY8sip2VsHeLr7VltdRsaIT/7jF7dq/XUKlC9xffvnlhoBp1t7m3WyBvZZYvfjii/Lkk0+eV26VdpG/7b/+3ZSxma/bC+6TiBXNrCTxK+6eyiOrglhx5acXOyDQPgHESvvsuLJNAoiVNsFlc1n3jBkzhjZs2PCmdevWZdMjvUyZwJYtW/SMil+cPn1aD4AZnnKHYXaQS1bFR1R2xiWL7eRdYJBXVgWx4kJ0sQECUyOAWJkaP65ugwBipQ1o2V4yr1ar7e3p6bl8+/bt07Ptmt7SEli9evWZoaGhZ+r1ui6kP5r2+qq0zzOr4hvDEMVKXlkVxIpvdzf2QuD1BBAr3BWFE0CsFI48bsALarXankWLFnUPDg52dXV1OWFUlYwYGRnR9SkjBw8eHK7X63rS/Lkq+Z/SV7IqKYH51DzPrApixac7AVshEE8AscKdUTgBxErhyJsO2NHRce/cuXN79+zZc/HixYvdMSxwSw4cOCDLli176dixY9vGxsY+G7i7U3aPrMqUETrdQZ5ZFcSK06HHOAgkIoBYSYSJRlkSQKxkSTOTvvqmTZvWv2vXro6lS5dm0iGdNCewb98+WbFixdjZs2fXiMgArFoSIKvSEpG/DfLOqiBW/L03sBwChgBihXuhcAKIlcKRJxlwaUdHx67+/v5pfX19SdrTpg0CAwMDugvU2bGxsRUisq+NLip3CVmVsEOed1YFsRL2/YN31SCAWKlGnJ3yErHiVDhsYxbPmjVrb29v71u2bt16obNWemrY2rVrX9m2bdsLJ0+e1IX0Bzx1o2izyaoUTbzA8YrIqiBWCgwoQ0EgJwKIlZzA0m1zAogVp++Orjlz5uxdsmTJVbt3756pseIzNQJ60ODy5ctP7d+//6njx4+rUBmZWo/VuZqsStixLiKrglgJ+x7Cu2oQQKxUI85OeYlYcSocscZ0dnY+NH/+/J6hoaGuefPmuW+woxYePXpUenp6Ro4cOTI0Ojp6s6NmumoWWRVXI5OBXUVlVRArGQSLLiBQMgHESskBqOLwiBVvor6uVqttGBwcnNHd3e2N0a4YOjw8rFsTn67X65tFZIsrdvliB1kVXyLVnp1FZVUQK+3Fh6sg4BIBxIpL0aiILYgVrwK9UkR27NixQ1au1L/ySUJg586dsmrVKm2qf+xMcg1tziNAViXgG6LIrApiJeAbCdcqQwCxUplQu+MoYsWdWCS0pHvmzJlD69evf9O6desSXlLdZlu2bJHNmzf/4vTp0z0iMlxdEu17TlalfXY+XFlkVgWx4sMdgY0QmJwAYoU7pHACiJXCkWcx4Lxarba3p6fn8u3bt0/PosMQ+1i9evWZoaGhZ+r1ui6kPxqijwX4RFalAMhlDVF0VgWxUlakGRcC2RFArGTHkp4SEkCsJATlXrMLarXankWLFnUPDg52dXV1uWdhSRaNjIzo+pSRgwcPDtfr9WUicq4kU7wflqyK9yGc1IGisyqIlbDvJ7yrBgHESjXi7JSXiBWnwpHamI6Ojnvnzp3bu2fPnosXL16c+vrQLjhw4IAsW7bspWPHjm0bGxv7bGj+FewPWZWCgRc5XBlZFcRKkRFmLAjkQwCxkg9Xep2EAGIliNujb9q0af27du3qWLp0aRAOtePEvn37ZMWKFWNnz55dIyID7fTBNa8RIKsS9t1QRlYFsRL2PYV31SCAWKlGnJ3yErHiVDimYszSjo6OXf39/dP6+vqm0o+X1w4MDMiaNWvOjo2NrRCRfV464ZbRZFXcikem1pSVVUGsZBpGOoNAKQQQK6Vgr/agiJWg4r941qxZe3t7e9+ydevWC4PybBJn1q5d+8q2bdteOHnypC6kP1AVv/P0k6xKnnTL77usrApipfzYYwEEpkoAsTJVglyfmgBiJTUy1y/omjNnzt4lS5ZctXv37pka31A/586dk+XLl5/av3//U8ePH1ehMhKqrwX7NXPBggUHDh8+PK/gcRmuIAILFiw4evjw4SUi8vOChpwYJtwnUtEkGQ8C5RBArJTDvdKjIlbCDH9nZ+dD8+fP7xkaGuqaNy+8OefRo0elp6dn5MiRI0Ojo6M3hxlFvIJAeAQQK+HFFI+qRQCxUq14O+EtYsWJMORlxLparbZhcHBwRnd3d15jFN7v8PCwbk18ul6vbxaRLYUbwIAQgEDbBBArbaPjQgg4QQCx4kQYqmUEYiX4eK8UkR07duyQlSv1r35/du7cKatWrVIn9I+dfnuD9RCoHgHESvVijsdhEUCshBVPL7xBrHgRpqka2T1z5syh9evXv2ndunVT7au067ds2SJ33333L06dOtUjIsOlGcLAEIBA2wQQK22j40IIOEEAseJEGKplBGKlMvGeV6vV9vb09Fy+ffv26b55vXr16jNDQ0PP1Ot1XUh/1Df7sRcCEHiVAGKFOwECfhNArPgdPy+tR6x4GbZ2jb6gVqvtWbRoUffg4GBXV1dXu/0Udt3IyIiuTxk5ePDgcL1eXyYi5wobnIEgAIHMCSBWMkdKhxAolABipVDcDNZ4y3XBBaJbwI5vccvvkQrcFh0dHffOnTu3d8+ePRcvXrzYWY8PHDggy5Yte+nYsWPbxsbGPuusoRgGAQgkJsAvmcSoaAgBJwk0xMof/MEfyPe//30nDcSo8Aj8/u//vnzve99DrIQX2lYe9U2bNq1/165dHUuXLm3VtvDv79u3T1asWDF29uzZNSIyULgBDAgBCORCALGSC1Y6hUBhBBpihQ8EyiBAZqUM6qWPubSjo2NXf3//tL6+vtKNMQYMDAzImjVrzo6Nja0QkX3OGIYhEIDAlAkgVqaMkA4gUB6BhQsXHjl06NBl5VnAyFUmsHDhwmcPHTo0v8oMKur74lmzZu3t7e19y9atWy8sm8HatWtf2bZt2wsnT57UhfQHyraH8SEAgWwJIFay5UlvEIAABCAAgSoQ6JozZ87eJUuWXLV79+6Z41m2Qv3WrPLy5ctP7d+//6njx4+rUBkp1AAGgwAECiGAWCkEM4NAAAIQgAAEwiPQ2dn50Pz583uGhoa65s2bV5iDR48elZ6enpEjR44MjY6O3lzYwAwEAQgUTgCxUjhyBoQABCAAAQgERWBdrVb73ODg4Bu7u7tzd2x4eFi3Jn65Xq9/QUS25D4gA0AAAqUSQKyUip/BIQABCEAAAkEQWCkiO3bs2CErV+pf8/ns3LlTVq1apZ3rHzvzGYVeIQABlwggVlyKBrZAAAIQgAAE/CXQPXPmzKH169e/ad26dZl7sWXLFrn77rt/cerUqR4RGc58ADqEAAScJIBYcTIsGAUBCEAAAhDwksC8Wq22t6en5/Lt27dPz8qD1atXnxkaGnqmXq/rQvqjWfVLPxCAgPsEECvuxwgLIQABCEAAAj4RuKBWq+1ZtGhR9+DgYFdXV1fbto+MjOj6lJGDBw8O1+v1ZSLCwVJt0+RCCPhJALHiZ9ywGgIQgAAEIOA0gY6Ojnvnzp3bu2fPnosXL16c2tYDBw7IsmXLXjp27Ni2sbGxz6bugAsgAIEgCCBWgggjTkAAAhCAAAScJNA3bdq0/l27dnUsXbo0sYH79u2TFStWjJ09e3aNiAwkvpCGEIBAcAQQK8GFFIcgAAEIQAACThFY2tHRsau/v39aX19fS8MGBgZkzZo1Z8fGxlaIyL6WF9AAAhAImgBiJejw4hwEIAABCEDACQKLZ82atbe3t/ctW7duvbCZRWvXrn1l27ZtL5w8eVIX0h9wwnKMgAAESiWAWCkVP4NDAAIQgAAEKkOga86cOXuXLFly1e7du2decMFrU5Bz587J8uXLT+3fv/+p48ePq1AZqQwVHIUABCYlgFjhBoEABCAAAQhAoDACnZ2dD82fP79naGioa968eXL06FHp6ekZOXLkyNDo6OjNhRnCQBCAgBcEECtehAkjIQABCEAAAkERWFer1T63adOmN27cuPHler3+BRHZEpSHOAMBCGRCALGSCUY6gQAEIAABCEAgJYGVCxcu3Hzo0KENIrIz5bU0hwAEKkIAsVKRQOMmBCAAAQhAwGECKlY2ishhh23ENAhAoAQCiJUSoDMkBCAAAQhAAAITBP5YRB4UkSER+SBcIAABCNgEECvcDxCAAAQgAAEIlEngJyJyhYicEZHrROTxMo1hbAhAwC0CiBW34oE1EIAABCAAgSoReJ+I7BCRmeNOf1dE/rBKAPAVAhCYnABihTsEAhCAAAQgAIGyCAyLyBJr8NMiskpE9pRlEONCAAJuEUCsuBUPrIEABCAAAd8Q3u4AACAASURBVAhUhcA1IvL/iMiMiMN/JyL/pCoQ8BMCECCzwj0AAQhAAAIQgIB7BP5SRJaLyK9E5KXxU+svEZELReTTIjLgnslYBAEIFE2AzErRxBkPAhCAAAQgAIHLReQpEfm+iKwd37b42yLyvIj8BxE5xs5g3CQQgIASQKxwH0AAAhCAAAQgUAaBPxCR740P/J9ERBfX/+cyDGFMCEDAXQKIFXdjg2UQgAAEIACBqhD4jyLytyLytao4jJ8QgEAyAoiVZJxoBQEIQAACEIBAfgTuF5H/LiL9+Q1BzxCAgI8EECs+Rg2bIQABCEAAAmER2CwiL4vI3WG5hTcQgMBUCSBWpkqQ6yEAAQhAAAIQmCqBDSIyXUQ+N9WOuB4CEAiLAGIlrHjiDQQgAAEIQMBHAreJyKXjWxb7aD82QwACORFArOQElm4hAAEIQAACEEhM4GMicrWI9CW+goYQgEAlCCBWKhFmnIQABCAAAQg4TeDfiIhuZXyz01ZiHAQgUDgBxErhyBkQAhCAAAQgAIEIgX8tIvrfByADAQhAwCaAWOF+gAAEIAABCECgbAL/SkQ+KiLvK9sQxocABNwigFhxKx5YAwEIQAACEKgigetEZL2I/GEVncdnCECgOQHECncHBCAAAQhAAAJlE/hdEblPRP5F2YYwPgQg4BYBxIpb8cAaCEAAAhCAQBUJ6E5gD4nI/1ZF5/EZAhAgs8I9AAEIQAACEICAuwTeISLfEZEr3DURyyAAgTIIkFkpgzpjQgACEIAABCBgE3iriPy/IvI2sEAAAhCwCSBWuB8gAAEIQAACECibQE1Efiois8s2hPEhAAG3CCBW3IoH1kAAAhCAAASqSOAiETkuIm+sovP4DAEINCeAWOHugAAEqk7geyLy+1WH4KH/3yduHkZtcpM1prqF8bngPMMhCECgbQKIlbbRcSEEIBAIAZ0Y8SwMJJi4AQEIQAACYRHgF3RY8cQbCEAgPQHESnpmXAEBCEAAAhAohABipRDMDAIBCDhMALHicHAwDQIQgAAEqk0AsVLt+OM9BCDwan08z0LuBAhAAAIQgICDBPgF7WBQMAkCECiUAGKlUNwMBgEIQAACEEhOALGSnBUtIQCBMAkgVsKMK15BAAIQgEAABBArAQQRFyAAgSkRQKxMCR8XQwACEIAABPIjgFjJjy09QwACfhBArPgRJ6yEAAQgAIEKEkCsVDDouAwBCJxHALHCDQEBCEAAAhBwlABixdHAYBYEIFAYAcRKYagZCAIQgAAEIJCOAGIlHS9aQwAC4RFArIQXUzyCAAQgAIFACCBWAgkkbkAAAm0TQKy0jY4LIQABCEAAAvkSQKzky5feIQAB9wkgVtyPERZCAAIQgEBFCSBWKhp43IYABCYIIFa4GSAAAQhAAAKOEkCsOBoYzIIABAojgFgpDDUDQQACEIAABNIRQKyk40VrCEAgPAKIlfBiikcQgAAEIBAIAcRKIIHEDQhAoG0CiJW20XEhBCAAAQhAIF8CiJV8+dI7BCDgPgHEivsxwkIIQAACEKgoAcRKRQOP2xCAwAQBxAo3AwQgAAEIQMBRAogVRwODWRCAQGEEECuFoWYgCEAAAhCAQDoCiJV0vGgNAQj4T+DTIvIFEVknIl8WESNWPiUiW0TkcyJyn/9u4gEEIAABCEDAfwKIFf9jiAcQgEA6AjNFpC4ir4jIL0WkJiK/EJHpInLh+L9PpeuS1hCAAAQgAAEI5EEAsZIHVfqEAARcJ3CPiNwmIr9lGforEblfRP7UdeOxDwIQgAAEIFAVAoiVqkQaPyEAAZuAZleOi0iH9cUxEZkjImRVuFcgAAEIQAACjhBArDgSCMyAAAQKJ2BnV8iqFI6fASEAAQhAAAKtCSBWWjOiBQQgECYBO7tCViXMGOMVBCAAAQh4TgCx4nkAMR8CEJgSAc2u6O5guvsXa1WmhJKLIQABCEAAAtkTQKxkz5QeIQABfwhoduX/FpF/y1oVf4KGpRCAAAQgUB0CiJXwY32HiHw+fDfxEAIQgAAEIOAUgTtFRH8H84EABKZAALEyBXgeXcoJ3R4FC1MhAAEIQAACEIAABF4lgFipxp2AWKlGnPEyHYF/LyKd4yfWp7uS1hCAAAQmJ8DzhTsEAhkRQKxkBNLxbhArjgcI80ohoJMJPb1+bSmjMygEIBAyAZ4vIUcX3wolgFgpFHcpg2mMf00WrRT2DOo2ASYTbscH6yDgMwGeLz5HD9udIoBYcSocuRijMf6fIvKGXHqnUwj4S4DJhL+xw3IIuE6A54vrEcI+bwggVrwJVduGIlbaRseFgRNgMhF4gHEPAiUS4PlSInyGDosAYiWseMZ5g1gJP8Z42B4BJhPtceMqCECgNQGeL60Z0QICiQggVhJh8roRYsXr8GF8jgSYTOQIl64hUHECPF8qfgPgfnYEECvZsXS1J8SKq5HBrrIJ6C5gs0RkXdmGMD4EIBAcAZ4vwYUUh8oigFgpi3xx4yJWimPNSH4RYDLhV7ywFgI+EeD54lO0sNVpAogVp8OTiXG6C9gr7AaWCUs6CYsAk4mw4ok3EHCJAM8Xl6KBLV4TQKx4Hb5ExqtY+R8i8huJWtMIAtUhwGSiOrHGUwgUTYDnS9HEGS9YAoiVYEM74RhiJfwY42F7BJhMtMeNqyAAgdYEeL60ZkQLCCQigFhJhMnrRogVr8OH8TkSYDKRI1y6hkDFCfB8qfgNgPvZEUCsZMfS1Z4QK65GBrvKJsBkouwIMD4EwiXA8yXc2OJZwQQQKwUDL2E4xEoJ0BnSCwJMJrwIE0ZCwEsCPF+8DBtGu0gAseJiVLK1CbGSLU96C4eAnq9ysYj8aTgu4QkEIOAIAZ4vjgQCM/wngFjxP4atPNBdwH7FbmCtMPH9ChJgMlHBoOMyBAoiwPOlINAMEz4BxEr4MVaxMiYiF4bvKh5CIBUBJhOpcNEYAhBIQYDnSwpYNIXAZAQQK+HfH4iV8GOMh+0RYDLRHjeuggAEWhPg+dKaES0gkIgAYiURJq8bIVa8Dh/G50iAyUSOcOkaAhUnwPOl4jcA7mdHALGSHUtXe0KsuBoZ7CqbAJOJsiPA+BAIlwDPl3Bji2cFE0CsFAy8hOEQKyVAZ0gvCDCZ8CJMGAkBLwnwfPEybBjtIgHEiotRydYmxEq2POktHAK6ZfFMEVkfjkt4AgEIOEKA54sjgcAM/wkgVvyPYSsPECutCPH9qhJgMlHVyOM3BPInwPMlf8aMUBECiJXwA61bFp8Rkd8M31U8hEAqAkwmUuGiMQQgkIIAz5cUsGgKgckIIFbCvz8QK+HHGA/bI8Bkoj1uXAUBCLQmwPOlNSNaQCARAcRKIkxeN0KseB0+jM+RAJOJHOHSNQQqToDnS8VvANzPjgBiJTuWrvaEWHE1MthVNgEmE2VHgPEhEC4Bni/hxhbPCiaAWCkYeAnDIVZKgM6QXhBgMuFFmDASAl4S4PniZdgw2kUCiBUXo5KtTYiVbHnSWzgEdMviN4rIhnBcwhMIQMARAjxfHAkEZvhPALHifwxbeYBYaUWI71eVAJOJqkYevyGQPwGeL/kzZoSKEECshB9o3bL4ZRH5rfBdxUMIpCLAZCIVLhpDAAIpCPB8SQGLphCYjABiJfz7A7ESfozxsD0CTCba48ZVEIBAawI8X1ozogUEEhFArCTC5HUjxIrX4cP4HAkwmcgRLl1DoOIEeL5U/AbA/ewIIFayY+lqT4gVVyODXWUTYDJRdgQYHwLhEuD5Em5s8axgAoiVgoGXMBxipQToDOkFASYTXoQJIyHgJQGeL16GDaNdJIBYcTEq2dqEWMmWJ72FQ4DJRDixxBMIuEaA54trEcEebwkgVrwNXWLDESuJUdGwYgT0fJXpIvK5ivmNuxCAQP4EeL7kz5gRKkIAsRJ+oHXL4lMi0hG+q3gIgVQEmEykwkVjCEAgBQGeLylg0RQCkxFArIR/fyBWwo8xHrZHgMlEe9y4CgIQaE2A50trRrSAQCICiJVEmLxuhFjxOnwYnyMBJhM5wqVrCFScAM+Xit8AuJ8dAcRKdixd7Qmx4mpksKtsAkwmyo4A40MgXAI8X8KNLZ4VTACxUjDwEoZDrJQAnSG9IMBkwoswYSQEvCTA88XLsGG0iwQQKy5GJVubECvZ8qS3cAgwmQgnlngCAdcI8HxxLSLY4y0BxIq3oUtsOGIlMSoaVoyAblmsu+TdXjG/cRcCEMifAM+X/BkzQkUIIFbCD7ROxl4SkWnhu4qHEEhFgMlEKlw0hgAEUhDg+ZICFk0hMBkBxEr49wdiJfwY42F7BJhMtMeNqyAAgdYEeL60ZkQLCCQigFhJhMnrRogVr8OH8TkSYDKRI1y6hkDFCfB8qfgNgPvZEUCsZMfS1Z4QK65GBrvKJsBkouwIMD4EwiXA8yXc2OJZwQQQKwUDL2E4xEoJ0BnSCwJMJrwIE0ZCwEsCPF+8DBtGu0gAseJiVLK1CbGSLU96C4cAk4lwYoknEHCNAM8X1yKCPd4SQKx4G7rEhiNWEqOiYcUI6JbFvykiGyvmN+5CAAL5E+D5kj9jRqgIAcRK+IFWsTIiItPDdxUPIZCKAJOJVLhoDAEIpCDA8yUFLJpCYDICiJXw7w89X+UkYiX8QONhagJMJlIj4wIIQCAhAZ4vCUHRDAKtCCBWWhHy//uIFf9jiAf5EGAykQ9XeoUABER4vnAXQCAjAoiVjEA63A1ixeHgYFqpBJhMlIqfwSEQNAGeL0GHF+eKJIBYKZJ2OWMhVsrhzqjuE2Ay4X6MsBACvhLg+eJr5LDbOQKIFedCkrlBiJXMkdJhIASYTAQSSNyAgIMEeL44GBRM8pMAYsXPuKWxGrGShhZtq0RAtyz+DRH5fJWcxlcIQKAQAjxfCsHMIFUggFgJP8oqVn4hIheF7yoeQiAVASYTqXDRGAIQSEGA50sKWDSFwGQEECvh3x96vkodsRJ+oPEwNQEmE6mRcQEEIJCQAM+XhKBoBoFWBBArrQj5/33Eiv8xxIN8CDCZyIcrvUIAAiI8X7gLIJARAcRKRiAd7gax4nBwMK1UAkwmSsXP4BAImgDPl6DDi3NFEkCsFEm7nLEQK+VwZ1T3CTCZcD9GWAgBXwnwfPE1ctjtHAHEinMhydwgxErmSOkwEAJMJgIJJG5AwEECPF8cDAom+UkAseJn3NJYjVhJQ4u2VSKgWxbrM/COKjmNrxCAQCEEeL4UgplBqkAAsRJ+lFWsnBCRN4bvKh5CIBUBJhOpcNEYAhBIQYDnSwpYNIXAZAQQK+HfH3q+ynHESviBxsPUBJhMpEbGBRCAQEICPF8SgqIZBFoRQKy0IuTn99eKyOdE5NMi8k1LrHxKRLaIyCdEZLufrmE1BDIjwGQiM5R0BAEIRAjwfOGWgEBGBBArGYF0rJtLROQFERkTkRERmSMiL4mIloSdE5FZIvIrx2zGHAgUQeBSEfn5+EDRyYT9vSJsYQwIQCAsAjxfwoon3jhCALHiSCByMOMrIvLvRKTD6vtlEfnCeHYlhyHpEgJOE5gpIk+IyPMiotnHfzm+wP5hEdkqIm8VkXeJyCmnvcA4CEDARQI8X1yMCjYFQQCxEkQYY50w2RU7xjoJm01WJdyg41lLAveIyGfHs4668YR+9GdCRf29IvKnLXugAQQgAIF4AjxfuDMgkAMBxEoOUB3q0s6ukFVxKDCYUhoBffupG07YGUc1RksmtVySrEppoWFgCHhPgOeL9yHEARcJIFZcjEp2NtnZFbIq2XGlJ78J6NvP20Tkt8bd0PVb95NV8TuoWA8BRwjwfHEkEJgRDgHESjixbOaJZld6ReRO1qqEH2w8TEQg+vaTrEoibDSCAAQSEOD5kgASTSCQhgBiJQ0tP9tqduUBEVnJWhU/A4jVuRAwbz+1c7IquSCmUwhUlgDPl8qGHsfzIIBYyYMqfUIAAq4T0Lef9gJ71qq4HjHsg4A/BHi++BMrLPWAAGLFgyBhIgQgkAuBbeO9apkkHwhAAAJZEuD5kiVN+qo0AV/EylULFizYc/jw4XmVjhbOO0tg4cKFzx46dGi+swa6adg1Cxcu/C+HDh26zE3zsAoC+RK4/PLLn33mmWeq8ty4csGCBfv4PZ7vPUXvzQnwe9rfu8MLsTJ79uz/tnHjxqtvvfVWf0ljebAEfvu3f3vkiSee2Cgifxask9k71tXV1fV0f3//W26++ebse6dHCDhMYGRkRBYvXjz6/PPPf0pEHnLY1MxMmz179uPr16//52vWrMmsTzqCQFIC3d3dI/v3798kIv1Jr6GdOwScFytveMMbNl1//fWfevjhhzvdwYYlEHiVwMaNG889+OCDf12v198Lk+QEZs+e/dgf//EfX7t169YLk19FSwiEQeC9733vSz/4wQ+2jY2N6QGlVfjctmTJktuHh4e7quAsPrpF4P7775d77rnnv544ceIatyzDmqQEXBcr754xY8Z3/v7v/3763Llzk/pEOwgUQuC73/2uvO997zt95syZd4jIsUIGDWCQjo6Oe3/v936v99FHH704AHdwAQKpCKxdu/aVr3/96z88ceLEdaku9LfxlSJy8ODBg3LllfpXPhAojsDTTz8tixYt0gH1j6eLG5mRsiTgsli5sKur68jAwMBbb7rppix9pi8ITJnAK6+8Ipdffvnoc88991ER+Yspd1idDm5+61vf+uUDBw50dnXxkrU6YcdTJfDQQw/JmjVrXhgZGdFZ+0gVqFD+VYUou+sj5V/uxiaNZc6Klc7OzodWrFjxge3bt09P4xBtIVAEgdWrV5/ZtWvXt0dHR1lwkRy4puD/5m/+5m/kmmvIxifHRssQCDz++OPyu7/7u+qK/vF4CD4l8IHyrwSQaJIPAcq/8uFaRq+uipWb3va2t33tmWee6bzwQkray7gxGLM5gb/4i7+Qvr6+n4+MjOguVq/AKhEBFtQnwkSjEAlUcUG9iFD+FeLN7IlPlH95EqiEZrooVuZOnz7977/zne/MePe7353QDZpBoBgCx44dk3e84x1nTp8+/T4R+W4xo/o/Cgvq/Y8hHrRPoIIL6oXyr/bvF66cOgHKv6bO0KUenBMrtVrt0b6+vj+86667nLPNpcBhSzkEbrzxxtFHHnnkK7/+9a9vL8cC/0ZlQb1/McPi7AhUcEG9wqP8K7tbiJ5SEqD8KyUwD5q7Jghufde73rXpxz/+MStvPbh5qmbin/3Zn8mmTZueOnHixNVV830K/rKgfgrwuNRvAlVcUE/5l9/3rO/WU/7lewTj7XdJrFwlIk8++eSTctVV+lc+EHCHwFNPPSVXX93QKPrHU+5Y5rQlLKh3OjwYlyeBii6op/wrz5uKvlsSoPyrJSIvGzgjVjil3sv7pzJGc0p96lCzoD41Mi4IhUBFF9Rr+Cj/CuUm9tAPyr88DFpCk50QK294wxvuuv766z/JKfUJo0azQglwSn163CyoT8+MK8IhUMUF9ZR/hXP/+ugJ5V8+Ri25zS6IFU6pTx4vWhZMgFPq0wNnQX16ZlwRDoGKLqin/CucW9hLTyj/8jJsiY0uW6xwSn3iUNGwaAKcUt8WcRbUt4WNi0IgUNEF9Ro6yr9CuIE99YHyL08Dl8LsUsUKp9SniBRNCyfAKfWpkbOgPjUyLgiFQFUX1FP+Fcod7KcflH/5Gbe0VpcpVjilPm20aF8YgfFT6p8fGRmZzyn1ibCzoD4RJhqFSKDCC+op/wrxhvbIJ8q/PArWFEwtS6xwSv0Ugsal+RLglPr0fFlQn54ZV4RDoKIL6jWAlH+Fcxt75wnlX96FrG2DSxErnFLfdry4sAACnFKfDjIL6tPxonVYBKq6oJ7yr7DuY9+8ofzLt4hNzd4yxAqn1E8tZlydI4HxU+qfPHHixD/NcZiQumZBfUjRxJdUBCq8oJ7yr1R3Co2zJkD5V9ZE3e6vaLHCKfVu3w+Vto5T6lOHnwX1qZFxQSgEKrygXkOYqPzrpz/9qXzwgx+UJ598shH2b37zm7Jq1apMbwEd4+GHH5Y1a9Yk7veuu+6SjRs3xtqzf/9+6e7unuhreHhYlixZkrhv03DHjh3ys5/9TG6//fbzrtX+H3vssdd9PfUAGV5Qr9flE5/4hNxxxx1yxRVXZNhzPl1R/pUPV5d7LVSscEq9y7cCtnFKfap7gAX1qXDROCQCVV5Qn7T8SyflKgp00l6r1eTMmTMNQXHttddmKljSTv51Yr5hwwbZvHlzwy77o7b+8Ic/lP7+fpk+fbpoWxVXKjjaESxx93xae0P6ucnCF8q/sqDoXx+FiRVOqffv5qiSxZxSny7aLKhPx4vWYRGo8IL6xOVfKlSuu+668yb5Ovk/ceJE4+29EQKPPPKIXH311fKtb32r8XU7I6EC5/Of/7ysXr1afvSjHzUyNI8++mjj/5s2bZJbbrmlISa0D/13NIuhfX3oQx9q3Hz6/c985jMNwfS1r31Nrr/++gkhpd+3x7KzC7bNdqbIXP+Tn/zkvEyJESNvf/vbJzIrdrZG7dBPXMZFMzo2C21nskD6949+9KMNIfXLX/5ywm+7fTOmcXbbQs3OrMRxVlvtvk2GzAg/te3ZZ59t8Pyrv/qr85gbP+P8UEFof93OvDX7OuVfYT1Lk3pTlFjhlPqkEaFd4QQ4pT4dchbUp+NF67AIVHhBvQYyUflXq7Iik2X58Ic/3BAzdhZGJ7umfCoqVr7xjW80JsT6MWVLKn7iyqq0T22vk3v9mKzODTfcEJtZ0Qm9lkE98MADr8u46PVRn0wWRifjOrHWTM1FF110nrhSP1RQ2SVW2jYqVmw/bX9sH8zEXgWgCgP9qFAz4kiFmBF2Rgw++OCDDYH2xS9+cUI4Gn52OV5UrMRxVhGjH5ufscFknqJZIx3rsssua1xnYmH7MXv2bNm+fbvceeedDQFmMl56D5i+9f8awxtvvFH27dsn99xzz389ceKEliDzqRCBIsQKp9RX6IbyzVVOqU8dMRbUp0bGBaEQqPKC+qTlXxrrZlkKcx9ES7GioqSZWIn7ejOxEp2Um4m0ioe4MrDJysPUbhUzZmJtSsRMPyoKVETYk+/du3c3RJd+3RZTcWVgk40dXfeja2j0Y9bVmDU1dubDcDZZFxUammGKZm3seBhBpW3jOH/729+OzZTZQszOZJm+TcYrzo93vvOdsZkxO6ti+tmyZYusW7dO/7lIRJ4O5ZmCH8kI5C5WOKU+WSBoVQ4BTqlPxZ0F9alw0TgkAhVfUJ+4/MvEPK4MzGQvdAJ73333TawbcUGsNBNYJrvR19fXyOpoFiAqVkwpmJZ+6UezFqacbSpiJbruJ8rUlJdpSZruZGkzjfvZM2LClJOpH/qJZlamIlaM//b4rfywhZaKLxV30RJCyr9Cepqm9yVvscIp9eljwhUFEeCU+lSgWVCfCheNQyJQ8QX1GspE5V+TTVDtBfbLly9vlGXFlYHpxN+UDD333HPyyU9+Ur7yla801qykyaykLQNT2ydbYK9ZgGgWwSzG1xIm/d65c+caYsZee5O2DEztMBkczc6Yyb+92N8uAzNZGVOOZjYwsMvaTOZHS+6iGaKkYsWUgWnsTLmZZpJsJnGixAi4OD/sTFS0zM2w1eve/e53y9NPP/3/j46OXhnScwVfkhPIU6zkfkp93JubqOsm9XjJJZect5guOaJ0LU2Npj4Umm1dmK7Hqbc2vyR0UaF+om9Vko7QrA65Vcpf+9eHmD5gTZ1sqwV/SW1qtx2n1Kcj59qCenNPX3rppectVE3yTEjnebLW7WyfmqznV3927Hpvc12zXYXiGMTVqScdP66d/SzQ77faOtaVZ2G7Pld5QX2a8q8o3+g2wPYC6maLwe3fV/q7Sn/GP/CBDzQVKzqmbo/8/ve/v+UCe7NQvNluYEawmEX5+m976+LJfm9FhY59zydZYG/3HVfapdkT/e/Nb36zGLFnfqfHtU+y8N7EK0lm5W1ve9vE5gSmtCtuThDd1CC6ON/2w2Sg7E0Q4hbkj9tJ+Ve7D7AArstNrOgp9bfccssfbtq0KbcxkkxMsv4l3SrmSWxq1UeW34/bejH6UJ3qeK3Einl4mV9U0fZqo1kIaNLSU7Wp1fWcUt+K0Gvfd3FBvbmH9M2reZOpFpf181fGdqRlihX77kniu89ipeIL6lOXfyV/stASAq0JUP7VmlEVWuQlJAo5pd5MTDQ9q29K9KNvGswbBV14Zxah6URZd7Ew2xxGt0o0WyJqXerf/u3fNtK4t912W+NNhir9j3/8443tEs0bjCSL3jSTYNLWzd42xNkdPZQp7g2UvuXQVKx+7r333sb/4w6viptI6ERPJ3naR9wWiKZv3S5SbTETQ31z9aUvfamxY4r9luWmm26Siy++uPHWJWq7yaiYHyblH7e4Uncr0XR5dN/7PH4IOaU+FVUnF9Sbe9LsJGTqyG2x0uwtqP2W0zwH7J8n3RpVt1E1i1KVlr0tanRLTfu5Et0+NW67T+0vzjZ9XtkLeE25hvavi1t1R5wnnnhi4pnWbAvUVpmVybaMjb7hVFZDQ0MyOjraeLbaW6dq+cef/MmfNJ5DZutYe2tYm5stVpptSZrqriyoccUX1Cvl1OVfBYWGYSpAgMMfKxDkhC7mIVYKO6XeFis6Cdb6V3thm4oMk1mZrEZWt8mza0/tvnSMn//85xMTBS3HuPvuu2X9+vUT9bZ2DWh0i0CzG0izLRSb2W3i12yLR53UqG2mDKZZqYi20ZrRuFODW20fqTbYWyPatbd2/bD6b+qKm51+a2e4opmVJNcnvJ9bNuOU+paI7AbOLqiPLsg192r0BYY5+M2UaX3kIx95XY21LuY0k2xT791sC85mW21Gz1owEM19H93uM672XZ8ruuONeUlgfNG+9PmhzzO105wyHbcFqraN20lHv64vbJo9B+3Fufb2qyqg9EWNOQPD20/0WAAACj1JREFUPE/Un7itYyc7I0OfhVrOE7dVaREvKVLd+SJS9QX1Uyn/Ssua9hCIEuDwR+4Jm0DmYqXIU+rtiUl0kZfZKjBusmBO07UPmzIZkLi91M1EKLowLe6QozixYu8Qon3ZWyg2s9sEqdkWjyoiBgYGYgWTXUo1WRncZNtH6vhmUmF8MgsMdftA7TeaeTH/jvsRi9phv1meLDOT9Y8rp9QnJur0gnpbrNiZQLO9pooKrWPXbKj5mEPcdDJuDobT79mHxZkFv8224Gx2CF2akqzJtkA15wvY4sYsONaJvo5jarrTjNnqOWieJ3b2RJ8j0THinl3RrWPjMlfm5UarQ/wS3505N2RBvVD+lfM9RveTE6D8izskN7FS9Cn1ZYkVnaxrZsXedSM6sbcX2JcpVpqVgelkbdmyZbJnz57Y7SPNBLCnp6fxVlffUOtHxVUzsWJPeKL7uacRTXn9iHJKfXKyri2oj1oel53TRd6nT59+3XkHtniPruGyD1SzdydqtdYtutWm2hd3MF2z7VubnddgSsHe8573NN7sqzAxWdM8xYr94sEIOc3E6IFucWdE2FlWW6zY6+GUSdwLIf16lJ8+L136VHxBvYaC8i+XbsiK2UL5V8UCnsDdLDMrhZ9Sn0astCoDS5NZ+dSnPjVxYq1maexf0GnLwFplVlqVgZk3wXHbEdqTAnPCrH7N2BstZ4tuO6jtvvOd78iVV17ZmDQ12zEkSRlXtAzMnhjmuZOS+RnglPoET4PxJi4uqG8lVvT7JtOpa7fMYWP2ycoquqNnJZhSKlMGFreVqv6Mm/Kn3/md3zlvXYldqhUnVuwy1GbbfcZN8DUjtHHjxonTvdOWgUXPKGhVDhs9o8G0V7GiPuq/bQ7NysCia4ai287aZWD2VqUuiZWqL6in/Cv5s5KW2ROg/Ct7piH0mJVYKeWU+jRixSzsbrbAPo1Y0cW8uv+5WYyqbwF0wq3ZBy3j0K/rhCnJAvtWYiX6FtJeEByd8Ntva+2bM3qyrb11cbPFtnFCxxYrSRfYGzsmKwNrdyvlpD+AnFKflFSjnZML6pOIlWjWpNkCe7t8U8ueDh8+3MgW2uvQjKiP21IzbrMMM1Z0+1R7G1Z78f1kW6BGXxrY69HyXGBvl2+Zn0kdT+1+8cUXGyV1cVuWKiuzdayKEVN+p310dnaKZmdbPQtT3aE5NmZBfVjlX9GXfWluHf05V7EeFdLR36f2dsym/2ZrRZutLU1jV+htKf8KPcLt+ZeJWOGU+vbgc1UxBDilPjFnZxfUJ/aAhpkSqNLkigX1jVsnqPKvqYiVZtug20Ik7mgAI/rjREyVfp7aeRBR/tUOtWpck4VY4ZT6atwrXnrJKfWJw+b0gvrEXtAwUwJVmVyxoL5x2+jp4AcPHjzYKP0N4RMVK3Gb4sRt328fexB3JIDNxhY1ZtMa3RVTD2+M7sKpP08PPPBA43L93WRXFTQ73iCu+kLXjJljDzRrqWWct956a2ML8eh6UV/iSPmXL5Eqx86pipXcT6kvBwujhkCAU+qTR9H1BfXJPaElBNITYEF9WOVf5g6wxYp+zRwhYK+X0sm+fuxt+nWtW7PMin13af/2GWHmGrtPu72KFbMVuCml1nVytm36dy3x1g187LVhKoDs3fjUXrMmzy6zTnJIa/qfkPyvoPwrf8Y+jzAlsVLEKfU+w8X2cglwSn0y/j4sqE/mCa0gkJ4AC+obzIIq/4oTK7r2JMlhzmaNShKxoge13njjjY3DkG2R0Gw3wWimspm4aXW8gb0bnxnbHIDdKhOU/ick/yso/8qfse8jTEWsFHJKve+Asb8cApxSn5i7FwvqE3tDQwikIMCC+gas4Mq/4sSKfi26s529a55Za2LOY3rwwQcb26A326kuKmbiDmONrlvJS6wYf6M+uHjYavTHk/KvFA+sCjdtV6wUdkp9hWOD620S4JT6xOBYUJ8YFQ1DI8CC+lcjOnv27MfXr1//z7X0KLSPXQZml2bZC+OjX9e1ILqzZzOxYrIzX/3qV5sKmbSZFeVuStT076YMLHrkgtlqPZpZsceLHvbsekwp/3I9Qm7Y15ZYKfKUejcwYYVPBDilPlG0WFCfCBONQiTAgvqJqAZZ/hWXWTFnL+kidM2e6H+6CN4IAt3GXD+mjMoseLfLquytyO2fi2jpVVqxYg6Rjtsq3d5SXG18+eWX5SMf+UjjgOY77rijUYIWtcuXUjDKv0J8uubjU2qxUvQp9fm4Ta+hErj99tvPDQwM/HW9Xn9vqD5m4RcL6rOgSB++EmBBfSNywZZ/+XpfVsluyr+qFO2p+5pWrBR+Sv3UXaSHqhDglPpkkWZBfTJOtAqTAAvqX41ryOVfYd65YXlF+VdY8czbmzRipZRT6vMGQP9hEOCU+sRxZEF9YlQ0DI0AC+onIhp0+Vdo921o/lD+FVpE8/cnsVjhlPr8g8EI7RPglPpE7FhQnwgTjUIkwIL6iahS/hXiDe6JT5R/eRIox8xMKlY4pd6xwGHOawQ4pT7R3cCC+kSYaBQiARbUvxZVyr9CvMP98YnyL39i5ZKlScQKp9S7FDFsOY8Ap9QnuyFYUJ+ME63CJMCC+om4Uv4V5i3uhVeUf3kRJieNbClWOKXeybhh1DgBTqlvfSuwoL41I1qES4AF9ROxpfwr3Nvcec8o/3I+RE4b2EqscEq90+GrtnGcUp8o/iyoT4SJRiESYEH9a1Gl/CvEO9wfnyj/8idWLlo6mVjhlHoXI4ZNDQKcUp/oRmBBfSJMNAqRAAvqz4sq5V8h3uSe+ET5lyeBctjMpmJl9uzZT27cuPGqW2+91WHzMa2qBDilvmXkWVDfEhENQiXAgvrzIkv5V6g3ugd+Uf7lQZA8MDFWrHBKvQeRq7CJnFLfOvgsqG/NiBbhEmBB/Wuxpfwr3PvcB88o//IhSu7bGCdWOKXe/bhV1kJOqW8dehbUt2ZEi3AJsKD+vNhS/hXure68Z5R/OR8ibwyMihU9pf7ZgYGBS2+66SZvnMDQahDglPpEcWZBfSJMNAqRAAvqz4sq5V8h3uSe+ET5lyeB8sTM88QKp9R7ErWKmskp9S0Dz4L6lohoECoBFtSfH1nKv0K90/3wi/IvP+Lki5W2WOGUel+iVkE7OaW+ZdBZUN8SEQ1CJcCC+tdFlvKvUG92D/yi/MuDIHlmohErnFLvWeCqZC6n1LeONgvqWzOiRbgEWFB/Xmwp/wr3VnfeM8q/nA+RlwY2xAqn1HsZu8oYPX5K/Zd//etfb6yM0ykcZUF9Clg0DY4AC+rPDynlX8Hd4l45RPmXV+HyxlgVK5xS7024qmcop9S3jDkL6lsiokGoBFhQ/7rIUv4V6s3ugV+Uf3kQJE9NvGDBggXPHj58eJ6n9mN24AQWLFhw9PDhw8v00PrAXW3LvYULFx45dOjQZW1dzEUQ8JzAwoULnz106ND/KSKPe+5KJubzPMgEI520SWD85/FficjTbXbBZRCIJfC/ABIq/I4s/htiAAAAAElFTkSuQmCC"/>
-          <p:cNvSpPr>
-            <a:spLocks noChangeAspect="1" noChangeArrowheads="1"/>
-          </p:cNvSpPr>
-          <p:nvPr/>
-        </p:nvSpPr>
-        <p:spPr bwMode="auto">
-          <a:xfrm>
-            <a:off x="155575" y="-144463"/>
-            <a:ext cx="304800" cy="304801"/>
-          </a:xfrm>
-          <a:prstGeom prst="rect">
-            <a:avLst/>
-          </a:prstGeom>
-          <a:noFill/>
-        </p:spPr>
-        <p:txBody>
-          <a:bodyPr vert="horz" wrap="square" lIns="91440" tIns="45720" rIns="91440" bIns="45720" numCol="1" anchor="t" anchorCtr="0" compatLnSpc="1">
-            <a:prstTxWarp prst="textNoShape">
-              <a:avLst/>
-            </a:prstTxWarp>
-          </a:bodyPr>
-          <a:lstStyle/>
-          <a:p>
-            <a:endParaRPr lang="en-US"/>
-          </a:p>
-        </p:txBody>
-      </p:sp>
       <p:pic>
         <p:nvPicPr>
-          <p:cNvPr id="2062" name="Picture 14" descr="C:\Users\Administrator\Downloads\Untitled Diagram (1).png"/>
+          <p:cNvPr id="9" name="Picture 8">
+            <a:extLst>
+              <a:ext uri="{FF2B5EF4-FFF2-40B4-BE49-F238E27FC236}">
+                <a16:creationId xmlns:a16="http://schemas.microsoft.com/office/drawing/2014/main" id="{8C8A28FB-F3D7-4637-BC40-57C3682E65F2}"/>
+              </a:ext>
+            </a:extLst>
+          </p:cNvPr>
           <p:cNvPicPr>
-            <a:picLocks noChangeAspect="1" noChangeArrowheads="1"/>
+            <a:picLocks noChangeAspect="1"/>
           </p:cNvPicPr>
           <p:nvPr/>
         </p:nvPicPr>
         <p:blipFill>
           <a:blip r:embed="rId2"/>
-          <a:srcRect/>
           <a:stretch>
             <a:fillRect/>
           </a:stretch>
         </p:blipFill>
-        <p:spPr bwMode="auto">
+        <p:spPr>
           <a:xfrm>
-            <a:off x="3263900" y="639763"/>
-            <a:ext cx="6134100" cy="5691322"/>
+            <a:off x="3305908" y="613717"/>
+            <a:ext cx="5018942" cy="5930502"/>
           </a:xfrm>
           <a:prstGeom prst="rect">
             <a:avLst/>
           </a:prstGeom>
-          <a:noFill/>
         </p:spPr>
       </p:pic>
     </p:spTree>
     <p:extLst>
       <p:ext uri="{BB962C8B-B14F-4D97-AF65-F5344CB8AC3E}">
-        <p14:creationId xmlns:p14="http://schemas.microsoft.com/office/powerpoint/2010/main" xmlns="" val="1728695450"/>
+        <p14:creationId xmlns:p14="http://schemas.microsoft.com/office/powerpoint/2010/main" val="1728695450"/>
       </p:ext>
     </p:extLst>
   </p:cSld>
@@ -16193,7 +16056,7 @@
     </p:spTree>
     <p:extLst>
       <p:ext uri="{BB962C8B-B14F-4D97-AF65-F5344CB8AC3E}">
-        <p14:creationId xmlns:p14="http://schemas.microsoft.com/office/powerpoint/2010/main" xmlns="" val="3021781986"/>
+        <p14:creationId xmlns:p14="http://schemas.microsoft.com/office/powerpoint/2010/main" val="3021781986"/>
       </p:ext>
     </p:extLst>
   </p:cSld>
@@ -16247,7 +16110,7 @@
     </a:clrScheme>
     <a:fontScheme name="Office">
       <a:majorFont>
-        <a:latin typeface="Calibri Light"/>
+        <a:latin typeface="Calibri Light" panose="020F0302020204030204"/>
         <a:ea typeface=""/>
         <a:cs typeface=""/>
         <a:font script="Jpan" typeface="游ゴシック Light"/>
@@ -16282,7 +16145,7 @@
         <a:font script="Geor" typeface="Sylfaen"/>
       </a:majorFont>
       <a:minorFont>
-        <a:latin typeface="Calibri"/>
+        <a:latin typeface="Calibri" panose="020F0502020204030204"/>
         <a:ea typeface=""/>
         <a:cs typeface=""/>
         <a:font script="Jpan" typeface="游ゴシック"/>
@@ -16459,7 +16322,7 @@
   <a:extraClrSchemeLst/>
   <a:extLst>
     <a:ext uri="{05A4C25C-085E-4340-85A3-A5531E510DB2}">
-      <thm15:themeFamily xmlns:thm15="http://schemas.microsoft.com/office/thememl/2012/main" xmlns="" name="Office Theme" id="{62F939B6-93AF-4DB8-9C6B-D6C7DFDC589F}" vid="{4A3C46E8-61CC-4603-A589-7422A47A8E4A}"/>
+      <thm15:themeFamily xmlns:thm15="http://schemas.microsoft.com/office/thememl/2012/main" name="Office Theme" id="{62F939B6-93AF-4DB8-9C6B-D6C7DFDC589F}" vid="{4A3C46E8-61CC-4603-A589-7422A47A8E4A}"/>
     </a:ext>
   </a:extLst>
 </a:theme>
@@ -16508,7 +16371,7 @@
     </a:clrScheme>
     <a:fontScheme name="Office">
       <a:majorFont>
-        <a:latin typeface="Calibri Light"/>
+        <a:latin typeface="Calibri Light" panose="020F0302020204030204"/>
         <a:ea typeface=""/>
         <a:cs typeface=""/>
         <a:font script="Jpan" typeface="游ゴシック Light"/>
@@ -16543,7 +16406,7 @@
         <a:font script="Geor" typeface="Sylfaen"/>
       </a:majorFont>
       <a:minorFont>
-        <a:latin typeface="Calibri"/>
+        <a:latin typeface="Calibri" panose="020F0502020204030204"/>
         <a:ea typeface=""/>
         <a:cs typeface=""/>
         <a:font script="Jpan" typeface="游ゴシック"/>
@@ -16720,7 +16583,7 @@
   <a:extraClrSchemeLst/>
   <a:extLst>
     <a:ext uri="{05A4C25C-085E-4340-85A3-A5531E510DB2}">
-      <thm15:themeFamily xmlns:thm15="http://schemas.microsoft.com/office/thememl/2012/main" xmlns="" name="Office Theme" id="{62F939B6-93AF-4DB8-9C6B-D6C7DFDC589F}" vid="{4A3C46E8-61CC-4603-A589-7422A47A8E4A}"/>
+      <thm15:themeFamily xmlns:thm15="http://schemas.microsoft.com/office/thememl/2012/main" name="Office Theme" id="{62F939B6-93AF-4DB8-9C6B-D6C7DFDC589F}" vid="{4A3C46E8-61CC-4603-A589-7422A47A8E4A}"/>
     </a:ext>
   </a:extLst>
 </a:theme>
@@ -16769,7 +16632,7 @@
     </a:clrScheme>
     <a:fontScheme name="Office">
       <a:majorFont>
-        <a:latin typeface="Calibri Light"/>
+        <a:latin typeface="Calibri Light" panose="020F0302020204030204"/>
         <a:ea typeface=""/>
         <a:cs typeface=""/>
         <a:font script="Jpan" typeface="游ゴシック Light"/>
@@ -16804,7 +16667,7 @@
         <a:font script="Geor" typeface="Sylfaen"/>
       </a:majorFont>
       <a:minorFont>
-        <a:latin typeface="Calibri"/>
+        <a:latin typeface="Calibri" panose="020F0502020204030204"/>
         <a:ea typeface=""/>
         <a:cs typeface=""/>
         <a:font script="Jpan" typeface="游ゴシック"/>
@@ -16981,13 +16844,28 @@
   <a:extraClrSchemeLst/>
   <a:extLst>
     <a:ext uri="{05A4C25C-085E-4340-85A3-A5531E510DB2}">
-      <thm15:themeFamily xmlns:thm15="http://schemas.microsoft.com/office/thememl/2012/main" xmlns="" name="Office Theme" id="{62F939B6-93AF-4DB8-9C6B-D6C7DFDC589F}" vid="{4A3C46E8-61CC-4603-A589-7422A47A8E4A}"/>
+      <thm15:themeFamily xmlns:thm15="http://schemas.microsoft.com/office/thememl/2012/main" name="Office Theme" id="{62F939B6-93AF-4DB8-9C6B-D6C7DFDC589F}" vid="{4A3C46E8-61CC-4603-A589-7422A47A8E4A}"/>
     </a:ext>
   </a:extLst>
 </a:theme>
 </file>
 
 <file path=customXml/item1.xml><?xml version="1.0" encoding="utf-8"?>
+<p:properties xmlns:p="http://schemas.microsoft.com/office/2006/metadata/properties" xmlns:xsi="http://www.w3.org/2001/XMLSchema-instance" xmlns:pc="http://schemas.microsoft.com/office/infopath/2007/PartnerControls">
+  <documentManagement/>
+</p:properties>
+</file>
+
+<file path=customXml/item2.xml><?xml version="1.0" encoding="utf-8"?>
+<?mso-contentType ?>
+<FormTemplates xmlns="http://schemas.microsoft.com/sharepoint/v3/contenttype/forms">
+  <Display>DocumentLibraryForm</Display>
+  <Edit>DocumentLibraryForm</Edit>
+  <New>DocumentLibraryForm</New>
+</FormTemplates>
+</file>
+
+<file path=customXml/item3.xml><?xml version="1.0" encoding="utf-8"?>
 <ct:contentTypeSchema xmlns:ct="http://schemas.microsoft.com/office/2006/metadata/contentType" xmlns:ma="http://schemas.microsoft.com/office/2006/metadata/properties/metaAttributes" ct:_="" ma:_="" ma:contentTypeName="Document" ma:contentTypeID="0x010100DF5433FD9677674A86E1B9121C25F6A2" ma:contentTypeVersion="10" ma:contentTypeDescription="Create a new document." ma:contentTypeScope="" ma:versionID="93f44f443900ebe209c401f17a9c1721">
   <xsd:schema xmlns:xsd="http://www.w3.org/2001/XMLSchema" xmlns:xs="http://www.w3.org/2001/XMLSchema" xmlns:p="http://schemas.microsoft.com/office/2006/metadata/properties" xmlns:ns3="4c07b304-0ebf-4890-a7cf-330a13c43ff4" targetNamespace="http://schemas.microsoft.com/office/2006/metadata/properties" ma:root="true" ma:fieldsID="ef215313dd4f97df8787bd73c07f7e2d" ns3:_="">
     <xsd:import namespace="4c07b304-0ebf-4890-a7cf-330a13c43ff4"/>
@@ -17171,22 +17049,31 @@
 </ct:contentTypeSchema>
 </file>
 
-<file path=customXml/item2.xml><?xml version="1.0" encoding="utf-8"?>
-<?mso-contentType ?>
-<FormTemplates xmlns="http://schemas.microsoft.com/sharepoint/v3/contenttype/forms">
-  <Display>DocumentLibraryForm</Display>
-  <Edit>DocumentLibraryForm</Edit>
-  <New>DocumentLibraryForm</New>
-</FormTemplates>
+<file path=customXml/itemProps1.xml><?xml version="1.0" encoding="utf-8"?>
+<ds:datastoreItem xmlns:ds="http://schemas.openxmlformats.org/officeDocument/2006/customXml" ds:itemID="{9C041669-84FC-4064-8457-B32FC47DF5D5}">
+  <ds:schemaRefs>
+    <ds:schemaRef ds:uri="4c07b304-0ebf-4890-a7cf-330a13c43ff4"/>
+    <ds:schemaRef ds:uri="http://schemas.openxmlformats.org/package/2006/metadata/core-properties"/>
+    <ds:schemaRef ds:uri="http://schemas.microsoft.com/office/2006/metadata/properties"/>
+    <ds:schemaRef ds:uri="http://schemas.microsoft.com/office/2006/documentManagement/types"/>
+    <ds:schemaRef ds:uri="http://purl.org/dc/terms/"/>
+    <ds:schemaRef ds:uri="http://purl.org/dc/dcmitype/"/>
+    <ds:schemaRef ds:uri="http://purl.org/dc/elements/1.1/"/>
+    <ds:schemaRef ds:uri="http://schemas.microsoft.com/office/infopath/2007/PartnerControls"/>
+    <ds:schemaRef ds:uri="http://www.w3.org/XML/1998/namespace"/>
+  </ds:schemaRefs>
+</ds:datastoreItem>
 </file>
 
-<file path=customXml/item3.xml><?xml version="1.0" encoding="utf-8"?>
-<p:properties xmlns:p="http://schemas.microsoft.com/office/2006/metadata/properties" xmlns:xsi="http://www.w3.org/2001/XMLSchema-instance" xmlns:pc="http://schemas.microsoft.com/office/infopath/2007/PartnerControls">
-  <documentManagement/>
-</p:properties>
+<file path=customXml/itemProps2.xml><?xml version="1.0" encoding="utf-8"?>
+<ds:datastoreItem xmlns:ds="http://schemas.openxmlformats.org/officeDocument/2006/customXml" ds:itemID="{1DDE34AA-B26D-4BCC-B13A-A91CBB454EF2}">
+  <ds:schemaRefs>
+    <ds:schemaRef ds:uri="http://schemas.microsoft.com/sharepoint/v3/contenttype/forms"/>
+  </ds:schemaRefs>
+</ds:datastoreItem>
 </file>
 
-<file path=customXml/itemProps1.xml><?xml version="1.0" encoding="utf-8"?>
+<file path=customXml/itemProps3.xml><?xml version="1.0" encoding="utf-8"?>
 <ds:datastoreItem xmlns:ds="http://schemas.openxmlformats.org/officeDocument/2006/customXml" ds:itemID="{5A837918-DEC2-4FE0-AE5B-992E36805640}">
   <ds:schemaRefs>
     <ds:schemaRef ds:uri="http://schemas.microsoft.com/office/2006/metadata/contentType"/>
@@ -17202,28 +17089,4 @@
     <ds:schemaRef ds:uri="http://schemas.microsoft.com/internal/obd"/>
   </ds:schemaRefs>
 </ds:datastoreItem>
-</file>
-
-<file path=customXml/itemProps2.xml><?xml version="1.0" encoding="utf-8"?>
-<ds:datastoreItem xmlns:ds="http://schemas.openxmlformats.org/officeDocument/2006/customXml" ds:itemID="{1DDE34AA-B26D-4BCC-B13A-A91CBB454EF2}">
-  <ds:schemaRefs>
-    <ds:schemaRef ds:uri="http://schemas.microsoft.com/sharepoint/v3/contenttype/forms"/>
-  </ds:schemaRefs>
-</ds:datastoreItem>
-</file>
-
-<file path=customXml/itemProps3.xml><?xml version="1.0" encoding="utf-8"?>
-<ds:datastoreItem xmlns:ds="http://schemas.openxmlformats.org/officeDocument/2006/customXml" ds:itemID="{9C041669-84FC-4064-8457-B32FC47DF5D5}">
-  <ds:schemaRefs>
-    <ds:schemaRef ds:uri="http://schemas.microsoft.com/office/infopath/2007/PartnerControls"/>
-    <ds:schemaRef ds:uri="http://schemas.microsoft.com/office/2006/documentManagement/types"/>
-    <ds:schemaRef ds:uri="http://purl.org/dc/elements/1.1/"/>
-    <ds:schemaRef ds:uri="http://schemas.openxmlformats.org/package/2006/metadata/core-properties"/>
-    <ds:schemaRef ds:uri="4c07b304-0ebf-4890-a7cf-330a13c43ff4"/>
-    <ds:schemaRef ds:uri="http://www.w3.org/XML/1998/namespace"/>
-    <ds:schemaRef ds:uri="http://purl.org/dc/dcmitype/"/>
-    <ds:schemaRef ds:uri="http://schemas.microsoft.com/office/2006/metadata/properties"/>
-    <ds:schemaRef ds:uri="http://purl.org/dc/terms/"/>
-  </ds:schemaRefs>
-</ds:datastoreItem>
 </file>
--- a/Presentation/OpenHackwithIBM_Solution_v3.pptx
+++ b/Presentation/OpenHackwithIBM_Solution_v3.pptx
@@ -233,6 +233,30 @@
       </pc:sldChg>
     </pc:docChg>
   </pc:docChgLst>
+  <pc:docChgLst>
+    <pc:chgData name="Asha Veerabhadraiah" userId="247ce189-6f1e-4d8f-98fc-82544985ad72" providerId="ADAL" clId="{F24843D2-69E9-4544-9DEC-5DFC2B200D37}"/>
+    <pc:docChg chg="undo modSld">
+      <pc:chgData name="Asha Veerabhadraiah" userId="247ce189-6f1e-4d8f-98fc-82544985ad72" providerId="ADAL" clId="{F24843D2-69E9-4544-9DEC-5DFC2B200D37}" dt="2020-05-05T11:35:15.249" v="54" actId="6549"/>
+      <pc:docMkLst>
+        <pc:docMk/>
+      </pc:docMkLst>
+      <pc:sldChg chg="modSp">
+        <pc:chgData name="Asha Veerabhadraiah" userId="247ce189-6f1e-4d8f-98fc-82544985ad72" providerId="ADAL" clId="{F24843D2-69E9-4544-9DEC-5DFC2B200D37}" dt="2020-05-05T11:35:15.249" v="54" actId="6549"/>
+        <pc:sldMkLst>
+          <pc:docMk/>
+          <pc:sldMk cId="1018848251" sldId="264"/>
+        </pc:sldMkLst>
+        <pc:graphicFrameChg chg="modGraphic">
+          <ac:chgData name="Asha Veerabhadraiah" userId="247ce189-6f1e-4d8f-98fc-82544985ad72" providerId="ADAL" clId="{F24843D2-69E9-4544-9DEC-5DFC2B200D37}" dt="2020-05-05T11:35:15.249" v="54" actId="6549"/>
+          <ac:graphicFrameMkLst>
+            <pc:docMk/>
+            <pc:sldMk cId="1018848251" sldId="264"/>
+            <ac:graphicFrameMk id="2" creationId="{00000000-0000-0000-0000-000000000000}"/>
+          </ac:graphicFrameMkLst>
+        </pc:graphicFrameChg>
+      </pc:sldChg>
+    </pc:docChg>
+  </pc:docChgLst>
 </pc:chgInfo>
 </file>
 
@@ -318,7 +342,7 @@
           <a:p>
             <a:fld id="{DD634F6A-6287-4B36-9A95-0F17B3383A7B}" type="datetimeFigureOut">
               <a:rPr lang="en-US" smtClean="0"/>
-              <a:t>5/4/2020</a:t>
+              <a:t>5/5/2020</a:t>
             </a:fld>
             <a:endParaRPr lang="en-US"/>
           </a:p>
@@ -960,7 +984,7 @@
           <a:p>
             <a:fld id="{4417404F-2166-4BB4-87AF-2DF1DBD94F21}" type="datetimeFigureOut">
               <a:rPr lang="en-US" smtClean="0"/>
-              <a:t>5/4/2020</a:t>
+              <a:t>5/5/2020</a:t>
             </a:fld>
             <a:endParaRPr lang="en-US"/>
           </a:p>
@@ -1128,7 +1152,7 @@
           <a:p>
             <a:fld id="{4417404F-2166-4BB4-87AF-2DF1DBD94F21}" type="datetimeFigureOut">
               <a:rPr lang="en-US" smtClean="0"/>
-              <a:t>5/4/2020</a:t>
+              <a:t>5/5/2020</a:t>
             </a:fld>
             <a:endParaRPr lang="en-US"/>
           </a:p>
@@ -1306,7 +1330,7 @@
           <a:p>
             <a:fld id="{4417404F-2166-4BB4-87AF-2DF1DBD94F21}" type="datetimeFigureOut">
               <a:rPr lang="en-US" smtClean="0"/>
-              <a:t>5/4/2020</a:t>
+              <a:t>5/5/2020</a:t>
             </a:fld>
             <a:endParaRPr lang="en-US"/>
           </a:p>
@@ -3022,7 +3046,7 @@
           <a:p>
             <a:fld id="{379A628B-A5BE-42DB-8D82-5ACECE545EE2}" type="datetimeFigureOut">
               <a:rPr lang="en-US" smtClean="0"/>
-              <a:t>5/4/2020</a:t>
+              <a:t>5/5/2020</a:t>
             </a:fld>
             <a:endParaRPr lang="en-US"/>
           </a:p>
@@ -3190,7 +3214,7 @@
           <a:p>
             <a:fld id="{379A628B-A5BE-42DB-8D82-5ACECE545EE2}" type="datetimeFigureOut">
               <a:rPr lang="en-US" smtClean="0"/>
-              <a:t>5/4/2020</a:t>
+              <a:t>5/5/2020</a:t>
             </a:fld>
             <a:endParaRPr lang="en-US"/>
           </a:p>
@@ -3435,7 +3459,7 @@
           <a:p>
             <a:fld id="{379A628B-A5BE-42DB-8D82-5ACECE545EE2}" type="datetimeFigureOut">
               <a:rPr lang="en-US" smtClean="0"/>
-              <a:t>5/4/2020</a:t>
+              <a:t>5/5/2020</a:t>
             </a:fld>
             <a:endParaRPr lang="en-US"/>
           </a:p>
@@ -3664,7 +3688,7 @@
           <a:p>
             <a:fld id="{379A628B-A5BE-42DB-8D82-5ACECE545EE2}" type="datetimeFigureOut">
               <a:rPr lang="en-US" smtClean="0"/>
-              <a:t>5/4/2020</a:t>
+              <a:t>5/5/2020</a:t>
             </a:fld>
             <a:endParaRPr lang="en-US"/>
           </a:p>
@@ -4028,7 +4052,7 @@
           <a:p>
             <a:fld id="{379A628B-A5BE-42DB-8D82-5ACECE545EE2}" type="datetimeFigureOut">
               <a:rPr lang="en-US" smtClean="0"/>
-              <a:t>5/4/2020</a:t>
+              <a:t>5/5/2020</a:t>
             </a:fld>
             <a:endParaRPr lang="en-US"/>
           </a:p>
@@ -4145,7 +4169,7 @@
           <a:p>
             <a:fld id="{379A628B-A5BE-42DB-8D82-5ACECE545EE2}" type="datetimeFigureOut">
               <a:rPr lang="en-US" smtClean="0"/>
-              <a:t>5/4/2020</a:t>
+              <a:t>5/5/2020</a:t>
             </a:fld>
             <a:endParaRPr lang="en-US"/>
           </a:p>
@@ -4313,7 +4337,7 @@
           <a:p>
             <a:fld id="{4417404F-2166-4BB4-87AF-2DF1DBD94F21}" type="datetimeFigureOut">
               <a:rPr lang="en-US" smtClean="0"/>
-              <a:t>5/4/2020</a:t>
+              <a:t>5/5/2020</a:t>
             </a:fld>
             <a:endParaRPr lang="en-US"/>
           </a:p>
@@ -4408,7 +4432,7 @@
           <a:p>
             <a:fld id="{379A628B-A5BE-42DB-8D82-5ACECE545EE2}" type="datetimeFigureOut">
               <a:rPr lang="en-US" smtClean="0"/>
-              <a:t>5/4/2020</a:t>
+              <a:t>5/5/2020</a:t>
             </a:fld>
             <a:endParaRPr lang="en-US"/>
           </a:p>
@@ -4683,7 +4707,7 @@
           <a:p>
             <a:fld id="{379A628B-A5BE-42DB-8D82-5ACECE545EE2}" type="datetimeFigureOut">
               <a:rPr lang="en-US" smtClean="0"/>
-              <a:t>5/4/2020</a:t>
+              <a:t>5/5/2020</a:t>
             </a:fld>
             <a:endParaRPr lang="en-US"/>
           </a:p>
@@ -4935,7 +4959,7 @@
           <a:p>
             <a:fld id="{379A628B-A5BE-42DB-8D82-5ACECE545EE2}" type="datetimeFigureOut">
               <a:rPr lang="en-US" smtClean="0"/>
-              <a:t>5/4/2020</a:t>
+              <a:t>5/5/2020</a:t>
             </a:fld>
             <a:endParaRPr lang="en-US"/>
           </a:p>
@@ -5103,7 +5127,7 @@
           <a:p>
             <a:fld id="{379A628B-A5BE-42DB-8D82-5ACECE545EE2}" type="datetimeFigureOut">
               <a:rPr lang="en-US" smtClean="0"/>
-              <a:t>5/4/2020</a:t>
+              <a:t>5/5/2020</a:t>
             </a:fld>
             <a:endParaRPr lang="en-US"/>
           </a:p>
@@ -5281,7 +5305,7 @@
           <a:p>
             <a:fld id="{379A628B-A5BE-42DB-8D82-5ACECE545EE2}" type="datetimeFigureOut">
               <a:rPr lang="en-US" smtClean="0"/>
-              <a:t>5/4/2020</a:t>
+              <a:t>5/5/2020</a:t>
             </a:fld>
             <a:endParaRPr lang="en-US"/>
           </a:p>
@@ -9677,7 +9701,7 @@
           <a:p>
             <a:fld id="{4417404F-2166-4BB4-87AF-2DF1DBD94F21}" type="datetimeFigureOut">
               <a:rPr lang="en-US" smtClean="0"/>
-              <a:t>5/4/2020</a:t>
+              <a:t>5/5/2020</a:t>
             </a:fld>
             <a:endParaRPr lang="en-US"/>
           </a:p>
@@ -11089,7 +11113,7 @@
           <a:p>
             <a:fld id="{4417404F-2166-4BB4-87AF-2DF1DBD94F21}" type="datetimeFigureOut">
               <a:rPr lang="en-US" smtClean="0"/>
-              <a:t>5/4/2020</a:t>
+              <a:t>5/5/2020</a:t>
             </a:fld>
             <a:endParaRPr lang="en-US"/>
           </a:p>
@@ -11453,7 +11477,7 @@
           <a:p>
             <a:fld id="{4417404F-2166-4BB4-87AF-2DF1DBD94F21}" type="datetimeFigureOut">
               <a:rPr lang="en-US" smtClean="0"/>
-              <a:t>5/4/2020</a:t>
+              <a:t>5/5/2020</a:t>
             </a:fld>
             <a:endParaRPr lang="en-US"/>
           </a:p>
@@ -11570,7 +11594,7 @@
           <a:p>
             <a:fld id="{4417404F-2166-4BB4-87AF-2DF1DBD94F21}" type="datetimeFigureOut">
               <a:rPr lang="en-US" smtClean="0"/>
-              <a:t>5/4/2020</a:t>
+              <a:t>5/5/2020</a:t>
             </a:fld>
             <a:endParaRPr lang="en-US"/>
           </a:p>
@@ -11665,7 +11689,7 @@
           <a:p>
             <a:fld id="{4417404F-2166-4BB4-87AF-2DF1DBD94F21}" type="datetimeFigureOut">
               <a:rPr lang="en-US" smtClean="0"/>
-              <a:t>5/4/2020</a:t>
+              <a:t>5/5/2020</a:t>
             </a:fld>
             <a:endParaRPr lang="en-US"/>
           </a:p>
@@ -11940,7 +11964,7 @@
           <a:p>
             <a:fld id="{4417404F-2166-4BB4-87AF-2DF1DBD94F21}" type="datetimeFigureOut">
               <a:rPr lang="en-US" smtClean="0"/>
-              <a:t>5/4/2020</a:t>
+              <a:t>5/5/2020</a:t>
             </a:fld>
             <a:endParaRPr lang="en-US"/>
           </a:p>
@@ -12192,7 +12216,7 @@
           <a:p>
             <a:fld id="{4417404F-2166-4BB4-87AF-2DF1DBD94F21}" type="datetimeFigureOut">
               <a:rPr lang="en-US" smtClean="0"/>
-              <a:t>5/4/2020</a:t>
+              <a:t>5/5/2020</a:t>
             </a:fld>
             <a:endParaRPr lang="en-US"/>
           </a:p>
@@ -12403,7 +12427,7 @@
           <a:p>
             <a:fld id="{4417404F-2166-4BB4-87AF-2DF1DBD94F21}" type="datetimeFigureOut">
               <a:rPr lang="en-US" smtClean="0"/>
-              <a:t>5/4/2020</a:t>
+              <a:t>5/5/2020</a:t>
             </a:fld>
             <a:endParaRPr lang="en-US"/>
           </a:p>
@@ -12943,7 +12967,7 @@
           <a:p>
             <a:fld id="{379A628B-A5BE-42DB-8D82-5ACECE545EE2}" type="datetimeFigureOut">
               <a:rPr lang="en-US" smtClean="0"/>
-              <a:t>5/4/2020</a:t>
+              <a:t>5/5/2020</a:t>
             </a:fld>
             <a:endParaRPr lang="en-US"/>
           </a:p>
@@ -13504,7 +13528,7 @@
           <p:nvPr>
             <p:extLst>
               <p:ext uri="{D42A27DB-BD31-4B8C-83A1-F6EECF244321}">
-                <p14:modId xmlns:p14="http://schemas.microsoft.com/office/powerpoint/2010/main" val="2683671724"/>
+                <p14:modId xmlns:p14="http://schemas.microsoft.com/office/powerpoint/2010/main" val="3081595493"/>
               </p:ext>
             </p:extLst>
           </p:nvPr>
@@ -15056,7 +15080,11 @@
                       </a:pPr>
                       <a:r>
                         <a:rPr lang="en-US" sz="1200" b="0" baseline="0" dirty="0"/>
-                        <a:t> Information about nearest COVID operating hospitals.</a:t>
+                        <a:t> Information about COVID statistics </a:t>
+                      </a:r>
+                      <a:r>
+                        <a:rPr lang="en-US" sz="1200" b="0" baseline="0"/>
+                        <a:t>from CDC.</a:t>
                       </a:r>
                       <a:endParaRPr lang="en-US" sz="1200" b="0" dirty="0"/>
                     </a:p>
@@ -16851,21 +16879,6 @@
 </file>
 
 <file path=customXml/item1.xml><?xml version="1.0" encoding="utf-8"?>
-<p:properties xmlns:p="http://schemas.microsoft.com/office/2006/metadata/properties" xmlns:xsi="http://www.w3.org/2001/XMLSchema-instance" xmlns:pc="http://schemas.microsoft.com/office/infopath/2007/PartnerControls">
-  <documentManagement/>
-</p:properties>
-</file>
-
-<file path=customXml/item2.xml><?xml version="1.0" encoding="utf-8"?>
-<?mso-contentType ?>
-<FormTemplates xmlns="http://schemas.microsoft.com/sharepoint/v3/contenttype/forms">
-  <Display>DocumentLibraryForm</Display>
-  <Edit>DocumentLibraryForm</Edit>
-  <New>DocumentLibraryForm</New>
-</FormTemplates>
-</file>
-
-<file path=customXml/item3.xml><?xml version="1.0" encoding="utf-8"?>
 <ct:contentTypeSchema xmlns:ct="http://schemas.microsoft.com/office/2006/metadata/contentType" xmlns:ma="http://schemas.microsoft.com/office/2006/metadata/properties/metaAttributes" ct:_="" ma:_="" ma:contentTypeName="Document" ma:contentTypeID="0x010100DF5433FD9677674A86E1B9121C25F6A2" ma:contentTypeVersion="10" ma:contentTypeDescription="Create a new document." ma:contentTypeScope="" ma:versionID="93f44f443900ebe209c401f17a9c1721">
   <xsd:schema xmlns:xsd="http://www.w3.org/2001/XMLSchema" xmlns:xs="http://www.w3.org/2001/XMLSchema" xmlns:p="http://schemas.microsoft.com/office/2006/metadata/properties" xmlns:ns3="4c07b304-0ebf-4890-a7cf-330a13c43ff4" targetNamespace="http://schemas.microsoft.com/office/2006/metadata/properties" ma:root="true" ma:fieldsID="ef215313dd4f97df8787bd73c07f7e2d" ns3:_="">
     <xsd:import namespace="4c07b304-0ebf-4890-a7cf-330a13c43ff4"/>
@@ -17049,31 +17062,22 @@
 </ct:contentTypeSchema>
 </file>
 
-<file path=customXml/itemProps1.xml><?xml version="1.0" encoding="utf-8"?>
-<ds:datastoreItem xmlns:ds="http://schemas.openxmlformats.org/officeDocument/2006/customXml" ds:itemID="{9C041669-84FC-4064-8457-B32FC47DF5D5}">
-  <ds:schemaRefs>
-    <ds:schemaRef ds:uri="4c07b304-0ebf-4890-a7cf-330a13c43ff4"/>
-    <ds:schemaRef ds:uri="http://schemas.openxmlformats.org/package/2006/metadata/core-properties"/>
-    <ds:schemaRef ds:uri="http://schemas.microsoft.com/office/2006/metadata/properties"/>
-    <ds:schemaRef ds:uri="http://schemas.microsoft.com/office/2006/documentManagement/types"/>
-    <ds:schemaRef ds:uri="http://purl.org/dc/terms/"/>
-    <ds:schemaRef ds:uri="http://purl.org/dc/dcmitype/"/>
-    <ds:schemaRef ds:uri="http://purl.org/dc/elements/1.1/"/>
-    <ds:schemaRef ds:uri="http://schemas.microsoft.com/office/infopath/2007/PartnerControls"/>
-    <ds:schemaRef ds:uri="http://www.w3.org/XML/1998/namespace"/>
-  </ds:schemaRefs>
-</ds:datastoreItem>
+<file path=customXml/item2.xml><?xml version="1.0" encoding="utf-8"?>
+<?mso-contentType ?>
+<FormTemplates xmlns="http://schemas.microsoft.com/sharepoint/v3/contenttype/forms">
+  <Display>DocumentLibraryForm</Display>
+  <Edit>DocumentLibraryForm</Edit>
+  <New>DocumentLibraryForm</New>
+</FormTemplates>
 </file>
 
-<file path=customXml/itemProps2.xml><?xml version="1.0" encoding="utf-8"?>
-<ds:datastoreItem xmlns:ds="http://schemas.openxmlformats.org/officeDocument/2006/customXml" ds:itemID="{1DDE34AA-B26D-4BCC-B13A-A91CBB454EF2}">
-  <ds:schemaRefs>
-    <ds:schemaRef ds:uri="http://schemas.microsoft.com/sharepoint/v3/contenttype/forms"/>
-  </ds:schemaRefs>
-</ds:datastoreItem>
+<file path=customXml/item3.xml><?xml version="1.0" encoding="utf-8"?>
+<p:properties xmlns:p="http://schemas.microsoft.com/office/2006/metadata/properties" xmlns:xsi="http://www.w3.org/2001/XMLSchema-instance" xmlns:pc="http://schemas.microsoft.com/office/infopath/2007/PartnerControls">
+  <documentManagement/>
+</p:properties>
 </file>
 
-<file path=customXml/itemProps3.xml><?xml version="1.0" encoding="utf-8"?>
+<file path=customXml/itemProps1.xml><?xml version="1.0" encoding="utf-8"?>
 <ds:datastoreItem xmlns:ds="http://schemas.openxmlformats.org/officeDocument/2006/customXml" ds:itemID="{5A837918-DEC2-4FE0-AE5B-992E36805640}">
   <ds:schemaRefs>
     <ds:schemaRef ds:uri="http://schemas.microsoft.com/office/2006/metadata/contentType"/>
@@ -17089,4 +17093,28 @@
     <ds:schemaRef ds:uri="http://schemas.microsoft.com/internal/obd"/>
   </ds:schemaRefs>
 </ds:datastoreItem>
+</file>
+
+<file path=customXml/itemProps2.xml><?xml version="1.0" encoding="utf-8"?>
+<ds:datastoreItem xmlns:ds="http://schemas.openxmlformats.org/officeDocument/2006/customXml" ds:itemID="{1DDE34AA-B26D-4BCC-B13A-A91CBB454EF2}">
+  <ds:schemaRefs>
+    <ds:schemaRef ds:uri="http://schemas.microsoft.com/sharepoint/v3/contenttype/forms"/>
+  </ds:schemaRefs>
+</ds:datastoreItem>
+</file>
+
+<file path=customXml/itemProps3.xml><?xml version="1.0" encoding="utf-8"?>
+<ds:datastoreItem xmlns:ds="http://schemas.openxmlformats.org/officeDocument/2006/customXml" ds:itemID="{9C041669-84FC-4064-8457-B32FC47DF5D5}">
+  <ds:schemaRefs>
+    <ds:schemaRef ds:uri="http://schemas.microsoft.com/office/2006/metadata/properties"/>
+    <ds:schemaRef ds:uri="4c07b304-0ebf-4890-a7cf-330a13c43ff4"/>
+    <ds:schemaRef ds:uri="http://purl.org/dc/dcmitype/"/>
+    <ds:schemaRef ds:uri="http://purl.org/dc/elements/1.1/"/>
+    <ds:schemaRef ds:uri="http://schemas.microsoft.com/office/2006/documentManagement/types"/>
+    <ds:schemaRef ds:uri="http://purl.org/dc/terms/"/>
+    <ds:schemaRef ds:uri="http://schemas.openxmlformats.org/package/2006/metadata/core-properties"/>
+    <ds:schemaRef ds:uri="http://schemas.microsoft.com/office/infopath/2007/PartnerControls"/>
+    <ds:schemaRef ds:uri="http://www.w3.org/XML/1998/namespace"/>
+  </ds:schemaRefs>
+</ds:datastoreItem>
 </file>
--- a/Presentation/OpenHackwithIBM_Solution_v3.pptx
+++ b/Presentation/OpenHackwithIBM_Solution_v3.pptx
@@ -115,7 +115,7 @@
   </p:defaultTextStyle>
   <p:extLst>
     <p:ext uri="{EFAFB233-063F-42B5-8137-9DF3F51BA10A}">
-      <p15:sldGuideLst xmlns:p15="http://schemas.microsoft.com/office/powerpoint/2012/main"/>
+      <p15:sldGuideLst xmlns="" xmlns:p15="http://schemas.microsoft.com/office/powerpoint/2012/main"/>
     </p:ext>
   </p:extLst>
 </p:presentation>
@@ -342,7 +342,8 @@
           <a:p>
             <a:fld id="{DD634F6A-6287-4B36-9A95-0F17B3383A7B}" type="datetimeFigureOut">
               <a:rPr lang="en-US" smtClean="0"/>
-              <a:t>5/5/2020</a:t>
+              <a:pPr/>
+              <a:t>5/12/2020</a:t>
             </a:fld>
             <a:endParaRPr lang="en-US"/>
           </a:p>
@@ -500,6 +501,7 @@
           <a:p>
             <a:fld id="{5E540504-B766-4F25-A31C-5848501400E7}" type="slidenum">
               <a:rPr lang="en-US" smtClean="0"/>
+              <a:pPr/>
               <a:t>‹#›</a:t>
             </a:fld>
             <a:endParaRPr lang="en-US"/>
@@ -509,7 +511,7 @@
     </p:spTree>
     <p:extLst>
       <p:ext uri="{BB962C8B-B14F-4D97-AF65-F5344CB8AC3E}">
-        <p14:creationId xmlns:p14="http://schemas.microsoft.com/office/powerpoint/2010/main" val="3323206892"/>
+        <p14:creationId xmlns="" xmlns:p14="http://schemas.microsoft.com/office/powerpoint/2010/main" val="3323206892"/>
       </p:ext>
     </p:extLst>
   </p:cSld>
@@ -685,7 +687,7 @@
     </p:spTree>
     <p:extLst>
       <p:ext uri="{BB962C8B-B14F-4D97-AF65-F5344CB8AC3E}">
-        <p14:creationId xmlns:p14="http://schemas.microsoft.com/office/powerpoint/2010/main" val="595591929"/>
+        <p14:creationId xmlns="" xmlns:p14="http://schemas.microsoft.com/office/powerpoint/2010/main" val="595591929"/>
       </p:ext>
     </p:extLst>
   </p:cSld>
@@ -765,7 +767,7 @@
     </p:spTree>
     <p:extLst>
       <p:ext uri="{BB962C8B-B14F-4D97-AF65-F5344CB8AC3E}">
-        <p14:creationId xmlns:p14="http://schemas.microsoft.com/office/powerpoint/2010/main" val="1229805057"/>
+        <p14:creationId xmlns="" xmlns:p14="http://schemas.microsoft.com/office/powerpoint/2010/main" val="1229805057"/>
       </p:ext>
     </p:extLst>
   </p:cSld>
@@ -845,7 +847,7 @@
     </p:spTree>
     <p:extLst>
       <p:ext uri="{BB962C8B-B14F-4D97-AF65-F5344CB8AC3E}">
-        <p14:creationId xmlns:p14="http://schemas.microsoft.com/office/powerpoint/2010/main" val="2887709669"/>
+        <p14:creationId xmlns="" xmlns:p14="http://schemas.microsoft.com/office/powerpoint/2010/main" val="2887709669"/>
       </p:ext>
     </p:extLst>
   </p:cSld>
@@ -984,7 +986,8 @@
           <a:p>
             <a:fld id="{4417404F-2166-4BB4-87AF-2DF1DBD94F21}" type="datetimeFigureOut">
               <a:rPr lang="en-US" smtClean="0"/>
-              <a:t>5/5/2020</a:t>
+              <a:pPr/>
+              <a:t>5/12/2020</a:t>
             </a:fld>
             <a:endParaRPr lang="en-US"/>
           </a:p>
@@ -1026,6 +1029,7 @@
           <a:p>
             <a:fld id="{BA724383-3E42-428D-8C6D-A19136BFB428}" type="slidenum">
               <a:rPr lang="en-US" smtClean="0"/>
+              <a:pPr/>
               <a:t>‹#›</a:t>
             </a:fld>
             <a:endParaRPr lang="en-US"/>
@@ -1035,7 +1039,7 @@
     </p:spTree>
     <p:extLst>
       <p:ext uri="{BB962C8B-B14F-4D97-AF65-F5344CB8AC3E}">
-        <p14:creationId xmlns:p14="http://schemas.microsoft.com/office/powerpoint/2010/main" val="2265751529"/>
+        <p14:creationId xmlns="" xmlns:p14="http://schemas.microsoft.com/office/powerpoint/2010/main" val="2265751529"/>
       </p:ext>
     </p:extLst>
   </p:cSld>
@@ -1152,7 +1156,8 @@
           <a:p>
             <a:fld id="{4417404F-2166-4BB4-87AF-2DF1DBD94F21}" type="datetimeFigureOut">
               <a:rPr lang="en-US" smtClean="0"/>
-              <a:t>5/5/2020</a:t>
+              <a:pPr/>
+              <a:t>5/12/2020</a:t>
             </a:fld>
             <a:endParaRPr lang="en-US"/>
           </a:p>
@@ -1194,6 +1199,7 @@
           <a:p>
             <a:fld id="{BA724383-3E42-428D-8C6D-A19136BFB428}" type="slidenum">
               <a:rPr lang="en-US" smtClean="0"/>
+              <a:pPr/>
               <a:t>‹#›</a:t>
             </a:fld>
             <a:endParaRPr lang="en-US"/>
@@ -1203,7 +1209,7 @@
     </p:spTree>
     <p:extLst>
       <p:ext uri="{BB962C8B-B14F-4D97-AF65-F5344CB8AC3E}">
-        <p14:creationId xmlns:p14="http://schemas.microsoft.com/office/powerpoint/2010/main" val="3099789300"/>
+        <p14:creationId xmlns="" xmlns:p14="http://schemas.microsoft.com/office/powerpoint/2010/main" val="3099789300"/>
       </p:ext>
     </p:extLst>
   </p:cSld>
@@ -1330,7 +1336,8 @@
           <a:p>
             <a:fld id="{4417404F-2166-4BB4-87AF-2DF1DBD94F21}" type="datetimeFigureOut">
               <a:rPr lang="en-US" smtClean="0"/>
-              <a:t>5/5/2020</a:t>
+              <a:pPr/>
+              <a:t>5/12/2020</a:t>
             </a:fld>
             <a:endParaRPr lang="en-US"/>
           </a:p>
@@ -1372,6 +1379,7 @@
           <a:p>
             <a:fld id="{BA724383-3E42-428D-8C6D-A19136BFB428}" type="slidenum">
               <a:rPr lang="en-US" smtClean="0"/>
+              <a:pPr/>
               <a:t>‹#›</a:t>
             </a:fld>
             <a:endParaRPr lang="en-US"/>
@@ -1381,7 +1389,7 @@
     </p:spTree>
     <p:extLst>
       <p:ext uri="{BB962C8B-B14F-4D97-AF65-F5344CB8AC3E}">
-        <p14:creationId xmlns:p14="http://schemas.microsoft.com/office/powerpoint/2010/main" val="399918238"/>
+        <p14:creationId xmlns="" xmlns:p14="http://schemas.microsoft.com/office/powerpoint/2010/main" val="399918238"/>
       </p:ext>
     </p:extLst>
   </p:cSld>
@@ -1723,7 +1731,7 @@
     </p:spTree>
     <p:extLst>
       <p:ext uri="{BB962C8B-B14F-4D97-AF65-F5344CB8AC3E}">
-        <p14:creationId xmlns:p14="http://schemas.microsoft.com/office/powerpoint/2010/main" val="3889223033"/>
+        <p14:creationId xmlns="" xmlns:p14="http://schemas.microsoft.com/office/powerpoint/2010/main" val="3889223033"/>
       </p:ext>
     </p:extLst>
   </p:cSld>
@@ -2906,7 +2914,7 @@
     </p:spTree>
     <p:extLst>
       <p:ext uri="{BB962C8B-B14F-4D97-AF65-F5344CB8AC3E}">
-        <p14:creationId xmlns:p14="http://schemas.microsoft.com/office/powerpoint/2010/main" val="1924409428"/>
+        <p14:creationId xmlns="" xmlns:p14="http://schemas.microsoft.com/office/powerpoint/2010/main" val="1924409428"/>
       </p:ext>
     </p:extLst>
   </p:cSld>
@@ -3046,7 +3054,8 @@
           <a:p>
             <a:fld id="{379A628B-A5BE-42DB-8D82-5ACECE545EE2}" type="datetimeFigureOut">
               <a:rPr lang="en-US" smtClean="0"/>
-              <a:t>5/5/2020</a:t>
+              <a:pPr/>
+              <a:t>5/12/2020</a:t>
             </a:fld>
             <a:endParaRPr lang="en-US"/>
           </a:p>
@@ -3088,6 +3097,7 @@
           <a:p>
             <a:fld id="{01B8752E-BB85-4C1B-8DF4-DA1E793B446E}" type="slidenum">
               <a:rPr lang="en-US" smtClean="0"/>
+              <a:pPr/>
               <a:t>‹#›</a:t>
             </a:fld>
             <a:endParaRPr lang="en-US"/>
@@ -3097,7 +3107,7 @@
     </p:spTree>
     <p:extLst>
       <p:ext uri="{BB962C8B-B14F-4D97-AF65-F5344CB8AC3E}">
-        <p14:creationId xmlns:p14="http://schemas.microsoft.com/office/powerpoint/2010/main" val="2111953969"/>
+        <p14:creationId xmlns="" xmlns:p14="http://schemas.microsoft.com/office/powerpoint/2010/main" val="2111953969"/>
       </p:ext>
     </p:extLst>
   </p:cSld>
@@ -3214,7 +3224,8 @@
           <a:p>
             <a:fld id="{379A628B-A5BE-42DB-8D82-5ACECE545EE2}" type="datetimeFigureOut">
               <a:rPr lang="en-US" smtClean="0"/>
-              <a:t>5/5/2020</a:t>
+              <a:pPr/>
+              <a:t>5/12/2020</a:t>
             </a:fld>
             <a:endParaRPr lang="en-US"/>
           </a:p>
@@ -3256,6 +3267,7 @@
           <a:p>
             <a:fld id="{01B8752E-BB85-4C1B-8DF4-DA1E793B446E}" type="slidenum">
               <a:rPr lang="en-US" smtClean="0"/>
+              <a:pPr/>
               <a:t>‹#›</a:t>
             </a:fld>
             <a:endParaRPr lang="en-US"/>
@@ -3265,7 +3277,7 @@
     </p:spTree>
     <p:extLst>
       <p:ext uri="{BB962C8B-B14F-4D97-AF65-F5344CB8AC3E}">
-        <p14:creationId xmlns:p14="http://schemas.microsoft.com/office/powerpoint/2010/main" val="2987852245"/>
+        <p14:creationId xmlns="" xmlns:p14="http://schemas.microsoft.com/office/powerpoint/2010/main" val="2987852245"/>
       </p:ext>
     </p:extLst>
   </p:cSld>
@@ -3459,7 +3471,8 @@
           <a:p>
             <a:fld id="{379A628B-A5BE-42DB-8D82-5ACECE545EE2}" type="datetimeFigureOut">
               <a:rPr lang="en-US" smtClean="0"/>
-              <a:t>5/5/2020</a:t>
+              <a:pPr/>
+              <a:t>5/12/2020</a:t>
             </a:fld>
             <a:endParaRPr lang="en-US"/>
           </a:p>
@@ -3501,6 +3514,7 @@
           <a:p>
             <a:fld id="{01B8752E-BB85-4C1B-8DF4-DA1E793B446E}" type="slidenum">
               <a:rPr lang="en-US" smtClean="0"/>
+              <a:pPr/>
               <a:t>‹#›</a:t>
             </a:fld>
             <a:endParaRPr lang="en-US"/>
@@ -3510,7 +3524,7 @@
     </p:spTree>
     <p:extLst>
       <p:ext uri="{BB962C8B-B14F-4D97-AF65-F5344CB8AC3E}">
-        <p14:creationId xmlns:p14="http://schemas.microsoft.com/office/powerpoint/2010/main" val="1062573594"/>
+        <p14:creationId xmlns="" xmlns:p14="http://schemas.microsoft.com/office/powerpoint/2010/main" val="1062573594"/>
       </p:ext>
     </p:extLst>
   </p:cSld>
@@ -3688,7 +3702,8 @@
           <a:p>
             <a:fld id="{379A628B-A5BE-42DB-8D82-5ACECE545EE2}" type="datetimeFigureOut">
               <a:rPr lang="en-US" smtClean="0"/>
-              <a:t>5/5/2020</a:t>
+              <a:pPr/>
+              <a:t>5/12/2020</a:t>
             </a:fld>
             <a:endParaRPr lang="en-US"/>
           </a:p>
@@ -3730,6 +3745,7 @@
           <a:p>
             <a:fld id="{01B8752E-BB85-4C1B-8DF4-DA1E793B446E}" type="slidenum">
               <a:rPr lang="en-US" smtClean="0"/>
+              <a:pPr/>
               <a:t>‹#›</a:t>
             </a:fld>
             <a:endParaRPr lang="en-US"/>
@@ -3739,7 +3755,7 @@
     </p:spTree>
     <p:extLst>
       <p:ext uri="{BB962C8B-B14F-4D97-AF65-F5344CB8AC3E}">
-        <p14:creationId xmlns:p14="http://schemas.microsoft.com/office/powerpoint/2010/main" val="429388530"/>
+        <p14:creationId xmlns="" xmlns:p14="http://schemas.microsoft.com/office/powerpoint/2010/main" val="429388530"/>
       </p:ext>
     </p:extLst>
   </p:cSld>
@@ -4052,7 +4068,8 @@
           <a:p>
             <a:fld id="{379A628B-A5BE-42DB-8D82-5ACECE545EE2}" type="datetimeFigureOut">
               <a:rPr lang="en-US" smtClean="0"/>
-              <a:t>5/5/2020</a:t>
+              <a:pPr/>
+              <a:t>5/12/2020</a:t>
             </a:fld>
             <a:endParaRPr lang="en-US"/>
           </a:p>
@@ -4094,6 +4111,7 @@
           <a:p>
             <a:fld id="{01B8752E-BB85-4C1B-8DF4-DA1E793B446E}" type="slidenum">
               <a:rPr lang="en-US" smtClean="0"/>
+              <a:pPr/>
               <a:t>‹#›</a:t>
             </a:fld>
             <a:endParaRPr lang="en-US"/>
@@ -4103,7 +4121,7 @@
     </p:spTree>
     <p:extLst>
       <p:ext uri="{BB962C8B-B14F-4D97-AF65-F5344CB8AC3E}">
-        <p14:creationId xmlns:p14="http://schemas.microsoft.com/office/powerpoint/2010/main" val="4180156377"/>
+        <p14:creationId xmlns="" xmlns:p14="http://schemas.microsoft.com/office/powerpoint/2010/main" val="4180156377"/>
       </p:ext>
     </p:extLst>
   </p:cSld>
@@ -4169,7 +4187,8 @@
           <a:p>
             <a:fld id="{379A628B-A5BE-42DB-8D82-5ACECE545EE2}" type="datetimeFigureOut">
               <a:rPr lang="en-US" smtClean="0"/>
-              <a:t>5/5/2020</a:t>
+              <a:pPr/>
+              <a:t>5/12/2020</a:t>
             </a:fld>
             <a:endParaRPr lang="en-US"/>
           </a:p>
@@ -4211,6 +4230,7 @@
           <a:p>
             <a:fld id="{01B8752E-BB85-4C1B-8DF4-DA1E793B446E}" type="slidenum">
               <a:rPr lang="en-US" smtClean="0"/>
+              <a:pPr/>
               <a:t>‹#›</a:t>
             </a:fld>
             <a:endParaRPr lang="en-US"/>
@@ -4220,7 +4240,7 @@
     </p:spTree>
     <p:extLst>
       <p:ext uri="{BB962C8B-B14F-4D97-AF65-F5344CB8AC3E}">
-        <p14:creationId xmlns:p14="http://schemas.microsoft.com/office/powerpoint/2010/main" val="2970555770"/>
+        <p14:creationId xmlns="" xmlns:p14="http://schemas.microsoft.com/office/powerpoint/2010/main" val="2970555770"/>
       </p:ext>
     </p:extLst>
   </p:cSld>
@@ -4337,7 +4357,8 @@
           <a:p>
             <a:fld id="{4417404F-2166-4BB4-87AF-2DF1DBD94F21}" type="datetimeFigureOut">
               <a:rPr lang="en-US" smtClean="0"/>
-              <a:t>5/5/2020</a:t>
+              <a:pPr/>
+              <a:t>5/12/2020</a:t>
             </a:fld>
             <a:endParaRPr lang="en-US"/>
           </a:p>
@@ -4379,6 +4400,7 @@
           <a:p>
             <a:fld id="{BA724383-3E42-428D-8C6D-A19136BFB428}" type="slidenum">
               <a:rPr lang="en-US" smtClean="0"/>
+              <a:pPr/>
               <a:t>‹#›</a:t>
             </a:fld>
             <a:endParaRPr lang="en-US"/>
@@ -4388,7 +4410,7 @@
     </p:spTree>
     <p:extLst>
       <p:ext uri="{BB962C8B-B14F-4D97-AF65-F5344CB8AC3E}">
-        <p14:creationId xmlns:p14="http://schemas.microsoft.com/office/powerpoint/2010/main" val="4238448710"/>
+        <p14:creationId xmlns="" xmlns:p14="http://schemas.microsoft.com/office/powerpoint/2010/main" val="4238448710"/>
       </p:ext>
     </p:extLst>
   </p:cSld>
@@ -4432,7 +4454,8 @@
           <a:p>
             <a:fld id="{379A628B-A5BE-42DB-8D82-5ACECE545EE2}" type="datetimeFigureOut">
               <a:rPr lang="en-US" smtClean="0"/>
-              <a:t>5/5/2020</a:t>
+              <a:pPr/>
+              <a:t>5/12/2020</a:t>
             </a:fld>
             <a:endParaRPr lang="en-US"/>
           </a:p>
@@ -4474,6 +4497,7 @@
           <a:p>
             <a:fld id="{01B8752E-BB85-4C1B-8DF4-DA1E793B446E}" type="slidenum">
               <a:rPr lang="en-US" smtClean="0"/>
+              <a:pPr/>
               <a:t>‹#›</a:t>
             </a:fld>
             <a:endParaRPr lang="en-US"/>
@@ -4483,7 +4507,7 @@
     </p:spTree>
     <p:extLst>
       <p:ext uri="{BB962C8B-B14F-4D97-AF65-F5344CB8AC3E}">
-        <p14:creationId xmlns:p14="http://schemas.microsoft.com/office/powerpoint/2010/main" val="1228756839"/>
+        <p14:creationId xmlns="" xmlns:p14="http://schemas.microsoft.com/office/powerpoint/2010/main" val="1228756839"/>
       </p:ext>
     </p:extLst>
   </p:cSld>
@@ -4707,7 +4731,8 @@
           <a:p>
             <a:fld id="{379A628B-A5BE-42DB-8D82-5ACECE545EE2}" type="datetimeFigureOut">
               <a:rPr lang="en-US" smtClean="0"/>
-              <a:t>5/5/2020</a:t>
+              <a:pPr/>
+              <a:t>5/12/2020</a:t>
             </a:fld>
             <a:endParaRPr lang="en-US"/>
           </a:p>
@@ -4749,6 +4774,7 @@
           <a:p>
             <a:fld id="{01B8752E-BB85-4C1B-8DF4-DA1E793B446E}" type="slidenum">
               <a:rPr lang="en-US" smtClean="0"/>
+              <a:pPr/>
               <a:t>‹#›</a:t>
             </a:fld>
             <a:endParaRPr lang="en-US"/>
@@ -4758,7 +4784,7 @@
     </p:spTree>
     <p:extLst>
       <p:ext uri="{BB962C8B-B14F-4D97-AF65-F5344CB8AC3E}">
-        <p14:creationId xmlns:p14="http://schemas.microsoft.com/office/powerpoint/2010/main" val="286616551"/>
+        <p14:creationId xmlns="" xmlns:p14="http://schemas.microsoft.com/office/powerpoint/2010/main" val="286616551"/>
       </p:ext>
     </p:extLst>
   </p:cSld>
@@ -4959,7 +4985,8 @@
           <a:p>
             <a:fld id="{379A628B-A5BE-42DB-8D82-5ACECE545EE2}" type="datetimeFigureOut">
               <a:rPr lang="en-US" smtClean="0"/>
-              <a:t>5/5/2020</a:t>
+              <a:pPr/>
+              <a:t>5/12/2020</a:t>
             </a:fld>
             <a:endParaRPr lang="en-US"/>
           </a:p>
@@ -5001,6 +5028,7 @@
           <a:p>
             <a:fld id="{01B8752E-BB85-4C1B-8DF4-DA1E793B446E}" type="slidenum">
               <a:rPr lang="en-US" smtClean="0"/>
+              <a:pPr/>
               <a:t>‹#›</a:t>
             </a:fld>
             <a:endParaRPr lang="en-US"/>
@@ -5010,7 +5038,7 @@
     </p:spTree>
     <p:extLst>
       <p:ext uri="{BB962C8B-B14F-4D97-AF65-F5344CB8AC3E}">
-        <p14:creationId xmlns:p14="http://schemas.microsoft.com/office/powerpoint/2010/main" val="2712798582"/>
+        <p14:creationId xmlns="" xmlns:p14="http://schemas.microsoft.com/office/powerpoint/2010/main" val="2712798582"/>
       </p:ext>
     </p:extLst>
   </p:cSld>
@@ -5127,7 +5155,8 @@
           <a:p>
             <a:fld id="{379A628B-A5BE-42DB-8D82-5ACECE545EE2}" type="datetimeFigureOut">
               <a:rPr lang="en-US" smtClean="0"/>
-              <a:t>5/5/2020</a:t>
+              <a:pPr/>
+              <a:t>5/12/2020</a:t>
             </a:fld>
             <a:endParaRPr lang="en-US"/>
           </a:p>
@@ -5169,6 +5198,7 @@
           <a:p>
             <a:fld id="{01B8752E-BB85-4C1B-8DF4-DA1E793B446E}" type="slidenum">
               <a:rPr lang="en-US" smtClean="0"/>
+              <a:pPr/>
               <a:t>‹#›</a:t>
             </a:fld>
             <a:endParaRPr lang="en-US"/>
@@ -5178,7 +5208,7 @@
     </p:spTree>
     <p:extLst>
       <p:ext uri="{BB962C8B-B14F-4D97-AF65-F5344CB8AC3E}">
-        <p14:creationId xmlns:p14="http://schemas.microsoft.com/office/powerpoint/2010/main" val="2744334712"/>
+        <p14:creationId xmlns="" xmlns:p14="http://schemas.microsoft.com/office/powerpoint/2010/main" val="2744334712"/>
       </p:ext>
     </p:extLst>
   </p:cSld>
@@ -5305,7 +5335,8 @@
           <a:p>
             <a:fld id="{379A628B-A5BE-42DB-8D82-5ACECE545EE2}" type="datetimeFigureOut">
               <a:rPr lang="en-US" smtClean="0"/>
-              <a:t>5/5/2020</a:t>
+              <a:pPr/>
+              <a:t>5/12/2020</a:t>
             </a:fld>
             <a:endParaRPr lang="en-US"/>
           </a:p>
@@ -5347,6 +5378,7 @@
           <a:p>
             <a:fld id="{01B8752E-BB85-4C1B-8DF4-DA1E793B446E}" type="slidenum">
               <a:rPr lang="en-US" smtClean="0"/>
+              <a:pPr/>
               <a:t>‹#›</a:t>
             </a:fld>
             <a:endParaRPr lang="en-US"/>
@@ -5356,7 +5388,7 @@
     </p:spTree>
     <p:extLst>
       <p:ext uri="{BB962C8B-B14F-4D97-AF65-F5344CB8AC3E}">
-        <p14:creationId xmlns:p14="http://schemas.microsoft.com/office/powerpoint/2010/main" val="151967362"/>
+        <p14:creationId xmlns="" xmlns:p14="http://schemas.microsoft.com/office/powerpoint/2010/main" val="151967362"/>
       </p:ext>
     </p:extLst>
   </p:cSld>
@@ -5395,7 +5427,7 @@
           <a:blip r:embed="rId2">
             <a:extLst>
               <a:ext uri="{28A0092B-C50C-407E-A947-70E740481C1C}">
-                <a14:useLocalDpi xmlns:a14="http://schemas.microsoft.com/office/drawing/2010/main" val="0"/>
+                <a14:useLocalDpi xmlns="" xmlns:a14="http://schemas.microsoft.com/office/drawing/2010/main" val="0"/>
               </a:ext>
             </a:extLst>
           </a:blip>
@@ -5875,7 +5907,7 @@
             </a:ln>
             <a:extLst>
               <a:ext uri="{91240B29-F687-4F45-9708-019B960494DF}">
-                <a14:hiddenLine xmlns:a14="http://schemas.microsoft.com/office/drawing/2010/main" w="9525">
+                <a14:hiddenLine xmlns="" xmlns:a14="http://schemas.microsoft.com/office/drawing/2010/main" w="9525">
                   <a:solidFill>
                     <a:srgbClr val="000000"/>
                   </a:solidFill>
@@ -6045,7 +6077,7 @@
             </a:ln>
             <a:extLst>
               <a:ext uri="{91240B29-F687-4F45-9708-019B960494DF}">
-                <a14:hiddenLine xmlns:a14="http://schemas.microsoft.com/office/drawing/2010/main" w="9525">
+                <a14:hiddenLine xmlns="" xmlns:a14="http://schemas.microsoft.com/office/drawing/2010/main" w="9525">
                   <a:solidFill>
                     <a:srgbClr val="000000"/>
                   </a:solidFill>
@@ -6742,7 +6774,7 @@
             </a:ln>
             <a:extLst>
               <a:ext uri="{91240B29-F687-4F45-9708-019B960494DF}">
-                <a14:hiddenLine xmlns:a14="http://schemas.microsoft.com/office/drawing/2010/main" w="9525">
+                <a14:hiddenLine xmlns="" xmlns:a14="http://schemas.microsoft.com/office/drawing/2010/main" w="9525">
                   <a:solidFill>
                     <a:srgbClr val="000000"/>
                   </a:solidFill>
@@ -7048,7 +7080,7 @@
             </a:ln>
             <a:extLst>
               <a:ext uri="{91240B29-F687-4F45-9708-019B960494DF}">
-                <a14:hiddenLine xmlns:a14="http://schemas.microsoft.com/office/drawing/2010/main" w="9525">
+                <a14:hiddenLine xmlns="" xmlns:a14="http://schemas.microsoft.com/office/drawing/2010/main" w="9525">
                   <a:solidFill>
                     <a:srgbClr val="000000"/>
                   </a:solidFill>
@@ -7075,7 +7107,7 @@
     </p:spTree>
     <p:extLst>
       <p:ext uri="{BB962C8B-B14F-4D97-AF65-F5344CB8AC3E}">
-        <p14:creationId xmlns:p14="http://schemas.microsoft.com/office/powerpoint/2010/main" val="1297906410"/>
+        <p14:creationId xmlns="" xmlns:p14="http://schemas.microsoft.com/office/powerpoint/2010/main" val="1297906410"/>
       </p:ext>
     </p:extLst>
   </p:cSld>
@@ -7105,7 +7137,7 @@
     </p:spTree>
     <p:extLst>
       <p:ext uri="{BB962C8B-B14F-4D97-AF65-F5344CB8AC3E}">
-        <p14:creationId xmlns:p14="http://schemas.microsoft.com/office/powerpoint/2010/main" val="3587292664"/>
+        <p14:creationId xmlns="" xmlns:p14="http://schemas.microsoft.com/office/powerpoint/2010/main" val="3587292664"/>
       </p:ext>
     </p:extLst>
   </p:cSld>
@@ -8006,7 +8038,7 @@
             <a:blip r:embed="rId3" cstate="print">
               <a:extLst>
                 <a:ext uri="{28A0092B-C50C-407E-A947-70E740481C1C}">
-                  <a14:useLocalDpi xmlns:a14="http://schemas.microsoft.com/office/drawing/2010/main" val="0"/>
+                  <a14:useLocalDpi xmlns="" xmlns:a14="http://schemas.microsoft.com/office/drawing/2010/main" val="0"/>
                 </a:ext>
               </a:extLst>
             </a:blip>
@@ -8100,7 +8132,7 @@
               <a:blip r:embed="rId4">
                 <a:extLst>
                   <a:ext uri="{28A0092B-C50C-407E-A947-70E740481C1C}">
-                    <a14:useLocalDpi xmlns:a14="http://schemas.microsoft.com/office/drawing/2010/main" val="0"/>
+                    <a14:useLocalDpi xmlns="" xmlns:a14="http://schemas.microsoft.com/office/drawing/2010/main" val="0"/>
                   </a:ext>
                 </a:extLst>
               </a:blip>
@@ -8123,7 +8155,7 @@
     </p:spTree>
     <p:extLst>
       <p:ext uri="{BB962C8B-B14F-4D97-AF65-F5344CB8AC3E}">
-        <p14:creationId xmlns:p14="http://schemas.microsoft.com/office/powerpoint/2010/main" val="479349947"/>
+        <p14:creationId xmlns="" xmlns:p14="http://schemas.microsoft.com/office/powerpoint/2010/main" val="479349947"/>
       </p:ext>
     </p:extLst>
   </p:cSld>
@@ -8466,7 +8498,7 @@
     </p:spTree>
     <p:extLst>
       <p:ext uri="{BB962C8B-B14F-4D97-AF65-F5344CB8AC3E}">
-        <p14:creationId xmlns:p14="http://schemas.microsoft.com/office/powerpoint/2010/main" val="2395403852"/>
+        <p14:creationId xmlns="" xmlns:p14="http://schemas.microsoft.com/office/powerpoint/2010/main" val="2395403852"/>
       </p:ext>
     </p:extLst>
   </p:cSld>
@@ -9506,7 +9538,7 @@
     </p:spTree>
     <p:extLst>
       <p:ext uri="{BB962C8B-B14F-4D97-AF65-F5344CB8AC3E}">
-        <p14:creationId xmlns:p14="http://schemas.microsoft.com/office/powerpoint/2010/main" val="3308567309"/>
+        <p14:creationId xmlns="" xmlns:p14="http://schemas.microsoft.com/office/powerpoint/2010/main" val="3308567309"/>
       </p:ext>
     </p:extLst>
   </p:cSld>
@@ -9701,7 +9733,8 @@
           <a:p>
             <a:fld id="{4417404F-2166-4BB4-87AF-2DF1DBD94F21}" type="datetimeFigureOut">
               <a:rPr lang="en-US" smtClean="0"/>
-              <a:t>5/5/2020</a:t>
+              <a:pPr/>
+              <a:t>5/12/2020</a:t>
             </a:fld>
             <a:endParaRPr lang="en-US"/>
           </a:p>
@@ -9743,6 +9776,7 @@
           <a:p>
             <a:fld id="{BA724383-3E42-428D-8C6D-A19136BFB428}" type="slidenum">
               <a:rPr lang="en-US" smtClean="0"/>
+              <a:pPr/>
               <a:t>‹#›</a:t>
             </a:fld>
             <a:endParaRPr lang="en-US"/>
@@ -9752,7 +9786,7 @@
     </p:spTree>
     <p:extLst>
       <p:ext uri="{BB962C8B-B14F-4D97-AF65-F5344CB8AC3E}">
-        <p14:creationId xmlns:p14="http://schemas.microsoft.com/office/powerpoint/2010/main" val="2195786219"/>
+        <p14:creationId xmlns="" xmlns:p14="http://schemas.microsoft.com/office/powerpoint/2010/main" val="2195786219"/>
       </p:ext>
     </p:extLst>
   </p:cSld>
@@ -10934,7 +10968,7 @@
     </p:spTree>
     <p:extLst>
       <p:ext uri="{BB962C8B-B14F-4D97-AF65-F5344CB8AC3E}">
-        <p14:creationId xmlns:p14="http://schemas.microsoft.com/office/powerpoint/2010/main" val="521859199"/>
+        <p14:creationId xmlns="" xmlns:p14="http://schemas.microsoft.com/office/powerpoint/2010/main" val="521859199"/>
       </p:ext>
     </p:extLst>
   </p:cSld>
@@ -11113,7 +11147,8 @@
           <a:p>
             <a:fld id="{4417404F-2166-4BB4-87AF-2DF1DBD94F21}" type="datetimeFigureOut">
               <a:rPr lang="en-US" smtClean="0"/>
-              <a:t>5/5/2020</a:t>
+              <a:pPr/>
+              <a:t>5/12/2020</a:t>
             </a:fld>
             <a:endParaRPr lang="en-US"/>
           </a:p>
@@ -11155,6 +11190,7 @@
           <a:p>
             <a:fld id="{BA724383-3E42-428D-8C6D-A19136BFB428}" type="slidenum">
               <a:rPr lang="en-US" smtClean="0"/>
+              <a:pPr/>
               <a:t>‹#›</a:t>
             </a:fld>
             <a:endParaRPr lang="en-US"/>
@@ -11164,7 +11200,7 @@
     </p:spTree>
     <p:extLst>
       <p:ext uri="{BB962C8B-B14F-4D97-AF65-F5344CB8AC3E}">
-        <p14:creationId xmlns:p14="http://schemas.microsoft.com/office/powerpoint/2010/main" val="2132389919"/>
+        <p14:creationId xmlns="" xmlns:p14="http://schemas.microsoft.com/office/powerpoint/2010/main" val="2132389919"/>
       </p:ext>
     </p:extLst>
   </p:cSld>
@@ -11477,7 +11513,8 @@
           <a:p>
             <a:fld id="{4417404F-2166-4BB4-87AF-2DF1DBD94F21}" type="datetimeFigureOut">
               <a:rPr lang="en-US" smtClean="0"/>
-              <a:t>5/5/2020</a:t>
+              <a:pPr/>
+              <a:t>5/12/2020</a:t>
             </a:fld>
             <a:endParaRPr lang="en-US"/>
           </a:p>
@@ -11519,6 +11556,7 @@
           <a:p>
             <a:fld id="{BA724383-3E42-428D-8C6D-A19136BFB428}" type="slidenum">
               <a:rPr lang="en-US" smtClean="0"/>
+              <a:pPr/>
               <a:t>‹#›</a:t>
             </a:fld>
             <a:endParaRPr lang="en-US"/>
@@ -11528,7 +11566,7 @@
     </p:spTree>
     <p:extLst>
       <p:ext uri="{BB962C8B-B14F-4D97-AF65-F5344CB8AC3E}">
-        <p14:creationId xmlns:p14="http://schemas.microsoft.com/office/powerpoint/2010/main" val="2646283234"/>
+        <p14:creationId xmlns="" xmlns:p14="http://schemas.microsoft.com/office/powerpoint/2010/main" val="2646283234"/>
       </p:ext>
     </p:extLst>
   </p:cSld>
@@ -11594,7 +11632,8 @@
           <a:p>
             <a:fld id="{4417404F-2166-4BB4-87AF-2DF1DBD94F21}" type="datetimeFigureOut">
               <a:rPr lang="en-US" smtClean="0"/>
-              <a:t>5/5/2020</a:t>
+              <a:pPr/>
+              <a:t>5/12/2020</a:t>
             </a:fld>
             <a:endParaRPr lang="en-US"/>
           </a:p>
@@ -11636,6 +11675,7 @@
           <a:p>
             <a:fld id="{BA724383-3E42-428D-8C6D-A19136BFB428}" type="slidenum">
               <a:rPr lang="en-US" smtClean="0"/>
+              <a:pPr/>
               <a:t>‹#›</a:t>
             </a:fld>
             <a:endParaRPr lang="en-US"/>
@@ -11645,7 +11685,7 @@
     </p:spTree>
     <p:extLst>
       <p:ext uri="{BB962C8B-B14F-4D97-AF65-F5344CB8AC3E}">
-        <p14:creationId xmlns:p14="http://schemas.microsoft.com/office/powerpoint/2010/main" val="2699122730"/>
+        <p14:creationId xmlns="" xmlns:p14="http://schemas.microsoft.com/office/powerpoint/2010/main" val="2699122730"/>
       </p:ext>
     </p:extLst>
   </p:cSld>
@@ -11689,7 +11729,8 @@
           <a:p>
             <a:fld id="{4417404F-2166-4BB4-87AF-2DF1DBD94F21}" type="datetimeFigureOut">
               <a:rPr lang="en-US" smtClean="0"/>
-              <a:t>5/5/2020</a:t>
+              <a:pPr/>
+              <a:t>5/12/2020</a:t>
             </a:fld>
             <a:endParaRPr lang="en-US"/>
           </a:p>
@@ -11731,6 +11772,7 @@
           <a:p>
             <a:fld id="{BA724383-3E42-428D-8C6D-A19136BFB428}" type="slidenum">
               <a:rPr lang="en-US" smtClean="0"/>
+              <a:pPr/>
               <a:t>‹#›</a:t>
             </a:fld>
             <a:endParaRPr lang="en-US"/>
@@ -11740,7 +11782,7 @@
     </p:spTree>
     <p:extLst>
       <p:ext uri="{BB962C8B-B14F-4D97-AF65-F5344CB8AC3E}">
-        <p14:creationId xmlns:p14="http://schemas.microsoft.com/office/powerpoint/2010/main" val="3255284749"/>
+        <p14:creationId xmlns="" xmlns:p14="http://schemas.microsoft.com/office/powerpoint/2010/main" val="3255284749"/>
       </p:ext>
     </p:extLst>
   </p:cSld>
@@ -11964,7 +12006,8 @@
           <a:p>
             <a:fld id="{4417404F-2166-4BB4-87AF-2DF1DBD94F21}" type="datetimeFigureOut">
               <a:rPr lang="en-US" smtClean="0"/>
-              <a:t>5/5/2020</a:t>
+              <a:pPr/>
+              <a:t>5/12/2020</a:t>
             </a:fld>
             <a:endParaRPr lang="en-US"/>
           </a:p>
@@ -12006,6 +12049,7 @@
           <a:p>
             <a:fld id="{BA724383-3E42-428D-8C6D-A19136BFB428}" type="slidenum">
               <a:rPr lang="en-US" smtClean="0"/>
+              <a:pPr/>
               <a:t>‹#›</a:t>
             </a:fld>
             <a:endParaRPr lang="en-US"/>
@@ -12015,7 +12059,7 @@
     </p:spTree>
     <p:extLst>
       <p:ext uri="{BB962C8B-B14F-4D97-AF65-F5344CB8AC3E}">
-        <p14:creationId xmlns:p14="http://schemas.microsoft.com/office/powerpoint/2010/main" val="2010709144"/>
+        <p14:creationId xmlns="" xmlns:p14="http://schemas.microsoft.com/office/powerpoint/2010/main" val="2010709144"/>
       </p:ext>
     </p:extLst>
   </p:cSld>
@@ -12216,7 +12260,8 @@
           <a:p>
             <a:fld id="{4417404F-2166-4BB4-87AF-2DF1DBD94F21}" type="datetimeFigureOut">
               <a:rPr lang="en-US" smtClean="0"/>
-              <a:t>5/5/2020</a:t>
+              <a:pPr/>
+              <a:t>5/12/2020</a:t>
             </a:fld>
             <a:endParaRPr lang="en-US"/>
           </a:p>
@@ -12258,6 +12303,7 @@
           <a:p>
             <a:fld id="{BA724383-3E42-428D-8C6D-A19136BFB428}" type="slidenum">
               <a:rPr lang="en-US" smtClean="0"/>
+              <a:pPr/>
               <a:t>‹#›</a:t>
             </a:fld>
             <a:endParaRPr lang="en-US"/>
@@ -12267,7 +12313,7 @@
     </p:spTree>
     <p:extLst>
       <p:ext uri="{BB962C8B-B14F-4D97-AF65-F5344CB8AC3E}">
-        <p14:creationId xmlns:p14="http://schemas.microsoft.com/office/powerpoint/2010/main" val="2275210858"/>
+        <p14:creationId xmlns="" xmlns:p14="http://schemas.microsoft.com/office/powerpoint/2010/main" val="2275210858"/>
       </p:ext>
     </p:extLst>
   </p:cSld>
@@ -12427,7 +12473,8 @@
           <a:p>
             <a:fld id="{4417404F-2166-4BB4-87AF-2DF1DBD94F21}" type="datetimeFigureOut">
               <a:rPr lang="en-US" smtClean="0"/>
-              <a:t>5/5/2020</a:t>
+              <a:pPr/>
+              <a:t>5/12/2020</a:t>
             </a:fld>
             <a:endParaRPr lang="en-US"/>
           </a:p>
@@ -12505,6 +12552,7 @@
           <a:p>
             <a:fld id="{BA724383-3E42-428D-8C6D-A19136BFB428}" type="slidenum">
               <a:rPr lang="en-US" smtClean="0"/>
+              <a:pPr/>
               <a:t>‹#›</a:t>
             </a:fld>
             <a:endParaRPr lang="en-US"/>
@@ -12514,7 +12562,7 @@
     </p:spTree>
     <p:extLst>
       <p:ext uri="{BB962C8B-B14F-4D97-AF65-F5344CB8AC3E}">
-        <p14:creationId xmlns:p14="http://schemas.microsoft.com/office/powerpoint/2010/main" val="3101969505"/>
+        <p14:creationId xmlns="" xmlns:p14="http://schemas.microsoft.com/office/powerpoint/2010/main" val="3101969505"/>
       </p:ext>
     </p:extLst>
   </p:cSld>
@@ -12967,7 +13015,8 @@
           <a:p>
             <a:fld id="{379A628B-A5BE-42DB-8D82-5ACECE545EE2}" type="datetimeFigureOut">
               <a:rPr lang="en-US" smtClean="0"/>
-              <a:t>5/5/2020</a:t>
+              <a:pPr/>
+              <a:t>5/12/2020</a:t>
             </a:fld>
             <a:endParaRPr lang="en-US"/>
           </a:p>
@@ -13045,6 +13094,7 @@
           <a:p>
             <a:fld id="{01B8752E-BB85-4C1B-8DF4-DA1E793B446E}" type="slidenum">
               <a:rPr lang="en-US" smtClean="0"/>
+              <a:pPr/>
               <a:t>‹#›</a:t>
             </a:fld>
             <a:endParaRPr lang="en-US"/>
@@ -13054,7 +13104,7 @@
     </p:spTree>
     <p:extLst>
       <p:ext uri="{BB962C8B-B14F-4D97-AF65-F5344CB8AC3E}">
-        <p14:creationId xmlns:p14="http://schemas.microsoft.com/office/powerpoint/2010/main" val="2695194615"/>
+        <p14:creationId xmlns="" xmlns:p14="http://schemas.microsoft.com/office/powerpoint/2010/main" val="2695194615"/>
       </p:ext>
     </p:extLst>
   </p:cSld>
@@ -13467,7 +13517,7 @@
     </p:spTree>
     <p:extLst>
       <p:ext uri="{BB962C8B-B14F-4D97-AF65-F5344CB8AC3E}">
-        <p14:creationId xmlns:p14="http://schemas.microsoft.com/office/powerpoint/2010/main" val="1520382256"/>
+        <p14:creationId xmlns="" xmlns:p14="http://schemas.microsoft.com/office/powerpoint/2010/main" val="1520382256"/>
       </p:ext>
     </p:extLst>
   </p:cSld>
@@ -13528,7 +13578,7 @@
           <p:nvPr>
             <p:extLst>
               <p:ext uri="{D42A27DB-BD31-4B8C-83A1-F6EECF244321}">
-                <p14:modId xmlns:p14="http://schemas.microsoft.com/office/powerpoint/2010/main" val="3081595493"/>
+                <p14:modId xmlns="" xmlns:p14="http://schemas.microsoft.com/office/powerpoint/2010/main" val="3081595493"/>
               </p:ext>
             </p:extLst>
           </p:nvPr>
@@ -13547,28 +13597,28 @@
                 <a:gridCol w="2446482">
                   <a:extLst>
                     <a:ext uri="{9D8B030D-6E8A-4147-A177-3AD203B41FA5}">
-                      <a16:colId xmlns:a16="http://schemas.microsoft.com/office/drawing/2014/main" val="35749580"/>
+                      <a16:colId xmlns="" xmlns:a16="http://schemas.microsoft.com/office/drawing/2014/main" val="35749580"/>
                     </a:ext>
                   </a:extLst>
                 </a:gridCol>
                 <a:gridCol w="3465661">
                   <a:extLst>
                     <a:ext uri="{9D8B030D-6E8A-4147-A177-3AD203B41FA5}">
-                      <a16:colId xmlns:a16="http://schemas.microsoft.com/office/drawing/2014/main" val="342463594"/>
+                      <a16:colId xmlns="" xmlns:a16="http://schemas.microsoft.com/office/drawing/2014/main" val="342463594"/>
                     </a:ext>
                   </a:extLst>
                 </a:gridCol>
                 <a:gridCol w="2916400">
                   <a:extLst>
                     <a:ext uri="{9D8B030D-6E8A-4147-A177-3AD203B41FA5}">
-                      <a16:colId xmlns:a16="http://schemas.microsoft.com/office/drawing/2014/main" val="524786007"/>
+                      <a16:colId xmlns="" xmlns:a16="http://schemas.microsoft.com/office/drawing/2014/main" val="524786007"/>
                     </a:ext>
                   </a:extLst>
                 </a:gridCol>
                 <a:gridCol w="2219849">
                   <a:extLst>
                     <a:ext uri="{9D8B030D-6E8A-4147-A177-3AD203B41FA5}">
-                      <a16:colId xmlns:a16="http://schemas.microsoft.com/office/drawing/2014/main" val="1895982355"/>
+                      <a16:colId xmlns="" xmlns:a16="http://schemas.microsoft.com/office/drawing/2014/main" val="1895982355"/>
                     </a:ext>
                   </a:extLst>
                 </a:gridCol>
@@ -13868,7 +13918,7 @@
                 </a:tc>
                 <a:extLst>
                   <a:ext uri="{0D108BD9-81ED-4DB2-BD59-A6C34878D82A}">
-                    <a16:rowId xmlns:a16="http://schemas.microsoft.com/office/drawing/2014/main" val="908647123"/>
+                    <a16:rowId xmlns="" xmlns:a16="http://schemas.microsoft.com/office/drawing/2014/main" val="908647123"/>
                   </a:ext>
                 </a:extLst>
               </a:tr>
@@ -14095,7 +14145,7 @@
                 </a:tc>
                 <a:extLst>
                   <a:ext uri="{0D108BD9-81ED-4DB2-BD59-A6C34878D82A}">
-                    <a16:rowId xmlns:a16="http://schemas.microsoft.com/office/drawing/2014/main" val="957316120"/>
+                    <a16:rowId xmlns="" xmlns:a16="http://schemas.microsoft.com/office/drawing/2014/main" val="957316120"/>
                   </a:ext>
                 </a:extLst>
               </a:tr>
@@ -14337,7 +14387,7 @@
                 </a:tc>
                 <a:extLst>
                   <a:ext uri="{0D108BD9-81ED-4DB2-BD59-A6C34878D82A}">
-                    <a16:rowId xmlns:a16="http://schemas.microsoft.com/office/drawing/2014/main" val="3496641921"/>
+                    <a16:rowId xmlns="" xmlns:a16="http://schemas.microsoft.com/office/drawing/2014/main" val="3496641921"/>
                   </a:ext>
                 </a:extLst>
               </a:tr>
@@ -14530,7 +14580,7 @@
                 </a:tc>
                 <a:extLst>
                   <a:ext uri="{0D108BD9-81ED-4DB2-BD59-A6C34878D82A}">
-                    <a16:rowId xmlns:a16="http://schemas.microsoft.com/office/drawing/2014/main" val="3492411329"/>
+                    <a16:rowId xmlns="" xmlns:a16="http://schemas.microsoft.com/office/drawing/2014/main" val="3492411329"/>
                   </a:ext>
                 </a:extLst>
               </a:tr>
@@ -14745,7 +14795,7 @@
                 </a:tc>
                 <a:extLst>
                   <a:ext uri="{0D108BD9-81ED-4DB2-BD59-A6C34878D82A}">
-                    <a16:rowId xmlns:a16="http://schemas.microsoft.com/office/drawing/2014/main" val="2112857186"/>
+                    <a16:rowId xmlns="" xmlns:a16="http://schemas.microsoft.com/office/drawing/2014/main" val="2112857186"/>
                   </a:ext>
                 </a:extLst>
               </a:tr>
@@ -14912,7 +14962,7 @@
                 </a:tc>
                 <a:extLst>
                   <a:ext uri="{0D108BD9-81ED-4DB2-BD59-A6C34878D82A}">
-                    <a16:rowId xmlns:a16="http://schemas.microsoft.com/office/drawing/2014/main" val="1163671531"/>
+                    <a16:rowId xmlns="" xmlns:a16="http://schemas.microsoft.com/office/drawing/2014/main" val="1163671531"/>
                   </a:ext>
                 </a:extLst>
               </a:tr>
@@ -15233,7 +15283,7 @@
                 </a:tc>
                 <a:extLst>
                   <a:ext uri="{0D108BD9-81ED-4DB2-BD59-A6C34878D82A}">
-                    <a16:rowId xmlns:a16="http://schemas.microsoft.com/office/drawing/2014/main" val="2021788627"/>
+                    <a16:rowId xmlns="" xmlns:a16="http://schemas.microsoft.com/office/drawing/2014/main" val="2021788627"/>
                   </a:ext>
                 </a:extLst>
               </a:tr>
@@ -15244,7 +15294,7 @@
     </p:spTree>
     <p:extLst>
       <p:ext uri="{BB962C8B-B14F-4D97-AF65-F5344CB8AC3E}">
-        <p14:creationId xmlns:p14="http://schemas.microsoft.com/office/powerpoint/2010/main" val="1018848251"/>
+        <p14:creationId xmlns="" xmlns:p14="http://schemas.microsoft.com/office/powerpoint/2010/main" val="1018848251"/>
       </p:ext>
     </p:extLst>
   </p:cSld>
@@ -15588,7 +15638,7 @@
     </p:spTree>
     <p:extLst>
       <p:ext uri="{BB962C8B-B14F-4D97-AF65-F5344CB8AC3E}">
-        <p14:creationId xmlns:p14="http://schemas.microsoft.com/office/powerpoint/2010/main" val="590264096"/>
+        <p14:creationId xmlns="" xmlns:p14="http://schemas.microsoft.com/office/powerpoint/2010/main" val="590264096"/>
       </p:ext>
     </p:extLst>
   </p:cSld>
@@ -15729,13 +15779,22 @@
               <a:t>	</a:t>
             </a:r>
             <a:r>
+              <a:rPr lang="en-US" sz="1200" dirty="0" smtClean="0">
+                <a:solidFill>
+                  <a:schemeClr val="tx1"/>
+                </a:solidFill>
+                <a:latin typeface="+mn-lt"/>
+              </a:rPr>
+              <a:t>Web Application will </a:t>
+            </a:r>
+            <a:r>
               <a:rPr lang="en-US" sz="1200" dirty="0">
                 <a:solidFill>
                   <a:schemeClr val="tx1"/>
                 </a:solidFill>
                 <a:latin typeface="+mn-lt"/>
               </a:rPr>
-              <a:t>Slack will be used for chatbot interface with IBM Watson assistant and Watson discovery.</a:t>
+              <a:t>be used for chatbot interface with IBM Watson assistant and Watson discovery.</a:t>
             </a:r>
           </a:p>
           <a:p>
@@ -15764,7 +15823,7 @@
           <a:p>
             <a:pPr marL="873563" lvl="1" indent="-285750"/>
             <a:r>
-              <a:rPr lang="en-US" dirty="0">
+              <a:rPr lang="en-US" dirty="0" smtClean="0">
                 <a:solidFill>
                   <a:srgbClr val="007DC3"/>
                 </a:solidFill>
@@ -15773,23 +15832,20 @@
               <a:t>	</a:t>
             </a:r>
             <a:r>
-              <a:rPr lang="en-US" sz="1200" dirty="0">
+              <a:rPr lang="en-US" sz="1200" dirty="0" smtClean="0">
                 <a:solidFill>
                   <a:schemeClr val="tx1"/>
                 </a:solidFill>
                 <a:latin typeface="+mn-lt"/>
               </a:rPr>
-              <a:t>Slack</a:t>
-            </a:r>
-            <a:r>
-              <a:rPr lang="en-US" dirty="0">
-                <a:solidFill>
-                  <a:srgbClr val="007DC3"/>
-                </a:solidFill>
-                <a:latin typeface="+mn-lt"/>
-              </a:rPr>
-              <a:t> </a:t>
-            </a:r>
+              <a:t>Public Web Application/</a:t>
+            </a:r>
+            <a:endParaRPr lang="en-US" dirty="0">
+              <a:solidFill>
+                <a:srgbClr val="007DC3"/>
+              </a:solidFill>
+              <a:latin typeface="+mn-lt"/>
+            </a:endParaRPr>
           </a:p>
           <a:p>
             <a:pPr marL="873563" lvl="1" indent="-285750"/>
@@ -15942,7 +15998,7 @@
     </p:spTree>
     <p:extLst>
       <p:ext uri="{BB962C8B-B14F-4D97-AF65-F5344CB8AC3E}">
-        <p14:creationId xmlns:p14="http://schemas.microsoft.com/office/powerpoint/2010/main" val="2207613232"/>
+        <p14:creationId xmlns="" xmlns:p14="http://schemas.microsoft.com/office/powerpoint/2010/main" val="2207613232"/>
       </p:ext>
     </p:extLst>
   </p:cSld>
@@ -15992,40 +16048,156 @@
           </a:p>
         </p:txBody>
       </p:sp>
+      <p:sp>
+        <p:nvSpPr>
+          <p:cNvPr id="2050" name="AutoShape 2" descr="data:image/png;base64,iVBORw0KGgoAAAANSUhEUgAAAr0AAAKXCAYAAACPE/KIAAAgAElEQVR4XuydCZgU1bm/f4PIJigwIxgRREFRcIlEo7gEcUWN9yZqJKJcTbwqAqKsNyoqKmqiAi6AYK5Rg6IkYv6JIe4gccHEJaIBQXGJiDE4AyMQNofp/3PaOXNryu6Z7qruru3t59EZpqvO+b73q55+5+tTVWXiAQEIQCAgAhMnLmz+WVu1b95M7ZtJ7cvK1H67+br96++l2rYBhVaEaZttTKVUndpB1TtI1eb7Wqm6plbVu29U9cSJA2qKMClDQgACEIBAHYEySEAAAhAoFYHL71jQa3tt6khph36S+ao+pZo77POklHq7TGV/Vkovle1Y+/rdI4//IOwxEx8EIACBKBFAeqNULWKFQMQIXH7HC4fVbE8dVVamw5XS4SrTXu4UWuzYvLZVy+bNWu7YXC1bfP1fq7qvOzbfIWIZZw/3q5rt2rqtRlu21aS/pv/7qkZbttbUbvuqplmGPd9XWWqx1Oz1Hcr06p1XHPtabGCQCAQgAIEACCC9AUBnSgjEmcDFP392lxYtmp+Vks4qkwY6czVi27m8rb616y7ao/Mu6tJplzijyCu3z75Yr39+sV6fffGlzPdGip2PlPRUmfTYtm01j937sxO/zGtwNoYABCAAASG9HAQQgEBBCFw25YVjalV7VpnKzpTUxQxqOrV77t5BnTu2024V7ZDcPEh/Xrle/6zcIPP148/WyXSK6x6rU0rNa6Zmj909+tgX8xiSTSEAAQgkmgDSm+jykzwE/BMYMeX5n5RphyEppQbY0UwHt0fXcvXsWqG2bVr6nyThI2zctFUrV1Xqg1VVWr3m/5q8ZSpbmNL22dNGH39/whGRPgQgAIEmCSC9TSJiAwhAIBOBy+76c+/U9poJSpWdY55v07rFV/t223VHI7ssWyjeMWOk18jve5988dWmzdt2TM9UlnqkbIfmk+4e+b1lxZuZkSEAAQhEmwDSG+36ET0EAiEwfPLCK8rKNEFSeeuWO9Z894BuzXv36JxezsCjNATMcodlH/xLf/37JzWbt37VXFJVKqVJ08cMuKM0ETALBCAAgWgRQHqjVS+ihUCgBEZOfv7I2rJmRnZPMYH03ruzDu3TVe3btQ40riRPXr1hs15fukrLPvyXxfBks1TtpLvGHP9KkrmQOwQgAAE3AaSXYwICEMiJwIjJz09UWbOrJTXftUPbtOzu060ip33ZqPgE3v+kMi2/X6zbaCarUZkmTRs14Priz8wMEIAABKJBAOmNRp2IEgKBErhs6sKpqZSuMEEY2T2sT1eWMgRakcyTmyUPry1dlZZf80ip7K7po4+9PIShEhIEIACBkhNAekuOnAkhEC0Cw6cuvL8spQvMTSNOPGJf7b1HebQSSGC0H35apWdffc9e6/ehaaMHDEkgBlKGAAQg0IAA0ssBAQEIZCRwxdSF7b9K6ddl0um7tG2lE/v10u677gytiBAwV3kw4rt+4xYT8fzmZTrvjlEDqiMSPmFCAAIQKDgBpLfgSBkQAtEnMHTqwu7NU3pI0lGdOrbVSf16qeMubaKfWMIyqPpyk55dvEJr1m5UmcpeSW0vO2/auP4fJQwD6UIAAhBIE0B6ORAgAIEGBMbcvrBiazM9J+ngbrt10ElH7qs2rVpAKaIENm3ZpqdfWaFVn6ebvEta1uqEyWMHVEY0HcKGAAQg4JkA0usZHTtCIJ4ERkx54V4pdVGPPcp1ytH7q1kzfk1EvdK1tSk9+dK7+uDTKtPr+OW00cdeHPWciB8CEIBAvgR4N8uXGNtDIMYELpv8/EWpsmb3mhtOnHnCQc1Z0hCfYq/9cpPmPfd2+kYWZanai+8ec/wv45MdmUAAAhBomgDS2zQjtoBAIghcNnnBwbVlZc+VSRXHH76P+vTYLRF5JynJpR98ruf/8r5SUmWzVOqEu8cctyRJ+ZMrBCCQbAJIb7LrT/YQqCcwYsoL86XUqUZ2jfTyiCcBI71GfqWyP00bfexp8cySrCAAAQh8kwDSy1EBAQio7m5r15nlDGccfyAnrsX4mDAntj3+/Dsyyx2Uqr1+2pjjJ8Y4XVKDAAQgUE8A6eVggAAENGLKwrfM1RpO+15vmRPYeMSbgDmhbf6fl5kk3502ekDveGdLdhCAAAS+JoD0ciRAIOEEhk9ecGpZWdn8zh3batDAQxJOIznpP/ynN1VV/W+zvvec6aMHPJqczMkUAhBIKgGkN6mVJ28I1BGwtxk++pC91Hf/PeCSEAKLl3ys15auMtL7++mjB/wgIWmTJgQgkGACSG+Ci0/qEKi7EcUXhsQF/3mYdt6pFVASQqB6w2b9+onX09nW1uhbM8YPMGe38YAABCAQWwJIb2xLS2IQaJrAiCkvjJJSU/bq0lGn9+/T9A5sESsC8557W6vXfGlyunLa6AE/j1VyJAMBCEDARQDp5ZCAQIIJjJiycLGkI045aj/ts+euCSaRzNRX/OMLPf3ycpP8q9NGD+iXTApkDQEIJIUA0puUSpMnBDIQGDH1hdVKpXYf8v1D1WHn1jBKGIF16zdr9h9fl8rKPps26tguCUufdCEAgYQRQHoTVnDShYAlcPGs13ds8e8N28y/R/z4aDVrxq+DpB0dtbUpTXv0pXTa23Zq1+LeSw79KmkMyBcCEEgOAd7lklNrMoVAAwLDpizs2Ux6v22blvrpD74bKjrTp0zSnbd+854Jt0//tf7jzME5x7ply2bdfO2Y9PZX3TBZrVo17Gabed587RVNnjFb7Tt8fX3iTD/LecIIbvir//dXbdy0VbXSPjNGD1gZwRQIGQIQgEBOBJDenDCxEQTiR2DE1EXHKVX7/O6ddtFZJxwUqgQLJZ5Ib9Nlfey5t/WZOZmtrNnx00b1X9D0HmwBAQhAIJoEkN5o1o2oIeCbwIgpL/xESv1q/70668R++/oer5ADNCa9TpFt23Zn/e+M23XMgJPqu7XV66o0ZtgQvbjwGZ32g0HpsNrtvIvnTq+z6/zj/7q4fhwbx6O/vjc9h+1C259vWJ++KoI+eP9d3XnvI9qrR69CIirYWM8ufk/vfvQvc6+in04bfez9BRuYgSAAAQiEjADSG7KCEA4ESkVgxOTnJ6qs2XWHH7inDj+wW6mmzWmeXKT3rTdeTcukeVx+8Tn672Fj00sfzL5Pz3+8wXPf/s4RnqT3w/dX6Mf/8T09+oc/q0N5+TfmsUsjnNv1PuiQ9JIKG19YZdcW4i/vfKK/vPMPKVV7/bQxx39zTUlOFWMjCEAAAuEngPSGv0ZECIGiEAh7p9e9pne/PgelRfZbXbqlpXL1qo/T3V3zMJ3dvocdqXN/cmn998NHT5Df5Q1WZs0cRnz7fvfI9Hy2m2zmNPPYf//nWefppNN+2Og64qIU08egdHp9wGNXCEAgUgSQ3kiVi2AhUDgCUV3T6xbZLZs3FU16W7VukxZYu4TByq/t+i5f+naDglw+fqIuHDYmUtLLmt7CvaYYCQIQCDcBpDfc9SE6CBSNQNiv3uC+qoIFkYv0dunaPb2cwTwau3rDH+bN0e8feyinqzeYbccO/6/0+uFrb75LN1w1Mt1dNp1e56Op7nLRCupxYK7e4BEcu0EAApEjgPRGrmQEDIHCEAjzdXpzWdNrKBixdXZ6jYDms6b3zb++kl6za09Ccy9bMKJrTpRzLquw8943Y3L95c4yrem127kvk1aY6hVmFK7TWxiOjAIBCESDANIbjToRJQSKQiCsd2TLdp3eTMsH3NLrvKpCU1dvMFBtB9cCdl6hwfzMGYtdV2xOTmvq6g1RkF7uyFaUlxWDQgACISWA9Ia0MIQFgVIQGDFl4WJJR5xy1H7aZ89dSzElc4SIwIp/fKGnX15uInp12ugB/UIUGqFAAAIQKDgBpLfgSBkQAtEhMGLKC6Ok1JS9unTU6f37RCdwIi0IgXnPva3V5sYU0pXTRg/4eUEGZRAIQAACISWA9Ia0MIQFgVIQGHP7woqtzfSFmeuC/zxMO+/UqhTTMkcICFRv2KxfP/F6OpLaGn1rxvgBn4cgLEKAAAQgUDQCSG/R0DIwBKJBYPjUhfeXpXTB0Yfspb777xGNoInSN4HFSz7Wa0tXKSX9fvroAT/wPSADQAACEAg5AaQ35AUiPAgUm8DwyQtOLSsrm9+5Y1sNGnhIsadj/JAQePhPb6qq+t9Ges+ZPnrAoyEJizAgAAEIFI0A0ls0tAwMgegQGDFl4VuSDj7te73VY4/y6AROpJ4IfPBpleb/eZnZ991powf09jQIO0EAAhCIGAGkN2IFI1wIFIPAiMnPT1RZs+s67tJGZxx/oNq0alGMaRgzBAQ2bdmmx59/R2u/3CSlaq+fNub4iSEIixAgAAEIFJ0A0lt0xEwAgWgQGDHlhflS6tQ+PXbT8YfvE42giTJvAs//5X0t/cCcs1b2p2mjjz0t7wHYAQIQgEBECSC9ES0cYUOg0AQum7zg4NqysufKpAojvUZ+ecSLgJFdI70pqbJZKnXC3WOOWxKvDMkGAhCAQHYCSC9HBwQgUE/gssnPX5Qqa3Zv65Y71px5wkHNzXIHHvEgYJYzzHvu7ZrNW79qXpaqvfjuMcf/Mh6ZkQUEIACB3AggvblxYisIJIbAiCkv3CulLjIntJ1y9P5q1oxfE1Evfm1tSk++9K7MCWxS2S+njT724qjnRPwQgAAE8iXAu1m+xNgeAjEnUHfDiufM1Ry67dZBJx25Lye2Rbjm5sS1p19ZoVWfV5sslrSs1QmTxw6ojHBKhA4BCEDAEwGk1xM2doJAvAkMnbqwe/OUHpJ0VKeObXVSv15iqUP0al715SY9u3iF1qzdqDKVvZLaXnbetHH9P4peJkQMAQhAwD8BpNc/Q0aAQCwJXDF1YfuvUvp1mXT6Lm1b6cR+vbT7rjvHMtc4JrV6zZd69tX3tH7jFpPe/OZlOu+OUQPS7V4eEIAABJJIAOlNYtXJGQJ5ELC3KW7ZorlOPGJf7c3NK/KgF8ymH35alRberdtqTAAPTRs9YEgwkTArBCAAgfAQQHrDUwsigUBoCVw2deHUVEpXmAAP7dNVh/Xpqh2b7xDaeJMa2Fc12/Xa0lV6femqNIKUyu6aPvrYy5PKg7whAAEIOAkgvRwPEIBATgRGTF14nVKaIKn5rh3apuV3n24VOe3LRsUn8P4nlWnZ/WLdRjNZjVK1N3G3teJzZwYIQCA6BJDe6NSKSCEQOIGRk58/srasmRHfU0wwvffunJbf9u1aBx5bUgOo3rA5LbvLPvyXRfBks1TtpLvGHP9KUpmQNwQgAIFMBJBejgsIQCBvAsMnL7yirCzd9S03N7L47gHdmvfu0ZklD3mT9L6DWcqw7IN/6a9//yR9wwlJVamUJk0fM+AO76OyJwQgAIH4EkB641tbMoNAUQlcdtefe6e210xQquwcM1Gb1i2+2rfbrjv26FquLp12KercSR7cXJXhg1VVeu+TL77atHnbjmkWZalHynZoPunukd9blmQ25A4BCECgMQJIL8cHBCDgi8CIKc//pEw7DEkpNcAOZKTXyG/PrhVq26alr/HZWdq4aatWrqpMy66RXvsoU9nClLbPnjb6+PvhBAEIQAACjRNAejlCIACBghC4bMoLx9Sq9qwylZ0pqYsZ1FzhYc/dO6hzx3baraJdqDrA/964Qf9z+U/1izt/pZ3atisIg0IO8nnlev2zcoPM148/WyeznKHusTql1LxmavbY3aOPfbGQczIWBCAAgTgTQHrjXF1yg0AABC7++bO7tGjR/KyUdFaZNNAZQssdm6tzeVt9a9ddtEfnXQKV4Ntvukq/umeqfnrpKI29+uYASDWc8rMv1uufX6zXZ198KfN93TV26zdKSU+VSY9t21bz2L0/O/H/2r2BR04AEIAABKJBAOmNRp2IEgKRJHD5HS8cVrM9dVRZmQ5XSoerTHu5E2mxY/PaVi2bNzNCbG6AYf5rVfe1WNcC3rJpoy4961DVfLVNzXdsoXsee0Ot2uxUVMamU2tEdsu2mvTX9H9f1WjL1prabV/VNMsw+fsqSy2Wmr2+Q5levfOKY18raoAMDgEIQCDmBJDemBeY9CAQJgKX37Gg1/ba1JHSDv0k81V9gohv8fx79daix7S95ivt0HxHfbv/j9TvtIuCCMXRyU29XaayPyull8p2rH397pHHfxBoQEwOAQhAIGYEkN6YFZR0IBAlAhMnLmz+WVu1b95M7ZtJ7cvK1H67+br96++l2raFzmfj+qqWD97443Gp2tr6W8qVNdth+/nXPHJb253LtxZ6vv8br9nGVErVqR1UvYNUbb6vlapralW9+0ZVT5w4IH3PYB4QgAAEIFAcAkhvcbgyKgQgEF4Ct0gaLamFI8RtkqZIujK8YRMZBCAAAQj4IYD0+qHHvhCAQNQImMs0VEkyl0LYJKlj3b/bmNsrm5ttSNoQtaSIFwIQgAAEmiaA9DbNiC0gAIH4EBgjaZKkn0m6U1LK3NpB0uWSfi6l7zI3OT7pkgkEIAABCFgCSC/HAgQgkGQCVnqTzIDcIQABCCSCANKbiDKTJAQgkIUA0suhAQEIQCAhBJDehBSaNCEAgYwEkF4ODAhAAAIJIYD0JqTQpAkBCCC9HAMQgAAEkkwA6U1y9ckdAhCg08sxAAEIQCAhBJDehBSaNCEAATq9HAMQgAAEkkwA6U1y9ckdAhCg08sxAAEIQCAhBJDehBSaNCEAATq9HAMQgAAEkkwA6U1y9ckdAhCg08sxAAEIQCAhBJDehBSaNCEAATq9HAMQgAAEkkwA6U1y9ckdAhCg08sxAAEIQCAhBJDehBSaNCEAATq9HAMQgAAEkkwA6U1y9ckdAhCg08sxAAEIQCAhBJDehBSaNCEAATq9HAMQgAAEkkwA6U1y9ckdAhCg08sxAAEIQCAhBJDehBSaNCEAATq9HAMQgAAEkkwA6U1y9ckdAhCg08sxAAEIQCAhBJDehBSaNCEAATq9HAMQgAAEkkwA6U1y9ckdAhCg08sxAAEIQCAhBJDehBSaNCEAATq9HAMQgAAEkkwA6U1y9ckdAhCg08sxAAEIQCAhBJDehBSaNCEAATq9HAMQgAAEkkwA6U1y9ckdAhCg08sxAAEIQCAhBJDehBSaNCEAgTSBpZJ6S3pb0sGSrPQukXRQ3fMHwAoCEIAABOJHAOmNX03JCAIQyE5gH0nvNQJoX0nvAxACISfQpWfPni+vXLlyz5DHmZjw9tlnn4/ff/9984fzhsQkHcFEkd4IFo2QIQABXwRWS9o9wwifSeria2R2hkAJCLRp0+buiy666OI77rijRQmmY4omCFxxxRXbfvnLX967adOmy4AVbgJIb7jrQ3QQgEDhCWTr9tLlLTxrRiw8AfOH2aeffvqpunThb7TC481vxNWrV2uPPfYwO5n/mT+oeYSYANIb4uIQGgQgUDQC7m4vXd6ioWbgQhKgy1tImv7Hosvrn2EpR0B6S0mbuSAAgbAQMF3dFY5gejWx1jcscRNHsgnQ5Q1R/enyhqgYOYaC9OYIis0gAIHYEbDdXrq8sSttPBOiyxuuutLlDVc9cokG6c2FEttAAAJxJGC6vW9J+jZd3jiWN3Y50eUNUUnp8oaoGHmEgvTmAYtNIZAQAudLeiAhucYpTX6fx6marlzo8oaruHR5w1WPXKPhl2SupNgOAskhcP7ZZ589be7cuW2Tk3K0My0rS/8q5/d5tMvYWPR0eUNUW7q8ISpGnqHwSzJPYGwOgQQQQHojVmSkN2IFyzNcurx5Aivy5nR5iwy4iMMjvUWEy9AQiCgBpDdihUN6I1aw/MKly5sfr6JuTZe3qHiLPjjSW3TETACByBFAeiNWMqQ3YgXLI1y6vHnAKsGmdHlLALmIUyC9RYTL0BCIKAGkN2KFQ3ojVrDcw6XLmzurom9Jl7foiIs+AdJbdMRMAIHIEUB6I1YypDdiBcsxXLq8OYIq0WZ0eUsEuojTIL1FhMvQEIgoAaQ3YoVDeiNWsNzC/UaXd8WKFRo0aJCWLFmSHuGGG27QNddck9toBdrq5Zdf1oIFC5qc1x2rc/qHHnpI5557bpMRmbmOPvrojNu99NJLOuqoo5ocw25g4rnvvvt0/fXXq3Xr1jnvZzeky5s3slDugPSGsiwEBYFACSC9geLPf3KkN39mYd/D3eU10jZy5Ejddddd6tXL3DVbuvHGG9NfSym+uUqvk6+Xfdz1efjhh9M/ykWWM9XWr/TS5Q37Kya3+JDe3DixFQSSRKAk0ltVVZV+AxsyZEiDNzIvb5CbN2/WddddpwsvvLBeCHIpWLZulLODZsTi2muv/cZwtluV6flSd+CQ3lyqHaltvtHlNa+L2bNna+rUqfWdSnP8Tpw4UdOmTdPy5cv1+9//XuvXr9esWbN08skny4hieXm5zOtj1KhR6Z+bh7NLal+HTz/9tA4++GDNnTu3gVSbY985lokj2zzZCLtf0+54cun8uqU3U9zdunVL52l+p5gusNlmxIgRuuKKK9K/H0yOzlxyPSLo8uZKKvzbIb3hrxERQqDUBEoqvZ9//nmDN9pSS6/7I0/7hmzfOI3UHnfccVk/Ss30fKk7cEhvqV8ixZ0v01peK3lmZiuz7m6qWQpghdZs8+GHH6a7wM7j0YqgkWUricccc0z6D0+3RFvJfvzxx+u7rOb1OXz48PrXbC7Huvs17Y7HzG3ibGy5glN67Ws0U9wm0Kuvvlo33XSTnnrqKXXv3j09rp9OL13e4h7vpRwd6S0lbeaCQDQIlEx6zZuTeXTp0qX+I1r3G6R5szvvvPPS211yySX1nS5np2fcuHHp522n17kW0LmPG3+2N0LnG6wX6XWKhf0oupilR3qLSbfkYzd6xQbnJwvOzqy7E2yOQfP6GjNmTPqTCiO59li0x/ehhx5a3yk2HWHzsMe7Wbe79957f2M5gXueXP5IdW6T6bXhFPRstJ2vSaecu+M2gmvmM5+2GD52Da9X6aXLW/Ljv6gTIr1FxcvgEIgkgZJK7+jRo9NrFW2nx/kGab43b8K2s2U7RGPHjm3wMaaz+2SIO9c+NvaGmumN0Mq0jceL9DrlIZ+TbbweLUivV3Lh2y+fKzY4Xx9meYPzBDOn9F522WXpj/adDyOFZ599doMT4+zzZrmB6RJn+oTDLbn2386x3Msk3NJrO7FWWO3zZj574pp7GYJbep0n9DnjNl1j96c15nmv0kuXN3yvET8RIb1+6LEvBOJJoKTSaz6GNG/YVm6db97mZ85uk+3wmDV6d9xxR3oto12zaNf0vv766/Uf65ry2Dd/M499k7Vly7am17nGMNOaXeebejYpbkqWC3no5CC9XSWtKuScjFUUAlm7vJlO5HKuZa+srGyw5tcpvZMnT05/3J/p+M92RQP3a89mm016GzuZrhid3sauxGBYrVmzJi26Nm8v0kuXtyjHeKCDIr2B4mdyCISSQMml17wZ2y6u6fbYjpVbHO0b+U9+8hPNmzev/qNL55u/kV67HMLSNZL64IMP6p577qk/mceIrfl41/nmad4sX3zxxQYnCzUlryGX3u6SrpJ0mqRTJX19rSseQRC4XtJ1jU3cWJfX/oE2ffr0+rWv7k5vLmt6zfxWaM8444z0JyZ2bayzQ2q2c67pteuD/Uqvnd98NaLs/mQlG5/G1vQ6466oqKh/Tb/55pv1v0u8SC9d3iBeJsWdE+ktLl9Gh0AUCQQivfbNzy4HsCfgeOn0Gui5XNoo0xuh+8QcL9IbgjW9PST9TNJPJKUkPVsnvVE8HuMQ88y6WrxnXE/S/8uQVJN3X3N/MuG+qoKR1I8//ji9lMG5lt19tQTn1UWca+NNTJk+5XDP41xGke+aXjNHoa/eYOMeOHBg+moNzvXLVvDNc/Z3QqYTAd31oMsbh5fdN3NAeuNZV7KCgB8CgUivCdiegGbflJta02s7VI2t6c100ouFk0l63R01L9Kbyxntfgrk3texvMFcwPV/JA2RVCOplaStkg6ny1tI4p7G+lxSZ0kbJH1YJ79P2JHyWcubafZc5NNT1AndiS5vPAuP9MazrmQFAT8EApNe2wFyXs3B79Ub3CfVOME0dvUG0zUzc8+YMSPjdXqtmIfoOr1/lDTQIbs21c8k/a6u41vr+mq6wPysNAx+KulmSfZ2YBsl2c6vWXby6aeffpq+komXB9LrhVrmfejyFo5l2EZCesNWEeKBQPAESiK9wacZnwjqOr2mwzta0s4OsTJJfiRpsiTz+75Z3Vfn9439LN/tcx0303alnMtPnH5i38FVG1OfmjZt2sy86KKLLr7jjjtaxOeojG4mdHmjW7umIkd6myLE8xBIHgGkN2I1d129Yagkc9JUW0lt6j5O/76kP0csrbiFO16SubXfTnWJrZf0uiRzm7S5frq8cQMVZD50eYOkX/y5kd7iM2YGCESNANIbsYpluWTZcEkT6zq/f5N0RMTSilO4poNbKald3R8hr0q6SdIiv2t54wQpDLnQ5Q1DFYoXA9JbPLaMDIGoEkB6I1a5Jq7TO7LuxLZjJG2JWGpxCfcxSadLWlAnuy/VJdbkFRtKAcC5bt7MZ29lXIi5nZcTLMXdCf3ETJfXD71o7Iv0RqNORAmBUhJAektJuwBz5XBzigLMwhA+CZgrasx2jhGGLq/72tS5XjfXJ4tQ7k6XN5RlKWhQSG9BcTIYBGJBIDDpNV2h22+/XcOGDau/e5S9jJmz+9TYXdZsBZq61Ji7Us6OlLnAvftWqWGuLNIb5upkjS0UXd5Md15z3rrbfU1d+zq0rxeT3W233Za+8csXX3yRvuGEedjXqPn3nXfeqQsvvFCm02uvdpLpNsP2pjLO6wiXqrJ0eUtFOth5kN5g+TM7BMJIIDDpNTDcsmregJ944gn16dOn/g01l8sz5Su9zkLkItVhKhzSG6Zq5BZLGLq8JlL3tbHd0TuvOe286Uq3bt0a3M3N/WGGG/0AACAASURBVJqxr9GxY8fK3iLceavkxx9/PD2VuWFEputxO29KkxtRf1vR5fXHLyp7I71RqRRxQqB0BAKVXvMGaO4qZd4MbTfJ3KXt0Ucf1bRp09IdYCPC3bt3T9+O1b5pGzzOu1CZN+vOnTunr7O7ZMkSObtHma79a/Y3b85mXnu7YnuNX9P5NT83d7pq7Lq/pStRw5mQ3qDIe543FF1eG737rmz2dbRp06Zv3OHM3g7Y3sJ4yJAh9bdFdv6hab/v27dvvfT+5je/USaZdXebvdwy2HMlJNHl9UMvWvsivdGqF9FCoBQEApVe8wZsRNV0iMybrllmMGHCBN11113pj0hNh8l2jgyMkSNHpp8zH506P5Y1b6TmzWzq1KlpZqNGjZJ5gzYCa25TagXavuGaN3E7rnN5Q5s2bRp0tBq7w1spipNpDqQ3KPLe5g1Llzdb9La7a5YZ2T/2nNuaPyCdHVx7gprt7pr97PIg8/qxrysjvccdd1y9JNsxM93gxb38wRvp3Paiy5sbpzhshfTGoYrkAIHCEghUep3repcvX64FCxaklzXYDtPAgQPrpdh8RPrhhx9+Yx3hTTfdlN7G+QZr35DPPvtsDRo0SOPGjUu/odtHtjW95iNZpySb7f0snShsqb4eDektBtWijRmaLm+2KyvYTuvll1+ePtbN68l8wuJ8ZNrXLnE45ZRT9Pbbb6dfl87tGuv0ZpLholXAMTBd3lJQDs8cSG94akEkEAgLgUCl10CwyxfMMgfnMgYjwEZa//SnP6W7r+5LLZl97fIDd1fJuQ7YvKkb8TXLHuz2zg6ys9NrpNdu6yzQQw891ECagywe0hsk/fzmDluX17yG7C23rdg61/E6v7d/8JklCs5PRpyXIrNdW/cJb+ZTGveaXvsHq3tNr/m3icl8StO6tb1rc36cc92aLm+upOKxHdIbjzqSBQQKSSBw6TVS+sYbb+itt96qP+vbdpHMG+x3v/vd9Eektvvr7NhaEJlOiHN2he129pJNN998s37+85+n53NL73333afrr7++6G/AXouI9HolV/L9QtPldWbu/uPRuf7dffUG+1y2LrFbYN3b5XL1hlItbaDLW/LjP/AJkd7AS0AAEAgdgcCl155YY7q8tttj33xN99e8SZuulJFj55pe53pbs7zBruk1a4ONGJuPW91rejOdZd7Yml4bh/MEnqAriPQGXYHc5g9blze3qOO7FV3e+NY2W2ZIb/JqTsYQaIpA4NJrP0Y1X+11P8337gvpm585r97gvLKC++oNzuUIzs6W7So5T7ixl2N69dVXNXfu3LQoO0/oCdPSBsMA6W3qkA7F86Hs8oaCTABB0OUNAHoIpkR6Q1AEQoBAyAiEQnpDxiTU4SC9oS5POji6vOGqEV3ecNWjVNEgvaUizTwQiA4BpDc6tUpHivSGvmB0eUNUIrq8ISpGiUNBeksMnOkgEAECSG8EiuQMEekNd8Ho8oarPnR5w1WPUkaD9JaSNnNBIBoEkN5o1Kk+SqQ31AWjyxui8tDlDVExAggF6Q0AOlNCIOQEkN6QF8gdHtIb3oLR5Q1XbejyhqsepY4G6S01ceaDQPgJIL3hr1GDCJHe0BaMLm+ISkOXN0TFCCgUpDcg8EwLgRATQHpDXJxMoSG94SwYXd5w1YUub7jqEUQ0SG8Q1JkTAuEmgPSGuz7fiA7pDWXB6PKGqCx0eUNUjABDQXoDhM/UEAgpgfMlPRDS2AgrOwF+n4fo6KDLG6JiSKLLG656BBUNvySDIs+8EIBA0ATaSLpP0jBJ64IOhvljRYAub4jKSZc3RMUIOBSkN+ACMD0EIBAYgSslXSdpuqQxgUXBxLEjQJc3XCWlyxuuegQZDdIbJH3mhgAEgiKwg6S1knaWtF2S6cz9K6hgmDdWBNr17NnznZUrV+4Zq6winEzPnj3/sXLlyqMkrY5wGoReAAJIbwEgMgQEIBA5Aqaze72knSRtlfRLSZdFLgsChgAEIACBnAkgvTmjYkMIQCBGBKokdXTlYzpzn8QoR1KBAAQgAAEHAaSXwwECEEgagRGSfiHJnMhmH6bb+6CkS5IGg3whAAEIJIUA0puUSpMnBCBgCVTWCW+tpB3rrtzQUlI7SftJWgkqCEAAAhCIHwGkN341JSMIQCA7AXN5srsk3SjpNkkfSTpQ0qmSbpd0h6RJAIQABCAAgfgRQHrjV1MyggAEGifQXlJ13SafSfqOpH8CDQIQgAAE4k0A6Y13fckOAhBonMAqSf0kfQooCEAAAhCINwGkN971JTsIQKBxAh9L+h5XbeAwgQAEIBB/Akhv/GtMhhCAQHYCH0o6vm5tL5wgAAEIQCDGBJDeGBeX1CAAgSYJvC/pFK7Y0CQnNoAABCAQeQJIb+RLSAIQgIAPAssl/aekFT7GYFcIQAACEIgAAaQ3AkUiRAhAoGgElkr6kaRlRZuBgSEAAQhAIBQEkN5QlIEgIACBgAi8LWmwpL8HND/TQgACEIBAiQggvSUCzTQQgEAoCbwl6XxJS0IZHUFBAAIQgEDBCCC9BUPJQBCAQAQJvCHpIklvRjB2QoYABCAAgTwIIL15wGJTCEAgdgT+Kmm4pNdilxkJQQACEIBAAwJILwcEBCCQZAKLJY2S9GqSIZA7BCAAgSQQQHqTUGVyhAAEshF4SdJ4Sa+ACAIQgAAE4k0A6Y13fckOAhBonMAiSRMkvQgoCEAAAhCINwGkN971JTsIQKBxAgslXS/pBUBBAAIQgEC8CSC98a4v2UEAAo0TeE7SLZKeBxQEIAABCMSbANIb7/qSHQQg0DiBpyVNlvQMoCAAAQhAIN4EkN5415fsIACBxgn8SdLdkp4EFAQgAAEIxJsA0hvv+pIdBCDQOIEnJM2UNB9QEIAABCAQbwJIb7zrS3YQgEDjBH4v6T5JfwAUBCAAAQjEmwDSG+/6kh0EINA4gcclzZb0O0BBAAIQgEC8CSC98a4v2UEAAo0T+K2kuZIeAxQEIAABCMSbANIb7/qSHQQg0DiBR+u6vEZ8eUAAAhCAQIwJIL0xLi6pQQACTRJ4WNIfJT3S5JZsAAEIQAACkSaA9Ea6fAQPAQj4JGDW85pr9T7kcxx2hwAEIACBkBNAekNeIMKDAASKSuABSeZWxA8WdRYGhwAEIACBwAkgvYGXgAAgAIEACZjLlb0s6VcBxsDUEIAABCBQAgJIbwkgMwUEIBBaAvdKek3SL0MbIYFBAAIQgEBBCCC9BcHIIBCAQEQJ3CPpLUmzIho/YUMAAhCAQI4EkN4cQbEZBCAQSwLTJS2VNCOW2ZEUBCAAAQjUE0B6ORggAIEkE7hL0vuS7k4yBHKHAAQgkAQCSG8SqkyOEIBANgJTJf1D0h0gggAEIACBeBNAeuNdX7KDAAS+SaC7pI/rfny7pH9Kmlz3786S/gU0CEAAAhCIHwGkN341JSMIQCA7gW9JeqFuScPVks6V9IWkv0i6TVIHSb0kpYAIAQhAAALxIoD0xqueZAMBCDRNYJqkoZK+qhNeI7hGdltIuk7SL5oegi0gAAEIQCBqBJDeqFWMeCEAAb8EKuqWNDR3DbRRknluq98J2B8CEIAABMJHAOkNX02ICAIQKD6BWyVdXtfdNbMZ4TUd3knFn5oZIAABCEAgCAJIbxDUmRMCEAiawM51J6y1qgvEdHd3lbQh6MCYHwIQgAAEikMA6S0OV0aFAATCT2CCpP+p6/beKWl8+EMmQghAAAIQ8EoA6fVKjv0gAIGoEzBd3kpJ5msnSWujnhDxQwACEIBAdgJIL0cHBCCQZALmMmW7SRqSZAjkDgEIQCAJBJDeJFSZHGNN4IGJv/to04bN5oYLPCBQcgJt2rX++IKJP9yr5BMzIQQgAIE8CSC9eQJjcwiEjcCMMXNSp/10QNjCIp6EEJj/q4UaNnkw7yUJqTdpQiDKBPhFFeXqETsEJFnpXfynt7T283UwgUBJCHTcrYP6nfptIb0lwc0kEIBAAQggvQWAyBAQCJKAlV4jH3R8g6xEsua2xxvSm6y6ky0EokwA6Y1y9YgdAo5OL9LL4VBKAkhvKWkzFwQgUAgCSG8hKDIGBAIkQKc3QPgJnhrpTXDxSR0CESWA9Ea0cIQNAUsA6eVYCIIA0hsEdeaEAAT8EEB6/dBjXwiEgADSG4IiJDAEpDeBRSdlCEScANIb8QISPgSQXo6BIAggvUFQZ04IQMAPAaTXDz32hUAICCC9IShCAkNAehNYdFKGQMQJIL0RLyDhQwDp5RgIggDSGwT1QOfs27Nnz8dXrly5Z6BRMDkEPBLo0aPHx0ivR3jsBoGwEEB6w1KJZMWB9Car3uXl5csnTZrUa+jQoclKnGxjQaBPnz7Vy5YtuxLpjUU5SSLJBJDeJFc/uNyR3uDYl3rmdu3azTrttNMGP/LII21LPTfzQcAvgWHDhm2ZO3fuH9euXfsjpNcvTfaHQMAEkN6AC5DQ6ZHexBT+3K5du8547733dm7VqlVikibReBB4+OGHNWLEiNXV1dU9JW1BeuNRV7JIMAGkN8HFDzB1pDdA+KWbumeLFi3+/swzz7Ts379/6WZlJggUgMDKlSt1wAEHbNu6detJkhaZIZHeAoBlCAgESQDpDZJ+cudGeuNf+4qKitfGjRt36Pjx4+OfLBnGjsARRxxR/Ze//OUWSbfa5JDe2JWZhJJGAOlNWsXDkS/SG446FCuK5s2b33zCCScMe/LJJ3cp1hyMC4FiEbj66qtr77333gWVlZUnOudAeotFnHEhUCICSG+JQDNNAwJIb6wPiNM7duz4yLvvvrtTp06dYp0oycWPwBNPPKHBgwev27hx436S1iC98asxGSWYANKb4OIHmDrSGyD84k7dqW3btivmzJnT/vTTTy/uTIwOgQITWLNmjfbbb79/r1u37hxJT7iHp9NbYOAMB4FSE0B6S02c+QwBpDeex0F5efmzQ4cOPW7SpEnN4pkhWcWZwMCBA9c///zz02pqaq7OlCfSG+fqk1siCCC9iShz6JJEekNXkkIENL5fv35XvvLKK+0LMRhjQKCUBG699Vbddtttr1VWVn4327xIbykrwlwQKAIBpLcIUBmySQJIb5OIorZB/1atWj3zzjvvtOjZ01zSlAcEokNg0aJFOumkk7Zs27btQEkrkd7o1I5IIZAXAaQ3L1xsXCACSG+BQIZjmNbt27d/f/r06V0GDx4cjoiIAgI5Eti8ebN69eq1ftWqVZdKmtPYbnR6c4TKZhAIKwGkN6yViXdcSG986tuxY8ffDho06PszZszIess1c2er8847rz7phx56SOeee64nCCtWrNCgQYM0ffp0HXXUUQ3GMPPMnj1b5mt5ebmn8V9++WUNHz5cc+fONTLkaQw/OxkJGzVqlLp06aJrrrmm0aFuvPFGXXvttTr55JN95ZxvvCbG22+/XcOGDVObNm1yjjffeUqx/TnnnLNx/vz5czZs2HBJU/MhvU0R4nkIhJwA0hvyAsU0PKQ3NoUd2rt371uWLl2adR2vEdDbbrutXiKttI4bN86z+GajVwjpjUplqqqq0vyGDBlScI5NMYgL55kzZ2rChAkrqqqqzOXJmnwgvU0iYgMIhJsA0hvu+sQ1OqQ3FpXtK+mNN998U4ccckjGhHIRM7vN008/nR7DdoFNF3P16tWaOnVq+ue2+3n22Wc36PTabufBBx9s1mXq7bff/kbX04q3ed4IuNnWdHK7deuWHvejjz7Sv/71Lx1xxBEy448ePTr9fGVlZbrr69zPdDcvueTrpqCN1XZnZ82alf75DTfckO7S2nk7d+6sf/7zn+rdu7fat2//jZycHV1np3fs2LHp+Mzj448/lmFk5r755pt11VVXKdN8tqNuu7+2E+vM8fDDD0/n17179/QYZlvzn8nbPF566aV0F93+gbJkyZL6n5tvjj766PS/DccHH3xQ99xzT31nOls97Vhnnnlmujvt5BfEq8Ect9/5znfM1OY4/lsuMSC9uVBiGwiEmADSG+LixDg0pDf6xS0vL18+adKkXkOHDs2aTGNLEcxOVvDM90ZujYgYoTLSZR52mYH53i5pqKioqP/eCpjZvm/fvmlBNHLoXt5gl1e4hdrKo3Mf5/IGI70mHrPfwIED0x1VI4omVvPxvtnWjP3UU0/pxRdfrM/Bxv3666+nl3VYiXSO7czJuUwjk/Ta+JYvX17PZ7/99mvQ6TVjW3aWhZkjU46Wh4nL8jQy6pRsu98xxxyTnsf5R8jjjz9ev4zEubzBub+7ns55jOSb8Sw/r0tR/LyK+vTpU71s2bIrJc3MdRykN1dSbAeBkBJAekNamJiHhfRGu8Dt2rWbddpppw1+5JFH2jaWSVPS637eKXymo2o/vjdz2LW6RkStABsZdK7hzfaxu3uJhf237VJa6W7dunVaxKy02k6v6YoaaTPxGEG1XVzn3M6uqO0kG+l1Lu2wXVCzvzt2yzGT9Nr1vU5ebul1Sqkzj0w5OjlZnna5iXsc53ps02U2MptNet1deGcu7ueCXCIxbNiwLXPnzv3j2rVrf5TPKxHpzYcW20IghASQ3hAWJQEhIb2RLvK5Xbt2nfHee+/t3KpV1nPX0gk2tbyhMem13cBly5alx/r+97+flk7nPmGR3hkzZmjevHkNlkQYUXZLr8nDSOWGDRu0fv36jCerhUV6Df8LL7ywQWfbLjeJsvQa2R4xYsTq6upqc229Lfm8EpHefGixLQRCSADpDWFREhAS0hvZIvds0aLFO88880yr/v3755REYyeynXHGGfVrVt0fhzvXlJqJ7NUUnNJrfu7+SN/L8gY/nd777rsvLbJ2DCOEtrubSXrtMgSzvV324ATpVXqbWt7gzDGXTu+ll16q888/X6YD7K6Tn+UN9qobQXR6V65cqQMOOGDb1q1bT5K0KKcD2LER0psvMbaHQMgIIL0hK0hCwkF6o1noioqKv44bN+6w8ePH55VAY5csy3bik5nAvebXfGzv7g4X4kQ2P9JrcrNrbc045qQ3c1KckTsj4M7lDeZ5m6/5PtOl1bxKrx0v24ls+UqvXbdsTzozS0qqq6vTMdt8vZzIFqT0HnnkkdWLFy++RdKteR3AdRsjvV6osQ8EQkQA6Q1RMRIUCtIbvWI3b9785hNOOGHYk08+uUvUond3m4OMv6klH0HGFue5r7766tp77713QWVl5Yle80R6vZJjPwiEhADSG5JCJCwMpDdyBT+9Y8eOj7z77rs7derUKXLBh0V6bce71DeTiFzBChzwE088ocGDB6/buHGjuR7vGq/DI71eybEfBEJCAOkNSSESFgbSG6mCd2rbtu3yOXPmdDj99NMjFTjBQmDNmjXaf//9/7127dpzJD3hhwjS64ce+0IgBAS8SO//++Pjuvx/huvcs4fo2v+5QfYMbvtzk9a8h/6gQw85LJ3hli1bdMMvrtXDv5nd4OeNpb+uep1uu/MWjbv8SnVo3yEEpBqG8PrfXtOZ5/1H+of79+qjGZNnae+9ehQlzrtmTtXku2/VmMvGa+TQry9Un8uj2Az9jI/05lLBcGxTXl7+7CWXXHLcTTfd1CwcEREFBHIncMopp6x/7rnnptfU1FyV+16Zt0R6/RJkfwgETMCL9Frh63/Usbrz1hn1UmrlzKTkFLQPP/pAw8Z8fQejXOTQbt+pYtcG4weMqsH0zlzNE3f+Yrp+8P0zihKiF+ktNkO/4yO9RTlUijHo+H79+l35yiuvZL3NcDEmZUwIFILArbfeak4kfK2ysvK7hRgP6S0ERcaAQIAEvEhvJok1Xb/Lxw/TopdfSGfj7AJnk+RsafsVqmLjtLmuqfxC3zuqv2b9asY3ut7FjqGp8YvN0O/4OUpvO0kXS5rcVL48n5WAuZaW+W+bB0b9W7Vq9cw777zTomdPc0lTHhCIDoFFixaZK2ls2bZt24GSVhYicqS3EBQZAwIBEvAivc7lCrbDacX2e0f21xdVlemMbFfXLnuw3V/n/jZ1+5xz2YD7ObdYm+edyyjs9u4xsi3DMD8/5cTTdN5FP07vmusyBTu+2f+8Qedr9FWXN8jXWU53RzjTEoWmtsnU6XUuJcn2R4YzjlzYm+2df9BMuuYW3XXPlPo/ZNy1zjR+rodyE9JrZNd8FDlG0nZJrXMdl+0aENhJUrWkrZImSZqSh/y2at++/cpp06Z1MTeE4JEfAedd3Xr16tVgZ/cdz5oaOdvVHuzP7R3imhonSc+b95h99913/apVq4aZK8MVKnekt1AkGQcCARHwIr0mVLeIWQkzYvTJp/9Ir0E1QnrA/gfWr+c1zw084dT6f7tTNs/v0aVr/VpZp/QO+fEFDTrJzn2d4uuWQbudcylGtm3Mtu4lG5nKYnN35+Ne4uCWWWc+dm1uPttYcc0Wv5X7v7/7TkaGF19waaPszfIMK73vrlia8Yg0rM3DrmfOlFMuh3IW6bWyaxYum/cXI7xXmtUjuYzJNhkJXCPpZ5JqJaUkmWuUGvk1Ipz10bFjx98OGjTo+zNmzGj8lmtAz5sA0ps3srx3OOecczbOnz9/zoYNG75eV1egB9JbIJAMA4GgCHiVXufJbOZkM3PSmT1RzUqRkTQrq2YpgOn8modZ39v34L71J8G5BTrTR+eZfpZtPyNsVkCdXeVM0miF2dkdztQ9tvVxdpvtdplO7Mt08p57mUfrVq2/cYJfpqUg7jyd0u0UVROj7a43xjAX9oah5eXM2f6swMsbdq7r7FrZbVHHu0pSRVCvjZjMa7q95hJNbery2VgnvzdLmppFfof27t37lqVLl8Z2Ha+9hJm5kYS5eYS5yYK541u3bt3Sd4j76KOP0jeYOOKII2Ru0mDuQOa+6UNlZaXMDRvszRac3V3z3PDhwxuMOWvWLJlLlXXv3j1dCjPupk2b0rdWfvrpp+tjMJ1hewOOJUuW6JJLLknf5GLIkCHpbe3DdnrNeOZ5M8YNN9ygsWPHNrjLndne5NSlSxeZWwvH/TFz5kxNmDBhRVVVlbk8WUEfSG9BcTIYBEpPwKv0OqVn5KWjNeHGK2VPPFu3bm1abM2/3c85r8TgXobQmFC5lzZk6shmu6qEWyQXvbTwG1efyCSzmaqRSUqznajn7uJmkul8tsnW6c10El1TUtoUe6dAm+9z+cMkn6PX1emdJ8lcCmPHfMZgW18EtkiaaXzINcohkt588803dcgh5tt4Puz1ch966KG0SNru680336yrrroqLZH2bmlN3d7XyqSzg2v4Wel13oq4oqIiPZ8RVTvXMccck/6ZvS2v+7bGZixzq2Ubq1t6zb/Nvk4JNz+z85vvnXIez4p+ndXf/vY39e3b13xr/ve3QueK9BaaKONBoMQEvEqvu/vnvKSW7XK+ueRN/dc5F+jKiePqT/TavGVz1mUKTXURM633Nbis9LnXDluUbgH0I73ZliPYuZwCmmkNstnOucY4l23cwplpTbQZ1/mHQCbpzTaX2dfNvsTSm63Tu1ZSeYlfEnGbzt3p/XfdUoeMnd7y8vLlkyZN6jV06NC4cWiQj/tmFfbfDz74oO655570tqYTa2577F6O4OzoGqGdPXu27rrrLo0cObK+G+vc5je/+Y1Wr179jfEuvfRSnX/++TLdXPswHWfTEb7uuuvqx8p1Ta9zje+wYcPSIm06u0bgTYyZbnkctyL36dOnetmyZWZJlPmDruAPpLfgSBkQAqUl4FV6TZSNXbbLve7ULabOk8a8dBGda0+t7GWSWRNnoTq9jUmjrVq2NcFuUc3U9c22TVOXLHPWwXLOJL22JrmwL7H02vcS1vQW/uVv1/Sa9bxmXW/WZQ3t2rWbddpppw1+5JFH2hY+jHCNWCjpNVmZLuqZZ54pI7rO7rDttDYlvePGjcu4bMEuZ/AivUZ2jaxv2LBB69evT8TShmHDhm2ZO3fuH9euXfujYh1tSG+xyDIuBEpEwI/0OsXWfeUDd1fWSp5b4BpbL+oUr1yWFZjtzbKKXNf0Zuu4ZlvT29il15wSbvbvsVfP+o62Hc991Yv+Rw9ochuzZtfJzHkymrOrnO0PBydDr+ydf+A01RHO9bDl6g25kvK1XT5Xbzi3a9euM957772d7c1mfM0c8p2bWt5gwred3mzLG5yd4GuvvTa9ntaumXV3g826YbNmONPyBjvX7bffnu4I22UP9udeljeYKzrYuM04L730kszP4vow9RwxYsTq6upqc209s3SnKA+ktyhYGRQCpSPgR3qdYuu+LJhTZp1C3NiVE9xCZa8gYMYef8VVuvWOm9Mny7kfzrmzLT/IdPWGfKW3sY5rUyfMOWPOhUdj3dhsyzzMHFaw3VdhMLkeclBfjZ2Q+Y5uTclsYycNmnnd9W/qCOY6vU0RKtjzuVynt2eLFi3eeeaZZ1r179+/YBOHeaCmTmRzSq/53kqy+d6cjOZcKuCUYiuWTum1J8dlOpHtk08+SXeKzRIHezKd3xPZrHjbDrGNv7w8niuFVq5cqQMPPHDbli1bTpK0qJjHHdJbTLqMDYESEPAjvZm6tM6QrSi5hch957bvn/wf9Se+2Tu8OeXY7m/GtrcztvNkuu5tPtfptbdRbupENufz2e6+ZmNu7PJojZ2AZ3PKdqc7Z67uHDNdYzgTw3sfuCd9OTnzMOO52duTEM3zzrvnNXWt4CJJbwleAUxRUVHx13Hjxh02fvz4xMBwL2+IY+LZlkXELdcjjzyyevHixeZSfF//YiviA+ktIlyGhkApCPiR3lLExxzxJJBjpzeeyYcoq+bNm998wgknDH/yySfNyYSJecRdem1n2t2VjluBr7766tpZs2YtqKqqOrEUuSG9paDMHBAoIgGkt4hwGTorAaQ3FAfH6R07dnzk3Xff3alTp06hCIggIJArgSeeeEKDBw9et3HjRnM9XnMt6qI/kN6iI2YCCBSXANJbXL6MnpkA0hv4vGyaNwAAIABJREFUkdGpbdu2y+fMmdPh9NNPDzwYAoBAPgTWrFmj/fff/99r1649R9IT+ezrZ1uk1w899oVACAggvSEoQgJDQHqDLXpFRcWzF1988XE33XRTs2AjYXYI5E/glFNO+fK5556bUVNTc1X+e3vfA+n1zo49IRAKAkhvKMqQuCCQ3kBLPr5fv35XvvLKK7G9zXCgdJm8qARuvfVWc+vo1yorK79b1IkyDI70lpo480GgwASQ3gIDZbicCCC9OWEqxkb9W7Zs+czf//73Fj17mkua8igEgc2bN2vUqFHpu6mZh/PyY/YqCk8//XT9VO4TzBrbvxDxxWWMRYsW6aSTTtqybdu2AyWtLHVeSG+piTMfBApMAOktMFCGy4kA0psTpkJv1Kp9+/Yrp02b1sXcopZHYQhYYTWj2RtWOK8OYW9IYe+wZrZz3trY/NsIc7b9zXV7eUjmWuj77rvv+lWrVg0zl04OggnSGwR15oRAAQkgvQWEyVA5E0B6c0ZVsA07duz420GDBn1/xowZrQo2KAOl73xmbzmcSVAzXS/XeUMLg7Cx/UH8NYFzzjln4/z58+ds2LDhkqCYIL1BkWdeCBSIANJbIJAMkxcBpDcvXIXYeGjv3r1vWbp0Ket4C0HTMYbp6s6ePbvBXdqcU2SS3hUrVqTvxDZu3Lj0po3tX+BwIznczJkzNWHChBVVVVXm8mSBPZDewNAzMQQKQwDpLQxHRsmPANKbHy+fWx8i6c033nhDffv29TkUu7sJIL3FPSb+9re/2eP2O+Y4Lu5sjY+O9AZJn7khUAACSG8BIDJE3gSQ3ryRed6hvLx8+aRJk3oNHTrU8xjsmJ2Al+UNttM7ffr09MAsb8jOt0+fPtXLli27UtLMoI9DpDfoCjA/BHwSQHp9AmR3TwSQXk/Y8t6pXbt2s0477bTBjzzySNu8d2aHnAhwIltOmDxtNGzYsC1z587949q1a3/kaYAC74T0Fhgow0Gg1ASQ3lITZz5DAOktyXEwuGvXrvesWLFi59atW5dkwqROwiXLCl/5OXPmmA746urq6n0kbS78DPmPiPTmz4w9IBAqAkhvqMqRmGCQ3qKXumeLFi3eeeaZZ1r179+/6JMxAQQKSWDlypU68MADt23ZsuUkSYsKObafsZBeP/TYFwIhIID0hqAICQwB6S1u0SsqKv46bty4w8aPH1/ciRgdAkUgcOSRR1YvXrz4Fkm3FmF4z0MivZ7RsSMEwkEA6Q1HHZIWBdJbvIo3b978puOPP37EU089tXPxZmFkCBSHwIQJE2pnzpy5oKqq6sTizOB9VKTXOzv2hEAoCCC9oShD4oJAeotW8tM7dOjwyPLly3fq1KlT0SZhYAgUg8ATTzyhwYMHV2/cuNHchm5NMebwMybS64ce+0IgBASQ3hAUIYEhIL1FKXqntm3bLp8zZ06H008/vSgTMCgEikVgzZo12n///f+9du3acyQ9Uax5/IyL9Pqhx74QCAEBpDcERUhgCEhv4YteUVHx7MUXX3zcTTfd1KzwozMiBIpL4JRTTvnyueeem1FTU3NVcWfyPjrS650de0IgFASQ3lCUIXFBIL0FL/n4ww8//MpXX32V2wwXHC0DFpvArbfeqttuu+31ysrKw4o9l5/xkV4/9NgXAiEggPSGoAgJDAHpLWjR+7ds2fKZv//97y169uxZ0IEZDALFJrBo0SKddNJJW7dt23aApJXFns/P+EivH3rsC4EQEEB6Q1CEBIaA9Bas6K3at2+/ctq0aV3OPffcgg3KQBAoBYEtW7Zo3333Xb9q1aphkh4uxZx+5kB6/dBjXwiEgADSG4IiJDAEpLcwRe/YseNvBw0a9P0ZM2a0KsyIjAKB0hE455xzNs6fP3/Ohg0bLindrN5nQnq9s2NPCISCANIbijIkLgiktyAlH9q7d+9bli5dyjreguBkkFISmDlzpiZMmLCiqqpqv1LO62cupNcPPfaFQAgIIL0hKEICQ0B6/Re9Z8+eH69cuXJP/yMxAgRKT6Bnz57/WLly5RmS3iz97N5mRHq9cWMvCISGANIbmlIkKhCkN1HlJlkIxIIA0huLMpJEkgkgvUmufnC5I73BsWdmCEDAGwGk1xs39oJAaAggvaEpRaICQXoTVW6ShUAsCCC9sSgjSSSZANKb5OoHlzvSGxx7ZoYABLwRQHq9cWMvCISGANIbmlIkKhCkN1HlJlkIxIIA0huLMpJEkgkgvUmufnC5I73BsWdmCEDAGwGk1xs39oJAaAggvaEpRaICQXoTVW6ShUAsCCC9sSgjSSSZgJXexX96S2s/X5dkFOReQgIdd+ugfqd+W0Z+h00ezHtJCdkzFQQg4I0Av6i8cWMvCISGgJXe0AREIIkigPQmqtwkC4FIE0B6I10+goeA9MDE3320acPm7rCAQBAE2rRr/fEFE3+4VxBzMycEIACBfAggvfnQYlsIQCBOBDpImiHpQkmb4pQYuUAAAhCAwDcJIL0cFRCAQFIJTJY0XNL1km5JKgTyhgAEIJAUAkhvUipNnhCAgJNAZ0mrJe0gab2kjpK2gwgCEIAABOJLAOmNb23JDAIQyE7gbkkXSWop6d+SrpNkOr88IAABCEAgpgSQ3pgWlrQgAIGsBLpK+sT17FpJ5TCDAAQgAIH4EkB641tbMoMABDITmCXp/Lour93CnMj2P5KmAQ0CEIAABOJJAOmNZ13JCgIQyEygp6TlkjZI2irJXMHhK0nN6q7gUAE4CEAAAhCIJwGkN551JSsIQCAzgQmSrpA0TtJ8Se9IMteYvabuZyPrLmMGPwhAAAIQiBkBpDdmBSUdCEAgZwLfkvSGpN3r9mgvqTrnvdkQAhCAAAQiRQDpjVS5CBYCECgggT0kLZZkTmzjAQEIQAACMSeA9Ma8wKQHAQhkJbCnpEWSuIUzBwkEIACBBBBAehNQZFKEAAQyEthb0rOSesAHAhCAAATiTwDpjX+NyRACEMhMYJ+6k9n2BRAEIAABCMSfANIb/xqTIQQgkJnAfpJ+J2l/AEEAAhCAQPwJIL3xrzEZQgACmQn0kTRX0gEAggAEIACB+BNAeuNfYzKEAAQyEzhI0mxJBwMIAhCAAATiTwDpjX+NyRACEMhM4BBJ90nqCyAIQAACEIg/AaQ3/jUmQwhAIDOBQyXdI+kwAEEAAhCAQPwJIL3xrzEZQgACmQkcLulOSUcACAIQgAAE4k8A6Y1/jckQAhDITOBISbdJOgpAEIAABCAQfwJIb/xrTIYQgEBmAsdIuknS9wAEAQhAAALxJ4D0xr/GZAgBCGQmcKyk6yQNABAEIAABCMSfANIb/xqTIQQgkJnA8ZKulHQCgCAAAQhAIP4EkN7415gMIQCBzAROkjRG0skAggAEIACB+BNAeuNfYzKEAAQyEzhF0mWSTgUQBCAAAQjEnwDSG/8akyEEIJCZwGmShko6HUAQgAAEIBB/Akhv/GtMhhCAQGYC/yHpp5J+ACAIQAACEIg/AaQ3/jUmQwhAIDOBH0o6T9KZAIIABCAAgfgTQHrjX2MyhAAEMhM4S9LZdf/BCAIQgAAEYk4A6Y15gUkPAhDISmBQ3dKGc2AEAQhAAALxJ4D0xr/GZAgBCGQmMLjuyg1miQMPCEAAAhCIOQGkN+YFJj0IQCArgSGSTpT0XzCCAAQgAIH4E0B6419jMoQABDITuEBSf0k/ARAEIAABCMSfANIb/xqTIQQgkJnAhZL6SfpvAEEAAhCAQPwJIL3xrzEZQgACmQlcLOk7ki4BEAQgAAEIxJ8A0hv/GpMhBCCQmcClkg6UNAxAEIAABCAQfwJIb/xrTIYQgEBmAiMk9ZJ0GYAgAAEIQCD+BJDe+NeYDCEAgcwELpe0l6QrAAQBCEAAAvEngPTGv8ZkCAEIZCYwWlIXSWMABAEIQAAC8SeA9Ma/xmQIAQhkJjBO0q6SxgMIAhCAAATiTwDpjX+NyRACEPg/At+S9M+6f/5M0i6Srqz7d1dJq4AFAQhAAALxJID0xrOuZAUBCHyTwA6SlkuqlGS6vObGFK0lzZN0c936XvOzfwEPAhCAAATiRwDpjV9NyQgCEMhOwHR1r5P0laS1dZuZJQ4tJM2QNBJ4EIAABCAQTwJIbzzrSlYQgEBmAm0kfSHJfHU+tknaTdI6wEEAAhCAQDwJIL3xrCtZQQAC2Qn8XNKouu6u2WqjpNslXQ80CEAAAhCILwGkN761JTMIQCAzgfaS1kjase7pf0vqJGkTwCAAAQhAIL4EkN741pbMIACB7ASmSBpet7b3Jkm3AAsCEIAABOJNAOmNd33JDgIQyEygs6TP6pY2lEuqARQEIAABCMSbANIb7/qSHQQgkJ3AXEkfOq7TCysIQAACEIgxAaQ3xsUltXgS2GuvvZ786KOPBsYzO7IKO4EOHTpUr1u37oeSXgh7rMQHAQhAwEkA6eV4gEDECFRUVPztt7/97bePPfbYiEVOuHEgcOihh1a/8cYbSG8cikkOEEgYAaQ3YQUn3egTsNL7wAMP6MEHH4x+QmQQCQLdu3fX/fffr7FjxyK9kagYQUIAAm4CSC/HBAQiRsBK7/XXX6/rrrtOdHwjVsCIhjtgwID08Yb0RrSAhA0BCAjp5SCAQMQIIL0RK1hMwkV6Y1JI0oBAggkgvQkuPqlHkwDSG826RT1qpDfqFSR+CEAA6eUYgEDECCC9EStYTMJFemNSSNKAQIIJIL0JLj6pR5MA0hvNukU9aqQ36hUkfghAAOnlGIBAxAggvRErWEzCRXpjUkjSgECCCSC9CS4+qUeTANIbzbpFPWqkNxIVTEUiSoL0QwBv80EPeD7gsSsEgiCA9AZBnTmR3kgcA6lUCu+NRKU8BFlWllY2vM0DO7sL8HzAY1cIBEEA6Q2COnMivZE4BpDeSJTJW5BIrzduzr2QXv8MGQECJSWA9JYUN5PVEUB6I3EoIL2RKJO3IJFeb9yQXv/cGAECgRFAegNDn+iJkd5IlB/pjUSZvAWJ9HrjhvT658YIEAiMANIbGPpET4z0RqL8SG8kyuQtSKTXGzek1z83RoBAYASQ3sDQJ3pipDcS5Ud6I1Emb0Eivd64Ib3+uTECBAIjgPQGhj7REyO9kSg/0huJMnkLEun1xg3p9c+NESAQGAGkNzD0iZ4Y6Y1E+ZHeSJTJW5BIrzduSK9/bowAgcAIIL2BoU/0xEhvJMqP9EaiTN6CRHq9cUN6/XNjBAgERgDpDQx9oidGeiNRfqQ3EmXyFiTS640b0uufGyNAIDACSG9g6BM9MdIbifIjvZEok7cgkV5v3JBe/9wYAQKBEUB6A0Of6ImR3kiUH+mNRJm8BYn0euOG9PrnxggQCIwA0hsY+kRPjPRGovxIbyTK5C1IpNcbN6TXPzdGgEBgBJDewNAnemKkNxLlR3ojUSZvQSK93rghvf65MQIEAiOA9AaGPtETI72RKD/SG4kyeQsS6fXGDen1z40RIBAYAaQ3MPSJnhjpjUT5kd5IlMlbkEivN25Ir39ujACBwAggvYGhT/TESG8kyo/0RqJM3oJEer1xQ3r9c2MECARGAOkNDH2iJ0Z6I1F+pDcSZfIWJNLrjRvS658bI0AgMAJIb2DoEz0x0huJ8iO9kSiTtyCRXm/ckF7/3BgBAoERQHoDQ5/oiZHeSJQf6Y1EmbwFifR644b0+ufGCBAIjADSGxj6RE+M9Eai/EhvJMrkLUik1xs3pNc/N0aAQGAEkN7A0Cd6YqQ3EuVHeiNRJm9BIr3euCG9/rkxAgQCI4D0BoY+0RMjvZEoP9IbiTJ5CxLp9cYN6fXPjREgEBgBpDcw9ImeGOmNRPmR3kiUyVuQSK83bkivf26MAIHACCC9gaFP9MR5Su9Vkm5ONLBgkkd6g+FeklmRXv+Yy/wPwQgQgEApCSC9paTNXJZAjtJ7uaSJknaW1ElSFQQLRqCVpBclzZZ0V5ZRA5XeG2+8Uddee22D0C655BJNnTpVrVu31ooVKzRo0CCNGzdO5557bsHAJGUgpNd/pZFe/wwZAQIlJeBFejdv3qxRo0Zp1qxZDWKdOXOmfve73+npp5/OmIN9w9q0aVP6Tcq53UsvvaSjjjqqwX4PP/ywzjvvvPqf3XDDDbrmmmuy8sm2/e9//3sdeuihuvDCC9NzOt84CwX75Zdf1tFHH50eLtP42Zg55y9GXJnyq6qq0ptvvqkTTzwx/bSN/aGHHiqZPDQiveZ9ZJSkCZJa1P13p6RxhaoV49QTeFXSIZLW1/1xMd3FJnDpNcemeV2Xl5fLHLfm90b37t3rxZdaeieA9HpnZ/dEev0zZAQIlJSAF+m1AVpZOvjggzV37lz16tUr/ZSVTyup9s3KLZxGRmfMmKFnnnlGbqE1kjh79mw9/vjjaVHNJMU2Duf4znFsfFYmjegZMS2WXLrnM90o98OyOfnkk+vfzM02JgfDYuzYsekuVjEfpoO299571wtuSKT3pTrZvVpSc0k71THYJqmzpOpiMkno2N+T9EdJ7SRtkrShTn5n1vEIlfQ6/0Azvw8qKioadHpt53fJkiXp8J2/M7w8Z14nTuk2r93bbrut/ned849s+zvFzGsaAl9++WU6hqVLl6p3795q3759vai7xwnq2EN6/ZNHev0zZAQIlJRAIaTXLXBu6XWKsHPbZ599Vqbr+4Mf/EDuMcyb1CeffKLJkyc3Kr3ODmqmTrCV5yFDhqS7m2GV3lIVPQjBzZRbhk7vmZIulOQ2/u11QpaSVCvJfnV+z3PeuYyRtJejRlZ+p0j6RSpl0AbzcEunicK5pMF8emOXN5xxxhlp2TQPs/zh9ttvrxdW8zPTITa/A8xX57iVlZUNxNkppOa54cOHpyW3W7duDca3v0uMWO+3337pcc0nVeaPVhPHq6++2kCOrSy7xyn2H7iNVQ7p9X9cI73+GTICBEpKoBTS6+zEOj9CN9K75557auTIkWmxdT731ltvpTs5//3f/92o9DqXFTTWDXZ2iTKtC3R3h5zjmrjMR6p2+YIzTue6QyPdZg1iY51kd6fXxGU7vLZLZJaNmD8C/vd//1eTJk1KLyOxfxTYN2kTr5nPPMyc2f7wMM/bTrzZ1+Zgfm72uf7669Px2vHs8hFnXs587M/NmGbf6667Lr1vvksjMkjvXyUZATMnrTWrW9ZgwjQts251LwrzHmOeM//Z7xv7mdfnMo1fyLnzHb+Yuf5Q0u6OXzpbJe0g6Q+Szoia9JrXivv1Z17LVl7tp1E2X3fX1f6uMgI7bNiwell2CrZbnM3SC/O6WL16tW6++WZddZU5hL+Wb/faY/c4Jf1l75oM6fVPH+n1z5ARIFBSAsWUXmci7iUQ5jkjvX379k1Ln1MWTffXdFLMc3btbzahtRKZaXw3SPfyA7u22K4RNEspzBpiO5cVPCt07n/bud3P5yK9ztgySfhuu+2WXv5gJdf+27zBOj9WNbEuWLAgzc/G4ezmWlk3gnzBBRfogQceaLCticPdmbf/dnaxLCPnemwT99ChQ9PjOuPL5QBuZE2v+ajdrOc1bTvTZjSdXrOQe3Iu47JNXgQOlvQXSS0lWdk1J7b9wjRVDf+oSK/5PeH8Q9VQsK8r87p2LktwEnJ3k53Sa/4AtDJrf085u77ucxrMH5H33Xdfeh+n9NpPo7p06ZJeVpQtlrwqV4CNkV7/EJFe/wwZAQIlJVBM6W1qTa+VXit2JnHzpmLeJEyHxHR6iym9VnLdsmjjbkx67cepzo8xvazpNTk71/Laj29zkd5McWaKy/0m7xRkt/Ta7pb9eZs2bRp8XGtr8vnnn6drZR7mI+YCSq8Nt4Mks773CklfZVj2UNLXSUwn+5Mkczajee++X9LPJX3gyDV00mtfY5nW9Nq43Z8s2T/8sp0s65RQt/TaLnHnzp2111571XdvMy29MPNbwXVKr30tmXMUTCzu54I6tpBe/+SRXv8MGQECJSVQCuk1CWVahmCl14qV6ZwYkTvooIN00kknpdf7NiW9fpY3mHV/mTqktkPkft4pwQMHDkzHZuXPfGzqRXpN59b58Cu9meLKR3rPPvvsBhLrrI2z81sC6bVhVzhOcCvpayPmk5kur5He+XXXQP44Q76hkl63UJo1/3ZNrz3uzbIE06F1yrFzza15zrmkwf7RZi97lm25g3v5Vbbx7Zpet9g6T6TLdylQsY5DpNc/WaTXP0NGgEBJCYRBet0f2ds3BWfHJtvyhmxXbnBCNG9Q5s3QLaWF6PQaUbexhUF6bafXxJXpzdXdvbZdKLOsw/zBEaJOb0lfBwmdrKukVY3kHrj05nOdXvcVGpwntuZ69YZMy6TMa2bevHkNrlDjfN2Y791Xb3BLrxV25ydDQR9zSK//CiC9/hkyAgRKSqAQ0tvUJcucV1hwX73BrJVzXoPTvpmYnznfqBo7SS1bF8XOa87aziS9tlN05plnprtDzrWsZnvnml3bSXJ2fLKthc1lTa/7xDNbdCvxlsNTTz2VXmfs3N49b7a1xnYfM5YR/Isuuii93tB2t00n3UiyncO5XMK+ydvlDO41vSXs9Jb09cBkDQgEKr1xqkW2ZQ9B5oj0+qeP9PpnyAgQKCkBL9Lr9eYUmdb4mmSdJ4KZfzsF1AmjqZtTuO/g5JRxZ0fYOWdjHSDnPkYgjfiZDqpzXOec5qNWu87V3WXNxqypm3KYj13NdYzt1RXs8gN7tQl7xQiTU7a4nMLs/kPCXuvUffWKpq7eYOb78Y9/nC7Po48+mv7aVH2ctczxjmwlfS0w2TcIIL0FOCjyOdm2ANPlPATSmzOqrBsivf4ZMgIESkrAi/SWNEAmiyUBpDcSZUV6I1Emb0Eivd64OfdCev0zZAQIlJQA0ltS3ExWRwDpjcShgPRGokzegkR6vXFDev1zYwQIBEYA6Q0MfaInRnojUX6kNxJl8hYk0uuNG9LrnxsjQCAwAkhvYOgTPTHSG4nyI72RKJO3IJFeb9yQXv/cGAECgRFAegNDn+iJkd5IlB/pjUSZvAWJ9HrjhvT658YIEAiMANIbGPpET4z0RqL8SG8kyuQtSKTXGzek1z83RoBAYASQ3sDQJ3pipDcS5Ud6I1Emb0Eivd64Ib3+uTECBAIjgPQGhj7REyO9kSg/0huJMnkLEun1xg3p9c+NESAQGAGkNzD0iZ4Y6Y1E+ZHeSJTJW5BIrzduSK9/bowAgcAIIL2BoU/0xEhvJMqP9EaiTN6CRHq9cUN6/XNjBAgERgDpDQx9oidGeiNRfqQ3EmXyFiTS640b0uufGyNAIDACSG9g6BM9MdIbifIjvZEok7cgkV5v3JBe/9wYAQKBEUB6A0Of6ImR3kiUH+mNRJm8BYn0euOG9PrnxggQCIwA0hsY+kRPjPRGovxIbyTK5C1IpNcbN6TXPzdGgEBgBJDewNAnemKkNxLlR3ojUSZvQSK93rghvf65MQIEAiOA9AaGPtETI72RKD/SG4kyeQsS6fXGDen1z40RIBAYAaQ3MPSJnhjpjUT5kd5IlMlbkEivN25Ir39ujACBwAggvYGhT/TESG8kyo/0RqJM3oJEer1xQ3r9c2MECARGAOkNDH2iJ0Z6I1F+pDcSZfIWJNLrjRvS658bI0AgMAJIb2DoEz0x0huJ8iO9kSiTtyCRXm/ckF7/3BgBAoERQHoDQ5/oiZHeSJQf6Y1EmbwFifR644b0+ufGCBAIjADSGxj6RE+M9Eai/EhvJMrkLUik1xs3pNc/N0aAQGAEkN7A0Cd6YqQ3EuVHeiNRJm9BIr3euCG9/rkxAgQCI4D0BoY+0RMjvZEofyoSURKkHwJlfnZO+r7AS/oRQP6RI4D0Rq5ksQgY6Y1FGeOURDtJ90v6iaQNcUqMXIpHAOktHltGhkBRCCC9RcHKoE0QQHo5REJG4BZJYyRNlnRlyGIjnJASQHpDWhjCgkA2Akgvx0YQBJDeIKgzZxYCpsv7haSWkrZK2pVuL8dKLgSQ3lwosQ0EQkQA6Q1RMRIUCtKboGKHP1XT5R0tqYWkbZKm0O0Nf9HCECHSG4YqEAME8iCA9OYBi00LRgDpLRhKBvJHwNnltSPR7fXHNDF7I72JKTWJxoUA0huXSkYrD6Q3WvWKcbTOLq9Nk25vjAteyNSQ3kLSZCwIlIAA0lsCyEzxDQJILwdFCAiYLm+VpO2SNknqWPfvNpKaSypnbW8IqhTiEJDeEBeH0CCQiQDSy3ERBAGkNwjqzOkiYK7WMEnSzyTdKclcl9h4zOWSfi5pQt3VHAAHgYwEkF4ODAhEjICV3gceeEAPPvhgxKIn3KgS6N69u+6//36NHTu2+o033vihpBeimgtxx4aAld7YJEQixSWA9BaXL6NDoOAErPQee+yxBR+bASHQFIFDDz0U6W0KEs+XigDSWyrSMZkH6Y1JIUkjOQT22muvJz/66KOBycmYTMNEoEOHDtXr1q2j0xumoiQ3FqQ3ubX3lDnS6wkbO0EAAjEiYN4453E70xhVlFSSQgDpTUqlC5Qn0lsgkAwDAQhEloB54/yK25lGtn4EnlwCSG9ya+8pc6TXEzZ2ggAEYkLAXAJpfV0uXOA+JkUljcQQQHoTU+rCJIr0FoYjo0AAAtEkYC50by5/ZB5c4D6aNSTq5BJAepNbe0+ZI72esLETBCAQAwLczjQGRSSFRBNAehNd/vyTR3rzZ8YeEIBAPAhwO9N41JEskksA6U1u7T1ljvR6wsZOEIBAxAk4b2faqi4Xc3tTbmca8cISfqIIIL2JKrf/ZJFe/wwZAQIQiB4B5+1M76gLn9uZRq+ORJxsAkhvsuufd/ZIb97I2AECEIgZAfPGaR78PoxZYUkn9gSQ3tiXuLAJ8ku+sDwZDQIQiB4BpDd6NSNiCBgCSC/HQV4EkN68cLExBCAQQwJIbwyLSkqJIID0JqLMhUsS6S0cS0aCAASiSQDpjWbdiBoCSC/HQF4EjDGiAAAgAElEQVQEkN68cLExBCAQQwJIbwyLSkqJIID0JqLMhUsS6S0cS0aCAASiSQDpjWbdiBoCSC/HQF4EkN68cLExBCAQQwJIbwyLSkqJIID0JqLMhUsS6S0cS0aCAASiSQDpjWbdiBoCSC/HQF4EkN68cLExBCAQQwJIbwyLSkqJIID0JqLMhUsS6S0cS0aCAASiSQDpjWbdiBoCSC/HQF4EkN68cLExBCAQQwJIbwyLSkqJIID0JqLMhUsS6S0cS0aCAASiSQDpjWbdiBoCSC/HQF4EkN68cLExBCAQQwJIbwyLSkqJIID0JqLMhUsS6S0cS0aCAASiScC8cb4gaUA0wydqCCSWANKb2NJ7Sxzp9caNvSAAgfgQoNMbn1qSSbIIIL3JqrfvbJFe3wgZAAIQiDgBpDfiBST8xBJAehNbem+JI73euLEXBCAQHwJIb3xqSSbJIoD0JqvevrNFen0jZAAIQCDiBJDeiBeQ8BNLAOlNbOm9JY70euPGXhCAQHwIIL3xqSWZJIsA0pusevvOFun1jZABIACBiBNAeiNeQMJPLAGkN7Gl95Y40uuNG3tBAALxIYD0xqeWZJIsAkhvsurtO1uk1zdCBoAABCJOAOmNeAEJP7EEkN7Elt5b4kivN27sBQEIxIcA0hufWpJJsgggvcmqt+9skV7fCBkAAhCIOAHuyBbxAhJ+YgkgvYktvbfEkV5v3NgLAhCIDwHzxlkjacf4pEQmEEgEAaQ3EWUuXJJIb+FYMhIEIBBNAuaNc4uk1tEMn6ghkFgCSG9iS+8tcaTXGzf2ggAE4kNghaRuSG98CkomiSGA9Cam1IVJFOktDEdGgQAEoktgjqT/lLRTdFMgcggkkgDSm8iye08a6fXOjj0hAIF4EHhU0qmSdo5HOmQBgcQQQHoTU+rCJIr0FoYjo0AAAtElMFfSyZLaRzcFIodAIgkgvYksu/ekkV7v7NgTAhCIB4HfSjpOUnk80iELCCSGANKbmFIXJlGktzAcGQUCEIgugcckfU9Sp+imQOQQSCQBpDeRZfeeNNLrnR17QgAC8SDwuKQjJe0Wj3TIAgKJIYD0JqbUhUkU6S0MR0aBAASiS+A5SV0k7R/dFIgcAokkgPQmsuzek0Z6vbNjTwhAIB4Efi+pr6Su8UiHLCCQGAJIb2JKXZhEkd7CcGQUCEAgugT+IOkgSd2jmwKRQyCRBJDeRJbde9JIr3d27AkBCMSDwB8l9Za0dzzSIQsIJIYA0puYUhcmUaS3MBwZBQIQiC6B+ZL2lbRPdFMgcggkkgDSm8iye08a6fXOjj0hAIF4EHiyrsvbKx7pkAUEikKg4z777PPG+++/zzKgouBtetB99tnn4/fff/87ktY2vTVbZCKA9HJcQAACSSfwlKRudUscks6C/CGQjcCoQYMG3fDoo4+2BVHpCUydOlWTJk2at3bt2rNKP3t8ZkR641NLMoEABLwReEbS7pIO8LY7e0Eg/gQ6dOjw0bx587oPGDAg/smGMMMePXp8+eGHH/5Q0sIQhheZkJDeyJSKQCEAgSIReLbubmwHF2l8hoVA1Akc16NHj8dXrly5S9QTiWL8CxYs0FlnnfXRunXrONnWZwGRXp8A2R0CEIg8gecldZR0SOQzIQEIFIFAx44d502YMOGMUaNGFWF0hmyKwKBBgzb+5je/uVbS1Ka25fnGCSC9HCEQgEDSCSyQtLOkQ5MOgvwhkIGA+YOwqqqqSh07mm95lJLA2rVrVV5ebqY0/+MENp/wkV6fANkdAhCIPIEXJLWR9N3IZ0ICECg8AU5gKzzTnEfkBLacUeW0IdKbEyY2ggAEYkxgkaQWkvrFOEdSg4AnApzA5glbwXbiBLaCoUwPhPQWliejQQAC0SPwoqRmko6KXuhEDIGiEhjQo0eP33ECW1EZZx2cE9gKzx3pLTxTRoQABKJF4CVJtZK+F62wiRYCxSXACWzF5dvU6JzA1hSh/J9HevNnxh4QgEC8CLwiaZukY+OVFtlAwBcBTmDzhc/fzpzA5o9ftr2R3uJwZVQIQCA6BBZL2iTp+OiETKQQKDoBTmArOuLsE3ACW3HgI73F4cqoEIBAdAj8RdJ6SSdGJ2QihUBxCXACW3H5NjU6J7A1Rcjb80ivN27sBQEIxIfAX+uufzkwPimRCQR8EeAENl/4/O3MCWz++DW2N9JbPLaMDAEIhJfAfpKW14X3uqQ1kk4Nb7hEBoHSEeAEttKxzjQTJ7AVjz/SWzy2jAwBCISTQB9J5tbDz0m6UdIcSZ9JukvS7XVLHY4JZ+hEBYGiE+AEtqIjzj4BJ7AVFz7SW1y+jA4BCISTwFN1J66ZS5VtlbS9LswdJU2QdEc4wyYqCBSdACewFR1x9gk4ga248JHe4vJldAhAIHwEzN3XPpS0e90Neozw7lAX5mZJH0g6TtIX4QudiCBQXAKcwFZcvk2NzglsTRHy9zzS648fe///9s4FTKrq2vN/ERDk1dBt1MEQVEBRBCXEOMFElEgbUccLCChy1UAuCIpBMSoKcYCgNyIqPoAJxBBERNFhjBhBjRglk0mACCIgLZHLF8YxdkPzbEDE+VZZu+/meKrOo85zn//5Pq1uar/Wb+3q86911t6bBEggnQQmArjfcirllwDkP0lzGJtOszhqEiiJABewlYSvtMpcwFYaPze1KXrdUGIZEiAB0wi0AlANoKHFMNmv90QAe00zmPaQgBMBLmBzIhTu+1zAFi5faZ2iN3zG7IEESCCZBKYDuA1Ag/zwJLf3vwN4IJnD5ahIIFQCXMAWKt7ijXMBWzTwKXqj4cxeSIAEkkfgJACfaMOqBVChLWpL3og5IhIIjwAXsIXH1rFlLmBzRBRIAYreQDCyERIggZQSeArACACHAdzFXRtS6kUOu2QCXMBWMsKSGuACtpLwua5M0esaFQuSAAkUIiC5gDt27OhHQrEQuBHAvFh6ZqemEOACthg9yQVs0cGn6I2ONXsiAWMJiOidPn16vxtuuCF1Ng4YMADnnXce7r333tSNPb/w5RaK3tS5LlEDbtOmzeL77ruv/9ix3LQkDsdwAVt01Cl6o2PNnkjAWAJpFr1pdgpFb5q9l5ixcwFbjK7gArZo4VP0RsubvZGAkQQoeuNxK0VvPNwN63XswIEDJy1atKi5nV0ffvghBg0ahAsuuACy2Kpp06ZQ/3bnnXdiyJAhkeOYPHkyJk6ciEmTJmHChAmO/a9cuRJbt27NjVV+vvDCC/Huu++iZ8+eBeu6LefYuUMBLmArlaC3+hS93nixNAmQgA0Bit54pgVFbzzcTeq1devWf1+8ePGpl1wihxB+/VICd+3atfVCMU7RW1NTkxOvy5YtQ2VlJRYsWIDy8vKCLvE71qhELxewRftpouiNljd7IwEjCVD0xuNWit54uBvUq+MCNl30KpFZXV2di/6qSK8uRIWNRFG7d+8OlSMs0cxt27YdFTFWv0sbPXr0yL0nwlrVLxSFVWJUorwS7dUjtmqsffr0wfLly3Huuedi+/bteOONN3LtSh0R93qkV7dP79sqetXvUsYqtlXkWd4bMWJEfUTcaZ5wAZsToeDfp+gNnilbJIHMEaDojcflFL3xcDelVzcL2JQoPPPMM7Fo0SI888wz9SJVBGu/fv2OErcvvfQSHnrooVzZVatW1f8sQlnEphKMmzZtwujRozFv3jzMnDkzh1TE8bRp03IpCIUiuCIw5f0ZM2ZgzJgxuRQFleLgJhVDF7Nik0SNhw4dmntVbUvfMj4ljisqKupFvtXeNWvW2JZzk/bBBWzRf5IoeqNnzh5JwDgCFL3xuJSiNx7uhvTqagGbEpKjRo2CCDzJjRWRKYJVj9KqqK8q/+STT0KJRflZ6l1//fX1kVyJckoUdurUqRg/fjxmz57tGCVVEWUldHWRKikOdqkM1n/TRa8MRuwQgX7GGWcc5Va9nIxdCXkpJ6J4/vz5uVcljp0i1NY5wwVs8XyKKHrj4c5eScAoAhS98biTojce7ob0WnQBm7JRF40qDeHEE0/Ep59+mhO97du3z0U6rZdEhC+77LJcBLVr167YvXs3WrZsmXsV4Sg5uUq86qkD0k6hFIFCKQcqxcGr6LWKWd0GvS8R6JJKoV/dunXLieV27drlIt0i2tXltEhORbWnTJki+5sPMGQ+pcIMit5UuImDJIFkE6Dojcc/FL3xcDehV6cFbHaiV6UAKAFoTXWwe6Qv0VgRgSKSJeKrC0irONRzg6Vtvb26urqviUs1RiWS9TxhVdcp0ltoJ4dikd5C/pfIr0Sz3Syw69Chw64tW7b8C4C3TJhPabGBojctnuI4SSDBBCh643EORW883A3o9eLTTjvtf27ZsqWVky1W0agv/BJhWiynVyK6SjyqyKg1t1f6F4FqjfpaBbHqt3///kdtUyai+sUXX8xFXeXSF9jJ78VEr8rpVX2LaFVpDGqcMo5iOb16DrOK+qpIrmzvZndxAZvTrAvvfYre8NiyZRLIDIEki149elToRqpWjSuHqXJRbVvkd6JQ9Poll+16bhawFYr0yr+riKaKxtrt3qB2X1DvSRqE3S4O+r6/6nNot/+u6tP6GVaf0UJRZz1CLBHhgQMHonfv3l/bfs26c4Tf3RuUuLfmCOszjgvY4vv8UfTGx549k4AxBJIsevV8QevN1BoFUjdIyfWzruAutpF9XI6k6I2LfKr7dbWALdUWJnjwXMAWr3MoeuPlz95JwAgCSRa9aoW3RJqUmFWb2dstfLGu7nZzelNcTqTojYt8qvt1tYAt1RYmePA8gS1e51D0xsufvZOAEQSSKnr1LY6sm9ILeIpeI6YfjfBAwO0CNg9NsqgHAlzA5gFWCEUpekOAyiZJIGsEkip67Tait9vMXu0xyvSGrM3czNnregFb5shEYPBbb72F/v37b925c+epEXTHLmwIUPRyWpAACZRMIKmi17p5faHN7PWFbPpCFC5kK3lqsIEEEfCygC1BwzZmKIMHD967aNEi2fD3EWOMSpkhFL0pcxiHSwJJJJBE0atvrWRlplad26U36GUpepM42zgmnwS4gM0nuCCqcQFbEBRLb4Oit3SGbIEEMk8giaLXboujQtsnqfQGqyMpejM/tU0CwAVsMXozv4DtpR07dvSPcRiZ75qiN/NTgABIoHQCSRO91txctVuDWOq0mT0jvaXPB7aQPAJcwBavT7iALV7+qneK3mT4gaMggVQTSJroTTVMD4PnlmUeYGW7KBewxeh/LmCLEb6la4re5PiCIyGB1BKg6I3HdRS98XBPW69cwBavx7iALV7+eu8UvcnxBUdCAqklQNEbj+soeuPhnrJeuYAtRodxAVuM8G26puhNlj84GhJIJQGK3njcRtEbD/eU9coFbDE6jAvYYoRP0Zss+BwNCZhCgKI3Hk9S9MbDPU29cgFbvN7iArZ4+Vt7Z6Q3Wf7gaEgglQQoeuNxG0VvPNxT1CsXsMXoLC5gixF+ga4pepPnE46IBFJHgKI3HpdR9MbDPS29cgFbvJ7iArZ4+dv1TtGbPJ9wRCSQOgIUvfG4jKI3Hu4p6ZUL2GJ0FBewxQi/SNcUvcn0C0dFAqkiQNEbj7soeuPhnpJeuYAtRkdxAVuM8Cl6kwmfoyIBUwhQ9MbjSYreeLinoVcuYIvXS1zAFi//Qr0z0ptMv3BUJJAqAiJ6d+zY0S9VgzZnsDcCmGeOObQkAAJcwBYARL9NcAGbX3Lh16PoDZ8xeyABEkgmgRYAngZwE4A9yRwiR0UC3glwAZt3ZkHW4AK2IGkG2xZFb7A82RoJkEB6CDwA4A4ADwO4Jz3D5khJoCgBLmCLcYJwAVuM8F10TdHrAhKLkAAJGEdAoryfATgOwEEAJzDaa5yPs2oQF7DF6HkuYIsRvouuKXpdQGIREiAB4whIlPd2AI0BHAIwndFe43ycSYO4gC1et+cXsMn6hj/EOxL2bkeAopfzggRIIGsE9Civsp3R3qzNAjPt5QK2GP3KBWwxwnfZNUWvS1AsRgIkYAwBPcqrjGK01xj3ZtcQLmCL1/dcwBYvfze9U/S6ocQyJEACphCQKG8NgC8A7AeQW/QD4HgADQGUM7fXFFdnzo42HTt2XF1VVdU+c5YnxOCOHTturaqq+jaAHQkZEodhIUDRyylBAiSQJQKyW8MUAHcDeAzAlwDk7+BtAB4EcF9+N4csMaGtJEACJJAJAhS9mXAzjSQBEihAQIleAiIBEiABEjCcAEWv4Q6meSRAAkUJUPRygpAACZBARghQ9GbE0TSTBEjAlgBFLycGCZAACWSEAEVvRhxNM0mABCh6OQdIgARIIMsEKHqz7H3aTgIkwEgv5wAJkAAJZIQARW9GHE0zSYAEGOnlHCABEiCBLBOg6M2y92k7CZAAI72cAyRAAiSQEQIUvRlxNM0kARJgpJdzgARIgASyTICiN8vep+0kQAKM9HIOkAAJkEBGCFD0ZsTRNJMESICRXs4BEiABEsgyAYreLHuftpMACTDSyzlAAiRAAhkhQNGbEUfTTBIgAUZ6OQdIgARIIMsEKHqz7H3aTgIkwEgv5wAJkAAJZIQARW9GHE0zSYAEGOnlHCABEiCBLBOg6M2y92k7CZAAI72cAyRAAiSQEQIUvRlxNM0kARJgpJdzgARIgASyTICiN8vep+0kQAKM9HIOkAAJkEBGCFD0ZsTRNJMESICRXs4BEiABEsgyAYreLHuftpMACTDSyzlAAiRAAhkhQNGbEUfTTBIgAUZ6OQdIgARIIMsEKHqz7H3aTgIkwEgv5wAJkAAJZIQARW9GHE0zSYAEGOnlHCABEiCBLBOg6M2y92k7CZAAI72cAyRAAiSQEQIUvRlxNM0kARJgpJdzgARIgASyTICiN8vep+0kQAKM9HIOkAAJkEBGCFD0ZsTRNJMESICRXs4BEiABEsgyAYreLHuftpMACTDSyzlAAiRAAhkhQNGbEUfTTBIgAUZ6OQdIgARIIMsEKHqz7H3aTgIkwEgv5wAJkAAJZIQARW9GHE0zSYAEGOnlHCABEiCBLBOg6M2y92k7CZAAI72cAyRAAiSQEQIUvRlxNM0kARJgpJdzgARIgASyTICiN8vep+0kQAKM9HIOkAAJkEBGCFD0ZsTRNJMESCBH4A4AUwDcDeAxAEr03gbgQQD3AXiYrEiABEiABMwjQNFrnk9pEQmQQGECLQDUADgMYD+AcgA7ADQF0DD/+x4CJAESIAESMI8ARa95PqVFJEACxQk8AOB2AI21YocATAdwD+GRAAmQAAmYSYCi10y/0ioSIIHi0d7PABynFTkI4AQAjPJy5pAACZCAoQQoeg11LM0iARIoSkCP9jLKy8lCAiRAAhkgQNGbASfTRBIgga8RkNxeFe1llJcThARIgAQyQICiNwNOpokkQAK2BCTaK7s5yG4NzOXlJCEBEiABwwlQ9BruYJpHAiRQkIBEe58GcBNzeTlLSIAESMB8AhS95vuYFpIACRQmcD8A+Y8XCZAACZCA4QQoeg13MM0jARIoSoAnsnGCkAAJkEBGCFD0ZsTRNJMESMCWAEUvJwYJkAAJZIQARW9GHE0zSYAEKHo5B0iABEggywQoerPsfdpOAiTASC/nAAmQAAlkhABFr/mOlkU6PzffTFpIAiRAAiQQMIEVAC4OuE02RwKxEaDojQ19pB0zmhUpbnaWIgL8bKTIWRxqpASOBSCnFcorLxIwggBFrxFudDSCN3ZHRCyQUQL8bGTU8TTbkUAjAPsANHYsyQIkkBICFL0pcVQJwxQfHwFAX5cAkVWNJUDRa6xraViJBJoAqAUgr7xIwAgCFEJGuLGoEeLjLwA0MN9UWkgCnglQ9HpGxgoZIdAMwD8ByCsvEjCCAEWvEW6k6DXfjbQwJAIUvSGBZbOpJyDHdG8H0DL1ltAAEsgToOg1fyow0mu+j2mhfwIUvf7ZsabZBMoAbAUgr7xIwAgCFL1GuJGRXvPdSAtDIkDRGxJYNpt6Am0AVAEoT70lNIAEGOnNzByQXN7DzOnNjL9pqDcCFL3eeLF0dgicAGADAHnlRQJGEGCk1wg3FjVCRO/n3GvRfEfTQl8EKHp9YWOlDBA4EcBaACdlwFaamBECFL3mO5qi13wf00L/BCh6/bNjTbMJ/BcAqwDIKy8SMIIARa8RbmSk13w30sKQCFD0hgSWzaaewCkA/jeAb6beEhpAAnkCFL3mTwVGes33MS30T4Ci1z871jSbwLcAvA2gvdlm0rosEaDoNd/bPD/dfB/TQv8EKHr9s2NNswmcBuANAPLKiwSMIEDRa4QbixohovcggIbmm0oLScAzAYpez8hYISMEOgD4PYCOGbGXZmaAAEWv+U6m6DXfx7TQPwGKXv/sWNNsAmcAeBmAvPIiASMIUPQa4UZGes13Iy0MiQBFb0hg2WzqCXQG8CKAs1JvCQ0ggTwBil7zpwIjveb7mBb6J0DR658da5pNoAuA5wDIKy8SMIIARa8RbmSk13w30sKQCFD0hgSWzaaeQFcA8wF0S70lNIAEGOnNzByQBWx1ABplxmIaSgLuCVD0umfFktkicB6AuQC6Z8tsWmsyAUZ6TfbuV7ZR9JrvY1ronwBFr392rGk2gR4AZgGQV14kYAQBil4j3FjUCIpe831MC/0ToOj1z441zSZwPoDHAXzXbDNpXZYIUPSa722KXvN9TAv9E6Do9c+ONc0m8F8BTAcgr7xIwAgCFL1GuJGRXvPdSAtDIkDRGxJYNpt6Aj0B/DuAC1NvCQ0ggTwBil7zp4IsYNsHoLH5ptJCEvBMgKLXMzJWyAiBHwCYAkBeeZGAEQQoeo1wY1EjKHrN9zEt9E+Aotc/O9Y0m0AvAD8HcLHZZtK6LBGg6DXf2xS95vuYFvonQNHrnx1rmk2gN4B7APzQbDNpXZYIUPSa722KXvN9TAv9E6Do9c+ONc0mcCmAOwH0MdtMWpclAhS95nubotd8H9NC/wQoev2zY02zCVwG4DYAPzLbTFqXJQIUveZ7Wxaw7QFwnPmm0kIS8EyAotczMlbICIG+AEYBkFdeJGAEAYpeI9xY1AiKXvN9TAv9E6Do9c+ONc0mcCWAnwC4ymwzaV2WCFD0mu9til7zfUwL/ROg6PXPjjXNJnA1gBsA/IvZZtK6LBGg6DXf2xS95vuYFvonQNHrnx1rmk2gH4AhAPqbbSatyxIBil7zvU3Ra76PaaF/AhS9/tmxptkErgEg/w0020xalyUCFL3me1tE724ATcw3lRaSgGcCFL2ekbFCRggMyqc2DM6IvTQzAwQoes13suzasIui13xH00JfBCh6fWFjpQwQuC6/c4OkOPAiASMIUPQa4caiRlD0mu9jWuifAEWvf3asaTaBofmDKeSVFwkYQYCi1wg3UvSa70ZaGBIBit6QwLLZ1BOQnRsuBnBj6i2hASSQJ0DRa/5UYKTXfB/TQv8EKHr9s2NNswn8GEBPAMPMNpPWZYkARa/53hbRWwugqfmm0kIS8EyAotczMlbICIHhAL6bP6AiIybTTNMJUPSa6eE7AfwcwB0A5gHYmRe9YwA8mD9P/Vdmmk6rSMATAYpeT7hYOEMERgA4D8DIDNlMUw0nQNFrpoNPBPAJgIP5nRsq8tHeZgDkJl8OoM5M02kVCXgiQNHrCRcLG05A7hH78jbeDOAcAKPyv58OYIvh9tM8wwlQ9Jrr4EcByB8t2adXXXsBPABgqrlm0zIS8ESAotcTLhY2nMAH+WDJOABnATgDwEwAEwCcD+AyAFWGM6B5BhOg6DXXuRLt/b8AGlhE7wkADphrNi0jAU8EKHo94WJhwwncAuDh/D1iB4BGAOSeIfeRBdzJwXDvZ8A8il6znfwYAMnLksVs8shKIryM8prtc1rnjQBFrzdeLG0+gRoAbSxmyufkVAD/Yb75tNBkAhS9JnsXOCkf7RU/S2qD5PZKni8vEiCBrwhQ9HImkMDRBG4HMAmA5PfKJfeMuQBGExQJpJ0ARW/aPeg8fon2/lv+j5jk8/IigSwTkB1NpgC4G4B8NpTovS2/s8l9+ce7WWZE27NNQFIZJLWhVR7DEQCn5BdHZ5sMrU89AYre1LvQ0QCJ9j4BQM5PZ5TXERcLGE6gBQB5fHsYwP78TiZyg5d9rBvmf99jOAOaRwJOBO7KL16TnN6nAIx1qsD3SSANBCh60+AljpEESCBIAvLEQx7h6jubHAIwHcA9QXbEtkggpQRkHYjs7y6iVwIn8kWRFwmkngBFb+pdSANIgAQ8EpBo72f5BZ6qqjwFkVXqjPJ6hMnixhKYAaA5ADmOmBcJGEEgLaK3a4cOHV7+6KOPvmUEdRphHIGOHTturaqqktXNvNJBQI/2MsqbDp9xlMUJtO3QocNK3ifNnSb5+0xXfjn37+NUiN6Kior3Jk6c2O3WW2/1bylrkkBIBL797W/XrlmzZiKAx0Pqgs0GT0CP9jLKGzxfthgxgeOPP/7xn/zkJ//26KOP6mk7EY+C3YVF4Kc//emhX/3qV/9j//79FEIlQE686G3QoMGkysrK21599dWWJdjJqiQQCoGJEyd++dRTT71RU1PTJ5QO2GiYBCTaK7s5yGb8zOUNkzTbDptAWwD/+Mc//oG2beVHXiYR2L59O045RTbQyO2isd0k26K2Jemit3fz5s1/t3nz5qYnn3xy1GzYHwkUJfDmm2/iyiuv3FtXV9eJ2/mkcrJItPdpADfxcWEq/cdB5wkwymv2VGCUNzj/Jln0NiwrK/t45syZpwwePDg4i9kSCQRA4PDhwzj99NN3b9u2TU68ey6AJtkECZAACfghwCivH2opqcMob7COSqzobdmy5W8GDBgwcO7cubJ/Ji8SSBSBYcOG1S1evPj53bt335iogSVzMD06duz4QlVVVftkDo+jyjqBNC9EZZTX7NnLKG+w/k2q6B3crl272Vu2bGnZsKiayBMAABqXSURBVKHsF8+LBJJD4LnnnsPNN9+8vba2VkScHHLAqzCBRq1bt/7wl7/85anDhw8nJxJIFIHPP/8cnTt33rVly5ZxAOYkanDuBsMorztOqSzFKG/wbkui6D25adOmm3/3u9817927d/AWs0USKIHAJ598gk6dOtXt3bv3SgBvltBUJqq2adPmhQEDBvSdPXs2n9hkwuPpMvLaa6/d+/vf//75Xbt2DUvXyL8aLaO8afSa+zEzyuuelduSiRO95eXly2+++eYfTp48OXFjcwuV5cwlcPnll+9etmzZjCNHjkww18rALLuta9eu969du7YssBbZEAkEROCxxx7D5MmTP6ipqekSUJNRN8Mob9TEI+yPUd5wYCdNWN7avXv3SatXr+ZNMhx/s9USCDz++OOYNGnSuurq6m4lNJOVqhc1btz49ffee69R586ds2Iz7UwJgRUrVqBPnz6HPv/883MBbEzJsI8aJqO8afSa+zEzyuuelZeSSRK9csrI2rVr16JrV/mRFwkkh8C6devQrVtO68r/1iVnZIkcSVnLli03zpo166Rrr702kQPkoLJLoLa2FmedddaeTz75RHZeWZhSEozyptRxbobNKK8bSv7KJEb08tQ1fw5krWgI8NQ195zLy8uX3XjjjRdPmzatkftaLEkC0RDo27fv7rfeemtuXV3d7dH0GHwvjPIGzzRJLTLKG543EiF6GzRoMLmysnIMT10Lz9Fs2T8Bnrrmid34733ve3euXLmSKUqesLFwFASmTp2KRx555C/V1dXfjaK/kPpglDcksElollHecL2QBNHLU9fC9TFbL4EAT13zBK9vixYtXli/fn3Tdu3aearIwiQQNoGlS5fimmuu2VNXVycL17aF3V9Y7TPKGxbZZLTLKG+4fohb9PLUtXD9y9ZLIMBT1zzBa9usWbMPnn322VZXXXWVp4osTAJhE5DoWZcuXfbX1tZKkvnLYfcXYvuM8oYIN+6mGeUN3wOxil6euha+g9mDfwI8dc09uxNOOGHlLbfc8r2JEye6r8SSJBARgYsuuqj2j3/84yMAJkXUZSjdMMobCtbENMoob/iuiFP08tS18P3LHnwSyJ+69o/a2tpTeepacYiNGzd+sFevXiOXLVvWyiduViOB0Ajcc889X8yZM+ft6urqtJ92xChvaLMk/oYZ5Y3GB3GJXp66Fo1/2YsPAjx1zRO0gd/4xjfmbtiwoXl5ebmniixMAmETeP755zF8+PDP9uzZI5tF14TdX5jtM8obJt3422aUNxofxCJ6eepaNM5lL/4I8NQ119w6HXfccWuXLl3ahEeGu2bGghER2Lx5s+ytffDAgQN9DTgynFHeiOZNHN0wyhsd9ThEL09di86/7Mkjgfypa2urq6vlpCZeRQjI3tp33313tzvuuIOcSCBxBPJ7a08B8HDiBudxQIzyegSWsuKM8kbnsKhFL09di8637MkjAZ665h5Y8+bNZ1VWVl63ePHiFu5rsSQJRENg9OjRBxctWvRaTU3N1dH0GGovnqK8dXV1GDt2LGbPnp0blJwkuWjRIpxxxhm+Brly5UqMHj3ato0FCxZg/vz5kFe36U1Stn379ujZs2fB8YgN06ZNw6hRo1y3++GHH2LQoEFyrCueeeYZDBkyxJe9UVdilDda4pGKXp66Fq1z2Zs3Ajx1zTWvm9q3b//oxo0bWzZp0sR1JRYkgSgIPP3007j99tu31dbWiso7EEWfYfbhJcqrBK+M55FHHkHTpk1zgvShhx4qSfgWss+r6FXC9Mknnywqer22K+PzUydMv7ltm1Fet6SCKReZ6OWpa8E4jK2EQ4Cnrrnmel6DBg1WrVy5ssEFF1zguhILkkAUBP72t7+hR48eR44cOSJhxD9H0WfIfXiK8haLyqpxSpkLL7ww96uKAsthMhIdbtu2LSZMmICamppcpHTo0KG5qKwe6Z08eTJka0Kp26dPH8gTMmukV9VftmxZrh+JvF522WW5NvV/69GjR310Vsq9++67ufLW8a1atQrXX3997r3Kysqv9We16a677sJ1112Xa1ui3NLumWee+bX+ZTyKmdgiXw7ELokwjxgxon7sYUWNGeUN+dNj03xUopenrkXvW/bokgBPXXMJCjimdevWm6dOndph5MiRX6sU9GNVp1HJjfWpp57CuHHjchEtN5c+RrmpqWiYqis3b3VzVTdrvzc81ZcSEvr43Ea83NgURhkRNnJDtvIJo6+g2vzyyy9F2OzavHnz3QBmBdVunO14ifLKOJ2inWre3XnnnTkBKH4W0Sf1XnvttfpUhU2bNtUL3erq6qN+FkEqIrJ79+45obx169aviVA9uiyCVaVASFsiRCXSq+p///vfrx+LmnMvvfRSfR2xS8Yq6RAiRpUYt34uddtl/DJOleZgjYCvWbMm974usnVhLkJf5r6kWCg+btM3vMwXRnm90AqmbBSil6euBeMrthICAZ665h5q69atn7366qv/269//evjrbWifqwq/fsRZsXEpvUxsFUguCflXDLpotfZguSVGDp06L5XXnnlpdra2n9N3uh8jchTlNeN6LWKYn0eVlRU1AvSP/zhD/VfekQgqkivLmBFBBYS2XrkVcYl4lJEq928179oqi+iuug9/vjjj8pRtvuyarVdid5C/epfSC+55JJ6+4SBEtgS8Xb6EuHLq/lKjPKWQs9/3dBFL09d8+8c1gyfAE9dc834lrPPPnvy+vXry+xq+H2sKotrdLFpvemIsN2wYUOuSzkwRD3alKiUl8ed8ohTta0/XlXRIv1xbqHIrt0jWxUtUxEqGad6TCwRaP2RsS4EJNK2fPnyXMTLuqDHTgRIJFs9VpY+9Bu/Xl5/9Ksv7NH/3e7xtnWRk/6FQoke9fhXFzFWJnoE8OOPP8ann34KSYNRUTN1Yp++0MjOLsVRLcaaNGlS7rG7XHZ2LVy4EPfff/+mmpoa2Y/XiMtrlFeMdvocFhO9KvIq7Uj0VnjL3NTbdCt6pQ3rkx+ZG7qwVukGelTVLtKrIqz6vC30lEZFlNMgehnljedjGrbo5alr8fiVvbogwFPXXED6qsiFDRs2XLFmzZpjzznnHNtKThERp8eqaqGNneh98cUXc3l5csmjUf3RrN0j+GJ96Y9XdbHpFHl1ejyqImFqjPrjW0lvUI9lpU8VQRLRriJRCqq6ses5iCqvUsShcNZtUMLB+uhX5U8q4aJE7NSpUzF+/Phcd7/4xS9w77331udx6o61il71qLhfv345IS+X3paIWhWdmzt3bk6g64+9ZdzvvPNOTvxu27atPqIo7djZlZt02uNnxVfND92u1atX45VXXjn8xRdfdAfwvutZneyCnqO8utCUn+0Wstl9hvTH92r+Wb8kKf4y99ymN9ilNOiiV/0sn2d9XulzSeaNXHpKQ6EnPHbpDerz5fbzG1Wkl1He+D58YYreQE9dc7sCNc5tS+QPhvyh15PjS9kqJuhpYY3K2C0I8NJnscfLTo+e7USG0zd5L2NzKstT15wI1b/fvKysbNOMGTPaivgqdDmJ3mIRJvnMFBO9Stju37/f881PokSFHuF6Eb3W+ao/HtXzDIWPutmrx7IiegcOHFgv9Ao95pW6xTgWi6qqiKiKgKmcRd1f6vMuedAq4lrob4BdpFf9LVPvifAcNmxYbrGTHh23CgwZg76FlhqTivba2aUEkWw/JZcqa31sLu81adLk8IEDB8YAmOl6Vie8oJ8orzLJKbe+WKRf+UJ9OZM2rdFjNwvZrGNQkXrd1+LTv//97/VzUb7Q1tbW5j4DKlKrFtopsS3jKbQFWzHRK/UKPanR7YtK9DLKG98HMDTRK6eujRo16oeTJk0KpA+3otfp5hsWajePR8Pq2027dn/M9EUMQSfpFxO9+hcT9U1c56e+9asFDm7s81qGp665I1ZRUfHKkCFDLn300UcbF6tRymPVJIhep89vMdEr4k9Pw7jiiityIlAXxqWKXpXCYH1ErIS79Quj9Cen5FkjycqHhVIf1PthiF5pu9DCwUJ26akPIpLkUbiKNIrtV1999e7XX3/9t/v377/V3YxORSlfUd5UWMZB5nKlTznlFCEh/9tOJNESCESQ2gw58FPXdNGrVpNac8xkHNatTgrl8ambhNrSZOnSpZgxYwa6du2ay7WTCMP06dNz26vIf3oOkTUHTT3m0/PP9OR4lbdol4NYKGfRKkILfUtVN6/+/fvXf2O225jbzZcBu9xA6+NgXdzIufbWXEZhINEjuTnZ3eTUeE888cRcvp/KabSKCqdIcSkfE5665preXd/5znfu/stf/mKbx6u34rSQTcpaUxPUY1U9/05F+GQ+KzHpNdLrJ71BxldsIZv18au++luP3Eo7KiJqFw32kt6gciwlUqwibnoUzJoCoecXqyis9KfnFlvzjAv9XXAjeq3pDSr3d968eZg586ugq90jdn03APkbYjcPpK41pUEiyiptQ+w65phjMGXKlOqDBw/OkCwJ17M64QVLifIm3DQODwCjvPFOgzBEbyinrllFr12OmTUXSD1eVH98C21TIjcLJSr1pHqVS6jnMUlbxXLr1KM+XRza5UGpMcmWKIVyFtXUKJaPZCcS7LZYcRKRei6hvqBB3djUtkt6OzJ2feGB9RG1YqlvJyWC5NVXX8Xll19+1ONeu0iv3VY4pX5ceOqaa4KVzZo1W7Ju3bomp512mqtKfh+r6l/o5Mul+F2JQ32+WdMb1Jc0N/t2KiHqlLurf/ETo/UvkIW+eEo5O9Fv3bKslIVsKg9WvozLl335wqhymws9rtb/vdACNxm7XTTYjeiVv7fKJ2pxoL6QTRe91rmhuOoRZ6tdhRbuWVIc/gignzy9djVJk1+IUd7k+8j3CBnl9Y0usIqBi96wTl2zi/Rac8ysotcapbRuU6I/JrM+3tQf/VvbsctBUwtK7ESvHhEVAVgoWmq9qSsvF3u0an1s6iZyY7enqVUU263YlUj4mDFj6nP4CglgtdK82D6fTjm9en5XkKkXPHXN1d+OE5s3b75h3rx5bSTCyYsEkkRABP/ZZ5+9r6amRrYmeylJYyt1LIzylkow2fUZ5Y3fP4GK3jBPXUuK6JUolFp1bbf9SlJFr1N6QzHRK9NURKg8ctajyG5E780334wbbrghly6ip4g4RdycItN+Pjo8dc0dtYqKirdHjhz5/cmTJwf698Fd7yxFAsUJ9O7de9eKFSseP3LkyFd7mJlzMcprji+/ZgmjvMlwbpA3tVBPXfMjet2kN9gtpLKeVKNHemXTbrsctGKRXqf0hkI5i2qKuElvULmxhcSt00I2Pa9ST29QOXnqUaO+X6YuTGW7IjfpDYWi1/r4ip264/djw1PX3JGTL669evW69c0332zlrgZLkUB0BCZMmPDlrFmz3qmurr4oul6j6YlR3mg4x9ULo7xxkT+636BEb+inrvkRvfJYvNg2JX7SG/StdPQcNLXQRRZyiTD0spDNSfSKy5wWsjmJXrs2rLmQhTa5l7p6zq9aMa6LXimjtiUqtpCtkOjV+5CfdXFd6keFp665JtivvLz8tx988EEzWWjIiwSSREC+WN9www079u7dexaAT5M0tgDGktgob7E8dz3vWjGw5ogXq2/lpgI8f/7zn+sXhKoyhfqyC9IE4I9Am2CUN1CcJTUWiOjlqWsl+YCVQybAU9dcAT6tSZMm65YsWdJMvrTwIoEkEZD9XLt27Xpg3759VwNYlqSxBTGWpEZ5i+1oYj2N0LpexXraovzudLR3sX32rSlvat2NOgxF/GDdEi8I3wTRBqO8QVAMpo0gRC9PXQvGF2wlBAI8dc0d1IqKitXjxo3rftddd7mrwFIkECGB888/v/avf/3rgwD+PcJuo+oqkVFep72rBY5ViJaapqaErN2Wl4XWnVi3yNMPZil0kEVUjpV+GOWNkrZzX6WK3kBPXXMeLkuQgHsCPHXNHSuJMl166aX/umTJkpbuaqSjlNNiSScr5AYup5fJ3rbWHU/0R612qTjFDtMJY5Gmky1pfl+iZAsWLHi9urr6ijTbUWjsSY3yuvn8WOeyvv5ELWJWqXdOvtMFszU90E5g20V63R6z7TSWIN9nlDdImqW3VZLoDfrUtdLNYQsk8J8EeOqaq9kw9Jvf/OYTGzZsaNm8eXNXFdJSyM1Nu5gthcSpnt+ucvzVnrnSnupXfrY7hpyi1/0MkiOdx4wZs722tvZMAHvd10xNyURGefV5XEy0Bil6ix0HrESvOj5bedduX2jZP97pmO2oZgejvFGRdt9PKaI38FPX3A+bJUmgOAGeuuZqhpxz7LHHrlmxYkVDdZKhq1opKWQVvYUOcbBbwPnaa6/ltiaUy+7wC4XA+ghYRbpqa2shO6IUEr1ys5b9ZmUrP739YmO07o6in7b28ccf59q74IILcifZDRs2LHeSpFx2JzSmwYXvv/8+unfv/sXhw4d7yRkaaRiz1zEmNcordvhJb7A7hVBt4+nExm6hmv7ZKPRl0e5gGKdjtp3GEtT7jPIGRTK4dvyK3lBOXQvOLLaUZQI8dc2d98vLyzfef//9Z95yyy3uKqSslC561ZaCIgj1433V9ngiIK1b5bmJyKobtVqxLgL6nXfeye1pLdHfQqLX7hTGHj16FDyqWUR4MdGrn16op1asWrUKEi2VfwvykJcopkKXLl1qP/jgA9mL94ko+ouhj8RGeRWLqBay2S1ws+4Y5Eb0Wk8QddqfPkyfM8obJl3/bfsSvWGduubfDNYkgf8kwFPXnGdDWVnZb6+44op+8+fPb+ZcOp0l7NIbrLm4kq+rttoTK/UDVJxEr4oQqzpyVLCcWCgnF8re3KNHj3ZMb9BPYZT+dYGqj19EbTHRK3XVynXLMb22xwwn3aM//vGP9y9ZsuR/7dy587qkj9Xv+JIc5dVtimLLMrsceOve8m5Er3wG9CO7xQ67Y7b9+sxLPUZ5vdCKrqxn0RvmqWvRmc2eTCUgm9fPnDnzjZqamj6m2hiAXSM7der04KZNm1odc4znPwEBdB9NE7poVLm3EoFVQrdt27a5VAC5dKGoRKzkBhY6SlsJAf3xq1UcSLt2q8f1m3cYolf6VY98Zd/wOG/8fjw9a9YsjB8//qOdO3d2AvClnzZSUCfxUd4UMEzsEBnlTaxr4PWOF+qpa8nFxJGlgQBPXXPlpQsaNGiwctWqVQ3OO+88VxXSWkgXvWKDOoxGpTo4pTQUEr2q3ZNOOqlg2oC+KEf2J9WvQqK3WHqDfmKinYCX9lWkV3+kq58mqQ6VSbI/5VCCnj17Hjly5EgPAH9L8lhLGVtaoryl2JjluozyJtf7XkRv6KeuJRcTR5Z0Ajx1zZWHmpSVlX04ffr0djfddJOrCmkupItelccrkU+JvsqJc6eeempOKBba19Mumis87CK61sVifkSvbPZfaCGbfiKjRKIl3UFfyKaLXmuUN8jTDcOcDwcOHEDnzp13b9269acAng6zr5jbZpQ3ZgeE2T2jvGHSLb1t16KXp66VDpsthEeAp645sy0vL18yaNCgy5588snjnEuzBAlES2DAgAF7li1b9uzevXtHRttztL0xyhst76h7Y5Q3auLe+nMrennqmjeuLB0hAZ665gr2Hd27d79v9erVZa5KsxAJREjg4YcfxoMPPri2urr63Ai7jaMrRnnjoB5Rn4zyRgS6hG7ciF6eulYCYFYNlwBPXXPFt3eTJk2Wrl279rhOnWRtEC8SSA4BycXv27fvgYMHD3YDsDk5Iwt+JIzyBs80SS0yypskb9iPxVH08tS15DsxyyPkqWuO3i9v0aLFxjlz5pwwcOBAx8IsQAJREpBc5bPOOmvvP//5z2EAno+y7xj6YpQ3BuhRdckob1SkS+vHSfTy1LXS+LJ2iAR46poz3IqKijeHDx9+0QMPPHCsc2mWIIFoCVRWVu5asWLFrEOHDt0dbc/R98Yob/TMo+yRUd4oafvvq5jo5alr/rmyZsgEeOqaK8ATf/CDH4x9++23mcfrChcLRUlAdpV44okn/vTZZ5/1jLLfmPpilDcm8FF0yyhvFJSD6aOg6K2oqFg7ceLErrfeemswPbEVEgiQAE9dc4R5VVlZ2cL169cfL4cw8CKBJBF4+eWXcd111+3at2/f2QC2J2lsYYyFUd4wqCanTUZ5k+MLp5HYil6euuaEje/HSYCnrjnSb9e0adP1L7zwQou+ffs6FmYBEoiSgBwT26VLl7o9e/ZcA2BplH3H1BejvDGBj6JbRnmjoBxcH3ail6euBceXLQVMgKeuOQOtqKj4P2PHjj1//PjxzoVZggQiJtCzZ8/aP/3pTw8BmBpx17F0xyhvLNgj65RR3shQB9KRVfTKqWtbZ86c2Xbw4MGBdMBGSCAoAjx1zZlk06ZNp1988cXDli5d2tK5NEuQQLQExo0b9/lvfvObt2pqaiqj7Tm23hjljQ19+B0zyhs+46B7OEr08tS1oPGyvSAJ8NQ1R5rXnnzyybM3bNjQoqyMa9ccabFApAQWLlyIkSNH/r/du3d3BlAbaecxdcYob0zgI+qWUd6IQAfYjS56eepagGDZVLAEeOqaI8/OjRo1em/58uWNe/Xq5ViYBUggSgIbN27Eueee+/mhQ4cuBfB2lH3H2BejvDHCD7trRnnDJhxO+0r08tS1cPiy1QAI8NQ1Z4jl5eXrJ0yYcPZtt93mXJglSCBiAt26datdt27d/QAei7jr2LpjlDc29JF0zChvJJgD7yQnennqWuBc2WCABPKnrj125MiRiQE2a0xTrVq1mvujH/1o4MKFC5sbYxQNMYbAiBEj6hYvXrx0x44dsltDVi5GeQ32NKO86XWuiF6eupZe/xk/cp665uji4aeffvq0jRs3tmrUqJFjYRYggSgJzJkzBz/72c8+3rlz5xkAPo+y7zj7YpQ3Tvrh980ob/iMw+rhmA4dOmz96KOPvhVWB2yXBEoh0KFDh//46KOPrgKwrpR2TK3bsWPHj6uqqtqbah/tSjeBjh07bq2qqpII76p0W+Jp9C06dOjwPu+rnpilqnD+viQnCRp/sEqqHONisP8fOtERNPnmqxcAAAAASUVORK5CYII="/>
+          <p:cNvSpPr>
+            <a:spLocks noChangeAspect="1" noChangeArrowheads="1"/>
+          </p:cNvSpPr>
+          <p:nvPr/>
+        </p:nvSpPr>
+        <p:spPr bwMode="auto">
+          <a:xfrm>
+            <a:off x="155575" y="-144463"/>
+            <a:ext cx="304800" cy="304801"/>
+          </a:xfrm>
+          <a:prstGeom prst="rect">
+            <a:avLst/>
+          </a:prstGeom>
+          <a:noFill/>
+        </p:spPr>
+        <p:txBody>
+          <a:bodyPr vert="horz" wrap="square" lIns="91440" tIns="45720" rIns="91440" bIns="45720" numCol="1" anchor="t" anchorCtr="0" compatLnSpc="1">
+            <a:prstTxWarp prst="textNoShape">
+              <a:avLst/>
+            </a:prstTxWarp>
+          </a:bodyPr>
+          <a:lstStyle/>
+          <a:p>
+            <a:endParaRPr lang="en-US"/>
+          </a:p>
+        </p:txBody>
+      </p:sp>
+      <p:sp>
+        <p:nvSpPr>
+          <p:cNvPr id="2052" name="AutoShape 4" descr="data:image/png;base64,iVBORw0KGgoAAAANSUhEUgAAAr0AAAKXCAYAAACPE/KIAAAgAElEQVR4XuydCZgU1bm/f4PIJigwIxgRREFRcIlEo7gEcUWN9yZqJKJcTbwqAqKsNyoqKmqiAi6AYK5Rg6IkYv6JIe4gccHEJaIBQXGJiDE4AyMQNofp/3PaOXNryu6Z7qruru3t59EZpqvO+b73q55+5+tTVWXiAQEIQCAgAhMnLmz+WVu1b95M7ZtJ7cvK1H67+br96++l2rYBhVaEaZttTKVUndpB1TtI1eb7Wqm6plbVu29U9cSJA2qKMClDQgACEIBAHYEySEAAAhAoFYHL71jQa3tt6khph36S+ao+pZo77POklHq7TGV/Vkovle1Y+/rdI4//IOwxEx8EIACBKBFAeqNULWKFQMQIXH7HC4fVbE8dVVamw5XS4SrTXu4UWuzYvLZVy+bNWu7YXC1bfP1fq7qvOzbfIWIZZw/3q5rt2rqtRlu21aS/pv/7qkZbttbUbvuqplmGPd9XWWqx1Oz1Hcr06p1XHPtabGCQCAQgAIEACCC9AUBnSgjEmcDFP392lxYtmp+Vks4qkwY6czVi27m8rb616y7ao/Mu6tJplzijyCu3z75Yr39+sV6fffGlzPdGip2PlPRUmfTYtm01j937sxO/zGtwNoYABCAAASG9HAQQgEBBCFw25YVjalV7VpnKzpTUxQxqOrV77t5BnTu2024V7ZDcPEh/Xrle/6zcIPP148/WyXSK6x6rU0rNa6Zmj909+tgX8xiSTSEAAQgkmgDSm+jykzwE/BMYMeX5n5RphyEppQbY0UwHt0fXcvXsWqG2bVr6nyThI2zctFUrV1Xqg1VVWr3m/5q8ZSpbmNL22dNGH39/whGRPgQgAIEmCSC9TSJiAwhAIBOBy+76c+/U9poJSpWdY55v07rFV/t223VHI7ssWyjeMWOk18jve5988dWmzdt2TM9UlnqkbIfmk+4e+b1lxZuZkSEAAQhEmwDSG+36ET0EAiEwfPLCK8rKNEFSeeuWO9Z894BuzXv36JxezsCjNATMcodlH/xLf/37JzWbt37VXFJVKqVJ08cMuKM0ETALBCAAgWgRQHqjVS+ihUCgBEZOfv7I2rJmRnZPMYH03ruzDu3TVe3btQ40riRPXr1hs15fukrLPvyXxfBks1TtpLvGHP9KkrmQOwQgAAE3AaSXYwICEMiJwIjJz09UWbOrJTXftUPbtOzu060ip33ZqPgE3v+kMi2/X6zbaCarUZkmTRs14Priz8wMEIAABKJBAOmNRp2IEgKBErhs6sKpqZSuMEEY2T2sT1eWMgRakcyTmyUPry1dlZZf80ip7K7po4+9PIShEhIEIACBkhNAekuOnAkhEC0Cw6cuvL8spQvMTSNOPGJf7b1HebQSSGC0H35apWdffc9e6/ehaaMHDEkgBlKGAAQg0IAA0ssBAQEIZCRwxdSF7b9K6ddl0um7tG2lE/v10u677gytiBAwV3kw4rt+4xYT8fzmZTrvjlEDqiMSPmFCAAIQKDgBpLfgSBkQAtEnMHTqwu7NU3pI0lGdOrbVSf16qeMubaKfWMIyqPpyk55dvEJr1m5UmcpeSW0vO2/auP4fJQwD6UIAAhBIE0B6ORAgAIEGBMbcvrBiazM9J+ngbrt10ElH7qs2rVpAKaIENm3ZpqdfWaFVn6ebvEta1uqEyWMHVEY0HcKGAAQg4JkA0usZHTtCIJ4ERkx54V4pdVGPPcp1ytH7q1kzfk1EvdK1tSk9+dK7+uDTKtPr+OW00cdeHPWciB8CEIBAvgR4N8uXGNtDIMYELpv8/EWpsmb3mhtOnHnCQc1Z0hCfYq/9cpPmPfd2+kYWZanai+8ec/wv45MdmUAAAhBomgDS2zQjtoBAIghcNnnBwbVlZc+VSRXHH76P+vTYLRF5JynJpR98ruf/8r5SUmWzVOqEu8cctyRJ+ZMrBCCQbAJIb7LrT/YQqCcwYsoL86XUqUZ2jfTyiCcBI71GfqWyP00bfexp8cySrCAAAQh8kwDSy1EBAQio7m5r15nlDGccfyAnrsX4mDAntj3+/Dsyyx2Uqr1+2pjjJ8Y4XVKDAAQgUE8A6eVggAAENGLKwrfM1RpO+15vmRPYeMSbgDmhbf6fl5kk3502ekDveGdLdhCAAAS+JoD0ciRAIOEEhk9ecGpZWdn8zh3batDAQxJOIznpP/ynN1VV/W+zvvec6aMHPJqczMkUAhBIKgGkN6mVJ28I1BGwtxk++pC91Hf/PeCSEAKLl3ys15auMtL7++mjB/wgIWmTJgQgkGACSG+Ci0/qEKi7EcUXhsQF/3mYdt6pFVASQqB6w2b9+onX09nW1uhbM8YPMGe38YAABCAQWwJIb2xLS2IQaJrAiCkvjJJSU/bq0lGn9+/T9A5sESsC8557W6vXfGlyunLa6AE/j1VyJAMBCEDARQDp5ZCAQIIJjJiycLGkI045aj/ts+euCSaRzNRX/OMLPf3ycpP8q9NGD+iXTApkDQEIJIUA0puUSpMnBDIQGDH1hdVKpXYf8v1D1WHn1jBKGIF16zdr9h9fl8rKPps26tguCUufdCEAgYQRQHoTVnDShYAlcPGs13ds8e8N28y/R/z4aDVrxq+DpB0dtbUpTXv0pXTa23Zq1+LeSw79KmkMyBcCEEgOAd7lklNrMoVAAwLDpizs2Ux6v22blvrpD74bKjrTp0zSnbd+854Jt0//tf7jzME5x7ply2bdfO2Y9PZX3TBZrVo17Gabed587RVNnjFb7Tt8fX3iTD/LecIIbvir//dXbdy0VbXSPjNGD1gZwRQIGQIQgEBOBJDenDCxEQTiR2DE1EXHKVX7/O6ddtFZJxwUqgQLJZ5Ib9Nlfey5t/WZOZmtrNnx00b1X9D0HmwBAQhAIJoEkN5o1o2oIeCbwIgpL/xESv1q/70668R++/oer5ADNCa9TpFt23Zn/e+M23XMgJPqu7XV66o0ZtgQvbjwGZ32g0HpsNrtvIvnTq+z6/zj/7q4fhwbx6O/vjc9h+1C259vWJ++KoI+eP9d3XnvI9qrR69CIirYWM8ufk/vfvQvc6+in04bfez9BRuYgSAAAQiEjADSG7KCEA4ESkVgxOTnJ6qs2XWHH7inDj+wW6mmzWmeXKT3rTdeTcukeVx+8Tn672Fj00sfzL5Pz3+8wXPf/s4RnqT3w/dX6Mf/8T09+oc/q0N5+TfmsUsjnNv1PuiQ9JIKG19YZdcW4i/vfKK/vPMPKVV7/bQxx39zTUlOFWMjCEAAAuEngPSGv0ZECIGiEAh7p9e9pne/PgelRfZbXbqlpXL1qo/T3V3zMJ3dvocdqXN/cmn998NHT5Df5Q1WZs0cRnz7fvfI9Hy2m2zmNPPYf//nWefppNN+2Og64qIU08egdHp9wGNXCEAgUgSQ3kiVi2AhUDgCUV3T6xbZLZs3FU16W7VukxZYu4TByq/t+i5f+naDglw+fqIuHDYmUtLLmt7CvaYYCQIQCDcBpDfc9SE6CBSNQNiv3uC+qoIFkYv0dunaPb2cwTwau3rDH+bN0e8feyinqzeYbccO/6/0+uFrb75LN1w1Mt1dNp1e56Op7nLRCupxYK7e4BEcu0EAApEjgPRGrmQEDIHCEAjzdXpzWdNrKBixdXZ6jYDms6b3zb++kl6za09Ccy9bMKJrTpRzLquw8943Y3L95c4yrem127kvk1aY6hVmFK7TWxiOjAIBCESDANIbjToRJQSKQiCsd2TLdp3eTMsH3NLrvKpCU1dvMFBtB9cCdl6hwfzMGYtdV2xOTmvq6g1RkF7uyFaUlxWDQgACISWA9Ia0MIQFgVIQGDFl4WJJR5xy1H7aZ89dSzElc4SIwIp/fKGnX15uInp12ugB/UIUGqFAAAIQKDgBpLfgSBkQAtEhMGLKC6Ok1JS9unTU6f37RCdwIi0IgXnPva3V5sYU0pXTRg/4eUEGZRAIQAACISWA9Ia0MIQFgVIQGHP7woqtzfSFmeuC/zxMO+/UqhTTMkcICFRv2KxfP/F6OpLaGn1rxvgBn4cgLEKAAAQgUDQCSG/R0DIwBKJBYPjUhfeXpXTB0Yfspb777xGNoInSN4HFSz7Wa0tXKSX9fvroAT/wPSADQAACEAg5AaQ35AUiPAgUm8DwyQtOLSsrm9+5Y1sNGnhIsadj/JAQePhPb6qq+t9Ges+ZPnrAoyEJizAgAAEIFI0A0ls0tAwMgegQGDFl4VuSDj7te73VY4/y6AROpJ4IfPBpleb/eZnZ991powf09jQIO0EAAhCIGAGkN2IFI1wIFIPAiMnPT1RZs+s67tJGZxx/oNq0alGMaRgzBAQ2bdmmx59/R2u/3CSlaq+fNub4iSEIixAgAAEIFJ0A0lt0xEwAgWgQGDHlhflS6tQ+PXbT8YfvE42giTJvAs//5X0t/cCcs1b2p2mjjz0t7wHYAQIQgEBECSC9ES0cYUOg0AQum7zg4NqysufKpAojvUZ+ecSLgJFdI70pqbJZKnXC3WOOWxKvDMkGAhCAQHYCSC9HBwQgUE/gssnPX5Qqa3Zv65Y71px5wkHNzXIHHvEgYJYzzHvu7ZrNW79qXpaqvfjuMcf/Mh6ZkQUEIACB3AggvblxYisIJIbAiCkv3CulLjIntJ1y9P5q1oxfE1Evfm1tSk++9K7MCWxS2S+njT724qjnRPwQgAAE8iXAu1m+xNgeAjEnUHfDiufM1Ry67dZBJx25Lye2Rbjm5sS1p19ZoVWfV5sslrSs1QmTxw6ojHBKhA4BCEDAEwGk1xM2doJAvAkMnbqwe/OUHpJ0VKeObXVSv15iqUP0al715SY9u3iF1qzdqDKVvZLaXnbetHH9P4peJkQMAQhAwD8BpNc/Q0aAQCwJXDF1YfuvUvp1mXT6Lm1b6cR+vbT7rjvHMtc4JrV6zZd69tX3tH7jFpPe/OZlOu+OUQPS7V4eEIAABJJIAOlNYtXJGQJ5ELC3KW7ZorlOPGJf7c3NK/KgF8ymH35alRberdtqTAAPTRs9YEgwkTArBCAAgfAQQHrDUwsigUBoCVw2deHUVEpXmAAP7dNVh/Xpqh2b7xDaeJMa2Fc12/Xa0lV6femqNIKUyu6aPvrYy5PKg7whAAEIOAkgvRwPEIBATgRGTF14nVKaIKn5rh3apuV3n24VOe3LRsUn8P4nlWnZ/WLdRjNZjVK1N3G3teJzZwYIQCA6BJDe6NSKSCEQOIGRk58/srasmRHfU0wwvffunJbf9u1aBx5bUgOo3rA5LbvLPvyXRfBks1TtpLvGHP9KUpmQNwQgAIFMBJBejgsIQCBvAsMnL7yirCzd9S03N7L47gHdmvfu0ZklD3mT9L6DWcqw7IN/6a9//yR9wwlJVamUJk0fM+AO76OyJwQgAIH4EkB641tbMoNAUQlcdtefe6e210xQquwcM1Gb1i2+2rfbrjv26FquLp12KercSR7cXJXhg1VVeu+TL77atHnbjmkWZalHynZoPunukd9blmQ25A4BCECgMQJIL8cHBCDgi8CIKc//pEw7DEkpNcAOZKTXyG/PrhVq26alr/HZWdq4aatWrqpMy66RXvsoU9nClLbPnjb6+PvhBAEIQAACjRNAejlCIACBghC4bMoLx9Sq9qwylZ0pqYsZ1FzhYc/dO6hzx3baraJdqDrA/964Qf9z+U/1izt/pZ3atisIg0IO8nnlev2zcoPM148/WyeznKHusTql1LxmavbY3aOPfbGQczIWBCAAgTgTQHrjXF1yg0AABC7++bO7tGjR/KyUdFaZNNAZQssdm6tzeVt9a9ddtEfnXQKV4Ntvukq/umeqfnrpKI29+uYASDWc8rMv1uufX6zXZ198KfN93TV26zdKSU+VSY9t21bz2L0/O/H/2r2BR04AEIAABKJBAOmNRp2IEgKRJHD5HS8cVrM9dVRZmQ5XSoerTHu5E2mxY/PaVi2bNzNCbG6AYf5rVfe1WNcC3rJpoy4961DVfLVNzXdsoXsee0Ot2uxUVMamU2tEdsu2mvTX9H9f1WjL1prabV/VNMsw+fsqSy2Wmr2+Q5levfOKY18raoAMDgEIQCDmBJDemBeY9CAQJgKX37Gg1/ba1JHSDv0k81V9gohv8fx79daix7S95ivt0HxHfbv/j9TvtIuCCMXRyU29XaayPyull8p2rH397pHHfxBoQEwOAQhAIGYEkN6YFZR0IBAlAhMnLmz+WVu1b95M7ZtJ7cvK1H67+br96++l2raFzmfj+qqWD97443Gp2tr6W8qVNdth+/nXPHJb253LtxZ6vv8br9nGVErVqR1UvYNUbb6vlapralW9+0ZVT5w4IH3PYB4QgAAEIFAcAkhvcbgyKgQgEF4Ct0gaLamFI8RtkqZIujK8YRMZBCAAAQj4IYD0+qHHvhCAQNQImMs0VEkyl0LYJKlj3b/bmNsrm5ttSNoQtaSIFwIQgAAEmiaA9DbNiC0gAIH4EBgjaZKkn0m6U1LK3NpB0uWSfi6l7zI3OT7pkgkEIAABCFgCSC/HAgQgkGQCVnqTzIDcIQABCCSCANKbiDKTJAQgkIUA0suhAQEIQCAhBJDehBSaNCEAgYwEkF4ODAhAAAIJIYD0JqTQpAkBCCC9HAMQgAAEkkwA6U1y9ckdAhCg08sxAAEIQCAhBJDehBSaNCEAATq9HAMQgAAEkkwA6U1y9ckdAhCg08sxAAEIQCAhBJDehBSaNCEAATq9HAMQgAAEkkwA6U1y9ckdAhCg08sxAAEIQCAhBJDehBSaNCEAATq9HAMQgAAEkkwA6U1y9ckdAhCg08sxAAEIQCAhBJDehBSaNCEAATq9HAMQgAAEkkwA6U1y9ckdAhCg08sxAAEIQCAhBJDehBSaNCEAATq9HAMQgAAEkkwA6U1y9ckdAhCg08sxAAEIQCAhBJDehBSaNCEAATq9HAMQgAAEkkwA6U1y9ckdAhCg08sxAAEIQCAhBJDehBSaNCEAATq9HAMQgAAEkkwA6U1y9ckdAhCg08sxAAEIQCAhBJDehBSaNCEAATq9HAMQgAAEkkwA6U1y9ckdAhCg08sxAAEIQCAhBJDehBSaNCEAATq9HAMQgAAEkkwA6U1y9ckdAhCg08sxAAEIQCAhBJDehBSaNCEAgTSBpZJ6S3pb0sGSrPQukXRQ3fMHwAoCEIAABOJHAOmNX03JCAIQyE5gH0nvNQJoX0nvAxACISfQpWfPni+vXLlyz5DHmZjw9tlnn4/ff/9984fzhsQkHcFEkd4IFo2QIQABXwRWS9o9wwifSeria2R2hkAJCLRp0+buiy666OI77rijRQmmY4omCFxxxRXbfvnLX967adOmy4AVbgJIb7jrQ3QQgEDhCWTr9tLlLTxrRiw8AfOH2aeffvqpunThb7TC481vxNWrV2uPPfYwO5n/mT+oeYSYANIb4uIQGgQgUDQC7m4vXd6ioWbgQhKgy1tImv7Hosvrn2EpR0B6S0mbuSAAgbAQMF3dFY5gejWx1jcscRNHsgnQ5Q1R/enyhqgYOYaC9OYIis0gAIHYEbDdXrq8sSttPBOiyxuuutLlDVc9cokG6c2FEttAAAJxJGC6vW9J+jZd3jiWN3Y50eUNUUnp8oaoGHmEgvTmAYtNIZAQAudLeiAhucYpTX6fx6marlzo8oaruHR5w1WPXKPhl2SupNgOAskhcP7ZZ589be7cuW2Tk3K0My0rS/8q5/d5tMvYWPR0eUNUW7q8ISpGnqHwSzJPYGwOgQQQQHojVmSkN2IFyzNcurx5Aivy5nR5iwy4iMMjvUWEy9AQiCgBpDdihUN6I1aw/MKly5sfr6JuTZe3qHiLPjjSW3TETACByBFAeiNWMqQ3YgXLI1y6vHnAKsGmdHlLALmIUyC9RYTL0BCIKAGkN2KFQ3ojVrDcw6XLmzurom9Jl7foiIs+AdJbdMRMAIHIEUB6I1YypDdiBcsxXLq8OYIq0WZ0eUsEuojTIL1FhMvQEIgoAaQ3YoVDeiNWsNzC/UaXd8WKFRo0aJCWLFmSHuGGG27QNddck9toBdrq5Zdf1oIFC5qc1x2rc/qHHnpI5557bpMRmbmOPvrojNu99NJLOuqoo5ocw25g4rnvvvt0/fXXq3Xr1jnvZzeky5s3slDugPSGsiwEBYFACSC9geLPf3KkN39mYd/D3eU10jZy5Ejddddd6tXL3DVbuvHGG9NfSym+uUqvk6+Xfdz1efjhh9M/ykWWM9XWr/TS5Q37Kya3+JDe3DixFQSSRKAk0ltVVZV+AxsyZEiDNzIvb5CbN2/WddddpwsvvLBeCHIpWLZulLODZsTi2muv/cZwtluV6flSd+CQ3lyqHaltvtHlNa+L2bNna+rUqfWdSnP8Tpw4UdOmTdPy5cv1+9//XuvXr9esWbN08skny4hieXm5zOtj1KhR6Z+bh7NLal+HTz/9tA4++GDNnTu3gVSbY985lokj2zzZCLtf0+54cun8uqU3U9zdunVL52l+p5gusNlmxIgRuuKKK9K/H0yOzlxyPSLo8uZKKvzbIb3hrxERQqDUBEoqvZ9//nmDN9pSS6/7I0/7hmzfOI3UHnfccVk/Ss30fKk7cEhvqV8ixZ0v01peK3lmZiuz7m6qWQpghdZs8+GHH6a7wM7j0YqgkWUricccc0z6D0+3RFvJfvzxx+u7rOb1OXz48PrXbC7Huvs17Y7HzG3ibGy5glN67Ws0U9wm0Kuvvlo33XSTnnrqKXXv3j09rp9OL13e4h7vpRwd6S0lbeaCQDQIlEx6zZuTeXTp0qX+I1r3G6R5szvvvPPS211yySX1nS5np2fcuHHp522n17kW0LmPG3+2N0LnG6wX6XWKhf0oupilR3qLSbfkYzd6xQbnJwvOzqy7E2yOQfP6GjNmTPqTCiO59li0x/ehhx5a3yk2HWHzsMe7Wbe79957f2M5gXueXP5IdW6T6bXhFPRstJ2vSaecu+M2gmvmM5+2GD52Da9X6aXLW/Ljv6gTIr1FxcvgEIgkgZJK7+jRo9NrFW2nx/kGab43b8K2s2U7RGPHjm3wMaaz+2SIO9c+NvaGmumN0Mq0jceL9DrlIZ+TbbweLUivV3Lh2y+fKzY4Xx9meYPzBDOn9F522WXpj/adDyOFZ599doMT4+zzZrmB6RJn+oTDLbn2386x3Msk3NJrO7FWWO3zZj574pp7GYJbep0n9DnjNl1j96c15nmv0kuXN3yvET8RIb1+6LEvBOJJoKTSaz6GNG/YVm6db97mZ85uk+3wmDV6d9xxR3oto12zaNf0vv766/Uf65ry2Dd/M499k7Vly7am17nGMNOaXeebejYpbkqWC3no5CC9XSWtKuScjFUUAlm7vJlO5HKuZa+srGyw5tcpvZMnT05/3J/p+M92RQP3a89mm016GzuZrhid3sauxGBYrVmzJi26Nm8v0kuXtyjHeKCDIr2B4mdyCISSQMml17wZ2y6u6fbYjpVbHO0b+U9+8hPNmzev/qNL55u/kV67HMLSNZL64IMP6p577qk/mceIrfl41/nmad4sX3zxxQYnCzUlryGX3u6SrpJ0mqRTJX19rSseQRC4XtJ1jU3cWJfX/oE2ffr0+rWv7k5vLmt6zfxWaM8444z0JyZ2bayzQ2q2c67pteuD/Uqvnd98NaLs/mQlG5/G1vQ6466oqKh/Tb/55pv1v0u8SC9d3iBeJsWdE+ktLl9Gh0AUCQQivfbNzy4HsCfgeOn0Gui5XNoo0xuh+8QcL9IbgjW9PST9TNJPJKUkPVsnvVE8HuMQ88y6WrxnXE/S/8uQVJN3X3N/MuG+qoKR1I8//ji9lMG5lt19tQTn1UWca+NNTJk+5XDP41xGke+aXjNHoa/eYOMeOHBg+moNzvXLVvDNc/Z3QqYTAd31oMsbh5fdN3NAeuNZV7KCgB8CgUivCdiegGbflJta02s7VI2t6c100ouFk0l63R01L9Kbyxntfgrk3texvMFcwPV/JA2RVCOplaStkg6ny1tI4p7G+lxSZ0kbJH1YJ79P2JHyWcubafZc5NNT1AndiS5vPAuP9MazrmQFAT8EApNe2wFyXs3B79Ub3CfVOME0dvUG0zUzc8+YMSPjdXqtmIfoOr1/lDTQIbs21c8k/a6u41vr+mq6wPysNAx+KulmSfZ2YBsl2c6vWXby6aeffpq+komXB9LrhVrmfejyFo5l2EZCesNWEeKBQPAESiK9wacZnwjqOr2mwzta0s4OsTJJfiRpsiTz+75Z3Vfn9439LN/tcx0303alnMtPnH5i38FVG1OfmjZt2sy86KKLLr7jjjtaxOeojG4mdHmjW7umIkd6myLE8xBIHgGkN2I1d129Yagkc9JUW0lt6j5O/76kP0csrbiFO16SubXfTnWJrZf0uiRzm7S5frq8cQMVZD50eYOkX/y5kd7iM2YGCESNANIbsYpluWTZcEkT6zq/f5N0RMTSilO4poNbKald3R8hr0q6SdIiv2t54wQpDLnQ5Q1DFYoXA9JbPLaMDIGoEkB6I1a5Jq7TO7LuxLZjJG2JWGpxCfcxSadLWlAnuy/VJdbkFRtKAcC5bt7MZ29lXIi5nZcTLMXdCf3ETJfXD71o7Iv0RqNORAmBUhJAektJuwBz5XBzigLMwhA+CZgrasx2jhGGLq/72tS5XjfXJ4tQ7k6XN5RlKWhQSG9BcTIYBGJBIDDpNV2h22+/XcOGDau/e5S9jJmz+9TYXdZsBZq61Ji7Us6OlLnAvftWqWGuLNIb5upkjS0UXd5Md15z3rrbfU1d+zq0rxeT3W233Za+8csXX3yRvuGEedjXqPn3nXfeqQsvvFCm02uvdpLpNsP2pjLO6wiXqrJ0eUtFOth5kN5g+TM7BMJIIDDpNTDcsmregJ944gn16dOn/g01l8sz5Su9zkLkItVhKhzSG6Zq5BZLGLq8JlL3tbHd0TuvOe286Uq3bt0a3M3N/WGGG/0AACAASURBVJqxr9GxY8fK3iLceavkxx9/PD2VuWFEputxO29KkxtRf1vR5fXHLyp7I71RqRRxQqB0BAKVXvMGaO4qZd4MbTfJ3KXt0Ucf1bRp09IdYCPC3bt3T9+O1b5pGzzOu1CZN+vOnTunr7O7ZMkSObtHma79a/Y3b85mXnu7YnuNX9P5NT83d7pq7Lq/pStRw5mQ3qDIe543FF1eG737rmz2dbRp06Zv3OHM3g7Y3sJ4yJAh9bdFdv6hab/v27dvvfT+5je/USaZdXebvdwy2HMlJNHl9UMvWvsivdGqF9FCoBQEApVe8wZsRNV0iMybrllmMGHCBN11113pj0hNh8l2jgyMkSNHpp8zH506P5Y1b6TmzWzq1KlpZqNGjZJ5gzYCa25TagXavuGaN3E7rnN5Q5s2bRp0tBq7w1spipNpDqQ3KPLe5g1Llzdb9La7a5YZ2T/2nNuaPyCdHVx7gprt7pr97PIg8/qxrysjvccdd1y9JNsxM93gxb38wRvp3Paiy5sbpzhshfTGoYrkAIHCEghUep3repcvX64FCxaklzXYDtPAgQPrpdh8RPrhhx9+Yx3hTTfdlN7G+QZr35DPPvtsDRo0SOPGjUu/odtHtjW95iNZpySb7f0snShsqb4eDektBtWijRmaLm+2KyvYTuvll1+ePtbN68l8wuJ8ZNrXLnE45ZRT9Pbbb6dfl87tGuv0ZpLholXAMTBd3lJQDs8cSG94akEkEAgLgUCl10CwyxfMMgfnMgYjwEZa//SnP6W7r+5LLZl97fIDd1fJuQ7YvKkb8TXLHuz2zg6ys9NrpNdu6yzQQw891ECagywe0hsk/fzmDluX17yG7C23rdg61/E6v7d/8JklCs5PRpyXIrNdW/cJb+ZTGveaXvsHq3tNr/m3icl8StO6tb1rc36cc92aLm+upOKxHdIbjzqSBQQKSSBw6TVS+sYbb+itt96qP+vbdpHMG+x3v/vd9Eektvvr7NhaEJlOiHN2he129pJNN998s37+85+n53NL73333afrr7++6G/AXouI9HolV/L9QtPldWbu/uPRuf7dffUG+1y2LrFbYN3b5XL1hlItbaDLW/LjP/AJkd7AS0AAEAgdgcCl155YY7q8tttj33xN99e8SZuulJFj55pe53pbs7zBruk1a4ONGJuPW91rejOdZd7Yml4bh/MEnqAriPQGXYHc5g9blze3qOO7FV3e+NY2W2ZIb/JqTsYQaIpA4NJrP0Y1X+11P8337gvpm585r97gvLKC++oNzuUIzs6W7So5T7ixl2N69dVXNXfu3LQoO0/oCdPSBsMA6W3qkA7F86Hs8oaCTABB0OUNAHoIpkR6Q1AEQoBAyAiEQnpDxiTU4SC9oS5POji6vOGqEV3ecNWjVNEgvaUizTwQiA4BpDc6tUpHivSGvmB0eUNUIrq8ISpGiUNBeksMnOkgEAECSG8EiuQMEekNd8Ho8oarPnR5w1WPUkaD9JaSNnNBIBoEkN5o1Kk+SqQ31AWjyxui8tDlDVExAggF6Q0AOlNCIOQEkN6QF8gdHtIb3oLR5Q1XbejyhqsepY4G6S01ceaDQPgJIL3hr1GDCJHe0BaMLm+ISkOXN0TFCCgUpDcg8EwLgRATQHpDXJxMoSG94SwYXd5w1YUub7jqEUQ0SG8Q1JkTAuEmgPSGuz7fiA7pDWXB6PKGqCx0eUNUjABDQXoDhM/UEAgpgfMlPRDS2AgrOwF+n4fo6KDLG6JiSKLLG656BBUNvySDIs+8EIBA0ATaSLpP0jBJ64IOhvljRYAub4jKSZc3RMUIOBSkN+ACMD0EIBAYgSslXSdpuqQxgUXBxLEjQJc3XCWlyxuuegQZDdIbJH3mhgAEgiKwg6S1knaWtF2S6cz9K6hgmDdWBNr17NnznZUrV+4Zq6winEzPnj3/sXLlyqMkrY5wGoReAAJIbwEgMgQEIBA5Aqaze72knSRtlfRLSZdFLgsChgAEIACBnAkgvTmjYkMIQCBGBKokdXTlYzpzn8QoR1KBAAQgAAEHAaSXwwECEEgagRGSfiHJnMhmH6bb+6CkS5IGg3whAAEIJIUA0puUSpMnBCBgCVTWCW+tpB3rrtzQUlI7SftJWgkqCEAAAhCIHwGkN341JSMIQCA7AXN5srsk3SjpNkkfSTpQ0qmSbpd0h6RJAIQABCAAgfgRQHrjV1MyggAEGifQXlJ13SafSfqOpH8CDQIQgAAE4k0A6Y13fckOAhBonMAqSf0kfQooCEAAAhCINwGkN971JTsIQKBxAh9L+h5XbeAwgQAEIBB/Akhv/GtMhhCAQHYCH0o6vm5tL5wgAAEIQCDGBJDeGBeX1CAAgSYJvC/pFK7Y0CQnNoAABCAQeQJIb+RLSAIQgIAPAssl/aekFT7GYFcIQAACEIgAAaQ3AkUiRAhAoGgElkr6kaRlRZuBgSEAAQhAIBQEkN5QlIEgIACBgAi8LWmwpL8HND/TQgACEIBAiQggvSUCzTQQgEAoCbwl6XxJS0IZHUFBAAIQgEDBCCC9BUPJQBCAQAQJvCHpIklvRjB2QoYABCAAgTwIIL15wGJTCEAgdgT+Kmm4pNdilxkJQQACEIBAAwJILwcEBCCQZAKLJY2S9GqSIZA7BCAAgSQQQHqTUGVyhAAEshF4SdJ4Sa+ACAIQgAAE4k0A6Y13fckOAhBonMAiSRMkvQgoCEAAAhCINwGkN971JTsIQKBxAgslXS/pBUBBAAIQgEC8CSC98a4v2UEAAo0TeE7SLZKeBxQEIAABCMSbANIb7/qSHQQg0DiBpyVNlvQMoCAAAQhAIN4EkN5415fsIACBxgn8SdLdkp4EFAQgAAEIxJsA0hvv+pIdBCDQOIEnJM2UNB9QEIAABCAQbwJIb7zrS3YQgEDjBH4v6T5JfwAUBCAAAQjEmwDSG+/6kh0EINA4gcclzZb0O0BBAAIQgEC8CSC98a4v2UEAAo0T+K2kuZIeAxQEIAABCMSbANIb7/qSHQQg0DiBR+u6vEZ8eUAAAhCAQIwJIL0xLi6pQQACTRJ4WNIfJT3S5JZsAAEIQAACkSaA9Ea6fAQPAQj4JGDW85pr9T7kcxx2hwAEIACBkBNAekNeIMKDAASKSuABSeZWxA8WdRYGhwAEIACBwAkgvYGXgAAgAIEACZjLlb0s6VcBxsDUEIAABCBQAgJIbwkgMwUEIBBaAvdKek3SL0MbIYFBAAIQgEBBCCC9BcHIIBCAQEQJ3CPpLUmzIho/YUMAAhCAQI4EkN4cQbEZBCAQSwLTJS2VNCOW2ZEUBCAAAQjUE0B6ORggAIEkE7hL0vuS7k4yBHKHAAQgkAQCSG8SqkyOEIBANgJTJf1D0h0gggAEIACBeBNAeuNdX7KDAAS+SaC7pI/rfny7pH9Kmlz3786S/gU0CEAAAhCIHwGkN341JSMIQCA7gW9JeqFuScPVks6V9IWkv0i6TVIHSb0kpYAIAQhAAALxIoD0xqueZAMBCDRNYJqkoZK+qhNeI7hGdltIuk7SL5oegi0gAAEIQCBqBJDeqFWMeCEAAb8EKuqWNDR3DbRRknluq98J2B8CEIAABMJHAOkNX02ICAIQKD6BWyVdXtfdNbMZ4TUd3knFn5oZIAABCEAgCAJIbxDUmRMCEAiawM51J6y1qgvEdHd3lbQh6MCYHwIQgAAEikMA6S0OV0aFAATCT2CCpP+p6/beKWl8+EMmQghAAAIQ8EoA6fVKjv0gAIGoEzBd3kpJ5msnSWujnhDxQwACEIBAdgJIL0cHBCCQZALmMmW7SRqSZAjkDgEIQCAJBJDeJFSZHGNN4IGJv/to04bN5oYLPCBQcgJt2rX++IKJP9yr5BMzIQQgAIE8CSC9eQJjcwiEjcCMMXNSp/10QNjCIp6EEJj/q4UaNnkw7yUJqTdpQiDKBPhFFeXqETsEJFnpXfynt7T283UwgUBJCHTcrYP6nfptIb0lwc0kEIBAAQggvQWAyBAQCJKAlV4jH3R8g6xEsua2xxvSm6y6ky0EokwA6Y1y9YgdAo5OL9LL4VBKAkhvKWkzFwQgUAgCSG8hKDIGBAIkQKc3QPgJnhrpTXDxSR0CESWA9Ea0cIQNAUsA6eVYCIIA0hsEdeaEAAT8EEB6/dBjXwiEgADSG4IiJDAEpDeBRSdlCEScANIb8QISPgSQXo6BIAggvUFQZ04IQMAPAaTXDz32hUAICCC9IShCAkNAehNYdFKGQMQJIL0RLyDhQwDp5RgIggDSGwT1QOfs27Nnz8dXrly5Z6BRMDkEPBLo0aPHx0ivR3jsBoGwEEB6w1KJZMWB9Car3uXl5csnTZrUa+jQoclKnGxjQaBPnz7Vy5YtuxLpjUU5SSLJBJDeJFc/uNyR3uDYl3rmdu3azTrttNMGP/LII21LPTfzQcAvgWHDhm2ZO3fuH9euXfsjpNcvTfaHQMAEkN6AC5DQ6ZHexBT+3K5du8547733dm7VqlVikibReBB4+OGHNWLEiNXV1dU9JW1BeuNRV7JIMAGkN8HFDzB1pDdA+KWbumeLFi3+/swzz7Ts379/6WZlJggUgMDKlSt1wAEHbNu6detJkhaZIZHeAoBlCAgESQDpDZJ+cudGeuNf+4qKitfGjRt36Pjx4+OfLBnGjsARRxxR/Ze//OUWSbfa5JDe2JWZhJJGAOlNWsXDkS/SG446FCuK5s2b33zCCScMe/LJJ3cp1hyMC4FiEbj66qtr77333gWVlZUnOudAeotFnHEhUCICSG+JQDNNAwJIb6wPiNM7duz4yLvvvrtTp06dYp0oycWPwBNPPKHBgwev27hx436S1iC98asxGSWYANKb4OIHmDrSGyD84k7dqW3btivmzJnT/vTTTy/uTIwOgQITWLNmjfbbb79/r1u37hxJT7iHp9NbYOAMB4FSE0B6S02c+QwBpDeex0F5efmzQ4cOPW7SpEnN4pkhWcWZwMCBA9c///zz02pqaq7OlCfSG+fqk1siCCC9iShz6JJEekNXkkIENL5fv35XvvLKK+0LMRhjQKCUBG699Vbddtttr1VWVn4327xIbykrwlwQKAIBpLcIUBmySQJIb5OIorZB/1atWj3zzjvvtOjZ01zSlAcEokNg0aJFOumkk7Zs27btQEkrkd7o1I5IIZAXAaQ3L1xsXCACSG+BQIZjmNbt27d/f/r06V0GDx4cjoiIAgI5Eti8ebN69eq1ftWqVZdKmtPYbnR6c4TKZhAIKwGkN6yViXdcSG986tuxY8ffDho06PszZszIess1c2er8847rz7phx56SOeee64nCCtWrNCgQYM0ffp0HXXUUQ3GMPPMnj1b5mt5ebmn8V9++WUNHz5cc+fONTLkaQw/OxkJGzVqlLp06aJrrrmm0aFuvPFGXXvttTr55JN95ZxvvCbG22+/XcOGDVObNm1yjjffeUqx/TnnnLNx/vz5czZs2HBJU/MhvU0R4nkIhJwA0hvyAsU0PKQ3NoUd2rt371uWLl2adR2vEdDbbrutXiKttI4bN86z+GajVwjpjUplqqqq0vyGDBlScI5NMYgL55kzZ2rChAkrqqqqzOXJmnwgvU0iYgMIhJsA0hvu+sQ1OqQ3FpXtK+mNN998U4ccckjGhHIRM7vN008/nR7DdoFNF3P16tWaOnVq+ue2+3n22Wc36PTabufBBx9s1mXq7bff/kbX04q3ed4IuNnWdHK7deuWHvejjz7Sv/71Lx1xxBEy448ePTr9fGVlZbrr69zPdDcvueTrpqCN1XZnZ82alf75DTfckO7S2nk7d+6sf/7zn+rdu7fat2//jZycHV1np3fs2LHp+Mzj448/lmFk5r755pt11VVXKdN8tqNuu7+2E+vM8fDDD0/n17179/QYZlvzn8nbPF566aV0F93+gbJkyZL6n5tvjj766PS/DccHH3xQ99xzT31nOls97Vhnnnlmujvt5BfEq8Ect9/5znfM1OY4/lsuMSC9uVBiGwiEmADSG+LixDg0pDf6xS0vL18+adKkXkOHDs2aTGNLEcxOVvDM90ZujYgYoTLSZR52mYH53i5pqKioqP/eCpjZvm/fvmlBNHLoXt5gl1e4hdrKo3Mf5/IGI70mHrPfwIED0x1VI4omVvPxvtnWjP3UU0/pxRdfrM/Bxv3666+nl3VYiXSO7czJuUwjk/Ta+JYvX17PZ7/99mvQ6TVjW3aWhZkjU46Wh4nL8jQy6pRsu98xxxyTnsf5R8jjjz9ev4zEubzBub+7ns55jOSb8Sw/r0tR/LyK+vTpU71s2bIrJc3MdRykN1dSbAeBkBJAekNamJiHhfRGu8Dt2rWbddpppw1+5JFH2jaWSVPS637eKXymo2o/vjdz2LW6RkStABsZdK7hzfaxu3uJhf237VJa6W7dunVaxKy02k6v6YoaaTPxGEG1XVzn3M6uqO0kG+l1Lu2wXVCzvzt2yzGT9Nr1vU5ebul1Sqkzj0w5OjlZnna5iXsc53ps02U2MptNet1deGcu7ueCXCIxbNiwLXPnzv3j2rVrf5TPKxHpzYcW20IghASQ3hAWJQEhIb2RLvK5Xbt2nfHee+/t3KpV1nPX0gk2tbyhMem13cBly5alx/r+97+flk7nPmGR3hkzZmjevHkNlkQYUXZLr8nDSOWGDRu0fv36jCerhUV6Df8LL7ywQWfbLjeJsvQa2R4xYsTq6upqc229Lfm8EpHefGixLQRCSADpDWFREhAS0hvZIvds0aLFO88880yr/v3755REYyeynXHGGfVrVt0fhzvXlJqJ7NUUnNJrfu7+SN/L8gY/nd777rsvLbJ2DCOEtrubSXrtMgSzvV324ATpVXqbWt7gzDGXTu+ll16q888/X6YD7K6Tn+UN9qobQXR6V65cqQMOOGDb1q1bT5K0KKcD2LER0psvMbaHQMgIIL0hK0hCwkF6o1noioqKv44bN+6w8ePH55VAY5csy3bik5nAvebXfGzv7g4X4kQ2P9JrcrNrbc045qQ3c1KckTsj4M7lDeZ5m6/5PtOl1bxKrx0v24ls+UqvXbdsTzozS0qqq6vTMdt8vZzIFqT0HnnkkdWLFy++RdKteR3AdRsjvV6osQ8EQkQA6Q1RMRIUCtIbvWI3b9785hNOOGHYk08+uUvUond3m4OMv6klH0HGFue5r7766tp77713QWVl5Yle80R6vZJjPwiEhADSG5JCJCwMpDdyBT+9Y8eOj7z77rs7derUKXLBh0V6bce71DeTiFzBChzwE088ocGDB6/buHGjuR7vGq/DI71eybEfBEJCAOkNSSESFgbSG6mCd2rbtu3yOXPmdDj99NMjFTjBQmDNmjXaf//9/7127dpzJD3hhwjS64ce+0IgBAS8SO//++Pjuvx/huvcs4fo2v+5QfYMbvtzk9a8h/6gQw85LJ3hli1bdMMvrtXDv5nd4OeNpb+uep1uu/MWjbv8SnVo3yEEpBqG8PrfXtOZ5/1H+of79+qjGZNnae+9ehQlzrtmTtXku2/VmMvGa+TQry9Un8uj2Az9jI/05lLBcGxTXl7+7CWXXHLcTTfd1CwcEREFBHIncMopp6x/7rnnptfU1FyV+16Zt0R6/RJkfwgETMCL9Frh63/Usbrz1hn1UmrlzKTkFLQPP/pAw8Z8fQejXOTQbt+pYtcG4weMqsH0zlzNE3f+Yrp+8P0zihKiF+ktNkO/4yO9RTlUijHo+H79+l35yiuvZL3NcDEmZUwIFILArbfeak4kfK2ysvK7hRgP6S0ERcaAQIAEvEhvJok1Xb/Lxw/TopdfSGfj7AJnk+RsafsVqmLjtLmuqfxC3zuqv2b9asY3ut7FjqGp8YvN0O/4OUpvO0kXS5rcVL48n5WAuZaW+W+bB0b9W7Vq9cw777zTomdPc0lTHhCIDoFFixaZK2ls2bZt24GSVhYicqS3EBQZAwIBEvAivc7lCrbDacX2e0f21xdVlemMbFfXLnuw3V/n/jZ1+5xz2YD7ObdYm+edyyjs9u4xsi3DMD8/5cTTdN5FP07vmusyBTu+2f+8Qedr9FWXN8jXWU53RzjTEoWmtsnU6XUuJcn2R4YzjlzYm+2df9BMuuYW3XXPlPo/ZNy1zjR+rodyE9JrZNd8FDlG0nZJrXMdl+0aENhJUrWkrZImSZqSh/y2at++/cpp06Z1MTeE4JEfAedd3Xr16tVgZ/cdz5oaOdvVHuzP7R3imhonSc+b95h99913/apVq4aZK8MVKnekt1AkGQcCARHwIr0mVLeIWQkzYvTJp/9Ir0E1QnrA/gfWr+c1zw084dT6f7tTNs/v0aVr/VpZp/QO+fEFDTrJzn2d4uuWQbudcylGtm3Mtu4lG5nKYnN35+Ne4uCWWWc+dm1uPttYcc0Wv5X7v7/7TkaGF19waaPszfIMK73vrlia8Yg0rM3DrmfOlFMuh3IW6bWyaxYum/cXI7xXmtUjuYzJNhkJXCPpZ5JqJaUkmWuUGvk1Ipz10bFjx98OGjTo+zNmzGj8lmtAz5sA0ps3srx3OOecczbOnz9/zoYNG75eV1egB9JbIJAMA4GgCHiVXufJbOZkM3PSmT1RzUqRkTQrq2YpgOn8modZ39v34L71J8G5BTrTR+eZfpZtPyNsVkCdXeVM0miF2dkdztQ9tvVxdpvtdplO7Mt08p57mUfrVq2/cYJfpqUg7jyd0u0UVROj7a43xjAX9oah5eXM2f6swMsbdq7r7FrZbVHHu0pSRVCvjZjMa7q95hJNbery2VgnvzdLmppFfof27t37lqVLl8Z2Ha+9hJm5kYS5eYS5yYK541u3bt3Sd4j76KOP0jeYOOKII2Ru0mDuQOa+6UNlZaXMDRvszRac3V3z3PDhwxuMOWvWLJlLlXXv3j1dCjPupk2b0rdWfvrpp+tjMJ1hewOOJUuW6JJLLknf5GLIkCHpbe3DdnrNeOZ5M8YNN9ygsWPHNrjLndne5NSlSxeZWwvH/TFz5kxNmDBhRVVVlbk8WUEfSG9BcTIYBEpPwKv0OqVn5KWjNeHGK2VPPFu3bm1abM2/3c85r8TgXobQmFC5lzZk6shmu6qEWyQXvbTwG1efyCSzmaqRSUqznajn7uJmkul8tsnW6c10El1TUtoUe6dAm+9z+cMkn6PX1emdJ8lcCmPHfMZgW18EtkiaaXzINcohkt588803dcgh5tt4Puz1ch966KG0SNru680336yrrroqLZH2bmlN3d7XyqSzg2v4Wel13oq4oqIiPZ8RVTvXMccck/6ZvS2v+7bGZixzq2Ubq1t6zb/Nvk4JNz+z85vvnXIez4p+ndXf/vY39e3b13xr/ve3QueK9BaaKONBoMQEvEqvu/vnvKSW7XK+ueRN/dc5F+jKiePqT/TavGVz1mUKTXURM633Nbis9LnXDluUbgH0I73ZliPYuZwCmmkNstnOucY4l23cwplpTbQZ1/mHQCbpzTaX2dfNvsTSm63Tu1ZSeYlfEnGbzt3p/XfdUoeMnd7y8vLlkyZN6jV06NC4cWiQj/tmFfbfDz74oO655570tqYTa2577F6O4OzoGqGdPXu27rrrLo0cObK+G+vc5je/+Y1Wr179jfEuvfRSnX/++TLdXPswHWfTEb7uuuvqx8p1Ta9zje+wYcPSIm06u0bgTYyZbnkctyL36dOnetmyZWZJlPmDruAPpLfgSBkQAqUl4FV6TZSNXbbLve7ULabOk8a8dBGda0+t7GWSWRNnoTq9jUmjrVq2NcFuUc3U9c22TVOXLHPWwXLOJL22JrmwL7H02vcS1vQW/uVv1/Sa9bxmXW/WZQ3t2rWbddpppw1+5JFH2hY+jHCNWCjpNVmZLuqZZ54pI7rO7rDttDYlvePGjcu4bMEuZ/AivUZ2jaxv2LBB69evT8TShmHDhm2ZO3fuH9euXfujYh1tSG+xyDIuBEpEwI/0OsXWfeUDd1fWSp5b4BpbL+oUr1yWFZjtzbKKXNf0Zuu4ZlvT29il15wSbvbvsVfP+o62Hc991Yv+Rw9ochuzZtfJzHkymrOrnO0PBydDr+ydf+A01RHO9bDl6g25kvK1XT5Xbzi3a9euM957772d7c1mfM0c8p2bWt5gwred3mzLG5yd4GuvvTa9ntaumXV3g826YbNmONPyBjvX7bffnu4I22UP9udeljeYKzrYuM04L730kszP4vow9RwxYsTq6upqc209s3SnKA+ktyhYGRQCpSPgR3qdYuu+LJhTZp1C3NiVE9xCZa8gYMYef8VVuvWOm9Mny7kfzrmzLT/IdPWGfKW3sY5rUyfMOWPOhUdj3dhsyzzMHFaw3VdhMLkeclBfjZ2Q+Y5uTclsYycNmnnd9W/qCOY6vU0RKtjzuVynt2eLFi3eeeaZZ1r179+/YBOHeaCmTmRzSq/53kqy+d6cjOZcKuCUYiuWTum1J8dlOpHtk08+SXeKzRIHezKd3xPZrHjbDrGNv7w8niuFVq5cqQMPPHDbli1bTpK0qJjHHdJbTLqMDYESEPAjvZm6tM6QrSi5hch957bvn/wf9Se+2Tu8OeXY7m/GtrcztvNkuu5tPtfptbdRbupENufz2e6+ZmNu7PJojZ2AZ3PKdqc7Z67uHDNdYzgTw3sfuCd9OTnzMOO52duTEM3zzrvnNXWt4CJJbwleAUxRUVHx13Hjxh02fvz4xMBwL2+IY+LZlkXELdcjjzyyevHixeZSfF//YiviA+ktIlyGhkApCPiR3lLExxzxJJBjpzeeyYcoq+bNm998wgknDH/yySfNyYSJecRdem1n2t2VjluBr7766tpZs2YtqKqqOrEUuSG9paDMHBAoIgGkt4hwGTorAaQ3FAfH6R07dnzk3Xff3alTp06hCIggIJArgSeeeEKDBw9et3HjRnM9XnMt6qI/kN6iI2YCCBSXANJbXL6MnpkA0hv4vGyaNwAAIABJREFUkdGpbdu2y+fMmdPh9NNPDzwYAoBAPgTWrFmj/fff/99r1649R9IT+ezrZ1uk1w899oVACAggvSEoQgJDQHqDLXpFRcWzF1988XE33XRTs2AjYXYI5E/glFNO+fK5556bUVNTc1X+e3vfA+n1zo49IRAKAkhvKMqQuCCQ3kBLPr5fv35XvvLKK7G9zXCgdJm8qARuvfVWc+vo1yorK79b1IkyDI70lpo480GgwASQ3gIDZbicCCC9OWEqxkb9W7Zs+czf//73Fj17mkua8igEgc2bN2vUqFHpu6mZh/PyY/YqCk8//XT9VO4TzBrbvxDxxWWMRYsW6aSTTtqybdu2AyWtLHVeSG+piTMfBApMAOktMFCGy4kA0psTpkJv1Kp9+/Yrp02b1sXcopZHYQhYYTWj2RtWOK8OYW9IYe+wZrZz3trY/NsIc7b9zXV7eUjmWuj77rvv+lWrVg0zl04OggnSGwR15oRAAQkgvQWEyVA5E0B6c0ZVsA07duz420GDBn1/xowZrQo2KAOl73xmbzmcSVAzXS/XeUMLg7Cx/UH8NYFzzjln4/z58+ds2LDhkqCYIL1BkWdeCBSIANJbIJAMkxcBpDcvXIXYeGjv3r1vWbp0Ket4C0HTMYbp6s6ePbvBXdqcU2SS3hUrVqTvxDZu3Lj0po3tX+BwIznczJkzNWHChBVVVVXm8mSBPZDewNAzMQQKQwDpLQxHRsmPANKbHy+fWx8i6c033nhDffv29TkUu7sJIL3FPSb+9re/2eP2O+Y4Lu5sjY+O9AZJn7khUAACSG8BIDJE3gSQ3ryRed6hvLx8+aRJk3oNHTrU8xjsmJ2Al+UNttM7ffr09MAsb8jOt0+fPtXLli27UtLMoI9DpDfoCjA/BHwSQHp9AmR3TwSQXk/Y8t6pXbt2s0477bTBjzzySNu8d2aHnAhwIltOmDxtNGzYsC1z587949q1a3/kaYAC74T0Fhgow0Gg1ASQ3lITZz5DAOktyXEwuGvXrvesWLFi59atW5dkwqROwiXLCl/5OXPmmA746urq6n0kbS78DPmPiPTmz4w9IBAqAkhvqMqRmGCQ3qKXumeLFi3eeeaZZ1r179+/6JMxAQQKSWDlypU68MADt23ZsuUkSYsKObafsZBeP/TYFwIhIID0hqAICQwB6S1u0SsqKv46bty4w8aPH1/ciRgdAkUgcOSRR1YvXrz4Fkm3FmF4z0MivZ7RsSMEwkEA6Q1HHZIWBdJbvIo3b978puOPP37EU089tXPxZmFkCBSHwIQJE2pnzpy5oKqq6sTizOB9VKTXOzv2hEAoCCC9oShD4oJAeotW8tM7dOjwyPLly3fq1KlT0SZhYAgUg8ATTzyhwYMHV2/cuNHchm5NMebwMybS64ce+0IgBASQ3hAUIYEhIL1FKXqntm3bLp8zZ06H008/vSgTMCgEikVgzZo12n///f+9du3acyQ9Uax5/IyL9Pqhx74QCAEBpDcERUhgCEhv4YteUVHx7MUXX3zcTTfd1KzwozMiBIpL4JRTTvnyueeem1FTU3NVcWfyPjrS650de0IgFASQ3lCUIXFBIL0FL/n4ww8//MpXX32V2wwXHC0DFpvArbfeqttuu+31ysrKw4o9l5/xkV4/9NgXAiEggPSGoAgJDAHpLWjR+7ds2fKZv//97y169uxZ0IEZDALFJrBo0SKddNJJW7dt23aApJXFns/P+EivH3rsC4EQEEB6Q1CEBIaA9Bas6K3at2+/ctq0aV3OPffcgg3KQBAoBYEtW7Zo3333Xb9q1aphkh4uxZx+5kB6/dBjXwiEgADSG4IiJDAEpLcwRe/YseNvBw0a9P0ZM2a0KsyIjAKB0hE455xzNs6fP3/Ohg0bLindrN5nQnq9s2NPCISCANIbijIkLgiktyAlH9q7d+9bli5dyjreguBkkFISmDlzpiZMmLCiqqpqv1LO62cupNcPPfaFQAgIIL0hKEICQ0B6/Re9Z8+eH69cuXJP/yMxAgRKT6Bnz57/WLly5RmS3iz97N5mRHq9cWMvCISGANIbmlIkKhCkN1HlJlkIxIIA0huLMpJEkgkgvUmufnC5I73BsWdmCEDAGwGk1xs39oJAaAggvaEpRaICQXoTVW6ShUAsCCC9sSgjSSSZANKb5OoHlzvSGxx7ZoYABLwRQHq9cWMvCISGANIbmlIkKhCkN1HlJlkIxIIA0huLMpJEkgkgvUmufnC5I73BsWdmCEDAGwGk1xs39oJAaAggvaEpRaICQXoTVW6ShUAsCCC9sSgjSSSZgJXexX96S2s/X5dkFOReQgIdd+ugfqd+W0Z+h00ezHtJCdkzFQQg4I0Av6i8cWMvCISGgJXe0AREIIkigPQmqtwkC4FIE0B6I10+goeA9MDE3320acPm7rCAQBAE2rRr/fEFE3+4VxBzMycEIACBfAggvfnQYlsIQCBOBDpImiHpQkmb4pQYuUAAAhCAwDcJIL0cFRCAQFIJTJY0XNL1km5JKgTyhgAEIJAUAkhvUipNnhCAgJNAZ0mrJe0gab2kjpK2gwgCEIAABOJLAOmNb23JDAIQyE7gbkkXSWop6d+SrpNkOr88IAABCEAgpgSQ3pgWlrQgAIGsBLpK+sT17FpJ5TCDAAQgAIH4EkB641tbMoMABDITmCXp/Lour93CnMj2P5KmAQ0CEIAABOJJAOmNZ13JCgIQyEygp6TlkjZI2irJXMHhK0nN6q7gUAE4CEAAAhCIJwGkN551JSsIQCAzgQmSrpA0TtJ8Se9IMteYvabuZyPrLmMGPwhAAAIQiBkBpDdmBSUdCEAgZwLfkvSGpN3r9mgvqTrnvdkQAhCAAAQiRQDpjVS5CBYCECgggT0kLZZkTmzjAQEIQAACMSeA9Ma8wKQHAQhkJbCnpEWSuIUzBwkEIACBBBBAehNQZFKEAAQyEthb0rOSesAHAhCAAATiTwDpjX+NyRACEMhMYJ+6k9n2BRAEIAABCMSfANIb/xqTIQQgkJnAfpJ+J2l/AEEAAhCAQPwJIL3xrzEZQgACmQn0kTRX0gEAggAEIACB+BNAeuNfYzKEAAQyEzhI0mxJBwMIAhCAAATiTwDpjX+NyRACEMhM4BBJ90nqCyAIQAACEIg/AaQ3/jUmQwhAIDOBQyXdI+kwAEEAAhCAQPwJIL3xrzEZQgACmQkcLulOSUcACAIQgAAE4k8A6Y1/jckQAhDITOBISbdJOgpAEIAABCAQfwJIb/xrTIYQgEBmAsdIuknS9wAEAQhAAALxJ4D0xr/GZAgBCGQmcKyk6yQNABAEIAABCMSfANIb/xqTIQQgkJnA8ZKulHQCgCAAAQhAIP4EkN7415gMIQCBzAROkjRG0skAggAEIACB+BNAeuNfYzKEAAQyEzhF0mWSTgUQBCAAAQjEnwDSG/8akyEEIJCZwGmShko6HUAQgAAEIBB/Akhv/GtMhhCAQGYC/yHpp5J+ACAIQAACEIg/AaQ3/jUmQwhAIDOBH0o6T9KZAIIABCAAgfgTQHrjX2MyhAAEMhM4S9LZdf/BCAIQgAAEYk4A6Y15gUkPAhDISmBQ3dKGc2AEAQhAAALxJ4D0xr/GZAgBCGQmMLjuyg1miQMPCEAAAhCIOQGkN+YFJj0IQCArgSGSTpT0XzCCAAQgAIH4E0B6419jMoQABDITuEBSf0k/ARAEIAABCMSfANIb/xqTIQQgkJnAhZL6SfpvAEEAAhCAQPwJIL3xrzEZQgACmQlcLOk7ki4BEAQgAAEIxJ8A0hv/GpMhBCCQmcClkg6UNAxAEIAABCAQfwJIb/xrTIYQgEBmAiMk9ZJ0GYAgAAEIQCD+BJDe+NeYDCEAgcwELpe0l6QrAAQBCEAAAvEngPTGv8ZkCAEIZCYwWlIXSWMABAEIQAAC8SeA9Ma/xmQIAQhkJjBO0q6SxgMIAhCAAATiTwDpjX+NyRACEPg/At+S9M+6f/5M0i6Srqz7d1dJq4AFAQhAAALxJID0xrOuZAUBCHyTwA6SlkuqlGS6vObGFK0lzZN0c936XvOzfwEPAhCAAATiRwDpjV9NyQgCEMhOwHR1r5P0laS1dZuZJQ4tJM2QNBJ4EIAABCAQTwJIbzzrSlYQgEBmAm0kfSHJfHU+tknaTdI6wEEAAhCAQDwJIL3xrCtZQQAC2Qn8XNKouu6u2WqjpNslXQ80CEAAAhCILwGkN761JTMIQCAzgfaS1kjase7pf0vqJGkTwCAAAQhAIL4EkN741pbMIACB7ASmSBpet7b3Jkm3AAsCEIAABOJNAOmNd33JDgIQyEygs6TP6pY2lEuqARQEIAABCMSbANIb7/qSHQQgkJ3AXEkfOq7TCysIQAACEIgxAaQ3xsUltXgS2GuvvZ786KOPBsYzO7IKO4EOHTpUr1u37oeSXgh7rMQHAQhAwEkA6eV4gEDECFRUVPztt7/97bePPfbYiEVOuHEgcOihh1a/8cYbSG8cikkOEEgYAaQ3YQUn3egTsNL7wAMP6MEHH4x+QmQQCQLdu3fX/fffr7FjxyK9kagYQUIAAm4CSC/HBAQiRsBK7/XXX6/rrrtOdHwjVsCIhjtgwID08Yb0RrSAhA0BCAjp5SCAQMQIIL0RK1hMwkV6Y1JI0oBAggkgvQkuPqlHkwDSG826RT1qpDfqFSR+CEAA6eUYgEDECCC9EStYTMJFemNSSNKAQIIJIL0JLj6pR5MA0hvNukU9aqQ36hUkfghAAOnlGIBAxAggvRErWEzCRXpjUkjSgECCCSC9CS4+qUeTANIbzbpFPWqkNxIVTEUiSoL0QwBv80EPeD7gsSsEgiCA9AZBnTmR3kgcA6lUCu+NRKU8BFlWllY2vM0DO7sL8HzAY1cIBEEA6Q2COnMivZE4BpDeSJTJW5BIrzduzr2QXv8MGQECJSWA9JYUN5PVEUB6I3EoIL2RKJO3IJFeb9yQXv/cGAECgRFAegNDn+iJkd5IlB/pjUSZvAWJ9HrjhvT658YIEAiMANIbGPpET4z0RqL8SG8kyuQtSKTXGzek1z83RoBAYASQ3sDQJ3pipDcS5Ud6I1Emb0Eivd64Ib3+uTECBAIjgPQGhj7REyO9kSg/0huJMnkLEun1xg3p9c+NESAQGAGkNzD0iZ4Y6Y1E+ZHeSJTJW5BIrzduSK9/bowAgcAIIL2BoU/0xEhvJMqP9EaiTN6CRHq9cUN6/XNjBAgERgDpDQx9oidGeiNRfqQ3EmXyFiTS640b0uufGyNAIDACSG9g6BM9MdIbifIjvZEok7cgkV5v3JBe/9wYAQKBEUB6A0Of6ImR3kiUH+mNRJm8BYn0euOG9PrnxggQCIwA0hsY+kRPjPRGovxIbyTK5C1IpNcbN6TXPzdGgEBgBJDewNAnemKkNxLlR3ojUSZvQSK93rghvf65MQIEAiOA9AaGPtETI72RKD/SG4kyeQsS6fXGDen1z40RIBAYAaQ3MPSJnhjpjUT5kd5IlMlbkEivN25Ir39ujACBwAggvYGhT/TESG8kyo/0RqJM3oJEer1xQ3r9c2MECARGAOkNDH2iJ0Z6I1F+pDcSZfIWJNLrjRvS658bI0AgMAJIb2DoEz0x0huJ8iO9kSiTtyCRXm/ckF7/3BgBAoERQHoDQ5/oiZHeSJQf6Y1EmbwFifR644b0+ufGCBAIjADSGxj6RE+M9Eai/EhvJMrkLUik1xs3pNc/N0aAQGAEkN7A0Cd6YqQ3EuVHeiNRJm9BIr3euCG9/rkxAgQCI4D0BoY+0RMjvZEoP9IbiTJ5CxLp9cYN6fXPjREgEBgBpDcw9ImeGOmNRPmR3kiUyVuQSK83bkivf26MAIHACCC9gaFP9MR5Su9Vkm5ONLBgkkd6g+FeklmRXv+Yy/wPwQgQgEApCSC9paTNXJZAjtJ7uaSJknaW1ElSFQQLRqCVpBclzZZ0V5ZRA5XeG2+8Uddee22D0C655BJNnTpVrVu31ooVKzRo0CCNGzdO5557bsHAJGUgpNd/pZFe/wwZAQIlJeBFejdv3qxRo0Zp1qxZDWKdOXOmfve73+npp5/OmIN9w9q0aVP6Tcq53UsvvaSjjjqqwX4PP/ywzjvvvPqf3XDDDbrmmmuy8sm2/e9//3sdeuihuvDCC9NzOt84CwX75Zdf1tFHH50eLtP42Zg55y9GXJnyq6qq0ptvvqkTTzwx/bSN/aGHHiqZPDQiveZ9ZJSkCZJa1P13p6RxhaoV49QTeFXSIZLW1/1xMd3FJnDpNcemeV2Xl5fLHLfm90b37t3rxZdaeieA9HpnZ/dEev0zZAQIlJSAF+m1AVpZOvjggzV37lz16tUr/ZSVTyup9s3KLZxGRmfMmKFnnnlGbqE1kjh79mw9/vjjaVHNJMU2Duf4znFsfFYmjegZMS2WXLrnM90o98OyOfnkk+vfzM02JgfDYuzYsekuVjEfpoO299571wtuSKT3pTrZvVpSc0k71THYJqmzpOpiMkno2N+T9EdJ7SRtkrShTn5n1vEIlfQ6/0Azvw8qKioadHpt53fJkiXp8J2/M7w8Z14nTuk2r93bbrut/ned849s+zvFzGsaAl9++WU6hqVLl6p3795q3759vai7xwnq2EN6/ZNHev0zZAQIlJRAIaTXLXBu6XWKsHPbZ599Vqbr+4Mf/EDuMcyb1CeffKLJkyc3Kr3ODmqmTrCV5yFDhqS7m2GV3lIVPQjBzZRbhk7vmZIulOQ2/u11QpaSVCvJfnV+z3PeuYyRtJejRlZ+p0j6RSpl0AbzcEunicK5pMF8emOXN5xxxhlp2TQPs/zh9ttvrxdW8zPTITa/A8xX57iVlZUNxNkppOa54cOHpyW3W7duDca3v0uMWO+3337pcc0nVeaPVhPHq6++2kCOrSy7xyn2H7iNVQ7p9X9cI73+GTICBEpKoBTS6+zEOj9CN9K75557auTIkWmxdT731ltvpTs5//3f/92o9DqXFTTWDXZ2iTKtC3R3h5zjmrjMR6p2+YIzTue6QyPdZg1iY51kd6fXxGU7vLZLZJaNmD8C/vd//1eTJk1KLyOxfxTYN2kTr5nPPMyc2f7wMM/bTrzZ1+Zgfm72uf7669Px2vHs8hFnXs587M/NmGbf6667Lr1vvksjMkjvXyUZATMnrTWrW9ZgwjQts251LwrzHmOeM//Z7xv7mdfnMo1fyLnzHb+Yuf5Q0u6OXzpbJe0g6Q+Szoia9JrXivv1Z17LVl7tp1E2X3fX1f6uMgI7bNiwell2CrZbnM3SC/O6WL16tW6++WZddZU5hL+Wb/faY/c4Jf1l75oM6fVPH+n1z5ARIFBSAsWUXmci7iUQ5jkjvX379k1Ln1MWTffXdFLMc3btbzahtRKZaXw3SPfyA7u22K4RNEspzBpiO5cVPCt07n/bud3P5yK9ztgySfhuu+2WXv5gJdf+27zBOj9WNbEuWLAgzc/G4ezmWlk3gnzBBRfogQceaLCticPdmbf/dnaxLCPnemwT99ChQ9PjOuPL5QBuZE2v+ajdrOc1bTvTZjSdXrOQe3Iu47JNXgQOlvQXSS0lWdk1J7b9wjRVDf+oSK/5PeH8Q9VQsK8r87p2LktwEnJ3k53Sa/4AtDJrf085u77ucxrMH5H33Xdfeh+n9NpPo7p06ZJeVpQtlrwqV4CNkV7/EJFe/wwZAQIlJVBM6W1qTa+VXit2JnHzpmLeJEyHxHR6iym9VnLdsmjjbkx67cepzo8xvazpNTk71/Laj29zkd5McWaKy/0m7xRkt/Ta7pb9eZs2bRp8XGtr8vnnn6drZR7mI+YCSq8Nt4Mks773CklfZVj2UNLXSUwn+5Mkczajee++X9LPJX3gyDV00mtfY5nW9Nq43Z8s2T/8sp0s65RQt/TaLnHnzp2111571XdvMy29MPNbwXVKr30tmXMUTCzu54I6tpBe/+SRXv8MGQECJSVQCuk1CWVahmCl14qV6ZwYkTvooIN00kknpdf7NiW9fpY3mHV/mTqktkPkft4pwQMHDkzHZuXPfGzqRXpN59b58Cu9meLKR3rPPvvsBhLrrI2z81sC6bVhVzhOcCvpayPmk5kur5He+XXXQP44Q76hkl63UJo1/3ZNrz3uzbIE06F1yrFzza15zrmkwf7RZi97lm25g3v5Vbbx7Zpet9g6T6TLdylQsY5DpNc/WaTXP0NGgEBJCYRBet0f2ds3BWfHJtvyhmxXbnBCNG9Q5s3QLaWF6PQaUbexhUF6bafXxJXpzdXdvbZdKLOsw/zBEaJOb0lfBwmdrKukVY3kHrj05nOdXvcVGpwntuZ69YZMy6TMa2bevHkNrlDjfN2Y791Xb3BLrxV25ydDQR9zSK//CiC9/hkyAgRKSqAQ0tvUJcucV1hwX73BrJVzXoPTvpmYnznfqBo7SS1bF8XOa87aziS9tlN05plnprtDzrWsZnvnml3bSXJ2fLKthc1lTa/7xDNbdCvxlsNTTz2VXmfs3N49b7a1xnYfM5YR/Isuuii93tB2t00n3UiyncO5XMK+ydvlDO41vSXs9Jb09cBkDQgEKr1xqkW2ZQ9B5oj0+qeP9PpnyAgQKCkBL9Lr9eYUmdb4mmSdJ4KZfzsF1AmjqZtTuO/g5JRxZ0fYOWdjHSDnPkYgjfiZDqpzXOec5qNWu87V3WXNxqypm3KYj13NdYzt1RXs8gN7tQl7xQiTU7a4nMLs/kPCXuvUffWKpq7eYOb78Y9/nC7Po48+mv7aVH2ctczxjmwlfS0w2TcIIL0FOCjyOdm2ANPlPATSmzOqrBsivf4ZMgIESkrAi/SWNEAmiyUBpDcSZUV6I1Emb0Eivd64OfdCev0zZAQIlJQA0ltS3ExWRwDpjcShgPRGokzegkR6vXFDev1zYwQIBEYA6Q0MfaInRnojUX6kNxJl8hYk0uuNG9LrnxsjQCAwAkhvYOgTPTHSG4nyI72RKJO3IJFeb9yQXv/cGAECgRFAegNDn+iJkd5IlB/pjUSZvAWJ9HrjhvT658YIEAiMANIbGPpET4z0RqL8SG8kyuQtSKTXGzek1z83RoBAYASQ3sDQJ3pipDcS5Ud6I1Emb0Eivd64Ib3+uTECBAIjgPQGhj7REyO9kSg/0huJMnkLEun1xg3p9c+NESAQGAGkNzD0iZ4Y6Y1E+ZHeSJTJW5BIrzduSK9/bowAgcAIIL2BoU/0xEhvJMqP9EaiTN6CRHq9cUN6/XNjBAgERgDpDQx9oidGeiNRfqQ3EmXyFiTS640b0uufGyNAIDACSG9g6BM9MdIbifIjvZEok7cgkV5v3JBe/9wYAQKBEUB6A0Of6ImR3kiUH+mNRJm8BYn0euOG9PrnxggQCIwA0hsY+kRPjPRGovxIbyTK5C1IpNcbN6TXPzdGgEBgBJDewNAnemKkNxLlR3ojUSZvQSK93rghvf65MQIEAiOA9AaGPtETI72RKD/SG4kyeQsS6fXGDen1z40RIBAYAaQ3MPSJnhjpjUT5kd5IlMlbkEivN25Ir39ujACBwAggvYGhT/TESG8kyo/0RqJM3oJEer1xQ3r9c2MECARGAOkNDH2iJ0Z6I1F+pDcSZfIWJNLrjRvS658bI0AgMAJIb2DoEz0x0huJ8iO9kSiTtyCRXm/ckF7/3BgBAoERQHoDQ5/oiZHeSJQf6Y1EmbwFifR644b0+ufGCBAIjADSGxj6RE+M9Eai/EhvJMrkLUik1xs3pNc/N0aAQGAEkN7A0Cd6YqQ3EuVHeiNRJm9BIr3euCG9/rkxAgQCI4D0BoY+0RMjvZEofyoSURKkHwJlfnZO+r7AS/oRQP6RI4D0Rq5ksQgY6Y1FGeOURDtJ90v6iaQNcUqMXIpHAOktHltGhkBRCCC9RcHKoE0QQHo5REJG4BZJYyRNlnRlyGIjnJASQHpDWhjCgkA2Akgvx0YQBJDeIKgzZxYCpsv7haSWkrZK2pVuL8dKLgSQ3lwosQ0EQkQA6Q1RMRIUCtKboGKHP1XT5R0tqYWkbZKm0O0Nf9HCECHSG4YqEAME8iCA9OYBi00LRgDpLRhKBvJHwNnltSPR7fXHNDF7I72JKTWJxoUA0huXSkYrD6Q3WvWKcbTOLq9Nk25vjAteyNSQ3kLSZCwIlIAA0lsCyEzxDQJILwdFCAiYLm+VpO2SNknqWPfvNpKaSypnbW8IqhTiEJDeEBeH0CCQiQDSy3ERBAGkNwjqzOkiYK7WMEnSzyTdKclcl9h4zOWSfi5pQt3VHAAHgYwEkF4ODAhEjICV3gceeEAPPvhgxKIn3KgS6N69u+6//36NHTu2+o033vihpBeimgtxx4aAld7YJEQixSWA9BaXL6NDoOAErPQee+yxBR+bASHQFIFDDz0U6W0KEs+XigDSWyrSMZkH6Y1JIUkjOQT22muvJz/66KOBycmYTMNEoEOHDtXr1q2j0xumoiQ3FqQ3ubX3lDnS6wkbO0EAAjEiYN4453E70xhVlFSSQgDpTUqlC5Qn0lsgkAwDAQhEloB54/yK25lGtn4EnlwCSG9ya+8pc6TXEzZ2ggAEYkLAXAJpfV0uXOA+JkUljcQQQHoTU+rCJIr0FoYjo0AAAtEkYC50by5/ZB5c4D6aNSTq5BJAepNbe0+ZI72esLETBCAQAwLczjQGRSSFRBNAehNd/vyTR3rzZ8YeEIBAPAhwO9N41JEskksA6U1u7T1ljvR6wsZOEIBAxAk4b2faqi4Xc3tTbmca8cISfqIIIL2JKrf/ZJFe/wwZAQIQiB4B5+1M76gLn9uZRq+ORJxsAkhvsuufd/ZIb97I2AECEIgZAfPGaR78PoxZYUkn9gSQ3tiXuLAJ8ku+sDwZDQIQiB4BpDd6NSNiCBgCSC/HQV4EkN68cLExBCAQQwJIbwyLSkqJIID0JqLMhUsS6S0cS0aCAASiSQDpjWbdiBoCSC/HQF4EjDGiAAAgAElEQVQEkN68cLExBCAQQwJIbwyLSkqJIID0JqLMhUsS6S0cS0aCAASiSQDpjWbdiBoCSC/HQF4EkN68cLExBCAQQwJIbwyLSkqJIID0JqLMhUsS6S0cS0aCAASiSQDpjWbdiBoCSC/HQF4EkN68cLExBCAQQwJIbwyLSkqJIID0JqLMhUsS6S0cS0aCAASiSQDpjWbdiBoCSC/HQF4EkN68cLExBCAQQwJIbwyLSkqJIID0JqLMhUsS6S0cS0aCAASiSQDpjWbdiBoCSC/HQF4EkN68cLExBCAQQwJIbwyLSkqJIID0JqLMhUsS6S0cS0aCAASiScC8cb4gaUA0wydqCCSWANKb2NJ7Sxzp9caNvSAAgfgQoNMbn1qSSbIIIL3JqrfvbJFe3wgZAAIQiDgBpDfiBST8xBJAehNbem+JI73euLEXBCAQHwJIb3xqSSbJIoD0JqvevrNFen0jZAAIQCDiBJDeiBeQ8BNLAOlNbOm9JY70euPGXhCAQHwIIL3xqSWZJIsA0pusevvOFun1jZABIACBiBNAeiNeQMJPLAGkN7Gl95Y40uuNG3tBAALxIYD0xqeWZJIsAkhvsurtO1uk1zdCBoAABCJOAOmNeAEJP7EEkN7Elt5b4kivN27sBQEIxIcA0hufWpJJsgggvcmqt+9skV7fCBkAAhCIOAHuyBbxAhJ+YgkgvYktvbfEkV5v3NgLAhCIDwHzxlkjacf4pEQmEEgEAaQ3EWUuXJJIb+FYMhIEIBBNAuaNc4uk1tEMn6ghkFgCSG9iS+8tcaTXGzf2ggAE4kNghaRuSG98CkomiSGA9Cam1IVJFOktDEdGgQAEoktgjqT/lLRTdFMgcggkkgDSm8iye08a6fXOjj0hAIF4EHhU0qmSdo5HOmQBgcQQQHoTU+rCJIr0FoYjo0AAAtElMFfSyZLaRzcFIodAIgkgvYksu/ekkV7v7NgTAhCIB4HfSjpOUnk80iELCCSGANKbmFIXJlGktzAcGQUCEIgugcckfU9Sp+imQOQQSCQBpDeRZfeeNNLrnR17QgAC8SDwuKQjJe0Wj3TIAgKJIYD0JqbUhUkU6S0MR0aBAASiS+A5SV0k7R/dFIgcAokkgPQmsuzek0Z6vbNjTwhAIB4Efi+pr6Su8UiHLCCQGAJIb2JKXZhEkd7CcGQUCEAgugT+IOkgSd2jmwKRQyCRBJDeRJbde9JIr3d27AkBCMSDwB8l9Za0dzzSIQsIJIYA0puYUhcmUaS3MBwZBQIQiC6B+ZL2lbRPdFMgcggkkgDSm8iye08a6fXOjj0hAIF4EHiyrsvbKx7pkAUEikKg4z777PPG+++/zzKgouBtetB99tnn4/fff/87ktY2vTVbZCKA9HJcQAACSSfwlKRudUscks6C/CGQjcCoQYMG3fDoo4+2BVHpCUydOlWTJk2at3bt2rNKP3t8ZkR641NLMoEABLwReEbS7pIO8LY7e0Eg/gQ6dOjw0bx587oPGDAg/smGMMMePXp8+eGHH/5Q0sIQhheZkJDeyJSKQCEAgSIReLbubmwHF2l8hoVA1Akc16NHj8dXrly5S9QTiWL8CxYs0FlnnfXRunXrONnWZwGRXp8A2R0CEIg8gecldZR0SOQzIQEIFIFAx44d502YMOGMUaNGFWF0hmyKwKBBgzb+5je/uVbS1Ka25fnGCSC9HCEQgEDSCSyQtLOkQ5MOgvwhkIGA+YOwqqqqSh07mm95lJLA2rVrVV5ebqY0/+MENp/wkV6fANkdAhCIPIEXJLWR9N3IZ0ICECg8AU5gKzzTnEfkBLacUeW0IdKbEyY2ggAEYkxgkaQWkvrFOEdSg4AnApzA5glbwXbiBLaCoUwPhPQWliejQQAC0SPwoqRmko6KXuhEDIGiEhjQo0eP33ECW1EZZx2cE9gKzx3pLTxTRoQABKJF4CVJtZK+F62wiRYCxSXACWzF5dvU6JzA1hSh/J9HevNnxh4QgEC8CLwiaZukY+OVFtlAwBcBTmDzhc/fzpzA5o9ftr2R3uJwZVQIQCA6BBZL2iTp+OiETKQQKDoBTmArOuLsE3ACW3HgI73F4cqoEIBAdAj8RdJ6SSdGJ2QihUBxCXACW3H5NjU6J7A1Rcjb80ivN27sBQEIxIfAX+uufzkwPimRCQR8EeAENl/4/O3MCWz++DW2N9JbPLaMDAEIhJfAfpKW14X3uqQ1kk4Nb7hEBoHSEeAEttKxzjQTJ7AVjz/SWzy2jAwBCISTQB9J5tbDz0m6UdIcSZ9JukvS7XVLHY4JZ+hEBYGiE+AEtqIjzj4BJ7AVFz7SW1y+jA4BCISTwFN1J66ZS5VtlbS9LswdJU2QdEc4wyYqCBSdACewFR1x9gk4ga248JHe4vJldAhAIHwEzN3XPpS0e90Neozw7lAX5mZJH0g6TtIX4QudiCBQXAKcwFZcvk2NzglsTRHy9zzS648fe///9s4FTKrq2vN/ERDk1dBt1MEQVEBRBCXEOMFElEgbUccLCChy1UAuCIpBMSoKcYCgNyIqPoAJxBBERNFhjBhBjRglk0mACCIgLZHLF8YxdkPzbEDE+VZZu+/meKrOo85zn//5Pq1uar/Wb+3q86911t6bBEggnQQmArjfcirllwDkP0lzGJtOszhqEiiJABewlYSvtMpcwFYaPze1KXrdUGIZEiAB0wi0AlANoKHFMNmv90QAe00zmPaQgBMBLmBzIhTu+1zAFi5faZ2iN3zG7IEESCCZBKYDuA1Ag/zwJLf3vwN4IJnD5ahIIFQCXMAWKt7ijXMBWzTwKXqj4cxeSIAEkkfgJACfaMOqBVChLWpL3og5IhIIjwAXsIXH1rFlLmBzRBRIAYreQDCyERIggZQSeArACACHAdzFXRtS6kUOu2QCXMBWMsKSGuACtpLwua5M0esaFQuSAAkUIiC5gDt27OhHQrEQuBHAvFh6ZqemEOACthg9yQVs0cGn6I2ONXsiAWMJiOidPn16vxtuuCF1Ng4YMADnnXce7r333tSNPb/w5RaK3tS5LlEDbtOmzeL77ruv/9ix3LQkDsdwAVt01Cl6o2PNnkjAWAJpFr1pdgpFb5q9l5ixcwFbjK7gArZo4VP0RsubvZGAkQQoeuNxK0VvPNwN63XswIEDJy1atKi5nV0ffvghBg0ahAsuuACy2Kpp06ZQ/3bnnXdiyJAhkeOYPHkyJk6ciEmTJmHChAmO/a9cuRJbt27NjVV+vvDCC/Huu++iZ8+eBeu6LefYuUMBLmArlaC3+hS93nixNAmQgA0Bit54pgVFbzzcTeq1devWf1+8ePGpl1wihxB+/VICd+3atfVCMU7RW1NTkxOvy5YtQ2VlJRYsWIDy8vKCLvE71qhELxewRftpouiNljd7IwEjCVD0xuNWit54uBvUq+MCNl30KpFZXV2di/6qSK8uRIWNRFG7d+8OlSMs0cxt27YdFTFWv0sbPXr0yL0nwlrVLxSFVWJUorwS7dUjtmqsffr0wfLly3Huuedi+/bteOONN3LtSh0R93qkV7dP79sqetXvUsYqtlXkWd4bMWJEfUTcaZ5wAZsToeDfp+gNnilbJIHMEaDojcflFL3xcDelVzcL2JQoPPPMM7Fo0SI888wz9SJVBGu/fv2OErcvvfQSHnrooVzZVatW1f8sQlnEphKMmzZtwujRozFv3jzMnDkzh1TE8bRp03IpCIUiuCIw5f0ZM2ZgzJgxuRQFleLgJhVDF7Nik0SNhw4dmntVbUvfMj4ljisqKupFvtXeNWvW2JZzk/bBBWzRf5IoeqNnzh5JwDgCFL3xuJSiNx7uhvTqagGbEpKjRo2CCDzJjRWRKYJVj9KqqK8q/+STT0KJRflZ6l1//fX1kVyJckoUdurUqRg/fjxmz57tGCVVEWUldHWRKikOdqkM1n/TRa8MRuwQgX7GGWcc5Va9nIxdCXkpJ6J4/vz5uVcljp0i1NY5wwVs8XyKKHrj4c5eScAoAhS98biTojce7ob0WnQBm7JRF40qDeHEE0/Ep59+mhO97du3z0U6rZdEhC+77LJcBLVr167YvXs3WrZsmXsV4Sg5uUq86qkD0k6hFIFCKQcqxcGr6LWKWd0GvS8R6JJKoV/dunXLieV27drlIt0i2tXltEhORbWnTJki+5sPMGQ+pcIMit5UuImDJIFkE6Dojcc/FL3xcDehV6cFbHaiV6UAKAFoTXWwe6Qv0VgRgSKSJeKrC0irONRzg6Vtvb26urqviUs1RiWS9TxhVdcp0ltoJ4dikd5C/pfIr0Sz3Syw69Chw64tW7b8C4C3TJhPabGBojctnuI4SSDBBCh643EORW883A3o9eLTTjvtf27ZsqWVky1W0agv/BJhWiynVyK6SjyqyKg1t1f6F4FqjfpaBbHqt3///kdtUyai+sUXX8xFXeXSF9jJ78VEr8rpVX2LaFVpDGqcMo5iOb16DrOK+qpIrmzvZndxAZvTrAvvfYre8NiyZRLIDIEki149elToRqpWjSuHqXJRbVvkd6JQ9Poll+16bhawFYr0yr+riKaKxtrt3qB2X1DvSRqE3S4O+r6/6nNot/+u6tP6GVaf0UJRZz1CLBHhgQMHonfv3l/bfs26c4Tf3RuUuLfmCOszjgvY4vv8UfTGx549k4AxBJIsevV8QevN1BoFUjdIyfWzruAutpF9XI6k6I2LfKr7dbWALdUWJnjwXMAWr3MoeuPlz95JwAgCSRa9aoW3RJqUmFWb2dstfLGu7nZzelNcTqTojYt8qvt1tYAt1RYmePA8gS1e51D0xsufvZOAEQSSKnr1LY6sm9ILeIpeI6YfjfBAwO0CNg9NsqgHAlzA5gFWCEUpekOAyiZJIGsEkip67Tait9vMXu0xyvSGrM3czNnregFb5shEYPBbb72F/v37b925c+epEXTHLmwIUPRyWpAACZRMIKmi17p5faHN7PWFbPpCFC5kK3lqsIEEEfCygC1BwzZmKIMHD967aNEi2fD3EWOMSpkhFL0pcxiHSwJJJJBE0atvrWRlplad26U36GUpepM42zgmnwS4gM0nuCCqcQFbEBRLb4Oit3SGbIEEMk8giaLXboujQtsnqfQGqyMpejM/tU0CwAVsMXozv4DtpR07dvSPcRiZ75qiN/NTgABIoHQCSRO91txctVuDWOq0mT0jvaXPB7aQPAJcwBavT7iALV7+qneK3mT4gaMggVQTSJroTTVMD4PnlmUeYGW7KBewxeh/LmCLEb6la4re5PiCIyGB1BKg6I3HdRS98XBPW69cwBavx7iALV7+eu8UvcnxBUdCAqklQNEbj+soeuPhnrJeuYAtRodxAVuM8G26puhNlj84GhJIJQGK3njcRtEbD/eU9coFbDE6jAvYYoRP0Zss+BwNCZhCgKI3Hk9S9MbDPU29cgFbvN7iArZ4+Vt7Z6Q3Wf7gaEgglQQoeuNxG0VvPNxT1CsXsMXoLC5gixF+ga4pepPnE46IBFJHgKI3HpdR9MbDPS29cgFbvJ7iArZ4+dv1TtGbPJ9wRCSQOgIUvfG4jKI3Hu4p6ZUL2GJ0FBewxQi/SNcUvcn0C0dFAqkiQNEbj7soeuPhnpJeuYAtRkdxAVuM8Cl6kwmfoyIBUwhQ9MbjSYreeLinoVcuYIvXS1zAFi//Qr0z0ptMv3BUJJAqAiJ6d+zY0S9VgzZnsDcCmGeOObQkAAJcwBYARL9NcAGbX3Lh16PoDZ8xeyABEkgmgRYAngZwE4A9yRwiR0UC3glwAZt3ZkHW4AK2IGkG2xZFb7A82RoJkEB6CDwA4A4ADwO4Jz3D5khJoCgBLmCLcYJwAVuM8F10TdHrAhKLkAAJGEdAoryfATgOwEEAJzDaa5yPs2oQF7DF6HkuYIsRvouuKXpdQGIREiAB4whIlPd2AI0BHAIwndFe43ycSYO4gC1et+cXsMn6hj/EOxL2bkeAopfzggRIIGsE9Civsp3R3qzNAjPt5QK2GP3KBWwxwnfZNUWvS1AsRgIkYAwBPcqrjGK01xj3ZtcQLmCL1/dcwBYvfze9U/S6ocQyJEACphCQKG8NgC8A7AeQW/QD4HgADQGUM7fXFFdnzo42HTt2XF1VVdU+c5YnxOCOHTturaqq+jaAHQkZEodhIUDRyylBAiSQJQKyW8MUAHcDeAzAlwDk7+BtAB4EcF9+N4csMaGtJEACJJAJAhS9mXAzjSQBEihAQIleAiIBEiABEjCcAEWv4Q6meSRAAkUJUPRygpAACZBARghQ9GbE0TSTBEjAlgBFLycGCZAACWSEAEVvRhxNM0mABCh6OQdIgARIIMsEKHqz7H3aTgIkwEgv5wAJkAAJZIQARW9GHE0zSYAEGOnlHCABEiCBLBOg6M2y92k7CZAAI72cAyRAAiSQEQIUvRlxNM0kARJgpJdzgARIgASyTICiN8vep+0kQAKM9HIOkAAJkEBGCFD0ZsTRNJMESICRXs4BEiABEsgyAYreLHuftpMACTDSyzlAAiRAAhkhQNGbEUfTTBIgAUZ6OQdIgARIIMsEKHqz7H3aTgIkwEgv5wAJkAAJZIQARW9GHE0zSYAEGOnlHCABEiCBLBOg6M2y92k7CZAAI72cAyRAAiSQEQIUvRlxNM0kARJgpJdzgARIgASyTICiN8vep+0kQAKM9HIOkAAJkEBGCFD0ZsTRNJMESICRXs4BEiABEsgyAYreLHuftpMACTDSyzlAAiRAAhkhQNGbEUfTTBIgAUZ6OQdIgARIIMsEKHqz7H3aTgIkwEgv5wAJkAAJZIQARW9GHE0zSYAEGOnlHCABEiCBLBOg6M2y92k7CZAAI72cAyRAAiSQEQIUvRlxNM0kARJgpJdzgARIgASyTICiN8vep+0kQAKM9HIOkAAJkEBGCFD0ZsTRNJMESICRXs4BEiABEsgyAYreLHuftpMACTDSyzlAAiRAAhkhQNGbEUfTTBIgAUZ6OQdIgARIIMsEKHqz7H3aTgIkwEgv5wAJkAAJZIQARW9GHE0zSYAEGOnlHCABEiCBLBOg6M2y92k7CZAAI72cAyRAAiSQEQIUvRlxNM0kARJgpJdzgARIgASyTICiN8vep+0kQAKM9HIOkAAJkEBGCFD0ZsTRNJMESCBH4A4AUwDcDeAxAEr03gbgQQD3AXiYrEiABEiABMwjQNFrnk9pEQmQQGECLQDUADgMYD+AcgA7ADQF0DD/+x4CJAESIAESMI8ARa95PqVFJEACxQk8AOB2AI21YocATAdwD+GRAAmQAAmYSYCi10y/0ioSIIHi0d7PABynFTkI4AQAjPJy5pAACZCAoQQoeg11LM0iARIoSkCP9jLKy8lCAiRAAhkgQNGbASfTRBIgga8RkNxeFe1llJcThARIgAQyQICiNwNOpokkQAK2BCTaK7s5yG4NzOXlJCEBEiABwwlQ9BruYJpHAiRQkIBEe58GcBNzeTlLSIAESMB8AhS95vuYFpIACRQmcD8A+Y8XCZAACZCA4QQoeg13MM0jARIoSoAnsnGCkAAJkEBGCFD0ZsTRNJMESMCWAEUvJwYJkAAJZIQARW9GHE0zSYAEKHo5B0iABEggywQoerPsfdpOAiTASC/nAAmQAAlkhABFr/mOlkU6PzffTFpIAiRAAiQQMIEVAC4OuE02RwKxEaDojQ19pB0zmhUpbnaWIgL8bKTIWRxqpASOBSCnFcorLxIwggBFrxFudDSCN3ZHRCyQUQL8bGTU8TTbkUAjAPsANHYsyQIkkBICFL0pcVQJwxQfHwFAX5cAkVWNJUDRa6xraViJBJoAqAUgr7xIwAgCFEJGuLGoEeLjLwA0MN9UWkgCnglQ9HpGxgoZIdAMwD8ByCsvEjCCAEWvEW6k6DXfjbQwJAIUvSGBZbOpJyDHdG8H0DL1ltAAEsgToOg1fyow0mu+j2mhfwIUvf7ZsabZBMoAbAUgr7xIwAgCFL1GuJGRXvPdSAtDIkDRGxJYNpt6Am0AVAEoT70lNIAEGOnNzByQXN7DzOnNjL9pqDcCFL3eeLF0dgicAGADAHnlRQJGEGCk1wg3FjVCRO/n3GvRfEfTQl8EKHp9YWOlDBA4EcBaACdlwFaamBECFL3mO5qi13wf00L/BCh6/bNjTbMJ/BcAqwDIKy8SMIIARa8RbmSk13w30sKQCFD0hgSWzaaewCkA/jeAb6beEhpAAnkCFL3mTwVGes33MS30T4Ci1z871jSbwLcAvA2gvdlm0rosEaDoNd/bPD/dfB/TQv8EKHr9s2NNswmcBuANAPLKiwSMIEDRa4QbixohovcggIbmm0oLScAzAYpez8hYISMEOgD4PYCOGbGXZmaAAEWv+U6m6DXfx7TQPwGKXv/sWNNsAmcAeBmAvPIiASMIUPQa4UZGes13Iy0MiQBFb0hg2WzqCXQG8CKAs1JvCQ0ggTwBil7zpwIjveb7mBb6J0DR658da5pNoAuA5wDIKy8SMIIARa8RbmSk13w30sKQCFD0hgSWzaaeQFcA8wF0S70lNIAEGOnNzByQBWx1ABplxmIaSgLuCVD0umfFktkicB6AuQC6Z8tsWmsyAUZ6TfbuV7ZR9JrvY1ronwBFr392rGk2gR4AZgGQV14kYAQBil4j3FjUCIpe831MC/0ToOj1z441zSZwPoDHAXzXbDNpXZYIUPSa722KXvN9TAv9E6Do9c+ONc0m8F8BTAcgr7xIwAgCFL1GuJGRXvPdSAtDIkDRGxJYNpt6Aj0B/DuAC1NvCQ0ggTwBil7zp4IsYNsHoLH5ptJCEvBMgKLXMzJWyAiBHwCYAkBeeZGAEQQoeo1wY1EjKHrN9zEt9E+Aotc/O9Y0m0AvAD8HcLHZZtK6LBGg6DXf2xS95vuYFvonQNHrnx1rmk2gN4B7APzQbDNpXZYIUPSa722KXvN9TAv9E6Do9c+ONc0mcCmAOwH0MdtMWpclAhS95nubotd8H9NC/wQoev2zY02zCVwG4DYAPzLbTFqXJQIUveZ7Wxaw7QFwnPmm0kIS8EyAotczMlbICIG+AEYBkFdeJGAEAYpeI9xY1AiKXvN9TAv9E6Do9c+ONc0mcCWAnwC4ymwzaV2WCFD0mu9til7zfUwL/ROg6PXPjjXNJnA1gBsA/IvZZtK6LBGg6DXf2xS95vuYFvonQNHrnx1rmk2gH4AhAPqbbSatyxIBil7zvU3Ra76PaaF/AhS9/tmxptkErgEg/w0020xalyUCFL3me1tE724ATcw3lRaSgGcCFL2ekbFCRggMyqc2DM6IvTQzAwQoes13suzasIui13xH00JfBCh6fWFjpQwQuC6/c4OkOPAiASMIUPQa4caiRlD0mu9jWuifAEWvf3asaTaBofmDKeSVFwkYQYCi1wg3UvSa70ZaGBIBit6QwLLZ1BOQnRsuBnBj6i2hASSQJ0DRa/5UYKTXfB/TQv8EKHr9s2NNswn8GEBPAMPMNpPWZYkARa/53hbRWwugqfmm0kIS8EyAotczMlbICIHhAL6bP6AiIybTTNMJUPSa6eE7AfwcwB0A5gHYmRe9YwA8mD9P/Vdmmk6rSMATAYpeT7hYOEMERgA4D8DIDNlMUw0nQNFrpoNPBPAJgIP5nRsq8tHeZgDkJl8OoM5M02kVCXgiQNHrCRcLG05A7hH78jbeDOAcAKPyv58OYIvh9tM8wwlQ9Jrr4EcByB8t2adXXXsBPABgqrlm0zIS8ESAotcTLhY2nMAH+WDJOABnATgDwEwAEwCcD+AyAFWGM6B5BhOg6DXXuRLt/b8AGlhE7wkADphrNi0jAU8EKHo94WJhwwncAuDh/D1iB4BGAOSeIfeRBdzJwXDvZ8A8il6znfwYAMnLksVs8shKIryM8prtc1rnjQBFrzdeLG0+gRoAbSxmyufkVAD/Yb75tNBkAhS9JnsXOCkf7RU/S2qD5PZKni8vEiCBrwhQ9HImkMDRBG4HMAmA5PfKJfeMuQBGExQJpJ0ARW/aPeg8fon2/lv+j5jk8/IigSwTkB1NpgC4G4B8NpTovS2/s8l9+ce7WWZE27NNQFIZJLWhVR7DEQCn5BdHZ5sMrU89AYre1LvQ0QCJ9j4BQM5PZ5TXERcLGE6gBQB5fHsYwP78TiZyg5d9rBvmf99jOAOaRwJOBO7KL16TnN6nAIx1qsD3SSANBCh60+AljpEESCBIAvLEQx7h6jubHAIwHcA9QXbEtkggpQRkHYjs7y6iVwIn8kWRFwmkngBFb+pdSANIgAQ8EpBo72f5BZ6qqjwFkVXqjPJ6hMnixhKYAaA5ADmOmBcJGEEgLaK3a4cOHV7+6KOPvmUEdRphHIGOHTturaqqktXNvNJBQI/2MsqbDp9xlMUJtO3QocNK3ifNnSb5+0xXfjn37+NUiN6Kior3Jk6c2O3WW2/1bylrkkBIBL797W/XrlmzZiKAx0Pqgs0GT0CP9jLKGzxfthgxgeOPP/7xn/zkJ//26KOP6mk7EY+C3YVF4Kc//emhX/3qV/9j//79FEIlQE686G3QoMGkysrK21599dWWJdjJqiQQCoGJEyd++dRTT71RU1PTJ5QO2GiYBCTaK7s5yGb8zOUNkzTbDptAWwD/+Mc//oG2beVHXiYR2L59O045RTbQyO2isd0k26K2Jemit3fz5s1/t3nz5qYnn3xy1GzYHwkUJfDmm2/iyiuv3FtXV9eJ2/mkcrJItPdpADfxcWEq/cdB5wkwymv2VGCUNzj/Jln0NiwrK/t45syZpwwePDg4i9kSCQRA4PDhwzj99NN3b9u2TU68ey6AJtkECZAACfghwCivH2opqcMob7COSqzobdmy5W8GDBgwcO7cubJ/Ji8SSBSBYcOG1S1evPj53bt335iogSVzMD06duz4QlVVVftkDo+jyjqBNC9EZZTX7NnLKG+w/k2q6B3crl272Vu2bGnZsKiayBMAABqXSURBVKHsF8+LBJJD4LnnnsPNN9+8vba2VkScHHLAqzCBRq1bt/7wl7/85anDhw8nJxJIFIHPP/8cnTt33rVly5ZxAOYkanDuBsMorztOqSzFKG/wbkui6D25adOmm3/3u9817927d/AWs0USKIHAJ598gk6dOtXt3bv3SgBvltBUJqq2adPmhQEDBvSdPXs2n9hkwuPpMvLaa6/d+/vf//75Xbt2DUvXyL8aLaO8afSa+zEzyuuelduSiRO95eXly2+++eYfTp48OXFjcwuV5cwlcPnll+9etmzZjCNHjkww18rALLuta9eu969du7YssBbZEAkEROCxxx7D5MmTP6ipqekSUJNRN8Mob9TEI+yPUd5wYCdNWN7avXv3SatXr+ZNMhx/s9USCDz++OOYNGnSuurq6m4lNJOVqhc1btz49ffee69R586ds2Iz7UwJgRUrVqBPnz6HPv/883MBbEzJsI8aJqO8afSa+zEzyuuelZeSSRK9csrI2rVr16JrV/mRFwkkh8C6devQrVtO68r/1iVnZIkcSVnLli03zpo166Rrr702kQPkoLJLoLa2FmedddaeTz75RHZeWZhSEozyptRxbobNKK8bSv7KJEb08tQ1fw5krWgI8NQ195zLy8uX3XjjjRdPmzatkftaLEkC0RDo27fv7rfeemtuXV3d7dH0GHwvjPIGzzRJLTLKG543EiF6GzRoMLmysnIMT10Lz9Fs2T8Bnrrmid34733ve3euXLmSKUqesLFwFASmTp2KRx555C/V1dXfjaK/kPpglDcksElollHecL2QBNHLU9fC9TFbL4EAT13zBK9vixYtXli/fn3Tdu3aearIwiQQNoGlS5fimmuu2VNXVycL17aF3V9Y7TPKGxbZZLTLKG+4fohb9PLUtXD9y9ZLIMBT1zzBa9usWbMPnn322VZXXXWVp4osTAJhE5DoWZcuXfbX1tZKkvnLYfcXYvuM8oYIN+6mGeUN3wOxil6euha+g9mDfwI8dc09uxNOOGHlLbfc8r2JEye6r8SSJBARgYsuuqj2j3/84yMAJkXUZSjdMMobCtbENMoob/iuiFP08tS18P3LHnwSyJ+69o/a2tpTeepacYiNGzd+sFevXiOXLVvWyiduViOB0Ajcc889X8yZM+ft6urqtJ92xChvaLMk/oYZ5Y3GB3GJXp66Fo1/2YsPAjx1zRO0gd/4xjfmbtiwoXl5ebmniixMAmETeP755zF8+PDP9uzZI5tF14TdX5jtM8obJt3422aUNxofxCJ6eepaNM5lL/4I8NQ119w6HXfccWuXLl3ahEeGu2bGghER2Lx5s+ytffDAgQN9DTgynFHeiOZNHN0wyhsd9ThEL09di86/7Mkjgfypa2urq6vlpCZeRQjI3tp33313tzvuuIOcSCBxBPJ7a08B8HDiBudxQIzyegSWsuKM8kbnsKhFL09di8637MkjAZ665h5Y8+bNZ1VWVl63ePHiFu5rsSQJRENg9OjRBxctWvRaTU3N1dH0GGovnqK8dXV1GDt2LGbPnp0blJwkuWjRIpxxxhm+Brly5UqMHj3ato0FCxZg/vz5kFe36U1Stn379ujZs2fB8YgN06ZNw6hRo1y3++GHH2LQoEFyrCueeeYZDBkyxJe9UVdilDda4pGKXp66Fq1z2Zs3Ajx1zTWvm9q3b//oxo0bWzZp0sR1JRYkgSgIPP3007j99tu31dbWiso7EEWfYfbhJcqrBK+M55FHHkHTpk1zgvShhx4qSfgWss+r6FXC9Mknnywqer22K+PzUydMv7ltm1Fet6SCKReZ6OWpa8E4jK2EQ4Cnrrnmel6DBg1WrVy5ssEFF1zguhILkkAUBP72t7+hR48eR44cOSJhxD9H0WfIfXiK8haLyqpxSpkLL7ww96uKAsthMhIdbtu2LSZMmICamppcpHTo0KG5qKwe6Z08eTJka0Kp26dPH8gTMmukV9VftmxZrh+JvF522WW5NvV/69GjR310Vsq9++67ufLW8a1atQrXX3997r3Kysqv9We16a677sJ1112Xa1ui3NLumWee+bX+ZTyKmdgiXw7ELokwjxgxon7sYUWNGeUN+dNj03xUopenrkXvW/bokgBPXXMJCjimdevWm6dOndph5MiRX6sU9GNVp1HJjfWpp57CuHHjchEtN5c+RrmpqWiYqis3b3VzVTdrvzc81ZcSEvr43Ea83NgURhkRNnJDtvIJo6+g2vzyyy9F2OzavHnz3QBmBdVunO14ifLKOJ2inWre3XnnnTkBKH4W0Sf1XnvttfpUhU2bNtUL3erq6qN+FkEqIrJ79+45obx169aviVA9uiyCVaVASFsiRCXSq+p///vfrx+LmnMvvfRSfR2xS8Yq6RAiRpUYt34uddtl/DJOleZgjYCvWbMm974usnVhLkJf5r6kWCg+btM3vMwXRnm90AqmbBSil6euBeMrthICAZ665h5q69atn7366qv/269//evjrbWifqwq/fsRZsXEpvUxsFUguCflXDLpotfZguSVGDp06L5XXnnlpdra2n9N3uh8jchTlNeN6LWKYn0eVlRU1AvSP/zhD/VfekQgqkivLmBFBBYS2XrkVcYl4lJEq928179oqi+iuug9/vjjj8pRtvuyarVdid5C/epfSC+55JJ6+4SBEtgS8Xb6EuHLq/lKjPKWQs9/3dBFL09d8+8c1gyfAE9dc834lrPPPnvy+vXry+xq+H2sKotrdLFpvemIsN2wYUOuSzkwRD3alKiUl8ed8ohTta0/XlXRIv1xbqHIrt0jWxUtUxEqGad6TCwRaP2RsS4EJNK2fPnyXMTLuqDHTgRIJFs9VpY+9Bu/Xl5/9Ksv7NH/3e7xtnWRk/6FQoke9fhXFzFWJnoE8OOPP8ann34KSYNRUTN1Yp++0MjOLsVRLcaaNGlS7rG7XHZ2LVy4EPfff/+mmpoa2Y/XiMtrlFeMdvocFhO9KvIq7Uj0VnjL3NTbdCt6pQ3rkx+ZG7qwVukGelTVLtKrIqz6vC30lEZFlNMgehnljedjGrbo5alr8fiVvbogwFPXXED6qsiFDRs2XLFmzZpjzznnHNtKThERp8eqaqGNneh98cUXc3l5csmjUf3RrN0j+GJ96Y9XdbHpFHl1ejyqImFqjPrjW0lvUI9lpU8VQRLRriJRCqq6ses5iCqvUsShcNZtUMLB+uhX5U8q4aJE7NSpUzF+/Phcd7/4xS9w77331udx6o61il71qLhfv345IS+X3paIWhWdmzt3bk6g64+9ZdzvvPNOTvxu27atPqIo7djZlZt02uNnxVfND92u1atX45VXXjn8xRdfdAfwvutZneyCnqO8utCUn+0Wstl9hvTH92r+Wb8kKf4y99ymN9ilNOiiV/0sn2d9XulzSeaNXHpKQ6EnPHbpDerz5fbzG1Wkl1He+D58YYreQE9dc7sCNc5tS+QPhvyh15PjS9kqJuhpYY3K2C0I8NJnscfLTo+e7USG0zd5L2NzKstT15wI1b/fvKysbNOMGTPaivgqdDmJ3mIRJvnMFBO9Stju37/f881PokSFHuF6Eb3W+ao/HtXzDIWPutmrx7IiegcOHFgv9Ao95pW6xTgWi6qqiKiKgKmcRd1f6vMuedAq4lrob4BdpFf9LVPvifAcNmxYbrGTHh23CgwZg76FlhqTivba2aUEkWw/JZcqa31sLu81adLk8IEDB8YAmOl6Vie8oJ8orzLJKbe+WKRf+UJ9OZM2rdFjNwvZrGNQkXrd1+LTv//97/VzUb7Q1tbW5j4DKlKrFtopsS3jKbQFWzHRK/UKPanR7YtK9DLKG98HMDTRK6eujRo16oeTJk0KpA+3otfp5hsWajePR8Pq2027dn/M9EUMQSfpFxO9+hcT9U1c56e+9asFDm7s81qGp665I1ZRUfHKkCFDLn300UcbF6tRymPVJIhep89vMdEr4k9Pw7jiiityIlAXxqWKXpXCYH1ErIS79Quj9Cen5FkjycqHhVIf1PthiF5pu9DCwUJ26akPIpLkUbiKNIrtV1999e7XX3/9t/v377/V3YxORSlfUd5UWMZB5nKlTznlFCEh/9tOJNESCESQ2gw58FPXdNGrVpNac8xkHNatTgrl8ambhNrSZOnSpZgxYwa6du2ay7WTCMP06dNz26vIf3oOkTUHTT3m0/PP9OR4lbdol4NYKGfRKkILfUtVN6/+/fvXf2O225jbzZcBu9xA6+NgXdzIufbWXEZhINEjuTnZ3eTUeE888cRcvp/KabSKCqdIcSkfE5665preXd/5znfu/stf/mKbx6u34rSQTcpaUxPUY1U9/05F+GQ+KzHpNdLrJ71BxldsIZv18au++luP3Eo7KiJqFw32kt6gciwlUqwibnoUzJoCoecXqyis9KfnFlvzjAv9XXAjeq3pDSr3d968eZg586ugq90jdn03APkbYjcPpK41pUEiyiptQ+w65phjMGXKlOqDBw/OkCwJ17M64QVLifIm3DQODwCjvPFOgzBEbyinrllFr12OmTUXSD1eVH98C21TIjcLJSr1pHqVS6jnMUlbxXLr1KM+XRza5UGpMcmWKIVyFtXUKJaPZCcS7LZYcRKRei6hvqBB3djUtkt6OzJ2feGB9RG1YqlvJyWC5NVXX8Xll19+1ONeu0iv3VY4pX5ceOqaa4KVzZo1W7Ju3bomp512mqtKfh+r6l/o5Mul+F2JQ32+WdMb1Jc0N/t2KiHqlLurf/ETo/UvkIW+eEo5O9Fv3bKslIVsKg9WvozLl335wqhymws9rtb/vdACNxm7XTTYjeiVv7fKJ2pxoL6QTRe91rmhuOoRZ6tdhRbuWVIc/gignzy9djVJk1+IUd7k+8j3CBnl9Y0usIqBi96wTl2zi/Rac8ysotcapbRuU6I/JrM+3tQf/VvbsctBUwtK7ESvHhEVAVgoWmq9qSsvF3u0an1s6iZyY7enqVUU263YlUj4mDFj6nP4CglgtdK82D6fTjm9en5XkKkXPHXN1d+OE5s3b75h3rx5bSTCyYsEkkRABP/ZZ5+9r6amRrYmeylJYyt1LIzylkow2fUZ5Y3fP4GK3jBPXUuK6JUolFp1bbf9SlJFr1N6QzHRK9NURKg8ctajyG5E780334wbbrghly6ip4g4RdycItN+Pjo8dc0dtYqKirdHjhz5/cmTJwf698Fd7yxFAsUJ9O7de9eKFSseP3LkyFd7mJlzMcprji+/ZgmjvMlwbpA3tVBPXfMjet2kN9gtpLKeVKNHemXTbrsctGKRXqf0hkI5i2qKuElvULmxhcSt00I2Pa9ST29QOXnqUaO+X6YuTGW7IjfpDYWi1/r4ip264/djw1PX3JGTL669evW69c0332zlrgZLkUB0BCZMmPDlrFmz3qmurr4oul6j6YlR3mg4x9ULo7xxkT+636BEb+inrvkRvfJYvNg2JX7SG/StdPQcNLXQRRZyiTD0spDNSfSKy5wWsjmJXrs2rLmQhTa5l7p6zq9aMa6LXimjtiUqtpCtkOjV+5CfdXFd6keFp665JtivvLz8tx988EEzWWjIiwSSREC+WN9www079u7dexaAT5M0tgDGktgob7E8dz3vWjGw5ogXq2/lpgI8f/7zn+sXhKoyhfqyC9IE4I9Am2CUN1CcJTUWiOjlqWsl+YCVQybAU9dcAT6tSZMm65YsWdJMvrTwIoEkEZD9XLt27Xpg3759VwNYlqSxBTGWpEZ5i+1oYj2N0LpexXraovzudLR3sX32rSlvat2NOgxF/GDdEi8I3wTRBqO8QVAMpo0gRC9PXQvGF2wlBAI8dc0d1IqKitXjxo3rftddd7mrwFIkECGB888/v/avf/3rgwD+PcJuo+oqkVFep72rBY5ViJaapqaErN2Wl4XWnVi3yNMPZil0kEVUjpV+GOWNkrZzX6WK3kBPXXMeLkuQgHsCPHXNHSuJMl166aX/umTJkpbuaqSjlNNiSScr5AYup5fJ3rbWHU/0R612qTjFDtMJY5Gmky1pfl+iZAsWLHi9urr6ijTbUWjsSY3yuvn8WOeyvv5ELWJWqXdOvtMFszU90E5g20V63R6z7TSWIN9nlDdImqW3VZLoDfrUtdLNYQsk8J8EeOqaq9kw9Jvf/OYTGzZsaNm8eXNXFdJSyM1Nu5gthcSpnt+ucvzVnrnSnupXfrY7hpyi1/0MkiOdx4wZs722tvZMAHvd10xNyURGefV5XEy0Bil6ix0HrESvOj5bedduX2jZP97pmO2oZgejvFGRdt9PKaI38FPX3A+bJUmgOAGeuuZqhpxz7LHHrlmxYkVDdZKhq1opKWQVvYUOcbBbwPnaa6/ltiaUy+7wC4XA+ghYRbpqa2shO6IUEr1ys5b9ZmUrP739YmO07o6in7b28ccf59q74IILcifZDRs2LHeSpFx2JzSmwYXvv/8+unfv/sXhw4d7yRkaaRiz1zEmNcordvhJb7A7hVBt4+nExm6hmv7ZKPRl0e5gGKdjtp3GEtT7jPIGRTK4dvyK3lBOXQvOLLaUZQI8dc2d98vLyzfef//9Z95yyy3uKqSslC561ZaCIgj1433V9ngiIK1b5bmJyKobtVqxLgL6nXfeye1pLdHfQqLX7hTGHj16FDyqWUR4MdGrn16op1asWrUKEi2VfwvykJcopkKXLl1qP/jgA9mL94ko+ouhj8RGeRWLqBay2S1ws+4Y5Eb0Wk8QddqfPkyfM8obJl3/bfsSvWGduubfDNYkgf8kwFPXnGdDWVnZb6+44op+8+fPb+ZcOp0l7NIbrLm4kq+rttoTK/UDVJxEr4oQqzpyVLCcWCgnF8re3KNHj3ZMb9BPYZT+dYGqj19EbTHRK3XVynXLMb22xwwn3aM//vGP9y9ZsuR/7dy587qkj9Xv+JIc5dVtimLLMrsceOve8m5Er3wG9CO7xQ67Y7b9+sxLPUZ5vdCKrqxn0RvmqWvRmc2eTCUgm9fPnDnzjZqamj6m2hiAXSM7der04KZNm1odc4znPwEBdB9NE7poVLm3EoFVQrdt27a5VAC5dKGoRKzkBhY6SlsJAf3xq1UcSLt2q8f1m3cYolf6VY98Zd/wOG/8fjw9a9YsjB8//qOdO3d2AvClnzZSUCfxUd4UMEzsEBnlTaxr4PWOF+qpa8nFxJGlgQBPXXPlpQsaNGiwctWqVQ3OO+88VxXSWkgXvWKDOoxGpTo4pTQUEr2q3ZNOOqlg2oC+KEf2J9WvQqK3WHqDfmKinYCX9lWkV3+kq58mqQ6VSbI/5VCCnj17Hjly5EgPAH9L8lhLGVtaoryl2JjluozyJtf7XkRv6KeuJRcTR5Z0Ajx1zZWHmpSVlX04ffr0djfddJOrCmkupItelccrkU+JvsqJc6eeempOKBba19Mumis87CK61sVifkSvbPZfaCGbfiKjRKIl3UFfyKaLXmuUN8jTDcOcDwcOHEDnzp13b9269acAng6zr5jbZpQ3ZgeE2T2jvGHSLb1t16KXp66VDpsthEeAp645sy0vL18yaNCgy5588snjnEuzBAlES2DAgAF7li1b9uzevXtHRttztL0xyhst76h7Y5Q3auLe+nMrennqmjeuLB0hAZ665gr2Hd27d79v9erVZa5KsxAJREjg4YcfxoMPPri2urr63Ai7jaMrRnnjoB5Rn4zyRgS6hG7ciF6eulYCYFYNlwBPXXPFt3eTJk2Wrl279rhOnWRtEC8SSA4BycXv27fvgYMHD3YDsDk5Iwt+JIzyBs80SS0yypskb9iPxVH08tS15DsxyyPkqWuO3i9v0aLFxjlz5pwwcOBAx8IsQAJREpBc5bPOOmvvP//5z2EAno+y7xj6YpQ3BuhRdckob1SkS+vHSfTy1LXS+LJ2iAR46poz3IqKijeHDx9+0QMPPHCsc2mWIIFoCVRWVu5asWLFrEOHDt0dbc/R98Yob/TMo+yRUd4oafvvq5jo5alr/rmyZsgEeOqaK8ATf/CDH4x9++23mcfrChcLRUlAdpV44okn/vTZZ5/1jLLfmPpilDcm8FF0yyhvFJSD6aOg6K2oqFg7ceLErrfeemswPbEVEgiQAE9dc4R5VVlZ2cL169cfL4cw8CKBJBF4+eWXcd111+3at2/f2QC2J2lsYYyFUd4wqCanTUZ5k+MLp5HYil6euuaEje/HSYCnrjnSb9e0adP1L7zwQou+ffs6FmYBEoiSgBwT26VLl7o9e/ZcA2BplH3H1BejvDGBj6JbRnmjoBxcH3ail6euBceXLQVMgKeuOQOtqKj4P2PHjj1//PjxzoVZggQiJtCzZ8/aP/3pTw8BmBpx17F0xyhvLNgj65RR3shQB9KRVfTKqWtbZ86c2Xbw4MGBdMBGSCAoAjx1zZlk06ZNp1988cXDli5d2tK5NEuQQLQExo0b9/lvfvObt2pqaiqj7Tm23hjljQ19+B0zyhs+46B7OEr08tS1oPGyvSAJ8NQ1R5rXnnzyybM3bNjQoqyMa9ccabFApAQWLlyIkSNH/r/du3d3BlAbaecxdcYob0zgI+qWUd6IQAfYjS56eepagGDZVLAEeOqaI8/OjRo1em/58uWNe/Xq5ViYBUggSgIbN27Eueee+/mhQ4cuBfB2lH3H2BejvDHCD7trRnnDJhxO+0r08tS1cPiy1QAI8NQ1Z4jl5eXrJ0yYcPZtt93mXJglSCBiAt26datdt27d/QAei7jr2LpjlDc29JF0zChvJJgD7yQnennqWuBc2WCABPKnrj125MiRiQE2a0xTrVq1mvujH/1o4MKFC5sbYxQNMYbAiBEj6hYvXrx0x44dsltDVi5GeQ32NKO86XWuiF6eupZe/xk/cp665uji4aeffvq0jRs3tmrUqJFjYRYggSgJzJkzBz/72c8+3rlz5xkAPo+y7zj7YpQ3Tvrh980ob/iMw+rhmA4dOmz96KOPvhVWB2yXBEoh0KFDh//46KOPrgKwrpR2TK3bsWPHj6uqqtqbah/tSjeBjh07bq2qqpII76p0W+Jp9C06dOjwPu+rnpilqnD+viQnCRp/sEqqHONisP8fOtERNPnmqxcAAAAASUVORK5CYII="/>
+          <p:cNvSpPr>
+            <a:spLocks noChangeAspect="1" noChangeArrowheads="1"/>
+          </p:cNvSpPr>
+          <p:nvPr/>
+        </p:nvSpPr>
+        <p:spPr bwMode="auto">
+          <a:xfrm>
+            <a:off x="155575" y="-144463"/>
+            <a:ext cx="304800" cy="304801"/>
+          </a:xfrm>
+          <a:prstGeom prst="rect">
+            <a:avLst/>
+          </a:prstGeom>
+          <a:noFill/>
+        </p:spPr>
+        <p:txBody>
+          <a:bodyPr vert="horz" wrap="square" lIns="91440" tIns="45720" rIns="91440" bIns="45720" numCol="1" anchor="t" anchorCtr="0" compatLnSpc="1">
+            <a:prstTxWarp prst="textNoShape">
+              <a:avLst/>
+            </a:prstTxWarp>
+          </a:bodyPr>
+          <a:lstStyle/>
+          <a:p>
+            <a:endParaRPr lang="en-US"/>
+          </a:p>
+        </p:txBody>
+      </p:sp>
+      <p:sp>
+        <p:nvSpPr>
+          <p:cNvPr id="2054" name="AutoShape 6" descr="data:image/png;base64,iVBORw0KGgoAAAANSUhEUgAAAr0AAAKXCAYAAACPE/KIAAAgAElEQVR4XuydCZgU1bm/f4PIJigwIxgRREFRcIlEo7gEcUWN9yZqJKJcTbwqAqKsNyoqKmqiAi6AYK5Rg6IkYv6JIe4gccHEJaIBQXGJiDE4AyMQNofp/3PaOXNryu6Z7qruru3t59EZpqvO+b73q55+5+tTVWXiAQEIQCAgAhMnLmz+WVu1b95M7ZtJ7cvK1H67+br96++l2rYBhVaEaZttTKVUndpB1TtI1eb7Wqm6plbVu29U9cSJA2qKMClDQgACEIBAHYEySEAAAhAoFYHL71jQa3tt6khph36S+ao+pZo77POklHq7TGV/Vkovle1Y+/rdI4//IOwxEx8EIACBKBFAeqNULWKFQMQIXH7HC4fVbE8dVVamw5XS4SrTXu4UWuzYvLZVy+bNWu7YXC1bfP1fq7qvOzbfIWIZZw/3q5rt2rqtRlu21aS/pv/7qkZbttbUbvuqplmGPd9XWWqx1Oz1Hcr06p1XHPtabGCQCAQgAIEACCC9AUBnSgjEmcDFP392lxYtmp+Vks4qkwY6czVi27m8rb616y7ao/Mu6tJplzijyCu3z75Yr39+sV6fffGlzPdGip2PlPRUmfTYtm01j937sxO/zGtwNoYABCAAASG9HAQQgEBBCFw25YVjalV7VpnKzpTUxQxqOrV77t5BnTu2024V7ZDcPEh/Xrle/6zcIPP148/WyXSK6x6rU0rNa6Zmj909+tgX8xiSTSEAAQgkmgDSm+jykzwE/BMYMeX5n5RphyEppQbY0UwHt0fXcvXsWqG2bVr6nyThI2zctFUrV1Xqg1VVWr3m/5q8ZSpbmNL22dNGH39/whGRPgQgAIEmCSC9TSJiAwhAIBOBy+76c+/U9poJSpWdY55v07rFV/t223VHI7ssWyjeMWOk18jve5988dWmzdt2TM9UlnqkbIfmk+4e+b1lxZuZkSEAAQhEmwDSG+36ET0EAiEwfPLCK8rKNEFSeeuWO9Z894BuzXv36JxezsCjNATMcodlH/xLf/37JzWbt37VXFJVKqVJ08cMuKM0ETALBCAAgWgRQHqjVS+ihUCgBEZOfv7I2rJmRnZPMYH03ruzDu3TVe3btQ40riRPXr1hs15fukrLPvyXxfBks1TtpLvGHP9KkrmQOwQgAAE3AaSXYwICEMiJwIjJz09UWbOrJTXftUPbtOzu060ip33ZqPgE3v+kMi2/X6zbaCarUZkmTRs14Priz8wMEIAABKJBAOmNRp2IEgKBErhs6sKpqZSuMEEY2T2sT1eWMgRakcyTmyUPry1dlZZf80ip7K7po4+9PIShEhIEIACBkhNAekuOnAkhEC0Cw6cuvL8spQvMTSNOPGJf7b1HebQSSGC0H35apWdffc9e6/ehaaMHDEkgBlKGAAQg0IAA0ssBAQEIZCRwxdSF7b9K6ddl0um7tG2lE/v10u677gytiBAwV3kw4rt+4xYT8fzmZTrvjlEDqiMSPmFCAAIQKDgBpLfgSBkQAtEnMHTqwu7NU3pI0lGdOrbVSf16qeMubaKfWMIyqPpyk55dvEJr1m5UmcpeSW0vO2/auP4fJQwD6UIAAhBIE0B6ORAgAIEGBMbcvrBiazM9J+ngbrt10ElH7qs2rVpAKaIENm3ZpqdfWaFVn6ebvEta1uqEyWMHVEY0HcKGAAQg4JkA0usZHTtCIJ4ERkx54V4pdVGPPcp1ytH7q1kzfk1EvdK1tSk9+dK7+uDTKtPr+OW00cdeHPWciB8CEIBAvgR4N8uXGNtDIMYELpv8/EWpsmb3mhtOnHnCQc1Z0hCfYq/9cpPmPfd2+kYWZanai+8ec/wv45MdmUAAAhBomgDS2zQjtoBAIghcNnnBwbVlZc+VSRXHH76P+vTYLRF5JynJpR98ruf/8r5SUmWzVOqEu8cctyRJ+ZMrBCCQbAJIb7LrT/YQqCcwYsoL86XUqUZ2jfTyiCcBI71GfqWyP00bfexp8cySrCAAAQh8kwDSy1EBAQio7m5r15nlDGccfyAnrsX4mDAntj3+/Dsyyx2Uqr1+2pjjJ8Y4XVKDAAQgUE8A6eVggAAENGLKwrfM1RpO+15vmRPYeMSbgDmhbf6fl5kk3502ekDveGdLdhCAAAS+JoD0ciRAIOEEhk9ecGpZWdn8zh3batDAQxJOIznpP/ynN1VV/W+zvvec6aMHPJqczMkUAhBIKgGkN6mVJ28I1BGwtxk++pC91Hf/PeCSEAKLl3ys15auMtL7++mjB/wgIWmTJgQgkGACSG+Ci0/qEKi7EcUXhsQF/3mYdt6pFVASQqB6w2b9+onX09nW1uhbM8YPMGe38YAABCAQWwJIb2xLS2IQaJrAiCkvjJJSU/bq0lGn9+/T9A5sESsC8557W6vXfGlyunLa6AE/j1VyJAMBCEDARQDp5ZCAQIIJjJiycLGkI045aj/ts+euCSaRzNRX/OMLPf3ycpP8q9NGD+iXTApkDQEIJIUA0puUSpMnBDIQGDH1hdVKpXYf8v1D1WHn1jBKGIF16zdr9h9fl8rKPps26tguCUufdCEAgYQRQHoTVnDShYAlcPGs13ds8e8N28y/R/z4aDVrxq+DpB0dtbUpTXv0pXTa23Zq1+LeSw79KmkMyBcCEEgOAd7lklNrMoVAAwLDpizs2Ux6v22blvrpD74bKjrTp0zSnbd+854Jt0//tf7jzME5x7ply2bdfO2Y9PZX3TBZrVo17Gabed587RVNnjFb7Tt8fX3iTD/LecIIbvir//dXbdy0VbXSPjNGD1gZwRQIGQIQgEBOBJDenDCxEQTiR2DE1EXHKVX7/O6ddtFZJxwUqgQLJZ5Ib9Nlfey5t/WZOZmtrNnx00b1X9D0HmwBAQhAIJoEkN5o1o2oIeCbwIgpL/xESv1q/70668R++/oer5ADNCa9TpFt23Zn/e+M23XMgJPqu7XV66o0ZtgQvbjwGZ32g0HpsNrtvIvnTq+z6/zj/7q4fhwbx6O/vjc9h+1C259vWJ++KoI+eP9d3XnvI9qrR69CIirYWM8ufk/vfvQvc6+in04bfez9BRuYgSAAAQiEjADSG7KCEA4ESkVgxOTnJ6qs2XWHH7inDj+wW6mmzWmeXKT3rTdeTcukeVx+8Tn672Fj00sfzL5Pz3+8wXPf/s4RnqT3w/dX6Mf/8T09+oc/q0N5+TfmsUsjnNv1PuiQ9JIKG19YZdcW4i/vfKK/vPMPKVV7/bQxx39zTUlOFWMjCEAAAuEngPSGv0ZECIGiEAh7p9e9pne/PgelRfZbXbqlpXL1qo/T3V3zMJ3dvocdqXN/cmn998NHT5Df5Q1WZs0cRnz7fvfI9Hy2m2zmNPPYf//nWefppNN+2Og64qIU08egdHp9wGNXCEAgUgSQ3kiVi2AhUDgCUV3T6xbZLZs3FU16W7VukxZYu4TByq/t+i5f+naDglw+fqIuHDYmUtLLmt7CvaYYCQIQCDcBpDfc9SE6CBSNQNiv3uC+qoIFkYv0dunaPb2cwTwau3rDH+bN0e8feyinqzeYbccO/6/0+uFrb75LN1w1Mt1dNp1e56Op7nLRCupxYK7e4BEcu0EAApEjgPRGrmQEDIHCEAjzdXpzWdNrKBixdXZ6jYDms6b3zb++kl6za09Ccy9bMKJrTpRzLquw8943Y3L95c4yrem127kvk1aY6hVmFK7TWxiOjAIBCESDANIbjToRJQSKQiCsd2TLdp3eTMsH3NLrvKpCU1dvMFBtB9cCdl6hwfzMGYtdV2xOTmvq6g1RkF7uyFaUlxWDQgACISWA9Ia0MIQFgVIQGDFl4WJJR5xy1H7aZ89dSzElc4SIwIp/fKGnX15uInp12ugB/UIUGqFAAAIQKDgBpLfgSBkQAtEhMGLKC6Ok1JS9unTU6f37RCdwIi0IgXnPva3V5sYU0pXTRg/4eUEGZRAIQAACISWA9Ia0MIQFgVIQGHP7woqtzfSFmeuC/zxMO+/UqhTTMkcICFRv2KxfP/F6OpLaGn1rxvgBn4cgLEKAAAQgUDQCSG/R0DIwBKJBYPjUhfeXpXTB0Yfspb777xGNoInSN4HFSz7Wa0tXKSX9fvroAT/wPSADQAACEAg5AaQ35AUiPAgUm8DwyQtOLSsrm9+5Y1sNGnhIsadj/JAQePhPb6qq+t9Ges+ZPnrAoyEJizAgAAEIFI0A0ls0tAwMgegQGDFl4VuSDj7te73VY4/y6AROpJ4IfPBpleb/eZnZ991powf09jQIO0EAAhCIGAGkN2IFI1wIFIPAiMnPT1RZs+s67tJGZxx/oNq0alGMaRgzBAQ2bdmmx59/R2u/3CSlaq+fNub4iSEIixAgAAEIFJ0A0lt0xEwAgWgQGDHlhflS6tQ+PXbT8YfvE42giTJvAs//5X0t/cCcs1b2p2mjjz0t7wHYAQIQgEBECSC9ES0cYUOg0AQum7zg4NqysufKpAojvUZ+ecSLgJFdI70pqbJZKnXC3WOOWxKvDMkGAhCAQHYCSC9HBwQgUE/gssnPX5Qqa3Zv65Y71px5wkHNzXIHHvEgYJYzzHvu7ZrNW79qXpaqvfjuMcf/Mh6ZkQUEIACB3AggvblxYisIJIbAiCkv3CulLjIntJ1y9P5q1oxfE1Evfm1tSk++9K7MCWxS2S+njT724qjnRPwQgAAE8iXAu1m+xNgeAjEnUHfDiufM1Ry67dZBJx25Lye2Rbjm5sS1p19ZoVWfV5sslrSs1QmTxw6ojHBKhA4BCEDAEwGk1xM2doJAvAkMnbqwe/OUHpJ0VKeObXVSv15iqUP0al715SY9u3iF1qzdqDKVvZLaXnbetHH9P4peJkQMAQhAwD8BpNc/Q0aAQCwJXDF1YfuvUvp1mXT6Lm1b6cR+vbT7rjvHMtc4JrV6zZd69tX3tH7jFpPe/OZlOu+OUQPS7V4eEIAABJJIAOlNYtXJGQJ5ELC3KW7ZorlOPGJf7c3NK/KgF8ymH35alRberdtqTAAPTRs9YEgwkTArBCAAgfAQQHrDUwsigUBoCVw2deHUVEpXmAAP7dNVh/Xpqh2b7xDaeJMa2Fc12/Xa0lV6femqNIKUyu6aPvrYy5PKg7whAAEIOAkgvRwPEIBATgRGTF14nVKaIKn5rh3apuV3n24VOe3LRsUn8P4nlWnZ/WLdRjNZjVK1N3G3teJzZwYIQCA6BJDe6NSKSCEQOIGRk58/srasmRHfU0wwvffunJbf9u1aBx5bUgOo3rA5LbvLPvyXRfBks1TtpLvGHP9KUpmQNwQgAIFMBJBejgsIQCBvAsMnL7yirCzd9S03N7L47gHdmvfu0ZklD3mT9L6DWcqw7IN/6a9//yR9wwlJVamUJk0fM+AO76OyJwQgAIH4EkB641tbMoNAUQlcdtefe6e210xQquwcM1Gb1i2+2rfbrjv26FquLp12KercSR7cXJXhg1VVeu+TL77atHnbjmkWZalHynZoPunukd9blmQ25A4BCECgMQJIL8cHBCDgi8CIKc//pEw7DEkpNcAOZKTXyG/PrhVq26alr/HZWdq4aatWrqpMy66RXvsoU9nClLbPnjb6+PvhBAEIQAACjRNAejlCIACBghC4bMoLx9Sq9qwylZ0pqYsZ1FzhYc/dO6hzx3baraJdqDrA/964Qf9z+U/1izt/pZ3atisIg0IO8nnlev2zcoPM148/WyeznKHusTql1LxmavbY3aOPfbGQczIWBCAAgTgTQHrjXF1yg0AABC7++bO7tGjR/KyUdFaZNNAZQssdm6tzeVt9a9ddtEfnXQKV4Ntvukq/umeqfnrpKI29+uYASDWc8rMv1uufX6zXZ198KfN93TV26zdKSU+VSY9t21bz2L0/O/H/2r2BR04AEIAABKJBAOmNRp2IEgKRJHD5HS8cVrM9dVRZmQ5XSoerTHu5E2mxY/PaVi2bNzNCbG6AYf5rVfe1WNcC3rJpoy4961DVfLVNzXdsoXsee0Ot2uxUVMamU2tEdsu2mvTX9H9f1WjL1prabV/VNMsw+fsqSy2Wmr2+Q5levfOKY18raoAMDgEIQCDmBJDemBeY9CAQJgKX37Gg1/ba1JHSDv0k81V9gohv8fx79daix7S95ivt0HxHfbv/j9TvtIuCCMXRyU29XaayPyull8p2rH397pHHfxBoQEwOAQhAIGYEkN6YFZR0IBAlAhMnLmz+WVu1b95M7ZtJ7cvK1H67+br96++l2raFzmfj+qqWD97443Gp2tr6W8qVNdth+/nXPHJb253LtxZ6vv8br9nGVErVqR1UvYNUbb6vlapralW9+0ZVT5w4IH3PYB4QgAAEIFAcAkhvcbgyKgQgEF4Ct0gaLamFI8RtkqZIujK8YRMZBCAAAQj4IYD0+qHHvhCAQNQImMs0VEkyl0LYJKlj3b/bmNsrm5ttSNoQtaSIFwIQgAAEmiaA9DbNiC0gAIH4EBgjaZKkn0m6U1LK3NpB0uWSfi6l7zI3OT7pkgkEIAABCFgCSC/HAgQgkGQCVnqTzIDcIQABCCSCANKbiDKTJAQgkIUA0suhAQEIQCAhBJDehBSaNCEAgYwEkF4ODAhAAAIJIYD0JqTQpAkBCCC9HAMQgAAEkkwA6U1y9ckdAhCg08sxAAEIQCAhBJDehBSaNCEAATq9HAMQgAAEkkwA6U1y9ckdAhCg08sxAAEIQCAhBJDehBSaNCEAATq9HAMQgAAEkkwA6U1y9ckdAhCg08sxAAEIQCAhBJDehBSaNCEAATq9HAMQgAAEkkwA6U1y9ckdAhCg08sxAAEIQCAhBJDehBSaNCEAATq9HAMQgAAEkkwA6U1y9ckdAhCg08sxAAEIQCAhBJDehBSaNCEAATq9HAMQgAAEkkwA6U1y9ckdAhCg08sxAAEIQCAhBJDehBSaNCEAATq9HAMQgAAEkkwA6U1y9ckdAhCg08sxAAEIQCAhBJDehBSaNCEAATq9HAMQgAAEkkwA6U1y9ckdAhCg08sxAAEIQCAhBJDehBSaNCEAATq9HAMQgAAEkkwA6U1y9ckdAhCg08sxAAEIQCAhBJDehBSaNCEAATq9HAMQgAAEkkwA6U1y9ckdAhCg08sxAAEIQCAhBJDehBSaNCEAgTSBpZJ6S3pb0sGSrPQukXRQ3fMHwAoCEIAABOJHAOmNX03JCAIQyE5gH0nvNQJoX0nvAxACISfQpWfPni+vXLlyz5DHmZjw9tlnn4/ff/9984fzhsQkHcFEkd4IFo2QIQABXwRWS9o9wwifSeria2R2hkAJCLRp0+buiy666OI77rijRQmmY4omCFxxxRXbfvnLX967adOmy4AVbgJIb7jrQ3QQgEDhCWTr9tLlLTxrRiw8AfOH2aeffvqpunThb7TC481vxNWrV2uPPfYwO5n/mT+oeYSYANIb4uIQGgQgUDQC7m4vXd6ioWbgQhKgy1tImv7Hosvrn2EpR0B6S0mbuSAAgbAQMF3dFY5gejWx1jcscRNHsgnQ5Q1R/enyhqgYOYaC9OYIis0gAIHYEbDdXrq8sSttPBOiyxuuutLlDVc9cokG6c2FEttAAAJxJGC6vW9J+jZd3jiWN3Y50eUNUUnp8oaoGHmEgvTmAYtNIZAQAudLeiAhucYpTX6fx6marlzo8oaruHR5w1WPXKPhl2SupNgOAskhcP7ZZ589be7cuW2Tk3K0My0rS/8q5/d5tMvYWPR0eUNUW7q8ISpGnqHwSzJPYGwOgQQQQHojVmSkN2IFyzNcurx5Aivy5nR5iwy4iMMjvUWEy9AQiCgBpDdihUN6I1aw/MKly5sfr6JuTZe3qHiLPjjSW3TETACByBFAeiNWMqQ3YgXLI1y6vHnAKsGmdHlLALmIUyC9RYTL0BCIKAGkN2KFQ3ojVrDcw6XLmzurom9Jl7foiIs+AdJbdMRMAIHIEUB6I1YypDdiBcsxXLq8OYIq0WZ0eUsEuojTIL1FhMvQEIgoAaQ3YoVDeiNWsNzC/UaXd8WKFRo0aJCWLFmSHuGGG27QNddck9toBdrq5Zdf1oIFC5qc1x2rc/qHHnpI5557bpMRmbmOPvrojNu99NJLOuqoo5ocw25g4rnvvvt0/fXXq3Xr1jnvZzeky5s3slDugPSGsiwEBYFACSC9geLPf3KkN39mYd/D3eU10jZy5Ejddddd6tXL3DVbuvHGG9NfSym+uUqvk6+Xfdz1efjhh9M/ykWWM9XWr/TS5Q37Kya3+JDe3DixFQSSRKAk0ltVVZV+AxsyZEiDNzIvb5CbN2/WddddpwsvvLBeCHIpWLZulLODZsTi2muv/cZwtluV6flSd+CQ3lyqHaltvtHlNa+L2bNna+rUqfWdSnP8Tpw4UdOmTdPy5cv1+9//XuvXr9esWbN08skny4hieXm5zOtj1KhR6Z+bh7NLal+HTz/9tA4++GDNnTu3gVSbY985lokj2zzZCLtf0+54cun8uqU3U9zdunVL52l+p5gusNlmxIgRuuKKK9K/H0yOzlxyPSLo8uZKKvzbIb3hrxERQqDUBEoqvZ9//nmDN9pSS6/7I0/7hmzfOI3UHnfccVk/Ss30fKk7cEhvqV8ixZ0v01peK3lmZiuz7m6qWQpghdZs8+GHH6a7wM7j0YqgkWUricccc0z6D0+3RFvJfvzxx+u7rOb1OXz48PrXbC7Huvs17Y7HzG3ibGy5glN67Ws0U9wm0Kuvvlo33XSTnnrqKXXv3j09rp9OL13e4h7vpRwd6S0lbeaCQDQIlEx6zZuTeXTp0qX+I1r3G6R5szvvvPPS211yySX1nS5np2fcuHHp522n17kW0LmPG3+2N0LnG6wX6XWKhf0oupilR3qLSbfkYzd6xQbnJwvOzqy7E2yOQfP6GjNmTPqTCiO59li0x/ehhx5a3yk2HWHzsMe7Wbe79957f2M5gXueXP5IdW6T6bXhFPRstJ2vSaecu+M2gmvmM5+2GD52Da9X6aXLW/Ljv6gTIr1FxcvgEIgkgZJK7+jRo9NrFW2nx/kGab43b8K2s2U7RGPHjm3wMaaz+2SIO9c+NvaGmumN0Mq0jceL9DrlIZ+TbbweLUivV3Lh2y+fKzY4Xx9meYPzBDOn9F522WXpj/adDyOFZ599doMT4+zzZrmB6RJn+oTDLbn2386x3Msk3NJrO7FWWO3zZj574pp7GYJbep0n9DnjNl1j96c15nmv0kuXN3yvET8RIb1+6LEvBOJJoKTSaz6GNG/YVm6db97mZ85uk+3wmDV6d9xxR3oto12zaNf0vv766/Uf65ry2Dd/M499k7Vly7am17nGMNOaXeebejYpbkqWC3no5CC9XSWtKuScjFUUAlm7vJlO5HKuZa+srGyw5tcpvZMnT05/3J/p+M92RQP3a89mm016GzuZrhid3sauxGBYrVmzJi26Nm8v0kuXtyjHeKCDIr2B4mdyCISSQMml17wZ2y6u6fbYjpVbHO0b+U9+8hPNmzev/qNL55u/kV67HMLSNZL64IMP6p577qk/mceIrfl41/nmad4sX3zxxQYnCzUlryGX3u6SrpJ0mqRTJX19rSseQRC4XtJ1jU3cWJfX/oE2ffr0+rWv7k5vLmt6zfxWaM8444z0JyZ2bayzQ2q2c67pteuD/Uqvnd98NaLs/mQlG5/G1vQ6466oqKh/Tb/55pv1v0u8SC9d3iBeJsWdE+ktLl9Gh0AUCQQivfbNzy4HsCfgeOn0Gui5XNoo0xuh+8QcL9IbgjW9PST9TNJPJKUkPVsnvVE8HuMQ88y6WrxnXE/S/8uQVJN3X3N/MuG+qoKR1I8//ji9lMG5lt19tQTn1UWca+NNTJk+5XDP41xGke+aXjNHoa/eYOMeOHBg+moNzvXLVvDNc/Z3QqYTAd31oMsbh5fdN3NAeuNZV7KCgB8CgUivCdiegGbflJta02s7VI2t6c100ouFk0l63R01L9Kbyxntfgrk3texvMFcwPV/JA2RVCOplaStkg6ny1tI4p7G+lxSZ0kbJH1YJ79P2JHyWcubafZc5NNT1AndiS5vPAuP9MazrmQFAT8EApNe2wFyXs3B79Ub3CfVOME0dvUG0zUzc8+YMSPjdXqtmIfoOr1/lDTQIbs21c8k/a6u41vr+mq6wPysNAx+KulmSfZ2YBsl2c6vWXby6aeffpq+komXB9LrhVrmfejyFo5l2EZCesNWEeKBQPAESiK9wacZnwjqOr2mwzta0s4OsTJJfiRpsiTz+75Z3Vfn9439LN/tcx0303alnMtPnH5i38FVG1OfmjZt2sy86KKLLr7jjjtaxOeojG4mdHmjW7umIkd6myLE8xBIHgGkN2I1d129Yagkc9JUW0lt6j5O/76kP0csrbiFO16SubXfTnWJrZf0uiRzm7S5frq8cQMVZD50eYOkX/y5kd7iM2YGCESNANIbsYpluWTZcEkT6zq/f5N0RMTSilO4poNbKald3R8hr0q6SdIiv2t54wQpDLnQ5Q1DFYoXA9JbPLaMDIGoEkB6I1a5Jq7TO7LuxLZjJG2JWGpxCfcxSadLWlAnuy/VJdbkFRtKAcC5bt7MZ29lXIi5nZcTLMXdCf3ETJfXD71o7Iv0RqNORAmBUhJAektJuwBz5XBzigLMwhA+CZgrasx2jhGGLq/72tS5XjfXJ4tQ7k6XN5RlKWhQSG9BcTIYBGJBIDDpNV2h22+/XcOGDau/e5S9jJmz+9TYXdZsBZq61Ji7Us6OlLnAvftWqWGuLNIb5upkjS0UXd5Md15z3rrbfU1d+zq0rxeT3W233Za+8csXX3yRvuGEedjXqPn3nXfeqQsvvFCm02uvdpLpNsP2pjLO6wiXqrJ0eUtFOth5kN5g+TM7BMJIIDDpNTDcsmregJ944gn16dOn/g01l8sz5Su9zkLkItVhKhzSG6Zq5BZLGLq8JlL3tbHd0TuvOe286Uq3bt0a3M3N/WGGG/0AACAASURBVJqxr9GxY8fK3iLceavkxx9/PD2VuWFEputxO29KkxtRf1vR5fXHLyp7I71RqRRxQqB0BAKVXvMGaO4qZd4MbTfJ3KXt0Ucf1bRp09IdYCPC3bt3T9+O1b5pGzzOu1CZN+vOnTunr7O7ZMkSObtHma79a/Y3b85mXnu7YnuNX9P5NT83d7pq7Lq/pStRw5mQ3qDIe543FF1eG737rmz2dbRp06Zv3OHM3g7Y3sJ4yJAh9bdFdv6hab/v27dvvfT+5je/USaZdXebvdwy2HMlJNHl9UMvWvsivdGqF9FCoBQEApVe8wZsRNV0iMybrllmMGHCBN11113pj0hNh8l2jgyMkSNHpp8zH506P5Y1b6TmzWzq1KlpZqNGjZJ5gzYCa25TagXavuGaN3E7rnN5Q5s2bRp0tBq7w1spipNpDqQ3KPLe5g1Llzdb9La7a5YZ2T/2nNuaPyCdHVx7gprt7pr97PIg8/qxrysjvccdd1y9JNsxM93gxb38wRvp3Paiy5sbpzhshfTGoYrkAIHCEghUep3repcvX64FCxaklzXYDtPAgQPrpdh8RPrhhx9+Yx3hTTfdlN7G+QZr35DPPvtsDRo0SOPGjUu/odtHtjW95iNZpySb7f0snShsqb4eDektBtWijRmaLm+2KyvYTuvll1+ePtbN68l8wuJ8ZNrXLnE45ZRT9Pbbb6dfl87tGuv0ZpLholXAMTBd3lJQDs8cSG94akEkEAgLgUCl10CwyxfMMgfnMgYjwEZa//SnP6W7r+5LLZl97fIDd1fJuQ7YvKkb8TXLHuz2zg6ys9NrpNdu6yzQQw891ECagywe0hsk/fzmDluX17yG7C23rdg61/E6v7d/8JklCs5PRpyXIrNdW/cJb+ZTGveaXvsHq3tNr/m3icl8StO6tb1rc36cc92aLm+upOKxHdIbjzqSBQQKSSBw6TVS+sYbb+itt96qP+vbdpHMG+x3v/vd9Eektvvr7NhaEJlOiHN2he129pJNN998s37+85+n53NL73333afrr7++6G/AXouI9HolV/L9QtPldWbu/uPRuf7dffUG+1y2LrFbYN3b5XL1hlItbaDLW/LjP/AJkd7AS0AAEAgdgcCl155YY7q8tttj33xN99e8SZuulJFj55pe53pbs7zBruk1a4ONGJuPW91rejOdZd7Yml4bh/MEnqAriPQGXYHc5g9blze3qOO7FV3e+NY2W2ZIb/JqTsYQaIpA4NJrP0Y1X+11P8337gvpm585r97gvLKC++oNzuUIzs6W7So5T7ixl2N69dVXNXfu3LQoO0/oCdPSBsMA6W3qkA7F86Hs8oaCTABB0OUNAHoIpkR6Q1AEQoBAyAiEQnpDxiTU4SC9oS5POji6vOGqEV3ecNWjVNEgvaUizTwQiA4BpDc6tUpHivSGvmB0eUNUIrq8ISpGiUNBeksMnOkgEAECSG8EiuQMEekNd8Ho8oarPnR5w1WPUkaD9JaSNnNBIBoEkN5o1Kk+SqQ31AWjyxui8tDlDVExAggF6Q0AOlNCIOQEkN6QF8gdHtIb3oLR5Q1XbejyhqsepY4G6S01ceaDQPgJIL3hr1GDCJHe0BaMLm+ISkOXN0TFCCgUpDcg8EwLgRATQHpDXJxMoSG94SwYXd5w1YUub7jqEUQ0SG8Q1JkTAuEmgPSGuz7fiA7pDWXB6PKGqCx0eUNUjABDQXoDhM/UEAgpgfMlPRDS2AgrOwF+n4fo6KDLG6JiSKLLG656BBUNvySDIs+8EIBA0ATaSLpP0jBJ64IOhvljRYAub4jKSZc3RMUIOBSkN+ACMD0EIBAYgSslXSdpuqQxgUXBxLEjQJc3XCWlyxuuegQZDdIbJH3mhgAEgiKwg6S1knaWtF2S6cz9K6hgmDdWBNr17NnznZUrV+4Zq6winEzPnj3/sXLlyqMkrY5wGoReAAJIbwEgMgQEIBA5Aqaze72knSRtlfRLSZdFLgsChgAEIACBnAkgvTmjYkMIQCBGBKokdXTlYzpzn8QoR1KBAAQgAAEHAaSXwwECEEgagRGSfiHJnMhmH6bb+6CkS5IGg3whAAEIJIUA0puUSpMnBCBgCVTWCW+tpB3rrtzQUlI7SftJWgkqCEAAAhCIHwGkN341JSMIQCA7AXN5srsk3SjpNkkfSTpQ0qmSbpd0h6RJAIQABCAAgfgRQHrjV1MyggAEGifQXlJ13SafSfqOpH8CDQIQgAAE4k0A6Y13fckOAhBonMAqSf0kfQooCEAAAhCINwGkN971JTsIQKBxAh9L+h5XbeAwgQAEIBB/Akhv/GtMhhCAQHYCH0o6vm5tL5wgAAEIQCDGBJDeGBeX1CAAgSYJvC/pFK7Y0CQnNoAABCAQeQJIb+RLSAIQgIAPAssl/aekFT7GYFcIQAACEIgAAaQ3AkUiRAhAoGgElkr6kaRlRZuBgSEAAQhAIBQEkN5QlIEgIACBgAi8LWmwpL8HND/TQgACEIBAiQggvSUCzTQQgEAoCbwl6XxJS0IZHUFBAAIQgEDBCCC9BUPJQBCAQAQJvCHpIklvRjB2QoYABCAAgTwIIL15wGJTCEAgdgT+Kmm4pNdilxkJQQACEIBAAwJILwcEBCCQZAKLJY2S9GqSIZA7BCAAgSQQQHqTUGVyhAAEshF4SdJ4Sa+ACAIQgAAE4k0A6Y13fckOAhBonMAiSRMkvQgoCEAAAhCINwGkN971JTsIQKBxAgslXS/pBUBBAAIQgEC8CSC98a4v2UEAAo0TeE7SLZKeBxQEIAABCMSbANIb7/qSHQQg0DiBpyVNlvQMoCAAAQhAIN4EkN5415fsIACBxgn8SdLdkp4EFAQgAAEIxJsA0hvv+pIdBCDQOIEnJM2UNB9QEIAABCAQbwJIb7zrS3YQgEDjBH4v6T5JfwAUBCAAAQjEmwDSG+/6kh0EINA4gcclzZb0O0BBAAIQgEC8CSC98a4v2UEAAo0T+K2kuZIeAxQEIAABCMSbANIb7/qSHQQg0DiBR+u6vEZ8eUAAAhCAQIwJIL0xLi6pQQACTRJ4WNIfJT3S5JZsAAEIQAACkSaA9Ea6fAQPAQj4JGDW85pr9T7kcxx2hwAEIACBkBNAekNeIMKDAASKSuABSeZWxA8WdRYGhwAEIACBwAkgvYGXgAAgAIEACZjLlb0s6VcBxsDUEIAABCBQAgJIbwkgMwUEIBBaAvdKek3SL0MbIYFBAAIQgEBBCCC9BcHIIBCAQEQJ3CPpLUmzIho/YUMAAhCAQI4EkN4cQbEZBCAQSwLTJS2VNCOW2ZEUBCAAAQjUE0B6ORggAIEkE7hL0vuS7k4yBHKHAAQgkAQCSG8SqkyOEIBANgJTJf1D0h0gggAEIACBeBNAeuNdX7KDAAS+SaC7pI/rfny7pH9Kmlz3786S/gU0CEAAAhCIHwGkN341JSMIQCA7gW9JeqFuScPVks6V9IWkv0i6TVIHSb0kpYAIAQhAAALxIoD0xqueZAMBCDRNYJqkoZK+qhNeI7hGdltIuk7SL5oegi0gAAEIQCBqBJDeqFWMeCEAAb8EKuqWNDR3DbRRknluq98J2B8CEIAABMJHAOkNX02ICAIQKD6BWyVdXtfdNbMZ4TUd3knFn5oZIAABCEAgCAJIbxDUmRMCEAiawM51J6y1qgvEdHd3lbQh6MCYHwIQgAAEikMA6S0OV0aFAATCT2CCpP+p6/beKWl8+EMmQghAAAIQ8EoA6fVKjv0gAIGoEzBd3kpJ5msnSWujnhDxQwACEIBAdgJIL0cHBCCQZALmMmW7SRqSZAjkDgEIQCAJBJDeJFSZHGNN4IGJv/to04bN5oYLPCBQcgJt2rX++IKJP9yr5BMzIQQgAIE8CSC9eQJjcwiEjcCMMXNSp/10QNjCIp6EEJj/q4UaNnkw7yUJqTdpQiDKBPhFFeXqETsEJFnpXfynt7T283UwgUBJCHTcrYP6nfptIb0lwc0kEIBAAQggvQWAyBAQCJKAlV4jH3R8g6xEsua2xxvSm6y6ky0EokwA6Y1y9YgdAo5OL9LL4VBKAkhvKWkzFwQgUAgCSG8hKDIGBAIkQKc3QPgJnhrpTXDxSR0CESWA9Ea0cIQNAUsA6eVYCIIA0hsEdeaEAAT8EEB6/dBjXwiEgADSG4IiJDAEpDeBRSdlCEScANIb8QISPgSQXo6BIAggvUFQZ04IQMAPAaTXDz32hUAICCC9IShCAkNAehNYdFKGQMQJIL0RLyDhQwDp5RgIggDSGwT1QOfs27Nnz8dXrly5Z6BRMDkEPBLo0aPHx0ivR3jsBoGwEEB6w1KJZMWB9Car3uXl5csnTZrUa+jQoclKnGxjQaBPnz7Vy5YtuxLpjUU5SSLJBJDeJFc/uNyR3uDYl3rmdu3azTrttNMGP/LII21LPTfzQcAvgWHDhm2ZO3fuH9euXfsjpNcvTfaHQMAEkN6AC5DQ6ZHexBT+3K5du8547733dm7VqlVikibReBB4+OGHNWLEiNXV1dU9JW1BeuNRV7JIMAGkN8HFDzB1pDdA+KWbumeLFi3+/swzz7Ts379/6WZlJggUgMDKlSt1wAEHbNu6detJkhaZIZHeAoBlCAgESQDpDZJ+cudGeuNf+4qKitfGjRt36Pjx4+OfLBnGjsARRxxR/Ze//OUWSbfa5JDe2JWZhJJGAOlNWsXDkS/SG446FCuK5s2b33zCCScMe/LJJ3cp1hyMC4FiEbj66qtr77333gWVlZUnOudAeotFnHEhUCICSG+JQDNNAwJIb6wPiNM7duz4yLvvvrtTp06dYp0oycWPwBNPPKHBgwev27hx436S1iC98asxGSWYANKb4OIHmDrSGyD84k7dqW3btivmzJnT/vTTTy/uTIwOgQITWLNmjfbbb79/r1u37hxJT7iHp9NbYOAMB4FSE0B6S02c+QwBpDeex0F5efmzQ4cOPW7SpEnN4pkhWcWZwMCBA9c///zz02pqaq7OlCfSG+fqk1siCCC9iShz6JJEekNXkkIENL5fv35XvvLKK+0LMRhjQKCUBG699Vbddtttr1VWVn4327xIbykrwlwQKAIBpLcIUBmySQJIb5OIorZB/1atWj3zzjvvtOjZ01zSlAcEokNg0aJFOumkk7Zs27btQEkrkd7o1I5IIZAXAaQ3L1xsXCACSG+BQIZjmNbt27d/f/r06V0GDx4cjoiIAgI5Eti8ebN69eq1ftWqVZdKmtPYbnR6c4TKZhAIKwGkN6yViXdcSG986tuxY8ffDho06PszZszIess1c2er8847rz7phx56SOeee64nCCtWrNCgQYM0ffp0HXXUUQ3GMPPMnj1b5mt5ebmn8V9++WUNHz5cc+fONTLkaQw/OxkJGzVqlLp06aJrrrmm0aFuvPFGXXvttTr55JN95ZxvvCbG22+/XcOGDVObNm1yjjffeUqx/TnnnLNx/vz5czZs2HBJU/MhvU0R4nkIhJwA0hvyAsU0PKQ3NoUd2rt371uWLl2adR2vEdDbbrutXiKttI4bN86z+GajVwjpjUplqqqq0vyGDBlScI5NMYgL55kzZ2rChAkrqqqqzOXJmnwgvU0iYgMIhJsA0hvu+sQ1OqQ3FpXtK+mNN998U4ccckjGhHIRM7vN008/nR7DdoFNF3P16tWaOnVq+ue2+3n22Wc36PTabufBBx9s1mXq7bff/kbX04q3ed4IuNnWdHK7deuWHvejjz7Sv/71Lx1xxBEy448ePTr9fGVlZbrr69zPdDcvueTrpqCN1XZnZ82alf75DTfckO7S2nk7d+6sf/7zn+rdu7fat2//jZycHV1np3fs2LHp+Mzj448/lmFk5r755pt11VVXKdN8tqNuu7+2E+vM8fDDD0/n17179/QYZlvzn8nbPF566aV0F93+gbJkyZL6n5tvjj766PS/DccHH3xQ99xzT31nOls97Vhnnnlmujvt5BfEq8Ect9/5znfM1OY4/lsuMSC9uVBiGwiEmADSG+LixDg0pDf6xS0vL18+adKkXkOHDs2aTGNLEcxOVvDM90ZujYgYoTLSZR52mYH53i5pqKioqP/eCpjZvm/fvmlBNHLoXt5gl1e4hdrKo3Mf5/IGI70mHrPfwIED0x1VI4omVvPxvtnWjP3UU0/pxRdfrM/Bxv3666+nl3VYiXSO7czJuUwjk/Ta+JYvX17PZ7/99mvQ6TVjW3aWhZkjU46Wh4nL8jQy6pRsu98xxxyTnsf5R8jjjz9ev4zEubzBub+7ns55jOSb8Sw/r0tR/LyK+vTpU71s2bIrJc3MdRykN1dSbAeBkBJAekNamJiHhfRGu8Dt2rWbddpppw1+5JFH2jaWSVPS637eKXymo2o/vjdz2LW6RkStABsZdK7hzfaxu3uJhf237VJa6W7dunVaxKy02k6v6YoaaTPxGEG1XVzn3M6uqO0kG+l1Lu2wXVCzvzt2yzGT9Nr1vU5ebul1Sqkzj0w5OjlZnna5iXsc53ps02U2MptNet1deGcu7ueCXCIxbNiwLXPnzv3j2rVrf5TPKxHpzYcW20IghASQ3hAWJQEhIb2RLvK5Xbt2nfHee+/t3KpV1nPX0gk2tbyhMem13cBly5alx/r+97+flk7nPmGR3hkzZmjevHkNlkQYUXZLr8nDSOWGDRu0fv36jCerhUV6Df8LL7ywQWfbLjeJsvQa2R4xYsTq6upqc229Lfm8EpHefGixLQRCSADpDWFREhAS0hvZIvds0aLFO88880yr/v3755REYyeynXHGGfVrVt0fhzvXlJqJ7NUUnNJrfu7+SN/L8gY/nd777rsvLbJ2DCOEtrubSXrtMgSzvV324ATpVXqbWt7gzDGXTu+ll16q888/X6YD7K6Tn+UN9qobQXR6V65cqQMOOGDb1q1bT5K0KKcD2LER0psvMbaHQMgIIL0hK0hCwkF6o1noioqKv44bN+6w8ePH55VAY5csy3bik5nAvebXfGzv7g4X4kQ2P9JrcrNrbc045qQ3c1KckTsj4M7lDeZ5m6/5PtOl1bxKrx0v24ls+UqvXbdsTzozS0qqq6vTMdt8vZzIFqT0HnnkkdWLFy++RdKteR3AdRsjvV6osQ8EQkQA6Q1RMRIUCtIbvWI3b9785hNOOGHYk08+uUvUond3m4OMv6klH0HGFue5r7766tp77713QWVl5Yle80R6vZJjPwiEhADSG5JCJCwMpDdyBT+9Y8eOj7z77rs7derUKXLBh0V6bce71DeTiFzBChzwE088ocGDB6/buHGjuR7vGq/DI71eybEfBEJCAOkNSSESFgbSG6mCd2rbtu3yOXPmdDj99NMjFTjBQmDNmjXaf//9/7127dpzJD3hhwjS64ce+0IgBAS8SO//++Pjuvx/huvcs4fo2v+5QfYMbvtzk9a8h/6gQw85LJ3hli1bdMMvrtXDv5nd4OeNpb+uep1uu/MWjbv8SnVo3yEEpBqG8PrfXtOZ5/1H+of79+qjGZNnae+9ehQlzrtmTtXku2/VmMvGa+TQry9Un8uj2Az9jI/05lLBcGxTXl7+7CWXXHLcTTfd1CwcEREFBHIncMopp6x/7rnnptfU1FyV+16Zt0R6/RJkfwgETMCL9Frh63/Usbrz1hn1UmrlzKTkFLQPP/pAw8Z8fQejXOTQbt+pYtcG4weMqsH0zlzNE3f+Yrp+8P0zihKiF+ktNkO/4yO9RTlUijHo+H79+l35yiuvZL3NcDEmZUwIFILArbfeak4kfK2ysvK7hRgP6S0ERcaAQIAEvEhvJok1Xb/Lxw/TopdfSGfj7AJnk+RsafsVqmLjtLmuqfxC3zuqv2b9asY3ut7FjqGp8YvN0O/4OUpvO0kXS5rcVL48n5WAuZaW+W+bB0b9W7Vq9cw777zTomdPc0lTHhCIDoFFixaZK2ls2bZt24GSVhYicqS3EBQZAwIBEvAivc7lCrbDacX2e0f21xdVlemMbFfXLnuw3V/n/jZ1+5xz2YD7ObdYm+edyyjs9u4xsi3DMD8/5cTTdN5FP07vmusyBTu+2f+8Qedr9FWXN8jXWU53RzjTEoWmtsnU6XUuJcn2R4YzjlzYm+2df9BMuuYW3XXPlPo/ZNy1zjR+rodyE9JrZNd8FDlG0nZJrXMdl+0aENhJUrWkrZImSZqSh/y2at++/cpp06Z1MTeE4JEfAedd3Xr16tVgZ/cdz5oaOdvVHuzP7R3imhonSc+b95h99913/apVq4aZK8MVKnekt1AkGQcCARHwIr0mVLeIWQkzYvTJp/9Ir0E1QnrA/gfWr+c1zw084dT6f7tTNs/v0aVr/VpZp/QO+fEFDTrJzn2d4uuWQbudcylGtm3Mtu4lG5nKYnN35+Ne4uCWWWc+dm1uPttYcc0Wv5X7v7/7TkaGF19waaPszfIMK73vrlia8Yg0rM3DrmfOlFMuh3IW6bWyaxYum/cXI7xXmtUjuYzJNhkJXCPpZ5JqJaUkmWuUGvk1Ipz10bFjx98OGjTo+zNmzGj8lmtAz5sA0ps3srx3OOecczbOnz9/zoYNG75eV1egB9JbIJAMA4GgCHiVXufJbOZkM3PSmT1RzUqRkTQrq2YpgOn8modZ39v34L71J8G5BTrTR+eZfpZtPyNsVkCdXeVM0miF2dkdztQ9tvVxdpvtdplO7Mt08p57mUfrVq2/cYJfpqUg7jyd0u0UVROj7a43xjAX9oah5eXM2f6swMsbdq7r7FrZbVHHu0pSRVCvjZjMa7q95hJNbery2VgnvzdLmppFfof27t37lqVLl8Z2Ha+9hJm5kYS5eYS5yYK541u3bt3Sd4j76KOP0jeYOOKII2Ru0mDuQOa+6UNlZaXMDRvszRac3V3z3PDhwxuMOWvWLJlLlXXv3j1dCjPupk2b0rdWfvrpp+tjMJ1hewOOJUuW6JJLLknf5GLIkCHpbe3DdnrNeOZ5M8YNN9ygsWPHNrjLndne5NSlSxeZWwvH/TFz5kxNmDBhRVVVlbk8WUEfSG9BcTIYBEpPwKv0OqVn5KWjNeHGK2VPPFu3bm1abM2/3c85r8TgXobQmFC5lzZk6shmu6qEWyQXvbTwG1efyCSzmaqRSUqznajn7uJmkul8tsnW6c10El1TUtoUe6dAm+9z+cMkn6PX1emdJ8lcCmPHfMZgW18EtkiaaXzINcohkt588803dcgh5tt4Puz1ch966KG0SNru680336yrrroqLZH2bmlN3d7XyqSzg2v4Wel13oq4oqIiPZ8RVTvXMccck/6ZvS2v+7bGZixzq2Ubq1t6zb/Nvk4JNz+z85vvnXIez4p+ndXf/vY39e3b13xr/ve3QueK9BaaKONBoMQEvEqvu/vnvKSW7XK+ueRN/dc5F+jKiePqT/TavGVz1mUKTXURM633Nbis9LnXDluUbgH0I73ZliPYuZwCmmkNstnOucY4l23cwplpTbQZ1/mHQCbpzTaX2dfNvsTSm63Tu1ZSeYlfEnGbzt3p/XfdUoeMnd7y8vLlkyZN6jV06NC4cWiQj/tmFfbfDz74oO655570tqYTa2577F6O4OzoGqGdPXu27rrrLo0cObK+G+vc5je/+Y1Wr179jfEuvfRSnX/++TLdXPswHWfTEb7uuuvqx8p1Ta9zje+wYcPSIm06u0bgTYyZbnkctyL36dOnetmyZWZJlPmDruAPpLfgSBkQAqUl4FV6TZSNXbbLve7ULabOk8a8dBGda0+t7GWSWRNnoTq9jUmjrVq2NcFuUc3U9c22TVOXLHPWwXLOJL22JrmwL7H02vcS1vQW/uVv1/Sa9bxmXW/WZQ3t2rWbddpppw1+5JFH2hY+jHCNWCjpNVmZLuqZZ54pI7rO7rDttDYlvePGjcu4bMEuZ/AivUZ2jaxv2LBB69evT8TShmHDhm2ZO3fuH9euXfujYh1tSG+xyDIuBEpEwI/0OsXWfeUDd1fWSp5b4BpbL+oUr1yWFZjtzbKKXNf0Zuu4ZlvT29il15wSbvbvsVfP+o62Hc991Yv+Rw9ochuzZtfJzHkymrOrnO0PBydDr+ydf+A01RHO9bDl6g25kvK1XT5Xbzi3a9euM957772d7c1mfM0c8p2bWt5gwred3mzLG5yd4GuvvTa9ntaumXV3g826YbNmONPyBjvX7bffnu4I22UP9udeljeYKzrYuM04L730kszP4vow9RwxYsTq6upqc209s3SnKA+ktyhYGRQCpSPgR3qdYuu+LJhTZp1C3NiVE9xCZa8gYMYef8VVuvWOm9Mny7kfzrmzLT/IdPWGfKW3sY5rUyfMOWPOhUdj3dhsyzzMHFaw3VdhMLkeclBfjZ2Q+Y5uTclsYycNmnnd9W/qCOY6vU0RKtjzuVynt2eLFi3eeeaZZ1r179+/YBOHeaCmTmRzSq/53kqy+d6cjOZcKuCUYiuWTum1J8dlOpHtk08+SXeKzRIHezKd3xPZrHjbDrGNv7w8niuFVq5cqQMPPHDbli1bTpK0qJjHHdJbTLqMDYESEPAjvZm6tM6QrSi5hch957bvn/wf9Se+2Tu8OeXY7m/GtrcztvNkuu5tPtfptbdRbupENufz2e6+ZmNu7PJojZ2AZ3PKdqc7Z67uHDNdYzgTw3sfuCd9OTnzMOO52duTEM3zzrvnNXWt4CJJbwleAUxRUVHx13Hjxh02fvz4xMBwL2+IY+LZlkXELdcjjzyyevHixeZSfF//YiviA+ktIlyGhkApCPiR3lLExxzxJJBjpzeeyYcoq+bNm998wgknDH/yySfNyYSJecRdem1n2t2VjluBr7766tpZs2YtqKqqOrEUuSG9paDMHBAoIgGkt4hwGTorAaQ3FAfH6R07dnzk3Xff3alTp06hCIggIJArgSeeeEKDBw9et3HjRnM9XnMt6qI/kN6iI2YCCBSXANJbXL6MnpkA0hv4vGyaNwAAIABJREFUkdGpbdu2y+fMmdPh9NNPDzwYAoBAPgTWrFmj/fff/99r1649R9IT+ezrZ1uk1w899oVACAggvSEoQgJDQHqDLXpFRcWzF1988XE33XRTs2AjYXYI5E/glFNO+fK5556bUVNTc1X+e3vfA+n1zo49IRAKAkhvKMqQuCCQ3kBLPr5fv35XvvLKK7G9zXCgdJm8qARuvfVWc+vo1yorK79b1IkyDI70lpo480GgwASQ3gIDZbicCCC9OWEqxkb9W7Zs+czf//73Fj17mkua8igEgc2bN2vUqFHpu6mZh/PyY/YqCk8//XT9VO4TzBrbvxDxxWWMRYsW6aSTTtqybdu2AyWtLHVeSG+piTMfBApMAOktMFCGy4kA0psTpkJv1Kp9+/Yrp02b1sXcopZHYQhYYTWj2RtWOK8OYW9IYe+wZrZz3trY/NsIc7b9zXV7eUjmWuj77rvv+lWrVg0zl04OggnSGwR15oRAAQkgvQWEyVA5E0B6c0ZVsA07duz420GDBn1/xowZrQo2KAOl73xmbzmcSVAzXS/XeUMLg7Cx/UH8NYFzzjln4/z58+ds2LDhkqCYIL1BkWdeCBSIANJbIJAMkxcBpDcvXIXYeGjv3r1vWbp0Ket4C0HTMYbp6s6ePbvBXdqcU2SS3hUrVqTvxDZu3Lj0po3tX+BwIznczJkzNWHChBVVVVXm8mSBPZDewNAzMQQKQwDpLQxHRsmPANKbHy+fWx8i6c033nhDffv29TkUu7sJIL3FPSb+9re/2eP2O+Y4Lu5sjY+O9AZJn7khUAACSG8BIDJE3gSQ3ryRed6hvLx8+aRJk3oNHTrU8xjsmJ2Al+UNttM7ffr09MAsb8jOt0+fPtXLli27UtLMoI9DpDfoCjA/BHwSQHp9AmR3TwSQXk/Y8t6pXbt2s0477bTBjzzySNu8d2aHnAhwIltOmDxtNGzYsC1z587949q1a3/kaYAC74T0Fhgow0Gg1ASQ3lITZz5DAOktyXEwuGvXrvesWLFi59atW5dkwqROwiXLCl/5OXPmmA746urq6n0kbS78DPmPiPTmz4w9IBAqAkhvqMqRmGCQ3qKXumeLFi3eeeaZZ1r179+/6JMxAQQKSWDlypU68MADt23ZsuUkSYsKObafsZBeP/TYFwIhIID0hqAICQwB6S1u0SsqKv46bty4w8aPH1/ciRgdAkUgcOSRR1YvXrz4Fkm3FmF4z0MivZ7RsSMEwkEA6Q1HHZIWBdJbvIo3b978puOPP37EU089tXPxZmFkCBSHwIQJE2pnzpy5oKqq6sTizOB9VKTXOzv2hEAoCCC9oShD4oJAeotW8tM7dOjwyPLly3fq1KlT0SZhYAgUg8ATTzyhwYMHV2/cuNHchm5NMebwMybS64ce+0IgBASQ3hAUIYEhIL1FKXqntm3bLp8zZ06H008/vSgTMCgEikVgzZo12n///f+9du3acyQ9Uax5/IyL9Pqhx74QCAEBpDcERUhgCEhv4YteUVHx7MUXX3zcTTfd1KzwozMiBIpL4JRTTvnyueeem1FTU3NVcWfyPjrS650de0IgFASQ3lCUIXFBIL0FL/n4ww8//MpXX32V2wwXHC0DFpvArbfeqttuu+31ysrKw4o9l5/xkV4/9NgXAiEggPSGoAgJDAHpLWjR+7ds2fKZv//97y169uxZ0IEZDALFJrBo0SKddNJJW7dt23aApJXFns/P+EivH3rsC4EQEEB6Q1CEBIaA9Bas6K3at2+/ctq0aV3OPffcgg3KQBAoBYEtW7Zo3333Xb9q1aphkh4uxZx+5kB6/dBjXwiEgADSG4IiJDAEpLcwRe/YseNvBw0a9P0ZM2a0KsyIjAKB0hE455xzNs6fP3/Ohg0bLindrN5nQnq9s2NPCISCANIbijIkLgiktyAlH9q7d+9bli5dyjreguBkkFISmDlzpiZMmLCiqqpqv1LO62cupNcPPfaFQAgIIL0hKEICQ0B6/Re9Z8+eH69cuXJP/yMxAgRKT6Bnz57/WLly5RmS3iz97N5mRHq9cWMvCISGANIbmlIkKhCkN1HlJlkIxIIA0huLMpJEkgkgvUmufnC5I73BsWdmCEDAGwGk1xs39oJAaAggvaEpRaICQXoTVW6ShUAsCCC9sSgjSSSZANKb5OoHlzvSGxx7ZoYABLwRQHq9cWMvCISGANIbmlIkKhCkN1HlJlkIxIIA0huLMpJEkgkgvUmufnC5I73BsWdmCEDAGwGk1xs39oJAaAggvaEpRaICQXoTVW6ShUAsCCC9sSgjSSSZgJXexX96S2s/X5dkFOReQgIdd+ugfqd+W0Z+h00ezHtJCdkzFQQg4I0Av6i8cWMvCISGgJXe0AREIIkigPQmqtwkC4FIE0B6I10+goeA9MDE3320acPm7rCAQBAE2rRr/fEFE3+4VxBzMycEIACBfAggvfnQYlsIQCBOBDpImiHpQkmb4pQYuUAAAhCAwDcJIL0cFRCAQFIJTJY0XNL1km5JKgTyhgAEIJAUAkhvUipNnhCAgJNAZ0mrJe0gab2kjpK2gwgCEIAABOJLAOmNb23JDAIQyE7gbkkXSWop6d+SrpNkOr88IAABCEAgpgSQ3pgWlrQgAIGsBLpK+sT17FpJ5TCDAAQgAIH4EkB641tbMoMABDITmCXp/Lour93CnMj2P5KmAQ0CEIAABOJJAOmNZ13JCgIQyEygp6TlkjZI2irJXMHhK0nN6q7gUAE4CEAAAhCIJwGkN551JSsIQCAzgQmSrpA0TtJ8Se9IMteYvabuZyPrLmMGPwhAAAIQiBkBpDdmBSUdCEAgZwLfkvSGpN3r9mgvqTrnvdkQAhCAAAQiRQDpjVS5CBYCECgggT0kLZZkTmzjAQEIQAACMSeA9Ma8wKQHAQhkJbCnpEWSuIUzBwkEIACBBBBAehNQZFKEAAQyEthb0rOSesAHAhCAAATiTwDpjX+NyRACEMhMYJ+6k9n2BRAEIAABCMSfANIb/xqTIQQgkJnAfpJ+J2l/AEEAAhCAQPwJIL3xrzEZQgACmQn0kTRX0gEAggAEIACB+BNAeuNfYzKEAAQyEzhI0mxJBwMIAhCAAATiTwDpjX+NyRACEMhM4BBJ90nqCyAIQAACEIg/AaQ3/jUmQwhAIDOBQyXdI+kwAEEAAhCAQPwJIL3xrzEZQgACmQkcLulOSUcACAIQgAAE4k8A6Y1/jckQAhDITOBISbdJOgpAEIAABCAQfwJIb/xrTIYQgEBmAsdIuknS9wAEAQhAAALxJ4D0xr/GZAgBCGQmcKyk6yQNABAEIAABCMSfANIb/xqTIQQgkJnA8ZKulHQCgCAAAQhAIP4EkN7415gMIQCBzAROkjRG0skAggAEIACB+BNAeuNfYzKEAAQyEzhF0mWSTgUQBCAAAQjEnwDSG/8akyEEIJCZwGmShko6HUAQgAAEIBB/Akhv/GtMhhCAQGYC/yHpp5J+ACAIQAACEIg/AaQ3/jUmQwhAIDOBH0o6T9KZAIIABCAAgfgTQHrjX2MyhAAEMhM4S9LZdf/BCAIQgAAEYk4A6Y15gUkPAhDISmBQ3dKGc2AEAQhAAALxJ4D0xr/GZAgBCGQmMLjuyg1miQMPCEAAAhCIOQGkN+YFJj0IQCArgSGSTpT0XzCCAAQgAIH4E0B6419jMoQABDITuEBSf0k/ARAEIAABCMSfANIb/xqTIQQgkJnAhZL6SfpvAEEAAhCAQPwJIL3xrzEZQgACmQlcLOk7ki4BEAQgAAEIxJ8A0hv/GpMhBCCQmcClkg6UNAxAEIAABCAQfwJIb/xrTIYQgEBmAiMk9ZJ0GYAgAAEIQCD+BJDe+NeYDCEAgcwELpe0l6QrAAQBCEAAAvEngPTGv8ZkCAEIZCYwWlIXSWMABAEIQAAC8SeA9Ma/xmQIAQhkJjBO0q6SxgMIAhCAAATiTwDpjX+NyRACEPg/At+S9M+6f/5M0i6Srqz7d1dJq4AFAQhAAALxJID0xrOuZAUBCHyTwA6SlkuqlGS6vObGFK0lzZN0c936XvOzfwEPAhCAAATiRwDpjV9NyQgCEMhOwHR1r5P0laS1dZuZJQ4tJM2QNBJ4EIAABCAQTwJIbzzrSlYQgEBmAm0kfSHJfHU+tknaTdI6wEEAAhCAQDwJIL3xrCtZQQAC2Qn8XNKouu6u2WqjpNslXQ80CEAAAhCILwGkN761JTMIQCAzgfaS1kjase7pf0vqJGkTwCAAAQhAIL4EkN741pbMIACB7ASmSBpet7b3Jkm3AAsCEIAABOJNAOmNd33JDgIQyEygs6TP6pY2lEuqARQEIAABCMSbANIb7/qSHQQgkJ3AXEkfOq7TCysIQAACEIgxAaQ3xsUltXgS2GuvvZ786KOPBsYzO7IKO4EOHTpUr1u37oeSXgh7rMQHAQhAwEkA6eV4gEDECFRUVPztt7/97bePPfbYiEVOuHEgcOihh1a/8cYbSG8cikkOEEgYAaQ3YQUn3egTsNL7wAMP6MEHH4x+QmQQCQLdu3fX/fffr7FjxyK9kagYQUIAAm4CSC/HBAQiRsBK7/XXX6/rrrtOdHwjVsCIhjtgwID08Yb0RrSAhA0BCAjp5SCAQMQIIL0RK1hMwkV6Y1JI0oBAggkgvQkuPqlHkwDSG826RT1qpDfqFSR+CEAA6eUYgEDECCC9EStYTMJFemNSSNKAQIIJIL0JLj6pR5MA0hvNukU9aqQ36hUkfghAAOnlGIBAxAggvRErWEzCRXpjUkjSgECCCSC9CS4+qUeTANIbzbpFPWqkNxIVTEUiSoL0QwBv80EPeD7gsSsEgiCA9AZBnTmR3kgcA6lUCu+NRKU8BFlWllY2vM0DO7sL8HzAY1cIBEEA6Q2COnMivZE4BpDeSJTJW5BIrzduzr2QXv8MGQECJSWA9JYUN5PVEUB6I3EoIL2RKJO3IJFeb9yQXv/cGAECgRFAegNDn+iJkd5IlB/pjUSZvAWJ9HrjhvT658YIEAiMANIbGPpET4z0RqL8SG8kyuQtSKTXGzek1z83RoBAYASQ3sDQJ3pipDcS5Ud6I1Emb0Eivd64Ib3+uTECBAIjgPQGhj7REyO9kSg/0huJMnkLEun1xg3p9c+NESAQGAGkNzD0iZ4Y6Y1E+ZHeSJTJW5BIrzduSK9/bowAgcAIIL2BoU/0xEhvJMqP9EaiTN6CRHq9cUN6/XNjBAgERgDpDQx9oidGeiNRfqQ3EmXyFiTS640b0uufGyNAIDACSG9g6BM9MdIbifIjvZEok7cgkV5v3JBe/9wYAQKBEUB6A0Of6ImR3kiUH+mNRJm8BYn0euOG9PrnxggQCIwA0hsY+kRPjPRGovxIbyTK5C1IpNcbN6TXPzdGgEBgBJDewNAnemKkNxLlR3ojUSZvQSK93rghvf65MQIEAiOA9AaGPtETI72RKD/SG4kyeQsS6fXGDen1z40RIBAYAaQ3MPSJnhjpjUT5kd5IlMlbkEivN25Ir39ujACBwAggvYGhT/TESG8kyo/0RqJM3oJEer1xQ3r9c2MECARGAOkNDH2iJ0Z6I1F+pDcSZfIWJNLrjRvS658bI0AgMAJIb2DoEz0x0huJ8iO9kSiTtyCRXm/ckF7/3BgBAoERQHoDQ5/oiZHeSJQf6Y1EmbwFifR644b0+ufGCBAIjADSGxj6RE+M9Eai/EhvJMrkLUik1xs3pNc/N0aAQGAEkN7A0Cd6YqQ3EuVHeiNRJm9BIr3euCG9/rkxAgQCI4D0BoY+0RMjvZEoP9IbiTJ5CxLp9cYN6fXPjREgEBgBpDcw9ImeGOmNRPmR3kiUyVuQSK83bkivf26MAIHACCC9gaFP9MR5Su9Vkm5ONLBgkkd6g+FeklmRXv+Yy/wPwQgQgEApCSC9paTNXJZAjtJ7uaSJknaW1ElSFQQLRqCVpBclzZZ0V5ZRA5XeG2+8Uddee22D0C655BJNnTpVrVu31ooVKzRo0CCNGzdO5557bsHAJGUgpNd/pZFe/wwZAQIlJeBFejdv3qxRo0Zp1qxZDWKdOXOmfve73+npp5/OmIN9w9q0aVP6Tcq53UsvvaSjjjqqwX4PP/ywzjvvvPqf3XDDDbrmmmuy8sm2/e9//3sdeuihuvDCC9NzOt84CwX75Zdf1tFHH50eLtP42Zg55y9GXJnyq6qq0ptvvqkTTzwx/bSN/aGHHiqZPDQiveZ9ZJSkCZJa1P13p6RxhaoV49QTeFXSIZLW1/1xMd3FJnDpNcemeV2Xl5fLHLfm90b37t3rxZdaeieA9HpnZ/dEev0zZAQIlJSAF+m1AVpZOvjggzV37lz16tUr/ZSVTyup9s3KLZxGRmfMmKFnnnlGbqE1kjh79mw9/vjjaVHNJMU2Duf4znFsfFYmjegZMS2WXLrnM90o98OyOfnkk+vfzM02JgfDYuzYsekuVjEfpoO299571wtuSKT3pTrZvVpSc0k71THYJqmzpOpiMkno2N+T9EdJ7SRtkrShTn5n1vEIlfQ6/0Azvw8qKioadHpt53fJkiXp8J2/M7w8Z14nTuk2r93bbrut/ned849s+zvFzGsaAl9++WU6hqVLl6p3795q3759vai7xwnq2EN6/ZNHev0zZAQIlJRAIaTXLXBu6XWKsHPbZ599Vqbr+4Mf/EDuMcyb1CeffKLJkyc3Kr3ODmqmTrCV5yFDhqS7m2GV3lIVPQjBzZRbhk7vmZIulOQ2/u11QpaSVCvJfnV+z3PeuYyRtJejRlZ+p0j6RSpl0AbzcEunicK5pMF8emOXN5xxxhlp2TQPs/zh9ttvrxdW8zPTITa/A8xX57iVlZUNxNkppOa54cOHpyW3W7duDca3v0uMWO+3337pcc0nVeaPVhPHq6++2kCOrSy7xyn2H7iNVQ7p9X9cI73+GTICBEpKoBTS6+zEOj9CN9K75557auTIkWmxdT731ltvpTs5//3f/92o9DqXFTTWDXZ2iTKtC3R3h5zjmrjMR6p2+YIzTue6QyPdZg1iY51kd6fXxGU7vLZLZJaNmD8C/vd//1eTJk1KLyOxfxTYN2kTr5nPPMyc2f7wMM/bTrzZ1+Zgfm72uf7669Px2vHs8hFnXs587M/NmGbf6667Lr1vvksjMkjvXyUZATMnrTWrW9ZgwjQts251LwrzHmOeM//Z7xv7mdfnMo1fyLnzHb+Yuf5Q0u6OXzpbJe0g6Q+Szoia9JrXivv1Z17LVl7tp1E2X3fX1f6uMgI7bNiwell2CrZbnM3SC/O6WL16tW6++WZddZU5hL+Wb/faY/c4Jf1l75oM6fVPH+n1z5ARIFBSAsWUXmci7iUQ5jkjvX379k1Ln1MWTffXdFLMc3btbzahtRKZaXw3SPfyA7u22K4RNEspzBpiO5cVPCt07n/bud3P5yK9ztgySfhuu+2WXv5gJdf+27zBOj9WNbEuWLAgzc/G4ezmWlk3gnzBBRfogQceaLCticPdmbf/dnaxLCPnemwT99ChQ9PjOuPL5QBuZE2v+ajdrOc1bTvTZjSdXrOQe3Iu47JNXgQOlvQXSS0lWdk1J7b9wjRVDf+oSK/5PeH8Q9VQsK8r87p2LktwEnJ3k53Sa/4AtDJrf085u77ucxrMH5H33Xdfeh+n9NpPo7p06ZJeVpQtlrwqV4CNkV7/EJFe/wwZAQIlJVBM6W1qTa+VXit2JnHzpmLeJEyHxHR6iym9VnLdsmjjbkx67cepzo8xvazpNTk71/Laj29zkd5McWaKy/0m7xRkt/Ta7pb9eZs2bRp8XGtr8vnnn6drZR7mI+YCSq8Nt4Mks773CklfZVj2UNLXSUwn+5Mkczajee++X9LPJX3gyDV00mtfY5nW9Nq43Z8s2T/8sp0s65RQt/TaLnHnzp2111571XdvMy29MPNbwXVKr30tmXMUTCzu54I6tpBe/+SRXv8MGQECJSVQCuk1CWVahmCl14qV6ZwYkTvooIN00kknpdf7NiW9fpY3mHV/mTqktkPkft4pwQMHDkzHZuXPfGzqRXpN59b58Cu9meLKR3rPPvvsBhLrrI2z81sC6bVhVzhOcCvpayPmk5kur5He+XXXQP44Q76hkl63UJo1/3ZNrz3uzbIE06F1yrFzza15zrmkwf7RZi97lm25g3v5Vbbx7Zpet9g6T6TLdylQsY5DpNc/WaTXP0NGgEBJCYRBet0f2ds3BWfHJtvyhmxXbnBCNG9Q5s3QLaWF6PQaUbexhUF6bafXxJXpzdXdvbZdKLOsw/zBEaJOb0lfBwmdrKukVY3kHrj05nOdXvcVGpwntuZ69YZMy6TMa2bevHkNrlDjfN2Y791Xb3BLrxV25ydDQR9zSK//CiC9/hkyAgRKSqAQ0tvUJcucV1hwX73BrJVzXoPTvpmYnznfqBo7SS1bF8XOa87aziS9tlN05plnprtDzrWsZnvnml3bSXJ2fLKthc1lTa/7xDNbdCvxlsNTTz2VXmfs3N49b7a1xnYfM5YR/Isuuii93tB2t00n3UiyncO5XMK+ydvlDO41vSXs9Jb09cBkDQgEKr1xqkW2ZQ9B5oj0+qeP9PpnyAgQKCkBL9Lr9eYUmdb4mmSdJ4KZfzsF1AmjqZtTuO/g5JRxZ0fYOWdjHSDnPkYgjfiZDqpzXOec5qNWu87V3WXNxqypm3KYj13NdYzt1RXs8gN7tQl7xQiTU7a4nMLs/kPCXuvUffWKpq7eYOb78Y9/nC7Po48+mv7aVH2ctczxjmwlfS0w2TcIIL0FOCjyOdm2ANPlPATSmzOqrBsivf4ZMgIESkrAi/SWNEAmiyUBpDcSZUV6I1Emb0Eivd64OfdCev0zZAQIlJQA0ltS3ExWRwDpjcShgPRGokzegkR6vXFDev1zYwQIBEYA6Q0MfaInRnojUX6kNxJl8hYk0uuNG9LrnxsjQCAwAkhvYOgTPTHSG4nyI72RKJO3IJFeb9yQXv/cGAECgRFAegNDn+iJkd5IlB/pjUSZvAWJ9HrjhvT658YIEAiMANIbGPpET4z0RqL8SG8kyuQtSKTXGzek1z83RoBAYASQ3sDQJ3pipDcS5Ud6I1Emb0Eivd64Ib3+uTECBAIjgPQGhj7REyO9kSg/0huJMnkLEun1xg3p9c+NESAQGAGkNzD0iZ4Y6Y1E+ZHeSJTJW5BIrzduSK9/bowAgcAIIL2BoU/0xEhvJMqP9EaiTN6CRHq9cUN6/XNjBAgERgDpDQx9oidGeiNRfqQ3EmXyFiTS640b0uufGyNAIDACSG9g6BM9MdIbifIjvZEok7cgkV5v3JBe/9wYAQKBEUB6A0Of6ImR3kiUH+mNRJm8BYn0euOG9PrnxggQCIwA0hsY+kRPjPRGovxIbyTK5C1IpNcbN6TXPzdGgEBgBJDewNAnemKkNxLlR3ojUSZvQSK93rghvf65MQIEAiOA9AaGPtETI72RKD/SG4kyeQsS6fXGDen1z40RIBAYAaQ3MPSJnhjpjUT5kd5IlMlbkEivN25Ir39ujACBwAggvYGhT/TESG8kyo/0RqJM3oJEer1xQ3r9c2MECARGAOkNDH2iJ0Z6I1F+pDcSZfIWJNLrjRvS658bI0AgMAJIb2DoEz0x0huJ8iO9kSiTtyCRXm/ckF7/3BgBAoERQHoDQ5/oiZHeSJQf6Y1EmbwFifR644b0+ufGCBAIjADSGxj6RE+M9Eai/EhvJMrkLUik1xs3pNc/N0aAQGAEkN7A0Cd6YqQ3EuVHeiNRJm9BIr3euCG9/rkxAgQCI4D0BoY+0RMjvZEofyoSURKkHwJlfnZO+r7AS/oRQP6RI4D0Rq5ksQgY6Y1FGeOURDtJ90v6iaQNcUqMXIpHAOktHltGhkBRCCC9RcHKoE0QQHo5REJG4BZJYyRNlnRlyGIjnJASQHpDWhjCgkA2Akgvx0YQBJDeIKgzZxYCpsv7haSWkrZK2pVuL8dKLgSQ3lwosQ0EQkQA6Q1RMRIUCtKboGKHP1XT5R0tqYWkbZKm0O0Nf9HCECHSG4YqEAME8iCA9OYBi00LRgDpLRhKBvJHwNnltSPR7fXHNDF7I72JKTWJxoUA0huXSkYrD6Q3WvWKcbTOLq9Nk25vjAteyNSQ3kLSZCwIlIAA0lsCyEzxDQJILwdFCAiYLm+VpO2SNknqWPfvNpKaSypnbW8IqhTiEJDeEBeH0CCQiQDSy3ERBAGkNwjqzOkiYK7WMEnSzyTdKclcl9h4zOWSfi5pQt3VHAAHgYwEkF4ODAhEjICV3gceeEAPPvhgxKIn3KgS6N69u+6//36NHTu2+o033vihpBeimgtxx4aAld7YJEQixSWA9BaXL6NDoOAErPQee+yxBR+bASHQFIFDDz0U6W0KEs+XigDSWyrSMZkH6Y1JIUkjOQT22muvJz/66KOBycmYTMNEoEOHDtXr1q2j0xumoiQ3FqQ3ubX3lDnS6wkbO0EAAjEiYN4453E70xhVlFSSQgDpTUqlC5Qn0lsgkAwDAQhEloB54/yK25lGtn4EnlwCSG9ya+8pc6TXEzZ2ggAEYkLAXAJpfV0uXOA+JkUljcQQQHoTU+rCJIr0FoYjo0AAAtEkYC50by5/ZB5c4D6aNSTq5BJAepNbe0+ZI72esLETBCAQAwLczjQGRSSFRBNAehNd/vyTR3rzZ8YeEIBAPAhwO9N41JEskksA6U1u7T1ljvR6wsZOEIBAxAk4b2faqi4Xc3tTbmca8cISfqIIIL2JKrf/ZJFe/wwZAQIQiB4B5+1M76gLn9uZRq+ORJxsAkhvsuufd/ZIb97I2AECEIgZAfPGaR78PoxZYUkn9gSQ3tiXuLAJ8ku+sDwZDQIQiB4BpDd6NSNiCBgCSC/HQV4EkN68cLExBCAQQwJIbwyLSkqJIID0JqLMhUsS6S0cS0aCAASiSQDpjWbdiBoCSC/HQF4EjDGiAAAgAElEQVQEkN68cLExBCAQQwJIbwyLSkqJIID0JqLMhUsS6S0cS0aCAASiSQDpjWbdiBoCSC/HQF4EkN68cLExBCAQQwJIbwyLSkqJIID0JqLMhUsS6S0cS0aCAASiSQDpjWbdiBoCSC/HQF4EkN68cLExBCAQQwJIbwyLSkqJIID0JqLMhUsS6S0cS0aCAASiSQDpjWbdiBoCSC/HQF4EkN68cLExBCAQQwJIbwyLSkqJIID0JqLMhUsS6S0cS0aCAASiSQDpjWbdiBoCSC/HQF4EkN68cLExBCAQQwJIbwyLSkqJIID0JqLMhUsS6S0cS0aCAASiScC8cb4gaUA0wydqCCSWANKb2NJ7Sxzp9caNvSAAgfgQoNMbn1qSSbIIIL3JqrfvbJFe3wgZAAIQiDgBpDfiBST8xBJAehNbem+JI73euLEXBCAQHwJIb3xqSSbJIoD0JqvevrNFen0jZAAIQCDiBJDeiBeQ8BNLAOlNbOm9JY70euPGXhCAQHwIIL3xqSWZJIsA0pusevvOFun1jZABIACBiBNAeiNeQMJPLAGkN7Gl95Y40uuNG3tBAALxIYD0xqeWZJIsAkhvsurtO1uk1zdCBoAABCJOAOmNeAEJP7EEkN7Elt5b4kivN27sBQEIxIcA0hufWpJJsgggvcmqt+9skV7fCBkAAhCIOAHuyBbxAhJ+YgkgvYktvbfEkV5v3NgLAhCIDwHzxlkjacf4pEQmEEgEAaQ3EWUuXJJIb+FYMhIEIBBNAuaNc4uk1tEMn6ghkFgCSG9iS+8tcaTXGzf2ggAE4kNghaRuSG98CkomiSGA9Cam1IVJFOktDEdGgQAEoktgjqT/lLRTdFMgcggkkgDSm8iye08a6fXOjj0hAIF4EHhU0qmSdo5HOmQBgcQQQHoTU+rCJIr0FoYjo0AAAtElMFfSyZLaRzcFIodAIgkgvYksu/ekkV7v7NgTAhCIB4HfSjpOUnk80iELCCSGANKbmFIXJlGktzAcGQUCEIgugcckfU9Sp+imQOQQSCQBpDeRZfeeNNLrnR17QgAC8SDwuKQjJe0Wj3TIAgKJIYD0JqbUhUkU6S0MR0aBAASiS+A5SV0k7R/dFIgcAokkgPQmsuzek0Z6vbNjTwhAIB4Efi+pr6Su8UiHLCCQGAJIb2JKXZhEkd7CcGQUCEAgugT+IOkgSd2jmwKRQyCRBJDeRJbde9JIr3d27AkBCMSDwB8l9Za0dzzSIQsIJIYA0puYUhcmUaS3MBwZBQIQiC6B+ZL2lbRPdFMgcggkkgDSm8iye08a6fXOjj0hAIF4EHiyrsvbKx7pkAUEikKg4z777PPG+++/zzKgouBtetB99tnn4/fff/87ktY2vTVbZCKA9HJcQAACSSfwlKRudUscks6C/CGQjcCoQYMG3fDoo4+2BVHpCUydOlWTJk2at3bt2rNKP3t8ZkR641NLMoEABLwReEbS7pIO8LY7e0Eg/gQ6dOjw0bx587oPGDAg/smGMMMePXp8+eGHH/5Q0sIQhheZkJDeyJSKQCEAgSIReLbubmwHF2l8hoVA1Akc16NHj8dXrly5S9QTiWL8CxYs0FlnnfXRunXrONnWZwGRXp8A2R0CEIg8gecldZR0SOQzIQEIFIFAx44d502YMOGMUaNGFWF0hmyKwKBBgzb+5je/uVbS1Ka25fnGCSC9HCEQgEDSCSyQtLOkQ5MOgvwhkIGA+YOwqqqqSh07mm95lJLA2rVrVV5ebqY0/+MENp/wkV6fANkdAhCIPIEXJLWR9N3IZ0ICECg8AU5gKzzTnEfkBLacUeW0IdKbEyY2ggAEYkxgkaQWkvrFOEdSg4AnApzA5glbwXbiBLaCoUwPhPQWliejQQAC0SPwoqRmko6KXuhEDIGiEhjQo0eP33ECW1EZZx2cE9gKzx3pLTxTRoQABKJF4CVJtZK+F62wiRYCxSXACWzF5dvU6JzA1hSh/J9HevNnxh4QgEC8CLwiaZukY+OVFtlAwBcBTmDzhc/fzpzA5o9ftr2R3uJwZVQIQCA6BBZL2iTp+OiETKQQKDoBTmArOuLsE3ACW3HgI73F4cqoEIBAdAj8RdJ6SSdGJ2QihUBxCXACW3H5NjU6J7A1Rcjb80ivN27sBQEIxIfAX+uufzkwPimRCQR8EeAENl/4/O3MCWz++DW2N9JbPLaMDAEIhJfAfpKW14X3uqQ1kk4Nb7hEBoHSEeAEttKxzjQTJ7AVjz/SWzy2jAwBCISTQB9J5tbDz0m6UdIcSZ9JukvS7XVLHY4JZ+hEBYGiE+AEtqIjzj4BJ7AVFz7SW1y+jA4BCISTwFN1J66ZS5VtlbS9LswdJU2QdEc4wyYqCBSdACewFR1x9gk4ga248JHe4vJldAhAIHwEzN3XPpS0e90Neozw7lAX5mZJH0g6TtIX4QudiCBQXAKcwFZcvk2NzglsTRHy9zzS648fe///9s4FTKrq2vN/ERDk1dBt1MEQVEBRBCXEOMFElEgbUccLCChy1UAuCIpBMSoKcYCgNyIqPoAJxBBERNFhjBhBjRglk0mACCIgLZHLF8YxdkPzbEDE+VZZu+/meKrOo85zn//5Pq1uar/Wb+3q86911t6bBEggnQQmArjfcirllwDkP0lzGJtOszhqEiiJABewlYSvtMpcwFYaPze1KXrdUGIZEiAB0wi0AlANoKHFMNmv90QAe00zmPaQgBMBLmBzIhTu+1zAFi5faZ2iN3zG7IEESCCZBKYDuA1Ag/zwJLf3vwN4IJnD5ahIIFQCXMAWKt7ijXMBWzTwKXqj4cxeSIAEkkfgJACfaMOqBVChLWpL3og5IhIIjwAXsIXH1rFlLmBzRBRIAYreQDCyERIggZQSeArACACHAdzFXRtS6kUOu2QCXMBWMsKSGuACtpLwua5M0esaFQuSAAkUIiC5gDt27OhHQrEQuBHAvFh6ZqemEOACthg9yQVs0cGn6I2ONXsiAWMJiOidPn16vxtuuCF1Ng4YMADnnXce7r333tSNPb/w5RaK3tS5LlEDbtOmzeL77ruv/9ix3LQkDsdwAVt01Cl6o2PNnkjAWAJpFr1pdgpFb5q9l5ixcwFbjK7gArZo4VP0RsubvZGAkQQoeuNxK0VvPNwN63XswIEDJy1atKi5nV0ffvghBg0ahAsuuACy2Kpp06ZQ/3bnnXdiyJAhkeOYPHkyJk6ciEmTJmHChAmO/a9cuRJbt27NjVV+vvDCC/Huu++iZ8+eBeu6LefYuUMBLmArlaC3+hS93nixNAmQgA0Bit54pgVFbzzcTeq1devWf1+8ePGpl1wihxB+/VICd+3atfVCMU7RW1NTkxOvy5YtQ2VlJRYsWIDy8vKCLvE71qhELxewRftpouiNljd7IwEjCVD0xuNWit54uBvUq+MCNl30KpFZXV2di/6qSK8uRIWNRFG7d+8OlSMs0cxt27YdFTFWv0sbPXr0yL0nwlrVLxSFVWJUorwS7dUjtmqsffr0wfLly3Huuedi+/bteOONN3LtSh0R93qkV7dP79sqetXvUsYqtlXkWd4bMWJEfUTcaZ5wAZsToeDfp+gNnilbJIHMEaDojcflFL3xcDelVzcL2JQoPPPMM7Fo0SI888wz9SJVBGu/fv2OErcvvfQSHnrooVzZVatW1f8sQlnEphKMmzZtwujRozFv3jzMnDkzh1TE8bRp03IpCIUiuCIw5f0ZM2ZgzJgxuRQFleLgJhVDF7Nik0SNhw4dmntVbUvfMj4ljisqKupFvtXeNWvW2JZzk/bBBWzRf5IoeqNnzh5JwDgCFL3xuJSiNx7uhvTqagGbEpKjRo2CCDzJjRWRKYJVj9KqqK8q/+STT0KJRflZ6l1//fX1kVyJckoUdurUqRg/fjxmz57tGCVVEWUldHWRKikOdqkM1n/TRa8MRuwQgX7GGWcc5Va9nIxdCXkpJ6J4/vz5uVcljp0i1NY5wwVs8XyKKHrj4c5eScAoAhS98biTojce7ob0WnQBm7JRF40qDeHEE0/Ep59+mhO97du3z0U6rZdEhC+77LJcBLVr167YvXs3WrZsmXsV4Sg5uUq86qkD0k6hFIFCKQcqxcGr6LWKWd0GvS8R6JJKoV/dunXLieV27drlIt0i2tXltEhORbWnTJki+5sPMGQ+pcIMit5UuImDJIFkE6Dojcc/FL3xcDehV6cFbHaiV6UAKAFoTXWwe6Qv0VgRgSKSJeKrC0irONRzg6Vtvb26urqviUs1RiWS9TxhVdcp0ltoJ4dikd5C/pfIr0Sz3Syw69Chw64tW7b8C4C3TJhPabGBojctnuI4SSDBBCh643EORW883A3o9eLTTjvtf27ZsqWVky1W0agv/BJhWiynVyK6SjyqyKg1t1f6F4FqjfpaBbHqt3///kdtUyai+sUXX8xFXeXSF9jJ78VEr8rpVX2LaFVpDGqcMo5iOb16DrOK+qpIrmzvZndxAZvTrAvvfYre8NiyZRLIDIEki149elToRqpWjSuHqXJRbVvkd6JQ9Poll+16bhawFYr0yr+riKaKxtrt3qB2X1DvSRqE3S4O+r6/6nNot/+u6tP6GVaf0UJRZz1CLBHhgQMHonfv3l/bfs26c4Tf3RuUuLfmCOszjgvY4vv8UfTGx549k4AxBJIsevV8QevN1BoFUjdIyfWzruAutpF9XI6k6I2LfKr7dbWALdUWJnjwXMAWr3MoeuPlz95JwAgCSRa9aoW3RJqUmFWb2dstfLGu7nZzelNcTqTojYt8qvt1tYAt1RYmePA8gS1e51D0xsufvZOAEQSSKnr1LY6sm9ILeIpeI6YfjfBAwO0CNg9NsqgHAlzA5gFWCEUpekOAyiZJIGsEkip67Tait9vMXu0xyvSGrM3czNnregFb5shEYPBbb72F/v37b925c+epEXTHLmwIUPRyWpAACZRMIKmi17p5faHN7PWFbPpCFC5kK3lqsIEEEfCygC1BwzZmKIMHD967aNEi2fD3EWOMSpkhFL0pcxiHSwJJJJBE0atvrWRlplad26U36GUpepM42zgmnwS4gM0nuCCqcQFbEBRLb4Oit3SGbIEEMk8giaLXboujQtsnqfQGqyMpejM/tU0CwAVsMXozv4DtpR07dvSPcRiZ75qiN/NTgABIoHQCSRO91txctVuDWOq0mT0jvaXPB7aQPAJcwBavT7iALV7+qneK3mT4gaMggVQTSJroTTVMD4PnlmUeYGW7KBewxeh/LmCLEb6la4re5PiCIyGB1BKg6I3HdRS98XBPW69cwBavx7iALV7+eu8UvcnxBUdCAqklQNEbj+soeuPhnrJeuYAtRodxAVuM8G26puhNlj84GhJIJQGK3njcRtEbD/eU9coFbDE6jAvYYoRP0Zss+BwNCZhCgKI3Hk9S9MbDPU29cgFbvN7iArZ4+Vt7Z6Q3Wf7gaEgglQQoeuNxG0VvPNxT1CsXsMXoLC5gixF+ga4pepPnE46IBFJHgKI3HpdR9MbDPS29cgFbvJ7iArZ4+dv1TtGbPJ9wRCSQOgIUvfG4jKI3Hu4p6ZUL2GJ0FBewxQi/SNcUvcn0C0dFAqkiQNEbj7soeuPhnpJeuYAtRkdxAVuM8Cl6kwmfoyIBUwhQ9MbjSYreeLinoVcuYIvXS1zAFi//Qr0z0ptMv3BUJJAqAiJ6d+zY0S9VgzZnsDcCmGeOObQkAAJcwBYARL9NcAGbX3Lh16PoDZ8xeyABEkgmgRYAngZwE4A9yRwiR0UC3glwAZt3ZkHW4AK2IGkG2xZFb7A82RoJkEB6CDwA4A4ADwO4Jz3D5khJoCgBLmCLcYJwAVuM8F10TdHrAhKLkAAJGEdAoryfATgOwEEAJzDaa5yPs2oQF7DF6HkuYIsRvouuKXpdQGIREiAB4whIlPd2AI0BHAIwndFe43ycSYO4gC1et+cXsMn6hj/EOxL2bkeAopfzggRIIGsE9Civsp3R3qzNAjPt5QK2GP3KBWwxwnfZNUWvS1AsRgIkYAwBPcqrjGK01xj3ZtcQLmCL1/dcwBYvfze9U/S6ocQyJEACphCQKG8NgC8A7AeQW/QD4HgADQGUM7fXFFdnzo42HTt2XF1VVdU+c5YnxOCOHTturaqq+jaAHQkZEodhIUDRyylBAiSQJQKyW8MUAHcDeAzAlwDk7+BtAB4EcF9+N4csMaGtJEACJJAJAhS9mXAzjSQBEihAQIleAiIBEiABEjCcAEWv4Q6meSRAAkUJUPRygpAACZBARghQ9GbE0TSTBEjAlgBFLycGCZAACWSEAEVvRhxNM0mABCh6OQdIgARIIMsEKHqz7H3aTgIkwEgv5wAJkAAJZIQARW9GHE0zSYAEGOnlHCABEiCBLBOg6M2y92k7CZAAI72cAyRAAiSQEQIUvRlxNM0kARJgpJdzgARIgASyTICiN8vep+0kQAKM9HIOkAAJkEBGCFD0ZsTRNJMESICRXs4BEiABEsgyAYreLHuftpMACTDSyzlAAiRAAhkhQNGbEUfTTBIgAUZ6OQdIgARIIMsEKHqz7H3aTgIkwEgv5wAJkAAJZIQARW9GHE0zSYAEGOnlHCABEiCBLBOg6M2y92k7CZAAI72cAyRAAiSQEQIUvRlxNM0kARJgpJdzgARIgASyTICiN8vep+0kQAKM9HIOkAAJkEBGCFD0ZsTRNJMESICRXs4BEiABEsgyAYreLHuftpMACTDSyzlAAiRAAhkhQNGbEUfTTBIgAUZ6OQdIgARIIMsEKHqz7H3aTgIkwEgv5wAJkAAJZIQARW9GHE0zSYAEGOnlHCABEiCBLBOg6M2y92k7CZAAI72cAyRAAiSQEQIUvRlxNM0kARJgpJdzgARIgASyTICiN8vep+0kQAKM9HIOkAAJkEBGCFD0ZsTRNJMESICRXs4BEiABEsgyAYreLHuftpMACTDSyzlAAiRAAhkhQNGbEUfTTBIgAUZ6OQdIgARIIMsEKHqz7H3aTgIkwEgv5wAJkAAJZIQARW9GHE0zSYAEGOnlHCABEiCBLBOg6M2y92k7CZAAI72cAyRAAiSQEQIUvRlxNM0kARJgpJdzgARIgASyTICiN8vep+0kQAKM9HIOkAAJkEBGCFD0ZsTRNJMESCBH4A4AUwDcDeAxAEr03gbgQQD3AXiYrEiABEiABMwjQNFrnk9pEQmQQGECLQDUADgMYD+AcgA7ADQF0DD/+x4CJAESIAESMI8ARa95PqVFJEACxQk8AOB2AI21YocATAdwD+GRAAmQAAmYSYCi10y/0ioSIIHi0d7PABynFTkI4AQAjPJy5pAACZCAoQQoeg11LM0iARIoSkCP9jLKy8lCAiRAAhkgQNGbASfTRBIgga8RkNxeFe1llJcThARIgAQyQICiNwNOpokkQAK2BCTaK7s5yG4NzOXlJCEBEiABwwlQ9BruYJpHAiRQkIBEe58GcBNzeTlLSIAESMB8AhS95vuYFpIACRQmcD8A+Y8XCZAACZCA4QQoeg13MM0jARIoSoAnsnGCkAAJkEBGCFD0ZsTRNJMESMCWAEUvJwYJkAAJZIQARW9GHE0zSYAEKHo5B0iABEggywQoerPsfdpOAiTASC/nAAmQAAlkhABFr/mOlkU6PzffTFpIAiRAAiQQMIEVAC4OuE02RwKxEaDojQ19pB0zmhUpbnaWIgL8bKTIWRxqpASOBSCnFcorLxIwggBFrxFudDSCN3ZHRCyQUQL8bGTU8TTbkUAjAPsANHYsyQIkkBICFL0pcVQJwxQfHwFAX5cAkVWNJUDRa6xraViJBJoAqAUgr7xIwAgCFEJGuLGoEeLjLwA0MN9UWkgCnglQ9HpGxgoZIdAMwD8ByCsvEjCCAEWvEW6k6DXfjbQwJAIUvSGBZbOpJyDHdG8H0DL1ltAAEsgToOg1fyow0mu+j2mhfwIUvf7ZsabZBMoAbAUgr7xIwAgCFL1GuJGRXvPdSAtDIkDRGxJYNpt6Am0AVAEoT70lNIAEGOnNzByQXN7DzOnNjL9pqDcCFL3eeLF0dgicAGADAHnlRQJGEGCk1wg3FjVCRO/n3GvRfEfTQl8EKHp9YWOlDBA4EcBaACdlwFaamBECFL3mO5qi13wf00L/BCh6/bNjTbMJ/BcAqwDIKy8SMIIARa8RbmSk13w30sKQCFD0hgSWzaaewCkA/jeAb6beEhpAAnkCFL3mTwVGes33MS30T4Ci1z871jSbwLcAvA2gvdlm0rosEaDoNd/bPD/dfB/TQv8EKHr9s2NNswmcBuANAPLKiwSMIEDRa4QbixohovcggIbmm0oLScAzAYpez8hYISMEOgD4PYCOGbGXZmaAAEWv+U6m6DXfx7TQPwGKXv/sWNNsAmcAeBmAvPIiASMIUPQa4UZGes13Iy0MiQBFb0hg2WzqCXQG8CKAs1JvCQ0ggTwBil7zpwIjveb7mBb6J0DR658da5pNoAuA5wDIKy8SMIIARa8RbmSk13w30sKQCFD0hgSWzaaeQFcA8wF0S70lNIAEGOnNzByQBWx1ABplxmIaSgLuCVD0umfFktkicB6AuQC6Z8tsWmsyAUZ6TfbuV7ZR9JrvY1ronwBFr392rGk2gR4AZgGQV14kYAQBil4j3FjUCIpe831MC/0ToOj1z441zSZwPoDHAXzXbDNpXZYIUPSa722KXvN9TAv9E6Do9c+ONc0m8F8BTAcgr7xIwAgCFL1GuJGRXvPdSAtDIkDRGxJYNpt6Aj0B/DuAC1NvCQ0ggTwBil7zp4IsYNsHoLH5ptJCEvBMgKLXMzJWyAiBHwCYAkBeeZGAEQQoeo1wY1EjKHrN9zEt9E+Aotc/O9Y0m0AvAD8HcLHZZtK6LBGg6DXf2xS95vuYFvonQNHrnx1rmk2gN4B7APzQbDNpXZYIUPSa722KXvN9TAv9E6Do9c+ONc0mcCmAOwH0MdtMWpclAhS95nubotd8H9NC/wQoev2zY02zCVwG4DYAPzLbTFqXJQIUveZ7Wxaw7QFwnPmm0kIS8EyAotczMlbICIG+AEYBkFdeJGAEAYpeI9xY1AiKXvN9TAv9E6Do9c+ONc0mcCWAnwC4ymwzaV2WCFD0mu9til7zfUwL/ROg6PXPjjXNJnA1gBsA/IvZZtK6LBGg6DXf2xS95vuYFvonQNHrnx1rmk2gH4AhAPqbbSatyxIBil7zvU3Ra76PaaF/AhS9/tmxptkErgEg/w0020xalyUCFL3me1tE724ATcw3lRaSgGcCFL2ekbFCRggMyqc2DM6IvTQzAwQoes13suzasIui13xH00JfBCh6fWFjpQwQuC6/c4OkOPAiASMIUPQa4caiRlD0mu9jWuifAEWvf3asaTaBofmDKeSVFwkYQYCi1wg3UvSa70ZaGBIBit6QwLLZ1BOQnRsuBnBj6i2hASSQJ0DRa/5UYKTXfB/TQv8EKHr9s2NNswn8GEBPAMPMNpPWZYkARa/53hbRWwugqfmm0kIS8EyAotczMlbICIHhAL6bP6AiIybTTNMJUPSa6eE7AfwcwB0A5gHYmRe9YwA8mD9P/Vdmmk6rSMATAYpeT7hYOEMERgA4D8DIDNlMUw0nQNFrpoNPBPAJgIP5nRsq8tHeZgDkJl8OoM5M02kVCXgiQNHrCRcLG05A7hH78jbeDOAcAKPyv58OYIvh9tM8wwlQ9Jrr4EcByB8t2adXXXsBPABgqrlm0zIS8ESAotcTLhY2nMAH+WDJOABnATgDwEwAEwCcD+AyAFWGM6B5BhOg6DXXuRLt/b8AGlhE7wkADphrNi0jAU8EKHo94WJhwwncAuDh/D1iB4BGAOSeIfeRBdzJwXDvZ8A8il6znfwYAMnLksVs8shKIryM8prtc1rnjQBFrzdeLG0+gRoAbSxmyufkVAD/Yb75tNBkAhS9JnsXOCkf7RU/S2qD5PZKni8vEiCBrwhQ9HImkMDRBG4HMAmA5PfKJfeMuQBGExQJpJ0ARW/aPeg8fon2/lv+j5jk8/IigSwTkB1NpgC4G4B8NpTovS2/s8l9+ce7WWZE27NNQFIZJLWhVR7DEQCn5BdHZ5sMrU89AYre1LvQ0QCJ9j4BQM5PZ5TXERcLGE6gBQB5fHsYwP78TiZyg5d9rBvmf99jOAOaRwJOBO7KL16TnN6nAIx1qsD3SSANBCh60+AljpEESCBIAvLEQx7h6jubHAIwHcA9QXbEtkggpQRkHYjs7y6iVwIn8kWRFwmkngBFb+pdSANIgAQ8EpBo72f5BZ6qqjwFkVXqjPJ6hMnixhKYAaA5ADmOmBcJGEEgLaK3a4cOHV7+6KOPvmUEdRphHIGOHTturaqqktXNvNJBQI/2MsqbDp9xlMUJtO3QocNK3ifNnSb5+0xXfjn37+NUiN6Kior3Jk6c2O3WW2/1bylrkkBIBL797W/XrlmzZiKAx0Pqgs0GT0CP9jLKGzxfthgxgeOPP/7xn/zkJ//26KOP6mk7EY+C3YVF4Kc//emhX/3qV/9j//79FEIlQE686G3QoMGkysrK21599dWWJdjJqiQQCoGJEyd++dRTT71RU1PTJ5QO2GiYBCTaK7s5yGb8zOUNkzTbDptAWwD/+Mc//oG2beVHXiYR2L59O045RTbQyO2isd0k26K2Jemit3fz5s1/t3nz5qYnn3xy1GzYHwkUJfDmm2/iyiuv3FtXV9eJ2/mkcrJItPdpADfxcWEq/cdB5wkwymv2VGCUNzj/Jln0NiwrK/t45syZpwwePDg4i9kSCQRA4PDhwzj99NN3b9u2TU68ey6AJtkECZAACfghwCivH2opqcMob7COSqzobdmy5W8GDBgwcO7cubJ/Ji8SSBSBYcOG1S1evPj53bt335iogSVzMD06duz4QlVVVftkDo+jyjqBNC9EZZTX7NnLKG+w/k2q6B3crl272Vu2bGnZsKiayBMAABqXSURBVKHsF8+LBJJD4LnnnsPNN9+8vba2VkScHHLAqzCBRq1bt/7wl7/85anDhw8nJxJIFIHPP/8cnTt33rVly5ZxAOYkanDuBsMorztOqSzFKG/wbkui6D25adOmm3/3u9817927d/AWs0USKIHAJ598gk6dOtXt3bv3SgBvltBUJqq2adPmhQEDBvSdPXs2n9hkwuPpMvLaa6/d+/vf//75Xbt2DUvXyL8aLaO8afSa+zEzyuuelduSiRO95eXly2+++eYfTp48OXFjcwuV5cwlcPnll+9etmzZjCNHjkww18rALLuta9eu969du7YssBbZEAkEROCxxx7D5MmTP6ipqekSUJNRN8Mob9TEI+yPUd5wYCdNWN7avXv3SatXr+ZNMhx/s9USCDz++OOYNGnSuurq6m4lNJOVqhc1btz49ffee69R586ds2Iz7UwJgRUrVqBPnz6HPv/883MBbEzJsI8aJqO8afSa+zEzyuuelZeSSRK9csrI2rVr16JrV/mRFwkkh8C6devQrVtO68r/1iVnZIkcSVnLli03zpo166Rrr702kQPkoLJLoLa2FmedddaeTz75RHZeWZhSEozyptRxbobNKK8bSv7KJEb08tQ1fw5krWgI8NQ195zLy8uX3XjjjRdPmzatkftaLEkC0RDo27fv7rfeemtuXV3d7dH0GHwvjPIGzzRJLTLKG543EiF6GzRoMLmysnIMT10Lz9Fs2T8Bnrrmid34733ve3euXLmSKUqesLFwFASmTp2KRx555C/V1dXfjaK/kPpglDcksElollHecL2QBNHLU9fC9TFbL4EAT13zBK9vixYtXli/fn3Tdu3aearIwiQQNoGlS5fimmuu2VNXVycL17aF3V9Y7TPKGxbZZLTLKG+4fohb9PLUtXD9y9ZLIMBT1zzBa9usWbMPnn322VZXXXWVp4osTAJhE5DoWZcuXfbX1tZKkvnLYfcXYvuM8oYIN+6mGeUN3wOxil6euha+g9mDfwI8dc09uxNOOGHlLbfc8r2JEye6r8SSJBARgYsuuqj2j3/84yMAJkXUZSjdMMobCtbENMoob/iuiFP08tS18P3LHnwSyJ+69o/a2tpTeepacYiNGzd+sFevXiOXLVvWyiduViOB0Ajcc889X8yZM+ft6urqtJ92xChvaLMk/oYZ5Y3GB3GJXp66Fo1/2YsPAjx1zRO0gd/4xjfmbtiwoXl5ebmniixMAmETeP755zF8+PDP9uzZI5tF14TdX5jtM8obJt3422aUNxofxCJ6eepaNM5lL/4I8NQ119w6HXfccWuXLl3ahEeGu2bGghER2Lx5s+ytffDAgQN9DTgynFHeiOZNHN0wyhsd9ThEL09di86/7Mkjgfypa2urq6vlpCZeRQjI3tp33313tzvuuIOcSCBxBPJ7a08B8HDiBudxQIzyegSWsuKM8kbnsKhFL09di8637MkjAZ665h5Y8+bNZ1VWVl63ePHiFu5rsSQJRENg9OjRBxctWvRaTU3N1dH0GGovnqK8dXV1GDt2LGbPnp0blJwkuWjRIpxxxhm+Brly5UqMHj3ato0FCxZg/vz5kFe36U1Stn379ujZs2fB8YgN06ZNw6hRo1y3++GHH2LQoEFyrCueeeYZDBkyxJe9UVdilDda4pGKXp66Fq1z2Zs3Ajx1zTWvm9q3b//oxo0bWzZp0sR1JRYkgSgIPP3007j99tu31dbWiso7EEWfYfbhJcqrBK+M55FHHkHTpk1zgvShhx4qSfgWss+r6FXC9Mknnywqer22K+PzUydMv7ltm1Fet6SCKReZ6OWpa8E4jK2EQ4Cnrrnmel6DBg1WrVy5ssEFF1zguhILkkAUBP72t7+hR48eR44cOSJhxD9H0WfIfXiK8haLyqpxSpkLL7ww96uKAsthMhIdbtu2LSZMmICamppcpHTo0KG5qKwe6Z08eTJka0Kp26dPH8gTMmukV9VftmxZrh+JvF522WW5NvV/69GjR310Vsq9++67ufLW8a1atQrXX3997r3Kysqv9We16a677sJ1112Xa1ui3NLumWee+bX+ZTyKmdgiXw7ELokwjxgxon7sYUWNGeUN+dNj03xUopenrkXvW/bokgBPXXMJCjimdevWm6dOndph5MiRX6sU9GNVp1HJjfWpp57CuHHjchEtN5c+RrmpqWiYqis3b3VzVTdrvzc81ZcSEvr43Ea83NgURhkRNnJDtvIJo6+g2vzyyy9F2OzavHnz3QBmBdVunO14ifLKOJ2inWre3XnnnTkBKH4W0Sf1XnvttfpUhU2bNtUL3erq6qN+FkEqIrJ79+45obx169aviVA9uiyCVaVASFsiRCXSq+p///vfrx+LmnMvvfRSfR2xS8Yq6RAiRpUYt34uddtl/DJOleZgjYCvWbMm974usnVhLkJf5r6kWCg+btM3vMwXRnm90AqmbBSil6euBeMrthICAZ665h5q69atn7366qv/269//evjrbWifqwq/fsRZsXEpvUxsFUguCflXDLpotfZguSVGDp06L5XXnnlpdra2n9N3uh8jchTlNeN6LWKYn0eVlRU1AvSP/zhD/VfekQgqkivLmBFBBYS2XrkVcYl4lJEq928179oqi+iuug9/vjjj8pRtvuyarVdid5C/epfSC+55JJ6+4SBEtgS8Xb6EuHLq/lKjPKWQs9/3dBFL09d8+8c1gyfAE9dc834lrPPPnvy+vXry+xq+H2sKotrdLFpvemIsN2wYUOuSzkwRD3alKiUl8ed8ohTta0/XlXRIv1xbqHIrt0jWxUtUxEqGad6TCwRaP2RsS4EJNK2fPnyXMTLuqDHTgRIJFs9VpY+9Bu/Xl5/9Ksv7NH/3e7xtnWRk/6FQoke9fhXFzFWJnoE8OOPP8ann34KSYNRUTN1Yp++0MjOLsVRLcaaNGlS7rG7XHZ2LVy4EPfff/+mmpoa2Y/XiMtrlFeMdvocFhO9KvIq7Uj0VnjL3NTbdCt6pQ3rkx+ZG7qwVukGelTVLtKrIqz6vC30lEZFlNMgehnljedjGrbo5alr8fiVvbogwFPXXED6qsiFDRs2XLFmzZpjzznnHNtKThERp8eqaqGNneh98cUXc3l5csmjUf3RrN0j+GJ96Y9XdbHpFHl1ejyqImFqjPrjW0lvUI9lpU8VQRLRriJRCqq6ses5iCqvUsShcNZtUMLB+uhX5U8q4aJE7NSpUzF+/Phcd7/4xS9w77331udx6o61il71qLhfv345IS+X3paIWhWdmzt3bk6g64+9ZdzvvPNOTvxu27atPqIo7djZlZt02uNnxVfND92u1atX45VXXjn8xRdfdAfwvutZneyCnqO8utCUn+0Wstl9hvTH92r+Wb8kKf4y99ymN9ilNOiiV/0sn2d9XulzSeaNXHpKQ6EnPHbpDerz5fbzG1Wkl1He+D58YYreQE9dc7sCNc5tS+QPhvyh15PjS9kqJuhpYY3K2C0I8NJnscfLTo+e7USG0zd5L2NzKstT15wI1b/fvKysbNOMGTPaivgqdDmJ3mIRJvnMFBO9Stju37/f881PokSFHuF6Eb3W+ao/HtXzDIWPutmrx7IiegcOHFgv9Ao95pW6xTgWi6qqiKiKgKmcRd1f6vMuedAq4lrob4BdpFf9LVPvifAcNmxYbrGTHh23CgwZg76FlhqTivba2aUEkWw/JZcqa31sLu81adLk8IEDB8YAmOl6Vie8oJ8orzLJKbe+WKRf+UJ9OZM2rdFjNwvZrGNQkXrd1+LTv//97/VzUb7Q1tbW5j4DKlKrFtopsS3jKbQFWzHRK/UKPanR7YtK9DLKG98HMDTRK6eujRo16oeTJk0KpA+3otfp5hsWajePR8Pq2027dn/M9EUMQSfpFxO9+hcT9U1c56e+9asFDm7s81qGp665I1ZRUfHKkCFDLn300UcbF6tRymPVJIhep89vMdEr4k9Pw7jiiityIlAXxqWKXpXCYH1ErIS79Quj9Cen5FkjycqHhVIf1PthiF5pu9DCwUJ26akPIpLkUbiKNIrtV1999e7XX3/9t/v377/V3YxORSlfUd5UWMZB5nKlTznlFCEh/9tOJNESCESQ2gw58FPXdNGrVpNac8xkHNatTgrl8ambhNrSZOnSpZgxYwa6du2ay7WTCMP06dNz26vIf3oOkTUHTT3m0/PP9OR4lbdol4NYKGfRKkILfUtVN6/+/fvXf2O225jbzZcBu9xA6+NgXdzIufbWXEZhINEjuTnZ3eTUeE888cRcvp/KabSKCqdIcSkfE5665preXd/5znfu/stf/mKbx6u34rSQTcpaUxPUY1U9/05F+GQ+KzHpNdLrJ71BxldsIZv18au++luP3Eo7KiJqFw32kt6gciwlUqwibnoUzJoCoecXqyis9KfnFlvzjAv9XXAjeq3pDSr3d968eZg586ugq90jdn03APkbYjcPpK41pUEiyiptQ+w65phjMGXKlOqDBw/OkCwJ17M64QVLifIm3DQODwCjvPFOgzBEbyinrllFr12OmTUXSD1eVH98C21TIjcLJSr1pHqVS6jnMUlbxXLr1KM+XRza5UGpMcmWKIVyFtXUKJaPZCcS7LZYcRKRei6hvqBB3djUtkt6OzJ2feGB9RG1YqlvJyWC5NVXX8Xll19+1ONeu0iv3VY4pX5ceOqaa4KVzZo1W7Ju3bomp512mqtKfh+r6l/o5Mul+F2JQ32+WdMb1Jc0N/t2KiHqlLurf/ETo/UvkIW+eEo5O9Fv3bKslIVsKg9WvozLl335wqhymws9rtb/vdACNxm7XTTYjeiVv7fKJ2pxoL6QTRe91rmhuOoRZ6tdhRbuWVIc/gignzy9djVJk1+IUd7k+8j3CBnl9Y0usIqBi96wTl2zi/Rac8ysotcapbRuU6I/JrM+3tQf/VvbsctBUwtK7ESvHhEVAVgoWmq9qSsvF3u0an1s6iZyY7enqVUU263YlUj4mDFj6nP4CglgtdK82D6fTjm9en5XkKkXPHXN1d+OE5s3b75h3rx5bSTCyYsEkkRABP/ZZ5+9r6amRrYmeylJYyt1LIzylkow2fUZ5Y3fP4GK3jBPXUuK6JUolFp1bbf9SlJFr1N6QzHRK9NURKg8ctajyG5E780334wbbrghly6ip4g4RdycItN+Pjo8dc0dtYqKirdHjhz5/cmTJwf698Fd7yxFAsUJ9O7de9eKFSseP3LkyFd7mJlzMcprji+/ZgmjvMlwbpA3tVBPXfMjet2kN9gtpLKeVKNHemXTbrsctGKRXqf0hkI5i2qKuElvULmxhcSt00I2Pa9ST29QOXnqUaO+X6YuTGW7IjfpDYWi1/r4ip264/djw1PX3JGTL669evW69c0332zlrgZLkUB0BCZMmPDlrFmz3qmurr4oul6j6YlR3mg4x9ULo7xxkT+636BEb+inrvkRvfJYvNg2JX7SG/StdPQcNLXQRRZyiTD0spDNSfSKy5wWsjmJXrs2rLmQhTa5l7p6zq9aMa6LXimjtiUqtpCtkOjV+5CfdXFd6keFp665JtivvLz8tx988EEzWWjIiwSSREC+WN9www079u7dexaAT5M0tgDGktgob7E8dz3vWjGw5ogXq2/lpgI8f/7zn+sXhKoyhfqyC9IE4I9Am2CUN1CcJTUWiOjlqWsl+YCVQybAU9dcAT6tSZMm65YsWdJMvrTwIoEkEZD9XLt27Xpg3759VwNYlqSxBTGWpEZ5i+1oYj2N0LpexXraovzudLR3sX32rSlvat2NOgxF/GDdEi8I3wTRBqO8QVAMpo0gRC9PXQvGF2wlBAI8dc0d1IqKitXjxo3rftddd7mrwFIkECGB888/v/avf/3rgwD+PcJuo+oqkVFep72rBY5ViJaapqaErN2Wl4XWnVi3yNMPZil0kEVUjpV+GOWNkrZzX6WK3kBPXXMeLkuQgHsCPHXNHSuJMl166aX/umTJkpbuaqSjlNNiSScr5AYup5fJ3rbWHU/0R612qTjFDtMJY5Gmky1pfl+iZAsWLHi9urr6ijTbUWjsSY3yuvn8WOeyvv5ELWJWqXdOvtMFszU90E5g20V63R6z7TSWIN9nlDdImqW3VZLoDfrUtdLNYQsk8J8EeOqaq9kw9Jvf/OYTGzZsaNm8eXNXFdJSyM1Nu5gthcSpnt+ucvzVnrnSnupXfrY7hpyi1/0MkiOdx4wZs722tvZMAHvd10xNyURGefV5XEy0Bil6ix0HrESvOj5bedduX2jZP97pmO2oZgejvFGRdt9PKaI38FPX3A+bJUmgOAGeuuZqhpxz7LHHrlmxYkVDdZKhq1opKWQVvYUOcbBbwPnaa6/ltiaUy+7wC4XA+ghYRbpqa2shO6IUEr1ys5b9ZmUrP739YmO07o6in7b28ccf59q74IILcifZDRs2LHeSpFx2JzSmwYXvv/8+unfv/sXhw4d7yRkaaRiz1zEmNcordvhJb7A7hVBt4+nExm6hmv7ZKPRl0e5gGKdjtp3GEtT7jPIGRTK4dvyK3lBOXQvOLLaUZQI8dc2d98vLyzfef//9Z95yyy3uKqSslC561ZaCIgj1433V9ngiIK1b5bmJyKobtVqxLgL6nXfeye1pLdHfQqLX7hTGHj16FDyqWUR4MdGrn16op1asWrUKEi2VfwvykJcopkKXLl1qP/jgA9mL94ko+ouhj8RGeRWLqBay2S1ws+4Y5Eb0Wk8QddqfPkyfM8obJl3/bfsSvWGduubfDNYkgf8kwFPXnGdDWVnZb6+44op+8+fPb+ZcOp0l7NIbrLm4kq+rttoTK/UDVJxEr4oQqzpyVLCcWCgnF8re3KNHj3ZMb9BPYZT+dYGqj19EbTHRK3XVynXLMb22xwwn3aM//vGP9y9ZsuR/7dy587qkj9Xv+JIc5dVtimLLMrsceOve8m5Er3wG9CO7xQ67Y7b9+sxLPUZ5vdCKrqxn0RvmqWvRmc2eTCUgm9fPnDnzjZqamj6m2hiAXSM7der04KZNm1odc4znPwEBdB9NE7poVLm3EoFVQrdt27a5VAC5dKGoRKzkBhY6SlsJAf3xq1UcSLt2q8f1m3cYolf6VY98Zd/wOG/8fjw9a9YsjB8//qOdO3d2AvClnzZSUCfxUd4UMEzsEBnlTaxr4PWOF+qpa8nFxJGlgQBPXXPlpQsaNGiwctWqVQ3OO+88VxXSWkgXvWKDOoxGpTo4pTQUEr2q3ZNOOqlg2oC+KEf2J9WvQqK3WHqDfmKinYCX9lWkV3+kq58mqQ6VSbI/5VCCnj17Hjly5EgPAH9L8lhLGVtaoryl2JjluozyJtf7XkRv6KeuJRcTR5Z0Ajx1zZWHmpSVlX04ffr0djfddJOrCmkupItelccrkU+JvsqJc6eeempOKBba19Mumis87CK61sVifkSvbPZfaCGbfiKjRKIl3UFfyKaLXmuUN8jTDcOcDwcOHEDnzp13b9269acAng6zr5jbZpQ3ZgeE2T2jvGHSLb1t16KXp66VDpsthEeAp645sy0vL18yaNCgy5588snjnEuzBAlES2DAgAF7li1b9uzevXtHRttztL0xyhst76h7Y5Q3auLe+nMrennqmjeuLB0hAZ665gr2Hd27d79v9erVZa5KsxAJREjg4YcfxoMPPri2urr63Ai7jaMrRnnjoB5Rn4zyRgS6hG7ciF6eulYCYFYNlwBPXXPFt3eTJk2Wrl279rhOnWRtEC8SSA4BycXv27fvgYMHD3YDsDk5Iwt+JIzyBs80SS0yypskb9iPxVH08tS15DsxyyPkqWuO3i9v0aLFxjlz5pwwcOBAx8IsQAJREpBc5bPOOmvvP//5z2EAno+y7xj6YpQ3BuhRdckob1SkS+vHSfTy1LXS+LJ2iAR46poz3IqKijeHDx9+0QMPPHCsc2mWIIFoCVRWVu5asWLFrEOHDt0dbc/R98Yob/TMo+yRUd4oafvvq5jo5alr/rmyZsgEeOqaK8ATf/CDH4x9++23mcfrChcLRUlAdpV44okn/vTZZ5/1jLLfmPpilDcm8FF0yyhvFJSD6aOg6K2oqFg7ceLErrfeemswPbEVEgiQAE9dc4R5VVlZ2cL169cfL4cw8CKBJBF4+eWXcd111+3at2/f2QC2J2lsYYyFUd4wqCanTUZ5k+MLp5HYil6euuaEje/HSYCnrjnSb9e0adP1L7zwQou+ffs6FmYBEoiSgBwT26VLl7o9e/ZcA2BplH3H1BejvDGBj6JbRnmjoBxcH3ail6euBceXLQVMgKeuOQOtqKj4P2PHjj1//PjxzoVZggQiJtCzZ8/aP/3pTw8BmBpx17F0xyhvLNgj65RR3shQB9KRVfTKqWtbZ86c2Xbw4MGBdMBGSCAoAjx1zZlk06ZNp1988cXDli5d2tK5NEuQQLQExo0b9/lvfvObt2pqaiqj7Tm23hjljQ19+B0zyhs+46B7OEr08tS1oPGyvSAJ8NQ1R5rXnnzyybM3bNjQoqyMa9ccabFApAQWLlyIkSNH/r/du3d3BlAbaecxdcYob0zgI+qWUd6IQAfYjS56eepagGDZVLAEeOqaI8/OjRo1em/58uWNe/Xq5ViYBUggSgIbN27Eueee+/mhQ4cuBfB2lH3H2BejvDHCD7trRnnDJhxO+0r08tS1cPiy1QAI8NQ1Z4jl5eXrJ0yYcPZtt93mXJglSCBiAt26datdt27d/QAei7jr2LpjlDc29JF0zChvJJgD7yQnennqWuBc2WCABPKnrj125MiRiQE2a0xTrVq1mvujH/1o4MKFC5sbYxQNMYbAiBEj6hYvXrx0x44dsltDVi5GeQ32NKO86XWuiF6eupZe/xk/cp665uji4aeffvq0jRs3tmrUqJFjYRYggSgJzJkzBz/72c8+3rlz5xkAPo+y7zj7YpQ3Tvrh980ob/iMw+rhmA4dOmz96KOPvhVWB2yXBEoh0KFDh//46KOPrgKwrpR2TK3bsWPHj6uqqtqbah/tSjeBjh07bq2qqpII76p0W+Jp9C06dOjwPu+rnpilqnD+viQnCRp/sEqqHONisP8fOtERNPnmqxcAAAAASUVORK5CYII="/>
+          <p:cNvSpPr>
+            <a:spLocks noChangeAspect="1" noChangeArrowheads="1"/>
+          </p:cNvSpPr>
+          <p:nvPr/>
+        </p:nvSpPr>
+        <p:spPr bwMode="auto">
+          <a:xfrm>
+            <a:off x="155575" y="-144463"/>
+            <a:ext cx="304800" cy="304801"/>
+          </a:xfrm>
+          <a:prstGeom prst="rect">
+            <a:avLst/>
+          </a:prstGeom>
+          <a:noFill/>
+        </p:spPr>
+        <p:txBody>
+          <a:bodyPr vert="horz" wrap="square" lIns="91440" tIns="45720" rIns="91440" bIns="45720" numCol="1" anchor="t" anchorCtr="0" compatLnSpc="1">
+            <a:prstTxWarp prst="textNoShape">
+              <a:avLst/>
+            </a:prstTxWarp>
+          </a:bodyPr>
+          <a:lstStyle/>
+          <a:p>
+            <a:endParaRPr lang="en-US"/>
+          </a:p>
+        </p:txBody>
+      </p:sp>
+      <p:sp>
+        <p:nvSpPr>
+          <p:cNvPr id="2056" name="AutoShape 8" descr="data:image/png;base64,iVBORw0KGgoAAAANSUhEUgAAAr0AAAKXCAYAAACPE/KIAAAgAElEQVR4XuydCZgU1bm/f4PIJigwIxgRREFRcIlEo7gEcUWN9yZqJKJcTbwqAqKsNyoqKmqiAi6AYK5Rg6IkYv6JIe4gccHEJaIBQXGJiDE4AyMQNofp/3PaOXNryu6Z7qruru3t59EZpqvO+b73q55+5+tTVWXiAQEIQCAgAhMnLmz+WVu1b95M7ZtJ7cvK1H67+br96++l2rYBhVaEaZttTKVUndpB1TtI1eb7Wqm6plbVu29U9cSJA2qKMClDQgACEIBAHYEySEAAAhAoFYHL71jQa3tt6khph36S+ao+pZo77POklHq7TGV/Vkovle1Y+/rdI4//IOwxEx8EIACBKBFAeqNULWKFQMQIXH7HC4fVbE8dVVamw5XS4SrTXu4UWuzYvLZVy+bNWu7YXC1bfP1fq7qvOzbfIWIZZw/3q5rt2rqtRlu21aS/pv/7qkZbttbUbvuqplmGPd9XWWqx1Oz1Hcr06p1XHPtabGCQCAQgAIEACCC9AUBnSgjEmcDFP392lxYtmp+Vks4qkwY6czVi27m8rb616y7ao/Mu6tJplzijyCu3z75Yr39+sV6fffGlzPdGip2PlPRUmfTYtm01j937sxO/zGtwNoYABCAAASG9HAQQgEBBCFw25YVjalV7VpnKzpTUxQxqOrV77t5BnTu2024V7ZDcPEh/Xrle/6zcIPP148/WyXSK6x6rU0rNa6Zmj909+tgX8xiSTSEAAQgkmgDSm+jykzwE/BMYMeX5n5RphyEppQbY0UwHt0fXcvXsWqG2bVr6nyThI2zctFUrV1Xqg1VVWr3m/5q8ZSpbmNL22dNGH39/whGRPgQgAIEmCSC9TSJiAwhAIBOBy+76c+/U9poJSpWdY55v07rFV/t223VHI7ssWyjeMWOk18jve5988dWmzdt2TM9UlnqkbIfmk+4e+b1lxZuZkSEAAQhEmwDSG+36ET0EAiEwfPLCK8rKNEFSeeuWO9Z894BuzXv36JxezsCjNATMcodlH/xLf/37JzWbt37VXFJVKqVJ08cMuKM0ETALBCAAgWgRQHqjVS+ihUCgBEZOfv7I2rJmRnZPMYH03ruzDu3TVe3btQ40riRPXr1hs15fukrLPvyXxfBks1TtpLvGHP9KkrmQOwQgAAE3AaSXYwICEMiJwIjJz09UWbOrJTXftUPbtOzu060ip33ZqPgE3v+kMi2/X6zbaCarUZkmTRs14Priz8wMEIAABKJBAOmNRp2IEgKBErhs6sKpqZSuMEEY2T2sT1eWMgRakcyTmyUPry1dlZZf80ip7K7po4+9PIShEhIEIACBkhNAekuOnAkhEC0Cw6cuvL8spQvMTSNOPGJf7b1HebQSSGC0H35apWdffc9e6/ehaaMHDEkgBlKGAAQg0IAA0ssBAQEIZCRwxdSF7b9K6ddl0um7tG2lE/v10u677gytiBAwV3kw4rt+4xYT8fzmZTrvjlEDqiMSPmFCAAIQKDgBpLfgSBkQAtEnMHTqwu7NU3pI0lGdOrbVSf16qeMubaKfWMIyqPpyk55dvEJr1m5UmcpeSW0vO2/auP4fJQwD6UIAAhBIE0B6ORAgAIEGBMbcvrBiazM9J+ngbrt10ElH7qs2rVpAKaIENm3ZpqdfWaFVn6ebvEta1uqEyWMHVEY0HcKGAAQg4JkA0usZHTtCIJ4ERkx54V4pdVGPPcp1ytH7q1kzfk1EvdK1tSk9+dK7+uDTKtPr+OW00cdeHPWciB8CEIBAvgR4N8uXGNtDIMYELpv8/EWpsmb3mhtOnHnCQc1Z0hCfYq/9cpPmPfd2+kYWZanai+8ec/wv45MdmUAAAhBomgDS2zQjtoBAIghcNnnBwbVlZc+VSRXHH76P+vTYLRF5JynJpR98ruf/8r5SUmWzVOqEu8cctyRJ+ZMrBCCQbAJIb7LrT/YQqCcwYsoL86XUqUZ2jfTyiCcBI71GfqWyP00bfexp8cySrCAAAQh8kwDSy1EBAQio7m5r15nlDGccfyAnrsX4mDAntj3+/Dsyyx2Uqr1+2pjjJ8Y4XVKDAAQgUE8A6eVggAAENGLKwrfM1RpO+15vmRPYeMSbgDmhbf6fl5kk3502ekDveGdLdhCAAAS+JoD0ciRAIOEEhk9ecGpZWdn8zh3batDAQxJOIznpP/ynN1VV/W+zvvec6aMHPJqczMkUAhBIKgGkN6mVJ28I1BGwtxk++pC91Hf/PeCSEAKLl3ys15auMtL7++mjB/wgIWmTJgQgkGACSG+Ci0/qEKi7EcUXhsQF/3mYdt6pFVASQqB6w2b9+onX09nW1uhbM8YPMGe38YAABCAQWwJIb2xLS2IQaJrAiCkvjJJSU/bq0lGn9+/T9A5sESsC8557W6vXfGlyunLa6AE/j1VyJAMBCEDARQDp5ZCAQIIJjJiycLGkI045aj/ts+euCSaRzNRX/OMLPf3ycpP8q9NGD+iXTApkDQEIJIUA0puUSpMnBDIQGDH1hdVKpXYf8v1D1WHn1jBKGIF16zdr9h9fl8rKPps26tguCUufdCEAgYQRQHoTVnDShYAlcPGs13ds8e8N28y/R/z4aDVrxq+DpB0dtbUpTXv0pXTa23Zq1+LeSw79KmkMyBcCEEgOAd7lklNrMoVAAwLDpizs2Ux6v22blvrpD74bKjrTp0zSnbd+854Jt0//tf7jzME5x7ply2bdfO2Y9PZX3TBZrVo17Gabed587RVNnjFb7Tt8fX3iTD/LecIIbvir//dXbdy0VbXSPjNGD1gZwRQIGQIQgEBOBJDenDCxEQTiR2DE1EXHKVX7/O6ddtFZJxwUqgQLJZ5Ib9Nlfey5t/WZOZmtrNnx00b1X9D0HmwBAQhAIJoEkN5o1o2oIeCbwIgpL/xESv1q/70668R++/oer5ADNCa9TpFt23Zn/e+M23XMgJPqu7XV66o0ZtgQvbjwGZ32g0HpsNrtvIvnTq+z6/zj/7q4fhwbx6O/vjc9h+1C259vWJ++KoI+eP9d3XnvI9qrR69CIirYWM8ufk/vfvQvc6+in04bfez9BRuYgSAAAQiEjADSG7KCEA4ESkVgxOTnJ6qs2XWHH7inDj+wW6mmzWmeXKT3rTdeTcukeVx+8Tn672Fj00sfzL5Pz3+8wXPf/s4RnqT3w/dX6Mf/8T09+oc/q0N5+TfmsUsjnNv1PuiQ9JIKG19YZdcW4i/vfKK/vPMPKVV7/bQxx39zTUlOFWMjCEAAAuEngPSGv0ZECIGiEAh7p9e9pne/PgelRfZbXbqlpXL1qo/T3V3zMJ3dvocdqXN/cmn998NHT5Df5Q1WZs0cRnz7fvfI9Hy2m2zmNPPYf//nWefppNN+2Og64qIU08egdHp9wGNXCEAgUgSQ3kiVi2AhUDgCUV3T6xbZLZs3FU16W7VukxZYu4TByq/t+i5f+naDglw+fqIuHDYmUtLLmt7CvaYYCQIQCDcBpDfc9SE6CBSNQNiv3uC+qoIFkYv0dunaPb2cwTwau3rDH+bN0e8feyinqzeYbccO/6/0+uFrb75LN1w1Mt1dNp1e56Op7nLRCupxYK7e4BEcu0EAApEjgPRGrmQEDIHCEAjzdXpzWdNrKBixdXZ6jYDms6b3zb++kl6za09Ccy9bMKJrTpRzLquw8943Y3L95c4yrem127kvk1aY6hVmFK7TWxiOjAIBCESDANIbjToRJQSKQiCsd2TLdp3eTMsH3NLrvKpCU1dvMFBtB9cCdl6hwfzMGYtdV2xOTmvq6g1RkF7uyFaUlxWDQgACISWA9Ia0MIQFgVIQGDFl4WJJR5xy1H7aZ89dSzElc4SIwIp/fKGnX15uInp12ugB/UIUGqFAAAIQKDgBpLfgSBkQAtEhMGLKC6Ok1JS9unTU6f37RCdwIi0IgXnPva3V5sYU0pXTRg/4eUEGZRAIQAACISWA9Ia0MIQFgVIQGHP7woqtzfSFmeuC/zxMO+/UqhTTMkcICFRv2KxfP/F6OpLaGn1rxvgBn4cgLEKAAAQgUDQCSG/R0DIwBKJBYPjUhfeXpXTB0Yfspb777xGNoInSN4HFSz7Wa0tXKSX9fvroAT/wPSADQAACEAg5AaQ35AUiPAgUm8DwyQtOLSsrm9+5Y1sNGnhIsadj/JAQePhPb6qq+t9Ges+ZPnrAoyEJizAgAAEIFI0A0ls0tAwMgegQGDFl4VuSDj7te73VY4/y6AROpJ4IfPBpleb/eZnZ991powf09jQIO0EAAhCIGAGkN2IFI1wIFIPAiMnPT1RZs+s67tJGZxx/oNq0alGMaRgzBAQ2bdmmx59/R2u/3CSlaq+fNub4iSEIixAgAAEIFJ0A0lt0xEwAgWgQGDHlhflS6tQ+PXbT8YfvE42giTJvAs//5X0t/cCcs1b2p2mjjz0t7wHYAQIQgEBECSC9ES0cYUOg0AQum7zg4NqysufKpAojvUZ+ecSLgJFdI70pqbJZKnXC3WOOWxKvDMkGAhCAQHYCSC9HBwQgUE/gssnPX5Qqa3Zv65Y71px5wkHNzXIHHvEgYJYzzHvu7ZrNW79qXpaqvfjuMcf/Mh6ZkQUEIACB3AggvblxYisIJIbAiCkv3CulLjIntJ1y9P5q1oxfE1Evfm1tSk++9K7MCWxS2S+njT724qjnRPwQgAAE8iXAu1m+xNgeAjEnUHfDiufM1Ry67dZBJx25Lye2Rbjm5sS1p19ZoVWfV5sslrSs1QmTxw6ojHBKhA4BCEDAEwGk1xM2doJAvAkMnbqwe/OUHpJ0VKeObXVSv15iqUP0al715SY9u3iF1qzdqDKVvZLaXnbetHH9P4peJkQMAQhAwD8BpNc/Q0aAQCwJXDF1YfuvUvp1mXT6Lm1b6cR+vbT7rjvHMtc4JrV6zZd69tX3tH7jFpPe/OZlOu+OUQPS7V4eEIAABJJIAOlNYtXJGQJ5ELC3KW7ZorlOPGJf7c3NK/KgF8ymH35alRberdtqTAAPTRs9YEgwkTArBCAAgfAQQHrDUwsigUBoCVw2deHUVEpXmAAP7dNVh/Xpqh2b7xDaeJMa2Fc12/Xa0lV6femqNIKUyu6aPvrYy5PKg7whAAEIOAkgvRwPEIBATgRGTF14nVKaIKn5rh3apuV3n24VOe3LRsUn8P4nlWnZ/WLdRjNZjVK1N3G3teJzZwYIQCA6BJDe6NSKSCEQOIGRk58/srasmRHfU0wwvffunJbf9u1aBx5bUgOo3rA5LbvLPvyXRfBks1TtpLvGHP9KUpmQNwQgAIFMBJBejgsIQCBvAsMnL7yirCzd9S03N7L47gHdmvfu0ZklD3mT9L6DWcqw7IN/6a9//yR9wwlJVamUJk0fM+AO76OyJwQgAIH4EkB641tbMoNAUQlcdtefe6e210xQquwcM1Gb1i2+2rfbrjv26FquLp12KercSR7cXJXhg1VVeu+TL77atHnbjmkWZalHynZoPunukd9blmQ25A4BCECgMQJIL8cHBCDgi8CIKc//pEw7DEkpNcAOZKTXyG/PrhVq26alr/HZWdq4aatWrqpMy66RXvsoU9nClLbPnjb6+PvhBAEIQAACjRNAejlCIACBghC4bMoLx9Sq9qwylZ0pqYsZ1FzhYc/dO6hzx3baraJdqDrA/964Qf9z+U/1izt/pZ3atisIg0IO8nnlev2zcoPM148/WyeznKHusTql1LxmavbY3aOPfbGQczIWBCAAgTgTQHrjXF1yg0AABC7++bO7tGjR/KyUdFaZNNAZQssdm6tzeVt9a9ddtEfnXQKV4Ntvukq/umeqfnrpKI29+uYASDWc8rMv1uufX6zXZ198KfN93TV26zdKSU+VSY9t21bz2L0/O/H/2r2BR04AEIAABKJBAOmNRp2IEgKRJHD5HS8cVrM9dVRZmQ5XSoerTHu5E2mxY/PaVi2bNzNCbG6AYf5rVfe1WNcC3rJpoy4961DVfLVNzXdsoXsee0Ot2uxUVMamU2tEdsu2mvTX9H9f1WjL1prabV/VNMsw+fsqSy2Wmr2+Q5levfOKY18raoAMDgEIQCDmBJDemBeY9CAQJgKX37Gg1/ba1JHSDv0k81V9gohv8fx79daix7S95ivt0HxHfbv/j9TvtIuCCMXRyU29XaayPyull8p2rH397pHHfxBoQEwOAQhAIGYEkN6YFZR0IBAlAhMnLmz+WVu1b95M7ZtJ7cvK1H67+br96++l2raFzmfj+qqWD97443Gp2tr6W8qVNdth+/nXPHJb253LtxZ6vv8br9nGVErVqR1UvYNUbb6vlapralW9+0ZVT5w4IH3PYB4QgAAEIFAcAkhvcbgyKgQgEF4Ct0gaLamFI8RtkqZIujK8YRMZBCAAAQj4IYD0+qHHvhCAQNQImMs0VEkyl0LYJKlj3b/bmNsrm5ttSNoQtaSIFwIQgAAEmiaA9DbNiC0gAIH4EBgjaZKkn0m6U1LK3NpB0uWSfi6l7zI3OT7pkgkEIAABCFgCSC/HAgQgkGQCVnqTzIDcIQABCCSCANKbiDKTJAQgkIUA0suhAQEIQCAhBJDehBSaNCEAgYwEkF4ODAhAAAIJIYD0JqTQpAkBCCC9HAMQgAAEkkwA6U1y9ckdAhCg08sxAAEIQCAhBJDehBSaNCEAATq9HAMQgAAEkkwA6U1y9ckdAhCg08sxAAEIQCAhBJDehBSaNCEAATq9HAMQgAAEkkwA6U1y9ckdAhCg08sxAAEIQCAhBJDehBSaNCEAATq9HAMQgAAEkkwA6U1y9ckdAhCg08sxAAEIQCAhBJDehBSaNCEAATq9HAMQgAAEkkwA6U1y9ckdAhCg08sxAAEIQCAhBJDehBSaNCEAATq9HAMQgAAEkkwA6U1y9ckdAhCg08sxAAEIQCAhBJDehBSaNCEAATq9HAMQgAAEkkwA6U1y9ckdAhCg08sxAAEIQCAhBJDehBSaNCEAATq9HAMQgAAEkkwA6U1y9ckdAhCg08sxAAEIQCAhBJDehBSaNCEAATq9HAMQgAAEkkwA6U1y9ckdAhCg08sxAAEIQCAhBJDehBSaNCEAATq9HAMQgAAEkkwA6U1y9ckdAhCg08sxAAEIQCAhBJDehBSaNCEAgTSBpZJ6S3pb0sGSrPQukXRQ3fMHwAoCEIAABOJHAOmNX03JCAIQyE5gH0nvNQJoX0nvAxACISfQpWfPni+vXLlyz5DHmZjw9tlnn4/ff/9984fzhsQkHcFEkd4IFo2QIQABXwRWS9o9wwifSeria2R2hkAJCLRp0+buiy666OI77rijRQmmY4omCFxxxRXbfvnLX967adOmy4AVbgJIb7jrQ3QQgEDhCWTr9tLlLTxrRiw8AfOH2aeffvqpunThb7TC481vxNWrV2uPPfYwO5n/mT+oeYSYANIb4uIQGgQgUDQC7m4vXd6ioWbgQhKgy1tImv7Hosvrn2EpR0B6S0mbuSAAgbAQMF3dFY5gejWx1jcscRNHsgnQ5Q1R/enyhqgYOYaC9OYIis0gAIHYEbDdXrq8sSttPBOiyxuuutLlDVc9cokG6c2FEttAAAJxJGC6vW9J+jZd3jiWN3Y50eUNUUnp8oaoGHmEgvTmAYtNIZAQAudLeiAhucYpTX6fx6marlzo8oaruHR5w1WPXKPhl2SupNgOAskhcP7ZZ589be7cuW2Tk3K0My0rS/8q5/d5tMvYWPR0eUNUW7q8ISpGnqHwSzJPYGwOgQQQQHojVmSkN2IFyzNcurx5Aivy5nR5iwy4iMMjvUWEy9AQiCgBpDdihUN6I1aw/MKly5sfr6JuTZe3qHiLPjjSW3TETACByBFAeiNWMqQ3YgXLI1y6vHnAKsGmdHlLALmIUyC9RYTL0BCIKAGkN2KFQ3ojVrDcw6XLmzurom9Jl7foiIs+AdJbdMRMAIHIEUB6I1YypDdiBcsxXLq8OYIq0WZ0eUsEuojTIL1FhMvQEIgoAaQ3YoVDeiNWsNzC/UaXd8WKFRo0aJCWLFmSHuGGG27QNddck9toBdrq5Zdf1oIFC5qc1x2rc/qHHnpI5557bpMRmbmOPvrojNu99NJLOuqoo5ocw25g4rnvvvt0/fXXq3Xr1jnvZzeky5s3slDugPSGsiwEBYFACSC9geLPf3KkN39mYd/D3eU10jZy5Ejddddd6tXL3DVbuvHGG9NfSym+uUqvk6+Xfdz1efjhh9M/ykWWM9XWr/TS5Q37Kya3+JDe3DixFQSSRKAk0ltVVZV+AxsyZEiDNzIvb5CbN2/WddddpwsvvLBeCHIpWLZulLODZsTi2muv/cZwtluV6flSd+CQ3lyqHaltvtHlNa+L2bNna+rUqfWdSnP8Tpw4UdOmTdPy5cv1+9//XuvXr9esWbN08skny4hieXm5zOtj1KhR6Z+bh7NLal+HTz/9tA4++GDNnTu3gVSbY985lokj2zzZCLtf0+54cun8uqU3U9zdunVL52l+p5gusNlmxIgRuuKKK9K/H0yOzlxyPSLo8uZKKvzbIb3hrxERQqDUBEoqvZ9//nmDN9pSS6/7I0/7hmzfOI3UHnfccVk/Ss30fKk7cEhvqV8ixZ0v01peK3lmZiuz7m6qWQpghdZs8+GHH6a7wM7j0YqgkWUricccc0z6D0+3RFvJfvzxx+u7rOb1OXz48PrXbC7Huvs17Y7HzG3ibGy5glN67Ws0U9wm0Kuvvlo33XSTnnrqKXXv3j09rp9OL13e4h7vpRwd6S0lbeaCQDQIlEx6zZuTeXTp0qX+I1r3G6R5szvvvPPS211yySX1nS5np2fcuHHp522n17kW0LmPG3+2N0LnG6wX6XWKhf0oupilR3qLSbfkYzd6xQbnJwvOzqy7E2yOQfP6GjNmTPqTCiO59li0x/ehhx5a3yk2HWHzsMe7Wbe79957f2M5gXueXP5IdW6T6bXhFPRstJ2vSaecu+M2gmvmM5+2GD52Da9X6aXLW/Ljv6gTIr1FxcvgEIgkgZJK7+jRo9NrFW2nx/kGab43b8K2s2U7RGPHjm3wMaaz+2SIO9c+NvaGmumN0Mq0jceL9DrlIZ+TbbweLUivV3Lh2y+fKzY4Xx9meYPzBDOn9F522WXpj/adDyOFZ599doMT4+zzZrmB6RJn+oTDLbn2386x3Msk3NJrO7FWWO3zZj574pp7GYJbep0n9DnjNl1j96c15nmv0kuXN3yvET8RIb1+6LEvBOJJoKTSaz6GNG/YVm6db97mZ85uk+3wmDV6d9xxR3oto12zaNf0vv766/Uf65ry2Dd/M499k7Vly7am17nGMNOaXeebejYpbkqWC3no5CC9XSWtKuScjFUUAlm7vJlO5HKuZa+srGyw5tcpvZMnT05/3J/p+M92RQP3a89mm016GzuZrhid3sauxGBYrVmzJi26Nm8v0kuXtyjHeKCDIr2B4mdyCISSQMml17wZ2y6u6fbYjpVbHO0b+U9+8hPNmzev/qNL55u/kV67HMLSNZL64IMP6p577qk/mceIrfl41/nmad4sX3zxxQYnCzUlryGX3u6SrpJ0mqRTJX19rSseQRC4XtJ1jU3cWJfX/oE2ffr0+rWv7k5vLmt6zfxWaM8444z0JyZ2bayzQ2q2c67pteuD/Uqvnd98NaLs/mQlG5/G1vQ6466oqKh/Tb/55pv1v0u8SC9d3iBeJsWdE+ktLl9Gh0AUCQQivfbNzy4HsCfgeOn0Gui5XNoo0xuh+8QcL9IbgjW9PST9TNJPJKUkPVsnvVE8HuMQ88y6WrxnXE/S/8uQVJN3X3N/MuG+qoKR1I8//ji9lMG5lt19tQTn1UWca+NNTJk+5XDP41xGke+aXjNHoa/eYOMeOHBg+moNzvXLVvDNc/Z3QqYTAd31oMsbh5fdN3NAeuNZV7KCgB8CgUivCdiegGbflJta02s7VI2t6c100ouFk0l63R01L9Kbyxntfgrk3texvMFcwPV/JA2RVCOplaStkg6ny1tI4p7G+lxSZ0kbJH1YJ79P2JHyWcubafZc5NNT1AndiS5vPAuP9MazrmQFAT8EApNe2wFyXs3B79Ub3CfVOME0dvUG0zUzc8+YMSPjdXqtmIfoOr1/lDTQIbs21c8k/a6u41vr+mq6wPysNAx+KulmSfZ2YBsl2c6vWXby6aeffpq+komXB9LrhVrmfejyFo5l2EZCesNWEeKBQPAESiK9wacZnwjqOr2mwzta0s4OsTJJfiRpsiTz+75Z3Vfn9439LN/tcx0303alnMtPnH5i38FVG1OfmjZt2sy86KKLLr7jjjtaxOeojG4mdHmjW7umIkd6myLE8xBIHgGkN2I1d129Yagkc9JUW0lt6j5O/76kP0csrbiFO16SubXfTnWJrZf0uiRzm7S5frq8cQMVZD50eYOkX/y5kd7iM2YGCESNANIbsYpluWTZcEkT6zq/f5N0RMTSilO4poNbKald3R8hr0q6SdIiv2t54wQpDLnQ5Q1DFYoXA9JbPLaMDIGoEkB6I1a5Jq7TO7LuxLZjJG2JWGpxCfcxSadLWlAnuy/VJdbkFRtKAcC5bt7MZ29lXIi5nZcTLMXdCf3ETJfXD71o7Iv0RqNORAmBUhJAektJuwBz5XBzigLMwhA+CZgrasx2jhGGLq/72tS5XjfXJ4tQ7k6XN5RlKWhQSG9BcTIYBGJBIDDpNV2h22+/XcOGDau/e5S9jJmz+9TYXdZsBZq61Ji7Us6OlLnAvftWqWGuLNIb5upkjS0UXd5Md15z3rrbfU1d+zq0rxeT3W233Za+8csXX3yRvuGEedjXqPn3nXfeqQsvvFCm02uvdpLpNsP2pjLO6wiXqrJ0eUtFOth5kN5g+TM7BMJIIDDpNTDcsmregJ944gn16dOn/g01l8sz5Su9zkLkItVhKhzSG6Zq5BZLGLq8JlL3tbHd0TuvOe286Uq3bt0a3M3N/WGGG/0AACAASURBVJqxr9GxY8fK3iLceavkxx9/PD2VuWFEputxO29KkxtRf1vR5fXHLyp7I71RqRRxQqB0BAKVXvMGaO4qZd4MbTfJ3KXt0Ucf1bRp09IdYCPC3bt3T9+O1b5pGzzOu1CZN+vOnTunr7O7ZMkSObtHma79a/Y3b85mXnu7YnuNX9P5NT83d7pq7Lq/pStRw5mQ3qDIe543FF1eG737rmz2dbRp06Zv3OHM3g7Y3sJ4yJAh9bdFdv6hab/v27dvvfT+5je/USaZdXebvdwy2HMlJNHl9UMvWvsivdGqF9FCoBQEApVe8wZsRNV0iMybrllmMGHCBN11113pj0hNh8l2jgyMkSNHpp8zH506P5Y1b6TmzWzq1KlpZqNGjZJ5gzYCa25TagXavuGaN3E7rnN5Q5s2bRp0tBq7w1spipNpDqQ3KPLe5g1Llzdb9La7a5YZ2T/2nNuaPyCdHVx7gprt7pr97PIg8/qxrysjvccdd1y9JNsxM93gxb38wRvp3Paiy5sbpzhshfTGoYrkAIHCEghUep3repcvX64FCxaklzXYDtPAgQPrpdh8RPrhhx9+Yx3hTTfdlN7G+QZr35DPPvtsDRo0SOPGjUu/odtHtjW95iNZpySb7f0snShsqb4eDektBtWijRmaLm+2KyvYTuvll1+ePtbN68l8wuJ8ZNrXLnE45ZRT9Pbbb6dfl87tGuv0ZpLholXAMTBd3lJQDs8cSG94akEkEAgLgUCl10CwyxfMMgfnMgYjwEZa//SnP6W7r+5LLZl97fIDd1fJuQ7YvKkb8TXLHuz2zg6ys9NrpNdu6yzQQw891ECagywe0hsk/fzmDluX17yG7C23rdg61/E6v7d/8JklCs5PRpyXIrNdW/cJb+ZTGveaXvsHq3tNr/m3icl8StO6tb1rc36cc92aLm+upOKxHdIbjzqSBQQKSSBw6TVS+sYbb+itt96qP+vbdpHMG+x3v/vd9Eektvvr7NhaEJlOiHN2he129pJNN998s37+85+n53NL73333afrr7++6G/AXouI9HolV/L9QtPldWbu/uPRuf7dffUG+1y2LrFbYN3b5XL1hlItbaDLW/LjP/AJkd7AS0AAEAgdgcCl155YY7q8tttj33xN99e8SZuulJFj55pe53pbs7zBruk1a4ONGJuPW91rejOdZd7Yml4bh/MEnqAriPQGXYHc5g9blze3qOO7FV3e+NY2W2ZIb/JqTsYQaIpA4NJrP0Y1X+11P8337gvpm585r97gvLKC++oNzuUIzs6W7So5T7ixl2N69dVXNXfu3LQoO0/oCdPSBsMA6W3qkA7F86Hs8oaCTABB0OUNAHoIpkR6Q1AEQoBAyAiEQnpDxiTU4SC9oS5POji6vOGqEV3ecNWjVNEgvaUizTwQiA4BpDc6tUpHivSGvmB0eUNUIrq8ISpGiUNBeksMnOkgEAECSG8EiuQMEekNd8Ho8oarPnR5w1WPUkaD9JaSNnNBIBoEkN5o1Kk+SqQ31AWjyxui8tDlDVExAggF6Q0AOlNCIOQEkN6QF8gdHtIb3oLR5Q1XbejyhqsepY4G6S01ceaDQPgJIL3hr1GDCJHe0BaMLm+ISkOXN0TFCCgUpDcg8EwLgRATQHpDXJxMoSG94SwYXd5w1YUub7jqEUQ0SG8Q1JkTAuEmgPSGuz7fiA7pDWXB6PKGqCx0eUNUjABDQXoDhM/UEAgpgfMlPRDS2AgrOwF+n4fo6KDLG6JiSKLLG656BBUNvySDIs+8EIBA0ATaSLpP0jBJ64IOhvljRYAub4jKSZc3RMUIOBSkN+ACMD0EIBAYgSslXSdpuqQxgUXBxLEjQJc3XCWlyxuuegQZDdIbJH3mhgAEgiKwg6S1knaWtF2S6cz9K6hgmDdWBNr17NnznZUrV+4Zq6winEzPnj3/sXLlyqMkrY5wGoReAAJIbwEgMgQEIBA5Aqaze72knSRtlfRLSZdFLgsChgAEIACBnAkgvTmjYkMIQCBGBKokdXTlYzpzn8QoR1KBAAQgAAEHAaSXwwECEEgagRGSfiHJnMhmH6bb+6CkS5IGg3whAAEIJIUA0puUSpMnBCBgCVTWCW+tpB3rrtzQUlI7SftJWgkqCEAAAhCIHwGkN341JSMIQCA7AXN5srsk3SjpNkkfSTpQ0qmSbpd0h6RJAIQABCAAgfgRQHrjV1MyggAEGifQXlJ13SafSfqOpH8CDQIQgAAE4k0A6Y13fckOAhBonMAqSf0kfQooCEAAAhCINwGkN971JTsIQKBxAh9L+h5XbeAwgQAEIBB/Akhv/GtMhhCAQHYCH0o6vm5tL5wgAAEIQCDGBJDeGBeX1CAAgSYJvC/pFK7Y0CQnNoAABCAQeQJIb+RLSAIQgIAPAssl/aekFT7GYFcIQAACEIgAAaQ3AkUiRAhAoGgElkr6kaRlRZuBgSEAAQhAIBQEkN5QlIEgIACBgAi8LWmwpL8HND/TQgACEIBAiQggvSUCzTQQgEAoCbwl6XxJS0IZHUFBAAIQgEDBCCC9BUPJQBCAQAQJvCHpIklvRjB2QoYABCAAgTwIIL15wGJTCEAgdgT+Kmm4pNdilxkJQQACEIBAAwJILwcEBCCQZAKLJY2S9GqSIZA7BCAAgSQQQHqTUGVyhAAEshF4SdJ4Sa+ACAIQgAAE4k0A6Y13fckOAhBonMAiSRMkvQgoCEAAAhCINwGkN971JTsIQKBxAgslXS/pBUBBAAIQgEC8CSC98a4v2UEAAo0TeE7SLZKeBxQEIAABCMSbANIb7/qSHQQg0DiBpyVNlvQMoCAAAQhAIN4EkN5415fsIACBxgn8SdLdkp4EFAQgAAEIxJsA0hvv+pIdBCDQOIEnJM2UNB9QEIAABCAQbwJIb7zrS3YQgEDjBH4v6T5JfwAUBCAAAQjEmwDSG+/6kh0EINA4gcclzZb0O0BBAAIQgEC8CSC98a4v2UEAAo0T+K2kuZIeAxQEIAABCMSbANIb7/qSHQQg0DiBR+u6vEZ8eUAAAhCAQIwJIL0xLi6pQQACTRJ4WNIfJT3S5JZsAAEIQAACkSaA9Ea6fAQPAQj4JGDW85pr9T7kcxx2hwAEIACBkBNAekNeIMKDAASKSuABSeZWxA8WdRYGhwAEIACBwAkgvYGXgAAgAIEACZjLlb0s6VcBxsDUEIAABCBQAgJIbwkgMwUEIBBaAvdKek3SL0MbIYFBAAIQgEBBCCC9BcHIIBCAQEQJ3CPpLUmzIho/YUMAAhCAQI4EkN4cQbEZBCAQSwLTJS2VNCOW2ZEUBCAAAQjUE0B6ORggAIEkE7hL0vuS7k4yBHKHAAQgkAQCSG8SqkyOEIBANgJTJf1D0h0gggAEIACBeBNAeuNdX7KDAAS+SaC7pI/rfny7pH9Kmlz3786S/gU0CEAAAhCIHwGkN341JSMIQCA7gW9JeqFuScPVks6V9IWkv0i6TVIHSb0kpYAIAQhAAALxIoD0xqueZAMBCDRNYJqkoZK+qhNeI7hGdltIuk7SL5oegi0gAAEIQCBqBJDeqFWMeCEAAb8EKuqWNDR3DbRRknluq98J2B8CEIAABMJHAOkNX02ICAIQKD6BWyVdXtfdNbMZ4TUd3knFn5oZIAABCEAgCAJIbxDUmRMCEAiawM51J6y1qgvEdHd3lbQh6MCYHwIQgAAEikMA6S0OV0aFAATCT2CCpP+p6/beKWl8+EMmQghAAAIQ8EoA6fVKjv0gAIGoEzBd3kpJ5msnSWujnhDxQwACEIBAdgJIL0cHBCCQZALmMmW7SRqSZAjkDgEIQCAJBJDeJFSZHGNN4IGJv/to04bN5oYLPCBQcgJt2rX++IKJP9yr5BMzIQQgAIE8CSC9eQJjcwiEjcCMMXNSp/10QNjCIp6EEJj/q4UaNnkw7yUJqTdpQiDKBPhFFeXqETsEJFnpXfynt7T283UwgUBJCHTcrYP6nfptIb0lwc0kEIBAAQggvQWAyBAQCJKAlV4jH3R8g6xEsua2xxvSm6y6ky0EokwA6Y1y9YgdAo5OL9LL4VBKAkhvKWkzFwQgUAgCSG8hKDIGBAIkQKc3QPgJnhrpTXDxSR0CESWA9Ea0cIQNAUsA6eVYCIIA0hsEdeaEAAT8EEB6/dBjXwiEgADSG4IiJDAEpDeBRSdlCEScANIb8QISPgSQXo6BIAggvUFQZ04IQMAPAaTXDz32hUAICCC9IShCAkNAehNYdFKGQMQJIL0RLyDhQwDp5RgIggDSGwT1QOfs27Nnz8dXrly5Z6BRMDkEPBLo0aPHx0ivR3jsBoGwEEB6w1KJZMWB9Car3uXl5csnTZrUa+jQoclKnGxjQaBPnz7Vy5YtuxLpjUU5SSLJBJDeJFc/uNyR3uDYl3rmdu3azTrttNMGP/LII21LPTfzQcAvgWHDhm2ZO3fuH9euXfsjpNcvTfaHQMAEkN6AC5DQ6ZHexBT+3K5du8547733dm7VqlVikibReBB4+OGHNWLEiNXV1dU9JW1BeuNRV7JIMAGkN8HFDzB1pDdA+KWbumeLFi3+/swzz7Ts379/6WZlJggUgMDKlSt1wAEHbNu6detJkhaZIZHeAoBlCAgESQDpDZJ+cudGeuNf+4qKitfGjRt36Pjx4+OfLBnGjsARRxxR/Ze//OUWSbfa5JDe2JWZhJJGAOlNWsXDkS/SG446FCuK5s2b33zCCScMe/LJJ3cp1hyMC4FiEbj66qtr77333gWVlZUnOudAeotFnHEhUCICSG+JQDNNAwJIb6wPiNM7duz4yLvvvrtTp06dYp0oycWPwBNPPKHBgwev27hx436S1iC98asxGSWYANKb4OIHmDrSGyD84k7dqW3btivmzJnT/vTTTy/uTIwOgQITWLNmjfbbb79/r1u37hxJT7iHp9NbYOAMB4FSE0B6S02c+QwBpDeex0F5efmzQ4cOPW7SpEnN4pkhWcWZwMCBA9c///zz02pqaq7OlCfSG+fqk1siCCC9iShz6JJEekNXkkIENL5fv35XvvLKK+0LMRhjQKCUBG699Vbddtttr1VWVn4327xIbykrwlwQKAIBpLcIUBmySQJIb5OIorZB/1atWj3zzjvvtOjZ01zSlAcEokNg0aJFOumkk7Zs27btQEkrkd7o1I5IIZAXAaQ3L1xsXCACSG+BQIZjmNbt27d/f/r06V0GDx4cjoiIAgI5Eti8ebN69eq1ftWqVZdKmtPYbnR6c4TKZhAIKwGkN6yViXdcSG986tuxY8ffDho06PszZszIess1c2er8847rz7phx56SOeee64nCCtWrNCgQYM0ffp0HXXUUQ3GMPPMnj1b5mt5ebmn8V9++WUNHz5cc+fONTLkaQw/OxkJGzVqlLp06aJrrrmm0aFuvPFGXXvttTr55JN95ZxvvCbG22+/XcOGDVObNm1yjjffeUqx/TnnnLNx/vz5czZs2HBJU/MhvU0R4nkIhJwA0hvyAsU0PKQ3NoUd2rt371uWLl2adR2vEdDbbrutXiKttI4bN86z+GajVwjpjUplqqqq0vyGDBlScI5NMYgL55kzZ2rChAkrqqqqzOXJmnwgvU0iYgMIhJsA0hvu+sQ1OqQ3FpXtK+mNN998U4ccckjGhHIRM7vN008/nR7DdoFNF3P16tWaOnVq+ue2+3n22Wc36PTabufBBx9s1mXq7bff/kbX04q3ed4IuNnWdHK7deuWHvejjz7Sv/71Lx1xxBEy448ePTr9fGVlZbrr69zPdDcvueTrpqCN1XZnZ82alf75DTfckO7S2nk7d+6sf/7zn+rdu7fat2//jZycHV1np3fs2LHp+Mzj448/lmFk5r755pt11VVXKdN8tqNuu7+2E+vM8fDDD0/n17179/QYZlvzn8nbPF566aV0F93+gbJkyZL6n5tvjj766PS/DccHH3xQ99xzT31nOls97Vhnnnlmujvt5BfEq8Ect9/5znfM1OY4/lsuMSC9uVBiGwiEmADSG+LixDg0pDf6xS0vL18+adKkXkOHDs2aTGNLEcxOVvDM90ZujYgYoTLSZR52mYH53i5pqKioqP/eCpjZvm/fvmlBNHLoXt5gl1e4hdrKo3Mf5/IGI70mHrPfwIED0x1VI4omVvPxvtnWjP3UU0/pxRdfrM/Bxv3666+nl3VYiXSO7czJuUwjk/Ta+JYvX17PZ7/99mvQ6TVjW3aWhZkjU46Wh4nL8jQy6pRsu98xxxyTnsf5R8jjjz9ev4zEubzBub+7ns55jOSb8Sw/r0tR/LyK+vTpU71s2bIrJc3MdRykN1dSbAeBkBJAekNamJiHhfRGu8Dt2rWbddpppw1+5JFH2jaWSVPS637eKXymo2o/vjdz2LW6RkStABsZdK7hzfaxu3uJhf237VJa6W7dunVaxKy02k6v6YoaaTPxGEG1XVzn3M6uqO0kG+l1Lu2wXVCzvzt2yzGT9Nr1vU5ebul1Sqkzj0w5OjlZnna5iXsc53ps02U2MptNet1deGcu7ueCXCIxbNiwLXPnzv3j2rVrf5TPKxHpzYcW20IghASQ3hAWJQEhIb2RLvK5Xbt2nfHee+/t3KpV1nPX0gk2tbyhMem13cBly5alx/r+97+flk7nPmGR3hkzZmjevHkNlkQYUXZLr8nDSOWGDRu0fv36jCerhUV6Df8LL7ywQWfbLjeJsvQa2R4xYsTq6upqc229Lfm8EpHefGixLQRCSADpDWFREhAS0hvZIvds0aLFO88880yr/v3755REYyeynXHGGfVrVt0fhzvXlJqJ7NUUnNJrfu7+SN/L8gY/nd777rsvLbJ2DCOEtrubSXrtMgSzvV324ATpVXqbWt7gzDGXTu+ll16q888/X6YD7K6Tn+UN9qobQXR6V65cqQMOOGDb1q1bT5K0KKcD2LER0psvMbaHQMgIIL0hK0hCwkF6o1noioqKv44bN+6w8ePH55VAY5csy3bik5nAvebXfGzv7g4X4kQ2P9JrcrNrbc045qQ3c1KckTsj4M7lDeZ5m6/5PtOl1bxKrx0v24ls+UqvXbdsTzozS0qqq6vTMdt8vZzIFqT0HnnkkdWLFy++RdKteR3AdRsjvV6osQ8EQkQA6Q1RMRIUCtIbvWI3b9785hNOOGHYk08+uUvUond3m4OMv6klH0HGFue5r7766tp77713QWVl5Yle80R6vZJjPwiEhADSG5JCJCwMpDdyBT+9Y8eOj7z77rs7derUKXLBh0V6bce71DeTiFzBChzwE088ocGDB6/buHGjuR7vGq/DI71eybEfBEJCAOkNSSESFgbSG6mCd2rbtu3yOXPmdDj99NMjFTjBQmDNmjXaf//9/7127dpzJD3hhwjS64ce+0IgBAS8SO//++Pjuvx/huvcs4fo2v+5QfYMbvtzk9a8h/6gQw85LJ3hli1bdMMvrtXDv5nd4OeNpb+uep1uu/MWjbv8SnVo3yEEpBqG8PrfXtOZ5/1H+of79+qjGZNnae+9ehQlzrtmTtXku2/VmMvGa+TQry9Un8uj2Az9jI/05lLBcGxTXl7+7CWXXHLcTTfd1CwcEREFBHIncMopp6x/7rnnptfU1FyV+16Zt0R6/RJkfwgETMCL9Frh63/Usbrz1hn1UmrlzKTkFLQPP/pAw8Z8fQejXOTQbt+pYtcG4weMqsH0zlzNE3f+Yrp+8P0zihKiF+ktNkO/4yO9RTlUijHo+H79+l35yiuvZL3NcDEmZUwIFILArbfeak4kfK2ysvK7hRgP6S0ERcaAQIAEvEhvJok1Xb/Lxw/TopdfSGfj7AJnk+RsafsVqmLjtLmuqfxC3zuqv2b9asY3ut7FjqGp8YvN0O/4OUpvO0kXS5rcVL48n5WAuZaW+W+bB0b9W7Vq9cw777zTomdPc0lTHhCIDoFFixaZK2ls2bZt24GSVhYicqS3EBQZAwIBEvAivc7lCrbDacX2e0f21xdVlemMbFfXLnuw3V/n/jZ1+5xz2YD7ObdYm+edyyjs9u4xsi3DMD8/5cTTdN5FP07vmusyBTu+2f+8Qedr9FWXN8jXWU53RzjTEoWmtsnU6XUuJcn2R4YzjlzYm+2df9BMuuYW3XXPlPo/ZNy1zjR+rodyE9JrZNd8FDlG0nZJrXMdl+0aENhJUrWkrZImSZqSh/y2at++/cpp06Z1MTeE4JEfAedd3Xr16tVgZ/cdz5oaOdvVHuzP7R3imhonSc+b95h99913/apVq4aZK8MVKnekt1AkGQcCARHwIr0mVLeIWQkzYvTJp/9Ir0E1QnrA/gfWr+c1zw084dT6f7tTNs/v0aVr/VpZp/QO+fEFDTrJzn2d4uuWQbudcylGtm3Mtu4lG5nKYnN35+Ne4uCWWWc+dm1uPttYcc0Wv5X7v7/7TkaGF19waaPszfIMK73vrlia8Yg0rM3DrmfOlFMuh3IW6bWyaxYum/cXI7xXmtUjuYzJNhkJXCPpZ5JqJaUkmWuUGvk1Ipz10bFjx98OGjTo+zNmzGj8lmtAz5sA0ps3srx3OOecczbOnz9/zoYNG75eV1egB9JbIJAMA4GgCHiVXufJbOZkM3PSmT1RzUqRkTQrq2YpgOn8modZ39v34L71J8G5BTrTR+eZfpZtPyNsVkCdXeVM0miF2dkdztQ9tvVxdpvtdplO7Mt08p57mUfrVq2/cYJfpqUg7jyd0u0UVROj7a43xjAX9oah5eXM2f6swMsbdq7r7FrZbVHHu0pSRVCvjZjMa7q95hJNbery2VgnvzdLmppFfof27t37lqVLl8Z2Ha+9hJm5kYS5eYS5yYK541u3bt3Sd4j76KOP0jeYOOKII2Ru0mDuQOa+6UNlZaXMDRvszRac3V3z3PDhwxuMOWvWLJlLlXXv3j1dCjPupk2b0rdWfvrpp+tjMJ1hewOOJUuW6JJLLknf5GLIkCHpbe3DdnrNeOZ5M8YNN9ygsWPHNrjLndne5NSlSxeZWwvH/TFz5kxNmDBhRVVVlbk8WUEfSG9BcTIYBEpPwKv0OqVn5KWjNeHGK2VPPFu3bm1abM2/3c85r8TgXobQmFC5lzZk6shmu6qEWyQXvbTwG1efyCSzmaqRSUqznajn7uJmkul8tsnW6c10El1TUtoUe6dAm+9z+cMkn6PX1emdJ8lcCmPHfMZgW18EtkiaaXzINcohkt588803dcgh5tt4Puz1ch966KG0SNru680336yrrroqLZH2bmlN3d7XyqSzg2v4Wel13oq4oqIiPZ8RVTvXMccck/6ZvS2v+7bGZixzq2Ubq1t6zb/Nvk4JNz+z85vvnXIez4p+ndXf/vY39e3b13xr/ve3QueK9BaaKONBoMQEvEqvu/vnvKSW7XK+ueRN/dc5F+jKiePqT/TavGVz1mUKTXURM633Nbis9LnXDluUbgH0I73ZliPYuZwCmmkNstnOucY4l23cwplpTbQZ1/mHQCbpzTaX2dfNvsTSm63Tu1ZSeYlfEnGbzt3p/XfdUoeMnd7y8vLlkyZN6jV06NC4cWiQj/tmFfbfDz74oO655570tqYTa2577F6O4OzoGqGdPXu27rrrLo0cObK+G+vc5je/+Y1Wr179jfEuvfRSnX/++TLdXPswHWfTEb7uuuvqx8p1Ta9zje+wYcPSIm06u0bgTYyZbnkctyL36dOnetmyZWZJlPmDruAPpLfgSBkQAqUl4FV6TZSNXbbLve7ULabOk8a8dBGda0+t7GWSWRNnoTq9jUmjrVq2NcFuUc3U9c22TVOXLHPWwXLOJL22JrmwL7H02vcS1vQW/uVv1/Sa9bxmXW/WZQ3t2rWbddpppw1+5JFH2hY+jHCNWCjpNVmZLuqZZ54pI7rO7rDttDYlvePGjcu4bMEuZ/AivUZ2jaxv2LBB69evT8TShmHDhm2ZO3fuH9euXfujYh1tSG+xyDIuBEpEwI/0OsXWfeUDd1fWSp5b4BpbL+oUr1yWFZjtzbKKXNf0Zuu4ZlvT29il15wSbvbvsVfP+o62Hc991Yv+Rw9ochuzZtfJzHkymrOrnO0PBydDr+ydf+A01RHO9bDl6g25kvK1XT5Xbzi3a9euM957772d7c1mfM0c8p2bWt5gwred3mzLG5yd4GuvvTa9ntaumXV3g826YbNmONPyBjvX7bffnu4I22UP9udeljeYKzrYuM04L730kszP4vow9RwxYsTq6upqc209s3SnKA+ktyhYGRQCpSPgR3qdYuu+LJhTZp1C3NiVE9xCZa8gYMYef8VVuvWOm9Mny7kfzrmzLT/IdPWGfKW3sY5rUyfMOWPOhUdj3dhsyzzMHFaw3VdhMLkeclBfjZ2Q+Y5uTclsYycNmnnd9W/qCOY6vU0RKtjzuVynt2eLFi3eeeaZZ1r179+/YBOHeaCmTmRzSq/53kqy+d6cjOZcKuCUYiuWTum1J8dlOpHtk08+SXeKzRIHezKd3xPZrHjbDrGNv7w8niuFVq5cqQMPPHDbli1bTpK0qJjHHdJbTLqMDYESEPAjvZm6tM6QrSi5hch957bvn/wf9Se+2Tu8OeXY7m/GtrcztvNkuu5tPtfptbdRbupENufz2e6+ZmNu7PJojZ2AZ3PKdqc7Z67uHDNdYzgTw3sfuCd9OTnzMOO52duTEM3zzrvnNXWt4CJJbwleAUxRUVHx13Hjxh02fvz4xMBwL2+IY+LZlkXELdcjjzyyevHixeZSfF//YiviA+ktIlyGhkApCPiR3lLExxzxJJBjpzeeyYcoq+bNm998wgknDH/yySfNyYSJecRdem1n2t2VjluBr7766tpZs2YtqKqqOrEUuSG9paDMHBAoIgGkt4hwGTorAaQ3FAfH6R07dnzk3Xff3alTp06hCIggIJArgSeeeEKDBw9et3HjRnM9XnMt6qI/kN6iI2YCCBSXANJbXL6MnpkA0hv4vGyaNwAAIABJREFUkdGpbdu2y+fMmdPh9NNPDzwYAoBAPgTWrFmj/fff/99r1649R9IT+ezrZ1uk1w899oVACAggvSEoQgJDQHqDLXpFRcWzF1988XE33XRTs2AjYXYI5E/glFNO+fK5556bUVNTc1X+e3vfA+n1zo49IRAKAkhvKMqQuCCQ3kBLPr5fv35XvvLKK7G9zXCgdJm8qARuvfVWc+vo1yorK79b1IkyDI70lpo480GgwASQ3gIDZbicCCC9OWEqxkb9W7Zs+czf//73Fj17mkua8igEgc2bN2vUqFHpu6mZh/PyY/YqCk8//XT9VO4TzBrbvxDxxWWMRYsW6aSTTtqybdu2AyWtLHVeSG+piTMfBApMAOktMFCGy4kA0psTpkJv1Kp9+/Yrp02b1sXcopZHYQhYYTWj2RtWOK8OYW9IYe+wZrZz3trY/NsIc7b9zXV7eUjmWuj77rvv+lWrVg0zl04OggnSGwR15oRAAQkgvQWEyVA5E0B6c0ZVsA07duz420GDBn1/xowZrQo2KAOl73xmbzmcSVAzXS/XeUMLg7Cx/UH8NYFzzjln4/z58+ds2LDhkqCYIL1BkWdeCBSIANJbIJAMkxcBpDcvXIXYeGjv3r1vWbp0Ket4C0HTMYbp6s6ePbvBXdqcU2SS3hUrVqTvxDZu3Lj0po3tX+BwIznczJkzNWHChBVVVVXm8mSBPZDewNAzMQQKQwDpLQxHRsmPANKbHy+fWx8i6c033nhDffv29TkUu7sJIL3FPSb+9re/2eP2O+Y4Lu5sjY+O9AZJn7khUAACSG8BIDJE3gSQ3ryRed6hvLx8+aRJk3oNHTrU8xjsmJ2Al+UNttM7ffr09MAsb8jOt0+fPtXLli27UtLMoI9DpDfoCjA/BHwSQHp9AmR3TwSQXk/Y8t6pXbt2s0477bTBjzzySNu8d2aHnAhwIltOmDxtNGzYsC1z587949q1a3/kaYAC74T0Fhgow0Gg1ASQ3lITZz5DAOktyXEwuGvXrvesWLFi59atW5dkwqROwiXLCl/5OXPmmA746urq6n0kbS78DPmPiPTmz4w9IBAqAkhvqMqRmGCQ3qKXumeLFi3eeeaZZ1r179+/6JMxAQQKSWDlypU68MADt23ZsuUkSYsKObafsZBeP/TYFwIhIID0hqAICQwB6S1u0SsqKv46bty4w8aPH1/ciRgdAkUgcOSRR1YvXrz4Fkm3FmF4z0MivZ7RsSMEwkEA6Q1HHZIWBdJbvIo3b978puOPP37EU089tXPxZmFkCBSHwIQJE2pnzpy5oKqq6sTizOB9VKTXOzv2hEAoCCC9oShD4oJAeotW8tM7dOjwyPLly3fq1KlT0SZhYAgUg8ATTzyhwYMHV2/cuNHchm5NMebwMybS64ce+0IgBASQ3hAUIYEhIL1FKXqntm3bLp8zZ06H008/vSgTMCgEikVgzZo12n///f+9du3acyQ9Uax5/IyL9Pqhx74QCAEBpDcERUhgCEhv4YteUVHx7MUXX3zcTTfd1KzwozMiBIpL4JRTTvnyueeem1FTU3NVcWfyPjrS650de0IgFASQ3lCUIXFBIL0FL/n4ww8//MpXX32V2wwXHC0DFpvArbfeqttuu+31ysrKw4o9l5/xkV4/9NgXAiEggPSGoAgJDAHpLWjR+7ds2fKZv//97y169uxZ0IEZDALFJrBo0SKddNJJW7dt23aApJXFns/P+EivH3rsC4EQEEB6Q1CEBIaA9Bas6K3at2+/ctq0aV3OPffcgg3KQBAoBYEtW7Zo3333Xb9q1aphkh4uxZx+5kB6/dBjXwiEgADSG4IiJDAEpLcwRe/YseNvBw0a9P0ZM2a0KsyIjAKB0hE455xzNs6fP3/Ohg0bLindrN5nQnq9s2NPCISCANIbijIkLgiktyAlH9q7d+9bli5dyjreguBkkFISmDlzpiZMmLCiqqpqv1LO62cupNcPPfaFQAgIIL0hKEICQ0B6/Re9Z8+eH69cuXJP/yMxAgRKT6Bnz57/WLly5RmS3iz97N5mRHq9cWMvCISGANIbmlIkKhCkN1HlJlkIxIIA0huLMpJEkgkgvUmufnC5I73BsWdmCEDAGwGk1xs39oJAaAggvaEpRaICQXoTVW6ShUAsCCC9sSgjSSSZANKb5OoHlzvSGxx7ZoYABLwRQHq9cWMvCISGANIbmlIkKhCkN1HlJlkIxIIA0huLMpJEkgkgvUmufnC5I73BsWdmCEDAGwGk1xs39oJAaAggvaEpRaICQXoTVW6ShUAsCCC9sSgjSSSZgJXexX96S2s/X5dkFOReQgIdd+ugfqd+W0Z+h00ezHtJCdkzFQQg4I0Av6i8cWMvCISGgJXe0AREIIkigPQmqtwkC4FIE0B6I10+goeA9MDE3320acPm7rCAQBAE2rRr/fEFE3+4VxBzMycEIACBfAggvfnQYlsIQCBOBDpImiHpQkmb4pQYuUAAAhCAwDcJIL0cFRCAQFIJTJY0XNL1km5JKgTyhgAEIJAUAkhvUipNnhCAgJNAZ0mrJe0gab2kjpK2gwgCEIAABOJLAOmNb23JDAIQyE7gbkkXSWop6d+SrpNkOr88IAABCEAgpgSQ3pgWlrQgAIGsBLpK+sT17FpJ5TCDAAQgAIH4EkB641tbMoMABDITmCXp/Lour93CnMj2P5KmAQ0CEIAABOJJAOmNZ13JCgIQyEygp6TlkjZI2irJXMHhK0nN6q7gUAE4CEAAAhCIJwGkN551JSsIQCAzgQmSrpA0TtJ8Se9IMteYvabuZyPrLmMGPwhAAAIQiBkBpDdmBSUdCEAgZwLfkvSGpN3r9mgvqTrnvdkQAhCAAAQiRQDpjVS5CBYCECgggT0kLZZkTmzjAQEIQAACMSeA9Ma8wKQHAQhkJbCnpEWSuIUzBwkEIACBBBBAehNQZFKEAAQyEthb0rOSesAHAhCAAATiTwDpjX+NyRACEMhMYJ+6k9n2BRAEIAABCMSfANIb/xqTIQQgkJnAfpJ+J2l/AEEAAhCAQPwJIL3xrzEZQgACmQn0kTRX0gEAggAEIACB+BNAeuNfYzKEAAQyEzhI0mxJBwMIAhCAAATiTwDpjX+NyRACEMhM4BBJ90nqCyAIQAACEIg/AaQ3/jUmQwhAIDOBQyXdI+kwAEEAAhCAQPwJIL3xrzEZQgACmQkcLulOSUcACAIQgAAE4k8A6Y1/jckQAhDITOBISbdJOgpAEIAABCAQfwJIb/xrTIYQgEBmAsdIuknS9wAEAQhAAALxJ4D0xr/GZAgBCGQmcKyk6yQNABAEIAABCMSfANIb/xqTIQQgkJnA8ZKulHQCgCAAAQhAIP4EkN7415gMIQCBzAROkjRG0skAggAEIACB+BNAeuNfYzKEAAQyEzhF0mWSTgUQBCAAAQjEnwDSG/8akyEEIJCZwGmShko6HUAQgAAEIBB/Akhv/GtMhhCAQGYC/yHpp5J+ACAIQAACEIg/AaQ3/jUmQwhAIDOBH0o6T9KZAIIABCAAgfgTQHrjX2MyhAAEMhM4S9LZdf/BCAIQgAAEYk4A6Y15gUkPAhDISmBQ3dKGc2AEAQhAAALxJ4D0xr/GZAgBCGQmMLjuyg1miQMPCEAAAhCIOQGkN+YFJj0IQCArgSGSTpT0XzCCAAQgAIH4E0B6419jMoQABDITuEBSf0k/ARAEIAABCMSfANIb/xqTIQQgkJnAhZL6SfpvAEEAAhCAQPwJIL3xrzEZQgACmQlcLOk7ki4BEAQgAAEIxJ8A0hv/GpMhBCCQmcClkg6UNAxAEIAABCAQfwJIb/xrTIYQgEBmAiMk9ZJ0GYAgAAEIQCD+BJDe+NeYDCEAgcwELpe0l6QrAAQBCEAAAvEngPTGv8ZkCAEIZCYwWlIXSWMABAEIQAAC8SeA9Ma/xmQIAQhkJjBO0q6SxgMIAhCAAATiTwDpjX+NyRACEPg/At+S9M+6f/5M0i6Srqz7d1dJq4AFAQhAAALxJID0xrOuZAUBCHyTwA6SlkuqlGS6vObGFK0lzZN0c936XvOzfwEPAhCAAATiRwDpjV9NyQgCEMhOwHR1r5P0laS1dZuZJQ4tJM2QNBJ4EIAABCAQTwJIbzzrSlYQgEBmAm0kfSHJfHU+tknaTdI6wEEAAhCAQDwJIL3xrCtZQQAC2Qn8XNKouu6u2WqjpNslXQ80CEAAAhCILwGkN761JTMIQCAzgfaS1kjase7pf0vqJGkTwCAAAQhAIL4EkN741pbMIACB7ASmSBpet7b3Jkm3AAsCEIAABOJNAOmNd33JDgIQyEygs6TP6pY2lEuqARQEIAABCMSbANIb7/qSHQQgkJ3AXEkfOq7TCysIQAACEIgxAaQ3xsUltXgS2GuvvZ786KOPBsYzO7IKO4EOHTpUr1u37oeSXgh7rMQHAQhAwEkA6eV4gEDECFRUVPztt7/97bePPfbYiEVOuHEgcOihh1a/8cYbSG8cikkOEEgYAaQ3YQUn3egTsNL7wAMP6MEHH4x+QmQQCQLdu3fX/fffr7FjxyK9kagYQUIAAm4CSC/HBAQiRsBK7/XXX6/rrrtOdHwjVsCIhjtgwID08Yb0RrSAhA0BCAjp5SCAQMQIIL0RK1hMwkV6Y1JI0oBAggkgvQkuPqlHkwDSG826RT1qpDfqFSR+CEAA6eUYgEDECCC9EStYTMJFemNSSNKAQIIJIL0JLj6pR5MA0hvNukU9aqQ36hUkfghAAOnlGIBAxAggvRErWEzCRXpjUkjSgECCCSC9CS4+qUeTANIbzbpFPWqkNxIVTEUiSoL0QwBv80EPeD7gsSsEgiCA9AZBnTmR3kgcA6lUCu+NRKU8BFlWllY2vM0DO7sL8HzAY1cIBEEA6Q2COnMivZE4BpDeSJTJW5BIrzduzr2QXv8MGQECJSWA9JYUN5PVEUB6I3EoIL2RKJO3IJFeb9yQXv/cGAECgRFAegNDn+iJkd5IlB/pjUSZvAWJ9HrjhvT658YIEAiMANIbGPpET4z0RqL8SG8kyuQtSKTXGzek1z83RoBAYASQ3sDQJ3pipDcS5Ud6I1Emb0Eivd64Ib3+uTECBAIjgPQGhj7REyO9kSg/0huJMnkLEun1xg3p9c+NESAQGAGkNzD0iZ4Y6Y1E+ZHeSJTJW5BIrzduSK9/bowAgcAIIL2BoU/0xEhvJMqP9EaiTN6CRHq9cUN6/XNjBAgERgDpDQx9oidGeiNRfqQ3EmXyFiTS640b0uufGyNAIDACSG9g6BM9MdIbifIjvZEok7cgkV5v3JBe/9wYAQKBEUB6A0Of6ImR3kiUH+mNRJm8BYn0euOG9PrnxggQCIwA0hsY+kRPjPRGovxIbyTK5C1IpNcbN6TXPzdGgEBgBJDewNAnemKkNxLlR3ojUSZvQSK93rghvf65MQIEAiOA9AaGPtETI72RKD/SG4kyeQsS6fXGDen1z40RIBAYAaQ3MPSJnhjpjUT5kd5IlMlbkEivN25Ir39ujACBwAggvYGhT/TESG8kyo/0RqJM3oJEer1xQ3r9c2MECARGAOkNDH2iJ0Z6I1F+pDcSZfIWJNLrjRvS658bI0AgMAJIb2DoEz0x0huJ8iO9kSiTtyCRXm/ckF7/3BgBAoERQHoDQ5/oiZHeSJQf6Y1EmbwFifR644b0+ufGCBAIjADSGxj6RE+M9Eai/EhvJMrkLUik1xs3pNc/N0aAQGAEkN7A0Cd6YqQ3EuVHeiNRJm9BIr3euCG9/rkxAgQCI4D0BoY+0RMjvZEoP9IbiTJ5CxLp9cYN6fXPjREgEBgBpDcw9ImeGOmNRPmR3kiUyVuQSK83bkivf26MAIHACCC9gaFP9MR5Su9Vkm5ONLBgkkd6g+FeklmRXv+Yy/wPwQgQgEApCSC9paTNXJZAjtJ7uaSJknaW1ElSFQQLRqCVpBclzZZ0V5ZRA5XeG2+8Uddee22D0C655BJNnTpVrVu31ooVKzRo0CCNGzdO5557bsHAJGUgpNd/pZFe/wwZAQIlJeBFejdv3qxRo0Zp1qxZDWKdOXOmfve73+npp5/OmIN9w9q0aVP6Tcq53UsvvaSjjjqqwX4PP/ywzjvvvPqf3XDDDbrmmmuy8sm2/e9//3sdeuihuvDCC9NzOt84CwX75Zdf1tFHH50eLtP42Zg55y9GXJnyq6qq0ptvvqkTTzwx/bSN/aGHHiqZPDQiveZ9ZJSkCZJa1P13p6RxhaoV49QTeFXSIZLW1/1xMd3FJnDpNcemeV2Xl5fLHLfm90b37t3rxZdaeieA9HpnZ/dEev0zZAQIlJSAF+m1AVpZOvjggzV37lz16tUr/ZSVTyup9s3KLZxGRmfMmKFnnnlGbqE1kjh79mw9/vjjaVHNJMU2Duf4znFsfFYmjegZMS2WXLrnM90o98OyOfnkk+vfzM02JgfDYuzYsekuVjEfpoO299571wtuSKT3pTrZvVpSc0k71THYJqmzpOpiMkno2N+T9EdJ7SRtkrShTn5n1vEIlfQ6/0Azvw8qKioadHpt53fJkiXp8J2/M7w8Z14nTuk2r93bbrut/ned849s+zvFzGsaAl9++WU6hqVLl6p3795q3759vai7xwnq2EN6/ZNHev0zZAQIlJRAIaTXLXBu6XWKsHPbZ599Vqbr+4Mf/EDuMcyb1CeffKLJkyc3Kr3ODmqmTrCV5yFDhqS7m2GV3lIVPQjBzZRbhk7vmZIulOQ2/u11QpaSVCvJfnV+z3PeuYyRtJejRlZ+p0j6RSpl0AbzcEunicK5pMF8emOXN5xxxhlp2TQPs/zh9ttvrxdW8zPTITa/A8xX57iVlZUNxNkppOa54cOHpyW3W7duDca3v0uMWO+3337pcc0nVeaPVhPHq6++2kCOrSy7xyn2H7iNVQ7p9X9cI73+GTICBEpKoBTS6+zEOj9CN9K75557auTIkWmxdT731ltvpTs5//3f/92o9DqXFTTWDXZ2iTKtC3R3h5zjmrjMR6p2+YIzTue6QyPdZg1iY51kd6fXxGU7vLZLZJaNmD8C/vd//1eTJk1KLyOxfxTYN2kTr5nPPMyc2f7wMM/bTrzZ1+Zgfm72uf7669Px2vHs8hFnXs587M/NmGbf6667Lr1vvksjMkjvXyUZATMnrTWrW9ZgwjQts251LwrzHmOeM//Z7xv7mdfnMo1fyLnzHb+Yuf5Q0u6OXzpbJe0g6Q+Szoia9JrXivv1Z17LVl7tp1E2X3fX1f6uMgI7bNiwell2CrZbnM3SC/O6WL16tW6++WZddZU5hL+Wb/faY/c4Jf1l75oM6fVPH+n1z5ARIFBSAsWUXmci7iUQ5jkjvX379k1Ln1MWTffXdFLMc3btbzahtRKZaXw3SPfyA7u22K4RNEspzBpiO5cVPCt07n/bud3P5yK9ztgySfhuu+2WXv5gJdf+27zBOj9WNbEuWLAgzc/G4ezmWlk3gnzBBRfogQceaLCticPdmbf/dnaxLCPnemwT99ChQ9PjOuPL5QBuZE2v+ajdrOc1bTvTZjSdXrOQe3Iu47JNXgQOlvQXSS0lWdk1J7b9wjRVDf+oSK/5PeH8Q9VQsK8r87p2LktwEnJ3k53Sa/4AtDJrf085u77ucxrMH5H33Xdfeh+n9NpPo7p06ZJeVpQtlrwqV4CNkV7/EJFe/wwZAQIlJVBM6W1qTa+VXit2JnHzpmLeJEyHxHR6iym9VnLdsmjjbkx67cepzo8xvazpNTk71/Laj29zkd5McWaKy/0m7xRkt/Ta7pb9eZs2bRp8XGtr8vnnn6drZR7mI+YCSq8Nt4Mks773CklfZVj2UNLXSUwn+5Mkczajee++X9LPJX3gyDV00mtfY5nW9Nq43Z8s2T/8sp0s65RQt/TaLnHnzp2111571XdvMy29MPNbwXVKr30tmXMUTCzu54I6tpBe/+SRXv8MGQECJSVQCuk1CWVahmCl14qV6ZwYkTvooIN00kknpdf7NiW9fpY3mHV/mTqktkPkft4pwQMHDkzHZuXPfGzqRXpN59b58Cu9meLKR3rPPvvsBhLrrI2z81sC6bVhVzhOcCvpayPmk5kur5He+XXXQP44Q76hkl63UJo1/3ZNrz3uzbIE06F1yrFzza15zrmkwf7RZi97lm25g3v5Vbbx7Zpet9g6T6TLdylQsY5DpNc/WaTXP0NGgEBJCYRBet0f2ds3BWfHJtvyhmxXbnBCNG9Q5s3QLaWF6PQaUbexhUF6bafXxJXpzdXdvbZdKLOsw/zBEaJOb0lfBwmdrKukVY3kHrj05nOdXvcVGpwntuZ69YZMy6TMa2bevHkNrlDjfN2Y791Xb3BLrxV25ydDQR9zSK//CiC9/hkyAgRKSqAQ0tvUJcucV1hwX73BrJVzXoPTvpmYnznfqBo7SS1bF8XOa87aziS9tlN05plnprtDzrWsZnvnml3bSXJ2fLKthc1lTa/7xDNbdCvxlsNTTz2VXmfs3N49b7a1xnYfM5YR/Isuuii93tB2t00n3UiyncO5XMK+ydvlDO41vSXs9Jb09cBkDQgEKr1xqkW2ZQ9B5oj0+qeP9PpnyAgQKCkBL9Lr9eYUmdb4mmSdJ4KZfzsF1AmjqZtTuO/g5JRxZ0fYOWdjHSDnPkYgjfiZDqpzXOec5qNWu87V3WXNxqypm3KYj13NdYzt1RXs8gN7tQl7xQiTU7a4nMLs/kPCXuvUffWKpq7eYOb78Y9/nC7Po48+mv7aVH2ctczxjmwlfS0w2TcIIL0FOCjyOdm2ANPlPATSmzOqrBsivf4ZMgIESkrAi/SWNEAmiyUBpDcSZUV6I1Emb0Eivd64OfdCev0zZAQIlJQA0ltS3ExWRwDpjcShgPRGokzegkR6vXFDev1zYwQIBEYA6Q0MfaInRnojUX6kNxJl8hYk0uuNG9LrnxsjQCAwAkhvYOgTPTHSG4nyI72RKJO3IJFeb9yQXv/cGAECgRFAegNDn+iJkd5IlB/pjUSZvAWJ9HrjhvT658YIEAiMANIbGPpET4z0RqL8SG8kyuQtSKTXGzek1z83RoBAYASQ3sDQJ3pipDcS5Ud6I1Emb0Eivd64Ib3+uTECBAIjgPQGhj7REyO9kSg/0huJMnkLEun1xg3p9c+NESAQGAGkNzD0iZ4Y6Y1E+ZHeSJTJW5BIrzduSK9/bowAgcAIIL2BoU/0xEhvJMqP9EaiTN6CRHq9cUN6/XNjBAgERgDpDQx9oidGeiNRfqQ3EmXyFiTS640b0uufGyNAIDACSG9g6BM9MdIbifIjvZEok7cgkV5v3JBe/9wYAQKBEUB6A0Of6ImR3kiUH+mNRJm8BYn0euOG9PrnxggQCIwA0hsY+kRPjPRGovxIbyTK5C1IpNcbN6TXPzdGgEBgBJDewNAnemKkNxLlR3ojUSZvQSK93rghvf65MQIEAiOA9AaGPtETI72RKD/SG4kyeQsS6fXGDen1z40RIBAYAaQ3MPSJnhjpjUT5kd5IlMlbkEivN25Ir39ujACBwAggvYGhT/TESG8kyo/0RqJM3oJEer1xQ3r9c2MECARGAOkNDH2iJ0Z6I1F+pDcSZfIWJNLrjRvS658bI0AgMAJIb2DoEz0x0huJ8iO9kSiTtyCRXm/ckF7/3BgBAoERQHoDQ5/oiZHeSJQf6Y1EmbwFifR644b0+ufGCBAIjADSGxj6RE+M9Eai/EhvJMrkLUik1xs3pNc/N0aAQGAEkN7A0Cd6YqQ3EuVHeiNRJm9BIr3euCG9/rkxAgQCI4D0BoY+0RMjvZEofyoSURKkHwJlfnZO+r7AS/oRQP6RI4D0Rq5ksQgY6Y1FGeOURDtJ90v6iaQNcUqMXIpHAOktHltGhkBRCCC9RcHKoE0QQHo5REJG4BZJYyRNlnRlyGIjnJASQHpDWhjCgkA2Akgvx0YQBJDeIKgzZxYCpsv7haSWkrZK2pVuL8dKLgSQ3lwosQ0EQkQA6Q1RMRIUCtKboGKHP1XT5R0tqYWkbZKm0O0Nf9HCECHSG4YqEAME8iCA9OYBi00LRgDpLRhKBvJHwNnltSPR7fXHNDF7I72JKTWJxoUA0huXSkYrD6Q3WvWKcbTOLq9Nk25vjAteyNSQ3kLSZCwIlIAA0lsCyEzxDQJILwdFCAiYLm+VpO2SNknqWPfvNpKaSypnbW8IqhTiEJDeEBeH0CCQiQDSy3ERBAGkNwjqzOkiYK7WMEnSzyTdKclcl9h4zOWSfi5pQt3VHAAHgYwEkF4ODAhEjICV3gceeEAPPvhgxKIn3KgS6N69u+6//36NHTu2+o033vihpBeimgtxx4aAld7YJEQixSWA9BaXL6NDoOAErPQee+yxBR+bASHQFIFDDz0U6W0KEs+XigDSWyrSMZkH6Y1JIUkjOQT22muvJz/66KOBycmYTMNEoEOHDtXr1q2j0xumoiQ3FqQ3ubX3lDnS6wkbO0EAAjEiYN4453E70xhVlFSSQgDpTUqlC5Qn0lsgkAwDAQhEloB54/yK25lGtn4EnlwCSG9ya+8pc6TXEzZ2ggAEYkLAXAJpfV0uXOA+JkUljcQQQHoTU+rCJIr0FoYjo0AAAtEkYC50by5/ZB5c4D6aNSTq5BJAepNbe0+ZI72esLETBCAQAwLczjQGRSSFRBNAehNd/vyTR3rzZ8YeEIBAPAhwO9N41JEskksA6U1u7T1ljvR6wsZOEIBAxAk4b2faqi4Xc3tTbmca8cISfqIIIL2JKrf/ZJFe/wwZAQIQiB4B5+1M76gLn9uZRq+ORJxsAkhvsuufd/ZIb97I2AECEIgZAfPGaR78PoxZYUkn9gSQ3tiXuLAJ8ku+sDwZDQIQiB4BpDd6NSNiCBgCSC/HQV4EkN68cLExBCAQQwJIbwyLSkqJIID0JqLMhUsS6S0cS0aCAASiSQDpjWbdiBoCSC/HQF4EjDGiAAAgAElEQVQEkN68cLExBCAQQwJIbwyLSkqJIID0JqLMhUsS6S0cS0aCAASiSQDpjWbdiBoCSC/HQF4EkN68cLExBCAQQwJIbwyLSkqJIID0JqLMhUsS6S0cS0aCAASiSQDpjWbdiBoCSC/HQF4EkN68cLExBCAQQwJIbwyLSkqJIID0JqLMhUsS6S0cS0aCAASiSQDpjWbdiBoCSC/HQF4EkN68cLExBCAQQwJIbwyLSkqJIID0JqLMhUsS6S0cS0aCAASiSQDpjWbdiBoCSC/HQF4EkN68cLExBCAQQwJIbwyLSkqJIID0JqLMhUsS6S0cS0aCAASiScC8cb4gaUA0wydqCCSWANKb2NJ7Sxzp9caNvSAAgfgQoNMbn1qSSbIIIL3JqrfvbJFe3wgZAAIQiDgBpDfiBST8xBJAehNbem+JI73euLEXBCAQHwJIb3xqSSbJIoD0JqvevrNFen0jZAAIQCDiBJDeiBeQ8BNLAOlNbOm9JY70euPGXhCAQHwIIL3xqSWZJIsA0pusevvOFun1jZABIACBiBNAeiNeQMJPLAGkN7Gl95Y40uuNG3tBAALxIYD0xqeWZJIsAkhvsurtO1uk1zdCBoAABCJOAOmNeAEJP7EEkN7Elt5b4kivN27sBQEIxIcA0hufWpJJsgggvcmqt+9skV7fCBkAAhCIOAHuyBbxAhJ+YgkgvYktvbfEkV5v3NgLAhCIDwHzxlkjacf4pEQmEEgEAaQ3EWUuXJJIb+FYMhIEIBBNAuaNc4uk1tEMn6ghkFgCSG9iS+8tcaTXGzf2ggAE4kNghaRuSG98CkomiSGA9Cam1IVJFOktDEdGgQAEoktgjqT/lLRTdFMgcggkkgDSm8iye08a6fXOjj0hAIF4EHhU0qmSdo5HOmQBgcQQQHoTU+rCJIr0FoYjo0AAAtElMFfSyZLaRzcFIodAIgkgvYksu/ekkV7v7NgTAhCIB4HfSjpOUnk80iELCCSGANKbmFIXJlGktzAcGQUCEIgugcckfU9Sp+imQOQQSCQBpDeRZfeeNNLrnR17QgAC8SDwuKQjJe0Wj3TIAgKJIYD0JqbUhUkU6S0MR0aBAASiS+A5SV0k7R/dFIgcAokkgPQmsuzek0Z6vbNjTwhAIB4Efi+pr6Su8UiHLCCQGAJIb2JKXZhEkd7CcGQUCEAgugT+IOkgSd2jmwKRQyCRBJDeRJbde9JIr3d27AkBCMSDwB8l9Za0dzzSIQsIJIYA0puYUhcmUaS3MBwZBQIQiC6B+ZL2lbRPdFMgcggkkgDSm8iye08a6fXOjj0hAIF4EHiyrsvbKx7pkAUEikKg4z777PPG+++/zzKgouBtetB99tnn4/fff/87ktY2vTVbZCKA9HJcQAACSSfwlKRudUscks6C/CGQjcCoQYMG3fDoo4+2BVHpCUydOlWTJk2at3bt2rNKP3t8ZkR641NLMoEABLwReEbS7pIO8LY7e0Eg/gQ6dOjw0bx587oPGDAg/smGMMMePXp8+eGHH/5Q0sIQhheZkJDeyJSKQCEAgSIReLbubmwHF2l8hoVA1Akc16NHj8dXrly5S9QTiWL8CxYs0FlnnfXRunXrONnWZwGRXp8A2R0CEIg8gecldZR0SOQzIQEIFIFAx44d502YMOGMUaNGFWF0hmyKwKBBgzb+5je/uVbS1Ka25fnGCSC9HCEQgEDSCSyQtLOkQ5MOgvwhkIGA+YOwqqqqSh07mm95lJLA2rVrVV5ebqY0/+MENp/wkV6fANkdAhCIPIEXJLWR9N3IZ0ICECg8AU5gKzzTnEfkBLacUeW0IdKbEyY2ggAEYkxgkaQWkvrFOEdSg4AnApzA5glbwXbiBLaCoUwPhPQWliejQQAC0SPwoqRmko6KXuhEDIGiEhjQo0eP33ECW1EZZx2cE9gKzx3pLTxTRoQABKJF4CVJtZK+F62wiRYCxSXACWzF5dvU6JzA1hSh/J9HevNnxh4QgEC8CLwiaZukY+OVFtlAwBcBTmDzhc/fzpzA5o9ftr2R3uJwZVQIQCA6BBZL2iTp+OiETKQQKDoBTmArOuLsE3ACW3HgI73F4cqoEIBAdAj8RdJ6SSdGJ2QihUBxCXACW3H5NjU6J7A1Rcjb80ivN27sBQEIxIfAX+uufzkwPimRCQR8EeAENl/4/O3MCWz++DW2N9JbPLaMDAEIhJfAfpKW14X3uqQ1kk4Nb7hEBoHSEeAEttKxzjQTJ7AVjz/SWzy2jAwBCISTQB9J5tbDz0m6UdIcSZ9JukvS7XVLHY4JZ+hEBYGiE+AEtqIjzj4BJ7AVFz7SW1y+jA4BCISTwFN1J66ZS5VtlbS9LswdJU2QdEc4wyYqCBSdACewFR1x9gk4ga248JHe4vJldAhAIHwEzN3XPpS0e90Neozw7lAX5mZJH0g6TtIX4QudiCBQXAKcwFZcvk2NzglsTRHy9zzS648fe///9s4FTKrq2vN/ERDk1dBt1MEQVEBRBCXEOMFElEgbUccLCChy1UAuCIpBMSoKcYCgNyIqPoAJxBBERNFhjBhBjRglk0mACCIgLZHLF8YxdkPzbEDE+VZZu+/meKrOo85zn//5Pq1uar/Wb+3q86911t6bBEggnQQmArjfcirllwDkP0lzGJtOszhqEiiJABewlYSvtMpcwFYaPze1KXrdUGIZEiAB0wi0AlANoKHFMNmv90QAe00zmPaQgBMBLmBzIhTu+1zAFi5faZ2iN3zG7IEESCCZBKYDuA1Ag/zwJLf3vwN4IJnD5ahIIFQCXMAWKt7ijXMBWzTwKXqj4cxeSIAEkkfgJACfaMOqBVChLWpL3og5IhIIjwAXsIXH1rFlLmBzRBRIAYreQDCyERIggZQSeArACACHAdzFXRtS6kUOu2QCXMBWMsKSGuACtpLwua5M0esaFQuSAAkUIiC5gDt27OhHQrEQuBHAvFh6ZqemEOACthg9yQVs0cGn6I2ONXsiAWMJiOidPn16vxtuuCF1Ng4YMADnnXce7r333tSNPb/w5RaK3tS5LlEDbtOmzeL77ruv/9ix3LQkDsdwAVt01Cl6o2PNnkjAWAJpFr1pdgpFb5q9l5ixcwFbjK7gArZo4VP0RsubvZGAkQQoeuNxK0VvPNwN63XswIEDJy1atKi5nV0ffvghBg0ahAsuuACy2Kpp06ZQ/3bnnXdiyJAhkeOYPHkyJk6ciEmTJmHChAmO/a9cuRJbt27NjVV+vvDCC/Huu++iZ8+eBeu6LefYuUMBLmArlaC3+hS93nixNAmQgA0Bit54pgVFbzzcTeq1devWf1+8ePGpl1wihxB+/VICd+3atfVCMU7RW1NTkxOvy5YtQ2VlJRYsWIDy8vKCLvE71qhELxewRftpouiNljd7IwEjCVD0xuNWit54uBvUq+MCNl30KpFZXV2di/6qSK8uRIWNRFG7d+8OlSMs0cxt27YdFTFWv0sbPXr0yL0nwlrVLxSFVWJUorwS7dUjtmqsffr0wfLly3Huuedi+/bteOONN3LtSh0R93qkV7dP79sqetXvUsYqtlXkWd4bMWJEfUTcaZ5wAZsToeDfp+gNnilbJIHMEaDojcflFL3xcDelVzcL2JQoPPPMM7Fo0SI888wz9SJVBGu/fv2OErcvvfQSHnrooVzZVatW1f8sQlnEphKMmzZtwujRozFv3jzMnDkzh1TE8bRp03IpCIUiuCIw5f0ZM2ZgzJgxuRQFleLgJhVDF7Nik0SNhw4dmntVbUvfMj4ljisqKupFvtXeNWvW2JZzk/bBBWzRf5IoeqNnzh5JwDgCFL3xuJSiNx7uhvTqagGbEpKjRo2CCDzJjRWRKYJVj9KqqK8q/+STT0KJRflZ6l1//fX1kVyJckoUdurUqRg/fjxmz57tGCVVEWUldHWRKikOdqkM1n/TRa8MRuwQgX7GGWcc5Va9nIxdCXkpJ6J4/vz5uVcljp0i1NY5wwVs8XyKKHrj4c5eScAoAhS98biTojce7ob0WnQBm7JRF40qDeHEE0/Ep59+mhO97du3z0U6rZdEhC+77LJcBLVr167YvXs3WrZsmXsV4Sg5uUq86qkD0k6hFIFCKQcqxcGr6LWKWd0GvS8R6JJKoV/dunXLieV27drlIt0i2tXltEhORbWnTJki+5sPMGQ+pcIMit5UuImDJIFkE6Dojcc/FL3xcDehV6cFbHaiV6UAKAFoTXWwe6Qv0VgRgSKSJeKrC0irONRzg6Vtvb26urqviUs1RiWS9TxhVdcp0ltoJ4dikd5C/pfIr0Sz3Syw69Chw64tW7b8C4C3TJhPabGBojctnuI4SSDBBCh643EORW883A3o9eLTTjvtf27ZsqWVky1W0agv/BJhWiynVyK6SjyqyKg1t1f6F4FqjfpaBbHqt3///kdtUyai+sUXX8xFXeXSF9jJ78VEr8rpVX2LaFVpDGqcMo5iOb16DrOK+qpIrmzvZndxAZvTrAvvfYre8NiyZRLIDIEki149elToRqpWjSuHqXJRbVvkd6JQ9Poll+16bhawFYr0yr+riKaKxtrt3qB2X1DvSRqE3S4O+r6/6nNot/+u6tP6GVaf0UJRZz1CLBHhgQMHonfv3l/bfs26c4Tf3RuUuLfmCOszjgvY4vv8UfTGx549k4AxBJIsevV8QevN1BoFUjdIyfWzruAutpF9XI6k6I2LfKr7dbWALdUWJnjwXMAWr3MoeuPlz95JwAgCSRa9aoW3RJqUmFWb2dstfLGu7nZzelNcTqTojYt8qvt1tYAt1RYmePA8gS1e51D0xsufvZOAEQSSKnr1LY6sm9ILeIpeI6YfjfBAwO0CNg9NsqgHAlzA5gFWCEUpekOAyiZJIGsEkip67Tait9vMXu0xyvSGrM3czNnregFb5shEYPBbb72F/v37b925c+epEXTHLmwIUPRyWpAACZRMIKmi17p5faHN7PWFbPpCFC5kK3lqsIEEEfCygC1BwzZmKIMHD967aNEi2fD3EWOMSpkhFL0pcxiHSwJJJJBE0atvrWRlplad26U36GUpepM42zgmnwS4gM0nuCCqcQFbEBRLb4Oit3SGbIEEMk8giaLXboujQtsnqfQGqyMpejM/tU0CwAVsMXozv4DtpR07dvSPcRiZ75qiN/NTgABIoHQCSRO91txctVuDWOq0mT0jvaXPB7aQPAJcwBavT7iALV7+qneK3mT4gaMggVQTSJroTTVMD4PnlmUeYGW7KBewxeh/LmCLEb6la4re5PiCIyGB1BKg6I3HdRS98XBPW69cwBavx7iALV7+eu8UvcnxBUdCAqklQNEbj+soeuPhnrJeuYAtRodxAVuM8G26puhNlj84GhJIJQGK3njcRtEbD/eU9coFbDE6jAvYYoRP0Zss+BwNCZhCgKI3Hk9S9MbDPU29cgFbvN7iArZ4+Vt7Z6Q3Wf7gaEgglQQoeuNxG0VvPNxT1CsXsMXoLC5gixF+ga4pepPnE46IBFJHgKI3HpdR9MbDPS29cgFbvJ7iArZ4+dv1TtGbPJ9wRCSQOgIUvfG4jKI3Hu4p6ZUL2GJ0FBewxQi/SNcUvcn0C0dFAqkiQNEbj7soeuPhnpJeuYAtRkdxAVuM8Cl6kwmfoyIBUwhQ9MbjSYreeLinoVcuYIvXS1zAFi//Qr0z0ptMv3BUJJAqAiJ6d+zY0S9VgzZnsDcCmGeOObQkAAJcwBYARL9NcAGbX3Lh16PoDZ8xeyABEkgmgRYAngZwE4A9yRwiR0UC3glwAZt3ZkHW4AK2IGkG2xZFb7A82RoJkEB6CDwA4A4ADwO4Jz3D5khJoCgBLmCLcYJwAVuM8F10TdHrAhKLkAAJGEdAoryfATgOwEEAJzDaa5yPs2oQF7DF6HkuYIsRvouuKXpdQGIREiAB4whIlPd2AI0BHAIwndFe43ycSYO4gC1et+cXsMn6hj/EOxL2bkeAopfzggRIIGsE9Civsp3R3qzNAjPt5QK2GP3KBWwxwnfZNUWvS1AsRgIkYAwBPcqrjGK01xj3ZtcQLmCL1/dcwBYvfze9U/S6ocQyJEACphCQKG8NgC8A7AeQW/QD4HgADQGUM7fXFFdnzo42HTt2XF1VVdU+c5YnxOCOHTturaqq+jaAHQkZEodhIUDRyylBAiSQJQKyW8MUAHcDeAzAlwDk7+BtAB4EcF9+N4csMaGtJEACJJAJAhS9mXAzjSQBEihAQIleAiIBEiABEjCcAEWv4Q6meSRAAkUJUPRygpAACZBARghQ9GbE0TSTBEjAlgBFLycGCZAACWSEAEVvRhxNM0mABCh6OQdIgARIIMsEKHqz7H3aTgIkwEgv5wAJkAAJZIQARW9GHE0zSYAEGOnlHCABEiCBLBOg6M2y92k7CZAAI72cAyRAAiSQEQIUvRlxNM0kARJgpJdzgARIgASyTICiN8vep+0kQAKM9HIOkAAJkEBGCFD0ZsTRNJMESICRXs4BEiABEsgyAYreLHuftpMACTDSyzlAAiRAAhkhQNGbEUfTTBIgAUZ6OQdIgARIIMsEKHqz7H3aTgIkwEgv5wAJkAAJZIQARW9GHE0zSYAEGOnlHCABEiCBLBOg6M2y92k7CZAAI72cAyRAAiSQEQIUvRlxNM0kARJgpJdzgARIgASyTICiN8vep+0kQAKM9HIOkAAJkEBGCFD0ZsTRNJMESICRXs4BEiABEsgyAYreLHuftpMACTDSyzlAAiRAAhkhQNGbEUfTTBIgAUZ6OQdIgARIIMsEKHqz7H3aTgIkwEgv5wAJkAAJZIQARW9GHE0zSYAEGOnlHCABEiCBLBOg6M2y92k7CZAAI72cAyRAAiSQEQIUvRlxNM0kARJgpJdzgARIgASyTICiN8vep+0kQAKM9HIOkAAJkEBGCFD0ZsTRNJMESICRXs4BEiABEsgyAYreLHuftpMACTDSyzlAAiRAAhkhQNGbEUfTTBIgAUZ6OQdIgARIIMsEKHqz7H3aTgIkwEgv5wAJkAAJZIQARW9GHE0zSYAEGOnlHCABEiCBLBOg6M2y92k7CZAAI72cAyRAAiSQEQIUvRlxNM0kARJgpJdzgARIgASyTICiN8vep+0kQAKM9HIOkAAJkEBGCFD0ZsTRNJMESCBH4A4AUwDcDeAxAEr03gbgQQD3AXiYrEiABEiABMwjQNFrnk9pEQmQQGECLQDUADgMYD+AcgA7ADQF0DD/+x4CJAESIAESMI8ARa95PqVFJEACxQk8AOB2AI21YocATAdwD+GRAAmQAAmYSYCi10y/0ioSIIHi0d7PABynFTkI4AQAjPJy5pAACZCAoQQoeg11LM0iARIoSkCP9jLKy8lCAiRAAhkgQNGbASfTRBIgga8RkNxeFe1llJcThARIgAQyQICiNwNOpokkQAK2BCTaK7s5yG4NzOXlJCEBEiABwwlQ9BruYJpHAiRQkIBEe58GcBNzeTlLSIAESMB8AhS95vuYFpIACRQmcD8A+Y8XCZAACZCA4QQoeg13MM0jARIoSoAnsnGCkAAJkEBGCFD0ZsTRNJMESMCWAEUvJwYJkAAJZIQARW9GHE0zSYAEKHo5B0iABEggywQoerPsfdpOAiTASC/nAAmQAAlkhABFr/mOlkU6PzffTFpIAiRAAiQQMIEVAC4OuE02RwKxEaDojQ19pB0zmhUpbnaWIgL8bKTIWRxqpASOBSCnFcorLxIwggBFrxFudDSCN3ZHRCyQUQL8bGTU8TTbkUAjAPsANHYsyQIkkBICFL0pcVQJwxQfHwFAX5cAkVWNJUDRa6xraViJBJoAqAUgr7xIwAgCFEJGuLGoEeLjLwA0MN9UWkgCnglQ9HpGxgoZIdAMwD8ByCsvEjCCAEWvEW6k6DXfjbQwJAIUvSGBZbOpJyDHdG8H0DL1ltAAEsgToOg1fyow0mu+j2mhfwIUvf7ZsabZBMoAbAUgr7xIwAgCFL1GuJGRXvPdSAtDIkDRGxJYNpt6Am0AVAEoT70lNIAEGOnNzByQXN7DzOnNjL9pqDcCFL3eeLF0dgicAGADAHnlRQJGEGCk1wg3FjVCRO/n3GvRfEfTQl8EKHp9YWOlDBA4EcBaACdlwFaamBECFL3mO5qi13wf00L/BCh6/bNjTbMJ/BcAqwDIKy8SMIIARa8RbmSk13w30sKQCFD0hgSWzaaewCkA/jeAb6beEhpAAnkCFL3mTwVGes33MS30T4Ci1z871jSbwLcAvA2gvdlm0rosEaDoNd/bPD/dfB/TQv8EKHr9s2NNswmcBuANAPLKiwSMIEDRa4QbixohovcggIbmm0oLScAzAYpez8hYISMEOgD4PYCOGbGXZmaAAEWv+U6m6DXfx7TQPwGKXv/sWNNsAmcAeBmAvPIiASMIUPQa4UZGes13Iy0MiQBFb0hg2WzqCXQG8CKAs1JvCQ0ggTwBil7zpwIjveb7mBb6J0DR658da5pNoAuA5wDIKy8SMIIARa8RbmSk13w30sKQCFD0hgSWzaaeQFcA8wF0S70lNIAEGOnNzByQBWx1ABplxmIaSgLuCVD0umfFktkicB6AuQC6Z8tsWmsyAUZ6TfbuV7ZR9JrvY1ronwBFr392rGk2gR4AZgGQV14kYAQBil4j3FjUCIpe831MC/0ToOj1z441zSZwPoDHAXzXbDNpXZYIUPSa722KXvN9TAv9E6Do9c+ONc0m8F8BTAcgr7xIwAgCFL1GuJGRXvPdSAtDIkDRGxJYNpt6Aj0B/DuAC1NvCQ0ggTwBil7zp4IsYNsHoLH5ptJCEvBMgKLXMzJWyAiBHwCYAkBeeZGAEQQoeo1wY1EjKHrN9zEt9E+Aotc/O9Y0m0AvAD8HcLHZZtK6LBGg6DXf2xS95vuYFvonQNHrnx1rmk2gN4B7APzQbDNpXZYIUPSa722KXvN9TAv9E6Do9c+ONc0mcCmAOwH0MdtMWpclAhS95nubotd8H9NC/wQoev2zY02zCVwG4DYAPzLbTFqXJQIUveZ7Wxaw7QFwnPmm0kIS8EyAotczMlbICIG+AEYBkFdeJGAEAYpeI9xY1AiKXvN9TAv9E6Do9c+ONc0mcCWAnwC4ymwzaV2WCFD0mu9til7zfUwL/ROg6PXPjjXNJnA1gBsA/IvZZtK6LBGg6DXf2xS95vuYFvonQNHrnx1rmk2gH4AhAPqbbSatyxIBil7zvU3Ra76PaaF/AhS9/tmxptkErgEg/w0020xalyUCFL3me1tE724ATcw3lRaSgGcCFL2ekbFCRggMyqc2DM6IvTQzAwQoes13suzasIui13xH00JfBCh6fWFjpQwQuC6/c4OkOPAiASMIUPQa4caiRlD0mu9jWuifAEWvf3asaTaBofmDKeSVFwkYQYCi1wg3UvSa70ZaGBIBit6QwLLZ1BOQnRsuBnBj6i2hASSQJ0DRa/5UYKTXfB/TQv8EKHr9s2NNswn8GEBPAMPMNpPWZYkARa/53hbRWwugqfmm0kIS8EyAotczMlbICIHhAL6bP6AiIybTTNMJUPSa6eE7AfwcwB0A5gHYmRe9YwA8mD9P/Vdmmk6rSMATAYpeT7hYOEMERgA4D8DIDNlMUw0nQNFrpoNPBPAJgIP5nRsq8tHeZgDkJl8OoM5M02kVCXgiQNHrCRcLG05A7hH78jbeDOAcAKPyv58OYIvh9tM8wwlQ9Jrr4EcByB8t2adXXXsBPABgqrlm0zIS8ESAotcTLhY2nMAH+WDJOABnATgDwEwAEwCcD+AyAFWGM6B5BhOg6DXXuRLt/b8AGlhE7wkADphrNi0jAU8EKHo94WJhwwncAuDh/D1iB4BGAOSeIfeRBdzJwXDvZ8A8il6znfwYAMnLksVs8shKIryM8prtc1rnjQBFrzdeLG0+gRoAbSxmyufkVAD/Yb75tNBkAhS9JnsXOCkf7RU/S2qD5PZKni8vEiCBrwhQ9HImkMDRBG4HMAmA5PfKJfeMuQBGExQJpJ0ARW/aPeg8fon2/lv+j5jk8/IigSwTkB1NpgC4G4B8NpTovS2/s8l9+ce7WWZE27NNQFIZJLWhVR7DEQCn5BdHZ5sMrU89AYre1LvQ0QCJ9j4BQM5PZ5TXERcLGE6gBQB5fHsYwP78TiZyg5d9rBvmf99jOAOaRwJOBO7KL16TnN6nAIx1qsD3SSANBCh60+AljpEESCBIAvLEQx7h6jubHAIwHcA9QXbEtkggpQRkHYjs7y6iVwIn8kWRFwmkngBFb+pdSANIgAQ8EpBo72f5BZ6qqjwFkVXqjPJ6hMnixhKYAaA5ADmOmBcJGEEgLaK3a4cOHV7+6KOPvmUEdRphHIGOHTturaqqktXNvNJBQI/2MsqbDp9xlMUJtO3QocNK3ifNnSb5+0xXfjn37+NUiN6Kior3Jk6c2O3WW2/1bylrkkBIBL797W/XrlmzZiKAx0Pqgs0GT0CP9jLKGzxfthgxgeOPP/7xn/zkJ//26KOP6mk7EY+C3YVF4Kc//emhX/3qV/9j//79FEIlQE686G3QoMGkysrK21599dWWJdjJqiQQCoGJEyd++dRTT71RU1PTJ5QO2GiYBCTaK7s5yGb8zOUNkzTbDptAWwD/+Mc//oG2beVHXiYR2L59O045RTbQyO2isd0k26K2Jemit3fz5s1/t3nz5qYnn3xy1GzYHwkUJfDmm2/iyiuv3FtXV9eJ2/mkcrJItPdpADfxcWEq/cdB5wkwymv2VGCUNzj/Jln0NiwrK/t45syZpwwePDg4i9kSCQRA4PDhwzj99NN3b9u2TU68ey6AJtkECZAACfghwCivH2opqcMob7COSqzobdmy5W8GDBgwcO7cubJ/Ji8SSBSBYcOG1S1evPj53bt335iogSVzMD06duz4QlVVVftkDo+jyjqBNC9EZZTX7NnLKG+w/k2q6B3crl272Vu2bGnZsKiayBMAABqXSURBVKHsF8+LBJJD4LnnnsPNN9+8vba2VkScHHLAqzCBRq1bt/7wl7/85anDhw8nJxJIFIHPP/8cnTt33rVly5ZxAOYkanDuBsMorztOqSzFKG/wbkui6D25adOmm3/3u9817927d/AWs0USKIHAJ598gk6dOtXt3bv3SgBvltBUJqq2adPmhQEDBvSdPXs2n9hkwuPpMvLaa6/d+/vf//75Xbt2DUvXyL8aLaO8afSa+zEzyuuelduSiRO95eXly2+++eYfTp48OXFjcwuV5cwlcPnll+9etmzZjCNHjkww18rALLuta9eu969du7YssBbZEAkEROCxxx7D5MmTP6ipqekSUJNRN8Mob9TEI+yPUd5wYCdNWN7avXv3SatXr+ZNMhx/s9USCDz++OOYNGnSuurq6m4lNJOVqhc1btz49ffee69R586ds2Iz7UwJgRUrVqBPnz6HPv/883MBbEzJsI8aJqO8afSa+zEzyuuelZeSSRK9csrI2rVr16JrV/mRFwkkh8C6devQrVtO68r/1iVnZIkcSVnLli03zpo166Rrr702kQPkoLJLoLa2FmedddaeTz75RHZeWZhSEozyptRxbobNKK8bSv7KJEb08tQ1fw5krWgI8NQ195zLy8uX3XjjjRdPmzatkftaLEkC0RDo27fv7rfeemtuXV3d7dH0GHwvjPIGzzRJLTLKG543EiF6GzRoMLmysnIMT10Lz9Fs2T8Bnrrmid34733ve3euXLmSKUqesLFwFASmTp2KRx555C/V1dXfjaK/kPpglDcksElollHecL2QBNHLU9fC9TFbL4EAT13zBK9vixYtXli/fn3Tdu3aearIwiQQNoGlS5fimmuu2VNXVycL17aF3V9Y7TPKGxbZZLTLKG+4fohb9PLUtXD9y9ZLIMBT1zzBa9usWbMPnn322VZXXXWVp4osTAJhE5DoWZcuXfbX1tZKkvnLYfcXYvuM8oYIN+6mGeUN3wOxil6euha+g9mDfwI8dc09uxNOOGHlLbfc8r2JEye6r8SSJBARgYsuuqj2j3/84yMAJkXUZSjdMMobCtbENMoob/iuiFP08tS18P3LHnwSyJ+69o/a2tpTeepacYiNGzd+sFevXiOXLVvWyiduViOB0Ajcc889X8yZM+ft6urqtJ92xChvaLMk/oYZ5Y3GB3GJXp66Fo1/2YsPAjx1zRO0gd/4xjfmbtiwoXl5ebmniixMAmETeP755zF8+PDP9uzZI5tF14TdX5jtM8obJt3422aUNxofxCJ6eepaNM5lL/4I8NQ119w6HXfccWuXLl3ahEeGu2bGghER2Lx5s+ytffDAgQN9DTgynFHeiOZNHN0wyhsd9ThEL09di86/7Mkjgfypa2urq6vlpCZeRQjI3tp33313tzvuuIOcSCBxBPJ7a08B8HDiBudxQIzyegSWsuKM8kbnsKhFL09di8637MkjAZ665h5Y8+bNZ1VWVl63ePHiFu5rsSQJRENg9OjRBxctWvRaTU3N1dH0GGovnqK8dXV1GDt2LGbPnp0blJwkuWjRIpxxxhm+Brly5UqMHj3ato0FCxZg/vz5kFe36U1Stn379ujZs2fB8YgN06ZNw6hRo1y3++GHH2LQoEFyrCueeeYZDBkyxJe9UVdilDda4pGKXp66Fq1z2Zs3Ajx1zTWvm9q3b//oxo0bWzZp0sR1JRYkgSgIPP3007j99tu31dbWiso7EEWfYfbhJcqrBK+M55FHHkHTpk1zgvShhx4qSfgWss+r6FXC9Mknnywqer22K+PzUydMv7ltm1Fet6SCKReZ6OWpa8E4jK2EQ4Cnrrnmel6DBg1WrVy5ssEFF1zguhILkkAUBP72t7+hR48eR44cOSJhxD9H0WfIfXiK8haLyqpxSpkLL7ww96uKAsthMhIdbtu2LSZMmICamppcpHTo0KG5qKwe6Z08eTJka0Kp26dPH8gTMmukV9VftmxZrh+JvF522WW5NvV/69GjR310Vsq9++67ufLW8a1atQrXX3997r3Kysqv9We16a677sJ1112Xa1ui3NLumWee+bX+ZTyKmdgiXw7ELokwjxgxon7sYUWNGeUN+dNj03xUopenrkXvW/bokgBPXXMJCjimdevWm6dOndph5MiRX6sU9GNVp1HJjfWpp57CuHHjchEtN5c+RrmpqWiYqis3b3VzVTdrvzc81ZcSEvr43Ea83NgURhkRNnJDtvIJo6+g2vzyyy9F2OzavHnz3QBmBdVunO14ifLKOJ2inWre3XnnnTkBKH4W0Sf1XnvttfpUhU2bNtUL3erq6qN+FkEqIrJ79+45obx169aviVA9uiyCVaVASFsiRCXSq+p///vfrx+LmnMvvfRSfR2xS8Yq6RAiRpUYt34uddtl/DJOleZgjYCvWbMm974usnVhLkJf5r6kWCg+btM3vMwXRnm90AqmbBSil6euBeMrthICAZ665h5q69atn7366qv/269//evjrbWifqwq/fsRZsXEpvUxsFUguCflXDLpotfZguSVGDp06L5XXnnlpdra2n9N3uh8jchTlNeN6LWKYn0eVlRU1AvSP/zhD/VfekQgqkivLmBFBBYS2XrkVcYl4lJEq928179oqi+iuug9/vjjj8pRtvuyarVdid5C/epfSC+55JJ6+4SBEtgS8Xb6EuHLq/lKjPKWQs9/3dBFL09d8+8c1gyfAE9dc834lrPPPnvy+vXry+xq+H2sKotrdLFpvemIsN2wYUOuSzkwRD3alKiUl8ed8ohTta0/XlXRIv1xbqHIrt0jWxUtUxEqGad6TCwRaP2RsS4EJNK2fPnyXMTLuqDHTgRIJFs9VpY+9Bu/Xl5/9Ksv7NH/3e7xtnWRk/6FQoke9fhXFzFWJnoE8OOPP8ann34KSYNRUTN1Yp++0MjOLsVRLcaaNGlS7rG7XHZ2LVy4EPfff/+mmpoa2Y/XiMtrlFeMdvocFhO9KvIq7Uj0VnjL3NTbdCt6pQ3rkx+ZG7qwVukGelTVLtKrIqz6vC30lEZFlNMgehnljedjGrbo5alr8fiVvbogwFPXXED6qsiFDRs2XLFmzZpjzznnHNtKThERp8eqaqGNneh98cUXc3l5csmjUf3RrN0j+GJ96Y9XdbHpFHl1ejyqImFqjPrjW0lvUI9lpU8VQRLRriJRCqq6ses5iCqvUsShcNZtUMLB+uhX5U8q4aJE7NSpUzF+/Phcd7/4xS9w77331udx6o61il71qLhfv345IS+X3paIWhWdmzt3bk6g64+9ZdzvvPNOTvxu27atPqIo7djZlZt02uNnxVfND92u1atX45VXXjn8xRdfdAfwvutZneyCnqO8utCUn+0Wstl9hvTH92r+Wb8kKf4y99ymN9ilNOiiV/0sn2d9XulzSeaNXHpKQ6EnPHbpDerz5fbzG1Wkl1He+D58YYreQE9dc7sCNc5tS+QPhvyh15PjS9kqJuhpYY3K2C0I8NJnscfLTo+e7USG0zd5L2NzKstT15wI1b/fvKysbNOMGTPaivgqdDmJ3mIRJvnMFBO9Stju37/f881PokSFHuF6Eb3W+ao/HtXzDIWPutmrx7IiegcOHFgv9Ao95pW6xTgWi6qqiKiKgKmcRd1f6vMuedAq4lrob4BdpFf9LVPvifAcNmxYbrGTHh23CgwZg76FlhqTivba2aUEkWw/JZcqa31sLu81adLk8IEDB8YAmOl6Vie8oJ8orzLJKbe+WKRf+UJ9OZM2rdFjNwvZrGNQkXrd1+LTv//97/VzUb7Q1tbW5j4DKlKrFtopsS3jKbQFWzHRK/UKPanR7YtK9DLKG98HMDTRK6eujRo16oeTJk0KpA+3otfp5hsWajePR8Pq2027dn/M9EUMQSfpFxO9+hcT9U1c56e+9asFDm7s81qGp665I1ZRUfHKkCFDLn300UcbF6tRymPVJIhep89vMdEr4k9Pw7jiiityIlAXxqWKXpXCYH1ErIS79Quj9Cen5FkjycqHhVIf1PthiF5pu9DCwUJ26akPIpLkUbiKNIrtV1999e7XX3/9t/v377/V3YxORSlfUd5UWMZB5nKlTznlFCEh/9tOJNESCESQ2gw58FPXdNGrVpNac8xkHNatTgrl8ambhNrSZOnSpZgxYwa6du2ay7WTCMP06dNz26vIf3oOkTUHTT3m0/PP9OR4lbdol4NYKGfRKkILfUtVN6/+/fvXf2O225jbzZcBu9xA6+NgXdzIufbWXEZhINEjuTnZ3eTUeE888cRcvp/KabSKCqdIcSkfE5665preXd/5znfu/stf/mKbx6u34rSQTcpaUxPUY1U9/05F+GQ+KzHpNdLrJ71BxldsIZv18au++luP3Eo7KiJqFw32kt6gciwlUqwibnoUzJoCoecXqyis9KfnFlvzjAv9XXAjeq3pDSr3d968eZg586ugq90jdn03APkbYjcPpK41pUEiyiptQ+w65phjMGXKlOqDBw/OkCwJ17M64QVLifIm3DQODwCjvPFOgzBEbyinrllFr12OmTUXSD1eVH98C21TIjcLJSr1pHqVS6jnMUlbxXLr1KM+XRza5UGpMcmWKIVyFtXUKJaPZCcS7LZYcRKRei6hvqBB3djUtkt6OzJ2feGB9RG1YqlvJyWC5NVXX8Xll19+1ONeu0iv3VY4pX5ceOqaa4KVzZo1W7Ju3bomp512mqtKfh+r6l/o5Mul+F2JQ32+WdMb1Jc0N/t2KiHqlLurf/ETo/UvkIW+eEo5O9Fv3bKslIVsKg9WvozLl335wqhymws9rtb/vdACNxm7XTTYjeiVv7fKJ2pxoL6QTRe91rmhuOoRZ6tdhRbuWVIc/gignzy9djVJk1+IUd7k+8j3CBnl9Y0usIqBi96wTl2zi/Rac8ysotcapbRuU6I/JrM+3tQf/VvbsctBUwtK7ESvHhEVAVgoWmq9qSsvF3u0an1s6iZyY7enqVUU263YlUj4mDFj6nP4CglgtdK82D6fTjm9en5XkKkXPHXN1d+OE5s3b75h3rx5bSTCyYsEkkRABP/ZZ5+9r6amRrYmeylJYyt1LIzylkow2fUZ5Y3fP4GK3jBPXUuK6JUolFp1bbf9SlJFr1N6QzHRK9NURKg8ctajyG5E780334wbbrghly6ip4g4RdycItN+Pjo8dc0dtYqKirdHjhz5/cmTJwf698Fd7yxFAsUJ9O7de9eKFSseP3LkyFd7mJlzMcprji+/ZgmjvMlwbpA3tVBPXfMjet2kN9gtpLKeVKNHemXTbrsctGKRXqf0hkI5i2qKuElvULmxhcSt00I2Pa9ST29QOXnqUaO+X6YuTGW7IjfpDYWi1/r4ip264/djw1PX3JGTL669evW69c0332zlrgZLkUB0BCZMmPDlrFmz3qmurr4oul6j6YlR3mg4x9ULo7xxkT+636BEb+inrvkRvfJYvNg2JX7SG/StdPQcNLXQRRZyiTD0spDNSfSKy5wWsjmJXrs2rLmQhTa5l7p6zq9aMa6LXimjtiUqtpCtkOjV+5CfdXFd6keFp665JtivvLz8tx988EEzWWjIiwSSREC+WN9www079u7dexaAT5M0tgDGktgob7E8dz3vWjGw5ogXq2/lpgI8f/7zn+sXhKoyhfqyC9IE4I9Am2CUN1CcJTUWiOjlqWsl+YCVQybAU9dcAT6tSZMm65YsWdJMvrTwIoEkEZD9XLt27Xpg3759VwNYlqSxBTGWpEZ5i+1oYj2N0LpexXraovzudLR3sX32rSlvat2NOgxF/GDdEi8I3wTRBqO8QVAMpo0gRC9PXQvGF2wlBAI8dc0d1IqKitXjxo3rftddd7mrwFIkECGB888/v/avf/3rgwD+PcJuo+oqkVFep72rBY5ViJaapqaErN2Wl4XWnVi3yNMPZil0kEVUjpV+GOWNkrZzX6WK3kBPXXMeLkuQgHsCPHXNHSuJMl166aX/umTJkpbuaqSjlNNiSScr5AYup5fJ3rbWHU/0R612qTjFDtMJY5Gmky1pfl+iZAsWLHi9urr6ijTbUWjsSY3yuvn8WOeyvv5ELWJWqXdOvtMFszU90E5g20V63R6z7TSWIN9nlDdImqW3VZLoDfrUtdLNYQsk8J8EeOqaq9kw9Jvf/OYTGzZsaNm8eXNXFdJSyM1Nu5gthcSpnt+ucvzVnrnSnupXfrY7hpyi1/0MkiOdx4wZs722tvZMAHvd10xNyURGefV5XEy0Bil6ix0HrESvOj5bedduX2jZP97pmO2oZgejvFGRdt9PKaI38FPX3A+bJUmgOAGeuuZqhpxz7LHHrlmxYkVDdZKhq1opKWQVvYUOcbBbwPnaa6/ltiaUy+7wC4XA+ghYRbpqa2shO6IUEr1ys5b9ZmUrP739YmO07o6in7b28ccf59q74IILcifZDRs2LHeSpFx2JzSmwYXvv/8+unfv/sXhw4d7yRkaaRiz1zEmNcordvhJb7A7hVBt4+nExm6hmv7ZKPRl0e5gGKdjtp3GEtT7jPIGRTK4dvyK3lBOXQvOLLaUZQI8dc2d98vLyzfef//9Z95yyy3uKqSslC561ZaCIgj1433V9ngiIK1b5bmJyKobtVqxLgL6nXfeye1pLdHfQqLX7hTGHj16FDyqWUR4MdGrn16op1asWrUKEi2VfwvykJcopkKXLl1qP/jgA9mL94ko+ouhj8RGeRWLqBay2S1ws+4Y5Eb0Wk8QddqfPkyfM8obJl3/bfsSvWGduubfDNYkgf8kwFPXnGdDWVnZb6+44op+8+fPb+ZcOp0l7NIbrLm4kq+rttoTK/UDVJxEr4oQqzpyVLCcWCgnF8re3KNHj3ZMb9BPYZT+dYGqj19EbTHRK3XVynXLMb22xwwn3aM//vGP9y9ZsuR/7dy587qkj9Xv+JIc5dVtimLLMrsceOve8m5Er3wG9CO7xQ67Y7b9+sxLPUZ5vdCKrqxn0RvmqWvRmc2eTCUgm9fPnDnzjZqamj6m2hiAXSM7der04KZNm1odc4znPwEBdB9NE7poVLm3EoFVQrdt27a5VAC5dKGoRKzkBhY6SlsJAf3xq1UcSLt2q8f1m3cYolf6VY98Zd/wOG/8fjw9a9YsjB8//qOdO3d2AvClnzZSUCfxUd4UMEzsEBnlTaxr4PWOF+qpa8nFxJGlgQBPXXPlpQsaNGiwctWqVQ3OO+88VxXSWkgXvWKDOoxGpTo4pTQUEr2q3ZNOOqlg2oC+KEf2J9WvQqK3WHqDfmKinYCX9lWkV3+kq58mqQ6VSbI/5VCCnj17Hjly5EgPAH9L8lhLGVtaoryl2JjluozyJtf7XkRv6KeuJRcTR5Z0Ajx1zZWHmpSVlX04ffr0djfddJOrCmkupItelccrkU+JvsqJc6eeempOKBba19Mumis87CK61sVifkSvbPZfaCGbfiKjRKIl3UFfyKaLXmuUN8jTDcOcDwcOHEDnzp13b9269acAng6zr5jbZpQ3ZgeE2T2jvGHSLb1t16KXp66VDpsthEeAp645sy0vL18yaNCgy5588snjnEuzBAlES2DAgAF7li1b9uzevXtHRttztL0xyhst76h7Y5Q3auLe+nMrennqmjeuLB0hAZ665gr2Hd27d79v9erVZa5KsxAJREjg4YcfxoMPPri2urr63Ai7jaMrRnnjoB5Rn4zyRgS6hG7ciF6eulYCYFYNlwBPXXPFt3eTJk2Wrl279rhOnWRtEC8SSA4BycXv27fvgYMHD3YDsDk5Iwt+JIzyBs80SS0yypskb9iPxVH08tS15DsxyyPkqWuO3i9v0aLFxjlz5pwwcOBAx8IsQAJREpBc5bPOOmvvP//5z2EAno+y7xj6YpQ3BuhRdckob1SkS+vHSfTy1LXS+LJ2iAR46poz3IqKijeHDx9+0QMPPHCsc2mWIIFoCVRWVu5asWLFrEOHDt0dbc/R98Yob/TMo+yRUd4oafvvq5jo5alr/rmyZsgEeOqaK8ATf/CDH4x9++23mcfrChcLRUlAdpV44okn/vTZZ5/1jLLfmPpilDcm8FF0yyhvFJSD6aOg6K2oqFg7ceLErrfeemswPbEVEgiQAE9dc4R5VVlZ2cL169cfL4cw8CKBJBF4+eWXcd111+3at2/f2QC2J2lsYYyFUd4wqCanTUZ5k+MLp5HYil6euuaEje/HSYCnrjnSb9e0adP1L7zwQou+ffs6FmYBEoiSgBwT26VLl7o9e/ZcA2BplH3H1BejvDGBj6JbRnmjoBxcH3ail6euBceXLQVMgKeuOQOtqKj4P2PHjj1//PjxzoVZggQiJtCzZ8/aP/3pTw8BmBpx17F0xyhvLNgj65RR3shQB9KRVfTKqWtbZ86c2Xbw4MGBdMBGSCAoAjx1zZlk06ZNp1988cXDli5d2tK5NEuQQLQExo0b9/lvfvObt2pqaiqj7Tm23hjljQ19+B0zyhs+46B7OEr08tS1oPGyvSAJ8NQ1R5rXnnzyybM3bNjQoqyMa9ccabFApAQWLlyIkSNH/r/du3d3BlAbaecxdcYob0zgI+qWUd6IQAfYjS56eepagGDZVLAEeOqaI8/OjRo1em/58uWNe/Xq5ViYBUggSgIbN27Eueee+/mhQ4cuBfB2lH3H2BejvDHCD7trRnnDJhxO+0r08tS1cPiy1QAI8NQ1Z4jl5eXrJ0yYcPZtt93mXJglSCBiAt26datdt27d/QAei7jr2LpjlDc29JF0zChvJJgD7yQnennqWuBc2WCABPKnrj125MiRiQE2a0xTrVq1mvujH/1o4MKFC5sbYxQNMYbAiBEj6hYvXrx0x44dsltDVi5GeQ32NKO86XWuiF6eupZe/xk/cp665uji4aeffvq0jRs3tmrUqJFjYRYggSgJzJkzBz/72c8+3rlz5xkAPo+y7zj7YpQ3Tvrh980ob/iMw+rhmA4dOmz96KOPvhVWB2yXBEoh0KFDh//46KOPrgKwrpR2TK3bsWPHj6uqqtqbah/tSjeBjh07bq2qqpII76p0W+Jp9C06dOjwPu+rnpilqnD+viQnCRp/sEqqHONisP8fOtERNPnmqxcAAAAASUVORK5CYII="/>
+          <p:cNvSpPr>
+            <a:spLocks noChangeAspect="1" noChangeArrowheads="1"/>
+          </p:cNvSpPr>
+          <p:nvPr/>
+        </p:nvSpPr>
+        <p:spPr bwMode="auto">
+          <a:xfrm>
+            <a:off x="155575" y="-144463"/>
+            <a:ext cx="304800" cy="304801"/>
+          </a:xfrm>
+          <a:prstGeom prst="rect">
+            <a:avLst/>
+          </a:prstGeom>
+          <a:noFill/>
+        </p:spPr>
+        <p:txBody>
+          <a:bodyPr vert="horz" wrap="square" lIns="91440" tIns="45720" rIns="91440" bIns="45720" numCol="1" anchor="t" anchorCtr="0" compatLnSpc="1">
+            <a:prstTxWarp prst="textNoShape">
+              <a:avLst/>
+            </a:prstTxWarp>
+          </a:bodyPr>
+          <a:lstStyle/>
+          <a:p>
+            <a:endParaRPr lang="en-US"/>
+          </a:p>
+        </p:txBody>
+      </p:sp>
       <p:pic>
         <p:nvPicPr>
-          <p:cNvPr id="9" name="Picture 8">
-            <a:extLst>
-              <a:ext uri="{FF2B5EF4-FFF2-40B4-BE49-F238E27FC236}">
-                <a16:creationId xmlns:a16="http://schemas.microsoft.com/office/drawing/2014/main" id="{8C8A28FB-F3D7-4637-BC40-57C3682E65F2}"/>
-              </a:ext>
-            </a:extLst>
-          </p:cNvPr>
+          <p:cNvPr id="2058" name="Picture 10" descr="C:\Users\Administrator\Downloads\Untitled Diagram (2).jpg"/>
           <p:cNvPicPr>
-            <a:picLocks noChangeAspect="1"/>
+            <a:picLocks noChangeAspect="1" noChangeArrowheads="1"/>
           </p:cNvPicPr>
           <p:nvPr/>
         </p:nvPicPr>
         <p:blipFill>
           <a:blip r:embed="rId2"/>
+          <a:srcRect/>
           <a:stretch>
             <a:fillRect/>
           </a:stretch>
         </p:blipFill>
-        <p:spPr>
+        <p:spPr bwMode="auto">
           <a:xfrm>
-            <a:off x="3305908" y="613717"/>
-            <a:ext cx="5018942" cy="5930502"/>
+            <a:off x="2999965" y="639671"/>
+            <a:ext cx="6262569" cy="5930946"/>
           </a:xfrm>
           <a:prstGeom prst="rect">
             <a:avLst/>
           </a:prstGeom>
+          <a:noFill/>
         </p:spPr>
       </p:pic>
     </p:spTree>
     <p:extLst>
       <p:ext uri="{BB962C8B-B14F-4D97-AF65-F5344CB8AC3E}">
-        <p14:creationId xmlns:p14="http://schemas.microsoft.com/office/powerpoint/2010/main" val="1728695450"/>
+        <p14:creationId xmlns="" xmlns:p14="http://schemas.microsoft.com/office/powerpoint/2010/main" val="1728695450"/>
       </p:ext>
     </p:extLst>
   </p:cSld>
@@ -16084,7 +16256,7 @@
     </p:spTree>
     <p:extLst>
       <p:ext uri="{BB962C8B-B14F-4D97-AF65-F5344CB8AC3E}">
-        <p14:creationId xmlns:p14="http://schemas.microsoft.com/office/powerpoint/2010/main" val="3021781986"/>
+        <p14:creationId xmlns="" xmlns:p14="http://schemas.microsoft.com/office/powerpoint/2010/main" val="3021781986"/>
       </p:ext>
     </p:extLst>
   </p:cSld>
@@ -16138,7 +16310,7 @@
     </a:clrScheme>
     <a:fontScheme name="Office">
       <a:majorFont>
-        <a:latin typeface="Calibri Light" panose="020F0302020204030204"/>
+        <a:latin typeface="Calibri Light"/>
         <a:ea typeface=""/>
         <a:cs typeface=""/>
         <a:font script="Jpan" typeface="游ゴシック Light"/>
@@ -16173,7 +16345,7 @@
         <a:font script="Geor" typeface="Sylfaen"/>
       </a:majorFont>
       <a:minorFont>
-        <a:latin typeface="Calibri" panose="020F0502020204030204"/>
+        <a:latin typeface="Calibri"/>
         <a:ea typeface=""/>
         <a:cs typeface=""/>
         <a:font script="Jpan" typeface="游ゴシック"/>
@@ -16350,7 +16522,7 @@
   <a:extraClrSchemeLst/>
   <a:extLst>
     <a:ext uri="{05A4C25C-085E-4340-85A3-A5531E510DB2}">
-      <thm15:themeFamily xmlns:thm15="http://schemas.microsoft.com/office/thememl/2012/main" name="Office Theme" id="{62F939B6-93AF-4DB8-9C6B-D6C7DFDC589F}" vid="{4A3C46E8-61CC-4603-A589-7422A47A8E4A}"/>
+      <thm15:themeFamily xmlns="" xmlns:thm15="http://schemas.microsoft.com/office/thememl/2012/main" name="Office Theme" id="{62F939B6-93AF-4DB8-9C6B-D6C7DFDC589F}" vid="{4A3C46E8-61CC-4603-A589-7422A47A8E4A}"/>
     </a:ext>
   </a:extLst>
 </a:theme>
@@ -16399,7 +16571,7 @@
     </a:clrScheme>
     <a:fontScheme name="Office">
       <a:majorFont>
-        <a:latin typeface="Calibri Light" panose="020F0302020204030204"/>
+        <a:latin typeface="Calibri Light"/>
         <a:ea typeface=""/>
         <a:cs typeface=""/>
         <a:font script="Jpan" typeface="游ゴシック Light"/>
@@ -16434,7 +16606,7 @@
         <a:font script="Geor" typeface="Sylfaen"/>
       </a:majorFont>
       <a:minorFont>
-        <a:latin typeface="Calibri" panose="020F0502020204030204"/>
+        <a:latin typeface="Calibri"/>
         <a:ea typeface=""/>
         <a:cs typeface=""/>
         <a:font script="Jpan" typeface="游ゴシック"/>
@@ -16611,7 +16783,7 @@
   <a:extraClrSchemeLst/>
   <a:extLst>
     <a:ext uri="{05A4C25C-085E-4340-85A3-A5531E510DB2}">
-      <thm15:themeFamily xmlns:thm15="http://schemas.microsoft.com/office/thememl/2012/main" name="Office Theme" id="{62F939B6-93AF-4DB8-9C6B-D6C7DFDC589F}" vid="{4A3C46E8-61CC-4603-A589-7422A47A8E4A}"/>
+      <thm15:themeFamily xmlns="" xmlns:thm15="http://schemas.microsoft.com/office/thememl/2012/main" name="Office Theme" id="{62F939B6-93AF-4DB8-9C6B-D6C7DFDC589F}" vid="{4A3C46E8-61CC-4603-A589-7422A47A8E4A}"/>
     </a:ext>
   </a:extLst>
 </a:theme>
@@ -16660,7 +16832,7 @@
     </a:clrScheme>
     <a:fontScheme name="Office">
       <a:majorFont>
-        <a:latin typeface="Calibri Light" panose="020F0302020204030204"/>
+        <a:latin typeface="Calibri Light"/>
         <a:ea typeface=""/>
         <a:cs typeface=""/>
         <a:font script="Jpan" typeface="游ゴシック Light"/>
@@ -16695,7 +16867,7 @@
         <a:font script="Geor" typeface="Sylfaen"/>
       </a:majorFont>
       <a:minorFont>
-        <a:latin typeface="Calibri" panose="020F0502020204030204"/>
+        <a:latin typeface="Calibri"/>
         <a:ea typeface=""/>
         <a:cs typeface=""/>
         <a:font script="Jpan" typeface="游ゴシック"/>
@@ -16872,7 +17044,7 @@
   <a:extraClrSchemeLst/>
   <a:extLst>
     <a:ext uri="{05A4C25C-085E-4340-85A3-A5531E510DB2}">
-      <thm15:themeFamily xmlns:thm15="http://schemas.microsoft.com/office/thememl/2012/main" name="Office Theme" id="{62F939B6-93AF-4DB8-9C6B-D6C7DFDC589F}" vid="{4A3C46E8-61CC-4603-A589-7422A47A8E4A}"/>
+      <thm15:themeFamily xmlns="" xmlns:thm15="http://schemas.microsoft.com/office/thememl/2012/main" name="Office Theme" id="{62F939B6-93AF-4DB8-9C6B-D6C7DFDC589F}" vid="{4A3C46E8-61CC-4603-A589-7422A47A8E4A}"/>
     </a:ext>
   </a:extLst>
 </a:theme>
